--- a/Report/HPGe_Automation Optimization_MCNP_Model.pptx
+++ b/Report/HPGe_Automation Optimization_MCNP_Model.pptx
@@ -5,10 +5,10 @@
     <p:sldMasterId id="2147483660" r:id="rId1"/>
   </p:sldMasterIdLst>
   <p:notesMasterIdLst>
-    <p:notesMasterId r:id="rId18"/>
+    <p:notesMasterId r:id="rId23"/>
   </p:notesMasterIdLst>
   <p:handoutMasterIdLst>
-    <p:handoutMasterId r:id="rId19"/>
+    <p:handoutMasterId r:id="rId24"/>
   </p:handoutMasterIdLst>
   <p:sldIdLst>
     <p:sldId id="256" r:id="rId2"/>
@@ -21,12 +21,17 @@
     <p:sldId id="355" r:id="rId9"/>
     <p:sldId id="356" r:id="rId10"/>
     <p:sldId id="359" r:id="rId11"/>
-    <p:sldId id="350" r:id="rId12"/>
-    <p:sldId id="361" r:id="rId13"/>
-    <p:sldId id="362" r:id="rId14"/>
-    <p:sldId id="351" r:id="rId15"/>
-    <p:sldId id="353" r:id="rId16"/>
-    <p:sldId id="349" r:id="rId17"/>
+    <p:sldId id="361" r:id="rId12"/>
+    <p:sldId id="364" r:id="rId13"/>
+    <p:sldId id="367" r:id="rId14"/>
+    <p:sldId id="363" r:id="rId15"/>
+    <p:sldId id="350" r:id="rId16"/>
+    <p:sldId id="366" r:id="rId17"/>
+    <p:sldId id="368" r:id="rId18"/>
+    <p:sldId id="365" r:id="rId19"/>
+    <p:sldId id="351" r:id="rId20"/>
+    <p:sldId id="353" r:id="rId21"/>
+    <p:sldId id="349" r:id="rId22"/>
   </p:sldIdLst>
   <p:sldSz cx="9144000" cy="6858000" type="screen4x3"/>
   <p:notesSz cx="7010400" cy="9296400"/>
@@ -1019,7 +1024,7 @@
     </p:spTree>
     <p:extLst>
       <p:ext uri="{BB962C8B-B14F-4D97-AF65-F5344CB8AC3E}">
-        <p14:creationId xmlns:p14="http://schemas.microsoft.com/office/powerpoint/2010/main" val="2954842817"/>
+        <p14:creationId xmlns:p14="http://schemas.microsoft.com/office/powerpoint/2010/main" val="2752201828"/>
       </p:ext>
     </p:extLst>
   </p:cSld>
@@ -1109,7 +1114,7 @@
     </p:spTree>
     <p:extLst>
       <p:ext uri="{BB962C8B-B14F-4D97-AF65-F5344CB8AC3E}">
-        <p14:creationId xmlns:p14="http://schemas.microsoft.com/office/powerpoint/2010/main" val="2752201828"/>
+        <p14:creationId xmlns:p14="http://schemas.microsoft.com/office/powerpoint/2010/main" val="708838868"/>
       </p:ext>
     </p:extLst>
   </p:cSld>
@@ -1199,7 +1204,7 @@
     </p:spTree>
     <p:extLst>
       <p:ext uri="{BB962C8B-B14F-4D97-AF65-F5344CB8AC3E}">
-        <p14:creationId xmlns:p14="http://schemas.microsoft.com/office/powerpoint/2010/main" val="242696839"/>
+        <p14:creationId xmlns:p14="http://schemas.microsoft.com/office/powerpoint/2010/main" val="4269494774"/>
       </p:ext>
     </p:extLst>
   </p:cSld>
@@ -1289,7 +1294,7 @@
     </p:spTree>
     <p:extLst>
       <p:ext uri="{BB962C8B-B14F-4D97-AF65-F5344CB8AC3E}">
-        <p14:creationId xmlns:p14="http://schemas.microsoft.com/office/powerpoint/2010/main" val="321018036"/>
+        <p14:creationId xmlns:p14="http://schemas.microsoft.com/office/powerpoint/2010/main" val="3756956046"/>
       </p:ext>
     </p:extLst>
   </p:cSld>
@@ -1343,6 +1348,14 @@
           <a:bodyPr/>
           <a:lstStyle/>
           <a:p>
+            <a:r>
+              <a:rPr lang="en-US" dirty="0" smtClean="0"/>
+              <a:t>Cite manual, primer, and PNNL</a:t>
+            </a:r>
+            <a:r>
+              <a:rPr lang="en-US" baseline="0" dirty="0" smtClean="0"/>
+              <a:t> materials</a:t>
+            </a:r>
             <a:endParaRPr lang="en-US" dirty="0"/>
           </a:p>
         </p:txBody>
@@ -1379,7 +1392,7 @@
     </p:spTree>
     <p:extLst>
       <p:ext uri="{BB962C8B-B14F-4D97-AF65-F5344CB8AC3E}">
-        <p14:creationId xmlns:p14="http://schemas.microsoft.com/office/powerpoint/2010/main" val="1197035683"/>
+        <p14:creationId xmlns:p14="http://schemas.microsoft.com/office/powerpoint/2010/main" val="2954842817"/>
       </p:ext>
     </p:extLst>
   </p:cSld>
@@ -1469,7 +1482,367 @@
     </p:spTree>
     <p:extLst>
       <p:ext uri="{BB962C8B-B14F-4D97-AF65-F5344CB8AC3E}">
-        <p14:creationId xmlns:p14="http://schemas.microsoft.com/office/powerpoint/2010/main" val="891719190"/>
+        <p14:creationId xmlns:p14="http://schemas.microsoft.com/office/powerpoint/2010/main" val="963458018"/>
+      </p:ext>
+    </p:extLst>
+  </p:cSld>
+  <p:clrMapOvr>
+    <a:masterClrMapping/>
+  </p:clrMapOvr>
+</p:notes>
+</file>
+
+<file path=ppt/notesSlides/notesSlide16.xml><?xml version="1.0" encoding="utf-8"?>
+<p:notes xmlns:a="http://schemas.openxmlformats.org/drawingml/2006/main" xmlns:r="http://schemas.openxmlformats.org/officeDocument/2006/relationships" xmlns:p="http://schemas.openxmlformats.org/presentationml/2006/main">
+  <p:cSld>
+    <p:spTree>
+      <p:nvGrpSpPr>
+        <p:cNvPr id="1" name=""/>
+        <p:cNvGrpSpPr/>
+        <p:nvPr/>
+      </p:nvGrpSpPr>
+      <p:grpSpPr>
+        <a:xfrm>
+          <a:off x="0" y="0"/>
+          <a:ext cx="0" cy="0"/>
+          <a:chOff x="0" y="0"/>
+          <a:chExt cx="0" cy="0"/>
+        </a:xfrm>
+      </p:grpSpPr>
+      <p:sp>
+        <p:nvSpPr>
+          <p:cNvPr id="2" name="Slide Image Placeholder 1"/>
+          <p:cNvSpPr>
+            <a:spLocks noGrp="1" noRot="1" noChangeAspect="1"/>
+          </p:cNvSpPr>
+          <p:nvPr>
+            <p:ph type="sldImg"/>
+          </p:nvPr>
+        </p:nvSpPr>
+        <p:spPr/>
+      </p:sp>
+      <p:sp>
+        <p:nvSpPr>
+          <p:cNvPr id="3" name="Notes Placeholder 2"/>
+          <p:cNvSpPr>
+            <a:spLocks noGrp="1"/>
+          </p:cNvSpPr>
+          <p:nvPr>
+            <p:ph type="body" idx="1"/>
+          </p:nvPr>
+        </p:nvSpPr>
+        <p:spPr/>
+        <p:txBody>
+          <a:bodyPr/>
+          <a:lstStyle/>
+          <a:p>
+            <a:endParaRPr lang="en-US" dirty="0"/>
+          </a:p>
+        </p:txBody>
+      </p:sp>
+      <p:sp>
+        <p:nvSpPr>
+          <p:cNvPr id="4" name="Slide Number Placeholder 3"/>
+          <p:cNvSpPr>
+            <a:spLocks noGrp="1"/>
+          </p:cNvSpPr>
+          <p:nvPr>
+            <p:ph type="sldNum" sz="quarter" idx="10"/>
+          </p:nvPr>
+        </p:nvSpPr>
+        <p:spPr/>
+        <p:txBody>
+          <a:bodyPr/>
+          <a:lstStyle/>
+          <a:p>
+            <a:pPr>
+              <a:defRPr/>
+            </a:pPr>
+            <a:fld id="{1F6B3159-B396-4F1D-8D6C-858A85A1524C}" type="slidenum">
+              <a:rPr lang="en-US" smtClean="0"/>
+              <a:pPr>
+                <a:defRPr/>
+              </a:pPr>
+              <a:t>17</a:t>
+            </a:fld>
+            <a:endParaRPr lang="en-US" dirty="0"/>
+          </a:p>
+        </p:txBody>
+      </p:sp>
+    </p:spTree>
+    <p:extLst>
+      <p:ext uri="{BB962C8B-B14F-4D97-AF65-F5344CB8AC3E}">
+        <p14:creationId xmlns:p14="http://schemas.microsoft.com/office/powerpoint/2010/main" val="2070261305"/>
+      </p:ext>
+    </p:extLst>
+  </p:cSld>
+  <p:clrMapOvr>
+    <a:masterClrMapping/>
+  </p:clrMapOvr>
+</p:notes>
+</file>
+
+<file path=ppt/notesSlides/notesSlide17.xml><?xml version="1.0" encoding="utf-8"?>
+<p:notes xmlns:a="http://schemas.openxmlformats.org/drawingml/2006/main" xmlns:r="http://schemas.openxmlformats.org/officeDocument/2006/relationships" xmlns:p="http://schemas.openxmlformats.org/presentationml/2006/main">
+  <p:cSld>
+    <p:spTree>
+      <p:nvGrpSpPr>
+        <p:cNvPr id="1" name=""/>
+        <p:cNvGrpSpPr/>
+        <p:nvPr/>
+      </p:nvGrpSpPr>
+      <p:grpSpPr>
+        <a:xfrm>
+          <a:off x="0" y="0"/>
+          <a:ext cx="0" cy="0"/>
+          <a:chOff x="0" y="0"/>
+          <a:chExt cx="0" cy="0"/>
+        </a:xfrm>
+      </p:grpSpPr>
+      <p:sp>
+        <p:nvSpPr>
+          <p:cNvPr id="2" name="Slide Image Placeholder 1"/>
+          <p:cNvSpPr>
+            <a:spLocks noGrp="1" noRot="1" noChangeAspect="1"/>
+          </p:cNvSpPr>
+          <p:nvPr>
+            <p:ph type="sldImg"/>
+          </p:nvPr>
+        </p:nvSpPr>
+        <p:spPr/>
+      </p:sp>
+      <p:sp>
+        <p:nvSpPr>
+          <p:cNvPr id="3" name="Notes Placeholder 2"/>
+          <p:cNvSpPr>
+            <a:spLocks noGrp="1"/>
+          </p:cNvSpPr>
+          <p:nvPr>
+            <p:ph type="body" idx="1"/>
+          </p:nvPr>
+        </p:nvSpPr>
+        <p:spPr/>
+        <p:txBody>
+          <a:bodyPr/>
+          <a:lstStyle/>
+          <a:p>
+            <a:endParaRPr lang="en-US" dirty="0"/>
+          </a:p>
+        </p:txBody>
+      </p:sp>
+      <p:sp>
+        <p:nvSpPr>
+          <p:cNvPr id="4" name="Slide Number Placeholder 3"/>
+          <p:cNvSpPr>
+            <a:spLocks noGrp="1"/>
+          </p:cNvSpPr>
+          <p:nvPr>
+            <p:ph type="sldNum" sz="quarter" idx="10"/>
+          </p:nvPr>
+        </p:nvSpPr>
+        <p:spPr/>
+        <p:txBody>
+          <a:bodyPr/>
+          <a:lstStyle/>
+          <a:p>
+            <a:pPr>
+              <a:defRPr/>
+            </a:pPr>
+            <a:fld id="{1F6B3159-B396-4F1D-8D6C-858A85A1524C}" type="slidenum">
+              <a:rPr lang="en-US" smtClean="0"/>
+              <a:pPr>
+                <a:defRPr/>
+              </a:pPr>
+              <a:t>18</a:t>
+            </a:fld>
+            <a:endParaRPr lang="en-US" dirty="0"/>
+          </a:p>
+        </p:txBody>
+      </p:sp>
+    </p:spTree>
+    <p:extLst>
+      <p:ext uri="{BB962C8B-B14F-4D97-AF65-F5344CB8AC3E}">
+        <p14:creationId xmlns:p14="http://schemas.microsoft.com/office/powerpoint/2010/main" val="79133694"/>
+      </p:ext>
+    </p:extLst>
+  </p:cSld>
+  <p:clrMapOvr>
+    <a:masterClrMapping/>
+  </p:clrMapOvr>
+</p:notes>
+</file>
+
+<file path=ppt/notesSlides/notesSlide18.xml><?xml version="1.0" encoding="utf-8"?>
+<p:notes xmlns:a="http://schemas.openxmlformats.org/drawingml/2006/main" xmlns:r="http://schemas.openxmlformats.org/officeDocument/2006/relationships" xmlns:p="http://schemas.openxmlformats.org/presentationml/2006/main">
+  <p:cSld>
+    <p:spTree>
+      <p:nvGrpSpPr>
+        <p:cNvPr id="1" name=""/>
+        <p:cNvGrpSpPr/>
+        <p:nvPr/>
+      </p:nvGrpSpPr>
+      <p:grpSpPr>
+        <a:xfrm>
+          <a:off x="0" y="0"/>
+          <a:ext cx="0" cy="0"/>
+          <a:chOff x="0" y="0"/>
+          <a:chExt cx="0" cy="0"/>
+        </a:xfrm>
+      </p:grpSpPr>
+      <p:sp>
+        <p:nvSpPr>
+          <p:cNvPr id="2" name="Slide Image Placeholder 1"/>
+          <p:cNvSpPr>
+            <a:spLocks noGrp="1" noRot="1" noChangeAspect="1"/>
+          </p:cNvSpPr>
+          <p:nvPr>
+            <p:ph type="sldImg"/>
+          </p:nvPr>
+        </p:nvSpPr>
+        <p:spPr/>
+      </p:sp>
+      <p:sp>
+        <p:nvSpPr>
+          <p:cNvPr id="3" name="Notes Placeholder 2"/>
+          <p:cNvSpPr>
+            <a:spLocks noGrp="1"/>
+          </p:cNvSpPr>
+          <p:nvPr>
+            <p:ph type="body" idx="1"/>
+          </p:nvPr>
+        </p:nvSpPr>
+        <p:spPr/>
+        <p:txBody>
+          <a:bodyPr/>
+          <a:lstStyle/>
+          <a:p>
+            <a:endParaRPr lang="en-US" dirty="0"/>
+          </a:p>
+        </p:txBody>
+      </p:sp>
+      <p:sp>
+        <p:nvSpPr>
+          <p:cNvPr id="4" name="Slide Number Placeholder 3"/>
+          <p:cNvSpPr>
+            <a:spLocks noGrp="1"/>
+          </p:cNvSpPr>
+          <p:nvPr>
+            <p:ph type="sldNum" sz="quarter" idx="10"/>
+          </p:nvPr>
+        </p:nvSpPr>
+        <p:spPr/>
+        <p:txBody>
+          <a:bodyPr/>
+          <a:lstStyle/>
+          <a:p>
+            <a:pPr>
+              <a:defRPr/>
+            </a:pPr>
+            <a:fld id="{1F6B3159-B396-4F1D-8D6C-858A85A1524C}" type="slidenum">
+              <a:rPr lang="en-US" smtClean="0"/>
+              <a:pPr>
+                <a:defRPr/>
+              </a:pPr>
+              <a:t>19</a:t>
+            </a:fld>
+            <a:endParaRPr lang="en-US" dirty="0"/>
+          </a:p>
+        </p:txBody>
+      </p:sp>
+    </p:spTree>
+    <p:extLst>
+      <p:ext uri="{BB962C8B-B14F-4D97-AF65-F5344CB8AC3E}">
+        <p14:creationId xmlns:p14="http://schemas.microsoft.com/office/powerpoint/2010/main" val="321018036"/>
+      </p:ext>
+    </p:extLst>
+  </p:cSld>
+  <p:clrMapOvr>
+    <a:masterClrMapping/>
+  </p:clrMapOvr>
+</p:notes>
+</file>
+
+<file path=ppt/notesSlides/notesSlide19.xml><?xml version="1.0" encoding="utf-8"?>
+<p:notes xmlns:a="http://schemas.openxmlformats.org/drawingml/2006/main" xmlns:r="http://schemas.openxmlformats.org/officeDocument/2006/relationships" xmlns:p="http://schemas.openxmlformats.org/presentationml/2006/main">
+  <p:cSld>
+    <p:spTree>
+      <p:nvGrpSpPr>
+        <p:cNvPr id="1" name=""/>
+        <p:cNvGrpSpPr/>
+        <p:nvPr/>
+      </p:nvGrpSpPr>
+      <p:grpSpPr>
+        <a:xfrm>
+          <a:off x="0" y="0"/>
+          <a:ext cx="0" cy="0"/>
+          <a:chOff x="0" y="0"/>
+          <a:chExt cx="0" cy="0"/>
+        </a:xfrm>
+      </p:grpSpPr>
+      <p:sp>
+        <p:nvSpPr>
+          <p:cNvPr id="2" name="Slide Image Placeholder 1"/>
+          <p:cNvSpPr>
+            <a:spLocks noGrp="1" noRot="1" noChangeAspect="1"/>
+          </p:cNvSpPr>
+          <p:nvPr>
+            <p:ph type="sldImg"/>
+          </p:nvPr>
+        </p:nvSpPr>
+        <p:spPr/>
+      </p:sp>
+      <p:sp>
+        <p:nvSpPr>
+          <p:cNvPr id="3" name="Notes Placeholder 2"/>
+          <p:cNvSpPr>
+            <a:spLocks noGrp="1"/>
+          </p:cNvSpPr>
+          <p:nvPr>
+            <p:ph type="body" idx="1"/>
+          </p:nvPr>
+        </p:nvSpPr>
+        <p:spPr/>
+        <p:txBody>
+          <a:bodyPr/>
+          <a:lstStyle/>
+          <a:p>
+            <a:endParaRPr lang="en-US" dirty="0"/>
+          </a:p>
+        </p:txBody>
+      </p:sp>
+      <p:sp>
+        <p:nvSpPr>
+          <p:cNvPr id="4" name="Slide Number Placeholder 3"/>
+          <p:cNvSpPr>
+            <a:spLocks noGrp="1"/>
+          </p:cNvSpPr>
+          <p:nvPr>
+            <p:ph type="sldNum" sz="quarter" idx="10"/>
+          </p:nvPr>
+        </p:nvSpPr>
+        <p:spPr/>
+        <p:txBody>
+          <a:bodyPr/>
+          <a:lstStyle/>
+          <a:p>
+            <a:pPr>
+              <a:defRPr/>
+            </a:pPr>
+            <a:fld id="{1F6B3159-B396-4F1D-8D6C-858A85A1524C}" type="slidenum">
+              <a:rPr lang="en-US" smtClean="0"/>
+              <a:pPr>
+                <a:defRPr/>
+              </a:pPr>
+              <a:t>20</a:t>
+            </a:fld>
+            <a:endParaRPr lang="en-US" dirty="0"/>
+          </a:p>
+        </p:txBody>
+      </p:sp>
+    </p:spTree>
+    <p:extLst>
+      <p:ext uri="{BB962C8B-B14F-4D97-AF65-F5344CB8AC3E}">
+        <p14:creationId xmlns:p14="http://schemas.microsoft.com/office/powerpoint/2010/main" val="1197035683"/>
       </p:ext>
     </p:extLst>
   </p:cSld>
@@ -1560,6 +1933,96 @@
     <p:extLst>
       <p:ext uri="{BB962C8B-B14F-4D97-AF65-F5344CB8AC3E}">
         <p14:creationId xmlns:p14="http://schemas.microsoft.com/office/powerpoint/2010/main" val="3861245803"/>
+      </p:ext>
+    </p:extLst>
+  </p:cSld>
+  <p:clrMapOvr>
+    <a:masterClrMapping/>
+  </p:clrMapOvr>
+</p:notes>
+</file>
+
+<file path=ppt/notesSlides/notesSlide20.xml><?xml version="1.0" encoding="utf-8"?>
+<p:notes xmlns:a="http://schemas.openxmlformats.org/drawingml/2006/main" xmlns:r="http://schemas.openxmlformats.org/officeDocument/2006/relationships" xmlns:p="http://schemas.openxmlformats.org/presentationml/2006/main">
+  <p:cSld>
+    <p:spTree>
+      <p:nvGrpSpPr>
+        <p:cNvPr id="1" name=""/>
+        <p:cNvGrpSpPr/>
+        <p:nvPr/>
+      </p:nvGrpSpPr>
+      <p:grpSpPr>
+        <a:xfrm>
+          <a:off x="0" y="0"/>
+          <a:ext cx="0" cy="0"/>
+          <a:chOff x="0" y="0"/>
+          <a:chExt cx="0" cy="0"/>
+        </a:xfrm>
+      </p:grpSpPr>
+      <p:sp>
+        <p:nvSpPr>
+          <p:cNvPr id="2" name="Slide Image Placeholder 1"/>
+          <p:cNvSpPr>
+            <a:spLocks noGrp="1" noRot="1" noChangeAspect="1"/>
+          </p:cNvSpPr>
+          <p:nvPr>
+            <p:ph type="sldImg"/>
+          </p:nvPr>
+        </p:nvSpPr>
+        <p:spPr/>
+      </p:sp>
+      <p:sp>
+        <p:nvSpPr>
+          <p:cNvPr id="3" name="Notes Placeholder 2"/>
+          <p:cNvSpPr>
+            <a:spLocks noGrp="1"/>
+          </p:cNvSpPr>
+          <p:nvPr>
+            <p:ph type="body" idx="1"/>
+          </p:nvPr>
+        </p:nvSpPr>
+        <p:spPr/>
+        <p:txBody>
+          <a:bodyPr/>
+          <a:lstStyle/>
+          <a:p>
+            <a:endParaRPr lang="en-US" dirty="0"/>
+          </a:p>
+        </p:txBody>
+      </p:sp>
+      <p:sp>
+        <p:nvSpPr>
+          <p:cNvPr id="4" name="Slide Number Placeholder 3"/>
+          <p:cNvSpPr>
+            <a:spLocks noGrp="1"/>
+          </p:cNvSpPr>
+          <p:nvPr>
+            <p:ph type="sldNum" sz="quarter" idx="10"/>
+          </p:nvPr>
+        </p:nvSpPr>
+        <p:spPr/>
+        <p:txBody>
+          <a:bodyPr/>
+          <a:lstStyle/>
+          <a:p>
+            <a:pPr>
+              <a:defRPr/>
+            </a:pPr>
+            <a:fld id="{1F6B3159-B396-4F1D-8D6C-858A85A1524C}" type="slidenum">
+              <a:rPr lang="en-US" smtClean="0"/>
+              <a:pPr>
+                <a:defRPr/>
+              </a:pPr>
+              <a:t>21</a:t>
+            </a:fld>
+            <a:endParaRPr lang="en-US" dirty="0"/>
+          </a:p>
+        </p:txBody>
+      </p:sp>
+    </p:spTree>
+    <p:extLst>
+      <p:ext uri="{BB962C8B-B14F-4D97-AF65-F5344CB8AC3E}">
+        <p14:creationId xmlns:p14="http://schemas.microsoft.com/office/powerpoint/2010/main" val="891719190"/>
       </p:ext>
     </p:extLst>
   </p:cSld>
@@ -5468,6 +5931,120 @@
       </p:grpSpPr>
       <p:sp>
         <p:nvSpPr>
+          <p:cNvPr id="10241" name="Title 1"/>
+          <p:cNvSpPr>
+            <a:spLocks noGrp="1"/>
+          </p:cNvSpPr>
+          <p:nvPr>
+            <p:ph type="title"/>
+          </p:nvPr>
+        </p:nvSpPr>
+        <p:spPr/>
+        <p:txBody>
+          <a:bodyPr/>
+          <a:lstStyle/>
+          <a:p>
+            <a:r>
+              <a:rPr lang="en-US" dirty="0" smtClean="0"/>
+              <a:t>MCNP Model</a:t>
+            </a:r>
+            <a:endParaRPr lang="en-US" dirty="0"/>
+          </a:p>
+        </p:txBody>
+      </p:sp>
+      <p:sp>
+        <p:nvSpPr>
+          <p:cNvPr id="3" name="Slide Number Placeholder 2"/>
+          <p:cNvSpPr>
+            <a:spLocks noGrp="1"/>
+          </p:cNvSpPr>
+          <p:nvPr>
+            <p:ph type="sldNum" sz="quarter" idx="10"/>
+          </p:nvPr>
+        </p:nvSpPr>
+        <p:spPr/>
+        <p:txBody>
+          <a:bodyPr/>
+          <a:lstStyle/>
+          <a:p>
+            <a:pPr>
+              <a:defRPr/>
+            </a:pPr>
+            <a:fld id="{54D80F8A-463A-4890-BC87-BDB129B2791E}" type="slidenum">
+              <a:rPr lang="en-US" smtClean="0"/>
+              <a:pPr>
+                <a:defRPr/>
+              </a:pPr>
+              <a:t>11</a:t>
+            </a:fld>
+            <a:endParaRPr lang="en-US"/>
+          </a:p>
+        </p:txBody>
+      </p:sp>
+      <p:pic>
+        <p:nvPicPr>
+          <p:cNvPr id="5" name="Picture 4"/>
+          <p:cNvPicPr>
+            <a:picLocks noChangeAspect="1"/>
+          </p:cNvPicPr>
+          <p:nvPr/>
+        </p:nvPicPr>
+        <p:blipFill>
+          <a:blip r:embed="rId3"/>
+          <a:stretch>
+            <a:fillRect/>
+          </a:stretch>
+        </p:blipFill>
+        <p:spPr>
+          <a:xfrm>
+            <a:off x="1649780" y="1391332"/>
+            <a:ext cx="5311040" cy="4714063"/>
+          </a:xfrm>
+          <a:prstGeom prst="rect">
+            <a:avLst/>
+          </a:prstGeom>
+        </p:spPr>
+      </p:pic>
+    </p:spTree>
+    <p:extLst>
+      <p:ext uri="{BB962C8B-B14F-4D97-AF65-F5344CB8AC3E}">
+        <p14:creationId xmlns:p14="http://schemas.microsoft.com/office/powerpoint/2010/main" val="3569034049"/>
+      </p:ext>
+    </p:extLst>
+  </p:cSld>
+  <p:clrMapOvr>
+    <a:masterClrMapping/>
+  </p:clrMapOvr>
+  <p:transition/>
+  <p:timing>
+    <p:tnLst>
+      <p:par>
+        <p:cTn id="1" dur="indefinite" restart="never" nodeType="tmRoot"/>
+      </p:par>
+    </p:tnLst>
+  </p:timing>
+</p:sld>
+</file>
+
+<file path=ppt/slides/slide12.xml><?xml version="1.0" encoding="utf-8"?>
+<p:sld xmlns:a="http://schemas.openxmlformats.org/drawingml/2006/main" xmlns:r="http://schemas.openxmlformats.org/officeDocument/2006/relationships" xmlns:p="http://schemas.openxmlformats.org/presentationml/2006/main">
+  <p:cSld>
+    <p:spTree>
+      <p:nvGrpSpPr>
+        <p:cNvPr id="1" name=""/>
+        <p:cNvGrpSpPr/>
+        <p:nvPr/>
+      </p:nvGrpSpPr>
+      <p:grpSpPr>
+        <a:xfrm>
+          <a:off x="0" y="0"/>
+          <a:ext cx="0" cy="0"/>
+          <a:chOff x="0" y="0"/>
+          <a:chExt cx="0" cy="0"/>
+        </a:xfrm>
+      </p:grpSpPr>
+      <p:sp>
+        <p:nvSpPr>
           <p:cNvPr id="2" name="Content Placeholder 1"/>
           <p:cNvSpPr>
             <a:spLocks noGrp="1"/>
@@ -5488,32 +6065,20 @@
           <a:p>
             <a:r>
               <a:rPr lang="en-US" dirty="0" smtClean="0"/>
-              <a:t>Background</a:t>
+              <a:t>Origin: Centered/Bottom of shielding case</a:t>
             </a:r>
+            <a:endParaRPr lang="en-US" dirty="0"/>
           </a:p>
           <a:p>
             <a:r>
               <a:rPr lang="en-US" dirty="0" smtClean="0"/>
-              <a:t>MCNP Model</a:t>
+              <a:t>Cylinders (~14 CZs)</a:t>
             </a:r>
           </a:p>
           <a:p>
             <a:r>
               <a:rPr lang="en-US" dirty="0" smtClean="0"/>
-              <a:t>Parametric Optimization Code</a:t>
-            </a:r>
-            <a:endParaRPr lang="en-US" dirty="0"/>
-          </a:p>
-          <a:p>
-            <a:r>
-              <a:rPr lang="en-US" dirty="0" smtClean="0"/>
-              <a:t>Results</a:t>
-            </a:r>
-          </a:p>
-          <a:p>
-            <a:r>
-              <a:rPr lang="en-US" dirty="0" smtClean="0"/>
-              <a:t>Future Work</a:t>
+              <a:t>Planes (~20 PZs)</a:t>
             </a:r>
           </a:p>
         </p:txBody>
@@ -5535,7 +6100,7 @@
           <a:p>
             <a:r>
               <a:rPr lang="en-US" dirty="0" smtClean="0"/>
-              <a:t>Summary</a:t>
+              <a:t>Geometry</a:t>
             </a:r>
             <a:endParaRPr lang="en-US" dirty="0"/>
           </a:p>
@@ -5564,7 +6129,4015 @@
               <a:pPr>
                 <a:defRPr/>
               </a:pPr>
-              <a:t>11</a:t>
+              <a:t>12</a:t>
+            </a:fld>
+            <a:endParaRPr lang="en-US"/>
+          </a:p>
+        </p:txBody>
+      </p:sp>
+      <p:pic>
+        <p:nvPicPr>
+          <p:cNvPr id="5" name="Picture 4"/>
+          <p:cNvPicPr>
+            <a:picLocks noChangeAspect="1"/>
+          </p:cNvPicPr>
+          <p:nvPr/>
+        </p:nvPicPr>
+        <p:blipFill>
+          <a:blip r:embed="rId3"/>
+          <a:stretch>
+            <a:fillRect/>
+          </a:stretch>
+        </p:blipFill>
+        <p:spPr>
+          <a:xfrm>
+            <a:off x="4343400" y="1905000"/>
+            <a:ext cx="4000500" cy="4378686"/>
+          </a:xfrm>
+          <a:prstGeom prst="rect">
+            <a:avLst/>
+          </a:prstGeom>
+        </p:spPr>
+      </p:pic>
+      <p:pic>
+        <p:nvPicPr>
+          <p:cNvPr id="6" name="Picture 5"/>
+          <p:cNvPicPr>
+            <a:picLocks noChangeAspect="1"/>
+          </p:cNvPicPr>
+          <p:nvPr/>
+        </p:nvPicPr>
+        <p:blipFill>
+          <a:blip r:embed="rId4"/>
+          <a:stretch>
+            <a:fillRect/>
+          </a:stretch>
+        </p:blipFill>
+        <p:spPr>
+          <a:xfrm>
+            <a:off x="533400" y="3311886"/>
+            <a:ext cx="3121943" cy="2971800"/>
+          </a:xfrm>
+          <a:prstGeom prst="rect">
+            <a:avLst/>
+          </a:prstGeom>
+        </p:spPr>
+      </p:pic>
+      <p:cxnSp>
+        <p:nvCxnSpPr>
+          <p:cNvPr id="10" name="Straight Arrow Connector 9"/>
+          <p:cNvCxnSpPr/>
+          <p:nvPr/>
+        </p:nvCxnSpPr>
+        <p:spPr bwMode="auto">
+          <a:xfrm flipH="1">
+            <a:off x="3810000" y="2438400"/>
+            <a:ext cx="1371600" cy="990600"/>
+          </a:xfrm>
+          <a:prstGeom prst="straightConnector1">
+            <a:avLst/>
+          </a:prstGeom>
+          <a:solidFill>
+            <a:schemeClr val="accent1"/>
+          </a:solidFill>
+          <a:ln w="38100" cap="flat" cmpd="sng" algn="ctr">
+            <a:solidFill>
+              <a:schemeClr val="tx1"/>
+            </a:solidFill>
+            <a:prstDash val="solid"/>
+            <a:round/>
+            <a:headEnd type="none" w="med" len="med"/>
+            <a:tailEnd type="triangle"/>
+          </a:ln>
+          <a:effectLst/>
+        </p:spPr>
+      </p:cxnSp>
+      <p:sp>
+        <p:nvSpPr>
+          <p:cNvPr id="11" name="Oval 10"/>
+          <p:cNvSpPr/>
+          <p:nvPr/>
+        </p:nvSpPr>
+        <p:spPr bwMode="auto">
+          <a:xfrm>
+            <a:off x="4876800" y="1990364"/>
+            <a:ext cx="609600" cy="762000"/>
+          </a:xfrm>
+          <a:prstGeom prst="ellipse">
+            <a:avLst/>
+          </a:prstGeom>
+          <a:noFill/>
+          <a:ln w="9525" cap="flat" cmpd="sng" algn="ctr">
+            <a:solidFill>
+              <a:schemeClr val="tx1"/>
+            </a:solidFill>
+            <a:prstDash val="solid"/>
+            <a:round/>
+            <a:headEnd type="none" w="med" len="med"/>
+            <a:tailEnd type="none" w="med" len="med"/>
+          </a:ln>
+          <a:effectLst/>
+        </p:spPr>
+        <p:txBody>
+          <a:bodyPr vert="horz" wrap="square" lIns="91440" tIns="45720" rIns="91440" bIns="45720" numCol="1" rtlCol="0" anchor="t" anchorCtr="0" compatLnSpc="1">
+            <a:prstTxWarp prst="textNoShape">
+              <a:avLst/>
+            </a:prstTxWarp>
+          </a:bodyPr>
+          <a:lstStyle/>
+          <a:p>
+            <a:pPr marL="0" marR="0" indent="0" algn="l" defTabSz="914400" rtl="0" eaLnBrk="0" fontAlgn="base" latinLnBrk="0" hangingPunct="0">
+              <a:lnSpc>
+                <a:spcPct val="100000"/>
+              </a:lnSpc>
+              <a:spcBef>
+                <a:spcPct val="0"/>
+              </a:spcBef>
+              <a:spcAft>
+                <a:spcPct val="0"/>
+              </a:spcAft>
+              <a:buClrTx/>
+              <a:buSzTx/>
+              <a:buFontTx/>
+              <a:buNone/>
+              <a:tabLst/>
+            </a:pPr>
+            <a:endParaRPr kumimoji="0" lang="en-US" sz="1800" b="0" i="0" u="none" strike="noStrike" cap="none" normalizeH="0" baseline="0" smtClean="0">
+              <a:ln>
+                <a:noFill/>
+              </a:ln>
+              <a:solidFill>
+                <a:schemeClr val="tx1"/>
+              </a:solidFill>
+              <a:effectLst/>
+              <a:latin typeface="Arial" charset="0"/>
+            </a:endParaRPr>
+          </a:p>
+        </p:txBody>
+      </p:sp>
+    </p:spTree>
+    <p:extLst>
+      <p:ext uri="{BB962C8B-B14F-4D97-AF65-F5344CB8AC3E}">
+        <p14:creationId xmlns:p14="http://schemas.microsoft.com/office/powerpoint/2010/main" val="2786892967"/>
+      </p:ext>
+    </p:extLst>
+  </p:cSld>
+  <p:clrMapOvr>
+    <a:masterClrMapping/>
+  </p:clrMapOvr>
+  <p:transition/>
+  <p:timing>
+    <p:tnLst>
+      <p:par>
+        <p:cTn id="1" dur="indefinite" restart="never" nodeType="tmRoot">
+          <p:childTnLst>
+            <p:seq concurrent="1" nextAc="seek">
+              <p:cTn id="2" dur="indefinite" nodeType="mainSeq">
+                <p:childTnLst>
+                  <p:par>
+                    <p:cTn id="3" fill="hold">
+                      <p:stCondLst>
+                        <p:cond delay="indefinite"/>
+                        <p:cond evt="onBegin" delay="0">
+                          <p:tn val="2"/>
+                        </p:cond>
+                      </p:stCondLst>
+                      <p:childTnLst>
+                        <p:par>
+                          <p:cTn id="4" fill="hold">
+                            <p:stCondLst>
+                              <p:cond delay="0"/>
+                            </p:stCondLst>
+                            <p:childTnLst>
+                              <p:par>
+                                <p:cTn id="5" presetID="1" presetClass="entr" presetSubtype="0" fill="hold" nodeType="withEffect">
+                                  <p:stCondLst>
+                                    <p:cond delay="0"/>
+                                  </p:stCondLst>
+                                  <p:childTnLst>
+                                    <p:set>
+                                      <p:cBhvr>
+                                        <p:cTn id="6" dur="1" fill="hold">
+                                          <p:stCondLst>
+                                            <p:cond delay="0"/>
+                                          </p:stCondLst>
+                                        </p:cTn>
+                                        <p:tgtEl>
+                                          <p:spTgt spid="2">
+                                            <p:txEl>
+                                              <p:pRg st="1" end="1"/>
+                                            </p:txEl>
+                                          </p:spTgt>
+                                        </p:tgtEl>
+                                        <p:attrNameLst>
+                                          <p:attrName>style.visibility</p:attrName>
+                                        </p:attrNameLst>
+                                      </p:cBhvr>
+                                      <p:to>
+                                        <p:strVal val="visible"/>
+                                      </p:to>
+                                    </p:set>
+                                  </p:childTnLst>
+                                </p:cTn>
+                              </p:par>
+                              <p:par>
+                                <p:cTn id="7" presetID="1" presetClass="entr" presetSubtype="0" fill="hold" nodeType="withEffect">
+                                  <p:stCondLst>
+                                    <p:cond delay="0"/>
+                                  </p:stCondLst>
+                                  <p:childTnLst>
+                                    <p:set>
+                                      <p:cBhvr>
+                                        <p:cTn id="8" dur="1" fill="hold">
+                                          <p:stCondLst>
+                                            <p:cond delay="0"/>
+                                          </p:stCondLst>
+                                        </p:cTn>
+                                        <p:tgtEl>
+                                          <p:spTgt spid="2">
+                                            <p:txEl>
+                                              <p:pRg st="0" end="0"/>
+                                            </p:txEl>
+                                          </p:spTgt>
+                                        </p:tgtEl>
+                                        <p:attrNameLst>
+                                          <p:attrName>style.visibility</p:attrName>
+                                        </p:attrNameLst>
+                                      </p:cBhvr>
+                                      <p:to>
+                                        <p:strVal val="visible"/>
+                                      </p:to>
+                                    </p:set>
+                                  </p:childTnLst>
+                                </p:cTn>
+                              </p:par>
+                              <p:par>
+                                <p:cTn id="9" presetID="1" presetClass="entr" presetSubtype="0" fill="hold" nodeType="withEffect">
+                                  <p:stCondLst>
+                                    <p:cond delay="0"/>
+                                  </p:stCondLst>
+                                  <p:childTnLst>
+                                    <p:set>
+                                      <p:cBhvr>
+                                        <p:cTn id="10" dur="1" fill="hold">
+                                          <p:stCondLst>
+                                            <p:cond delay="0"/>
+                                          </p:stCondLst>
+                                        </p:cTn>
+                                        <p:tgtEl>
+                                          <p:spTgt spid="2">
+                                            <p:txEl>
+                                              <p:pRg st="2" end="2"/>
+                                            </p:txEl>
+                                          </p:spTgt>
+                                        </p:tgtEl>
+                                        <p:attrNameLst>
+                                          <p:attrName>style.visibility</p:attrName>
+                                        </p:attrNameLst>
+                                      </p:cBhvr>
+                                      <p:to>
+                                        <p:strVal val="visible"/>
+                                      </p:to>
+                                    </p:set>
+                                  </p:childTnLst>
+                                </p:cTn>
+                              </p:par>
+                            </p:childTnLst>
+                          </p:cTn>
+                        </p:par>
+                      </p:childTnLst>
+                    </p:cTn>
+                  </p:par>
+                </p:childTnLst>
+              </p:cTn>
+              <p:prevCondLst>
+                <p:cond evt="onPrev" delay="0">
+                  <p:tgtEl>
+                    <p:sldTgt/>
+                  </p:tgtEl>
+                </p:cond>
+              </p:prevCondLst>
+              <p:nextCondLst>
+                <p:cond evt="onNext" delay="0">
+                  <p:tgtEl>
+                    <p:sldTgt/>
+                  </p:tgtEl>
+                </p:cond>
+              </p:nextCondLst>
+            </p:seq>
+          </p:childTnLst>
+        </p:cTn>
+      </p:par>
+    </p:tnLst>
+  </p:timing>
+</p:sld>
+</file>
+
+<file path=ppt/slides/slide13.xml><?xml version="1.0" encoding="utf-8"?>
+<p:sld xmlns:a="http://schemas.openxmlformats.org/drawingml/2006/main" xmlns:r="http://schemas.openxmlformats.org/officeDocument/2006/relationships" xmlns:p="http://schemas.openxmlformats.org/presentationml/2006/main">
+  <p:cSld>
+    <p:spTree>
+      <p:nvGrpSpPr>
+        <p:cNvPr id="1" name=""/>
+        <p:cNvGrpSpPr/>
+        <p:nvPr/>
+      </p:nvGrpSpPr>
+      <p:grpSpPr>
+        <a:xfrm>
+          <a:off x="0" y="0"/>
+          <a:ext cx="0" cy="0"/>
+          <a:chOff x="0" y="0"/>
+          <a:chExt cx="0" cy="0"/>
+        </a:xfrm>
+      </p:grpSpPr>
+      <p:sp>
+        <p:nvSpPr>
+          <p:cNvPr id="2" name="Content Placeholder 1"/>
+          <p:cNvSpPr>
+            <a:spLocks noGrp="1"/>
+          </p:cNvSpPr>
+          <p:nvPr>
+            <p:ph idx="1"/>
+          </p:nvPr>
+        </p:nvSpPr>
+        <p:spPr>
+          <a:xfrm>
+            <a:off x="304800" y="1295400"/>
+            <a:ext cx="8534400" cy="4876800"/>
+          </a:xfrm>
+        </p:spPr>
+        <p:txBody>
+          <a:bodyPr/>
+          <a:lstStyle/>
+          <a:p>
+            <a:r>
+              <a:rPr lang="en-US" dirty="0" smtClean="0"/>
+              <a:t>Top View:</a:t>
+            </a:r>
+            <a:endParaRPr lang="en-US" dirty="0" smtClean="0"/>
+          </a:p>
+        </p:txBody>
+      </p:sp>
+      <p:sp>
+        <p:nvSpPr>
+          <p:cNvPr id="10241" name="Title 1"/>
+          <p:cNvSpPr>
+            <a:spLocks noGrp="1"/>
+          </p:cNvSpPr>
+          <p:nvPr>
+            <p:ph type="title"/>
+          </p:nvPr>
+        </p:nvSpPr>
+        <p:spPr/>
+        <p:txBody>
+          <a:bodyPr/>
+          <a:lstStyle/>
+          <a:p>
+            <a:r>
+              <a:rPr lang="en-US" dirty="0" smtClean="0"/>
+              <a:t>Geometry</a:t>
+            </a:r>
+            <a:endParaRPr lang="en-US" dirty="0"/>
+          </a:p>
+        </p:txBody>
+      </p:sp>
+      <p:sp>
+        <p:nvSpPr>
+          <p:cNvPr id="3" name="Slide Number Placeholder 2"/>
+          <p:cNvSpPr>
+            <a:spLocks noGrp="1"/>
+          </p:cNvSpPr>
+          <p:nvPr>
+            <p:ph type="sldNum" sz="quarter" idx="10"/>
+          </p:nvPr>
+        </p:nvSpPr>
+        <p:spPr/>
+        <p:txBody>
+          <a:bodyPr/>
+          <a:lstStyle/>
+          <a:p>
+            <a:pPr>
+              <a:defRPr/>
+            </a:pPr>
+            <a:fld id="{54D80F8A-463A-4890-BC87-BDB129B2791E}" type="slidenum">
+              <a:rPr lang="en-US" smtClean="0"/>
+              <a:pPr>
+                <a:defRPr/>
+              </a:pPr>
+              <a:t>13</a:t>
+            </a:fld>
+            <a:endParaRPr lang="en-US"/>
+          </a:p>
+        </p:txBody>
+      </p:sp>
+      <p:pic>
+        <p:nvPicPr>
+          <p:cNvPr id="4" name="Picture 3"/>
+          <p:cNvPicPr>
+            <a:picLocks noChangeAspect="1"/>
+          </p:cNvPicPr>
+          <p:nvPr/>
+        </p:nvPicPr>
+        <p:blipFill>
+          <a:blip r:embed="rId3"/>
+          <a:stretch>
+            <a:fillRect/>
+          </a:stretch>
+        </p:blipFill>
+        <p:spPr>
+          <a:xfrm>
+            <a:off x="2285802" y="1417119"/>
+            <a:ext cx="4572396" cy="4633362"/>
+          </a:xfrm>
+          <a:prstGeom prst="rect">
+            <a:avLst/>
+          </a:prstGeom>
+        </p:spPr>
+      </p:pic>
+    </p:spTree>
+    <p:extLst>
+      <p:ext uri="{BB962C8B-B14F-4D97-AF65-F5344CB8AC3E}">
+        <p14:creationId xmlns:p14="http://schemas.microsoft.com/office/powerpoint/2010/main" val="2466207522"/>
+      </p:ext>
+    </p:extLst>
+  </p:cSld>
+  <p:clrMapOvr>
+    <a:masterClrMapping/>
+  </p:clrMapOvr>
+  <p:transition/>
+  <p:timing>
+    <p:tnLst>
+      <p:par>
+        <p:cTn id="1" dur="indefinite" restart="never" nodeType="tmRoot">
+          <p:childTnLst>
+            <p:seq concurrent="1" nextAc="seek">
+              <p:cTn id="2" dur="indefinite" nodeType="mainSeq">
+                <p:childTnLst>
+                  <p:par>
+                    <p:cTn id="3" fill="hold">
+                      <p:stCondLst>
+                        <p:cond delay="indefinite"/>
+                        <p:cond evt="onBegin" delay="0">
+                          <p:tn val="2"/>
+                        </p:cond>
+                      </p:stCondLst>
+                      <p:childTnLst>
+                        <p:par>
+                          <p:cTn id="4" fill="hold">
+                            <p:stCondLst>
+                              <p:cond delay="0"/>
+                            </p:stCondLst>
+                            <p:childTnLst>
+                              <p:par>
+                                <p:cTn id="5" presetID="1" presetClass="entr" presetSubtype="0" fill="hold" nodeType="withEffect">
+                                  <p:stCondLst>
+                                    <p:cond delay="0"/>
+                                  </p:stCondLst>
+                                  <p:childTnLst>
+                                    <p:set>
+                                      <p:cBhvr>
+                                        <p:cTn id="6" dur="1" fill="hold">
+                                          <p:stCondLst>
+                                            <p:cond delay="0"/>
+                                          </p:stCondLst>
+                                        </p:cTn>
+                                        <p:tgtEl>
+                                          <p:spTgt spid="2">
+                                            <p:txEl>
+                                              <p:pRg st="0" end="0"/>
+                                            </p:txEl>
+                                          </p:spTgt>
+                                        </p:tgtEl>
+                                        <p:attrNameLst>
+                                          <p:attrName>style.visibility</p:attrName>
+                                        </p:attrNameLst>
+                                      </p:cBhvr>
+                                      <p:to>
+                                        <p:strVal val="visible"/>
+                                      </p:to>
+                                    </p:set>
+                                  </p:childTnLst>
+                                </p:cTn>
+                              </p:par>
+                            </p:childTnLst>
+                          </p:cTn>
+                        </p:par>
+                      </p:childTnLst>
+                    </p:cTn>
+                  </p:par>
+                </p:childTnLst>
+              </p:cTn>
+              <p:prevCondLst>
+                <p:cond evt="onPrev" delay="0">
+                  <p:tgtEl>
+                    <p:sldTgt/>
+                  </p:tgtEl>
+                </p:cond>
+              </p:prevCondLst>
+              <p:nextCondLst>
+                <p:cond evt="onNext" delay="0">
+                  <p:tgtEl>
+                    <p:sldTgt/>
+                  </p:tgtEl>
+                </p:cond>
+              </p:nextCondLst>
+            </p:seq>
+          </p:childTnLst>
+        </p:cTn>
+      </p:par>
+    </p:tnLst>
+  </p:timing>
+</p:sld>
+</file>
+
+<file path=ppt/slides/slide14.xml><?xml version="1.0" encoding="utf-8"?>
+<p:sld xmlns:a="http://schemas.openxmlformats.org/drawingml/2006/main" xmlns:r="http://schemas.openxmlformats.org/officeDocument/2006/relationships" xmlns:p="http://schemas.openxmlformats.org/presentationml/2006/main">
+  <p:cSld>
+    <p:spTree>
+      <p:nvGrpSpPr>
+        <p:cNvPr id="1" name=""/>
+        <p:cNvGrpSpPr/>
+        <p:nvPr/>
+      </p:nvGrpSpPr>
+      <p:grpSpPr>
+        <a:xfrm>
+          <a:off x="0" y="0"/>
+          <a:ext cx="0" cy="0"/>
+          <a:chOff x="0" y="0"/>
+          <a:chExt cx="0" cy="0"/>
+        </a:xfrm>
+      </p:grpSpPr>
+      <p:graphicFrame>
+        <p:nvGraphicFramePr>
+          <p:cNvPr id="5" name="Content Placeholder 4"/>
+          <p:cNvGraphicFramePr>
+            <a:graphicFrameLocks noGrp="1"/>
+          </p:cNvGraphicFramePr>
+          <p:nvPr>
+            <p:ph idx="1"/>
+            <p:extLst>
+              <p:ext uri="{D42A27DB-BD31-4B8C-83A1-F6EECF244321}">
+                <p14:modId xmlns:p14="http://schemas.microsoft.com/office/powerpoint/2010/main" val="3075286139"/>
+              </p:ext>
+            </p:extLst>
+          </p:nvPr>
+        </p:nvGraphicFramePr>
+        <p:xfrm>
+          <a:off x="996950" y="1447800"/>
+          <a:ext cx="7086601" cy="4419604"/>
+        </p:xfrm>
+        <a:graphic>
+          <a:graphicData uri="http://schemas.openxmlformats.org/drawingml/2006/table">
+            <a:tbl>
+              <a:tblPr firstRow="1" firstCol="1" bandRow="1"/>
+              <a:tblGrid>
+                <a:gridCol w="1550842"/>
+                <a:gridCol w="1654508"/>
+                <a:gridCol w="3881251"/>
+              </a:tblGrid>
+              <a:tr h="315686">
+                <a:tc>
+                  <a:txBody>
+                    <a:bodyPr/>
+                    <a:lstStyle/>
+                    <a:p>
+                      <a:pPr marL="0" marR="0" algn="ctr">
+                        <a:lnSpc>
+                          <a:spcPct val="107000"/>
+                        </a:lnSpc>
+                        <a:spcBef>
+                          <a:spcPts val="0"/>
+                        </a:spcBef>
+                        <a:spcAft>
+                          <a:spcPts val="0"/>
+                        </a:spcAft>
+                      </a:pPr>
+                      <a:r>
+                        <a:rPr lang="en-US" sz="1600" b="1" dirty="0">
+                          <a:effectLst/>
+                          <a:latin typeface="Arial" panose="020B0604020202020204" pitchFamily="34" charset="0"/>
+                          <a:ea typeface="Calibri" panose="020F0502020204030204" pitchFamily="34" charset="0"/>
+                          <a:cs typeface="Times New Roman" panose="02020603050405020304" pitchFamily="18" charset="0"/>
+                        </a:rPr>
+                        <a:t>Material</a:t>
+                      </a:r>
+                      <a:endParaRPr lang="en-US" sz="1600" dirty="0">
+                        <a:effectLst/>
+                        <a:latin typeface="Calibri" panose="020F0502020204030204" pitchFamily="34" charset="0"/>
+                        <a:ea typeface="Calibri" panose="020F0502020204030204" pitchFamily="34" charset="0"/>
+                        <a:cs typeface="Times New Roman" panose="02020603050405020304" pitchFamily="18" charset="0"/>
+                      </a:endParaRPr>
+                    </a:p>
+                  </a:txBody>
+                  <a:tcPr marL="68580" marR="68580" marT="0" marB="0">
+                    <a:lnL w="12700" cap="flat" cmpd="sng" algn="ctr">
+                      <a:solidFill>
+                        <a:srgbClr val="000000"/>
+                      </a:solidFill>
+                      <a:prstDash val="solid"/>
+                      <a:round/>
+                      <a:headEnd type="none" w="med" len="med"/>
+                      <a:tailEnd type="none" w="med" len="med"/>
+                    </a:lnL>
+                    <a:lnR w="12700" cap="flat" cmpd="sng" algn="ctr">
+                      <a:solidFill>
+                        <a:srgbClr val="000000"/>
+                      </a:solidFill>
+                      <a:prstDash val="solid"/>
+                      <a:round/>
+                      <a:headEnd type="none" w="med" len="med"/>
+                      <a:tailEnd type="none" w="med" len="med"/>
+                    </a:lnR>
+                    <a:lnT w="12700" cap="flat" cmpd="sng" algn="ctr">
+                      <a:solidFill>
+                        <a:srgbClr val="000000"/>
+                      </a:solidFill>
+                      <a:prstDash val="solid"/>
+                      <a:round/>
+                      <a:headEnd type="none" w="med" len="med"/>
+                      <a:tailEnd type="none" w="med" len="med"/>
+                    </a:lnT>
+                    <a:lnB w="12700" cap="flat" cmpd="sng" algn="ctr">
+                      <a:solidFill>
+                        <a:srgbClr val="000000"/>
+                      </a:solidFill>
+                      <a:prstDash val="solid"/>
+                      <a:round/>
+                      <a:headEnd type="none" w="med" len="med"/>
+                      <a:tailEnd type="none" w="med" len="med"/>
+                    </a:lnB>
+                    <a:solidFill>
+                      <a:srgbClr val="F2F2F2"/>
+                    </a:solidFill>
+                  </a:tcPr>
+                </a:tc>
+                <a:tc>
+                  <a:txBody>
+                    <a:bodyPr/>
+                    <a:lstStyle/>
+                    <a:p>
+                      <a:pPr marL="0" marR="0" algn="ctr">
+                        <a:lnSpc>
+                          <a:spcPct val="107000"/>
+                        </a:lnSpc>
+                        <a:spcBef>
+                          <a:spcPts val="0"/>
+                        </a:spcBef>
+                        <a:spcAft>
+                          <a:spcPts val="0"/>
+                        </a:spcAft>
+                      </a:pPr>
+                      <a:r>
+                        <a:rPr lang="en-US" sz="1600" b="1">
+                          <a:effectLst/>
+                          <a:latin typeface="Arial" panose="020B0604020202020204" pitchFamily="34" charset="0"/>
+                          <a:ea typeface="Calibri" panose="020F0502020204030204" pitchFamily="34" charset="0"/>
+                          <a:cs typeface="Times New Roman" panose="02020603050405020304" pitchFamily="18" charset="0"/>
+                        </a:rPr>
+                        <a:t>Density [g/cm</a:t>
+                      </a:r>
+                      <a:r>
+                        <a:rPr lang="en-US" sz="1600" b="1" baseline="30000">
+                          <a:effectLst/>
+                          <a:latin typeface="Arial" panose="020B0604020202020204" pitchFamily="34" charset="0"/>
+                          <a:ea typeface="Calibri" panose="020F0502020204030204" pitchFamily="34" charset="0"/>
+                          <a:cs typeface="Times New Roman" panose="02020603050405020304" pitchFamily="18" charset="0"/>
+                        </a:rPr>
+                        <a:t>3</a:t>
+                      </a:r>
+                      <a:r>
+                        <a:rPr lang="en-US" sz="1600" b="1">
+                          <a:effectLst/>
+                          <a:latin typeface="Arial" panose="020B0604020202020204" pitchFamily="34" charset="0"/>
+                          <a:ea typeface="Calibri" panose="020F0502020204030204" pitchFamily="34" charset="0"/>
+                          <a:cs typeface="Times New Roman" panose="02020603050405020304" pitchFamily="18" charset="0"/>
+                        </a:rPr>
+                        <a:t>]</a:t>
+                      </a:r>
+                      <a:endParaRPr lang="en-US" sz="1600">
+                        <a:effectLst/>
+                        <a:latin typeface="Calibri" panose="020F0502020204030204" pitchFamily="34" charset="0"/>
+                        <a:ea typeface="Calibri" panose="020F0502020204030204" pitchFamily="34" charset="0"/>
+                        <a:cs typeface="Times New Roman" panose="02020603050405020304" pitchFamily="18" charset="0"/>
+                      </a:endParaRPr>
+                    </a:p>
+                  </a:txBody>
+                  <a:tcPr marL="68580" marR="68580" marT="0" marB="0">
+                    <a:lnL w="12700" cap="flat" cmpd="sng" algn="ctr">
+                      <a:solidFill>
+                        <a:srgbClr val="000000"/>
+                      </a:solidFill>
+                      <a:prstDash val="solid"/>
+                      <a:round/>
+                      <a:headEnd type="none" w="med" len="med"/>
+                      <a:tailEnd type="none" w="med" len="med"/>
+                    </a:lnL>
+                    <a:lnR w="12700" cap="flat" cmpd="sng" algn="ctr">
+                      <a:solidFill>
+                        <a:srgbClr val="000000"/>
+                      </a:solidFill>
+                      <a:prstDash val="solid"/>
+                      <a:round/>
+                      <a:headEnd type="none" w="med" len="med"/>
+                      <a:tailEnd type="none" w="med" len="med"/>
+                    </a:lnR>
+                    <a:lnT w="12700" cap="flat" cmpd="sng" algn="ctr">
+                      <a:solidFill>
+                        <a:srgbClr val="000000"/>
+                      </a:solidFill>
+                      <a:prstDash val="solid"/>
+                      <a:round/>
+                      <a:headEnd type="none" w="med" len="med"/>
+                      <a:tailEnd type="none" w="med" len="med"/>
+                    </a:lnT>
+                    <a:lnB w="12700" cap="flat" cmpd="sng" algn="ctr">
+                      <a:solidFill>
+                        <a:srgbClr val="000000"/>
+                      </a:solidFill>
+                      <a:prstDash val="solid"/>
+                      <a:round/>
+                      <a:headEnd type="none" w="med" len="med"/>
+                      <a:tailEnd type="none" w="med" len="med"/>
+                    </a:lnB>
+                    <a:solidFill>
+                      <a:srgbClr val="F2F2F2"/>
+                    </a:solidFill>
+                  </a:tcPr>
+                </a:tc>
+                <a:tc>
+                  <a:txBody>
+                    <a:bodyPr/>
+                    <a:lstStyle/>
+                    <a:p>
+                      <a:pPr marL="0" marR="0" algn="ctr">
+                        <a:lnSpc>
+                          <a:spcPct val="107000"/>
+                        </a:lnSpc>
+                        <a:spcBef>
+                          <a:spcPts val="0"/>
+                        </a:spcBef>
+                        <a:spcAft>
+                          <a:spcPts val="0"/>
+                        </a:spcAft>
+                      </a:pPr>
+                      <a:r>
+                        <a:rPr lang="en-US" sz="1600" b="1">
+                          <a:effectLst/>
+                          <a:latin typeface="Arial" panose="020B0604020202020204" pitchFamily="34" charset="0"/>
+                          <a:ea typeface="Calibri" panose="020F0502020204030204" pitchFamily="34" charset="0"/>
+                          <a:cs typeface="Times New Roman" panose="02020603050405020304" pitchFamily="18" charset="0"/>
+                        </a:rPr>
+                        <a:t>Component(s)</a:t>
+                      </a:r>
+                      <a:endParaRPr lang="en-US" sz="1600">
+                        <a:effectLst/>
+                        <a:latin typeface="Calibri" panose="020F0502020204030204" pitchFamily="34" charset="0"/>
+                        <a:ea typeface="Calibri" panose="020F0502020204030204" pitchFamily="34" charset="0"/>
+                        <a:cs typeface="Times New Roman" panose="02020603050405020304" pitchFamily="18" charset="0"/>
+                      </a:endParaRPr>
+                    </a:p>
+                  </a:txBody>
+                  <a:tcPr marL="68580" marR="68580" marT="0" marB="0">
+                    <a:lnL w="12700" cap="flat" cmpd="sng" algn="ctr">
+                      <a:solidFill>
+                        <a:srgbClr val="000000"/>
+                      </a:solidFill>
+                      <a:prstDash val="solid"/>
+                      <a:round/>
+                      <a:headEnd type="none" w="med" len="med"/>
+                      <a:tailEnd type="none" w="med" len="med"/>
+                    </a:lnL>
+                    <a:lnR w="12700" cap="flat" cmpd="sng" algn="ctr">
+                      <a:solidFill>
+                        <a:srgbClr val="000000"/>
+                      </a:solidFill>
+                      <a:prstDash val="solid"/>
+                      <a:round/>
+                      <a:headEnd type="none" w="med" len="med"/>
+                      <a:tailEnd type="none" w="med" len="med"/>
+                    </a:lnR>
+                    <a:lnT w="12700" cap="flat" cmpd="sng" algn="ctr">
+                      <a:solidFill>
+                        <a:srgbClr val="000000"/>
+                      </a:solidFill>
+                      <a:prstDash val="solid"/>
+                      <a:round/>
+                      <a:headEnd type="none" w="med" len="med"/>
+                      <a:tailEnd type="none" w="med" len="med"/>
+                    </a:lnT>
+                    <a:lnB w="12700" cap="flat" cmpd="sng" algn="ctr">
+                      <a:solidFill>
+                        <a:srgbClr val="000000"/>
+                      </a:solidFill>
+                      <a:prstDash val="solid"/>
+                      <a:round/>
+                      <a:headEnd type="none" w="med" len="med"/>
+                      <a:tailEnd type="none" w="med" len="med"/>
+                    </a:lnB>
+                    <a:solidFill>
+                      <a:srgbClr val="F2F2F2"/>
+                    </a:solidFill>
+                  </a:tcPr>
+                </a:tc>
+              </a:tr>
+              <a:tr h="315686">
+                <a:tc>
+                  <a:txBody>
+                    <a:bodyPr/>
+                    <a:lstStyle/>
+                    <a:p>
+                      <a:pPr marL="0" marR="0" algn="ctr">
+                        <a:lnSpc>
+                          <a:spcPct val="107000"/>
+                        </a:lnSpc>
+                        <a:spcBef>
+                          <a:spcPts val="0"/>
+                        </a:spcBef>
+                        <a:spcAft>
+                          <a:spcPts val="0"/>
+                        </a:spcAft>
+                      </a:pPr>
+                      <a:r>
+                        <a:rPr lang="en-US" sz="1600" dirty="0">
+                          <a:effectLst/>
+                          <a:latin typeface="Arial" panose="020B0604020202020204" pitchFamily="34" charset="0"/>
+                          <a:ea typeface="Calibri" panose="020F0502020204030204" pitchFamily="34" charset="0"/>
+                          <a:cs typeface="Times New Roman" panose="02020603050405020304" pitchFamily="18" charset="0"/>
+                        </a:rPr>
+                        <a:t>Mylar</a:t>
+                      </a:r>
+                      <a:endParaRPr lang="en-US" sz="1600" dirty="0">
+                        <a:effectLst/>
+                        <a:latin typeface="Calibri" panose="020F0502020204030204" pitchFamily="34" charset="0"/>
+                        <a:ea typeface="Calibri" panose="020F0502020204030204" pitchFamily="34" charset="0"/>
+                        <a:cs typeface="Times New Roman" panose="02020603050405020304" pitchFamily="18" charset="0"/>
+                      </a:endParaRPr>
+                    </a:p>
+                  </a:txBody>
+                  <a:tcPr marL="68580" marR="68580" marT="0" marB="0">
+                    <a:lnL w="12700" cap="flat" cmpd="sng" algn="ctr">
+                      <a:solidFill>
+                        <a:srgbClr val="000000"/>
+                      </a:solidFill>
+                      <a:prstDash val="solid"/>
+                      <a:round/>
+                      <a:headEnd type="none" w="med" len="med"/>
+                      <a:tailEnd type="none" w="med" len="med"/>
+                    </a:lnL>
+                    <a:lnR w="12700" cap="flat" cmpd="sng" algn="ctr">
+                      <a:solidFill>
+                        <a:srgbClr val="000000"/>
+                      </a:solidFill>
+                      <a:prstDash val="solid"/>
+                      <a:round/>
+                      <a:headEnd type="none" w="med" len="med"/>
+                      <a:tailEnd type="none" w="med" len="med"/>
+                    </a:lnR>
+                    <a:lnT w="12700" cap="flat" cmpd="sng" algn="ctr">
+                      <a:solidFill>
+                        <a:srgbClr val="000000"/>
+                      </a:solidFill>
+                      <a:prstDash val="solid"/>
+                      <a:round/>
+                      <a:headEnd type="none" w="med" len="med"/>
+                      <a:tailEnd type="none" w="med" len="med"/>
+                    </a:lnT>
+                    <a:lnB w="12700" cap="flat" cmpd="sng" algn="ctr">
+                      <a:solidFill>
+                        <a:srgbClr val="000000"/>
+                      </a:solidFill>
+                      <a:prstDash val="solid"/>
+                      <a:round/>
+                      <a:headEnd type="none" w="med" len="med"/>
+                      <a:tailEnd type="none" w="med" len="med"/>
+                    </a:lnB>
+                    <a:solidFill>
+                      <a:schemeClr val="bg1"/>
+                    </a:solidFill>
+                  </a:tcPr>
+                </a:tc>
+                <a:tc>
+                  <a:txBody>
+                    <a:bodyPr/>
+                    <a:lstStyle/>
+                    <a:p>
+                      <a:pPr marL="0" marR="0" algn="ctr">
+                        <a:lnSpc>
+                          <a:spcPct val="107000"/>
+                        </a:lnSpc>
+                        <a:spcBef>
+                          <a:spcPts val="0"/>
+                        </a:spcBef>
+                        <a:spcAft>
+                          <a:spcPts val="0"/>
+                        </a:spcAft>
+                      </a:pPr>
+                      <a:r>
+                        <a:rPr lang="en-US" sz="1600">
+                          <a:effectLst/>
+                          <a:latin typeface="Arial" panose="020B0604020202020204" pitchFamily="34" charset="0"/>
+                          <a:ea typeface="Calibri" panose="020F0502020204030204" pitchFamily="34" charset="0"/>
+                          <a:cs typeface="Times New Roman" panose="02020603050405020304" pitchFamily="18" charset="0"/>
+                        </a:rPr>
+                        <a:t>1.38</a:t>
+                      </a:r>
+                      <a:endParaRPr lang="en-US" sz="1600">
+                        <a:effectLst/>
+                        <a:latin typeface="Calibri" panose="020F0502020204030204" pitchFamily="34" charset="0"/>
+                        <a:ea typeface="Calibri" panose="020F0502020204030204" pitchFamily="34" charset="0"/>
+                        <a:cs typeface="Times New Roman" panose="02020603050405020304" pitchFamily="18" charset="0"/>
+                      </a:endParaRPr>
+                    </a:p>
+                  </a:txBody>
+                  <a:tcPr marL="68580" marR="68580" marT="0" marB="0">
+                    <a:lnL w="12700" cap="flat" cmpd="sng" algn="ctr">
+                      <a:solidFill>
+                        <a:srgbClr val="000000"/>
+                      </a:solidFill>
+                      <a:prstDash val="solid"/>
+                      <a:round/>
+                      <a:headEnd type="none" w="med" len="med"/>
+                      <a:tailEnd type="none" w="med" len="med"/>
+                    </a:lnL>
+                    <a:lnR w="12700" cap="flat" cmpd="sng" algn="ctr">
+                      <a:solidFill>
+                        <a:srgbClr val="000000"/>
+                      </a:solidFill>
+                      <a:prstDash val="solid"/>
+                      <a:round/>
+                      <a:headEnd type="none" w="med" len="med"/>
+                      <a:tailEnd type="none" w="med" len="med"/>
+                    </a:lnR>
+                    <a:lnT w="12700" cap="flat" cmpd="sng" algn="ctr">
+                      <a:solidFill>
+                        <a:srgbClr val="000000"/>
+                      </a:solidFill>
+                      <a:prstDash val="solid"/>
+                      <a:round/>
+                      <a:headEnd type="none" w="med" len="med"/>
+                      <a:tailEnd type="none" w="med" len="med"/>
+                    </a:lnT>
+                    <a:lnB w="12700" cap="flat" cmpd="sng" algn="ctr">
+                      <a:solidFill>
+                        <a:srgbClr val="000000"/>
+                      </a:solidFill>
+                      <a:prstDash val="solid"/>
+                      <a:round/>
+                      <a:headEnd type="none" w="med" len="med"/>
+                      <a:tailEnd type="none" w="med" len="med"/>
+                    </a:lnB>
+                    <a:solidFill>
+                      <a:schemeClr val="bg1"/>
+                    </a:solidFill>
+                  </a:tcPr>
+                </a:tc>
+                <a:tc>
+                  <a:txBody>
+                    <a:bodyPr/>
+                    <a:lstStyle/>
+                    <a:p>
+                      <a:pPr marL="0" marR="0">
+                        <a:lnSpc>
+                          <a:spcPct val="107000"/>
+                        </a:lnSpc>
+                        <a:spcBef>
+                          <a:spcPts val="0"/>
+                        </a:spcBef>
+                        <a:spcAft>
+                          <a:spcPts val="0"/>
+                        </a:spcAft>
+                      </a:pPr>
+                      <a:r>
+                        <a:rPr lang="en-US" sz="1600">
+                          <a:effectLst/>
+                          <a:latin typeface="Arial" panose="020B0604020202020204" pitchFamily="34" charset="0"/>
+                          <a:ea typeface="Calibri" panose="020F0502020204030204" pitchFamily="34" charset="0"/>
+                          <a:cs typeface="Times New Roman" panose="02020603050405020304" pitchFamily="18" charset="0"/>
+                        </a:rPr>
+                        <a:t>IR Window</a:t>
+                      </a:r>
+                      <a:endParaRPr lang="en-US" sz="1600">
+                        <a:effectLst/>
+                        <a:latin typeface="Calibri" panose="020F0502020204030204" pitchFamily="34" charset="0"/>
+                        <a:ea typeface="Calibri" panose="020F0502020204030204" pitchFamily="34" charset="0"/>
+                        <a:cs typeface="Times New Roman" panose="02020603050405020304" pitchFamily="18" charset="0"/>
+                      </a:endParaRPr>
+                    </a:p>
+                  </a:txBody>
+                  <a:tcPr marL="68580" marR="68580" marT="0" marB="0">
+                    <a:lnL w="12700" cap="flat" cmpd="sng" algn="ctr">
+                      <a:solidFill>
+                        <a:srgbClr val="000000"/>
+                      </a:solidFill>
+                      <a:prstDash val="solid"/>
+                      <a:round/>
+                      <a:headEnd type="none" w="med" len="med"/>
+                      <a:tailEnd type="none" w="med" len="med"/>
+                    </a:lnL>
+                    <a:lnR w="12700" cap="flat" cmpd="sng" algn="ctr">
+                      <a:solidFill>
+                        <a:srgbClr val="000000"/>
+                      </a:solidFill>
+                      <a:prstDash val="solid"/>
+                      <a:round/>
+                      <a:headEnd type="none" w="med" len="med"/>
+                      <a:tailEnd type="none" w="med" len="med"/>
+                    </a:lnR>
+                    <a:lnT w="12700" cap="flat" cmpd="sng" algn="ctr">
+                      <a:solidFill>
+                        <a:srgbClr val="000000"/>
+                      </a:solidFill>
+                      <a:prstDash val="solid"/>
+                      <a:round/>
+                      <a:headEnd type="none" w="med" len="med"/>
+                      <a:tailEnd type="none" w="med" len="med"/>
+                    </a:lnT>
+                    <a:lnB w="12700" cap="flat" cmpd="sng" algn="ctr">
+                      <a:solidFill>
+                        <a:srgbClr val="000000"/>
+                      </a:solidFill>
+                      <a:prstDash val="solid"/>
+                      <a:round/>
+                      <a:headEnd type="none" w="med" len="med"/>
+                      <a:tailEnd type="none" w="med" len="med"/>
+                    </a:lnB>
+                    <a:solidFill>
+                      <a:schemeClr val="bg1"/>
+                    </a:solidFill>
+                  </a:tcPr>
+                </a:tc>
+              </a:tr>
+              <a:tr h="315686">
+                <a:tc>
+                  <a:txBody>
+                    <a:bodyPr/>
+                    <a:lstStyle/>
+                    <a:p>
+                      <a:pPr marL="0" marR="0" algn="ctr">
+                        <a:lnSpc>
+                          <a:spcPct val="107000"/>
+                        </a:lnSpc>
+                        <a:spcBef>
+                          <a:spcPts val="0"/>
+                        </a:spcBef>
+                        <a:spcAft>
+                          <a:spcPts val="0"/>
+                        </a:spcAft>
+                      </a:pPr>
+                      <a:r>
+                        <a:rPr lang="en-US" sz="1600" dirty="0">
+                          <a:effectLst/>
+                          <a:latin typeface="Arial" panose="020B0604020202020204" pitchFamily="34" charset="0"/>
+                          <a:ea typeface="Calibri" panose="020F0502020204030204" pitchFamily="34" charset="0"/>
+                          <a:cs typeface="Times New Roman" panose="02020603050405020304" pitchFamily="18" charset="0"/>
+                        </a:rPr>
+                        <a:t>Brass</a:t>
+                      </a:r>
+                      <a:endParaRPr lang="en-US" sz="1600" dirty="0">
+                        <a:effectLst/>
+                        <a:latin typeface="Calibri" panose="020F0502020204030204" pitchFamily="34" charset="0"/>
+                        <a:ea typeface="Calibri" panose="020F0502020204030204" pitchFamily="34" charset="0"/>
+                        <a:cs typeface="Times New Roman" panose="02020603050405020304" pitchFamily="18" charset="0"/>
+                      </a:endParaRPr>
+                    </a:p>
+                  </a:txBody>
+                  <a:tcPr marL="68580" marR="68580" marT="0" marB="0">
+                    <a:lnL w="12700" cap="flat" cmpd="sng" algn="ctr">
+                      <a:solidFill>
+                        <a:srgbClr val="000000"/>
+                      </a:solidFill>
+                      <a:prstDash val="solid"/>
+                      <a:round/>
+                      <a:headEnd type="none" w="med" len="med"/>
+                      <a:tailEnd type="none" w="med" len="med"/>
+                    </a:lnL>
+                    <a:lnR w="12700" cap="flat" cmpd="sng" algn="ctr">
+                      <a:solidFill>
+                        <a:srgbClr val="000000"/>
+                      </a:solidFill>
+                      <a:prstDash val="solid"/>
+                      <a:round/>
+                      <a:headEnd type="none" w="med" len="med"/>
+                      <a:tailEnd type="none" w="med" len="med"/>
+                    </a:lnR>
+                    <a:lnT w="12700" cap="flat" cmpd="sng" algn="ctr">
+                      <a:solidFill>
+                        <a:srgbClr val="000000"/>
+                      </a:solidFill>
+                      <a:prstDash val="solid"/>
+                      <a:round/>
+                      <a:headEnd type="none" w="med" len="med"/>
+                      <a:tailEnd type="none" w="med" len="med"/>
+                    </a:lnT>
+                    <a:lnB w="12700" cap="flat" cmpd="sng" algn="ctr">
+                      <a:solidFill>
+                        <a:srgbClr val="000000"/>
+                      </a:solidFill>
+                      <a:prstDash val="solid"/>
+                      <a:round/>
+                      <a:headEnd type="none" w="med" len="med"/>
+                      <a:tailEnd type="none" w="med" len="med"/>
+                    </a:lnB>
+                    <a:solidFill>
+                      <a:schemeClr val="bg1"/>
+                    </a:solidFill>
+                  </a:tcPr>
+                </a:tc>
+                <a:tc>
+                  <a:txBody>
+                    <a:bodyPr/>
+                    <a:lstStyle/>
+                    <a:p>
+                      <a:pPr marL="0" marR="0" algn="ctr">
+                        <a:lnSpc>
+                          <a:spcPct val="107000"/>
+                        </a:lnSpc>
+                        <a:spcBef>
+                          <a:spcPts val="0"/>
+                        </a:spcBef>
+                        <a:spcAft>
+                          <a:spcPts val="0"/>
+                        </a:spcAft>
+                      </a:pPr>
+                      <a:r>
+                        <a:rPr lang="en-US" sz="1600" dirty="0">
+                          <a:effectLst/>
+                          <a:latin typeface="Arial" panose="020B0604020202020204" pitchFamily="34" charset="0"/>
+                          <a:ea typeface="Calibri" panose="020F0502020204030204" pitchFamily="34" charset="0"/>
+                          <a:cs typeface="Times New Roman" panose="02020603050405020304" pitchFamily="18" charset="0"/>
+                        </a:rPr>
+                        <a:t>8.41</a:t>
+                      </a:r>
+                      <a:endParaRPr lang="en-US" sz="1600" dirty="0">
+                        <a:effectLst/>
+                        <a:latin typeface="Calibri" panose="020F0502020204030204" pitchFamily="34" charset="0"/>
+                        <a:ea typeface="Calibri" panose="020F0502020204030204" pitchFamily="34" charset="0"/>
+                        <a:cs typeface="Times New Roman" panose="02020603050405020304" pitchFamily="18" charset="0"/>
+                      </a:endParaRPr>
+                    </a:p>
+                  </a:txBody>
+                  <a:tcPr marL="68580" marR="68580" marT="0" marB="0">
+                    <a:lnL w="12700" cap="flat" cmpd="sng" algn="ctr">
+                      <a:solidFill>
+                        <a:srgbClr val="000000"/>
+                      </a:solidFill>
+                      <a:prstDash val="solid"/>
+                      <a:round/>
+                      <a:headEnd type="none" w="med" len="med"/>
+                      <a:tailEnd type="none" w="med" len="med"/>
+                    </a:lnL>
+                    <a:lnR w="12700" cap="flat" cmpd="sng" algn="ctr">
+                      <a:solidFill>
+                        <a:srgbClr val="000000"/>
+                      </a:solidFill>
+                      <a:prstDash val="solid"/>
+                      <a:round/>
+                      <a:headEnd type="none" w="med" len="med"/>
+                      <a:tailEnd type="none" w="med" len="med"/>
+                    </a:lnR>
+                    <a:lnT w="12700" cap="flat" cmpd="sng" algn="ctr">
+                      <a:solidFill>
+                        <a:srgbClr val="000000"/>
+                      </a:solidFill>
+                      <a:prstDash val="solid"/>
+                      <a:round/>
+                      <a:headEnd type="none" w="med" len="med"/>
+                      <a:tailEnd type="none" w="med" len="med"/>
+                    </a:lnT>
+                    <a:lnB w="12700" cap="flat" cmpd="sng" algn="ctr">
+                      <a:solidFill>
+                        <a:srgbClr val="000000"/>
+                      </a:solidFill>
+                      <a:prstDash val="solid"/>
+                      <a:round/>
+                      <a:headEnd type="none" w="med" len="med"/>
+                      <a:tailEnd type="none" w="med" len="med"/>
+                    </a:lnB>
+                    <a:solidFill>
+                      <a:schemeClr val="bg1"/>
+                    </a:solidFill>
+                  </a:tcPr>
+                </a:tc>
+                <a:tc>
+                  <a:txBody>
+                    <a:bodyPr/>
+                    <a:lstStyle/>
+                    <a:p>
+                      <a:pPr marL="0" marR="0">
+                        <a:lnSpc>
+                          <a:spcPct val="107000"/>
+                        </a:lnSpc>
+                        <a:spcBef>
+                          <a:spcPts val="0"/>
+                        </a:spcBef>
+                        <a:spcAft>
+                          <a:spcPts val="0"/>
+                        </a:spcAft>
+                      </a:pPr>
+                      <a:r>
+                        <a:rPr lang="en-US" sz="1600">
+                          <a:effectLst/>
+                          <a:latin typeface="Arial" panose="020B0604020202020204" pitchFamily="34" charset="0"/>
+                          <a:ea typeface="Calibri" panose="020F0502020204030204" pitchFamily="34" charset="0"/>
+                          <a:cs typeface="Times New Roman" panose="02020603050405020304" pitchFamily="18" charset="0"/>
+                        </a:rPr>
+                        <a:t>Metal Clasps</a:t>
+                      </a:r>
+                      <a:endParaRPr lang="en-US" sz="1600">
+                        <a:effectLst/>
+                        <a:latin typeface="Calibri" panose="020F0502020204030204" pitchFamily="34" charset="0"/>
+                        <a:ea typeface="Calibri" panose="020F0502020204030204" pitchFamily="34" charset="0"/>
+                        <a:cs typeface="Times New Roman" panose="02020603050405020304" pitchFamily="18" charset="0"/>
+                      </a:endParaRPr>
+                    </a:p>
+                  </a:txBody>
+                  <a:tcPr marL="68580" marR="68580" marT="0" marB="0">
+                    <a:lnL w="12700" cap="flat" cmpd="sng" algn="ctr">
+                      <a:solidFill>
+                        <a:srgbClr val="000000"/>
+                      </a:solidFill>
+                      <a:prstDash val="solid"/>
+                      <a:round/>
+                      <a:headEnd type="none" w="med" len="med"/>
+                      <a:tailEnd type="none" w="med" len="med"/>
+                    </a:lnL>
+                    <a:lnR w="12700" cap="flat" cmpd="sng" algn="ctr">
+                      <a:solidFill>
+                        <a:srgbClr val="000000"/>
+                      </a:solidFill>
+                      <a:prstDash val="solid"/>
+                      <a:round/>
+                      <a:headEnd type="none" w="med" len="med"/>
+                      <a:tailEnd type="none" w="med" len="med"/>
+                    </a:lnR>
+                    <a:lnT w="12700" cap="flat" cmpd="sng" algn="ctr">
+                      <a:solidFill>
+                        <a:srgbClr val="000000"/>
+                      </a:solidFill>
+                      <a:prstDash val="solid"/>
+                      <a:round/>
+                      <a:headEnd type="none" w="med" len="med"/>
+                      <a:tailEnd type="none" w="med" len="med"/>
+                    </a:lnT>
+                    <a:lnB w="12700" cap="flat" cmpd="sng" algn="ctr">
+                      <a:solidFill>
+                        <a:srgbClr val="000000"/>
+                      </a:solidFill>
+                      <a:prstDash val="solid"/>
+                      <a:round/>
+                      <a:headEnd type="none" w="med" len="med"/>
+                      <a:tailEnd type="none" w="med" len="med"/>
+                    </a:lnB>
+                    <a:solidFill>
+                      <a:schemeClr val="bg1"/>
+                    </a:solidFill>
+                  </a:tcPr>
+                </a:tc>
+              </a:tr>
+              <a:tr h="315686">
+                <a:tc>
+                  <a:txBody>
+                    <a:bodyPr/>
+                    <a:lstStyle/>
+                    <a:p>
+                      <a:pPr marL="0" marR="0" algn="ctr">
+                        <a:lnSpc>
+                          <a:spcPct val="107000"/>
+                        </a:lnSpc>
+                        <a:spcBef>
+                          <a:spcPts val="0"/>
+                        </a:spcBef>
+                        <a:spcAft>
+                          <a:spcPts val="0"/>
+                        </a:spcAft>
+                      </a:pPr>
+                      <a:r>
+                        <a:rPr lang="en-US" sz="1600">
+                          <a:effectLst/>
+                          <a:latin typeface="Arial" panose="020B0604020202020204" pitchFamily="34" charset="0"/>
+                          <a:ea typeface="Calibri" panose="020F0502020204030204" pitchFamily="34" charset="0"/>
+                          <a:cs typeface="Times New Roman" panose="02020603050405020304" pitchFamily="18" charset="0"/>
+                        </a:rPr>
+                        <a:t>Aluminum</a:t>
+                      </a:r>
+                      <a:endParaRPr lang="en-US" sz="1600">
+                        <a:effectLst/>
+                        <a:latin typeface="Calibri" panose="020F0502020204030204" pitchFamily="34" charset="0"/>
+                        <a:ea typeface="Calibri" panose="020F0502020204030204" pitchFamily="34" charset="0"/>
+                        <a:cs typeface="Times New Roman" panose="02020603050405020304" pitchFamily="18" charset="0"/>
+                      </a:endParaRPr>
+                    </a:p>
+                  </a:txBody>
+                  <a:tcPr marL="68580" marR="68580" marT="0" marB="0">
+                    <a:lnL w="12700" cap="flat" cmpd="sng" algn="ctr">
+                      <a:solidFill>
+                        <a:srgbClr val="000000"/>
+                      </a:solidFill>
+                      <a:prstDash val="solid"/>
+                      <a:round/>
+                      <a:headEnd type="none" w="med" len="med"/>
+                      <a:tailEnd type="none" w="med" len="med"/>
+                    </a:lnL>
+                    <a:lnR w="12700" cap="flat" cmpd="sng" algn="ctr">
+                      <a:solidFill>
+                        <a:srgbClr val="000000"/>
+                      </a:solidFill>
+                      <a:prstDash val="solid"/>
+                      <a:round/>
+                      <a:headEnd type="none" w="med" len="med"/>
+                      <a:tailEnd type="none" w="med" len="med"/>
+                    </a:lnR>
+                    <a:lnT w="12700" cap="flat" cmpd="sng" algn="ctr">
+                      <a:solidFill>
+                        <a:srgbClr val="000000"/>
+                      </a:solidFill>
+                      <a:prstDash val="solid"/>
+                      <a:round/>
+                      <a:headEnd type="none" w="med" len="med"/>
+                      <a:tailEnd type="none" w="med" len="med"/>
+                    </a:lnT>
+                    <a:lnB w="12700" cap="flat" cmpd="sng" algn="ctr">
+                      <a:solidFill>
+                        <a:srgbClr val="000000"/>
+                      </a:solidFill>
+                      <a:prstDash val="solid"/>
+                      <a:round/>
+                      <a:headEnd type="none" w="med" len="med"/>
+                      <a:tailEnd type="none" w="med" len="med"/>
+                    </a:lnB>
+                    <a:solidFill>
+                      <a:schemeClr val="bg1"/>
+                    </a:solidFill>
+                  </a:tcPr>
+                </a:tc>
+                <a:tc>
+                  <a:txBody>
+                    <a:bodyPr/>
+                    <a:lstStyle/>
+                    <a:p>
+                      <a:pPr marL="0" marR="0" algn="ctr">
+                        <a:lnSpc>
+                          <a:spcPct val="107000"/>
+                        </a:lnSpc>
+                        <a:spcBef>
+                          <a:spcPts val="0"/>
+                        </a:spcBef>
+                        <a:spcAft>
+                          <a:spcPts val="0"/>
+                        </a:spcAft>
+                      </a:pPr>
+                      <a:r>
+                        <a:rPr lang="en-US" sz="1600" dirty="0">
+                          <a:effectLst/>
+                          <a:latin typeface="Arial" panose="020B0604020202020204" pitchFamily="34" charset="0"/>
+                          <a:ea typeface="Calibri" panose="020F0502020204030204" pitchFamily="34" charset="0"/>
+                          <a:cs typeface="Times New Roman" panose="02020603050405020304" pitchFamily="18" charset="0"/>
+                        </a:rPr>
+                        <a:t>2.7</a:t>
+                      </a:r>
+                      <a:endParaRPr lang="en-US" sz="1600" dirty="0">
+                        <a:effectLst/>
+                        <a:latin typeface="Calibri" panose="020F0502020204030204" pitchFamily="34" charset="0"/>
+                        <a:ea typeface="Calibri" panose="020F0502020204030204" pitchFamily="34" charset="0"/>
+                        <a:cs typeface="Times New Roman" panose="02020603050405020304" pitchFamily="18" charset="0"/>
+                      </a:endParaRPr>
+                    </a:p>
+                  </a:txBody>
+                  <a:tcPr marL="68580" marR="68580" marT="0" marB="0">
+                    <a:lnL w="12700" cap="flat" cmpd="sng" algn="ctr">
+                      <a:solidFill>
+                        <a:srgbClr val="000000"/>
+                      </a:solidFill>
+                      <a:prstDash val="solid"/>
+                      <a:round/>
+                      <a:headEnd type="none" w="med" len="med"/>
+                      <a:tailEnd type="none" w="med" len="med"/>
+                    </a:lnL>
+                    <a:lnR w="12700" cap="flat" cmpd="sng" algn="ctr">
+                      <a:solidFill>
+                        <a:srgbClr val="000000"/>
+                      </a:solidFill>
+                      <a:prstDash val="solid"/>
+                      <a:round/>
+                      <a:headEnd type="none" w="med" len="med"/>
+                      <a:tailEnd type="none" w="med" len="med"/>
+                    </a:lnR>
+                    <a:lnT w="12700" cap="flat" cmpd="sng" algn="ctr">
+                      <a:solidFill>
+                        <a:srgbClr val="000000"/>
+                      </a:solidFill>
+                      <a:prstDash val="solid"/>
+                      <a:round/>
+                      <a:headEnd type="none" w="med" len="med"/>
+                      <a:tailEnd type="none" w="med" len="med"/>
+                    </a:lnT>
+                    <a:lnB w="12700" cap="flat" cmpd="sng" algn="ctr">
+                      <a:solidFill>
+                        <a:srgbClr val="000000"/>
+                      </a:solidFill>
+                      <a:prstDash val="solid"/>
+                      <a:round/>
+                      <a:headEnd type="none" w="med" len="med"/>
+                      <a:tailEnd type="none" w="med" len="med"/>
+                    </a:lnB>
+                    <a:solidFill>
+                      <a:schemeClr val="bg1"/>
+                    </a:solidFill>
+                  </a:tcPr>
+                </a:tc>
+                <a:tc>
+                  <a:txBody>
+                    <a:bodyPr/>
+                    <a:lstStyle/>
+                    <a:p>
+                      <a:pPr marL="0" marR="0">
+                        <a:lnSpc>
+                          <a:spcPct val="107000"/>
+                        </a:lnSpc>
+                        <a:spcBef>
+                          <a:spcPts val="0"/>
+                        </a:spcBef>
+                        <a:spcAft>
+                          <a:spcPts val="0"/>
+                        </a:spcAft>
+                      </a:pPr>
+                      <a:r>
+                        <a:rPr lang="en-US" sz="1600">
+                          <a:effectLst/>
+                          <a:latin typeface="Arial" panose="020B0604020202020204" pitchFamily="34" charset="0"/>
+                          <a:ea typeface="Calibri" panose="020F0502020204030204" pitchFamily="34" charset="0"/>
+                          <a:cs typeface="Times New Roman" panose="02020603050405020304" pitchFamily="18" charset="0"/>
+                        </a:rPr>
+                        <a:t>Detector Housing and Casing</a:t>
+                      </a:r>
+                      <a:endParaRPr lang="en-US" sz="1600">
+                        <a:effectLst/>
+                        <a:latin typeface="Calibri" panose="020F0502020204030204" pitchFamily="34" charset="0"/>
+                        <a:ea typeface="Calibri" panose="020F0502020204030204" pitchFamily="34" charset="0"/>
+                        <a:cs typeface="Times New Roman" panose="02020603050405020304" pitchFamily="18" charset="0"/>
+                      </a:endParaRPr>
+                    </a:p>
+                  </a:txBody>
+                  <a:tcPr marL="68580" marR="68580" marT="0" marB="0">
+                    <a:lnL w="12700" cap="flat" cmpd="sng" algn="ctr">
+                      <a:solidFill>
+                        <a:srgbClr val="000000"/>
+                      </a:solidFill>
+                      <a:prstDash val="solid"/>
+                      <a:round/>
+                      <a:headEnd type="none" w="med" len="med"/>
+                      <a:tailEnd type="none" w="med" len="med"/>
+                    </a:lnL>
+                    <a:lnR w="12700" cap="flat" cmpd="sng" algn="ctr">
+                      <a:solidFill>
+                        <a:srgbClr val="000000"/>
+                      </a:solidFill>
+                      <a:prstDash val="solid"/>
+                      <a:round/>
+                      <a:headEnd type="none" w="med" len="med"/>
+                      <a:tailEnd type="none" w="med" len="med"/>
+                    </a:lnR>
+                    <a:lnT w="12700" cap="flat" cmpd="sng" algn="ctr">
+                      <a:solidFill>
+                        <a:srgbClr val="000000"/>
+                      </a:solidFill>
+                      <a:prstDash val="solid"/>
+                      <a:round/>
+                      <a:headEnd type="none" w="med" len="med"/>
+                      <a:tailEnd type="none" w="med" len="med"/>
+                    </a:lnT>
+                    <a:lnB w="12700" cap="flat" cmpd="sng" algn="ctr">
+                      <a:solidFill>
+                        <a:srgbClr val="000000"/>
+                      </a:solidFill>
+                      <a:prstDash val="solid"/>
+                      <a:round/>
+                      <a:headEnd type="none" w="med" len="med"/>
+                      <a:tailEnd type="none" w="med" len="med"/>
+                    </a:lnB>
+                    <a:solidFill>
+                      <a:schemeClr val="bg1"/>
+                    </a:solidFill>
+                  </a:tcPr>
+                </a:tc>
+              </a:tr>
+              <a:tr h="315686">
+                <a:tc>
+                  <a:txBody>
+                    <a:bodyPr/>
+                    <a:lstStyle/>
+                    <a:p>
+                      <a:pPr marL="0" marR="0" algn="ctr">
+                        <a:lnSpc>
+                          <a:spcPct val="107000"/>
+                        </a:lnSpc>
+                        <a:spcBef>
+                          <a:spcPts val="0"/>
+                        </a:spcBef>
+                        <a:spcAft>
+                          <a:spcPts val="0"/>
+                        </a:spcAft>
+                      </a:pPr>
+                      <a:r>
+                        <a:rPr lang="en-US" sz="1600">
+                          <a:effectLst/>
+                          <a:latin typeface="Arial" panose="020B0604020202020204" pitchFamily="34" charset="0"/>
+                          <a:ea typeface="Calibri" panose="020F0502020204030204" pitchFamily="34" charset="0"/>
+                          <a:cs typeface="Times New Roman" panose="02020603050405020304" pitchFamily="18" charset="0"/>
+                        </a:rPr>
+                        <a:t>Germanium</a:t>
+                      </a:r>
+                      <a:endParaRPr lang="en-US" sz="1600">
+                        <a:effectLst/>
+                        <a:latin typeface="Calibri" panose="020F0502020204030204" pitchFamily="34" charset="0"/>
+                        <a:ea typeface="Calibri" panose="020F0502020204030204" pitchFamily="34" charset="0"/>
+                        <a:cs typeface="Times New Roman" panose="02020603050405020304" pitchFamily="18" charset="0"/>
+                      </a:endParaRPr>
+                    </a:p>
+                  </a:txBody>
+                  <a:tcPr marL="68580" marR="68580" marT="0" marB="0">
+                    <a:lnL w="12700" cap="flat" cmpd="sng" algn="ctr">
+                      <a:solidFill>
+                        <a:srgbClr val="000000"/>
+                      </a:solidFill>
+                      <a:prstDash val="solid"/>
+                      <a:round/>
+                      <a:headEnd type="none" w="med" len="med"/>
+                      <a:tailEnd type="none" w="med" len="med"/>
+                    </a:lnL>
+                    <a:lnR w="12700" cap="flat" cmpd="sng" algn="ctr">
+                      <a:solidFill>
+                        <a:srgbClr val="000000"/>
+                      </a:solidFill>
+                      <a:prstDash val="solid"/>
+                      <a:round/>
+                      <a:headEnd type="none" w="med" len="med"/>
+                      <a:tailEnd type="none" w="med" len="med"/>
+                    </a:lnR>
+                    <a:lnT w="12700" cap="flat" cmpd="sng" algn="ctr">
+                      <a:solidFill>
+                        <a:srgbClr val="000000"/>
+                      </a:solidFill>
+                      <a:prstDash val="solid"/>
+                      <a:round/>
+                      <a:headEnd type="none" w="med" len="med"/>
+                      <a:tailEnd type="none" w="med" len="med"/>
+                    </a:lnT>
+                    <a:lnB w="12700" cap="flat" cmpd="sng" algn="ctr">
+                      <a:solidFill>
+                        <a:srgbClr val="000000"/>
+                      </a:solidFill>
+                      <a:prstDash val="solid"/>
+                      <a:round/>
+                      <a:headEnd type="none" w="med" len="med"/>
+                      <a:tailEnd type="none" w="med" len="med"/>
+                    </a:lnB>
+                    <a:solidFill>
+                      <a:schemeClr val="bg1"/>
+                    </a:solidFill>
+                  </a:tcPr>
+                </a:tc>
+                <a:tc>
+                  <a:txBody>
+                    <a:bodyPr/>
+                    <a:lstStyle/>
+                    <a:p>
+                      <a:pPr marL="0" marR="0" algn="ctr">
+                        <a:lnSpc>
+                          <a:spcPct val="107000"/>
+                        </a:lnSpc>
+                        <a:spcBef>
+                          <a:spcPts val="0"/>
+                        </a:spcBef>
+                        <a:spcAft>
+                          <a:spcPts val="0"/>
+                        </a:spcAft>
+                      </a:pPr>
+                      <a:r>
+                        <a:rPr lang="en-US" sz="1600" dirty="0">
+                          <a:effectLst/>
+                          <a:latin typeface="Arial" panose="020B0604020202020204" pitchFamily="34" charset="0"/>
+                          <a:ea typeface="Calibri" panose="020F0502020204030204" pitchFamily="34" charset="0"/>
+                          <a:cs typeface="Times New Roman" panose="02020603050405020304" pitchFamily="18" charset="0"/>
+                        </a:rPr>
+                        <a:t>5.32</a:t>
+                      </a:r>
+                      <a:endParaRPr lang="en-US" sz="1600" dirty="0">
+                        <a:effectLst/>
+                        <a:latin typeface="Calibri" panose="020F0502020204030204" pitchFamily="34" charset="0"/>
+                        <a:ea typeface="Calibri" panose="020F0502020204030204" pitchFamily="34" charset="0"/>
+                        <a:cs typeface="Times New Roman" panose="02020603050405020304" pitchFamily="18" charset="0"/>
+                      </a:endParaRPr>
+                    </a:p>
+                  </a:txBody>
+                  <a:tcPr marL="68580" marR="68580" marT="0" marB="0">
+                    <a:lnL w="12700" cap="flat" cmpd="sng" algn="ctr">
+                      <a:solidFill>
+                        <a:srgbClr val="000000"/>
+                      </a:solidFill>
+                      <a:prstDash val="solid"/>
+                      <a:round/>
+                      <a:headEnd type="none" w="med" len="med"/>
+                      <a:tailEnd type="none" w="med" len="med"/>
+                    </a:lnL>
+                    <a:lnR w="12700" cap="flat" cmpd="sng" algn="ctr">
+                      <a:solidFill>
+                        <a:srgbClr val="000000"/>
+                      </a:solidFill>
+                      <a:prstDash val="solid"/>
+                      <a:round/>
+                      <a:headEnd type="none" w="med" len="med"/>
+                      <a:tailEnd type="none" w="med" len="med"/>
+                    </a:lnR>
+                    <a:lnT w="12700" cap="flat" cmpd="sng" algn="ctr">
+                      <a:solidFill>
+                        <a:srgbClr val="000000"/>
+                      </a:solidFill>
+                      <a:prstDash val="solid"/>
+                      <a:round/>
+                      <a:headEnd type="none" w="med" len="med"/>
+                      <a:tailEnd type="none" w="med" len="med"/>
+                    </a:lnT>
+                    <a:lnB w="12700" cap="flat" cmpd="sng" algn="ctr">
+                      <a:solidFill>
+                        <a:srgbClr val="000000"/>
+                      </a:solidFill>
+                      <a:prstDash val="solid"/>
+                      <a:round/>
+                      <a:headEnd type="none" w="med" len="med"/>
+                      <a:tailEnd type="none" w="med" len="med"/>
+                    </a:lnB>
+                    <a:solidFill>
+                      <a:schemeClr val="bg1"/>
+                    </a:solidFill>
+                  </a:tcPr>
+                </a:tc>
+                <a:tc>
+                  <a:txBody>
+                    <a:bodyPr/>
+                    <a:lstStyle/>
+                    <a:p>
+                      <a:pPr marL="0" marR="0">
+                        <a:lnSpc>
+                          <a:spcPct val="107000"/>
+                        </a:lnSpc>
+                        <a:spcBef>
+                          <a:spcPts val="0"/>
+                        </a:spcBef>
+                        <a:spcAft>
+                          <a:spcPts val="0"/>
+                        </a:spcAft>
+                      </a:pPr>
+                      <a:r>
+                        <a:rPr lang="en-US" sz="1600">
+                          <a:effectLst/>
+                          <a:latin typeface="Arial" panose="020B0604020202020204" pitchFamily="34" charset="0"/>
+                          <a:ea typeface="Calibri" panose="020F0502020204030204" pitchFamily="34" charset="0"/>
+                          <a:cs typeface="Times New Roman" panose="02020603050405020304" pitchFamily="18" charset="0"/>
+                        </a:rPr>
+                        <a:t>Ge Crystal</a:t>
+                      </a:r>
+                      <a:endParaRPr lang="en-US" sz="1600">
+                        <a:effectLst/>
+                        <a:latin typeface="Calibri" panose="020F0502020204030204" pitchFamily="34" charset="0"/>
+                        <a:ea typeface="Calibri" panose="020F0502020204030204" pitchFamily="34" charset="0"/>
+                        <a:cs typeface="Times New Roman" panose="02020603050405020304" pitchFamily="18" charset="0"/>
+                      </a:endParaRPr>
+                    </a:p>
+                  </a:txBody>
+                  <a:tcPr marL="68580" marR="68580" marT="0" marB="0">
+                    <a:lnL w="12700" cap="flat" cmpd="sng" algn="ctr">
+                      <a:solidFill>
+                        <a:srgbClr val="000000"/>
+                      </a:solidFill>
+                      <a:prstDash val="solid"/>
+                      <a:round/>
+                      <a:headEnd type="none" w="med" len="med"/>
+                      <a:tailEnd type="none" w="med" len="med"/>
+                    </a:lnL>
+                    <a:lnR w="12700" cap="flat" cmpd="sng" algn="ctr">
+                      <a:solidFill>
+                        <a:srgbClr val="000000"/>
+                      </a:solidFill>
+                      <a:prstDash val="solid"/>
+                      <a:round/>
+                      <a:headEnd type="none" w="med" len="med"/>
+                      <a:tailEnd type="none" w="med" len="med"/>
+                    </a:lnR>
+                    <a:lnT w="12700" cap="flat" cmpd="sng" algn="ctr">
+                      <a:solidFill>
+                        <a:srgbClr val="000000"/>
+                      </a:solidFill>
+                      <a:prstDash val="solid"/>
+                      <a:round/>
+                      <a:headEnd type="none" w="med" len="med"/>
+                      <a:tailEnd type="none" w="med" len="med"/>
+                    </a:lnT>
+                    <a:lnB w="12700" cap="flat" cmpd="sng" algn="ctr">
+                      <a:solidFill>
+                        <a:srgbClr val="000000"/>
+                      </a:solidFill>
+                      <a:prstDash val="solid"/>
+                      <a:round/>
+                      <a:headEnd type="none" w="med" len="med"/>
+                      <a:tailEnd type="none" w="med" len="med"/>
+                    </a:lnB>
+                    <a:solidFill>
+                      <a:schemeClr val="bg1"/>
+                    </a:solidFill>
+                  </a:tcPr>
+                </a:tc>
+              </a:tr>
+              <a:tr h="315686">
+                <a:tc>
+                  <a:txBody>
+                    <a:bodyPr/>
+                    <a:lstStyle/>
+                    <a:p>
+                      <a:pPr marL="0" marR="0" algn="ctr">
+                        <a:lnSpc>
+                          <a:spcPct val="107000"/>
+                        </a:lnSpc>
+                        <a:spcBef>
+                          <a:spcPts val="0"/>
+                        </a:spcBef>
+                        <a:spcAft>
+                          <a:spcPts val="0"/>
+                        </a:spcAft>
+                      </a:pPr>
+                      <a:r>
+                        <a:rPr lang="en-US" sz="1600">
+                          <a:effectLst/>
+                          <a:latin typeface="Arial" panose="020B0604020202020204" pitchFamily="34" charset="0"/>
+                          <a:ea typeface="Calibri" panose="020F0502020204030204" pitchFamily="34" charset="0"/>
+                          <a:cs typeface="Times New Roman" panose="02020603050405020304" pitchFamily="18" charset="0"/>
+                        </a:rPr>
+                        <a:t>Lithium</a:t>
+                      </a:r>
+                      <a:endParaRPr lang="en-US" sz="1600">
+                        <a:effectLst/>
+                        <a:latin typeface="Calibri" panose="020F0502020204030204" pitchFamily="34" charset="0"/>
+                        <a:ea typeface="Calibri" panose="020F0502020204030204" pitchFamily="34" charset="0"/>
+                        <a:cs typeface="Times New Roman" panose="02020603050405020304" pitchFamily="18" charset="0"/>
+                      </a:endParaRPr>
+                    </a:p>
+                  </a:txBody>
+                  <a:tcPr marL="68580" marR="68580" marT="0" marB="0">
+                    <a:lnL w="12700" cap="flat" cmpd="sng" algn="ctr">
+                      <a:solidFill>
+                        <a:srgbClr val="000000"/>
+                      </a:solidFill>
+                      <a:prstDash val="solid"/>
+                      <a:round/>
+                      <a:headEnd type="none" w="med" len="med"/>
+                      <a:tailEnd type="none" w="med" len="med"/>
+                    </a:lnL>
+                    <a:lnR w="12700" cap="flat" cmpd="sng" algn="ctr">
+                      <a:solidFill>
+                        <a:srgbClr val="000000"/>
+                      </a:solidFill>
+                      <a:prstDash val="solid"/>
+                      <a:round/>
+                      <a:headEnd type="none" w="med" len="med"/>
+                      <a:tailEnd type="none" w="med" len="med"/>
+                    </a:lnR>
+                    <a:lnT w="12700" cap="flat" cmpd="sng" algn="ctr">
+                      <a:solidFill>
+                        <a:srgbClr val="000000"/>
+                      </a:solidFill>
+                      <a:prstDash val="solid"/>
+                      <a:round/>
+                      <a:headEnd type="none" w="med" len="med"/>
+                      <a:tailEnd type="none" w="med" len="med"/>
+                    </a:lnT>
+                    <a:lnB w="12700" cap="flat" cmpd="sng" algn="ctr">
+                      <a:solidFill>
+                        <a:srgbClr val="000000"/>
+                      </a:solidFill>
+                      <a:prstDash val="solid"/>
+                      <a:round/>
+                      <a:headEnd type="none" w="med" len="med"/>
+                      <a:tailEnd type="none" w="med" len="med"/>
+                    </a:lnB>
+                    <a:solidFill>
+                      <a:schemeClr val="bg1"/>
+                    </a:solidFill>
+                  </a:tcPr>
+                </a:tc>
+                <a:tc>
+                  <a:txBody>
+                    <a:bodyPr/>
+                    <a:lstStyle/>
+                    <a:p>
+                      <a:pPr marL="0" marR="0" algn="ctr">
+                        <a:lnSpc>
+                          <a:spcPct val="107000"/>
+                        </a:lnSpc>
+                        <a:spcBef>
+                          <a:spcPts val="0"/>
+                        </a:spcBef>
+                        <a:spcAft>
+                          <a:spcPts val="0"/>
+                        </a:spcAft>
+                      </a:pPr>
+                      <a:r>
+                        <a:rPr lang="en-US" sz="1600" dirty="0">
+                          <a:effectLst/>
+                          <a:latin typeface="Arial" panose="020B0604020202020204" pitchFamily="34" charset="0"/>
+                          <a:ea typeface="Calibri" panose="020F0502020204030204" pitchFamily="34" charset="0"/>
+                          <a:cs typeface="Times New Roman" panose="02020603050405020304" pitchFamily="18" charset="0"/>
+                        </a:rPr>
+                        <a:t>0.534</a:t>
+                      </a:r>
+                      <a:endParaRPr lang="en-US" sz="1600" dirty="0">
+                        <a:effectLst/>
+                        <a:latin typeface="Calibri" panose="020F0502020204030204" pitchFamily="34" charset="0"/>
+                        <a:ea typeface="Calibri" panose="020F0502020204030204" pitchFamily="34" charset="0"/>
+                        <a:cs typeface="Times New Roman" panose="02020603050405020304" pitchFamily="18" charset="0"/>
+                      </a:endParaRPr>
+                    </a:p>
+                  </a:txBody>
+                  <a:tcPr marL="68580" marR="68580" marT="0" marB="0">
+                    <a:lnL w="12700" cap="flat" cmpd="sng" algn="ctr">
+                      <a:solidFill>
+                        <a:srgbClr val="000000"/>
+                      </a:solidFill>
+                      <a:prstDash val="solid"/>
+                      <a:round/>
+                      <a:headEnd type="none" w="med" len="med"/>
+                      <a:tailEnd type="none" w="med" len="med"/>
+                    </a:lnL>
+                    <a:lnR w="12700" cap="flat" cmpd="sng" algn="ctr">
+                      <a:solidFill>
+                        <a:srgbClr val="000000"/>
+                      </a:solidFill>
+                      <a:prstDash val="solid"/>
+                      <a:round/>
+                      <a:headEnd type="none" w="med" len="med"/>
+                      <a:tailEnd type="none" w="med" len="med"/>
+                    </a:lnR>
+                    <a:lnT w="12700" cap="flat" cmpd="sng" algn="ctr">
+                      <a:solidFill>
+                        <a:srgbClr val="000000"/>
+                      </a:solidFill>
+                      <a:prstDash val="solid"/>
+                      <a:round/>
+                      <a:headEnd type="none" w="med" len="med"/>
+                      <a:tailEnd type="none" w="med" len="med"/>
+                    </a:lnT>
+                    <a:lnB w="12700" cap="flat" cmpd="sng" algn="ctr">
+                      <a:solidFill>
+                        <a:srgbClr val="000000"/>
+                      </a:solidFill>
+                      <a:prstDash val="solid"/>
+                      <a:round/>
+                      <a:headEnd type="none" w="med" len="med"/>
+                      <a:tailEnd type="none" w="med" len="med"/>
+                    </a:lnB>
+                    <a:solidFill>
+                      <a:schemeClr val="bg1"/>
+                    </a:solidFill>
+                  </a:tcPr>
+                </a:tc>
+                <a:tc>
+                  <a:txBody>
+                    <a:bodyPr/>
+                    <a:lstStyle/>
+                    <a:p>
+                      <a:pPr marL="0" marR="0">
+                        <a:lnSpc>
+                          <a:spcPct val="107000"/>
+                        </a:lnSpc>
+                        <a:spcBef>
+                          <a:spcPts val="0"/>
+                        </a:spcBef>
+                        <a:spcAft>
+                          <a:spcPts val="0"/>
+                        </a:spcAft>
+                      </a:pPr>
+                      <a:r>
+                        <a:rPr lang="en-US" sz="1600">
+                          <a:effectLst/>
+                          <a:latin typeface="Arial" panose="020B0604020202020204" pitchFamily="34" charset="0"/>
+                          <a:ea typeface="Calibri" panose="020F0502020204030204" pitchFamily="34" charset="0"/>
+                          <a:cs typeface="Times New Roman" panose="02020603050405020304" pitchFamily="18" charset="0"/>
+                        </a:rPr>
+                        <a:t>Outer Deadlayer</a:t>
+                      </a:r>
+                      <a:endParaRPr lang="en-US" sz="1600">
+                        <a:effectLst/>
+                        <a:latin typeface="Calibri" panose="020F0502020204030204" pitchFamily="34" charset="0"/>
+                        <a:ea typeface="Calibri" panose="020F0502020204030204" pitchFamily="34" charset="0"/>
+                        <a:cs typeface="Times New Roman" panose="02020603050405020304" pitchFamily="18" charset="0"/>
+                      </a:endParaRPr>
+                    </a:p>
+                  </a:txBody>
+                  <a:tcPr marL="68580" marR="68580" marT="0" marB="0">
+                    <a:lnL w="12700" cap="flat" cmpd="sng" algn="ctr">
+                      <a:solidFill>
+                        <a:srgbClr val="000000"/>
+                      </a:solidFill>
+                      <a:prstDash val="solid"/>
+                      <a:round/>
+                      <a:headEnd type="none" w="med" len="med"/>
+                      <a:tailEnd type="none" w="med" len="med"/>
+                    </a:lnL>
+                    <a:lnR w="12700" cap="flat" cmpd="sng" algn="ctr">
+                      <a:solidFill>
+                        <a:srgbClr val="000000"/>
+                      </a:solidFill>
+                      <a:prstDash val="solid"/>
+                      <a:round/>
+                      <a:headEnd type="none" w="med" len="med"/>
+                      <a:tailEnd type="none" w="med" len="med"/>
+                    </a:lnR>
+                    <a:lnT w="12700" cap="flat" cmpd="sng" algn="ctr">
+                      <a:solidFill>
+                        <a:srgbClr val="000000"/>
+                      </a:solidFill>
+                      <a:prstDash val="solid"/>
+                      <a:round/>
+                      <a:headEnd type="none" w="med" len="med"/>
+                      <a:tailEnd type="none" w="med" len="med"/>
+                    </a:lnT>
+                    <a:lnB w="12700" cap="flat" cmpd="sng" algn="ctr">
+                      <a:solidFill>
+                        <a:srgbClr val="000000"/>
+                      </a:solidFill>
+                      <a:prstDash val="solid"/>
+                      <a:round/>
+                      <a:headEnd type="none" w="med" len="med"/>
+                      <a:tailEnd type="none" w="med" len="med"/>
+                    </a:lnB>
+                    <a:solidFill>
+                      <a:schemeClr val="bg1"/>
+                    </a:solidFill>
+                  </a:tcPr>
+                </a:tc>
+              </a:tr>
+              <a:tr h="315686">
+                <a:tc>
+                  <a:txBody>
+                    <a:bodyPr/>
+                    <a:lstStyle/>
+                    <a:p>
+                      <a:pPr marL="0" marR="0" algn="ctr">
+                        <a:lnSpc>
+                          <a:spcPct val="107000"/>
+                        </a:lnSpc>
+                        <a:spcBef>
+                          <a:spcPts val="0"/>
+                        </a:spcBef>
+                        <a:spcAft>
+                          <a:spcPts val="0"/>
+                        </a:spcAft>
+                      </a:pPr>
+                      <a:r>
+                        <a:rPr lang="en-US" sz="1600">
+                          <a:effectLst/>
+                          <a:latin typeface="Arial" panose="020B0604020202020204" pitchFamily="34" charset="0"/>
+                          <a:ea typeface="Calibri" panose="020F0502020204030204" pitchFamily="34" charset="0"/>
+                          <a:cs typeface="Times New Roman" panose="02020603050405020304" pitchFamily="18" charset="0"/>
+                        </a:rPr>
+                        <a:t>Boron</a:t>
+                      </a:r>
+                      <a:endParaRPr lang="en-US" sz="1600">
+                        <a:effectLst/>
+                        <a:latin typeface="Calibri" panose="020F0502020204030204" pitchFamily="34" charset="0"/>
+                        <a:ea typeface="Calibri" panose="020F0502020204030204" pitchFamily="34" charset="0"/>
+                        <a:cs typeface="Times New Roman" panose="02020603050405020304" pitchFamily="18" charset="0"/>
+                      </a:endParaRPr>
+                    </a:p>
+                  </a:txBody>
+                  <a:tcPr marL="68580" marR="68580" marT="0" marB="0">
+                    <a:lnL w="12700" cap="flat" cmpd="sng" algn="ctr">
+                      <a:solidFill>
+                        <a:srgbClr val="000000"/>
+                      </a:solidFill>
+                      <a:prstDash val="solid"/>
+                      <a:round/>
+                      <a:headEnd type="none" w="med" len="med"/>
+                      <a:tailEnd type="none" w="med" len="med"/>
+                    </a:lnL>
+                    <a:lnR w="12700" cap="flat" cmpd="sng" algn="ctr">
+                      <a:solidFill>
+                        <a:srgbClr val="000000"/>
+                      </a:solidFill>
+                      <a:prstDash val="solid"/>
+                      <a:round/>
+                      <a:headEnd type="none" w="med" len="med"/>
+                      <a:tailEnd type="none" w="med" len="med"/>
+                    </a:lnR>
+                    <a:lnT w="12700" cap="flat" cmpd="sng" algn="ctr">
+                      <a:solidFill>
+                        <a:srgbClr val="000000"/>
+                      </a:solidFill>
+                      <a:prstDash val="solid"/>
+                      <a:round/>
+                      <a:headEnd type="none" w="med" len="med"/>
+                      <a:tailEnd type="none" w="med" len="med"/>
+                    </a:lnT>
+                    <a:lnB w="12700" cap="flat" cmpd="sng" algn="ctr">
+                      <a:solidFill>
+                        <a:srgbClr val="000000"/>
+                      </a:solidFill>
+                      <a:prstDash val="solid"/>
+                      <a:round/>
+                      <a:headEnd type="none" w="med" len="med"/>
+                      <a:tailEnd type="none" w="med" len="med"/>
+                    </a:lnB>
+                    <a:solidFill>
+                      <a:schemeClr val="bg1"/>
+                    </a:solidFill>
+                  </a:tcPr>
+                </a:tc>
+                <a:tc>
+                  <a:txBody>
+                    <a:bodyPr/>
+                    <a:lstStyle/>
+                    <a:p>
+                      <a:pPr marL="0" marR="0" algn="ctr">
+                        <a:lnSpc>
+                          <a:spcPct val="107000"/>
+                        </a:lnSpc>
+                        <a:spcBef>
+                          <a:spcPts val="0"/>
+                        </a:spcBef>
+                        <a:spcAft>
+                          <a:spcPts val="0"/>
+                        </a:spcAft>
+                      </a:pPr>
+                      <a:r>
+                        <a:rPr lang="en-US" sz="1600" dirty="0">
+                          <a:effectLst/>
+                          <a:latin typeface="Arial" panose="020B0604020202020204" pitchFamily="34" charset="0"/>
+                          <a:ea typeface="Calibri" panose="020F0502020204030204" pitchFamily="34" charset="0"/>
+                          <a:cs typeface="Times New Roman" panose="02020603050405020304" pitchFamily="18" charset="0"/>
+                        </a:rPr>
+                        <a:t>2.73</a:t>
+                      </a:r>
+                      <a:endParaRPr lang="en-US" sz="1600" dirty="0">
+                        <a:effectLst/>
+                        <a:latin typeface="Calibri" panose="020F0502020204030204" pitchFamily="34" charset="0"/>
+                        <a:ea typeface="Calibri" panose="020F0502020204030204" pitchFamily="34" charset="0"/>
+                        <a:cs typeface="Times New Roman" panose="02020603050405020304" pitchFamily="18" charset="0"/>
+                      </a:endParaRPr>
+                    </a:p>
+                  </a:txBody>
+                  <a:tcPr marL="68580" marR="68580" marT="0" marB="0">
+                    <a:lnL w="12700" cap="flat" cmpd="sng" algn="ctr">
+                      <a:solidFill>
+                        <a:srgbClr val="000000"/>
+                      </a:solidFill>
+                      <a:prstDash val="solid"/>
+                      <a:round/>
+                      <a:headEnd type="none" w="med" len="med"/>
+                      <a:tailEnd type="none" w="med" len="med"/>
+                    </a:lnL>
+                    <a:lnR w="12700" cap="flat" cmpd="sng" algn="ctr">
+                      <a:solidFill>
+                        <a:srgbClr val="000000"/>
+                      </a:solidFill>
+                      <a:prstDash val="solid"/>
+                      <a:round/>
+                      <a:headEnd type="none" w="med" len="med"/>
+                      <a:tailEnd type="none" w="med" len="med"/>
+                    </a:lnR>
+                    <a:lnT w="12700" cap="flat" cmpd="sng" algn="ctr">
+                      <a:solidFill>
+                        <a:srgbClr val="000000"/>
+                      </a:solidFill>
+                      <a:prstDash val="solid"/>
+                      <a:round/>
+                      <a:headEnd type="none" w="med" len="med"/>
+                      <a:tailEnd type="none" w="med" len="med"/>
+                    </a:lnT>
+                    <a:lnB w="12700" cap="flat" cmpd="sng" algn="ctr">
+                      <a:solidFill>
+                        <a:srgbClr val="000000"/>
+                      </a:solidFill>
+                      <a:prstDash val="solid"/>
+                      <a:round/>
+                      <a:headEnd type="none" w="med" len="med"/>
+                      <a:tailEnd type="none" w="med" len="med"/>
+                    </a:lnB>
+                    <a:solidFill>
+                      <a:schemeClr val="bg1"/>
+                    </a:solidFill>
+                  </a:tcPr>
+                </a:tc>
+                <a:tc>
+                  <a:txBody>
+                    <a:bodyPr/>
+                    <a:lstStyle/>
+                    <a:p>
+                      <a:pPr marL="0" marR="0">
+                        <a:lnSpc>
+                          <a:spcPct val="107000"/>
+                        </a:lnSpc>
+                        <a:spcBef>
+                          <a:spcPts val="0"/>
+                        </a:spcBef>
+                        <a:spcAft>
+                          <a:spcPts val="0"/>
+                        </a:spcAft>
+                      </a:pPr>
+                      <a:r>
+                        <a:rPr lang="en-US" sz="1600">
+                          <a:effectLst/>
+                          <a:latin typeface="Arial" panose="020B0604020202020204" pitchFamily="34" charset="0"/>
+                          <a:ea typeface="Calibri" panose="020F0502020204030204" pitchFamily="34" charset="0"/>
+                          <a:cs typeface="Times New Roman" panose="02020603050405020304" pitchFamily="18" charset="0"/>
+                        </a:rPr>
+                        <a:t>Inner Deadlayer</a:t>
+                      </a:r>
+                      <a:endParaRPr lang="en-US" sz="1600">
+                        <a:effectLst/>
+                        <a:latin typeface="Calibri" panose="020F0502020204030204" pitchFamily="34" charset="0"/>
+                        <a:ea typeface="Calibri" panose="020F0502020204030204" pitchFamily="34" charset="0"/>
+                        <a:cs typeface="Times New Roman" panose="02020603050405020304" pitchFamily="18" charset="0"/>
+                      </a:endParaRPr>
+                    </a:p>
+                  </a:txBody>
+                  <a:tcPr marL="68580" marR="68580" marT="0" marB="0">
+                    <a:lnL w="12700" cap="flat" cmpd="sng" algn="ctr">
+                      <a:solidFill>
+                        <a:srgbClr val="000000"/>
+                      </a:solidFill>
+                      <a:prstDash val="solid"/>
+                      <a:round/>
+                      <a:headEnd type="none" w="med" len="med"/>
+                      <a:tailEnd type="none" w="med" len="med"/>
+                    </a:lnL>
+                    <a:lnR w="12700" cap="flat" cmpd="sng" algn="ctr">
+                      <a:solidFill>
+                        <a:srgbClr val="000000"/>
+                      </a:solidFill>
+                      <a:prstDash val="solid"/>
+                      <a:round/>
+                      <a:headEnd type="none" w="med" len="med"/>
+                      <a:tailEnd type="none" w="med" len="med"/>
+                    </a:lnR>
+                    <a:lnT w="12700" cap="flat" cmpd="sng" algn="ctr">
+                      <a:solidFill>
+                        <a:srgbClr val="000000"/>
+                      </a:solidFill>
+                      <a:prstDash val="solid"/>
+                      <a:round/>
+                      <a:headEnd type="none" w="med" len="med"/>
+                      <a:tailEnd type="none" w="med" len="med"/>
+                    </a:lnT>
+                    <a:lnB w="12700" cap="flat" cmpd="sng" algn="ctr">
+                      <a:solidFill>
+                        <a:srgbClr val="000000"/>
+                      </a:solidFill>
+                      <a:prstDash val="solid"/>
+                      <a:round/>
+                      <a:headEnd type="none" w="med" len="med"/>
+                      <a:tailEnd type="none" w="med" len="med"/>
+                    </a:lnB>
+                    <a:solidFill>
+                      <a:schemeClr val="bg1"/>
+                    </a:solidFill>
+                  </a:tcPr>
+                </a:tc>
+              </a:tr>
+              <a:tr h="315686">
+                <a:tc>
+                  <a:txBody>
+                    <a:bodyPr/>
+                    <a:lstStyle/>
+                    <a:p>
+                      <a:pPr marL="0" marR="0" algn="ctr">
+                        <a:lnSpc>
+                          <a:spcPct val="107000"/>
+                        </a:lnSpc>
+                        <a:spcBef>
+                          <a:spcPts val="0"/>
+                        </a:spcBef>
+                        <a:spcAft>
+                          <a:spcPts val="0"/>
+                        </a:spcAft>
+                      </a:pPr>
+                      <a:r>
+                        <a:rPr lang="en-US" sz="1600">
+                          <a:effectLst/>
+                          <a:latin typeface="Arial" panose="020B0604020202020204" pitchFamily="34" charset="0"/>
+                          <a:ea typeface="Calibri" panose="020F0502020204030204" pitchFamily="34" charset="0"/>
+                          <a:cs typeface="Times New Roman" panose="02020603050405020304" pitchFamily="18" charset="0"/>
+                        </a:rPr>
+                        <a:t>Copper</a:t>
+                      </a:r>
+                      <a:endParaRPr lang="en-US" sz="1600">
+                        <a:effectLst/>
+                        <a:latin typeface="Calibri" panose="020F0502020204030204" pitchFamily="34" charset="0"/>
+                        <a:ea typeface="Calibri" panose="020F0502020204030204" pitchFamily="34" charset="0"/>
+                        <a:cs typeface="Times New Roman" panose="02020603050405020304" pitchFamily="18" charset="0"/>
+                      </a:endParaRPr>
+                    </a:p>
+                  </a:txBody>
+                  <a:tcPr marL="68580" marR="68580" marT="0" marB="0">
+                    <a:lnL w="12700" cap="flat" cmpd="sng" algn="ctr">
+                      <a:solidFill>
+                        <a:srgbClr val="000000"/>
+                      </a:solidFill>
+                      <a:prstDash val="solid"/>
+                      <a:round/>
+                      <a:headEnd type="none" w="med" len="med"/>
+                      <a:tailEnd type="none" w="med" len="med"/>
+                    </a:lnL>
+                    <a:lnR w="12700" cap="flat" cmpd="sng" algn="ctr">
+                      <a:solidFill>
+                        <a:srgbClr val="000000"/>
+                      </a:solidFill>
+                      <a:prstDash val="solid"/>
+                      <a:round/>
+                      <a:headEnd type="none" w="med" len="med"/>
+                      <a:tailEnd type="none" w="med" len="med"/>
+                    </a:lnR>
+                    <a:lnT w="12700" cap="flat" cmpd="sng" algn="ctr">
+                      <a:solidFill>
+                        <a:srgbClr val="000000"/>
+                      </a:solidFill>
+                      <a:prstDash val="solid"/>
+                      <a:round/>
+                      <a:headEnd type="none" w="med" len="med"/>
+                      <a:tailEnd type="none" w="med" len="med"/>
+                    </a:lnT>
+                    <a:lnB w="12700" cap="flat" cmpd="sng" algn="ctr">
+                      <a:solidFill>
+                        <a:srgbClr val="000000"/>
+                      </a:solidFill>
+                      <a:prstDash val="solid"/>
+                      <a:round/>
+                      <a:headEnd type="none" w="med" len="med"/>
+                      <a:tailEnd type="none" w="med" len="med"/>
+                    </a:lnB>
+                    <a:solidFill>
+                      <a:schemeClr val="bg1"/>
+                    </a:solidFill>
+                  </a:tcPr>
+                </a:tc>
+                <a:tc>
+                  <a:txBody>
+                    <a:bodyPr/>
+                    <a:lstStyle/>
+                    <a:p>
+                      <a:pPr marL="0" marR="0" algn="ctr">
+                        <a:lnSpc>
+                          <a:spcPct val="107000"/>
+                        </a:lnSpc>
+                        <a:spcBef>
+                          <a:spcPts val="0"/>
+                        </a:spcBef>
+                        <a:spcAft>
+                          <a:spcPts val="0"/>
+                        </a:spcAft>
+                      </a:pPr>
+                      <a:r>
+                        <a:rPr lang="en-US" sz="1600" dirty="0">
+                          <a:effectLst/>
+                          <a:latin typeface="Arial" panose="020B0604020202020204" pitchFamily="34" charset="0"/>
+                          <a:ea typeface="Calibri" panose="020F0502020204030204" pitchFamily="34" charset="0"/>
+                          <a:cs typeface="Times New Roman" panose="02020603050405020304" pitchFamily="18" charset="0"/>
+                        </a:rPr>
+                        <a:t>8.96</a:t>
+                      </a:r>
+                      <a:endParaRPr lang="en-US" sz="1600" dirty="0">
+                        <a:effectLst/>
+                        <a:latin typeface="Calibri" panose="020F0502020204030204" pitchFamily="34" charset="0"/>
+                        <a:ea typeface="Calibri" panose="020F0502020204030204" pitchFamily="34" charset="0"/>
+                        <a:cs typeface="Times New Roman" panose="02020603050405020304" pitchFamily="18" charset="0"/>
+                      </a:endParaRPr>
+                    </a:p>
+                  </a:txBody>
+                  <a:tcPr marL="68580" marR="68580" marT="0" marB="0">
+                    <a:lnL w="12700" cap="flat" cmpd="sng" algn="ctr">
+                      <a:solidFill>
+                        <a:srgbClr val="000000"/>
+                      </a:solidFill>
+                      <a:prstDash val="solid"/>
+                      <a:round/>
+                      <a:headEnd type="none" w="med" len="med"/>
+                      <a:tailEnd type="none" w="med" len="med"/>
+                    </a:lnL>
+                    <a:lnR w="12700" cap="flat" cmpd="sng" algn="ctr">
+                      <a:solidFill>
+                        <a:srgbClr val="000000"/>
+                      </a:solidFill>
+                      <a:prstDash val="solid"/>
+                      <a:round/>
+                      <a:headEnd type="none" w="med" len="med"/>
+                      <a:tailEnd type="none" w="med" len="med"/>
+                    </a:lnR>
+                    <a:lnT w="12700" cap="flat" cmpd="sng" algn="ctr">
+                      <a:solidFill>
+                        <a:srgbClr val="000000"/>
+                      </a:solidFill>
+                      <a:prstDash val="solid"/>
+                      <a:round/>
+                      <a:headEnd type="none" w="med" len="med"/>
+                      <a:tailEnd type="none" w="med" len="med"/>
+                    </a:lnT>
+                    <a:lnB w="12700" cap="flat" cmpd="sng" algn="ctr">
+                      <a:solidFill>
+                        <a:srgbClr val="000000"/>
+                      </a:solidFill>
+                      <a:prstDash val="solid"/>
+                      <a:round/>
+                      <a:headEnd type="none" w="med" len="med"/>
+                      <a:tailEnd type="none" w="med" len="med"/>
+                    </a:lnB>
+                    <a:solidFill>
+                      <a:schemeClr val="bg1"/>
+                    </a:solidFill>
+                  </a:tcPr>
+                </a:tc>
+                <a:tc>
+                  <a:txBody>
+                    <a:bodyPr/>
+                    <a:lstStyle/>
+                    <a:p>
+                      <a:pPr marL="0" marR="0">
+                        <a:lnSpc>
+                          <a:spcPct val="107000"/>
+                        </a:lnSpc>
+                        <a:spcBef>
+                          <a:spcPts val="0"/>
+                        </a:spcBef>
+                        <a:spcAft>
+                          <a:spcPts val="0"/>
+                        </a:spcAft>
+                      </a:pPr>
+                      <a:r>
+                        <a:rPr lang="en-US" sz="1600" dirty="0">
+                          <a:effectLst/>
+                          <a:latin typeface="Arial" panose="020B0604020202020204" pitchFamily="34" charset="0"/>
+                          <a:ea typeface="Calibri" panose="020F0502020204030204" pitchFamily="34" charset="0"/>
+                          <a:cs typeface="Times New Roman" panose="02020603050405020304" pitchFamily="18" charset="0"/>
+                        </a:rPr>
+                        <a:t>Shield Lining</a:t>
+                      </a:r>
+                      <a:endParaRPr lang="en-US" sz="1600" dirty="0">
+                        <a:effectLst/>
+                        <a:latin typeface="Calibri" panose="020F0502020204030204" pitchFamily="34" charset="0"/>
+                        <a:ea typeface="Calibri" panose="020F0502020204030204" pitchFamily="34" charset="0"/>
+                        <a:cs typeface="Times New Roman" panose="02020603050405020304" pitchFamily="18" charset="0"/>
+                      </a:endParaRPr>
+                    </a:p>
+                  </a:txBody>
+                  <a:tcPr marL="68580" marR="68580" marT="0" marB="0">
+                    <a:lnL w="12700" cap="flat" cmpd="sng" algn="ctr">
+                      <a:solidFill>
+                        <a:srgbClr val="000000"/>
+                      </a:solidFill>
+                      <a:prstDash val="solid"/>
+                      <a:round/>
+                      <a:headEnd type="none" w="med" len="med"/>
+                      <a:tailEnd type="none" w="med" len="med"/>
+                    </a:lnL>
+                    <a:lnR w="12700" cap="flat" cmpd="sng" algn="ctr">
+                      <a:solidFill>
+                        <a:srgbClr val="000000"/>
+                      </a:solidFill>
+                      <a:prstDash val="solid"/>
+                      <a:round/>
+                      <a:headEnd type="none" w="med" len="med"/>
+                      <a:tailEnd type="none" w="med" len="med"/>
+                    </a:lnR>
+                    <a:lnT w="12700" cap="flat" cmpd="sng" algn="ctr">
+                      <a:solidFill>
+                        <a:srgbClr val="000000"/>
+                      </a:solidFill>
+                      <a:prstDash val="solid"/>
+                      <a:round/>
+                      <a:headEnd type="none" w="med" len="med"/>
+                      <a:tailEnd type="none" w="med" len="med"/>
+                    </a:lnT>
+                    <a:lnB w="12700" cap="flat" cmpd="sng" algn="ctr">
+                      <a:solidFill>
+                        <a:srgbClr val="000000"/>
+                      </a:solidFill>
+                      <a:prstDash val="solid"/>
+                      <a:round/>
+                      <a:headEnd type="none" w="med" len="med"/>
+                      <a:tailEnd type="none" w="med" len="med"/>
+                    </a:lnB>
+                    <a:solidFill>
+                      <a:schemeClr val="bg1"/>
+                    </a:solidFill>
+                  </a:tcPr>
+                </a:tc>
+              </a:tr>
+              <a:tr h="315686">
+                <a:tc>
+                  <a:txBody>
+                    <a:bodyPr/>
+                    <a:lstStyle/>
+                    <a:p>
+                      <a:pPr marL="0" marR="0" algn="ctr">
+                        <a:lnSpc>
+                          <a:spcPct val="107000"/>
+                        </a:lnSpc>
+                        <a:spcBef>
+                          <a:spcPts val="0"/>
+                        </a:spcBef>
+                        <a:spcAft>
+                          <a:spcPts val="0"/>
+                        </a:spcAft>
+                      </a:pPr>
+                      <a:r>
+                        <a:rPr lang="en-US" sz="1600">
+                          <a:effectLst/>
+                          <a:latin typeface="Arial" panose="020B0604020202020204" pitchFamily="34" charset="0"/>
+                          <a:ea typeface="Calibri" panose="020F0502020204030204" pitchFamily="34" charset="0"/>
+                          <a:cs typeface="Times New Roman" panose="02020603050405020304" pitchFamily="18" charset="0"/>
+                        </a:rPr>
+                        <a:t>Tin</a:t>
+                      </a:r>
+                      <a:endParaRPr lang="en-US" sz="1600">
+                        <a:effectLst/>
+                        <a:latin typeface="Calibri" panose="020F0502020204030204" pitchFamily="34" charset="0"/>
+                        <a:ea typeface="Calibri" panose="020F0502020204030204" pitchFamily="34" charset="0"/>
+                        <a:cs typeface="Times New Roman" panose="02020603050405020304" pitchFamily="18" charset="0"/>
+                      </a:endParaRPr>
+                    </a:p>
+                  </a:txBody>
+                  <a:tcPr marL="68580" marR="68580" marT="0" marB="0">
+                    <a:lnL w="12700" cap="flat" cmpd="sng" algn="ctr">
+                      <a:solidFill>
+                        <a:srgbClr val="000000"/>
+                      </a:solidFill>
+                      <a:prstDash val="solid"/>
+                      <a:round/>
+                      <a:headEnd type="none" w="med" len="med"/>
+                      <a:tailEnd type="none" w="med" len="med"/>
+                    </a:lnL>
+                    <a:lnR w="12700" cap="flat" cmpd="sng" algn="ctr">
+                      <a:solidFill>
+                        <a:srgbClr val="000000"/>
+                      </a:solidFill>
+                      <a:prstDash val="solid"/>
+                      <a:round/>
+                      <a:headEnd type="none" w="med" len="med"/>
+                      <a:tailEnd type="none" w="med" len="med"/>
+                    </a:lnR>
+                    <a:lnT w="12700" cap="flat" cmpd="sng" algn="ctr">
+                      <a:solidFill>
+                        <a:srgbClr val="000000"/>
+                      </a:solidFill>
+                      <a:prstDash val="solid"/>
+                      <a:round/>
+                      <a:headEnd type="none" w="med" len="med"/>
+                      <a:tailEnd type="none" w="med" len="med"/>
+                    </a:lnT>
+                    <a:lnB w="12700" cap="flat" cmpd="sng" algn="ctr">
+                      <a:solidFill>
+                        <a:srgbClr val="000000"/>
+                      </a:solidFill>
+                      <a:prstDash val="solid"/>
+                      <a:round/>
+                      <a:headEnd type="none" w="med" len="med"/>
+                      <a:tailEnd type="none" w="med" len="med"/>
+                    </a:lnB>
+                    <a:solidFill>
+                      <a:schemeClr val="bg1"/>
+                    </a:solidFill>
+                  </a:tcPr>
+                </a:tc>
+                <a:tc>
+                  <a:txBody>
+                    <a:bodyPr/>
+                    <a:lstStyle/>
+                    <a:p>
+                      <a:pPr marL="0" marR="0" algn="ctr">
+                        <a:lnSpc>
+                          <a:spcPct val="107000"/>
+                        </a:lnSpc>
+                        <a:spcBef>
+                          <a:spcPts val="0"/>
+                        </a:spcBef>
+                        <a:spcAft>
+                          <a:spcPts val="0"/>
+                        </a:spcAft>
+                      </a:pPr>
+                      <a:r>
+                        <a:rPr lang="en-US" sz="1600">
+                          <a:effectLst/>
+                          <a:latin typeface="Arial" panose="020B0604020202020204" pitchFamily="34" charset="0"/>
+                          <a:ea typeface="Calibri" panose="020F0502020204030204" pitchFamily="34" charset="0"/>
+                          <a:cs typeface="Times New Roman" panose="02020603050405020304" pitchFamily="18" charset="0"/>
+                        </a:rPr>
+                        <a:t>7.31</a:t>
+                      </a:r>
+                      <a:endParaRPr lang="en-US" sz="1600">
+                        <a:effectLst/>
+                        <a:latin typeface="Calibri" panose="020F0502020204030204" pitchFamily="34" charset="0"/>
+                        <a:ea typeface="Calibri" panose="020F0502020204030204" pitchFamily="34" charset="0"/>
+                        <a:cs typeface="Times New Roman" panose="02020603050405020304" pitchFamily="18" charset="0"/>
+                      </a:endParaRPr>
+                    </a:p>
+                  </a:txBody>
+                  <a:tcPr marL="68580" marR="68580" marT="0" marB="0">
+                    <a:lnL w="12700" cap="flat" cmpd="sng" algn="ctr">
+                      <a:solidFill>
+                        <a:srgbClr val="000000"/>
+                      </a:solidFill>
+                      <a:prstDash val="solid"/>
+                      <a:round/>
+                      <a:headEnd type="none" w="med" len="med"/>
+                      <a:tailEnd type="none" w="med" len="med"/>
+                    </a:lnL>
+                    <a:lnR w="12700" cap="flat" cmpd="sng" algn="ctr">
+                      <a:solidFill>
+                        <a:srgbClr val="000000"/>
+                      </a:solidFill>
+                      <a:prstDash val="solid"/>
+                      <a:round/>
+                      <a:headEnd type="none" w="med" len="med"/>
+                      <a:tailEnd type="none" w="med" len="med"/>
+                    </a:lnR>
+                    <a:lnT w="12700" cap="flat" cmpd="sng" algn="ctr">
+                      <a:solidFill>
+                        <a:srgbClr val="000000"/>
+                      </a:solidFill>
+                      <a:prstDash val="solid"/>
+                      <a:round/>
+                      <a:headEnd type="none" w="med" len="med"/>
+                      <a:tailEnd type="none" w="med" len="med"/>
+                    </a:lnT>
+                    <a:lnB w="12700" cap="flat" cmpd="sng" algn="ctr">
+                      <a:solidFill>
+                        <a:srgbClr val="000000"/>
+                      </a:solidFill>
+                      <a:prstDash val="solid"/>
+                      <a:round/>
+                      <a:headEnd type="none" w="med" len="med"/>
+                      <a:tailEnd type="none" w="med" len="med"/>
+                    </a:lnB>
+                    <a:solidFill>
+                      <a:schemeClr val="bg1"/>
+                    </a:solidFill>
+                  </a:tcPr>
+                </a:tc>
+                <a:tc>
+                  <a:txBody>
+                    <a:bodyPr/>
+                    <a:lstStyle/>
+                    <a:p>
+                      <a:pPr marL="0" marR="0">
+                        <a:lnSpc>
+                          <a:spcPct val="107000"/>
+                        </a:lnSpc>
+                        <a:spcBef>
+                          <a:spcPts val="0"/>
+                        </a:spcBef>
+                        <a:spcAft>
+                          <a:spcPts val="0"/>
+                        </a:spcAft>
+                      </a:pPr>
+                      <a:r>
+                        <a:rPr lang="en-US" sz="1600" dirty="0">
+                          <a:effectLst/>
+                          <a:latin typeface="Arial" panose="020B0604020202020204" pitchFamily="34" charset="0"/>
+                          <a:ea typeface="Calibri" panose="020F0502020204030204" pitchFamily="34" charset="0"/>
+                          <a:cs typeface="Times New Roman" panose="02020603050405020304" pitchFamily="18" charset="0"/>
+                        </a:rPr>
+                        <a:t>Shield Lining</a:t>
+                      </a:r>
+                      <a:endParaRPr lang="en-US" sz="1600" dirty="0">
+                        <a:effectLst/>
+                        <a:latin typeface="Calibri" panose="020F0502020204030204" pitchFamily="34" charset="0"/>
+                        <a:ea typeface="Calibri" panose="020F0502020204030204" pitchFamily="34" charset="0"/>
+                        <a:cs typeface="Times New Roman" panose="02020603050405020304" pitchFamily="18" charset="0"/>
+                      </a:endParaRPr>
+                    </a:p>
+                  </a:txBody>
+                  <a:tcPr marL="68580" marR="68580" marT="0" marB="0">
+                    <a:lnL w="12700" cap="flat" cmpd="sng" algn="ctr">
+                      <a:solidFill>
+                        <a:srgbClr val="000000"/>
+                      </a:solidFill>
+                      <a:prstDash val="solid"/>
+                      <a:round/>
+                      <a:headEnd type="none" w="med" len="med"/>
+                      <a:tailEnd type="none" w="med" len="med"/>
+                    </a:lnL>
+                    <a:lnR w="12700" cap="flat" cmpd="sng" algn="ctr">
+                      <a:solidFill>
+                        <a:srgbClr val="000000"/>
+                      </a:solidFill>
+                      <a:prstDash val="solid"/>
+                      <a:round/>
+                      <a:headEnd type="none" w="med" len="med"/>
+                      <a:tailEnd type="none" w="med" len="med"/>
+                    </a:lnR>
+                    <a:lnT w="12700" cap="flat" cmpd="sng" algn="ctr">
+                      <a:solidFill>
+                        <a:srgbClr val="000000"/>
+                      </a:solidFill>
+                      <a:prstDash val="solid"/>
+                      <a:round/>
+                      <a:headEnd type="none" w="med" len="med"/>
+                      <a:tailEnd type="none" w="med" len="med"/>
+                    </a:lnT>
+                    <a:lnB w="12700" cap="flat" cmpd="sng" algn="ctr">
+                      <a:solidFill>
+                        <a:srgbClr val="000000"/>
+                      </a:solidFill>
+                      <a:prstDash val="solid"/>
+                      <a:round/>
+                      <a:headEnd type="none" w="med" len="med"/>
+                      <a:tailEnd type="none" w="med" len="med"/>
+                    </a:lnB>
+                    <a:solidFill>
+                      <a:schemeClr val="bg1"/>
+                    </a:solidFill>
+                  </a:tcPr>
+                </a:tc>
+              </a:tr>
+              <a:tr h="315686">
+                <a:tc>
+                  <a:txBody>
+                    <a:bodyPr/>
+                    <a:lstStyle/>
+                    <a:p>
+                      <a:pPr marL="0" marR="0" algn="ctr">
+                        <a:lnSpc>
+                          <a:spcPct val="107000"/>
+                        </a:lnSpc>
+                        <a:spcBef>
+                          <a:spcPts val="0"/>
+                        </a:spcBef>
+                        <a:spcAft>
+                          <a:spcPts val="0"/>
+                        </a:spcAft>
+                      </a:pPr>
+                      <a:r>
+                        <a:rPr lang="en-US" sz="1600">
+                          <a:effectLst/>
+                          <a:latin typeface="Arial" panose="020B0604020202020204" pitchFamily="34" charset="0"/>
+                          <a:ea typeface="Calibri" panose="020F0502020204030204" pitchFamily="34" charset="0"/>
+                          <a:cs typeface="Times New Roman" panose="02020603050405020304" pitchFamily="18" charset="0"/>
+                        </a:rPr>
+                        <a:t>Kapton Film</a:t>
+                      </a:r>
+                      <a:endParaRPr lang="en-US" sz="1600">
+                        <a:effectLst/>
+                        <a:latin typeface="Calibri" panose="020F0502020204030204" pitchFamily="34" charset="0"/>
+                        <a:ea typeface="Calibri" panose="020F0502020204030204" pitchFamily="34" charset="0"/>
+                        <a:cs typeface="Times New Roman" panose="02020603050405020304" pitchFamily="18" charset="0"/>
+                      </a:endParaRPr>
+                    </a:p>
+                  </a:txBody>
+                  <a:tcPr marL="68580" marR="68580" marT="0" marB="0">
+                    <a:lnL w="12700" cap="flat" cmpd="sng" algn="ctr">
+                      <a:solidFill>
+                        <a:srgbClr val="000000"/>
+                      </a:solidFill>
+                      <a:prstDash val="solid"/>
+                      <a:round/>
+                      <a:headEnd type="none" w="med" len="med"/>
+                      <a:tailEnd type="none" w="med" len="med"/>
+                    </a:lnL>
+                    <a:lnR w="12700" cap="flat" cmpd="sng" algn="ctr">
+                      <a:solidFill>
+                        <a:srgbClr val="000000"/>
+                      </a:solidFill>
+                      <a:prstDash val="solid"/>
+                      <a:round/>
+                      <a:headEnd type="none" w="med" len="med"/>
+                      <a:tailEnd type="none" w="med" len="med"/>
+                    </a:lnR>
+                    <a:lnT w="12700" cap="flat" cmpd="sng" algn="ctr">
+                      <a:solidFill>
+                        <a:srgbClr val="000000"/>
+                      </a:solidFill>
+                      <a:prstDash val="solid"/>
+                      <a:round/>
+                      <a:headEnd type="none" w="med" len="med"/>
+                      <a:tailEnd type="none" w="med" len="med"/>
+                    </a:lnT>
+                    <a:lnB w="12700" cap="flat" cmpd="sng" algn="ctr">
+                      <a:solidFill>
+                        <a:srgbClr val="000000"/>
+                      </a:solidFill>
+                      <a:prstDash val="solid"/>
+                      <a:round/>
+                      <a:headEnd type="none" w="med" len="med"/>
+                      <a:tailEnd type="none" w="med" len="med"/>
+                    </a:lnB>
+                    <a:solidFill>
+                      <a:schemeClr val="bg1"/>
+                    </a:solidFill>
+                  </a:tcPr>
+                </a:tc>
+                <a:tc>
+                  <a:txBody>
+                    <a:bodyPr/>
+                    <a:lstStyle/>
+                    <a:p>
+                      <a:pPr marL="0" marR="0" algn="ctr">
+                        <a:lnSpc>
+                          <a:spcPct val="107000"/>
+                        </a:lnSpc>
+                        <a:spcBef>
+                          <a:spcPts val="0"/>
+                        </a:spcBef>
+                        <a:spcAft>
+                          <a:spcPts val="0"/>
+                        </a:spcAft>
+                      </a:pPr>
+                      <a:r>
+                        <a:rPr lang="en-US" sz="1600">
+                          <a:effectLst/>
+                          <a:latin typeface="Arial" panose="020B0604020202020204" pitchFamily="34" charset="0"/>
+                          <a:ea typeface="Calibri" panose="020F0502020204030204" pitchFamily="34" charset="0"/>
+                          <a:cs typeface="Times New Roman" panose="02020603050405020304" pitchFamily="18" charset="0"/>
+                        </a:rPr>
+                        <a:t>1.42</a:t>
+                      </a:r>
+                      <a:endParaRPr lang="en-US" sz="1600">
+                        <a:effectLst/>
+                        <a:latin typeface="Calibri" panose="020F0502020204030204" pitchFamily="34" charset="0"/>
+                        <a:ea typeface="Calibri" panose="020F0502020204030204" pitchFamily="34" charset="0"/>
+                        <a:cs typeface="Times New Roman" panose="02020603050405020304" pitchFamily="18" charset="0"/>
+                      </a:endParaRPr>
+                    </a:p>
+                  </a:txBody>
+                  <a:tcPr marL="68580" marR="68580" marT="0" marB="0">
+                    <a:lnL w="12700" cap="flat" cmpd="sng" algn="ctr">
+                      <a:solidFill>
+                        <a:srgbClr val="000000"/>
+                      </a:solidFill>
+                      <a:prstDash val="solid"/>
+                      <a:round/>
+                      <a:headEnd type="none" w="med" len="med"/>
+                      <a:tailEnd type="none" w="med" len="med"/>
+                    </a:lnL>
+                    <a:lnR w="12700" cap="flat" cmpd="sng" algn="ctr">
+                      <a:solidFill>
+                        <a:srgbClr val="000000"/>
+                      </a:solidFill>
+                      <a:prstDash val="solid"/>
+                      <a:round/>
+                      <a:headEnd type="none" w="med" len="med"/>
+                      <a:tailEnd type="none" w="med" len="med"/>
+                    </a:lnR>
+                    <a:lnT w="12700" cap="flat" cmpd="sng" algn="ctr">
+                      <a:solidFill>
+                        <a:srgbClr val="000000"/>
+                      </a:solidFill>
+                      <a:prstDash val="solid"/>
+                      <a:round/>
+                      <a:headEnd type="none" w="med" len="med"/>
+                      <a:tailEnd type="none" w="med" len="med"/>
+                    </a:lnT>
+                    <a:lnB w="12700" cap="flat" cmpd="sng" algn="ctr">
+                      <a:solidFill>
+                        <a:srgbClr val="000000"/>
+                      </a:solidFill>
+                      <a:prstDash val="solid"/>
+                      <a:round/>
+                      <a:headEnd type="none" w="med" len="med"/>
+                      <a:tailEnd type="none" w="med" len="med"/>
+                    </a:lnB>
+                    <a:solidFill>
+                      <a:schemeClr val="bg1"/>
+                    </a:solidFill>
+                  </a:tcPr>
+                </a:tc>
+                <a:tc>
+                  <a:txBody>
+                    <a:bodyPr/>
+                    <a:lstStyle/>
+                    <a:p>
+                      <a:pPr marL="0" marR="0">
+                        <a:lnSpc>
+                          <a:spcPct val="107000"/>
+                        </a:lnSpc>
+                        <a:spcBef>
+                          <a:spcPts val="0"/>
+                        </a:spcBef>
+                        <a:spcAft>
+                          <a:spcPts val="0"/>
+                        </a:spcAft>
+                      </a:pPr>
+                      <a:r>
+                        <a:rPr lang="en-US" sz="1600" dirty="0">
+                          <a:effectLst/>
+                          <a:latin typeface="Arial" panose="020B0604020202020204" pitchFamily="34" charset="0"/>
+                          <a:ea typeface="Calibri" panose="020F0502020204030204" pitchFamily="34" charset="0"/>
+                          <a:cs typeface="Times New Roman" panose="02020603050405020304" pitchFamily="18" charset="0"/>
+                        </a:rPr>
+                        <a:t>IR Window</a:t>
+                      </a:r>
+                      <a:endParaRPr lang="en-US" sz="1600" dirty="0">
+                        <a:effectLst/>
+                        <a:latin typeface="Calibri" panose="020F0502020204030204" pitchFamily="34" charset="0"/>
+                        <a:ea typeface="Calibri" panose="020F0502020204030204" pitchFamily="34" charset="0"/>
+                        <a:cs typeface="Times New Roman" panose="02020603050405020304" pitchFamily="18" charset="0"/>
+                      </a:endParaRPr>
+                    </a:p>
+                  </a:txBody>
+                  <a:tcPr marL="68580" marR="68580" marT="0" marB="0">
+                    <a:lnL w="12700" cap="flat" cmpd="sng" algn="ctr">
+                      <a:solidFill>
+                        <a:srgbClr val="000000"/>
+                      </a:solidFill>
+                      <a:prstDash val="solid"/>
+                      <a:round/>
+                      <a:headEnd type="none" w="med" len="med"/>
+                      <a:tailEnd type="none" w="med" len="med"/>
+                    </a:lnL>
+                    <a:lnR w="12700" cap="flat" cmpd="sng" algn="ctr">
+                      <a:solidFill>
+                        <a:srgbClr val="000000"/>
+                      </a:solidFill>
+                      <a:prstDash val="solid"/>
+                      <a:round/>
+                      <a:headEnd type="none" w="med" len="med"/>
+                      <a:tailEnd type="none" w="med" len="med"/>
+                    </a:lnR>
+                    <a:lnT w="12700" cap="flat" cmpd="sng" algn="ctr">
+                      <a:solidFill>
+                        <a:srgbClr val="000000"/>
+                      </a:solidFill>
+                      <a:prstDash val="solid"/>
+                      <a:round/>
+                      <a:headEnd type="none" w="med" len="med"/>
+                      <a:tailEnd type="none" w="med" len="med"/>
+                    </a:lnT>
+                    <a:lnB w="12700" cap="flat" cmpd="sng" algn="ctr">
+                      <a:solidFill>
+                        <a:srgbClr val="000000"/>
+                      </a:solidFill>
+                      <a:prstDash val="solid"/>
+                      <a:round/>
+                      <a:headEnd type="none" w="med" len="med"/>
+                      <a:tailEnd type="none" w="med" len="med"/>
+                    </a:lnB>
+                    <a:solidFill>
+                      <a:schemeClr val="bg1"/>
+                    </a:solidFill>
+                  </a:tcPr>
+                </a:tc>
+              </a:tr>
+              <a:tr h="315686">
+                <a:tc>
+                  <a:txBody>
+                    <a:bodyPr/>
+                    <a:lstStyle/>
+                    <a:p>
+                      <a:pPr marL="0" marR="0" algn="ctr">
+                        <a:lnSpc>
+                          <a:spcPct val="107000"/>
+                        </a:lnSpc>
+                        <a:spcBef>
+                          <a:spcPts val="0"/>
+                        </a:spcBef>
+                        <a:spcAft>
+                          <a:spcPts val="0"/>
+                        </a:spcAft>
+                      </a:pPr>
+                      <a:r>
+                        <a:rPr lang="en-US" sz="1600">
+                          <a:effectLst/>
+                          <a:latin typeface="Arial" panose="020B0604020202020204" pitchFamily="34" charset="0"/>
+                          <a:ea typeface="Calibri" panose="020F0502020204030204" pitchFamily="34" charset="0"/>
+                          <a:cs typeface="Times New Roman" panose="02020603050405020304" pitchFamily="18" charset="0"/>
+                        </a:rPr>
+                        <a:t>Air</a:t>
+                      </a:r>
+                      <a:endParaRPr lang="en-US" sz="1600">
+                        <a:effectLst/>
+                        <a:latin typeface="Calibri" panose="020F0502020204030204" pitchFamily="34" charset="0"/>
+                        <a:ea typeface="Calibri" panose="020F0502020204030204" pitchFamily="34" charset="0"/>
+                        <a:cs typeface="Times New Roman" panose="02020603050405020304" pitchFamily="18" charset="0"/>
+                      </a:endParaRPr>
+                    </a:p>
+                  </a:txBody>
+                  <a:tcPr marL="68580" marR="68580" marT="0" marB="0">
+                    <a:lnL w="12700" cap="flat" cmpd="sng" algn="ctr">
+                      <a:solidFill>
+                        <a:srgbClr val="000000"/>
+                      </a:solidFill>
+                      <a:prstDash val="solid"/>
+                      <a:round/>
+                      <a:headEnd type="none" w="med" len="med"/>
+                      <a:tailEnd type="none" w="med" len="med"/>
+                    </a:lnL>
+                    <a:lnR w="12700" cap="flat" cmpd="sng" algn="ctr">
+                      <a:solidFill>
+                        <a:srgbClr val="000000"/>
+                      </a:solidFill>
+                      <a:prstDash val="solid"/>
+                      <a:round/>
+                      <a:headEnd type="none" w="med" len="med"/>
+                      <a:tailEnd type="none" w="med" len="med"/>
+                    </a:lnR>
+                    <a:lnT w="12700" cap="flat" cmpd="sng" algn="ctr">
+                      <a:solidFill>
+                        <a:srgbClr val="000000"/>
+                      </a:solidFill>
+                      <a:prstDash val="solid"/>
+                      <a:round/>
+                      <a:headEnd type="none" w="med" len="med"/>
+                      <a:tailEnd type="none" w="med" len="med"/>
+                    </a:lnT>
+                    <a:lnB w="12700" cap="flat" cmpd="sng" algn="ctr">
+                      <a:solidFill>
+                        <a:srgbClr val="000000"/>
+                      </a:solidFill>
+                      <a:prstDash val="solid"/>
+                      <a:round/>
+                      <a:headEnd type="none" w="med" len="med"/>
+                      <a:tailEnd type="none" w="med" len="med"/>
+                    </a:lnB>
+                    <a:solidFill>
+                      <a:schemeClr val="bg1"/>
+                    </a:solidFill>
+                  </a:tcPr>
+                </a:tc>
+                <a:tc>
+                  <a:txBody>
+                    <a:bodyPr/>
+                    <a:lstStyle/>
+                    <a:p>
+                      <a:pPr marL="0" marR="0" algn="ctr">
+                        <a:lnSpc>
+                          <a:spcPct val="107000"/>
+                        </a:lnSpc>
+                        <a:spcBef>
+                          <a:spcPts val="0"/>
+                        </a:spcBef>
+                        <a:spcAft>
+                          <a:spcPts val="0"/>
+                        </a:spcAft>
+                      </a:pPr>
+                      <a:r>
+                        <a:rPr lang="en-US" sz="1600">
+                          <a:effectLst/>
+                          <a:latin typeface="Arial" panose="020B0604020202020204" pitchFamily="34" charset="0"/>
+                          <a:ea typeface="Calibri" panose="020F0502020204030204" pitchFamily="34" charset="0"/>
+                          <a:cs typeface="Times New Roman" panose="02020603050405020304" pitchFamily="18" charset="0"/>
+                        </a:rPr>
+                        <a:t>0.001224</a:t>
+                      </a:r>
+                      <a:endParaRPr lang="en-US" sz="1600">
+                        <a:effectLst/>
+                        <a:latin typeface="Calibri" panose="020F0502020204030204" pitchFamily="34" charset="0"/>
+                        <a:ea typeface="Calibri" panose="020F0502020204030204" pitchFamily="34" charset="0"/>
+                        <a:cs typeface="Times New Roman" panose="02020603050405020304" pitchFamily="18" charset="0"/>
+                      </a:endParaRPr>
+                    </a:p>
+                  </a:txBody>
+                  <a:tcPr marL="68580" marR="68580" marT="0" marB="0">
+                    <a:lnL w="12700" cap="flat" cmpd="sng" algn="ctr">
+                      <a:solidFill>
+                        <a:srgbClr val="000000"/>
+                      </a:solidFill>
+                      <a:prstDash val="solid"/>
+                      <a:round/>
+                      <a:headEnd type="none" w="med" len="med"/>
+                      <a:tailEnd type="none" w="med" len="med"/>
+                    </a:lnL>
+                    <a:lnR w="12700" cap="flat" cmpd="sng" algn="ctr">
+                      <a:solidFill>
+                        <a:srgbClr val="000000"/>
+                      </a:solidFill>
+                      <a:prstDash val="solid"/>
+                      <a:round/>
+                      <a:headEnd type="none" w="med" len="med"/>
+                      <a:tailEnd type="none" w="med" len="med"/>
+                    </a:lnR>
+                    <a:lnT w="12700" cap="flat" cmpd="sng" algn="ctr">
+                      <a:solidFill>
+                        <a:srgbClr val="000000"/>
+                      </a:solidFill>
+                      <a:prstDash val="solid"/>
+                      <a:round/>
+                      <a:headEnd type="none" w="med" len="med"/>
+                      <a:tailEnd type="none" w="med" len="med"/>
+                    </a:lnT>
+                    <a:lnB w="12700" cap="flat" cmpd="sng" algn="ctr">
+                      <a:solidFill>
+                        <a:srgbClr val="000000"/>
+                      </a:solidFill>
+                      <a:prstDash val="solid"/>
+                      <a:round/>
+                      <a:headEnd type="none" w="med" len="med"/>
+                      <a:tailEnd type="none" w="med" len="med"/>
+                    </a:lnB>
+                    <a:solidFill>
+                      <a:schemeClr val="bg1"/>
+                    </a:solidFill>
+                  </a:tcPr>
+                </a:tc>
+                <a:tc>
+                  <a:txBody>
+                    <a:bodyPr/>
+                    <a:lstStyle/>
+                    <a:p>
+                      <a:pPr marL="0" marR="0">
+                        <a:lnSpc>
+                          <a:spcPct val="107000"/>
+                        </a:lnSpc>
+                        <a:spcBef>
+                          <a:spcPts val="0"/>
+                        </a:spcBef>
+                        <a:spcAft>
+                          <a:spcPts val="0"/>
+                        </a:spcAft>
+                      </a:pPr>
+                      <a:r>
+                        <a:rPr lang="en-US" sz="1600" dirty="0">
+                          <a:effectLst/>
+                          <a:latin typeface="Arial" panose="020B0604020202020204" pitchFamily="34" charset="0"/>
+                          <a:ea typeface="Calibri" panose="020F0502020204030204" pitchFamily="34" charset="0"/>
+                          <a:cs typeface="Times New Roman" panose="02020603050405020304" pitchFamily="18" charset="0"/>
+                        </a:rPr>
+                        <a:t>Shielding Chamber</a:t>
+                      </a:r>
+                      <a:endParaRPr lang="en-US" sz="1600" dirty="0">
+                        <a:effectLst/>
+                        <a:latin typeface="Calibri" panose="020F0502020204030204" pitchFamily="34" charset="0"/>
+                        <a:ea typeface="Calibri" panose="020F0502020204030204" pitchFamily="34" charset="0"/>
+                        <a:cs typeface="Times New Roman" panose="02020603050405020304" pitchFamily="18" charset="0"/>
+                      </a:endParaRPr>
+                    </a:p>
+                  </a:txBody>
+                  <a:tcPr marL="68580" marR="68580" marT="0" marB="0">
+                    <a:lnL w="12700" cap="flat" cmpd="sng" algn="ctr">
+                      <a:solidFill>
+                        <a:srgbClr val="000000"/>
+                      </a:solidFill>
+                      <a:prstDash val="solid"/>
+                      <a:round/>
+                      <a:headEnd type="none" w="med" len="med"/>
+                      <a:tailEnd type="none" w="med" len="med"/>
+                    </a:lnL>
+                    <a:lnR w="12700" cap="flat" cmpd="sng" algn="ctr">
+                      <a:solidFill>
+                        <a:srgbClr val="000000"/>
+                      </a:solidFill>
+                      <a:prstDash val="solid"/>
+                      <a:round/>
+                      <a:headEnd type="none" w="med" len="med"/>
+                      <a:tailEnd type="none" w="med" len="med"/>
+                    </a:lnR>
+                    <a:lnT w="12700" cap="flat" cmpd="sng" algn="ctr">
+                      <a:solidFill>
+                        <a:srgbClr val="000000"/>
+                      </a:solidFill>
+                      <a:prstDash val="solid"/>
+                      <a:round/>
+                      <a:headEnd type="none" w="med" len="med"/>
+                      <a:tailEnd type="none" w="med" len="med"/>
+                    </a:lnT>
+                    <a:lnB w="12700" cap="flat" cmpd="sng" algn="ctr">
+                      <a:solidFill>
+                        <a:srgbClr val="000000"/>
+                      </a:solidFill>
+                      <a:prstDash val="solid"/>
+                      <a:round/>
+                      <a:headEnd type="none" w="med" len="med"/>
+                      <a:tailEnd type="none" w="med" len="med"/>
+                    </a:lnB>
+                    <a:solidFill>
+                      <a:schemeClr val="bg1"/>
+                    </a:solidFill>
+                  </a:tcPr>
+                </a:tc>
+              </a:tr>
+              <a:tr h="315686">
+                <a:tc>
+                  <a:txBody>
+                    <a:bodyPr/>
+                    <a:lstStyle/>
+                    <a:p>
+                      <a:pPr marL="0" marR="0" algn="ctr">
+                        <a:lnSpc>
+                          <a:spcPct val="107000"/>
+                        </a:lnSpc>
+                        <a:spcBef>
+                          <a:spcPts val="0"/>
+                        </a:spcBef>
+                        <a:spcAft>
+                          <a:spcPts val="0"/>
+                        </a:spcAft>
+                      </a:pPr>
+                      <a:r>
+                        <a:rPr lang="en-US" sz="1600">
+                          <a:effectLst/>
+                          <a:latin typeface="Arial" panose="020B0604020202020204" pitchFamily="34" charset="0"/>
+                          <a:ea typeface="Calibri" panose="020F0502020204030204" pitchFamily="34" charset="0"/>
+                          <a:cs typeface="Times New Roman" panose="02020603050405020304" pitchFamily="18" charset="0"/>
+                        </a:rPr>
+                        <a:t>Lead</a:t>
+                      </a:r>
+                      <a:endParaRPr lang="en-US" sz="1600">
+                        <a:effectLst/>
+                        <a:latin typeface="Calibri" panose="020F0502020204030204" pitchFamily="34" charset="0"/>
+                        <a:ea typeface="Calibri" panose="020F0502020204030204" pitchFamily="34" charset="0"/>
+                        <a:cs typeface="Times New Roman" panose="02020603050405020304" pitchFamily="18" charset="0"/>
+                      </a:endParaRPr>
+                    </a:p>
+                  </a:txBody>
+                  <a:tcPr marL="68580" marR="68580" marT="0" marB="0">
+                    <a:lnL w="12700" cap="flat" cmpd="sng" algn="ctr">
+                      <a:solidFill>
+                        <a:srgbClr val="000000"/>
+                      </a:solidFill>
+                      <a:prstDash val="solid"/>
+                      <a:round/>
+                      <a:headEnd type="none" w="med" len="med"/>
+                      <a:tailEnd type="none" w="med" len="med"/>
+                    </a:lnL>
+                    <a:lnR w="12700" cap="flat" cmpd="sng" algn="ctr">
+                      <a:solidFill>
+                        <a:srgbClr val="000000"/>
+                      </a:solidFill>
+                      <a:prstDash val="solid"/>
+                      <a:round/>
+                      <a:headEnd type="none" w="med" len="med"/>
+                      <a:tailEnd type="none" w="med" len="med"/>
+                    </a:lnR>
+                    <a:lnT w="12700" cap="flat" cmpd="sng" algn="ctr">
+                      <a:solidFill>
+                        <a:srgbClr val="000000"/>
+                      </a:solidFill>
+                      <a:prstDash val="solid"/>
+                      <a:round/>
+                      <a:headEnd type="none" w="med" len="med"/>
+                      <a:tailEnd type="none" w="med" len="med"/>
+                    </a:lnT>
+                    <a:lnB w="12700" cap="flat" cmpd="sng" algn="ctr">
+                      <a:solidFill>
+                        <a:srgbClr val="000000"/>
+                      </a:solidFill>
+                      <a:prstDash val="solid"/>
+                      <a:round/>
+                      <a:headEnd type="none" w="med" len="med"/>
+                      <a:tailEnd type="none" w="med" len="med"/>
+                    </a:lnB>
+                    <a:solidFill>
+                      <a:schemeClr val="bg1"/>
+                    </a:solidFill>
+                  </a:tcPr>
+                </a:tc>
+                <a:tc>
+                  <a:txBody>
+                    <a:bodyPr/>
+                    <a:lstStyle/>
+                    <a:p>
+                      <a:pPr marL="0" marR="0" algn="ctr">
+                        <a:lnSpc>
+                          <a:spcPct val="107000"/>
+                        </a:lnSpc>
+                        <a:spcBef>
+                          <a:spcPts val="0"/>
+                        </a:spcBef>
+                        <a:spcAft>
+                          <a:spcPts val="0"/>
+                        </a:spcAft>
+                      </a:pPr>
+                      <a:r>
+                        <a:rPr lang="en-US" sz="1600">
+                          <a:effectLst/>
+                          <a:latin typeface="Arial" panose="020B0604020202020204" pitchFamily="34" charset="0"/>
+                          <a:ea typeface="Calibri" panose="020F0502020204030204" pitchFamily="34" charset="0"/>
+                          <a:cs typeface="Times New Roman" panose="02020603050405020304" pitchFamily="18" charset="0"/>
+                        </a:rPr>
+                        <a:t>11.34</a:t>
+                      </a:r>
+                      <a:endParaRPr lang="en-US" sz="1600">
+                        <a:effectLst/>
+                        <a:latin typeface="Calibri" panose="020F0502020204030204" pitchFamily="34" charset="0"/>
+                        <a:ea typeface="Calibri" panose="020F0502020204030204" pitchFamily="34" charset="0"/>
+                        <a:cs typeface="Times New Roman" panose="02020603050405020304" pitchFamily="18" charset="0"/>
+                      </a:endParaRPr>
+                    </a:p>
+                  </a:txBody>
+                  <a:tcPr marL="68580" marR="68580" marT="0" marB="0">
+                    <a:lnL w="12700" cap="flat" cmpd="sng" algn="ctr">
+                      <a:solidFill>
+                        <a:srgbClr val="000000"/>
+                      </a:solidFill>
+                      <a:prstDash val="solid"/>
+                      <a:round/>
+                      <a:headEnd type="none" w="med" len="med"/>
+                      <a:tailEnd type="none" w="med" len="med"/>
+                    </a:lnL>
+                    <a:lnR w="12700" cap="flat" cmpd="sng" algn="ctr">
+                      <a:solidFill>
+                        <a:srgbClr val="000000"/>
+                      </a:solidFill>
+                      <a:prstDash val="solid"/>
+                      <a:round/>
+                      <a:headEnd type="none" w="med" len="med"/>
+                      <a:tailEnd type="none" w="med" len="med"/>
+                    </a:lnR>
+                    <a:lnT w="12700" cap="flat" cmpd="sng" algn="ctr">
+                      <a:solidFill>
+                        <a:srgbClr val="000000"/>
+                      </a:solidFill>
+                      <a:prstDash val="solid"/>
+                      <a:round/>
+                      <a:headEnd type="none" w="med" len="med"/>
+                      <a:tailEnd type="none" w="med" len="med"/>
+                    </a:lnT>
+                    <a:lnB w="12700" cap="flat" cmpd="sng" algn="ctr">
+                      <a:solidFill>
+                        <a:srgbClr val="000000"/>
+                      </a:solidFill>
+                      <a:prstDash val="solid"/>
+                      <a:round/>
+                      <a:headEnd type="none" w="med" len="med"/>
+                      <a:tailEnd type="none" w="med" len="med"/>
+                    </a:lnB>
+                    <a:solidFill>
+                      <a:schemeClr val="bg1"/>
+                    </a:solidFill>
+                  </a:tcPr>
+                </a:tc>
+                <a:tc>
+                  <a:txBody>
+                    <a:bodyPr/>
+                    <a:lstStyle/>
+                    <a:p>
+                      <a:pPr marL="0" marR="0">
+                        <a:lnSpc>
+                          <a:spcPct val="107000"/>
+                        </a:lnSpc>
+                        <a:spcBef>
+                          <a:spcPts val="0"/>
+                        </a:spcBef>
+                        <a:spcAft>
+                          <a:spcPts val="0"/>
+                        </a:spcAft>
+                      </a:pPr>
+                      <a:r>
+                        <a:rPr lang="en-US" sz="1600" dirty="0">
+                          <a:effectLst/>
+                          <a:latin typeface="Arial" panose="020B0604020202020204" pitchFamily="34" charset="0"/>
+                          <a:ea typeface="Calibri" panose="020F0502020204030204" pitchFamily="34" charset="0"/>
+                          <a:cs typeface="Times New Roman" panose="02020603050405020304" pitchFamily="18" charset="0"/>
+                        </a:rPr>
+                        <a:t>Shielding</a:t>
+                      </a:r>
+                      <a:endParaRPr lang="en-US" sz="1600" dirty="0">
+                        <a:effectLst/>
+                        <a:latin typeface="Calibri" panose="020F0502020204030204" pitchFamily="34" charset="0"/>
+                        <a:ea typeface="Calibri" panose="020F0502020204030204" pitchFamily="34" charset="0"/>
+                        <a:cs typeface="Times New Roman" panose="02020603050405020304" pitchFamily="18" charset="0"/>
+                      </a:endParaRPr>
+                    </a:p>
+                  </a:txBody>
+                  <a:tcPr marL="68580" marR="68580" marT="0" marB="0">
+                    <a:lnL w="12700" cap="flat" cmpd="sng" algn="ctr">
+                      <a:solidFill>
+                        <a:srgbClr val="000000"/>
+                      </a:solidFill>
+                      <a:prstDash val="solid"/>
+                      <a:round/>
+                      <a:headEnd type="none" w="med" len="med"/>
+                      <a:tailEnd type="none" w="med" len="med"/>
+                    </a:lnL>
+                    <a:lnR w="12700" cap="flat" cmpd="sng" algn="ctr">
+                      <a:solidFill>
+                        <a:srgbClr val="000000"/>
+                      </a:solidFill>
+                      <a:prstDash val="solid"/>
+                      <a:round/>
+                      <a:headEnd type="none" w="med" len="med"/>
+                      <a:tailEnd type="none" w="med" len="med"/>
+                    </a:lnR>
+                    <a:lnT w="12700" cap="flat" cmpd="sng" algn="ctr">
+                      <a:solidFill>
+                        <a:srgbClr val="000000"/>
+                      </a:solidFill>
+                      <a:prstDash val="solid"/>
+                      <a:round/>
+                      <a:headEnd type="none" w="med" len="med"/>
+                      <a:tailEnd type="none" w="med" len="med"/>
+                    </a:lnT>
+                    <a:lnB w="12700" cap="flat" cmpd="sng" algn="ctr">
+                      <a:solidFill>
+                        <a:srgbClr val="000000"/>
+                      </a:solidFill>
+                      <a:prstDash val="solid"/>
+                      <a:round/>
+                      <a:headEnd type="none" w="med" len="med"/>
+                      <a:tailEnd type="none" w="med" len="med"/>
+                    </a:lnB>
+                    <a:solidFill>
+                      <a:schemeClr val="bg1"/>
+                    </a:solidFill>
+                  </a:tcPr>
+                </a:tc>
+              </a:tr>
+              <a:tr h="315686">
+                <a:tc>
+                  <a:txBody>
+                    <a:bodyPr/>
+                    <a:lstStyle/>
+                    <a:p>
+                      <a:pPr marL="0" marR="0" algn="ctr">
+                        <a:lnSpc>
+                          <a:spcPct val="107000"/>
+                        </a:lnSpc>
+                        <a:spcBef>
+                          <a:spcPts val="0"/>
+                        </a:spcBef>
+                        <a:spcAft>
+                          <a:spcPts val="0"/>
+                        </a:spcAft>
+                      </a:pPr>
+                      <a:r>
+                        <a:rPr lang="en-US" sz="1600">
+                          <a:effectLst/>
+                          <a:latin typeface="Arial" panose="020B0604020202020204" pitchFamily="34" charset="0"/>
+                          <a:ea typeface="Calibri" panose="020F0502020204030204" pitchFamily="34" charset="0"/>
+                          <a:cs typeface="Times New Roman" panose="02020603050405020304" pitchFamily="18" charset="0"/>
+                        </a:rPr>
+                        <a:t>Acrylic Glass</a:t>
+                      </a:r>
+                      <a:endParaRPr lang="en-US" sz="1600">
+                        <a:effectLst/>
+                        <a:latin typeface="Calibri" panose="020F0502020204030204" pitchFamily="34" charset="0"/>
+                        <a:ea typeface="Calibri" panose="020F0502020204030204" pitchFamily="34" charset="0"/>
+                        <a:cs typeface="Times New Roman" panose="02020603050405020304" pitchFamily="18" charset="0"/>
+                      </a:endParaRPr>
+                    </a:p>
+                  </a:txBody>
+                  <a:tcPr marL="68580" marR="68580" marT="0" marB="0">
+                    <a:lnL w="12700" cap="flat" cmpd="sng" algn="ctr">
+                      <a:solidFill>
+                        <a:srgbClr val="000000"/>
+                      </a:solidFill>
+                      <a:prstDash val="solid"/>
+                      <a:round/>
+                      <a:headEnd type="none" w="med" len="med"/>
+                      <a:tailEnd type="none" w="med" len="med"/>
+                    </a:lnL>
+                    <a:lnR w="12700" cap="flat" cmpd="sng" algn="ctr">
+                      <a:solidFill>
+                        <a:srgbClr val="000000"/>
+                      </a:solidFill>
+                      <a:prstDash val="solid"/>
+                      <a:round/>
+                      <a:headEnd type="none" w="med" len="med"/>
+                      <a:tailEnd type="none" w="med" len="med"/>
+                    </a:lnR>
+                    <a:lnT w="12700" cap="flat" cmpd="sng" algn="ctr">
+                      <a:solidFill>
+                        <a:srgbClr val="000000"/>
+                      </a:solidFill>
+                      <a:prstDash val="solid"/>
+                      <a:round/>
+                      <a:headEnd type="none" w="med" len="med"/>
+                      <a:tailEnd type="none" w="med" len="med"/>
+                    </a:lnT>
+                    <a:lnB w="12700" cap="flat" cmpd="sng" algn="ctr">
+                      <a:solidFill>
+                        <a:srgbClr val="000000"/>
+                      </a:solidFill>
+                      <a:prstDash val="solid"/>
+                      <a:round/>
+                      <a:headEnd type="none" w="med" len="med"/>
+                      <a:tailEnd type="none" w="med" len="med"/>
+                    </a:lnB>
+                    <a:solidFill>
+                      <a:schemeClr val="bg1"/>
+                    </a:solidFill>
+                  </a:tcPr>
+                </a:tc>
+                <a:tc>
+                  <a:txBody>
+                    <a:bodyPr/>
+                    <a:lstStyle/>
+                    <a:p>
+                      <a:pPr marL="0" marR="0" algn="ctr">
+                        <a:lnSpc>
+                          <a:spcPct val="107000"/>
+                        </a:lnSpc>
+                        <a:spcBef>
+                          <a:spcPts val="0"/>
+                        </a:spcBef>
+                        <a:spcAft>
+                          <a:spcPts val="0"/>
+                        </a:spcAft>
+                      </a:pPr>
+                      <a:r>
+                        <a:rPr lang="en-US" sz="1600">
+                          <a:effectLst/>
+                          <a:latin typeface="Arial" panose="020B0604020202020204" pitchFamily="34" charset="0"/>
+                          <a:ea typeface="Calibri" panose="020F0502020204030204" pitchFamily="34" charset="0"/>
+                          <a:cs typeface="Times New Roman" panose="02020603050405020304" pitchFamily="18" charset="0"/>
+                        </a:rPr>
+                        <a:t>1.19</a:t>
+                      </a:r>
+                      <a:endParaRPr lang="en-US" sz="1600">
+                        <a:effectLst/>
+                        <a:latin typeface="Calibri" panose="020F0502020204030204" pitchFamily="34" charset="0"/>
+                        <a:ea typeface="Calibri" panose="020F0502020204030204" pitchFamily="34" charset="0"/>
+                        <a:cs typeface="Times New Roman" panose="02020603050405020304" pitchFamily="18" charset="0"/>
+                      </a:endParaRPr>
+                    </a:p>
+                  </a:txBody>
+                  <a:tcPr marL="68580" marR="68580" marT="0" marB="0">
+                    <a:lnL w="12700" cap="flat" cmpd="sng" algn="ctr">
+                      <a:solidFill>
+                        <a:srgbClr val="000000"/>
+                      </a:solidFill>
+                      <a:prstDash val="solid"/>
+                      <a:round/>
+                      <a:headEnd type="none" w="med" len="med"/>
+                      <a:tailEnd type="none" w="med" len="med"/>
+                    </a:lnL>
+                    <a:lnR w="12700" cap="flat" cmpd="sng" algn="ctr">
+                      <a:solidFill>
+                        <a:srgbClr val="000000"/>
+                      </a:solidFill>
+                      <a:prstDash val="solid"/>
+                      <a:round/>
+                      <a:headEnd type="none" w="med" len="med"/>
+                      <a:tailEnd type="none" w="med" len="med"/>
+                    </a:lnR>
+                    <a:lnT w="12700" cap="flat" cmpd="sng" algn="ctr">
+                      <a:solidFill>
+                        <a:srgbClr val="000000"/>
+                      </a:solidFill>
+                      <a:prstDash val="solid"/>
+                      <a:round/>
+                      <a:headEnd type="none" w="med" len="med"/>
+                      <a:tailEnd type="none" w="med" len="med"/>
+                    </a:lnT>
+                    <a:lnB w="12700" cap="flat" cmpd="sng" algn="ctr">
+                      <a:solidFill>
+                        <a:srgbClr val="000000"/>
+                      </a:solidFill>
+                      <a:prstDash val="solid"/>
+                      <a:round/>
+                      <a:headEnd type="none" w="med" len="med"/>
+                      <a:tailEnd type="none" w="med" len="med"/>
+                    </a:lnB>
+                    <a:solidFill>
+                      <a:schemeClr val="bg1"/>
+                    </a:solidFill>
+                  </a:tcPr>
+                </a:tc>
+                <a:tc>
+                  <a:txBody>
+                    <a:bodyPr/>
+                    <a:lstStyle/>
+                    <a:p>
+                      <a:pPr marL="0" marR="0">
+                        <a:lnSpc>
+                          <a:spcPct val="107000"/>
+                        </a:lnSpc>
+                        <a:spcBef>
+                          <a:spcPts val="0"/>
+                        </a:spcBef>
+                        <a:spcAft>
+                          <a:spcPts val="0"/>
+                        </a:spcAft>
+                      </a:pPr>
+                      <a:r>
+                        <a:rPr lang="en-US" sz="1600" dirty="0">
+                          <a:effectLst/>
+                          <a:latin typeface="Arial" panose="020B0604020202020204" pitchFamily="34" charset="0"/>
+                          <a:ea typeface="Calibri" panose="020F0502020204030204" pitchFamily="34" charset="0"/>
+                          <a:cs typeface="Times New Roman" panose="02020603050405020304" pitchFamily="18" charset="0"/>
+                        </a:rPr>
+                        <a:t>Source Encapsulation</a:t>
+                      </a:r>
+                      <a:endParaRPr lang="en-US" sz="1600" dirty="0">
+                        <a:effectLst/>
+                        <a:latin typeface="Calibri" panose="020F0502020204030204" pitchFamily="34" charset="0"/>
+                        <a:ea typeface="Calibri" panose="020F0502020204030204" pitchFamily="34" charset="0"/>
+                        <a:cs typeface="Times New Roman" panose="02020603050405020304" pitchFamily="18" charset="0"/>
+                      </a:endParaRPr>
+                    </a:p>
+                  </a:txBody>
+                  <a:tcPr marL="68580" marR="68580" marT="0" marB="0">
+                    <a:lnL w="12700" cap="flat" cmpd="sng" algn="ctr">
+                      <a:solidFill>
+                        <a:srgbClr val="000000"/>
+                      </a:solidFill>
+                      <a:prstDash val="solid"/>
+                      <a:round/>
+                      <a:headEnd type="none" w="med" len="med"/>
+                      <a:tailEnd type="none" w="med" len="med"/>
+                    </a:lnL>
+                    <a:lnR w="12700" cap="flat" cmpd="sng" algn="ctr">
+                      <a:solidFill>
+                        <a:srgbClr val="000000"/>
+                      </a:solidFill>
+                      <a:prstDash val="solid"/>
+                      <a:round/>
+                      <a:headEnd type="none" w="med" len="med"/>
+                      <a:tailEnd type="none" w="med" len="med"/>
+                    </a:lnR>
+                    <a:lnT w="12700" cap="flat" cmpd="sng" algn="ctr">
+                      <a:solidFill>
+                        <a:srgbClr val="000000"/>
+                      </a:solidFill>
+                      <a:prstDash val="solid"/>
+                      <a:round/>
+                      <a:headEnd type="none" w="med" len="med"/>
+                      <a:tailEnd type="none" w="med" len="med"/>
+                    </a:lnT>
+                    <a:lnB w="12700" cap="flat" cmpd="sng" algn="ctr">
+                      <a:solidFill>
+                        <a:srgbClr val="000000"/>
+                      </a:solidFill>
+                      <a:prstDash val="solid"/>
+                      <a:round/>
+                      <a:headEnd type="none" w="med" len="med"/>
+                      <a:tailEnd type="none" w="med" len="med"/>
+                    </a:lnB>
+                    <a:solidFill>
+                      <a:schemeClr val="bg1"/>
+                    </a:solidFill>
+                  </a:tcPr>
+                </a:tc>
+              </a:tr>
+              <a:tr h="315686">
+                <a:tc>
+                  <a:txBody>
+                    <a:bodyPr/>
+                    <a:lstStyle/>
+                    <a:p>
+                      <a:pPr marL="0" marR="0" algn="ctr">
+                        <a:lnSpc>
+                          <a:spcPct val="107000"/>
+                        </a:lnSpc>
+                        <a:spcBef>
+                          <a:spcPts val="0"/>
+                        </a:spcBef>
+                        <a:spcAft>
+                          <a:spcPts val="0"/>
+                        </a:spcAft>
+                      </a:pPr>
+                      <a:r>
+                        <a:rPr lang="en-US" sz="1600">
+                          <a:effectLst/>
+                          <a:latin typeface="Arial" panose="020B0604020202020204" pitchFamily="34" charset="0"/>
+                          <a:ea typeface="Calibri" panose="020F0502020204030204" pitchFamily="34" charset="0"/>
+                          <a:cs typeface="Times New Roman" panose="02020603050405020304" pitchFamily="18" charset="0"/>
+                        </a:rPr>
+                        <a:t>Vacuum</a:t>
+                      </a:r>
+                      <a:endParaRPr lang="en-US" sz="1600">
+                        <a:effectLst/>
+                        <a:latin typeface="Calibri" panose="020F0502020204030204" pitchFamily="34" charset="0"/>
+                        <a:ea typeface="Calibri" panose="020F0502020204030204" pitchFamily="34" charset="0"/>
+                        <a:cs typeface="Times New Roman" panose="02020603050405020304" pitchFamily="18" charset="0"/>
+                      </a:endParaRPr>
+                    </a:p>
+                  </a:txBody>
+                  <a:tcPr marL="68580" marR="68580" marT="0" marB="0">
+                    <a:lnL w="12700" cap="flat" cmpd="sng" algn="ctr">
+                      <a:solidFill>
+                        <a:srgbClr val="000000"/>
+                      </a:solidFill>
+                      <a:prstDash val="solid"/>
+                      <a:round/>
+                      <a:headEnd type="none" w="med" len="med"/>
+                      <a:tailEnd type="none" w="med" len="med"/>
+                    </a:lnL>
+                    <a:lnR w="12700" cap="flat" cmpd="sng" algn="ctr">
+                      <a:solidFill>
+                        <a:srgbClr val="000000"/>
+                      </a:solidFill>
+                      <a:prstDash val="solid"/>
+                      <a:round/>
+                      <a:headEnd type="none" w="med" len="med"/>
+                      <a:tailEnd type="none" w="med" len="med"/>
+                    </a:lnR>
+                    <a:lnT w="12700" cap="flat" cmpd="sng" algn="ctr">
+                      <a:solidFill>
+                        <a:srgbClr val="000000"/>
+                      </a:solidFill>
+                      <a:prstDash val="solid"/>
+                      <a:round/>
+                      <a:headEnd type="none" w="med" len="med"/>
+                      <a:tailEnd type="none" w="med" len="med"/>
+                    </a:lnT>
+                    <a:lnB w="12700" cap="flat" cmpd="sng" algn="ctr">
+                      <a:solidFill>
+                        <a:srgbClr val="000000"/>
+                      </a:solidFill>
+                      <a:prstDash val="solid"/>
+                      <a:round/>
+                      <a:headEnd type="none" w="med" len="med"/>
+                      <a:tailEnd type="none" w="med" len="med"/>
+                    </a:lnB>
+                    <a:solidFill>
+                      <a:schemeClr val="bg1"/>
+                    </a:solidFill>
+                  </a:tcPr>
+                </a:tc>
+                <a:tc>
+                  <a:txBody>
+                    <a:bodyPr/>
+                    <a:lstStyle/>
+                    <a:p>
+                      <a:pPr marL="0" marR="0" algn="ctr">
+                        <a:lnSpc>
+                          <a:spcPct val="107000"/>
+                        </a:lnSpc>
+                        <a:spcBef>
+                          <a:spcPts val="0"/>
+                        </a:spcBef>
+                        <a:spcAft>
+                          <a:spcPts val="0"/>
+                        </a:spcAft>
+                      </a:pPr>
+                      <a:r>
+                        <a:rPr lang="en-US" sz="1600">
+                          <a:effectLst/>
+                          <a:latin typeface="Arial" panose="020B0604020202020204" pitchFamily="34" charset="0"/>
+                          <a:ea typeface="Calibri" panose="020F0502020204030204" pitchFamily="34" charset="0"/>
+                          <a:cs typeface="Times New Roman" panose="02020603050405020304" pitchFamily="18" charset="0"/>
+                        </a:rPr>
+                        <a:t>---</a:t>
+                      </a:r>
+                      <a:endParaRPr lang="en-US" sz="1600">
+                        <a:effectLst/>
+                        <a:latin typeface="Calibri" panose="020F0502020204030204" pitchFamily="34" charset="0"/>
+                        <a:ea typeface="Calibri" panose="020F0502020204030204" pitchFamily="34" charset="0"/>
+                        <a:cs typeface="Times New Roman" panose="02020603050405020304" pitchFamily="18" charset="0"/>
+                      </a:endParaRPr>
+                    </a:p>
+                  </a:txBody>
+                  <a:tcPr marL="68580" marR="68580" marT="0" marB="0">
+                    <a:lnL w="12700" cap="flat" cmpd="sng" algn="ctr">
+                      <a:solidFill>
+                        <a:srgbClr val="000000"/>
+                      </a:solidFill>
+                      <a:prstDash val="solid"/>
+                      <a:round/>
+                      <a:headEnd type="none" w="med" len="med"/>
+                      <a:tailEnd type="none" w="med" len="med"/>
+                    </a:lnL>
+                    <a:lnR w="12700" cap="flat" cmpd="sng" algn="ctr">
+                      <a:solidFill>
+                        <a:srgbClr val="000000"/>
+                      </a:solidFill>
+                      <a:prstDash val="solid"/>
+                      <a:round/>
+                      <a:headEnd type="none" w="med" len="med"/>
+                      <a:tailEnd type="none" w="med" len="med"/>
+                    </a:lnR>
+                    <a:lnT w="12700" cap="flat" cmpd="sng" algn="ctr">
+                      <a:solidFill>
+                        <a:srgbClr val="000000"/>
+                      </a:solidFill>
+                      <a:prstDash val="solid"/>
+                      <a:round/>
+                      <a:headEnd type="none" w="med" len="med"/>
+                      <a:tailEnd type="none" w="med" len="med"/>
+                    </a:lnT>
+                    <a:lnB w="12700" cap="flat" cmpd="sng" algn="ctr">
+                      <a:solidFill>
+                        <a:srgbClr val="000000"/>
+                      </a:solidFill>
+                      <a:prstDash val="solid"/>
+                      <a:round/>
+                      <a:headEnd type="none" w="med" len="med"/>
+                      <a:tailEnd type="none" w="med" len="med"/>
+                    </a:lnB>
+                    <a:solidFill>
+                      <a:schemeClr val="bg1"/>
+                    </a:solidFill>
+                  </a:tcPr>
+                </a:tc>
+                <a:tc>
+                  <a:txBody>
+                    <a:bodyPr/>
+                    <a:lstStyle/>
+                    <a:p>
+                      <a:pPr marL="0" marR="0">
+                        <a:lnSpc>
+                          <a:spcPct val="107000"/>
+                        </a:lnSpc>
+                        <a:spcBef>
+                          <a:spcPts val="0"/>
+                        </a:spcBef>
+                        <a:spcAft>
+                          <a:spcPts val="0"/>
+                        </a:spcAft>
+                      </a:pPr>
+                      <a:r>
+                        <a:rPr lang="en-US" sz="1600" dirty="0">
+                          <a:effectLst/>
+                          <a:latin typeface="Arial" panose="020B0604020202020204" pitchFamily="34" charset="0"/>
+                          <a:ea typeface="Calibri" panose="020F0502020204030204" pitchFamily="34" charset="0"/>
+                          <a:cs typeface="Times New Roman" panose="02020603050405020304" pitchFamily="18" charset="0"/>
+                        </a:rPr>
+                        <a:t>Coaxial Space</a:t>
+                      </a:r>
+                      <a:endParaRPr lang="en-US" sz="1600" dirty="0">
+                        <a:effectLst/>
+                        <a:latin typeface="Calibri" panose="020F0502020204030204" pitchFamily="34" charset="0"/>
+                        <a:ea typeface="Calibri" panose="020F0502020204030204" pitchFamily="34" charset="0"/>
+                        <a:cs typeface="Times New Roman" panose="02020603050405020304" pitchFamily="18" charset="0"/>
+                      </a:endParaRPr>
+                    </a:p>
+                  </a:txBody>
+                  <a:tcPr marL="68580" marR="68580" marT="0" marB="0">
+                    <a:lnL w="12700" cap="flat" cmpd="sng" algn="ctr">
+                      <a:solidFill>
+                        <a:srgbClr val="000000"/>
+                      </a:solidFill>
+                      <a:prstDash val="solid"/>
+                      <a:round/>
+                      <a:headEnd type="none" w="med" len="med"/>
+                      <a:tailEnd type="none" w="med" len="med"/>
+                    </a:lnL>
+                    <a:lnR w="12700" cap="flat" cmpd="sng" algn="ctr">
+                      <a:solidFill>
+                        <a:srgbClr val="000000"/>
+                      </a:solidFill>
+                      <a:prstDash val="solid"/>
+                      <a:round/>
+                      <a:headEnd type="none" w="med" len="med"/>
+                      <a:tailEnd type="none" w="med" len="med"/>
+                    </a:lnR>
+                    <a:lnT w="12700" cap="flat" cmpd="sng" algn="ctr">
+                      <a:solidFill>
+                        <a:srgbClr val="000000"/>
+                      </a:solidFill>
+                      <a:prstDash val="solid"/>
+                      <a:round/>
+                      <a:headEnd type="none" w="med" len="med"/>
+                      <a:tailEnd type="none" w="med" len="med"/>
+                    </a:lnT>
+                    <a:lnB w="12700" cap="flat" cmpd="sng" algn="ctr">
+                      <a:solidFill>
+                        <a:srgbClr val="000000"/>
+                      </a:solidFill>
+                      <a:prstDash val="solid"/>
+                      <a:round/>
+                      <a:headEnd type="none" w="med" len="med"/>
+                      <a:tailEnd type="none" w="med" len="med"/>
+                    </a:lnB>
+                    <a:solidFill>
+                      <a:schemeClr val="bg1"/>
+                    </a:solidFill>
+                  </a:tcPr>
+                </a:tc>
+              </a:tr>
+            </a:tbl>
+          </a:graphicData>
+        </a:graphic>
+      </p:graphicFrame>
+      <p:sp>
+        <p:nvSpPr>
+          <p:cNvPr id="10241" name="Title 1"/>
+          <p:cNvSpPr>
+            <a:spLocks noGrp="1"/>
+          </p:cNvSpPr>
+          <p:nvPr>
+            <p:ph type="title"/>
+          </p:nvPr>
+        </p:nvSpPr>
+        <p:spPr/>
+        <p:txBody>
+          <a:bodyPr/>
+          <a:lstStyle/>
+          <a:p>
+            <a:r>
+              <a:rPr lang="en-US" dirty="0" smtClean="0"/>
+              <a:t>Materials</a:t>
+            </a:r>
+            <a:endParaRPr lang="en-US" dirty="0"/>
+          </a:p>
+        </p:txBody>
+      </p:sp>
+      <p:sp>
+        <p:nvSpPr>
+          <p:cNvPr id="3" name="Slide Number Placeholder 2"/>
+          <p:cNvSpPr>
+            <a:spLocks noGrp="1"/>
+          </p:cNvSpPr>
+          <p:nvPr>
+            <p:ph type="sldNum" sz="quarter" idx="10"/>
+          </p:nvPr>
+        </p:nvSpPr>
+        <p:spPr/>
+        <p:txBody>
+          <a:bodyPr/>
+          <a:lstStyle/>
+          <a:p>
+            <a:pPr>
+              <a:defRPr/>
+            </a:pPr>
+            <a:fld id="{54D80F8A-463A-4890-BC87-BDB129B2791E}" type="slidenum">
+              <a:rPr lang="en-US" smtClean="0"/>
+              <a:pPr>
+                <a:defRPr/>
+              </a:pPr>
+              <a:t>14</a:t>
+            </a:fld>
+            <a:endParaRPr lang="en-US"/>
+          </a:p>
+        </p:txBody>
+      </p:sp>
+      <p:sp>
+        <p:nvSpPr>
+          <p:cNvPr id="6" name="TextBox 5"/>
+          <p:cNvSpPr txBox="1"/>
+          <p:nvPr/>
+        </p:nvSpPr>
+        <p:spPr>
+          <a:xfrm>
+            <a:off x="996950" y="5867404"/>
+            <a:ext cx="7004050" cy="400110"/>
+          </a:xfrm>
+          <a:prstGeom prst="rect">
+            <a:avLst/>
+          </a:prstGeom>
+          <a:noFill/>
+        </p:spPr>
+        <p:txBody>
+          <a:bodyPr wrap="square" rtlCol="0">
+            <a:spAutoFit/>
+          </a:bodyPr>
+          <a:lstStyle/>
+          <a:p>
+            <a:r>
+              <a:rPr lang="en-US" sz="1000" dirty="0"/>
+              <a:t>* All materials from LANLs ACE Data Tables, or PNNLs Compendium of Material Composition Data for Radiation Transport Modeling</a:t>
+            </a:r>
+          </a:p>
+        </p:txBody>
+      </p:sp>
+    </p:spTree>
+    <p:extLst>
+      <p:ext uri="{BB962C8B-B14F-4D97-AF65-F5344CB8AC3E}">
+        <p14:creationId xmlns:p14="http://schemas.microsoft.com/office/powerpoint/2010/main" val="4124780667"/>
+      </p:ext>
+    </p:extLst>
+  </p:cSld>
+  <p:clrMapOvr>
+    <a:masterClrMapping/>
+  </p:clrMapOvr>
+  <p:transition/>
+  <p:timing>
+    <p:tnLst>
+      <p:par>
+        <p:cTn id="1" dur="indefinite" restart="never" nodeType="tmRoot"/>
+      </p:par>
+    </p:tnLst>
+  </p:timing>
+</p:sld>
+</file>
+
+<file path=ppt/slides/slide15.xml><?xml version="1.0" encoding="utf-8"?>
+<p:sld xmlns:a="http://schemas.openxmlformats.org/drawingml/2006/main" xmlns:r="http://schemas.openxmlformats.org/officeDocument/2006/relationships" xmlns:p="http://schemas.openxmlformats.org/presentationml/2006/main">
+  <p:cSld>
+    <p:spTree>
+      <p:nvGrpSpPr>
+        <p:cNvPr id="1" name=""/>
+        <p:cNvGrpSpPr/>
+        <p:nvPr/>
+      </p:nvGrpSpPr>
+      <p:grpSpPr>
+        <a:xfrm>
+          <a:off x="0" y="0"/>
+          <a:ext cx="0" cy="0"/>
+          <a:chOff x="0" y="0"/>
+          <a:chExt cx="0" cy="0"/>
+        </a:xfrm>
+      </p:grpSpPr>
+      <p:sp>
+        <p:nvSpPr>
+          <p:cNvPr id="2" name="Content Placeholder 1"/>
+          <p:cNvSpPr>
+            <a:spLocks noGrp="1"/>
+          </p:cNvSpPr>
+          <p:nvPr>
+            <p:ph idx="1"/>
+          </p:nvPr>
+        </p:nvSpPr>
+        <p:spPr>
+          <a:xfrm>
+            <a:off x="304800" y="1295400"/>
+            <a:ext cx="8534400" cy="4876800"/>
+          </a:xfrm>
+        </p:spPr>
+        <p:txBody>
+          <a:bodyPr/>
+          <a:lstStyle/>
+          <a:p>
+            <a:r>
+              <a:rPr lang="en-US" dirty="0" smtClean="0"/>
+              <a:t>Only photons</a:t>
+            </a:r>
+          </a:p>
+          <a:p>
+            <a:r>
+              <a:rPr lang="en-US" dirty="0" smtClean="0"/>
+              <a:t>5 MeV upper limit</a:t>
+            </a:r>
+          </a:p>
+          <a:p>
+            <a:r>
+              <a:rPr lang="en-US" dirty="0"/>
+              <a:t>No </a:t>
+            </a:r>
+            <a:r>
+              <a:rPr lang="en-US" dirty="0" smtClean="0"/>
+              <a:t>Bremsstrahlung</a:t>
+            </a:r>
+          </a:p>
+          <a:p>
+            <a:r>
+              <a:rPr lang="en-US" dirty="0" smtClean="0"/>
+              <a:t>No Coherent scattering</a:t>
+            </a:r>
+          </a:p>
+          <a:p>
+            <a:r>
+              <a:rPr lang="en-US" dirty="0" smtClean="0"/>
+              <a:t>No </a:t>
+            </a:r>
+            <a:r>
+              <a:rPr lang="en-US" dirty="0" err="1" smtClean="0"/>
+              <a:t>photofission</a:t>
+            </a:r>
+            <a:endParaRPr lang="en-US" dirty="0" smtClean="0"/>
+          </a:p>
+          <a:p>
+            <a:r>
+              <a:rPr lang="en-US" dirty="0" smtClean="0"/>
+              <a:t>Doppler broadening on</a:t>
+            </a:r>
+          </a:p>
+          <a:p>
+            <a:r>
+              <a:rPr lang="en-US" dirty="0" smtClean="0"/>
+              <a:t>No </a:t>
+            </a:r>
+            <a:r>
+              <a:rPr lang="en-US" dirty="0" err="1" smtClean="0"/>
+              <a:t>photofission</a:t>
+            </a:r>
+            <a:endParaRPr lang="en-US" dirty="0" smtClean="0"/>
+          </a:p>
+        </p:txBody>
+      </p:sp>
+      <p:sp>
+        <p:nvSpPr>
+          <p:cNvPr id="10241" name="Title 1"/>
+          <p:cNvSpPr>
+            <a:spLocks noGrp="1"/>
+          </p:cNvSpPr>
+          <p:nvPr>
+            <p:ph type="title"/>
+          </p:nvPr>
+        </p:nvSpPr>
+        <p:spPr/>
+        <p:txBody>
+          <a:bodyPr/>
+          <a:lstStyle/>
+          <a:p>
+            <a:r>
+              <a:rPr lang="en-US" dirty="0" smtClean="0"/>
+              <a:t>Photon Transport</a:t>
+            </a:r>
+            <a:endParaRPr lang="en-US" dirty="0"/>
+          </a:p>
+        </p:txBody>
+      </p:sp>
+      <p:sp>
+        <p:nvSpPr>
+          <p:cNvPr id="3" name="Slide Number Placeholder 2"/>
+          <p:cNvSpPr>
+            <a:spLocks noGrp="1"/>
+          </p:cNvSpPr>
+          <p:nvPr>
+            <p:ph type="sldNum" sz="quarter" idx="10"/>
+          </p:nvPr>
+        </p:nvSpPr>
+        <p:spPr/>
+        <p:txBody>
+          <a:bodyPr/>
+          <a:lstStyle/>
+          <a:p>
+            <a:pPr>
+              <a:defRPr/>
+            </a:pPr>
+            <a:fld id="{54D80F8A-463A-4890-BC87-BDB129B2791E}" type="slidenum">
+              <a:rPr lang="en-US" smtClean="0"/>
+              <a:pPr>
+                <a:defRPr/>
+              </a:pPr>
+              <a:t>15</a:t>
             </a:fld>
             <a:endParaRPr lang="en-US"/>
           </a:p>
@@ -5574,6 +10147,1357 @@
     <p:extLst>
       <p:ext uri="{BB962C8B-B14F-4D97-AF65-F5344CB8AC3E}">
         <p14:creationId xmlns:p14="http://schemas.microsoft.com/office/powerpoint/2010/main" val="316580477"/>
+      </p:ext>
+    </p:extLst>
+  </p:cSld>
+  <p:clrMapOvr>
+    <a:masterClrMapping/>
+  </p:clrMapOvr>
+  <p:transition/>
+  <p:timing>
+    <p:tnLst>
+      <p:par>
+        <p:cTn id="1" dur="indefinite" restart="never" nodeType="tmRoot">
+          <p:childTnLst>
+            <p:seq concurrent="1" nextAc="seek">
+              <p:cTn id="2" dur="indefinite" nodeType="mainSeq">
+                <p:childTnLst>
+                  <p:par>
+                    <p:cTn id="3" fill="hold">
+                      <p:stCondLst>
+                        <p:cond delay="indefinite"/>
+                        <p:cond evt="onBegin" delay="0">
+                          <p:tn val="2"/>
+                        </p:cond>
+                      </p:stCondLst>
+                      <p:childTnLst>
+                        <p:par>
+                          <p:cTn id="4" fill="hold">
+                            <p:stCondLst>
+                              <p:cond delay="0"/>
+                            </p:stCondLst>
+                            <p:childTnLst>
+                              <p:par>
+                                <p:cTn id="5" presetID="1" presetClass="entr" presetSubtype="0" fill="hold" nodeType="withEffect">
+                                  <p:stCondLst>
+                                    <p:cond delay="0"/>
+                                  </p:stCondLst>
+                                  <p:childTnLst>
+                                    <p:set>
+                                      <p:cBhvr>
+                                        <p:cTn id="6" dur="1" fill="hold">
+                                          <p:stCondLst>
+                                            <p:cond delay="0"/>
+                                          </p:stCondLst>
+                                        </p:cTn>
+                                        <p:tgtEl>
+                                          <p:spTgt spid="2">
+                                            <p:txEl>
+                                              <p:pRg st="1" end="1"/>
+                                            </p:txEl>
+                                          </p:spTgt>
+                                        </p:tgtEl>
+                                        <p:attrNameLst>
+                                          <p:attrName>style.visibility</p:attrName>
+                                        </p:attrNameLst>
+                                      </p:cBhvr>
+                                      <p:to>
+                                        <p:strVal val="visible"/>
+                                      </p:to>
+                                    </p:set>
+                                  </p:childTnLst>
+                                </p:cTn>
+                              </p:par>
+                              <p:par>
+                                <p:cTn id="7" presetID="1" presetClass="entr" presetSubtype="0" fill="hold" nodeType="withEffect">
+                                  <p:stCondLst>
+                                    <p:cond delay="0"/>
+                                  </p:stCondLst>
+                                  <p:childTnLst>
+                                    <p:set>
+                                      <p:cBhvr>
+                                        <p:cTn id="8" dur="1" fill="hold">
+                                          <p:stCondLst>
+                                            <p:cond delay="0"/>
+                                          </p:stCondLst>
+                                        </p:cTn>
+                                        <p:tgtEl>
+                                          <p:spTgt spid="2">
+                                            <p:txEl>
+                                              <p:pRg st="0" end="0"/>
+                                            </p:txEl>
+                                          </p:spTgt>
+                                        </p:tgtEl>
+                                        <p:attrNameLst>
+                                          <p:attrName>style.visibility</p:attrName>
+                                        </p:attrNameLst>
+                                      </p:cBhvr>
+                                      <p:to>
+                                        <p:strVal val="visible"/>
+                                      </p:to>
+                                    </p:set>
+                                  </p:childTnLst>
+                                </p:cTn>
+                              </p:par>
+                              <p:par>
+                                <p:cTn id="9" presetID="1" presetClass="entr" presetSubtype="0" fill="hold" nodeType="withEffect">
+                                  <p:stCondLst>
+                                    <p:cond delay="0"/>
+                                  </p:stCondLst>
+                                  <p:childTnLst>
+                                    <p:set>
+                                      <p:cBhvr>
+                                        <p:cTn id="10" dur="1" fill="hold">
+                                          <p:stCondLst>
+                                            <p:cond delay="0"/>
+                                          </p:stCondLst>
+                                        </p:cTn>
+                                        <p:tgtEl>
+                                          <p:spTgt spid="2">
+                                            <p:txEl>
+                                              <p:pRg st="2" end="2"/>
+                                            </p:txEl>
+                                          </p:spTgt>
+                                        </p:tgtEl>
+                                        <p:attrNameLst>
+                                          <p:attrName>style.visibility</p:attrName>
+                                        </p:attrNameLst>
+                                      </p:cBhvr>
+                                      <p:to>
+                                        <p:strVal val="visible"/>
+                                      </p:to>
+                                    </p:set>
+                                  </p:childTnLst>
+                                </p:cTn>
+                              </p:par>
+                              <p:par>
+                                <p:cTn id="11" presetID="1" presetClass="entr" presetSubtype="0" fill="hold" nodeType="withEffect">
+                                  <p:stCondLst>
+                                    <p:cond delay="0"/>
+                                  </p:stCondLst>
+                                  <p:childTnLst>
+                                    <p:set>
+                                      <p:cBhvr>
+                                        <p:cTn id="12" dur="1" fill="hold">
+                                          <p:stCondLst>
+                                            <p:cond delay="0"/>
+                                          </p:stCondLst>
+                                        </p:cTn>
+                                        <p:tgtEl>
+                                          <p:spTgt spid="2">
+                                            <p:txEl>
+                                              <p:pRg st="3" end="3"/>
+                                            </p:txEl>
+                                          </p:spTgt>
+                                        </p:tgtEl>
+                                        <p:attrNameLst>
+                                          <p:attrName>style.visibility</p:attrName>
+                                        </p:attrNameLst>
+                                      </p:cBhvr>
+                                      <p:to>
+                                        <p:strVal val="visible"/>
+                                      </p:to>
+                                    </p:set>
+                                  </p:childTnLst>
+                                </p:cTn>
+                              </p:par>
+                              <p:par>
+                                <p:cTn id="13" presetID="1" presetClass="entr" presetSubtype="0" fill="hold" nodeType="withEffect">
+                                  <p:stCondLst>
+                                    <p:cond delay="0"/>
+                                  </p:stCondLst>
+                                  <p:childTnLst>
+                                    <p:set>
+                                      <p:cBhvr>
+                                        <p:cTn id="14" dur="1" fill="hold">
+                                          <p:stCondLst>
+                                            <p:cond delay="0"/>
+                                          </p:stCondLst>
+                                        </p:cTn>
+                                        <p:tgtEl>
+                                          <p:spTgt spid="2">
+                                            <p:txEl>
+                                              <p:pRg st="4" end="4"/>
+                                            </p:txEl>
+                                          </p:spTgt>
+                                        </p:tgtEl>
+                                        <p:attrNameLst>
+                                          <p:attrName>style.visibility</p:attrName>
+                                        </p:attrNameLst>
+                                      </p:cBhvr>
+                                      <p:to>
+                                        <p:strVal val="visible"/>
+                                      </p:to>
+                                    </p:set>
+                                  </p:childTnLst>
+                                </p:cTn>
+                              </p:par>
+                              <p:par>
+                                <p:cTn id="15" presetID="1" presetClass="entr" presetSubtype="0" fill="hold" nodeType="withEffect">
+                                  <p:stCondLst>
+                                    <p:cond delay="0"/>
+                                  </p:stCondLst>
+                                  <p:childTnLst>
+                                    <p:set>
+                                      <p:cBhvr>
+                                        <p:cTn id="16" dur="1" fill="hold">
+                                          <p:stCondLst>
+                                            <p:cond delay="0"/>
+                                          </p:stCondLst>
+                                        </p:cTn>
+                                        <p:tgtEl>
+                                          <p:spTgt spid="2">
+                                            <p:txEl>
+                                              <p:pRg st="5" end="5"/>
+                                            </p:txEl>
+                                          </p:spTgt>
+                                        </p:tgtEl>
+                                        <p:attrNameLst>
+                                          <p:attrName>style.visibility</p:attrName>
+                                        </p:attrNameLst>
+                                      </p:cBhvr>
+                                      <p:to>
+                                        <p:strVal val="visible"/>
+                                      </p:to>
+                                    </p:set>
+                                  </p:childTnLst>
+                                </p:cTn>
+                              </p:par>
+                              <p:par>
+                                <p:cTn id="17" presetID="1" presetClass="entr" presetSubtype="0" fill="hold" nodeType="withEffect">
+                                  <p:stCondLst>
+                                    <p:cond delay="0"/>
+                                  </p:stCondLst>
+                                  <p:childTnLst>
+                                    <p:set>
+                                      <p:cBhvr>
+                                        <p:cTn id="18" dur="1" fill="hold">
+                                          <p:stCondLst>
+                                            <p:cond delay="0"/>
+                                          </p:stCondLst>
+                                        </p:cTn>
+                                        <p:tgtEl>
+                                          <p:spTgt spid="2">
+                                            <p:txEl>
+                                              <p:pRg st="6" end="6"/>
+                                            </p:txEl>
+                                          </p:spTgt>
+                                        </p:tgtEl>
+                                        <p:attrNameLst>
+                                          <p:attrName>style.visibility</p:attrName>
+                                        </p:attrNameLst>
+                                      </p:cBhvr>
+                                      <p:to>
+                                        <p:strVal val="visible"/>
+                                      </p:to>
+                                    </p:set>
+                                  </p:childTnLst>
+                                </p:cTn>
+                              </p:par>
+                            </p:childTnLst>
+                          </p:cTn>
+                        </p:par>
+                      </p:childTnLst>
+                    </p:cTn>
+                  </p:par>
+                </p:childTnLst>
+              </p:cTn>
+              <p:prevCondLst>
+                <p:cond evt="onPrev" delay="0">
+                  <p:tgtEl>
+                    <p:sldTgt/>
+                  </p:tgtEl>
+                </p:cond>
+              </p:prevCondLst>
+              <p:nextCondLst>
+                <p:cond evt="onNext" delay="0">
+                  <p:tgtEl>
+                    <p:sldTgt/>
+                  </p:tgtEl>
+                </p:cond>
+              </p:nextCondLst>
+            </p:seq>
+          </p:childTnLst>
+        </p:cTn>
+      </p:par>
+    </p:tnLst>
+  </p:timing>
+</p:sld>
+</file>
+
+<file path=ppt/slides/slide16.xml><?xml version="1.0" encoding="utf-8"?>
+<p:sld xmlns:a="http://schemas.openxmlformats.org/drawingml/2006/main" xmlns:r="http://schemas.openxmlformats.org/officeDocument/2006/relationships" xmlns:p="http://schemas.openxmlformats.org/presentationml/2006/main">
+  <p:cSld>
+    <p:spTree>
+      <p:nvGrpSpPr>
+        <p:cNvPr id="1" name=""/>
+        <p:cNvGrpSpPr/>
+        <p:nvPr/>
+      </p:nvGrpSpPr>
+      <p:grpSpPr>
+        <a:xfrm>
+          <a:off x="0" y="0"/>
+          <a:ext cx="0" cy="0"/>
+          <a:chOff x="0" y="0"/>
+          <a:chExt cx="0" cy="0"/>
+        </a:xfrm>
+      </p:grpSpPr>
+      <p:sp>
+        <p:nvSpPr>
+          <p:cNvPr id="2" name="Content Placeholder 1"/>
+          <p:cNvSpPr>
+            <a:spLocks noGrp="1"/>
+          </p:cNvSpPr>
+          <p:nvPr>
+            <p:ph idx="1"/>
+          </p:nvPr>
+        </p:nvSpPr>
+        <p:spPr>
+          <a:xfrm>
+            <a:off x="304800" y="1295400"/>
+            <a:ext cx="8534400" cy="4876800"/>
+          </a:xfrm>
+        </p:spPr>
+        <p:txBody>
+          <a:bodyPr/>
+          <a:lstStyle/>
+          <a:p>
+            <a:r>
+              <a:rPr lang="en-US" dirty="0" smtClean="0"/>
+              <a:t>Isotropic point source</a:t>
+            </a:r>
+          </a:p>
+          <a:p>
+            <a:r>
+              <a:rPr lang="en-US" dirty="0" smtClean="0"/>
+              <a:t>11 discrete energies</a:t>
+            </a:r>
+          </a:p>
+          <a:p>
+            <a:r>
+              <a:rPr lang="en-US" dirty="0" smtClean="0"/>
+              <a:t>10</a:t>
+            </a:r>
+            <a:r>
+              <a:rPr lang="en-US" baseline="30000" dirty="0" smtClean="0"/>
+              <a:t>6</a:t>
+            </a:r>
+            <a:r>
+              <a:rPr lang="en-US" dirty="0" smtClean="0"/>
+              <a:t> source particles</a:t>
+            </a:r>
+          </a:p>
+          <a:p>
+            <a:r>
+              <a:rPr lang="en-US" dirty="0" smtClean="0"/>
+              <a:t>Gaussian broadening off</a:t>
+            </a:r>
+            <a:endParaRPr lang="en-US" dirty="0" smtClean="0"/>
+          </a:p>
+          <a:p>
+            <a:r>
+              <a:rPr lang="en-US" dirty="0" smtClean="0"/>
+              <a:t>Tallies:</a:t>
+            </a:r>
+          </a:p>
+          <a:p>
+            <a:pPr lvl="1"/>
+            <a:r>
+              <a:rPr lang="en-US" dirty="0" smtClean="0"/>
+              <a:t>F8 – Energy Deposition Tally</a:t>
+            </a:r>
+          </a:p>
+          <a:p>
+            <a:pPr lvl="2"/>
+            <a:r>
+              <a:rPr lang="en-US" dirty="0" smtClean="0"/>
+              <a:t>Ge Crystal (Cell 3)</a:t>
+            </a:r>
+          </a:p>
+          <a:p>
+            <a:pPr lvl="2"/>
+            <a:r>
+              <a:rPr lang="en-US" dirty="0" smtClean="0"/>
+              <a:t>8192 bins (10</a:t>
+            </a:r>
+            <a:r>
+              <a:rPr lang="en-US" baseline="30000" dirty="0" smtClean="0"/>
+              <a:t>-5</a:t>
+            </a:r>
+            <a:r>
+              <a:rPr lang="en-US" dirty="0" smtClean="0"/>
+              <a:t> - 3.14344 MeV)</a:t>
+            </a:r>
+            <a:endParaRPr lang="en-US" dirty="0" smtClean="0"/>
+          </a:p>
+        </p:txBody>
+      </p:sp>
+      <p:sp>
+        <p:nvSpPr>
+          <p:cNvPr id="10241" name="Title 1"/>
+          <p:cNvSpPr>
+            <a:spLocks noGrp="1"/>
+          </p:cNvSpPr>
+          <p:nvPr>
+            <p:ph type="title"/>
+          </p:nvPr>
+        </p:nvSpPr>
+        <p:spPr/>
+        <p:txBody>
+          <a:bodyPr/>
+          <a:lstStyle/>
+          <a:p>
+            <a:r>
+              <a:rPr lang="en-US" dirty="0" smtClean="0"/>
+              <a:t>Source Definition</a:t>
+            </a:r>
+            <a:endParaRPr lang="en-US" dirty="0"/>
+          </a:p>
+        </p:txBody>
+      </p:sp>
+      <p:sp>
+        <p:nvSpPr>
+          <p:cNvPr id="3" name="Slide Number Placeholder 2"/>
+          <p:cNvSpPr>
+            <a:spLocks noGrp="1"/>
+          </p:cNvSpPr>
+          <p:nvPr>
+            <p:ph type="sldNum" sz="quarter" idx="10"/>
+          </p:nvPr>
+        </p:nvSpPr>
+        <p:spPr/>
+        <p:txBody>
+          <a:bodyPr/>
+          <a:lstStyle/>
+          <a:p>
+            <a:pPr>
+              <a:defRPr/>
+            </a:pPr>
+            <a:fld id="{54D80F8A-463A-4890-BC87-BDB129B2791E}" type="slidenum">
+              <a:rPr lang="en-US" smtClean="0"/>
+              <a:pPr>
+                <a:defRPr/>
+              </a:pPr>
+              <a:t>16</a:t>
+            </a:fld>
+            <a:endParaRPr lang="en-US"/>
+          </a:p>
+        </p:txBody>
+      </p:sp>
+    </p:spTree>
+    <p:extLst>
+      <p:ext uri="{BB962C8B-B14F-4D97-AF65-F5344CB8AC3E}">
+        <p14:creationId xmlns:p14="http://schemas.microsoft.com/office/powerpoint/2010/main" val="3647447101"/>
+      </p:ext>
+    </p:extLst>
+  </p:cSld>
+  <p:clrMapOvr>
+    <a:masterClrMapping/>
+  </p:clrMapOvr>
+  <p:transition/>
+  <p:timing>
+    <p:tnLst>
+      <p:par>
+        <p:cTn id="1" dur="indefinite" restart="never" nodeType="tmRoot">
+          <p:childTnLst>
+            <p:seq concurrent="1" nextAc="seek">
+              <p:cTn id="2" dur="indefinite" nodeType="mainSeq">
+                <p:childTnLst>
+                  <p:par>
+                    <p:cTn id="3" fill="hold">
+                      <p:stCondLst>
+                        <p:cond delay="indefinite"/>
+                        <p:cond evt="onBegin" delay="0">
+                          <p:tn val="2"/>
+                        </p:cond>
+                      </p:stCondLst>
+                      <p:childTnLst>
+                        <p:par>
+                          <p:cTn id="4" fill="hold">
+                            <p:stCondLst>
+                              <p:cond delay="0"/>
+                            </p:stCondLst>
+                            <p:childTnLst>
+                              <p:par>
+                                <p:cTn id="5" presetID="1" presetClass="entr" presetSubtype="0" fill="hold" nodeType="withEffect">
+                                  <p:stCondLst>
+                                    <p:cond delay="0"/>
+                                  </p:stCondLst>
+                                  <p:childTnLst>
+                                    <p:set>
+                                      <p:cBhvr>
+                                        <p:cTn id="6" dur="1" fill="hold">
+                                          <p:stCondLst>
+                                            <p:cond delay="0"/>
+                                          </p:stCondLst>
+                                        </p:cTn>
+                                        <p:tgtEl>
+                                          <p:spTgt spid="2">
+                                            <p:txEl>
+                                              <p:pRg st="0" end="0"/>
+                                            </p:txEl>
+                                          </p:spTgt>
+                                        </p:tgtEl>
+                                        <p:attrNameLst>
+                                          <p:attrName>style.visibility</p:attrName>
+                                        </p:attrNameLst>
+                                      </p:cBhvr>
+                                      <p:to>
+                                        <p:strVal val="visible"/>
+                                      </p:to>
+                                    </p:set>
+                                  </p:childTnLst>
+                                </p:cTn>
+                              </p:par>
+                              <p:par>
+                                <p:cTn id="7" presetID="1" presetClass="entr" presetSubtype="0" fill="hold" nodeType="withEffect">
+                                  <p:stCondLst>
+                                    <p:cond delay="0"/>
+                                  </p:stCondLst>
+                                  <p:childTnLst>
+                                    <p:set>
+                                      <p:cBhvr>
+                                        <p:cTn id="8" dur="1" fill="hold">
+                                          <p:stCondLst>
+                                            <p:cond delay="0"/>
+                                          </p:stCondLst>
+                                        </p:cTn>
+                                        <p:tgtEl>
+                                          <p:spTgt spid="2">
+                                            <p:txEl>
+                                              <p:pRg st="1" end="1"/>
+                                            </p:txEl>
+                                          </p:spTgt>
+                                        </p:tgtEl>
+                                        <p:attrNameLst>
+                                          <p:attrName>style.visibility</p:attrName>
+                                        </p:attrNameLst>
+                                      </p:cBhvr>
+                                      <p:to>
+                                        <p:strVal val="visible"/>
+                                      </p:to>
+                                    </p:set>
+                                  </p:childTnLst>
+                                </p:cTn>
+                              </p:par>
+                              <p:par>
+                                <p:cTn id="9" presetID="1" presetClass="entr" presetSubtype="0" fill="hold" nodeType="withEffect">
+                                  <p:stCondLst>
+                                    <p:cond delay="0"/>
+                                  </p:stCondLst>
+                                  <p:childTnLst>
+                                    <p:set>
+                                      <p:cBhvr>
+                                        <p:cTn id="10" dur="1" fill="hold">
+                                          <p:stCondLst>
+                                            <p:cond delay="0"/>
+                                          </p:stCondLst>
+                                        </p:cTn>
+                                        <p:tgtEl>
+                                          <p:spTgt spid="2">
+                                            <p:txEl>
+                                              <p:pRg st="2" end="2"/>
+                                            </p:txEl>
+                                          </p:spTgt>
+                                        </p:tgtEl>
+                                        <p:attrNameLst>
+                                          <p:attrName>style.visibility</p:attrName>
+                                        </p:attrNameLst>
+                                      </p:cBhvr>
+                                      <p:to>
+                                        <p:strVal val="visible"/>
+                                      </p:to>
+                                    </p:set>
+                                  </p:childTnLst>
+                                </p:cTn>
+                              </p:par>
+                              <p:par>
+                                <p:cTn id="11" presetID="1" presetClass="entr" presetSubtype="0" fill="hold" nodeType="withEffect">
+                                  <p:stCondLst>
+                                    <p:cond delay="0"/>
+                                  </p:stCondLst>
+                                  <p:childTnLst>
+                                    <p:set>
+                                      <p:cBhvr>
+                                        <p:cTn id="12" dur="1" fill="hold">
+                                          <p:stCondLst>
+                                            <p:cond delay="0"/>
+                                          </p:stCondLst>
+                                        </p:cTn>
+                                        <p:tgtEl>
+                                          <p:spTgt spid="2">
+                                            <p:txEl>
+                                              <p:pRg st="3" end="3"/>
+                                            </p:txEl>
+                                          </p:spTgt>
+                                        </p:tgtEl>
+                                        <p:attrNameLst>
+                                          <p:attrName>style.visibility</p:attrName>
+                                        </p:attrNameLst>
+                                      </p:cBhvr>
+                                      <p:to>
+                                        <p:strVal val="visible"/>
+                                      </p:to>
+                                    </p:set>
+                                  </p:childTnLst>
+                                </p:cTn>
+                              </p:par>
+                              <p:par>
+                                <p:cTn id="13" presetID="1" presetClass="entr" presetSubtype="0" fill="hold" nodeType="withEffect">
+                                  <p:stCondLst>
+                                    <p:cond delay="0"/>
+                                  </p:stCondLst>
+                                  <p:childTnLst>
+                                    <p:set>
+                                      <p:cBhvr>
+                                        <p:cTn id="14" dur="1" fill="hold">
+                                          <p:stCondLst>
+                                            <p:cond delay="0"/>
+                                          </p:stCondLst>
+                                        </p:cTn>
+                                        <p:tgtEl>
+                                          <p:spTgt spid="2">
+                                            <p:txEl>
+                                              <p:pRg st="4" end="4"/>
+                                            </p:txEl>
+                                          </p:spTgt>
+                                        </p:tgtEl>
+                                        <p:attrNameLst>
+                                          <p:attrName>style.visibility</p:attrName>
+                                        </p:attrNameLst>
+                                      </p:cBhvr>
+                                      <p:to>
+                                        <p:strVal val="visible"/>
+                                      </p:to>
+                                    </p:set>
+                                  </p:childTnLst>
+                                </p:cTn>
+                              </p:par>
+                              <p:par>
+                                <p:cTn id="15" presetID="1" presetClass="entr" presetSubtype="0" fill="hold" nodeType="withEffect">
+                                  <p:stCondLst>
+                                    <p:cond delay="0"/>
+                                  </p:stCondLst>
+                                  <p:childTnLst>
+                                    <p:set>
+                                      <p:cBhvr>
+                                        <p:cTn id="16" dur="1" fill="hold">
+                                          <p:stCondLst>
+                                            <p:cond delay="0"/>
+                                          </p:stCondLst>
+                                        </p:cTn>
+                                        <p:tgtEl>
+                                          <p:spTgt spid="2">
+                                            <p:txEl>
+                                              <p:pRg st="5" end="5"/>
+                                            </p:txEl>
+                                          </p:spTgt>
+                                        </p:tgtEl>
+                                        <p:attrNameLst>
+                                          <p:attrName>style.visibility</p:attrName>
+                                        </p:attrNameLst>
+                                      </p:cBhvr>
+                                      <p:to>
+                                        <p:strVal val="visible"/>
+                                      </p:to>
+                                    </p:set>
+                                  </p:childTnLst>
+                                </p:cTn>
+                              </p:par>
+                              <p:par>
+                                <p:cTn id="17" presetID="1" presetClass="entr" presetSubtype="0" fill="hold" nodeType="withEffect">
+                                  <p:stCondLst>
+                                    <p:cond delay="0"/>
+                                  </p:stCondLst>
+                                  <p:childTnLst>
+                                    <p:set>
+                                      <p:cBhvr>
+                                        <p:cTn id="18" dur="1" fill="hold">
+                                          <p:stCondLst>
+                                            <p:cond delay="0"/>
+                                          </p:stCondLst>
+                                        </p:cTn>
+                                        <p:tgtEl>
+                                          <p:spTgt spid="2">
+                                            <p:txEl>
+                                              <p:pRg st="6" end="6"/>
+                                            </p:txEl>
+                                          </p:spTgt>
+                                        </p:tgtEl>
+                                        <p:attrNameLst>
+                                          <p:attrName>style.visibility</p:attrName>
+                                        </p:attrNameLst>
+                                      </p:cBhvr>
+                                      <p:to>
+                                        <p:strVal val="visible"/>
+                                      </p:to>
+                                    </p:set>
+                                  </p:childTnLst>
+                                </p:cTn>
+                              </p:par>
+                              <p:par>
+                                <p:cTn id="19" presetID="1" presetClass="entr" presetSubtype="0" fill="hold" nodeType="withEffect">
+                                  <p:stCondLst>
+                                    <p:cond delay="0"/>
+                                  </p:stCondLst>
+                                  <p:childTnLst>
+                                    <p:set>
+                                      <p:cBhvr>
+                                        <p:cTn id="20" dur="1" fill="hold">
+                                          <p:stCondLst>
+                                            <p:cond delay="0"/>
+                                          </p:stCondLst>
+                                        </p:cTn>
+                                        <p:tgtEl>
+                                          <p:spTgt spid="2">
+                                            <p:txEl>
+                                              <p:pRg st="7" end="7"/>
+                                            </p:txEl>
+                                          </p:spTgt>
+                                        </p:tgtEl>
+                                        <p:attrNameLst>
+                                          <p:attrName>style.visibility</p:attrName>
+                                        </p:attrNameLst>
+                                      </p:cBhvr>
+                                      <p:to>
+                                        <p:strVal val="visible"/>
+                                      </p:to>
+                                    </p:set>
+                                  </p:childTnLst>
+                                </p:cTn>
+                              </p:par>
+                            </p:childTnLst>
+                          </p:cTn>
+                        </p:par>
+                      </p:childTnLst>
+                    </p:cTn>
+                  </p:par>
+                </p:childTnLst>
+              </p:cTn>
+              <p:prevCondLst>
+                <p:cond evt="onPrev" delay="0">
+                  <p:tgtEl>
+                    <p:sldTgt/>
+                  </p:tgtEl>
+                </p:cond>
+              </p:prevCondLst>
+              <p:nextCondLst>
+                <p:cond evt="onNext" delay="0">
+                  <p:tgtEl>
+                    <p:sldTgt/>
+                  </p:tgtEl>
+                </p:cond>
+              </p:nextCondLst>
+            </p:seq>
+          </p:childTnLst>
+        </p:cTn>
+      </p:par>
+    </p:tnLst>
+  </p:timing>
+</p:sld>
+</file>
+
+<file path=ppt/slides/slide17.xml><?xml version="1.0" encoding="utf-8"?>
+<p:sld xmlns:a="http://schemas.openxmlformats.org/drawingml/2006/main" xmlns:r="http://schemas.openxmlformats.org/officeDocument/2006/relationships" xmlns:p="http://schemas.openxmlformats.org/presentationml/2006/main">
+  <p:cSld>
+    <p:spTree>
+      <p:nvGrpSpPr>
+        <p:cNvPr id="1" name=""/>
+        <p:cNvGrpSpPr/>
+        <p:nvPr/>
+      </p:nvGrpSpPr>
+      <p:grpSpPr>
+        <a:xfrm>
+          <a:off x="0" y="0"/>
+          <a:ext cx="0" cy="0"/>
+          <a:chOff x="0" y="0"/>
+          <a:chExt cx="0" cy="0"/>
+        </a:xfrm>
+      </p:grpSpPr>
+      <p:sp>
+        <p:nvSpPr>
+          <p:cNvPr id="2" name="Content Placeholder 1"/>
+          <p:cNvSpPr>
+            <a:spLocks noGrp="1"/>
+          </p:cNvSpPr>
+          <p:nvPr>
+            <p:ph idx="1"/>
+          </p:nvPr>
+        </p:nvSpPr>
+        <p:spPr>
+          <a:xfrm>
+            <a:off x="304800" y="1295400"/>
+            <a:ext cx="8534400" cy="4876800"/>
+          </a:xfrm>
+        </p:spPr>
+        <p:txBody>
+          <a:bodyPr/>
+          <a:lstStyle/>
+          <a:p>
+            <a:r>
+              <a:rPr lang="en-US" dirty="0" smtClean="0"/>
+              <a:t>Isotropic point source</a:t>
+            </a:r>
+          </a:p>
+          <a:p>
+            <a:r>
+              <a:rPr lang="en-US" dirty="0" smtClean="0"/>
+              <a:t>11 discrete energies</a:t>
+            </a:r>
+          </a:p>
+          <a:p>
+            <a:r>
+              <a:rPr lang="en-US" dirty="0" smtClean="0"/>
+              <a:t>10</a:t>
+            </a:r>
+            <a:r>
+              <a:rPr lang="en-US" baseline="30000" dirty="0" smtClean="0"/>
+              <a:t>6</a:t>
+            </a:r>
+            <a:r>
+              <a:rPr lang="en-US" dirty="0" smtClean="0"/>
+              <a:t> source particles</a:t>
+            </a:r>
+          </a:p>
+          <a:p>
+            <a:r>
+              <a:rPr lang="en-US" dirty="0" smtClean="0"/>
+              <a:t>Gaussian broadening off</a:t>
+            </a:r>
+            <a:endParaRPr lang="en-US" dirty="0" smtClean="0"/>
+          </a:p>
+          <a:p>
+            <a:r>
+              <a:rPr lang="en-US" dirty="0" smtClean="0"/>
+              <a:t>Tallies:</a:t>
+            </a:r>
+          </a:p>
+          <a:p>
+            <a:pPr lvl="1"/>
+            <a:r>
+              <a:rPr lang="en-US" dirty="0" smtClean="0"/>
+              <a:t>F8 – Energy Deposition Tally</a:t>
+            </a:r>
+          </a:p>
+          <a:p>
+            <a:pPr lvl="2"/>
+            <a:r>
+              <a:rPr lang="en-US" dirty="0" smtClean="0"/>
+              <a:t>Ge Crystal (Cell 3)</a:t>
+            </a:r>
+          </a:p>
+          <a:p>
+            <a:pPr lvl="2"/>
+            <a:r>
+              <a:rPr lang="en-US" dirty="0" smtClean="0"/>
+              <a:t>8192 bins (10</a:t>
+            </a:r>
+            <a:r>
+              <a:rPr lang="en-US" baseline="30000" dirty="0" smtClean="0"/>
+              <a:t>-5</a:t>
+            </a:r>
+            <a:r>
+              <a:rPr lang="en-US" dirty="0" smtClean="0"/>
+              <a:t> - 3.14344 MeV)</a:t>
+            </a:r>
+            <a:endParaRPr lang="en-US" dirty="0" smtClean="0"/>
+          </a:p>
+        </p:txBody>
+      </p:sp>
+      <p:sp>
+        <p:nvSpPr>
+          <p:cNvPr id="10241" name="Title 1"/>
+          <p:cNvSpPr>
+            <a:spLocks noGrp="1"/>
+          </p:cNvSpPr>
+          <p:nvPr>
+            <p:ph type="title"/>
+          </p:nvPr>
+        </p:nvSpPr>
+        <p:spPr/>
+        <p:txBody>
+          <a:bodyPr/>
+          <a:lstStyle/>
+          <a:p>
+            <a:r>
+              <a:rPr lang="en-US" dirty="0" err="1" smtClean="0"/>
+              <a:t>Paremeters</a:t>
+            </a:r>
+            <a:r>
+              <a:rPr lang="en-US" smtClean="0"/>
+              <a:t> to Adjust</a:t>
+            </a:r>
+            <a:endParaRPr lang="en-US" dirty="0"/>
+          </a:p>
+        </p:txBody>
+      </p:sp>
+      <p:sp>
+        <p:nvSpPr>
+          <p:cNvPr id="3" name="Slide Number Placeholder 2"/>
+          <p:cNvSpPr>
+            <a:spLocks noGrp="1"/>
+          </p:cNvSpPr>
+          <p:nvPr>
+            <p:ph type="sldNum" sz="quarter" idx="10"/>
+          </p:nvPr>
+        </p:nvSpPr>
+        <p:spPr/>
+        <p:txBody>
+          <a:bodyPr/>
+          <a:lstStyle/>
+          <a:p>
+            <a:pPr>
+              <a:defRPr/>
+            </a:pPr>
+            <a:fld id="{54D80F8A-463A-4890-BC87-BDB129B2791E}" type="slidenum">
+              <a:rPr lang="en-US" smtClean="0"/>
+              <a:pPr>
+                <a:defRPr/>
+              </a:pPr>
+              <a:t>17</a:t>
+            </a:fld>
+            <a:endParaRPr lang="en-US"/>
+          </a:p>
+        </p:txBody>
+      </p:sp>
+    </p:spTree>
+    <p:extLst>
+      <p:ext uri="{BB962C8B-B14F-4D97-AF65-F5344CB8AC3E}">
+        <p14:creationId xmlns:p14="http://schemas.microsoft.com/office/powerpoint/2010/main" val="3268633312"/>
+      </p:ext>
+    </p:extLst>
+  </p:cSld>
+  <p:clrMapOvr>
+    <a:masterClrMapping/>
+  </p:clrMapOvr>
+  <p:transition/>
+  <p:timing>
+    <p:tnLst>
+      <p:par>
+        <p:cTn id="1" dur="indefinite" restart="never" nodeType="tmRoot">
+          <p:childTnLst>
+            <p:seq concurrent="1" nextAc="seek">
+              <p:cTn id="2" dur="indefinite" nodeType="mainSeq">
+                <p:childTnLst>
+                  <p:par>
+                    <p:cTn id="3" fill="hold">
+                      <p:stCondLst>
+                        <p:cond delay="indefinite"/>
+                        <p:cond evt="onBegin" delay="0">
+                          <p:tn val="2"/>
+                        </p:cond>
+                      </p:stCondLst>
+                      <p:childTnLst>
+                        <p:par>
+                          <p:cTn id="4" fill="hold">
+                            <p:stCondLst>
+                              <p:cond delay="0"/>
+                            </p:stCondLst>
+                            <p:childTnLst>
+                              <p:par>
+                                <p:cTn id="5" presetID="1" presetClass="entr" presetSubtype="0" fill="hold" nodeType="withEffect">
+                                  <p:stCondLst>
+                                    <p:cond delay="0"/>
+                                  </p:stCondLst>
+                                  <p:childTnLst>
+                                    <p:set>
+                                      <p:cBhvr>
+                                        <p:cTn id="6" dur="1" fill="hold">
+                                          <p:stCondLst>
+                                            <p:cond delay="0"/>
+                                          </p:stCondLst>
+                                        </p:cTn>
+                                        <p:tgtEl>
+                                          <p:spTgt spid="2">
+                                            <p:txEl>
+                                              <p:pRg st="0" end="0"/>
+                                            </p:txEl>
+                                          </p:spTgt>
+                                        </p:tgtEl>
+                                        <p:attrNameLst>
+                                          <p:attrName>style.visibility</p:attrName>
+                                        </p:attrNameLst>
+                                      </p:cBhvr>
+                                      <p:to>
+                                        <p:strVal val="visible"/>
+                                      </p:to>
+                                    </p:set>
+                                  </p:childTnLst>
+                                </p:cTn>
+                              </p:par>
+                              <p:par>
+                                <p:cTn id="7" presetID="1" presetClass="entr" presetSubtype="0" fill="hold" nodeType="withEffect">
+                                  <p:stCondLst>
+                                    <p:cond delay="0"/>
+                                  </p:stCondLst>
+                                  <p:childTnLst>
+                                    <p:set>
+                                      <p:cBhvr>
+                                        <p:cTn id="8" dur="1" fill="hold">
+                                          <p:stCondLst>
+                                            <p:cond delay="0"/>
+                                          </p:stCondLst>
+                                        </p:cTn>
+                                        <p:tgtEl>
+                                          <p:spTgt spid="2">
+                                            <p:txEl>
+                                              <p:pRg st="1" end="1"/>
+                                            </p:txEl>
+                                          </p:spTgt>
+                                        </p:tgtEl>
+                                        <p:attrNameLst>
+                                          <p:attrName>style.visibility</p:attrName>
+                                        </p:attrNameLst>
+                                      </p:cBhvr>
+                                      <p:to>
+                                        <p:strVal val="visible"/>
+                                      </p:to>
+                                    </p:set>
+                                  </p:childTnLst>
+                                </p:cTn>
+                              </p:par>
+                              <p:par>
+                                <p:cTn id="9" presetID="1" presetClass="entr" presetSubtype="0" fill="hold" nodeType="withEffect">
+                                  <p:stCondLst>
+                                    <p:cond delay="0"/>
+                                  </p:stCondLst>
+                                  <p:childTnLst>
+                                    <p:set>
+                                      <p:cBhvr>
+                                        <p:cTn id="10" dur="1" fill="hold">
+                                          <p:stCondLst>
+                                            <p:cond delay="0"/>
+                                          </p:stCondLst>
+                                        </p:cTn>
+                                        <p:tgtEl>
+                                          <p:spTgt spid="2">
+                                            <p:txEl>
+                                              <p:pRg st="2" end="2"/>
+                                            </p:txEl>
+                                          </p:spTgt>
+                                        </p:tgtEl>
+                                        <p:attrNameLst>
+                                          <p:attrName>style.visibility</p:attrName>
+                                        </p:attrNameLst>
+                                      </p:cBhvr>
+                                      <p:to>
+                                        <p:strVal val="visible"/>
+                                      </p:to>
+                                    </p:set>
+                                  </p:childTnLst>
+                                </p:cTn>
+                              </p:par>
+                              <p:par>
+                                <p:cTn id="11" presetID="1" presetClass="entr" presetSubtype="0" fill="hold" nodeType="withEffect">
+                                  <p:stCondLst>
+                                    <p:cond delay="0"/>
+                                  </p:stCondLst>
+                                  <p:childTnLst>
+                                    <p:set>
+                                      <p:cBhvr>
+                                        <p:cTn id="12" dur="1" fill="hold">
+                                          <p:stCondLst>
+                                            <p:cond delay="0"/>
+                                          </p:stCondLst>
+                                        </p:cTn>
+                                        <p:tgtEl>
+                                          <p:spTgt spid="2">
+                                            <p:txEl>
+                                              <p:pRg st="3" end="3"/>
+                                            </p:txEl>
+                                          </p:spTgt>
+                                        </p:tgtEl>
+                                        <p:attrNameLst>
+                                          <p:attrName>style.visibility</p:attrName>
+                                        </p:attrNameLst>
+                                      </p:cBhvr>
+                                      <p:to>
+                                        <p:strVal val="visible"/>
+                                      </p:to>
+                                    </p:set>
+                                  </p:childTnLst>
+                                </p:cTn>
+                              </p:par>
+                              <p:par>
+                                <p:cTn id="13" presetID="1" presetClass="entr" presetSubtype="0" fill="hold" nodeType="withEffect">
+                                  <p:stCondLst>
+                                    <p:cond delay="0"/>
+                                  </p:stCondLst>
+                                  <p:childTnLst>
+                                    <p:set>
+                                      <p:cBhvr>
+                                        <p:cTn id="14" dur="1" fill="hold">
+                                          <p:stCondLst>
+                                            <p:cond delay="0"/>
+                                          </p:stCondLst>
+                                        </p:cTn>
+                                        <p:tgtEl>
+                                          <p:spTgt spid="2">
+                                            <p:txEl>
+                                              <p:pRg st="4" end="4"/>
+                                            </p:txEl>
+                                          </p:spTgt>
+                                        </p:tgtEl>
+                                        <p:attrNameLst>
+                                          <p:attrName>style.visibility</p:attrName>
+                                        </p:attrNameLst>
+                                      </p:cBhvr>
+                                      <p:to>
+                                        <p:strVal val="visible"/>
+                                      </p:to>
+                                    </p:set>
+                                  </p:childTnLst>
+                                </p:cTn>
+                              </p:par>
+                              <p:par>
+                                <p:cTn id="15" presetID="1" presetClass="entr" presetSubtype="0" fill="hold" nodeType="withEffect">
+                                  <p:stCondLst>
+                                    <p:cond delay="0"/>
+                                  </p:stCondLst>
+                                  <p:childTnLst>
+                                    <p:set>
+                                      <p:cBhvr>
+                                        <p:cTn id="16" dur="1" fill="hold">
+                                          <p:stCondLst>
+                                            <p:cond delay="0"/>
+                                          </p:stCondLst>
+                                        </p:cTn>
+                                        <p:tgtEl>
+                                          <p:spTgt spid="2">
+                                            <p:txEl>
+                                              <p:pRg st="5" end="5"/>
+                                            </p:txEl>
+                                          </p:spTgt>
+                                        </p:tgtEl>
+                                        <p:attrNameLst>
+                                          <p:attrName>style.visibility</p:attrName>
+                                        </p:attrNameLst>
+                                      </p:cBhvr>
+                                      <p:to>
+                                        <p:strVal val="visible"/>
+                                      </p:to>
+                                    </p:set>
+                                  </p:childTnLst>
+                                </p:cTn>
+                              </p:par>
+                              <p:par>
+                                <p:cTn id="17" presetID="1" presetClass="entr" presetSubtype="0" fill="hold" nodeType="withEffect">
+                                  <p:stCondLst>
+                                    <p:cond delay="0"/>
+                                  </p:stCondLst>
+                                  <p:childTnLst>
+                                    <p:set>
+                                      <p:cBhvr>
+                                        <p:cTn id="18" dur="1" fill="hold">
+                                          <p:stCondLst>
+                                            <p:cond delay="0"/>
+                                          </p:stCondLst>
+                                        </p:cTn>
+                                        <p:tgtEl>
+                                          <p:spTgt spid="2">
+                                            <p:txEl>
+                                              <p:pRg st="6" end="6"/>
+                                            </p:txEl>
+                                          </p:spTgt>
+                                        </p:tgtEl>
+                                        <p:attrNameLst>
+                                          <p:attrName>style.visibility</p:attrName>
+                                        </p:attrNameLst>
+                                      </p:cBhvr>
+                                      <p:to>
+                                        <p:strVal val="visible"/>
+                                      </p:to>
+                                    </p:set>
+                                  </p:childTnLst>
+                                </p:cTn>
+                              </p:par>
+                              <p:par>
+                                <p:cTn id="19" presetID="1" presetClass="entr" presetSubtype="0" fill="hold" nodeType="withEffect">
+                                  <p:stCondLst>
+                                    <p:cond delay="0"/>
+                                  </p:stCondLst>
+                                  <p:childTnLst>
+                                    <p:set>
+                                      <p:cBhvr>
+                                        <p:cTn id="20" dur="1" fill="hold">
+                                          <p:stCondLst>
+                                            <p:cond delay="0"/>
+                                          </p:stCondLst>
+                                        </p:cTn>
+                                        <p:tgtEl>
+                                          <p:spTgt spid="2">
+                                            <p:txEl>
+                                              <p:pRg st="7" end="7"/>
+                                            </p:txEl>
+                                          </p:spTgt>
+                                        </p:tgtEl>
+                                        <p:attrNameLst>
+                                          <p:attrName>style.visibility</p:attrName>
+                                        </p:attrNameLst>
+                                      </p:cBhvr>
+                                      <p:to>
+                                        <p:strVal val="visible"/>
+                                      </p:to>
+                                    </p:set>
+                                  </p:childTnLst>
+                                </p:cTn>
+                              </p:par>
+                            </p:childTnLst>
+                          </p:cTn>
+                        </p:par>
+                      </p:childTnLst>
+                    </p:cTn>
+                  </p:par>
+                </p:childTnLst>
+              </p:cTn>
+              <p:prevCondLst>
+                <p:cond evt="onPrev" delay="0">
+                  <p:tgtEl>
+                    <p:sldTgt/>
+                  </p:tgtEl>
+                </p:cond>
+              </p:prevCondLst>
+              <p:nextCondLst>
+                <p:cond evt="onNext" delay="0">
+                  <p:tgtEl>
+                    <p:sldTgt/>
+                  </p:tgtEl>
+                </p:cond>
+              </p:nextCondLst>
+            </p:seq>
+          </p:childTnLst>
+        </p:cTn>
+      </p:par>
+    </p:tnLst>
+  </p:timing>
+</p:sld>
+</file>
+
+<file path=ppt/slides/slide18.xml><?xml version="1.0" encoding="utf-8"?>
+<p:sld xmlns:a="http://schemas.openxmlformats.org/drawingml/2006/main" xmlns:r="http://schemas.openxmlformats.org/officeDocument/2006/relationships" xmlns:p="http://schemas.openxmlformats.org/presentationml/2006/main">
+  <p:cSld>
+    <p:spTree>
+      <p:nvGrpSpPr>
+        <p:cNvPr id="1" name=""/>
+        <p:cNvGrpSpPr/>
+        <p:nvPr/>
+      </p:nvGrpSpPr>
+      <p:grpSpPr>
+        <a:xfrm>
+          <a:off x="0" y="0"/>
+          <a:ext cx="0" cy="0"/>
+          <a:chOff x="0" y="0"/>
+          <a:chExt cx="0" cy="0"/>
+        </a:xfrm>
+      </p:grpSpPr>
+      <p:sp>
+        <p:nvSpPr>
+          <p:cNvPr id="2" name="Content Placeholder 1"/>
+          <p:cNvSpPr>
+            <a:spLocks noGrp="1"/>
+          </p:cNvSpPr>
+          <p:nvPr>
+            <p:ph idx="1"/>
+          </p:nvPr>
+        </p:nvSpPr>
+        <p:spPr>
+          <a:xfrm>
+            <a:off x="304800" y="1295400"/>
+            <a:ext cx="8534400" cy="4876800"/>
+          </a:xfrm>
+        </p:spPr>
+        <p:txBody>
+          <a:bodyPr/>
+          <a:lstStyle/>
+          <a:p>
+            <a:r>
+              <a:rPr lang="en-US" dirty="0" smtClean="0"/>
+              <a:t>Background</a:t>
+            </a:r>
+          </a:p>
+          <a:p>
+            <a:r>
+              <a:rPr lang="en-US" dirty="0" smtClean="0"/>
+              <a:t>MCNP Model</a:t>
+            </a:r>
+          </a:p>
+          <a:p>
+            <a:r>
+              <a:rPr lang="en-US" dirty="0" smtClean="0"/>
+              <a:t>Parametric Optimization Code</a:t>
+            </a:r>
+            <a:endParaRPr lang="en-US" dirty="0"/>
+          </a:p>
+          <a:p>
+            <a:r>
+              <a:rPr lang="en-US" dirty="0" smtClean="0"/>
+              <a:t>Results</a:t>
+            </a:r>
+          </a:p>
+          <a:p>
+            <a:r>
+              <a:rPr lang="en-US" dirty="0" smtClean="0"/>
+              <a:t>Future Work</a:t>
+            </a:r>
+          </a:p>
+        </p:txBody>
+      </p:sp>
+      <p:sp>
+        <p:nvSpPr>
+          <p:cNvPr id="10241" name="Title 1"/>
+          <p:cNvSpPr>
+            <a:spLocks noGrp="1"/>
+          </p:cNvSpPr>
+          <p:nvPr>
+            <p:ph type="title"/>
+          </p:nvPr>
+        </p:nvSpPr>
+        <p:spPr/>
+        <p:txBody>
+          <a:bodyPr/>
+          <a:lstStyle/>
+          <a:p>
+            <a:r>
+              <a:rPr lang="en-US" dirty="0" smtClean="0"/>
+              <a:t>Summary</a:t>
+            </a:r>
+            <a:endParaRPr lang="en-US" dirty="0"/>
+          </a:p>
+        </p:txBody>
+      </p:sp>
+      <p:sp>
+        <p:nvSpPr>
+          <p:cNvPr id="3" name="Slide Number Placeholder 2"/>
+          <p:cNvSpPr>
+            <a:spLocks noGrp="1"/>
+          </p:cNvSpPr>
+          <p:nvPr>
+            <p:ph type="sldNum" sz="quarter" idx="10"/>
+          </p:nvPr>
+        </p:nvSpPr>
+        <p:spPr/>
+        <p:txBody>
+          <a:bodyPr/>
+          <a:lstStyle/>
+          <a:p>
+            <a:pPr>
+              <a:defRPr/>
+            </a:pPr>
+            <a:fld id="{54D80F8A-463A-4890-BC87-BDB129B2791E}" type="slidenum">
+              <a:rPr lang="en-US" smtClean="0"/>
+              <a:pPr>
+                <a:defRPr/>
+              </a:pPr>
+              <a:t>18</a:t>
+            </a:fld>
+            <a:endParaRPr lang="en-US"/>
+          </a:p>
+        </p:txBody>
+      </p:sp>
+    </p:spTree>
+    <p:extLst>
+      <p:ext uri="{BB962C8B-B14F-4D97-AF65-F5344CB8AC3E}">
+        <p14:creationId xmlns:p14="http://schemas.microsoft.com/office/powerpoint/2010/main" val="2051218200"/>
       </p:ext>
     </p:extLst>
   </p:cSld>
@@ -5790,7 +11714,7 @@
 </p:sld>
 </file>
 
-<file path=ppt/slides/slide12.xml><?xml version="1.0" encoding="utf-8"?>
+<file path=ppt/slides/slide19.xml><?xml version="1.0" encoding="utf-8"?>
 <p:sld xmlns:a="http://schemas.openxmlformats.org/drawingml/2006/main" xmlns:r="http://schemas.openxmlformats.org/officeDocument/2006/relationships" xmlns:p="http://schemas.openxmlformats.org/presentationml/2006/main">
   <p:cSld>
     <p:spTree>
@@ -5829,33 +11753,58 @@
           <a:p>
             <a:r>
               <a:rPr lang="en-US" dirty="0" smtClean="0"/>
-              <a:t>Background</a:t>
+              <a:t>Captain James </a:t>
             </a:r>
-          </a:p>
-          <a:p>
+            <a:r>
+              <a:rPr lang="en-US" dirty="0" err="1" smtClean="0"/>
+              <a:t>Bevins</a:t>
+            </a:r>
             <a:r>
               <a:rPr lang="en-US" dirty="0" smtClean="0"/>
-              <a:t>MCNP Model</a:t>
+              <a:t>, AFIT</a:t>
             </a:r>
+            <a:endParaRPr lang="en-US" dirty="0"/>
           </a:p>
           <a:p>
             <a:r>
               <a:rPr lang="en-US" dirty="0" smtClean="0"/>
-              <a:t>Parametric Optimization Code</a:t>
+              <a:t>Lt Colonel Buck </a:t>
             </a:r>
-            <a:endParaRPr lang="en-US" dirty="0"/>
-          </a:p>
-          <a:p>
+            <a:r>
+              <a:rPr lang="en-US" dirty="0" err="1" smtClean="0"/>
+              <a:t>O’Day</a:t>
+            </a:r>
             <a:r>
               <a:rPr lang="en-US" dirty="0" smtClean="0"/>
-              <a:t>Results</a:t>
+              <a:t>, AFIT</a:t>
             </a:r>
           </a:p>
           <a:p>
             <a:r>
               <a:rPr lang="en-US" dirty="0" smtClean="0"/>
-              <a:t>Future Work</a:t>
+              <a:t>Edna’s Model</a:t>
             </a:r>
+          </a:p>
+          <a:p>
+            <a:r>
+              <a:rPr lang="en-US" dirty="0" err="1" smtClean="0"/>
+              <a:t>Capt</a:t>
+            </a:r>
+            <a:r>
+              <a:rPr lang="en-US" dirty="0" smtClean="0"/>
+              <a:t> </a:t>
+            </a:r>
+            <a:r>
+              <a:rPr lang="en-US" dirty="0" err="1" smtClean="0"/>
+              <a:t>Bevins</a:t>
+            </a:r>
+            <a:r>
+              <a:rPr lang="en-US" dirty="0" smtClean="0"/>
+              <a:t> Model</a:t>
+            </a:r>
+          </a:p>
+          <a:p>
+            <a:endParaRPr lang="en-US" dirty="0" smtClean="0"/>
           </a:p>
         </p:txBody>
       </p:sp>
@@ -5876,7 +11825,7 @@
           <a:p>
             <a:r>
               <a:rPr lang="en-US" dirty="0" smtClean="0"/>
-              <a:t>MCNP Model</a:t>
+              <a:t>Acknowledgements</a:t>
             </a:r>
             <a:endParaRPr lang="en-US" dirty="0"/>
           </a:p>
@@ -5905,714 +11854,7 @@
               <a:pPr>
                 <a:defRPr/>
               </a:pPr>
-              <a:t>12</a:t>
-            </a:fld>
-            <a:endParaRPr lang="en-US"/>
-          </a:p>
-        </p:txBody>
-      </p:sp>
-    </p:spTree>
-    <p:extLst>
-      <p:ext uri="{BB962C8B-B14F-4D97-AF65-F5344CB8AC3E}">
-        <p14:creationId xmlns:p14="http://schemas.microsoft.com/office/powerpoint/2010/main" val="3569034049"/>
-      </p:ext>
-    </p:extLst>
-  </p:cSld>
-  <p:clrMapOvr>
-    <a:masterClrMapping/>
-  </p:clrMapOvr>
-  <p:transition/>
-  <p:timing>
-    <p:tnLst>
-      <p:par>
-        <p:cTn id="1" dur="indefinite" restart="never" nodeType="tmRoot">
-          <p:childTnLst>
-            <p:seq concurrent="1" nextAc="seek">
-              <p:cTn id="2" dur="indefinite" nodeType="mainSeq">
-                <p:childTnLst>
-                  <p:par>
-                    <p:cTn id="3" fill="hold">
-                      <p:stCondLst>
-                        <p:cond delay="indefinite"/>
-                        <p:cond evt="onBegin" delay="0">
-                          <p:tn val="2"/>
-                        </p:cond>
-                      </p:stCondLst>
-                      <p:childTnLst>
-                        <p:par>
-                          <p:cTn id="4" fill="hold">
-                            <p:stCondLst>
-                              <p:cond delay="0"/>
-                            </p:stCondLst>
-                            <p:childTnLst>
-                              <p:par>
-                                <p:cTn id="5" presetID="1" presetClass="entr" presetSubtype="0" fill="hold" nodeType="withEffect">
-                                  <p:stCondLst>
-                                    <p:cond delay="0"/>
-                                  </p:stCondLst>
-                                  <p:childTnLst>
-                                    <p:set>
-                                      <p:cBhvr>
-                                        <p:cTn id="6" dur="1" fill="hold">
-                                          <p:stCondLst>
-                                            <p:cond delay="0"/>
-                                          </p:stCondLst>
-                                        </p:cTn>
-                                        <p:tgtEl>
-                                          <p:spTgt spid="2">
-                                            <p:txEl>
-                                              <p:pRg st="1" end="1"/>
-                                            </p:txEl>
-                                          </p:spTgt>
-                                        </p:tgtEl>
-                                        <p:attrNameLst>
-                                          <p:attrName>style.visibility</p:attrName>
-                                        </p:attrNameLst>
-                                      </p:cBhvr>
-                                      <p:to>
-                                        <p:strVal val="visible"/>
-                                      </p:to>
-                                    </p:set>
-                                  </p:childTnLst>
-                                </p:cTn>
-                              </p:par>
-                              <p:par>
-                                <p:cTn id="7" presetID="1" presetClass="entr" presetSubtype="0" fill="hold" nodeType="withEffect">
-                                  <p:stCondLst>
-                                    <p:cond delay="0"/>
-                                  </p:stCondLst>
-                                  <p:childTnLst>
-                                    <p:set>
-                                      <p:cBhvr>
-                                        <p:cTn id="8" dur="1" fill="hold">
-                                          <p:stCondLst>
-                                            <p:cond delay="0"/>
-                                          </p:stCondLst>
-                                        </p:cTn>
-                                        <p:tgtEl>
-                                          <p:spTgt spid="2">
-                                            <p:txEl>
-                                              <p:pRg st="0" end="0"/>
-                                            </p:txEl>
-                                          </p:spTgt>
-                                        </p:tgtEl>
-                                        <p:attrNameLst>
-                                          <p:attrName>style.visibility</p:attrName>
-                                        </p:attrNameLst>
-                                      </p:cBhvr>
-                                      <p:to>
-                                        <p:strVal val="visible"/>
-                                      </p:to>
-                                    </p:set>
-                                  </p:childTnLst>
-                                </p:cTn>
-                              </p:par>
-                              <p:par>
-                                <p:cTn id="9" presetID="1" presetClass="entr" presetSubtype="0" fill="hold" nodeType="withEffect">
-                                  <p:stCondLst>
-                                    <p:cond delay="0"/>
-                                  </p:stCondLst>
-                                  <p:childTnLst>
-                                    <p:set>
-                                      <p:cBhvr>
-                                        <p:cTn id="10" dur="1" fill="hold">
-                                          <p:stCondLst>
-                                            <p:cond delay="0"/>
-                                          </p:stCondLst>
-                                        </p:cTn>
-                                        <p:tgtEl>
-                                          <p:spTgt spid="2">
-                                            <p:txEl>
-                                              <p:pRg st="2" end="2"/>
-                                            </p:txEl>
-                                          </p:spTgt>
-                                        </p:tgtEl>
-                                        <p:attrNameLst>
-                                          <p:attrName>style.visibility</p:attrName>
-                                        </p:attrNameLst>
-                                      </p:cBhvr>
-                                      <p:to>
-                                        <p:strVal val="visible"/>
-                                      </p:to>
-                                    </p:set>
-                                  </p:childTnLst>
-                                </p:cTn>
-                              </p:par>
-                              <p:par>
-                                <p:cTn id="11" presetID="1" presetClass="entr" presetSubtype="0" fill="hold" nodeType="withEffect">
-                                  <p:stCondLst>
-                                    <p:cond delay="0"/>
-                                  </p:stCondLst>
-                                  <p:childTnLst>
-                                    <p:set>
-                                      <p:cBhvr>
-                                        <p:cTn id="12" dur="1" fill="hold">
-                                          <p:stCondLst>
-                                            <p:cond delay="0"/>
-                                          </p:stCondLst>
-                                        </p:cTn>
-                                        <p:tgtEl>
-                                          <p:spTgt spid="2">
-                                            <p:txEl>
-                                              <p:pRg st="3" end="3"/>
-                                            </p:txEl>
-                                          </p:spTgt>
-                                        </p:tgtEl>
-                                        <p:attrNameLst>
-                                          <p:attrName>style.visibility</p:attrName>
-                                        </p:attrNameLst>
-                                      </p:cBhvr>
-                                      <p:to>
-                                        <p:strVal val="visible"/>
-                                      </p:to>
-                                    </p:set>
-                                  </p:childTnLst>
-                                </p:cTn>
-                              </p:par>
-                              <p:par>
-                                <p:cTn id="13" presetID="1" presetClass="entr" presetSubtype="0" fill="hold" nodeType="withEffect">
-                                  <p:stCondLst>
-                                    <p:cond delay="0"/>
-                                  </p:stCondLst>
-                                  <p:childTnLst>
-                                    <p:set>
-                                      <p:cBhvr>
-                                        <p:cTn id="14" dur="1" fill="hold">
-                                          <p:stCondLst>
-                                            <p:cond delay="0"/>
-                                          </p:stCondLst>
-                                        </p:cTn>
-                                        <p:tgtEl>
-                                          <p:spTgt spid="2">
-                                            <p:txEl>
-                                              <p:pRg st="4" end="4"/>
-                                            </p:txEl>
-                                          </p:spTgt>
-                                        </p:tgtEl>
-                                        <p:attrNameLst>
-                                          <p:attrName>style.visibility</p:attrName>
-                                        </p:attrNameLst>
-                                      </p:cBhvr>
-                                      <p:to>
-                                        <p:strVal val="visible"/>
-                                      </p:to>
-                                    </p:set>
-                                  </p:childTnLst>
-                                </p:cTn>
-                              </p:par>
-                            </p:childTnLst>
-                          </p:cTn>
-                        </p:par>
-                      </p:childTnLst>
-                    </p:cTn>
-                  </p:par>
-                </p:childTnLst>
-              </p:cTn>
-              <p:prevCondLst>
-                <p:cond evt="onPrev" delay="0">
-                  <p:tgtEl>
-                    <p:sldTgt/>
-                  </p:tgtEl>
-                </p:cond>
-              </p:prevCondLst>
-              <p:nextCondLst>
-                <p:cond evt="onNext" delay="0">
-                  <p:tgtEl>
-                    <p:sldTgt/>
-                  </p:tgtEl>
-                </p:cond>
-              </p:nextCondLst>
-            </p:seq>
-          </p:childTnLst>
-        </p:cTn>
-      </p:par>
-    </p:tnLst>
-  </p:timing>
-</p:sld>
-</file>
-
-<file path=ppt/slides/slide13.xml><?xml version="1.0" encoding="utf-8"?>
-<p:sld xmlns:a="http://schemas.openxmlformats.org/drawingml/2006/main" xmlns:r="http://schemas.openxmlformats.org/officeDocument/2006/relationships" xmlns:p="http://schemas.openxmlformats.org/presentationml/2006/main">
-  <p:cSld>
-    <p:spTree>
-      <p:nvGrpSpPr>
-        <p:cNvPr id="1" name=""/>
-        <p:cNvGrpSpPr/>
-        <p:nvPr/>
-      </p:nvGrpSpPr>
-      <p:grpSpPr>
-        <a:xfrm>
-          <a:off x="0" y="0"/>
-          <a:ext cx="0" cy="0"/>
-          <a:chOff x="0" y="0"/>
-          <a:chExt cx="0" cy="0"/>
-        </a:xfrm>
-      </p:grpSpPr>
-      <p:sp>
-        <p:nvSpPr>
-          <p:cNvPr id="2" name="Content Placeholder 1"/>
-          <p:cNvSpPr>
-            <a:spLocks noGrp="1"/>
-          </p:cNvSpPr>
-          <p:nvPr>
-            <p:ph idx="1"/>
-          </p:nvPr>
-        </p:nvSpPr>
-        <p:spPr>
-          <a:xfrm>
-            <a:off x="304800" y="1295400"/>
-            <a:ext cx="8534400" cy="4876800"/>
-          </a:xfrm>
-        </p:spPr>
-        <p:txBody>
-          <a:bodyPr/>
-          <a:lstStyle/>
-          <a:p>
-            <a:r>
-              <a:rPr lang="en-US" dirty="0" smtClean="0"/>
-              <a:t>Background</a:t>
-            </a:r>
-          </a:p>
-          <a:p>
-            <a:r>
-              <a:rPr lang="en-US" dirty="0" smtClean="0"/>
-              <a:t>MCNP Model</a:t>
-            </a:r>
-          </a:p>
-          <a:p>
-            <a:r>
-              <a:rPr lang="en-US" dirty="0" smtClean="0"/>
-              <a:t>Parametric Optimization Code</a:t>
-            </a:r>
-            <a:endParaRPr lang="en-US" dirty="0"/>
-          </a:p>
-          <a:p>
-            <a:r>
-              <a:rPr lang="en-US" dirty="0" smtClean="0"/>
-              <a:t>Results</a:t>
-            </a:r>
-          </a:p>
-          <a:p>
-            <a:r>
-              <a:rPr lang="en-US" dirty="0" smtClean="0"/>
-              <a:t>Future Work</a:t>
-            </a:r>
-          </a:p>
-        </p:txBody>
-      </p:sp>
-      <p:sp>
-        <p:nvSpPr>
-          <p:cNvPr id="10241" name="Title 1"/>
-          <p:cNvSpPr>
-            <a:spLocks noGrp="1"/>
-          </p:cNvSpPr>
-          <p:nvPr>
-            <p:ph type="title"/>
-          </p:nvPr>
-        </p:nvSpPr>
-        <p:spPr/>
-        <p:txBody>
-          <a:bodyPr/>
-          <a:lstStyle/>
-          <a:p>
-            <a:r>
-              <a:rPr lang="en-US" dirty="0" smtClean="0"/>
-              <a:t>MCNP Model</a:t>
-            </a:r>
-            <a:endParaRPr lang="en-US" dirty="0"/>
-          </a:p>
-        </p:txBody>
-      </p:sp>
-      <p:sp>
-        <p:nvSpPr>
-          <p:cNvPr id="3" name="Slide Number Placeholder 2"/>
-          <p:cNvSpPr>
-            <a:spLocks noGrp="1"/>
-          </p:cNvSpPr>
-          <p:nvPr>
-            <p:ph type="sldNum" sz="quarter" idx="10"/>
-          </p:nvPr>
-        </p:nvSpPr>
-        <p:spPr/>
-        <p:txBody>
-          <a:bodyPr/>
-          <a:lstStyle/>
-          <a:p>
-            <a:pPr>
-              <a:defRPr/>
-            </a:pPr>
-            <a:fld id="{54D80F8A-463A-4890-BC87-BDB129B2791E}" type="slidenum">
-              <a:rPr lang="en-US" smtClean="0"/>
-              <a:pPr>
-                <a:defRPr/>
-              </a:pPr>
-              <a:t>13</a:t>
-            </a:fld>
-            <a:endParaRPr lang="en-US"/>
-          </a:p>
-        </p:txBody>
-      </p:sp>
-    </p:spTree>
-    <p:extLst>
-      <p:ext uri="{BB962C8B-B14F-4D97-AF65-F5344CB8AC3E}">
-        <p14:creationId xmlns:p14="http://schemas.microsoft.com/office/powerpoint/2010/main" val="2701802849"/>
-      </p:ext>
-    </p:extLst>
-  </p:cSld>
-  <p:clrMapOvr>
-    <a:masterClrMapping/>
-  </p:clrMapOvr>
-  <p:transition/>
-  <p:timing>
-    <p:tnLst>
-      <p:par>
-        <p:cTn id="1" dur="indefinite" restart="never" nodeType="tmRoot">
-          <p:childTnLst>
-            <p:seq concurrent="1" nextAc="seek">
-              <p:cTn id="2" dur="indefinite" nodeType="mainSeq">
-                <p:childTnLst>
-                  <p:par>
-                    <p:cTn id="3" fill="hold">
-                      <p:stCondLst>
-                        <p:cond delay="indefinite"/>
-                        <p:cond evt="onBegin" delay="0">
-                          <p:tn val="2"/>
-                        </p:cond>
-                      </p:stCondLst>
-                      <p:childTnLst>
-                        <p:par>
-                          <p:cTn id="4" fill="hold">
-                            <p:stCondLst>
-                              <p:cond delay="0"/>
-                            </p:stCondLst>
-                            <p:childTnLst>
-                              <p:par>
-                                <p:cTn id="5" presetID="1" presetClass="entr" presetSubtype="0" fill="hold" nodeType="withEffect">
-                                  <p:stCondLst>
-                                    <p:cond delay="0"/>
-                                  </p:stCondLst>
-                                  <p:childTnLst>
-                                    <p:set>
-                                      <p:cBhvr>
-                                        <p:cTn id="6" dur="1" fill="hold">
-                                          <p:stCondLst>
-                                            <p:cond delay="0"/>
-                                          </p:stCondLst>
-                                        </p:cTn>
-                                        <p:tgtEl>
-                                          <p:spTgt spid="2">
-                                            <p:txEl>
-                                              <p:pRg st="1" end="1"/>
-                                            </p:txEl>
-                                          </p:spTgt>
-                                        </p:tgtEl>
-                                        <p:attrNameLst>
-                                          <p:attrName>style.visibility</p:attrName>
-                                        </p:attrNameLst>
-                                      </p:cBhvr>
-                                      <p:to>
-                                        <p:strVal val="visible"/>
-                                      </p:to>
-                                    </p:set>
-                                  </p:childTnLst>
-                                </p:cTn>
-                              </p:par>
-                              <p:par>
-                                <p:cTn id="7" presetID="1" presetClass="entr" presetSubtype="0" fill="hold" nodeType="withEffect">
-                                  <p:stCondLst>
-                                    <p:cond delay="0"/>
-                                  </p:stCondLst>
-                                  <p:childTnLst>
-                                    <p:set>
-                                      <p:cBhvr>
-                                        <p:cTn id="8" dur="1" fill="hold">
-                                          <p:stCondLst>
-                                            <p:cond delay="0"/>
-                                          </p:stCondLst>
-                                        </p:cTn>
-                                        <p:tgtEl>
-                                          <p:spTgt spid="2">
-                                            <p:txEl>
-                                              <p:pRg st="0" end="0"/>
-                                            </p:txEl>
-                                          </p:spTgt>
-                                        </p:tgtEl>
-                                        <p:attrNameLst>
-                                          <p:attrName>style.visibility</p:attrName>
-                                        </p:attrNameLst>
-                                      </p:cBhvr>
-                                      <p:to>
-                                        <p:strVal val="visible"/>
-                                      </p:to>
-                                    </p:set>
-                                  </p:childTnLst>
-                                </p:cTn>
-                              </p:par>
-                              <p:par>
-                                <p:cTn id="9" presetID="1" presetClass="entr" presetSubtype="0" fill="hold" nodeType="withEffect">
-                                  <p:stCondLst>
-                                    <p:cond delay="0"/>
-                                  </p:stCondLst>
-                                  <p:childTnLst>
-                                    <p:set>
-                                      <p:cBhvr>
-                                        <p:cTn id="10" dur="1" fill="hold">
-                                          <p:stCondLst>
-                                            <p:cond delay="0"/>
-                                          </p:stCondLst>
-                                        </p:cTn>
-                                        <p:tgtEl>
-                                          <p:spTgt spid="2">
-                                            <p:txEl>
-                                              <p:pRg st="2" end="2"/>
-                                            </p:txEl>
-                                          </p:spTgt>
-                                        </p:tgtEl>
-                                        <p:attrNameLst>
-                                          <p:attrName>style.visibility</p:attrName>
-                                        </p:attrNameLst>
-                                      </p:cBhvr>
-                                      <p:to>
-                                        <p:strVal val="visible"/>
-                                      </p:to>
-                                    </p:set>
-                                  </p:childTnLst>
-                                </p:cTn>
-                              </p:par>
-                              <p:par>
-                                <p:cTn id="11" presetID="1" presetClass="entr" presetSubtype="0" fill="hold" nodeType="withEffect">
-                                  <p:stCondLst>
-                                    <p:cond delay="0"/>
-                                  </p:stCondLst>
-                                  <p:childTnLst>
-                                    <p:set>
-                                      <p:cBhvr>
-                                        <p:cTn id="12" dur="1" fill="hold">
-                                          <p:stCondLst>
-                                            <p:cond delay="0"/>
-                                          </p:stCondLst>
-                                        </p:cTn>
-                                        <p:tgtEl>
-                                          <p:spTgt spid="2">
-                                            <p:txEl>
-                                              <p:pRg st="3" end="3"/>
-                                            </p:txEl>
-                                          </p:spTgt>
-                                        </p:tgtEl>
-                                        <p:attrNameLst>
-                                          <p:attrName>style.visibility</p:attrName>
-                                        </p:attrNameLst>
-                                      </p:cBhvr>
-                                      <p:to>
-                                        <p:strVal val="visible"/>
-                                      </p:to>
-                                    </p:set>
-                                  </p:childTnLst>
-                                </p:cTn>
-                              </p:par>
-                              <p:par>
-                                <p:cTn id="13" presetID="1" presetClass="entr" presetSubtype="0" fill="hold" nodeType="withEffect">
-                                  <p:stCondLst>
-                                    <p:cond delay="0"/>
-                                  </p:stCondLst>
-                                  <p:childTnLst>
-                                    <p:set>
-                                      <p:cBhvr>
-                                        <p:cTn id="14" dur="1" fill="hold">
-                                          <p:stCondLst>
-                                            <p:cond delay="0"/>
-                                          </p:stCondLst>
-                                        </p:cTn>
-                                        <p:tgtEl>
-                                          <p:spTgt spid="2">
-                                            <p:txEl>
-                                              <p:pRg st="4" end="4"/>
-                                            </p:txEl>
-                                          </p:spTgt>
-                                        </p:tgtEl>
-                                        <p:attrNameLst>
-                                          <p:attrName>style.visibility</p:attrName>
-                                        </p:attrNameLst>
-                                      </p:cBhvr>
-                                      <p:to>
-                                        <p:strVal val="visible"/>
-                                      </p:to>
-                                    </p:set>
-                                  </p:childTnLst>
-                                </p:cTn>
-                              </p:par>
-                            </p:childTnLst>
-                          </p:cTn>
-                        </p:par>
-                      </p:childTnLst>
-                    </p:cTn>
-                  </p:par>
-                </p:childTnLst>
-              </p:cTn>
-              <p:prevCondLst>
-                <p:cond evt="onPrev" delay="0">
-                  <p:tgtEl>
-                    <p:sldTgt/>
-                  </p:tgtEl>
-                </p:cond>
-              </p:prevCondLst>
-              <p:nextCondLst>
-                <p:cond evt="onNext" delay="0">
-                  <p:tgtEl>
-                    <p:sldTgt/>
-                  </p:tgtEl>
-                </p:cond>
-              </p:nextCondLst>
-            </p:seq>
-          </p:childTnLst>
-        </p:cTn>
-      </p:par>
-    </p:tnLst>
-  </p:timing>
-</p:sld>
-</file>
-
-<file path=ppt/slides/slide14.xml><?xml version="1.0" encoding="utf-8"?>
-<p:sld xmlns:a="http://schemas.openxmlformats.org/drawingml/2006/main" xmlns:r="http://schemas.openxmlformats.org/officeDocument/2006/relationships" xmlns:p="http://schemas.openxmlformats.org/presentationml/2006/main">
-  <p:cSld>
-    <p:spTree>
-      <p:nvGrpSpPr>
-        <p:cNvPr id="1" name=""/>
-        <p:cNvGrpSpPr/>
-        <p:nvPr/>
-      </p:nvGrpSpPr>
-      <p:grpSpPr>
-        <a:xfrm>
-          <a:off x="0" y="0"/>
-          <a:ext cx="0" cy="0"/>
-          <a:chOff x="0" y="0"/>
-          <a:chExt cx="0" cy="0"/>
-        </a:xfrm>
-      </p:grpSpPr>
-      <p:sp>
-        <p:nvSpPr>
-          <p:cNvPr id="2" name="Content Placeholder 1"/>
-          <p:cNvSpPr>
-            <a:spLocks noGrp="1"/>
-          </p:cNvSpPr>
-          <p:nvPr>
-            <p:ph idx="1"/>
-          </p:nvPr>
-        </p:nvSpPr>
-        <p:spPr>
-          <a:xfrm>
-            <a:off x="304800" y="1295400"/>
-            <a:ext cx="8534400" cy="4876800"/>
-          </a:xfrm>
-        </p:spPr>
-        <p:txBody>
-          <a:bodyPr/>
-          <a:lstStyle/>
-          <a:p>
-            <a:r>
-              <a:rPr lang="en-US" dirty="0" smtClean="0"/>
-              <a:t>Captain James </a:t>
-            </a:r>
-            <a:r>
-              <a:rPr lang="en-US" dirty="0" err="1" smtClean="0"/>
-              <a:t>Bevins</a:t>
-            </a:r>
-            <a:r>
-              <a:rPr lang="en-US" dirty="0" smtClean="0"/>
-              <a:t>, AFIT</a:t>
-            </a:r>
-            <a:endParaRPr lang="en-US" dirty="0"/>
-          </a:p>
-          <a:p>
-            <a:r>
-              <a:rPr lang="en-US" dirty="0" smtClean="0"/>
-              <a:t>Lt Colonel Buck </a:t>
-            </a:r>
-            <a:r>
-              <a:rPr lang="en-US" dirty="0" err="1" smtClean="0"/>
-              <a:t>O’Day</a:t>
-            </a:r>
-            <a:r>
-              <a:rPr lang="en-US" dirty="0" smtClean="0"/>
-              <a:t>, AFIT</a:t>
-            </a:r>
-          </a:p>
-          <a:p>
-            <a:r>
-              <a:rPr lang="en-US" dirty="0" smtClean="0"/>
-              <a:t>Edna’s Model</a:t>
-            </a:r>
-          </a:p>
-          <a:p>
-            <a:r>
-              <a:rPr lang="en-US" dirty="0" err="1" smtClean="0"/>
-              <a:t>Capt</a:t>
-            </a:r>
-            <a:r>
-              <a:rPr lang="en-US" dirty="0" smtClean="0"/>
-              <a:t> </a:t>
-            </a:r>
-            <a:r>
-              <a:rPr lang="en-US" dirty="0" err="1" smtClean="0"/>
-              <a:t>Bevins</a:t>
-            </a:r>
-            <a:r>
-              <a:rPr lang="en-US" dirty="0" smtClean="0"/>
-              <a:t> Model</a:t>
-            </a:r>
-          </a:p>
-          <a:p>
-            <a:endParaRPr lang="en-US" dirty="0" smtClean="0"/>
-          </a:p>
-        </p:txBody>
-      </p:sp>
-      <p:sp>
-        <p:nvSpPr>
-          <p:cNvPr id="10241" name="Title 1"/>
-          <p:cNvSpPr>
-            <a:spLocks noGrp="1"/>
-          </p:cNvSpPr>
-          <p:nvPr>
-            <p:ph type="title"/>
-          </p:nvPr>
-        </p:nvSpPr>
-        <p:spPr/>
-        <p:txBody>
-          <a:bodyPr/>
-          <a:lstStyle/>
-          <a:p>
-            <a:r>
-              <a:rPr lang="en-US" dirty="0" smtClean="0"/>
-              <a:t>Acknowledgements</a:t>
-            </a:r>
-            <a:endParaRPr lang="en-US" dirty="0"/>
-          </a:p>
-        </p:txBody>
-      </p:sp>
-      <p:sp>
-        <p:nvSpPr>
-          <p:cNvPr id="3" name="Slide Number Placeholder 2"/>
-          <p:cNvSpPr>
-            <a:spLocks noGrp="1"/>
-          </p:cNvSpPr>
-          <p:nvPr>
-            <p:ph type="sldNum" sz="quarter" idx="10"/>
-          </p:nvPr>
-        </p:nvSpPr>
-        <p:spPr/>
-        <p:txBody>
-          <a:bodyPr/>
-          <a:lstStyle/>
-          <a:p>
-            <a:pPr>
-              <a:defRPr/>
-            </a:pPr>
-            <a:fld id="{54D80F8A-463A-4890-BC87-BDB129B2791E}" type="slidenum">
-              <a:rPr lang="en-US" smtClean="0"/>
-              <a:pPr>
-                <a:defRPr/>
-              </a:pPr>
-              <a:t>14</a:t>
+              <a:t>19</a:t>
             </a:fld>
             <a:endParaRPr lang="en-US"/>
           </a:p>
@@ -6807,471 +12049,6 @@
 </p:sld>
 </file>
 
-<file path=ppt/slides/slide15.xml><?xml version="1.0" encoding="utf-8"?>
-<p:sld xmlns:a="http://schemas.openxmlformats.org/drawingml/2006/main" xmlns:r="http://schemas.openxmlformats.org/officeDocument/2006/relationships" xmlns:p="http://schemas.openxmlformats.org/presentationml/2006/main">
-  <p:cSld>
-    <p:spTree>
-      <p:nvGrpSpPr>
-        <p:cNvPr id="1" name=""/>
-        <p:cNvGrpSpPr/>
-        <p:nvPr/>
-      </p:nvGrpSpPr>
-      <p:grpSpPr>
-        <a:xfrm>
-          <a:off x="0" y="0"/>
-          <a:ext cx="0" cy="0"/>
-          <a:chOff x="0" y="0"/>
-          <a:chExt cx="0" cy="0"/>
-        </a:xfrm>
-      </p:grpSpPr>
-      <p:sp>
-        <p:nvSpPr>
-          <p:cNvPr id="2" name="Content Placeholder 1"/>
-          <p:cNvSpPr>
-            <a:spLocks noGrp="1"/>
-          </p:cNvSpPr>
-          <p:nvPr>
-            <p:ph idx="1"/>
-          </p:nvPr>
-        </p:nvSpPr>
-        <p:spPr>
-          <a:xfrm>
-            <a:off x="304800" y="1295400"/>
-            <a:ext cx="8534400" cy="4876800"/>
-          </a:xfrm>
-        </p:spPr>
-        <p:txBody>
-          <a:bodyPr/>
-          <a:lstStyle/>
-          <a:p>
-            <a:r>
-              <a:rPr lang="en-US" dirty="0"/>
-              <a:t>[1] Ronald </a:t>
-            </a:r>
-            <a:r>
-              <a:rPr lang="en-US" dirty="0" smtClean="0"/>
-              <a:t>Keyser</a:t>
-            </a:r>
-            <a:endParaRPr lang="en-US" dirty="0"/>
-          </a:p>
-          <a:p>
-            <a:r>
-              <a:rPr lang="en-US" dirty="0"/>
-              <a:t>[2] https://cyclotron.tamu.edu/progress-reports/2002-2003/1%20Nuclear%20Structure,%20Fundamental%20Interactions,%</a:t>
-            </a:r>
-            <a:r>
-              <a:rPr lang="en-US" dirty="0" smtClean="0"/>
-              <a:t>20and%20Astrophysics/I-28%20Precise%20efficiency%20calibration%20of%20an%20HPGe%20detector.pdf</a:t>
-            </a:r>
-            <a:endParaRPr lang="en-US" dirty="0"/>
-          </a:p>
-          <a:p>
-            <a:r>
-              <a:rPr lang="en-US" dirty="0"/>
-              <a:t>[3]http://www.iaea.org/inis/collection/NCLCollectionStore/_</a:t>
-            </a:r>
-            <a:r>
-              <a:rPr lang="en-US" dirty="0" smtClean="0"/>
-              <a:t>Public/42/107/42107607.pdf</a:t>
-            </a:r>
-            <a:endParaRPr lang="en-US" dirty="0"/>
-          </a:p>
-          <a:p>
-            <a:r>
-              <a:rPr lang="en-US" dirty="0"/>
-              <a:t>[4] </a:t>
-            </a:r>
-            <a:r>
-              <a:rPr lang="en-US" dirty="0" smtClean="0"/>
-              <a:t>Knoll’s</a:t>
-            </a:r>
-          </a:p>
-          <a:p>
-            <a:r>
-              <a:rPr lang="en-US" dirty="0" smtClean="0"/>
-              <a:t>[5] </a:t>
-            </a:r>
-            <a:r>
-              <a:rPr lang="en-US" dirty="0"/>
-              <a:t> </a:t>
-            </a:r>
-            <a:r>
-              <a:rPr lang="en-US" dirty="0" smtClean="0"/>
-              <a:t>Standard </a:t>
-            </a:r>
-            <a:r>
-              <a:rPr lang="en-US" dirty="0"/>
-              <a:t>Electrode Coaxial Ge Detectors </a:t>
-            </a:r>
-            <a:endParaRPr lang="en-US" dirty="0"/>
-          </a:p>
-          <a:p>
-            <a:endParaRPr lang="en-US" dirty="0" smtClean="0"/>
-          </a:p>
-        </p:txBody>
-      </p:sp>
-      <p:sp>
-        <p:nvSpPr>
-          <p:cNvPr id="10241" name="Title 1"/>
-          <p:cNvSpPr>
-            <a:spLocks noGrp="1"/>
-          </p:cNvSpPr>
-          <p:nvPr>
-            <p:ph type="title"/>
-          </p:nvPr>
-        </p:nvSpPr>
-        <p:spPr/>
-        <p:txBody>
-          <a:bodyPr/>
-          <a:lstStyle/>
-          <a:p>
-            <a:r>
-              <a:rPr lang="en-US" dirty="0" smtClean="0"/>
-              <a:t>References</a:t>
-            </a:r>
-            <a:endParaRPr lang="en-US" dirty="0"/>
-          </a:p>
-        </p:txBody>
-      </p:sp>
-      <p:sp>
-        <p:nvSpPr>
-          <p:cNvPr id="3" name="Slide Number Placeholder 2"/>
-          <p:cNvSpPr>
-            <a:spLocks noGrp="1"/>
-          </p:cNvSpPr>
-          <p:nvPr>
-            <p:ph type="sldNum" sz="quarter" idx="10"/>
-          </p:nvPr>
-        </p:nvSpPr>
-        <p:spPr/>
-        <p:txBody>
-          <a:bodyPr/>
-          <a:lstStyle/>
-          <a:p>
-            <a:pPr>
-              <a:defRPr/>
-            </a:pPr>
-            <a:fld id="{54D80F8A-463A-4890-BC87-BDB129B2791E}" type="slidenum">
-              <a:rPr lang="en-US" smtClean="0"/>
-              <a:pPr>
-                <a:defRPr/>
-              </a:pPr>
-              <a:t>15</a:t>
-            </a:fld>
-            <a:endParaRPr lang="en-US"/>
-          </a:p>
-        </p:txBody>
-      </p:sp>
-    </p:spTree>
-    <p:extLst>
-      <p:ext uri="{BB962C8B-B14F-4D97-AF65-F5344CB8AC3E}">
-        <p14:creationId xmlns:p14="http://schemas.microsoft.com/office/powerpoint/2010/main" val="550938201"/>
-      </p:ext>
-    </p:extLst>
-  </p:cSld>
-  <p:clrMapOvr>
-    <a:masterClrMapping/>
-  </p:clrMapOvr>
-  <p:transition/>
-  <p:timing>
-    <p:tnLst>
-      <p:par>
-        <p:cTn id="1" dur="indefinite" restart="never" nodeType="tmRoot">
-          <p:childTnLst>
-            <p:seq concurrent="1" nextAc="seek">
-              <p:cTn id="2" dur="indefinite" nodeType="mainSeq">
-                <p:childTnLst>
-                  <p:par>
-                    <p:cTn id="3" fill="hold">
-                      <p:stCondLst>
-                        <p:cond delay="indefinite"/>
-                        <p:cond evt="onBegin" delay="0">
-                          <p:tn val="2"/>
-                        </p:cond>
-                      </p:stCondLst>
-                      <p:childTnLst>
-                        <p:par>
-                          <p:cTn id="4" fill="hold">
-                            <p:stCondLst>
-                              <p:cond delay="0"/>
-                            </p:stCondLst>
-                            <p:childTnLst>
-                              <p:par>
-                                <p:cTn id="5" presetID="1" presetClass="entr" presetSubtype="0" fill="hold" nodeType="withEffect">
-                                  <p:stCondLst>
-                                    <p:cond delay="0"/>
-                                  </p:stCondLst>
-                                  <p:childTnLst>
-                                    <p:set>
-                                      <p:cBhvr>
-                                        <p:cTn id="6" dur="1" fill="hold">
-                                          <p:stCondLst>
-                                            <p:cond delay="0"/>
-                                          </p:stCondLst>
-                                        </p:cTn>
-                                        <p:tgtEl>
-                                          <p:spTgt spid="2">
-                                            <p:txEl>
-                                              <p:pRg st="0" end="0"/>
-                                            </p:txEl>
-                                          </p:spTgt>
-                                        </p:tgtEl>
-                                        <p:attrNameLst>
-                                          <p:attrName>style.visibility</p:attrName>
-                                        </p:attrNameLst>
-                                      </p:cBhvr>
-                                      <p:to>
-                                        <p:strVal val="visible"/>
-                                      </p:to>
-                                    </p:set>
-                                  </p:childTnLst>
-                                </p:cTn>
-                              </p:par>
-                              <p:par>
-                                <p:cTn id="7" presetID="1" presetClass="entr" presetSubtype="0" fill="hold" nodeType="withEffect">
-                                  <p:stCondLst>
-                                    <p:cond delay="0"/>
-                                  </p:stCondLst>
-                                  <p:childTnLst>
-                                    <p:set>
-                                      <p:cBhvr>
-                                        <p:cTn id="8" dur="1" fill="hold">
-                                          <p:stCondLst>
-                                            <p:cond delay="0"/>
-                                          </p:stCondLst>
-                                        </p:cTn>
-                                        <p:tgtEl>
-                                          <p:spTgt spid="2">
-                                            <p:txEl>
-                                              <p:pRg st="1" end="1"/>
-                                            </p:txEl>
-                                          </p:spTgt>
-                                        </p:tgtEl>
-                                        <p:attrNameLst>
-                                          <p:attrName>style.visibility</p:attrName>
-                                        </p:attrNameLst>
-                                      </p:cBhvr>
-                                      <p:to>
-                                        <p:strVal val="visible"/>
-                                      </p:to>
-                                    </p:set>
-                                  </p:childTnLst>
-                                </p:cTn>
-                              </p:par>
-                              <p:par>
-                                <p:cTn id="9" presetID="1" presetClass="entr" presetSubtype="0" fill="hold" nodeType="withEffect">
-                                  <p:stCondLst>
-                                    <p:cond delay="0"/>
-                                  </p:stCondLst>
-                                  <p:childTnLst>
-                                    <p:set>
-                                      <p:cBhvr>
-                                        <p:cTn id="10" dur="1" fill="hold">
-                                          <p:stCondLst>
-                                            <p:cond delay="0"/>
-                                          </p:stCondLst>
-                                        </p:cTn>
-                                        <p:tgtEl>
-                                          <p:spTgt spid="2">
-                                            <p:txEl>
-                                              <p:pRg st="2" end="2"/>
-                                            </p:txEl>
-                                          </p:spTgt>
-                                        </p:tgtEl>
-                                        <p:attrNameLst>
-                                          <p:attrName>style.visibility</p:attrName>
-                                        </p:attrNameLst>
-                                      </p:cBhvr>
-                                      <p:to>
-                                        <p:strVal val="visible"/>
-                                      </p:to>
-                                    </p:set>
-                                  </p:childTnLst>
-                                </p:cTn>
-                              </p:par>
-                              <p:par>
-                                <p:cTn id="11" presetID="1" presetClass="entr" presetSubtype="0" fill="hold" nodeType="withEffect">
-                                  <p:stCondLst>
-                                    <p:cond delay="0"/>
-                                  </p:stCondLst>
-                                  <p:childTnLst>
-                                    <p:set>
-                                      <p:cBhvr>
-                                        <p:cTn id="12" dur="1" fill="hold">
-                                          <p:stCondLst>
-                                            <p:cond delay="0"/>
-                                          </p:stCondLst>
-                                        </p:cTn>
-                                        <p:tgtEl>
-                                          <p:spTgt spid="2">
-                                            <p:txEl>
-                                              <p:pRg st="3" end="3"/>
-                                            </p:txEl>
-                                          </p:spTgt>
-                                        </p:tgtEl>
-                                        <p:attrNameLst>
-                                          <p:attrName>style.visibility</p:attrName>
-                                        </p:attrNameLst>
-                                      </p:cBhvr>
-                                      <p:to>
-                                        <p:strVal val="visible"/>
-                                      </p:to>
-                                    </p:set>
-                                  </p:childTnLst>
-                                </p:cTn>
-                              </p:par>
-                              <p:par>
-                                <p:cTn id="13" presetID="1" presetClass="entr" presetSubtype="0" fill="hold" nodeType="withEffect">
-                                  <p:stCondLst>
-                                    <p:cond delay="0"/>
-                                  </p:stCondLst>
-                                  <p:childTnLst>
-                                    <p:set>
-                                      <p:cBhvr>
-                                        <p:cTn id="14" dur="1" fill="hold">
-                                          <p:stCondLst>
-                                            <p:cond delay="0"/>
-                                          </p:stCondLst>
-                                        </p:cTn>
-                                        <p:tgtEl>
-                                          <p:spTgt spid="2">
-                                            <p:txEl>
-                                              <p:pRg st="4" end="4"/>
-                                            </p:txEl>
-                                          </p:spTgt>
-                                        </p:tgtEl>
-                                        <p:attrNameLst>
-                                          <p:attrName>style.visibility</p:attrName>
-                                        </p:attrNameLst>
-                                      </p:cBhvr>
-                                      <p:to>
-                                        <p:strVal val="visible"/>
-                                      </p:to>
-                                    </p:set>
-                                  </p:childTnLst>
-                                </p:cTn>
-                              </p:par>
-                            </p:childTnLst>
-                          </p:cTn>
-                        </p:par>
-                      </p:childTnLst>
-                    </p:cTn>
-                  </p:par>
-                </p:childTnLst>
-              </p:cTn>
-              <p:prevCondLst>
-                <p:cond evt="onPrev" delay="0">
-                  <p:tgtEl>
-                    <p:sldTgt/>
-                  </p:tgtEl>
-                </p:cond>
-              </p:prevCondLst>
-              <p:nextCondLst>
-                <p:cond evt="onNext" delay="0">
-                  <p:tgtEl>
-                    <p:sldTgt/>
-                  </p:tgtEl>
-                </p:cond>
-              </p:nextCondLst>
-            </p:seq>
-          </p:childTnLst>
-        </p:cTn>
-      </p:par>
-    </p:tnLst>
-  </p:timing>
-</p:sld>
-</file>
-
-<file path=ppt/slides/slide16.xml><?xml version="1.0" encoding="utf-8"?>
-<p:sld xmlns:a="http://schemas.openxmlformats.org/drawingml/2006/main" xmlns:r="http://schemas.openxmlformats.org/officeDocument/2006/relationships" xmlns:p="http://schemas.openxmlformats.org/presentationml/2006/main">
-  <p:cSld>
-    <p:spTree>
-      <p:nvGrpSpPr>
-        <p:cNvPr id="1" name=""/>
-        <p:cNvGrpSpPr/>
-        <p:nvPr/>
-      </p:nvGrpSpPr>
-      <p:grpSpPr>
-        <a:xfrm>
-          <a:off x="0" y="0"/>
-          <a:ext cx="0" cy="0"/>
-          <a:chOff x="0" y="0"/>
-          <a:chExt cx="0" cy="0"/>
-        </a:xfrm>
-      </p:grpSpPr>
-      <p:sp>
-        <p:nvSpPr>
-          <p:cNvPr id="10241" name="Title 1"/>
-          <p:cNvSpPr>
-            <a:spLocks noGrp="1"/>
-          </p:cNvSpPr>
-          <p:nvPr>
-            <p:ph type="title"/>
-          </p:nvPr>
-        </p:nvSpPr>
-        <p:spPr/>
-        <p:txBody>
-          <a:bodyPr/>
-          <a:lstStyle/>
-          <a:p>
-            <a:r>
-              <a:rPr lang="en-US" dirty="0" smtClean="0"/>
-              <a:t>Questions?</a:t>
-            </a:r>
-            <a:endParaRPr lang="en-US" dirty="0"/>
-          </a:p>
-        </p:txBody>
-      </p:sp>
-      <p:sp>
-        <p:nvSpPr>
-          <p:cNvPr id="3" name="Slide Number Placeholder 2"/>
-          <p:cNvSpPr>
-            <a:spLocks noGrp="1"/>
-          </p:cNvSpPr>
-          <p:nvPr>
-            <p:ph type="sldNum" sz="quarter" idx="10"/>
-          </p:nvPr>
-        </p:nvSpPr>
-        <p:spPr/>
-        <p:txBody>
-          <a:bodyPr/>
-          <a:lstStyle/>
-          <a:p>
-            <a:pPr>
-              <a:defRPr/>
-            </a:pPr>
-            <a:fld id="{54D80F8A-463A-4890-BC87-BDB129B2791E}" type="slidenum">
-              <a:rPr lang="en-US" smtClean="0"/>
-              <a:pPr>
-                <a:defRPr/>
-              </a:pPr>
-              <a:t>16</a:t>
-            </a:fld>
-            <a:endParaRPr lang="en-US"/>
-          </a:p>
-        </p:txBody>
-      </p:sp>
-    </p:spTree>
-    <p:extLst>
-      <p:ext uri="{BB962C8B-B14F-4D97-AF65-F5344CB8AC3E}">
-        <p14:creationId xmlns:p14="http://schemas.microsoft.com/office/powerpoint/2010/main" val="3105989873"/>
-      </p:ext>
-    </p:extLst>
-  </p:cSld>
-  <p:clrMapOvr>
-    <a:masterClrMapping/>
-  </p:clrMapOvr>
-  <p:transition/>
-  <p:timing>
-    <p:tnLst>
-      <p:par>
-        <p:cTn id="1" dur="indefinite" restart="never" nodeType="tmRoot"/>
-      </p:par>
-    </p:tnLst>
-  </p:timing>
-</p:sld>
-</file>
-
 <file path=ppt/slides/slide2.xml><?xml version="1.0" encoding="utf-8"?>
 <p:sld xmlns:a="http://schemas.openxmlformats.org/drawingml/2006/main" xmlns:r="http://schemas.openxmlformats.org/officeDocument/2006/relationships" xmlns:p="http://schemas.openxmlformats.org/presentationml/2006/main">
   <p:cSld>
@@ -7329,11 +12106,7 @@
           <a:p>
             <a:r>
               <a:rPr lang="en-US" dirty="0" smtClean="0"/>
-              <a:t>MCNP </a:t>
-            </a:r>
-            <a:r>
-              <a:rPr lang="en-US" dirty="0" smtClean="0"/>
-              <a:t>Model</a:t>
+              <a:t>MCNP Model</a:t>
             </a:r>
           </a:p>
           <a:p>
@@ -7721,6 +12494,470 @@
 </p:sld>
 </file>
 
+<file path=ppt/slides/slide20.xml><?xml version="1.0" encoding="utf-8"?>
+<p:sld xmlns:a="http://schemas.openxmlformats.org/drawingml/2006/main" xmlns:r="http://schemas.openxmlformats.org/officeDocument/2006/relationships" xmlns:p="http://schemas.openxmlformats.org/presentationml/2006/main">
+  <p:cSld>
+    <p:spTree>
+      <p:nvGrpSpPr>
+        <p:cNvPr id="1" name=""/>
+        <p:cNvGrpSpPr/>
+        <p:nvPr/>
+      </p:nvGrpSpPr>
+      <p:grpSpPr>
+        <a:xfrm>
+          <a:off x="0" y="0"/>
+          <a:ext cx="0" cy="0"/>
+          <a:chOff x="0" y="0"/>
+          <a:chExt cx="0" cy="0"/>
+        </a:xfrm>
+      </p:grpSpPr>
+      <p:sp>
+        <p:nvSpPr>
+          <p:cNvPr id="2" name="Content Placeholder 1"/>
+          <p:cNvSpPr>
+            <a:spLocks noGrp="1"/>
+          </p:cNvSpPr>
+          <p:nvPr>
+            <p:ph idx="1"/>
+          </p:nvPr>
+        </p:nvSpPr>
+        <p:spPr>
+          <a:xfrm>
+            <a:off x="304800" y="1295400"/>
+            <a:ext cx="8534400" cy="4876800"/>
+          </a:xfrm>
+        </p:spPr>
+        <p:txBody>
+          <a:bodyPr/>
+          <a:lstStyle/>
+          <a:p>
+            <a:r>
+              <a:rPr lang="en-US" dirty="0"/>
+              <a:t>[1] Ronald </a:t>
+            </a:r>
+            <a:r>
+              <a:rPr lang="en-US" dirty="0" smtClean="0"/>
+              <a:t>Keyser</a:t>
+            </a:r>
+            <a:endParaRPr lang="en-US" dirty="0"/>
+          </a:p>
+          <a:p>
+            <a:r>
+              <a:rPr lang="en-US" dirty="0"/>
+              <a:t>[2] https://cyclotron.tamu.edu/progress-reports/2002-2003/1%20Nuclear%20Structure,%20Fundamental%20Interactions,%</a:t>
+            </a:r>
+            <a:r>
+              <a:rPr lang="en-US" dirty="0" smtClean="0"/>
+              <a:t>20and%20Astrophysics/I-28%20Precise%20efficiency%20calibration%20of%20an%20HPGe%20detector.pdf</a:t>
+            </a:r>
+            <a:endParaRPr lang="en-US" dirty="0"/>
+          </a:p>
+          <a:p>
+            <a:r>
+              <a:rPr lang="en-US" dirty="0"/>
+              <a:t>[3]http://www.iaea.org/inis/collection/NCLCollectionStore/_</a:t>
+            </a:r>
+            <a:r>
+              <a:rPr lang="en-US" dirty="0" smtClean="0"/>
+              <a:t>Public/42/107/42107607.pdf</a:t>
+            </a:r>
+            <a:endParaRPr lang="en-US" dirty="0"/>
+          </a:p>
+          <a:p>
+            <a:r>
+              <a:rPr lang="en-US" dirty="0"/>
+              <a:t>[4] </a:t>
+            </a:r>
+            <a:r>
+              <a:rPr lang="en-US" dirty="0" smtClean="0"/>
+              <a:t>Knoll’s</a:t>
+            </a:r>
+          </a:p>
+          <a:p>
+            <a:r>
+              <a:rPr lang="en-US" dirty="0" smtClean="0"/>
+              <a:t>[5] </a:t>
+            </a:r>
+            <a:r>
+              <a:rPr lang="en-US" dirty="0"/>
+              <a:t> </a:t>
+            </a:r>
+            <a:r>
+              <a:rPr lang="en-US" dirty="0" smtClean="0"/>
+              <a:t>Standard </a:t>
+            </a:r>
+            <a:r>
+              <a:rPr lang="en-US" dirty="0"/>
+              <a:t>Electrode Coaxial Ge Detectors </a:t>
+            </a:r>
+          </a:p>
+          <a:p>
+            <a:endParaRPr lang="en-US" dirty="0" smtClean="0"/>
+          </a:p>
+        </p:txBody>
+      </p:sp>
+      <p:sp>
+        <p:nvSpPr>
+          <p:cNvPr id="10241" name="Title 1"/>
+          <p:cNvSpPr>
+            <a:spLocks noGrp="1"/>
+          </p:cNvSpPr>
+          <p:nvPr>
+            <p:ph type="title"/>
+          </p:nvPr>
+        </p:nvSpPr>
+        <p:spPr/>
+        <p:txBody>
+          <a:bodyPr/>
+          <a:lstStyle/>
+          <a:p>
+            <a:r>
+              <a:rPr lang="en-US" dirty="0" smtClean="0"/>
+              <a:t>References</a:t>
+            </a:r>
+            <a:endParaRPr lang="en-US" dirty="0"/>
+          </a:p>
+        </p:txBody>
+      </p:sp>
+      <p:sp>
+        <p:nvSpPr>
+          <p:cNvPr id="3" name="Slide Number Placeholder 2"/>
+          <p:cNvSpPr>
+            <a:spLocks noGrp="1"/>
+          </p:cNvSpPr>
+          <p:nvPr>
+            <p:ph type="sldNum" sz="quarter" idx="10"/>
+          </p:nvPr>
+        </p:nvSpPr>
+        <p:spPr/>
+        <p:txBody>
+          <a:bodyPr/>
+          <a:lstStyle/>
+          <a:p>
+            <a:pPr>
+              <a:defRPr/>
+            </a:pPr>
+            <a:fld id="{54D80F8A-463A-4890-BC87-BDB129B2791E}" type="slidenum">
+              <a:rPr lang="en-US" smtClean="0"/>
+              <a:pPr>
+                <a:defRPr/>
+              </a:pPr>
+              <a:t>20</a:t>
+            </a:fld>
+            <a:endParaRPr lang="en-US"/>
+          </a:p>
+        </p:txBody>
+      </p:sp>
+    </p:spTree>
+    <p:extLst>
+      <p:ext uri="{BB962C8B-B14F-4D97-AF65-F5344CB8AC3E}">
+        <p14:creationId xmlns:p14="http://schemas.microsoft.com/office/powerpoint/2010/main" val="550938201"/>
+      </p:ext>
+    </p:extLst>
+  </p:cSld>
+  <p:clrMapOvr>
+    <a:masterClrMapping/>
+  </p:clrMapOvr>
+  <p:transition/>
+  <p:timing>
+    <p:tnLst>
+      <p:par>
+        <p:cTn id="1" dur="indefinite" restart="never" nodeType="tmRoot">
+          <p:childTnLst>
+            <p:seq concurrent="1" nextAc="seek">
+              <p:cTn id="2" dur="indefinite" nodeType="mainSeq">
+                <p:childTnLst>
+                  <p:par>
+                    <p:cTn id="3" fill="hold">
+                      <p:stCondLst>
+                        <p:cond delay="indefinite"/>
+                        <p:cond evt="onBegin" delay="0">
+                          <p:tn val="2"/>
+                        </p:cond>
+                      </p:stCondLst>
+                      <p:childTnLst>
+                        <p:par>
+                          <p:cTn id="4" fill="hold">
+                            <p:stCondLst>
+                              <p:cond delay="0"/>
+                            </p:stCondLst>
+                            <p:childTnLst>
+                              <p:par>
+                                <p:cTn id="5" presetID="1" presetClass="entr" presetSubtype="0" fill="hold" nodeType="withEffect">
+                                  <p:stCondLst>
+                                    <p:cond delay="0"/>
+                                  </p:stCondLst>
+                                  <p:childTnLst>
+                                    <p:set>
+                                      <p:cBhvr>
+                                        <p:cTn id="6" dur="1" fill="hold">
+                                          <p:stCondLst>
+                                            <p:cond delay="0"/>
+                                          </p:stCondLst>
+                                        </p:cTn>
+                                        <p:tgtEl>
+                                          <p:spTgt spid="2">
+                                            <p:txEl>
+                                              <p:pRg st="0" end="0"/>
+                                            </p:txEl>
+                                          </p:spTgt>
+                                        </p:tgtEl>
+                                        <p:attrNameLst>
+                                          <p:attrName>style.visibility</p:attrName>
+                                        </p:attrNameLst>
+                                      </p:cBhvr>
+                                      <p:to>
+                                        <p:strVal val="visible"/>
+                                      </p:to>
+                                    </p:set>
+                                  </p:childTnLst>
+                                </p:cTn>
+                              </p:par>
+                              <p:par>
+                                <p:cTn id="7" presetID="1" presetClass="entr" presetSubtype="0" fill="hold" nodeType="withEffect">
+                                  <p:stCondLst>
+                                    <p:cond delay="0"/>
+                                  </p:stCondLst>
+                                  <p:childTnLst>
+                                    <p:set>
+                                      <p:cBhvr>
+                                        <p:cTn id="8" dur="1" fill="hold">
+                                          <p:stCondLst>
+                                            <p:cond delay="0"/>
+                                          </p:stCondLst>
+                                        </p:cTn>
+                                        <p:tgtEl>
+                                          <p:spTgt spid="2">
+                                            <p:txEl>
+                                              <p:pRg st="1" end="1"/>
+                                            </p:txEl>
+                                          </p:spTgt>
+                                        </p:tgtEl>
+                                        <p:attrNameLst>
+                                          <p:attrName>style.visibility</p:attrName>
+                                        </p:attrNameLst>
+                                      </p:cBhvr>
+                                      <p:to>
+                                        <p:strVal val="visible"/>
+                                      </p:to>
+                                    </p:set>
+                                  </p:childTnLst>
+                                </p:cTn>
+                              </p:par>
+                              <p:par>
+                                <p:cTn id="9" presetID="1" presetClass="entr" presetSubtype="0" fill="hold" nodeType="withEffect">
+                                  <p:stCondLst>
+                                    <p:cond delay="0"/>
+                                  </p:stCondLst>
+                                  <p:childTnLst>
+                                    <p:set>
+                                      <p:cBhvr>
+                                        <p:cTn id="10" dur="1" fill="hold">
+                                          <p:stCondLst>
+                                            <p:cond delay="0"/>
+                                          </p:stCondLst>
+                                        </p:cTn>
+                                        <p:tgtEl>
+                                          <p:spTgt spid="2">
+                                            <p:txEl>
+                                              <p:pRg st="2" end="2"/>
+                                            </p:txEl>
+                                          </p:spTgt>
+                                        </p:tgtEl>
+                                        <p:attrNameLst>
+                                          <p:attrName>style.visibility</p:attrName>
+                                        </p:attrNameLst>
+                                      </p:cBhvr>
+                                      <p:to>
+                                        <p:strVal val="visible"/>
+                                      </p:to>
+                                    </p:set>
+                                  </p:childTnLst>
+                                </p:cTn>
+                              </p:par>
+                              <p:par>
+                                <p:cTn id="11" presetID="1" presetClass="entr" presetSubtype="0" fill="hold" nodeType="withEffect">
+                                  <p:stCondLst>
+                                    <p:cond delay="0"/>
+                                  </p:stCondLst>
+                                  <p:childTnLst>
+                                    <p:set>
+                                      <p:cBhvr>
+                                        <p:cTn id="12" dur="1" fill="hold">
+                                          <p:stCondLst>
+                                            <p:cond delay="0"/>
+                                          </p:stCondLst>
+                                        </p:cTn>
+                                        <p:tgtEl>
+                                          <p:spTgt spid="2">
+                                            <p:txEl>
+                                              <p:pRg st="3" end="3"/>
+                                            </p:txEl>
+                                          </p:spTgt>
+                                        </p:tgtEl>
+                                        <p:attrNameLst>
+                                          <p:attrName>style.visibility</p:attrName>
+                                        </p:attrNameLst>
+                                      </p:cBhvr>
+                                      <p:to>
+                                        <p:strVal val="visible"/>
+                                      </p:to>
+                                    </p:set>
+                                  </p:childTnLst>
+                                </p:cTn>
+                              </p:par>
+                              <p:par>
+                                <p:cTn id="13" presetID="1" presetClass="entr" presetSubtype="0" fill="hold" nodeType="withEffect">
+                                  <p:stCondLst>
+                                    <p:cond delay="0"/>
+                                  </p:stCondLst>
+                                  <p:childTnLst>
+                                    <p:set>
+                                      <p:cBhvr>
+                                        <p:cTn id="14" dur="1" fill="hold">
+                                          <p:stCondLst>
+                                            <p:cond delay="0"/>
+                                          </p:stCondLst>
+                                        </p:cTn>
+                                        <p:tgtEl>
+                                          <p:spTgt spid="2">
+                                            <p:txEl>
+                                              <p:pRg st="4" end="4"/>
+                                            </p:txEl>
+                                          </p:spTgt>
+                                        </p:tgtEl>
+                                        <p:attrNameLst>
+                                          <p:attrName>style.visibility</p:attrName>
+                                        </p:attrNameLst>
+                                      </p:cBhvr>
+                                      <p:to>
+                                        <p:strVal val="visible"/>
+                                      </p:to>
+                                    </p:set>
+                                  </p:childTnLst>
+                                </p:cTn>
+                              </p:par>
+                            </p:childTnLst>
+                          </p:cTn>
+                        </p:par>
+                      </p:childTnLst>
+                    </p:cTn>
+                  </p:par>
+                </p:childTnLst>
+              </p:cTn>
+              <p:prevCondLst>
+                <p:cond evt="onPrev" delay="0">
+                  <p:tgtEl>
+                    <p:sldTgt/>
+                  </p:tgtEl>
+                </p:cond>
+              </p:prevCondLst>
+              <p:nextCondLst>
+                <p:cond evt="onNext" delay="0">
+                  <p:tgtEl>
+                    <p:sldTgt/>
+                  </p:tgtEl>
+                </p:cond>
+              </p:nextCondLst>
+            </p:seq>
+          </p:childTnLst>
+        </p:cTn>
+      </p:par>
+    </p:tnLst>
+  </p:timing>
+</p:sld>
+</file>
+
+<file path=ppt/slides/slide21.xml><?xml version="1.0" encoding="utf-8"?>
+<p:sld xmlns:a="http://schemas.openxmlformats.org/drawingml/2006/main" xmlns:r="http://schemas.openxmlformats.org/officeDocument/2006/relationships" xmlns:p="http://schemas.openxmlformats.org/presentationml/2006/main">
+  <p:cSld>
+    <p:spTree>
+      <p:nvGrpSpPr>
+        <p:cNvPr id="1" name=""/>
+        <p:cNvGrpSpPr/>
+        <p:nvPr/>
+      </p:nvGrpSpPr>
+      <p:grpSpPr>
+        <a:xfrm>
+          <a:off x="0" y="0"/>
+          <a:ext cx="0" cy="0"/>
+          <a:chOff x="0" y="0"/>
+          <a:chExt cx="0" cy="0"/>
+        </a:xfrm>
+      </p:grpSpPr>
+      <p:sp>
+        <p:nvSpPr>
+          <p:cNvPr id="10241" name="Title 1"/>
+          <p:cNvSpPr>
+            <a:spLocks noGrp="1"/>
+          </p:cNvSpPr>
+          <p:nvPr>
+            <p:ph type="title"/>
+          </p:nvPr>
+        </p:nvSpPr>
+        <p:spPr/>
+        <p:txBody>
+          <a:bodyPr/>
+          <a:lstStyle/>
+          <a:p>
+            <a:r>
+              <a:rPr lang="en-US" dirty="0" smtClean="0"/>
+              <a:t>Questions?</a:t>
+            </a:r>
+            <a:endParaRPr lang="en-US" dirty="0"/>
+          </a:p>
+        </p:txBody>
+      </p:sp>
+      <p:sp>
+        <p:nvSpPr>
+          <p:cNvPr id="3" name="Slide Number Placeholder 2"/>
+          <p:cNvSpPr>
+            <a:spLocks noGrp="1"/>
+          </p:cNvSpPr>
+          <p:nvPr>
+            <p:ph type="sldNum" sz="quarter" idx="10"/>
+          </p:nvPr>
+        </p:nvSpPr>
+        <p:spPr/>
+        <p:txBody>
+          <a:bodyPr/>
+          <a:lstStyle/>
+          <a:p>
+            <a:pPr>
+              <a:defRPr/>
+            </a:pPr>
+            <a:fld id="{54D80F8A-463A-4890-BC87-BDB129B2791E}" type="slidenum">
+              <a:rPr lang="en-US" smtClean="0"/>
+              <a:pPr>
+                <a:defRPr/>
+              </a:pPr>
+              <a:t>21</a:t>
+            </a:fld>
+            <a:endParaRPr lang="en-US"/>
+          </a:p>
+        </p:txBody>
+      </p:sp>
+    </p:spTree>
+    <p:extLst>
+      <p:ext uri="{BB962C8B-B14F-4D97-AF65-F5344CB8AC3E}">
+        <p14:creationId xmlns:p14="http://schemas.microsoft.com/office/powerpoint/2010/main" val="3105989873"/>
+      </p:ext>
+    </p:extLst>
+  </p:cSld>
+  <p:clrMapOvr>
+    <a:masterClrMapping/>
+  </p:clrMapOvr>
+  <p:transition/>
+  <p:timing>
+    <p:tnLst>
+      <p:par>
+        <p:cTn id="1" dur="indefinite" restart="never" nodeType="tmRoot"/>
+      </p:par>
+    </p:tnLst>
+  </p:timing>
+</p:sld>
+</file>
+
 <file path=ppt/slides/slide3.xml><?xml version="1.0" encoding="utf-8"?>
 <p:sld xmlns:a="http://schemas.openxmlformats.org/drawingml/2006/main" xmlns:r="http://schemas.openxmlformats.org/officeDocument/2006/relationships" xmlns:p="http://schemas.openxmlformats.org/presentationml/2006/main">
   <p:cSld>
@@ -7761,8 +12998,8 @@
           </a:p>
         </p:txBody>
       </p:sp>
-      <mc:AlternateContent xmlns:mc="http://schemas.openxmlformats.org/markup-compatibility/2006">
-        <mc:Choice xmlns:a14="http://schemas.microsoft.com/office/drawing/2010/main" Requires="a14">
+      <mc:AlternateContent xmlns:mc="http://schemas.openxmlformats.org/markup-compatibility/2006" xmlns:a14="http://schemas.microsoft.com/office/drawing/2010/main">
+        <mc:Choice Requires="a14">
           <p:sp>
             <p:nvSpPr>
               <p:cNvPr id="3" name="Content Placeholder 2"/>
@@ -7920,6 +13157,7 @@
                     </m:f>
                     <m:r>
                       <a:rPr lang="en-US" dirty="0">
+                        <a:latin typeface="Cambria Math" panose="02040503050406030204" pitchFamily="18" charset="0"/>
                         <a:ea typeface="Cambria Math" panose="02040503050406030204" pitchFamily="18" charset="0"/>
                       </a:rPr>
                       <m:t>≤</m:t>
@@ -7957,7 +13195,7 @@
             </p:txBody>
           </p:sp>
         </mc:Choice>
-        <mc:Fallback>
+        <mc:Fallback xmlns="">
           <p:sp>
             <p:nvSpPr>
               <p:cNvPr id="3" name="Content Placeholder 2"/>
@@ -8676,8 +13914,8 @@
           <a:chExt cx="0" cy="0"/>
         </a:xfrm>
       </p:grpSpPr>
-      <mc:AlternateContent xmlns:mc="http://schemas.openxmlformats.org/markup-compatibility/2006">
-        <mc:Choice xmlns:a14="http://schemas.microsoft.com/office/drawing/2010/main" Requires="a14">
+      <mc:AlternateContent xmlns:mc="http://schemas.openxmlformats.org/markup-compatibility/2006" xmlns:a14="http://schemas.microsoft.com/office/drawing/2010/main">
+        <mc:Choice Requires="a14">
           <p:sp>
             <p:nvSpPr>
               <p:cNvPr id="2" name="Content Placeholder 1"/>
@@ -8776,7 +14014,7 @@
             </p:txBody>
           </p:sp>
         </mc:Choice>
-        <mc:Fallback>
+        <mc:Fallback xmlns="">
           <p:sp>
             <p:nvSpPr>
               <p:cNvPr id="2" name="Content Placeholder 1"/>

--- a/Report/HPGe_Automation Optimization_MCNP_Model.pptx
+++ b/Report/HPGe_Automation Optimization_MCNP_Model.pptx
@@ -6474,7 +6474,6 @@
               <a:rPr lang="en-US" dirty="0" smtClean="0"/>
               <a:t>Top View:</a:t>
             </a:r>
-            <a:endParaRPr lang="en-US" dirty="0" smtClean="0"/>
           </a:p>
         </p:txBody>
       </p:sp>
@@ -10492,7 +10491,6 @@
               <a:rPr lang="en-US" dirty="0" smtClean="0"/>
               <a:t>Gaussian broadening off</a:t>
             </a:r>
-            <a:endParaRPr lang="en-US" dirty="0" smtClean="0"/>
           </a:p>
           <a:p>
             <a:r>
@@ -10528,7 +10526,6 @@
               <a:rPr lang="en-US" dirty="0" smtClean="0"/>
               <a:t> - 3.14344 MeV)</a:t>
             </a:r>
-            <a:endParaRPr lang="en-US" dirty="0" smtClean="0"/>
           </a:p>
         </p:txBody>
       </p:sp>
@@ -10964,7 +10961,6 @@
               <a:rPr lang="en-US" dirty="0" smtClean="0"/>
               <a:t>Gaussian broadening off</a:t>
             </a:r>
-            <a:endParaRPr lang="en-US" dirty="0" smtClean="0"/>
           </a:p>
           <a:p>
             <a:r>
@@ -11000,7 +10996,6 @@
               <a:rPr lang="en-US" dirty="0" smtClean="0"/>
               <a:t> - 3.14344 MeV)</a:t>
             </a:r>
-            <a:endParaRPr lang="en-US" dirty="0" smtClean="0"/>
           </a:p>
         </p:txBody>
       </p:sp>
@@ -11020,12 +11015,12 @@
           <a:lstStyle/>
           <a:p>
             <a:r>
-              <a:rPr lang="en-US" dirty="0" err="1" smtClean="0"/>
-              <a:t>Paremeters</a:t>
-            </a:r>
-            <a:r>
-              <a:rPr lang="en-US" smtClean="0"/>
-              <a:t> to Adjust</a:t>
+              <a:rPr lang="en-US" dirty="0" smtClean="0"/>
+              <a:t>Parameters </a:t>
+            </a:r>
+            <a:r>
+              <a:rPr lang="en-US" dirty="0" smtClean="0"/>
+              <a:t>to Adjust</a:t>
             </a:r>
             <a:endParaRPr lang="en-US" dirty="0"/>
           </a:p>
@@ -12088,8 +12083,13 @@
           <a:p>
             <a:r>
               <a:rPr lang="en-US" dirty="0" smtClean="0"/>
-              <a:t>Project Goal</a:t>
-            </a:r>
+              <a:t>Project </a:t>
+            </a:r>
+            <a:r>
+              <a:rPr lang="en-US" dirty="0" smtClean="0"/>
+              <a:t>Goals</a:t>
+            </a:r>
+            <a:endParaRPr lang="en-US" dirty="0" smtClean="0"/>
           </a:p>
           <a:p>
             <a:r>
@@ -12998,8 +12998,8 @@
           </a:p>
         </p:txBody>
       </p:sp>
-      <mc:AlternateContent xmlns:mc="http://schemas.openxmlformats.org/markup-compatibility/2006" xmlns:a14="http://schemas.microsoft.com/office/drawing/2010/main">
-        <mc:Choice Requires="a14">
+      <mc:AlternateContent xmlns:mc="http://schemas.openxmlformats.org/markup-compatibility/2006">
+        <mc:Choice xmlns:a14="http://schemas.microsoft.com/office/drawing/2010/main" Requires="a14">
           <p:sp>
             <p:nvSpPr>
               <p:cNvPr id="3" name="Content Placeholder 2"/>
@@ -13017,13 +13017,37 @@
               <a:p>
                 <a:r>
                   <a:rPr lang="en-US" dirty="0" smtClean="0"/>
-                  <a:t>Build a model of a High-Purity Germanium (HPGe) Detector using MCNP</a:t>
+                  <a:t>Build </a:t>
+                </a:r>
+                <a:r>
+                  <a:rPr lang="en-US" dirty="0" smtClean="0"/>
+                  <a:t>a High-Purity </a:t>
+                </a:r>
+                <a:r>
+                  <a:rPr lang="en-US" dirty="0" smtClean="0"/>
+                  <a:t>Germanium (HPGe) </a:t>
+                </a:r>
+                <a:r>
+                  <a:rPr lang="en-US" dirty="0" smtClean="0"/>
+                  <a:t>Monte Carlo N-Particle model</a:t>
                 </a:r>
               </a:p>
               <a:p>
                 <a:r>
                   <a:rPr lang="en-US" dirty="0" smtClean="0"/>
-                  <a:t>Create a parametric automated optimization code to match experimental and simulated efficiencies </a:t>
+                  <a:t>Create an </a:t>
+                </a:r>
+                <a:r>
+                  <a:rPr lang="en-US" dirty="0" smtClean="0"/>
+                  <a:t>automated parametric </a:t>
+                </a:r>
+                <a:r>
+                  <a:rPr lang="en-US" dirty="0"/>
+                  <a:t>optimization </a:t>
+                </a:r>
+                <a:r>
+                  <a:rPr lang="en-US" dirty="0" smtClean="0"/>
+                  <a:t>code to match experimental and simulated efficiencies </a:t>
                 </a:r>
               </a:p>
               <a:p>
@@ -13195,7 +13219,7 @@
             </p:txBody>
           </p:sp>
         </mc:Choice>
-        <mc:Fallback xmlns="">
+        <mc:Fallback>
           <p:sp>
             <p:nvSpPr>
               <p:cNvPr id="3" name="Content Placeholder 2"/>
@@ -13210,7 +13234,7 @@
               <a:blipFill rotWithShape="0">
                 <a:blip r:embed="rId2"/>
                 <a:stretch>
-                  <a:fillRect l="-929" t="-875" r="-1000"/>
+                  <a:fillRect l="-929" t="-875"/>
                 </a:stretch>
               </a:blipFill>
             </p:spPr>
@@ -13590,7 +13614,7 @@
         <p:spPr>
           <a:xfrm>
             <a:off x="304800" y="1295400"/>
-            <a:ext cx="8534400" cy="4876800"/>
+            <a:ext cx="4343400" cy="4876800"/>
           </a:xfrm>
         </p:spPr>
         <p:txBody>
@@ -13620,13 +13644,17 @@
           <a:p>
             <a:r>
               <a:rPr lang="en-US" dirty="0" smtClean="0"/>
-              <a:t>24-hour measurements</a:t>
+              <a:t>Count time = 24 hours</a:t>
             </a:r>
           </a:p>
           <a:p>
             <a:r>
               <a:rPr lang="en-US" dirty="0" smtClean="0"/>
-              <a:t>5 different source positions</a:t>
+              <a:t>5 </a:t>
+            </a:r>
+            <a:r>
+              <a:rPr lang="en-US" dirty="0" smtClean="0"/>
+              <a:t>different source positions</a:t>
             </a:r>
             <a:endParaRPr lang="en-US" dirty="0"/>
           </a:p>
@@ -13700,8 +13728,8 @@
         </p:blipFill>
         <p:spPr>
           <a:xfrm>
-            <a:off x="5257800" y="2438400"/>
-            <a:ext cx="2738438" cy="3370385"/>
+            <a:off x="5257800" y="1600200"/>
+            <a:ext cx="3171826" cy="3903785"/>
           </a:xfrm>
           <a:prstGeom prst="rect">
             <a:avLst/>

--- a/Report/HPGe_Automation Optimization_MCNP_Model.pptx
+++ b/Report/HPGe_Automation Optimization_MCNP_Model.pptx
@@ -5,10 +5,10 @@
     <p:sldMasterId id="2147483660" r:id="rId1"/>
   </p:sldMasterIdLst>
   <p:notesMasterIdLst>
-    <p:notesMasterId r:id="rId23"/>
+    <p:notesMasterId r:id="rId27"/>
   </p:notesMasterIdLst>
   <p:handoutMasterIdLst>
-    <p:handoutMasterId r:id="rId24"/>
+    <p:handoutMasterId r:id="rId28"/>
   </p:handoutMasterIdLst>
   <p:sldIdLst>
     <p:sldId id="256" r:id="rId2"/>
@@ -28,10 +28,14 @@
     <p:sldId id="350" r:id="rId16"/>
     <p:sldId id="366" r:id="rId17"/>
     <p:sldId id="368" r:id="rId18"/>
-    <p:sldId id="365" r:id="rId19"/>
-    <p:sldId id="351" r:id="rId20"/>
-    <p:sldId id="353" r:id="rId21"/>
-    <p:sldId id="349" r:id="rId22"/>
+    <p:sldId id="369" r:id="rId19"/>
+    <p:sldId id="370" r:id="rId20"/>
+    <p:sldId id="372" r:id="rId21"/>
+    <p:sldId id="371" r:id="rId22"/>
+    <p:sldId id="373" r:id="rId23"/>
+    <p:sldId id="351" r:id="rId24"/>
+    <p:sldId id="353" r:id="rId25"/>
+    <p:sldId id="349" r:id="rId26"/>
   </p:sldIdLst>
   <p:sldSz cx="9144000" cy="6858000" type="screen4x3"/>
   <p:notesSz cx="7010400" cy="9296400"/>
@@ -1662,7 +1666,7 @@
     </p:spTree>
     <p:extLst>
       <p:ext uri="{BB962C8B-B14F-4D97-AF65-F5344CB8AC3E}">
-        <p14:creationId xmlns:p14="http://schemas.microsoft.com/office/powerpoint/2010/main" val="79133694"/>
+        <p14:creationId xmlns:p14="http://schemas.microsoft.com/office/powerpoint/2010/main" val="3993471224"/>
       </p:ext>
     </p:extLst>
   </p:cSld>
@@ -1752,7 +1756,7 @@
     </p:spTree>
     <p:extLst>
       <p:ext uri="{BB962C8B-B14F-4D97-AF65-F5344CB8AC3E}">
-        <p14:creationId xmlns:p14="http://schemas.microsoft.com/office/powerpoint/2010/main" val="321018036"/>
+        <p14:creationId xmlns:p14="http://schemas.microsoft.com/office/powerpoint/2010/main" val="1791849842"/>
       </p:ext>
     </p:extLst>
   </p:cSld>
@@ -1833,7 +1837,7 @@
               <a:pPr>
                 <a:defRPr/>
               </a:pPr>
-              <a:t>20</a:t>
+              <a:t>21</a:t>
             </a:fld>
             <a:endParaRPr lang="en-US" dirty="0"/>
           </a:p>
@@ -1842,7 +1846,7 @@
     </p:spTree>
     <p:extLst>
       <p:ext uri="{BB962C8B-B14F-4D97-AF65-F5344CB8AC3E}">
-        <p14:creationId xmlns:p14="http://schemas.microsoft.com/office/powerpoint/2010/main" val="1197035683"/>
+        <p14:creationId xmlns:p14="http://schemas.microsoft.com/office/powerpoint/2010/main" val="4141483374"/>
       </p:ext>
     </p:extLst>
   </p:cSld>
@@ -2013,7 +2017,277 @@
               <a:pPr>
                 <a:defRPr/>
               </a:pPr>
-              <a:t>21</a:t>
+              <a:t>22</a:t>
+            </a:fld>
+            <a:endParaRPr lang="en-US" dirty="0"/>
+          </a:p>
+        </p:txBody>
+      </p:sp>
+    </p:spTree>
+    <p:extLst>
+      <p:ext uri="{BB962C8B-B14F-4D97-AF65-F5344CB8AC3E}">
+        <p14:creationId xmlns:p14="http://schemas.microsoft.com/office/powerpoint/2010/main" val="2319616952"/>
+      </p:ext>
+    </p:extLst>
+  </p:cSld>
+  <p:clrMapOvr>
+    <a:masterClrMapping/>
+  </p:clrMapOvr>
+</p:notes>
+</file>
+
+<file path=ppt/notesSlides/notesSlide21.xml><?xml version="1.0" encoding="utf-8"?>
+<p:notes xmlns:a="http://schemas.openxmlformats.org/drawingml/2006/main" xmlns:r="http://schemas.openxmlformats.org/officeDocument/2006/relationships" xmlns:p="http://schemas.openxmlformats.org/presentationml/2006/main">
+  <p:cSld>
+    <p:spTree>
+      <p:nvGrpSpPr>
+        <p:cNvPr id="1" name=""/>
+        <p:cNvGrpSpPr/>
+        <p:nvPr/>
+      </p:nvGrpSpPr>
+      <p:grpSpPr>
+        <a:xfrm>
+          <a:off x="0" y="0"/>
+          <a:ext cx="0" cy="0"/>
+          <a:chOff x="0" y="0"/>
+          <a:chExt cx="0" cy="0"/>
+        </a:xfrm>
+      </p:grpSpPr>
+      <p:sp>
+        <p:nvSpPr>
+          <p:cNvPr id="2" name="Slide Image Placeholder 1"/>
+          <p:cNvSpPr>
+            <a:spLocks noGrp="1" noRot="1" noChangeAspect="1"/>
+          </p:cNvSpPr>
+          <p:nvPr>
+            <p:ph type="sldImg"/>
+          </p:nvPr>
+        </p:nvSpPr>
+        <p:spPr/>
+      </p:sp>
+      <p:sp>
+        <p:nvSpPr>
+          <p:cNvPr id="3" name="Notes Placeholder 2"/>
+          <p:cNvSpPr>
+            <a:spLocks noGrp="1"/>
+          </p:cNvSpPr>
+          <p:nvPr>
+            <p:ph type="body" idx="1"/>
+          </p:nvPr>
+        </p:nvSpPr>
+        <p:spPr/>
+        <p:txBody>
+          <a:bodyPr/>
+          <a:lstStyle/>
+          <a:p>
+            <a:endParaRPr lang="en-US" dirty="0"/>
+          </a:p>
+        </p:txBody>
+      </p:sp>
+      <p:sp>
+        <p:nvSpPr>
+          <p:cNvPr id="4" name="Slide Number Placeholder 3"/>
+          <p:cNvSpPr>
+            <a:spLocks noGrp="1"/>
+          </p:cNvSpPr>
+          <p:nvPr>
+            <p:ph type="sldNum" sz="quarter" idx="10"/>
+          </p:nvPr>
+        </p:nvSpPr>
+        <p:spPr/>
+        <p:txBody>
+          <a:bodyPr/>
+          <a:lstStyle/>
+          <a:p>
+            <a:pPr>
+              <a:defRPr/>
+            </a:pPr>
+            <a:fld id="{1F6B3159-B396-4F1D-8D6C-858A85A1524C}" type="slidenum">
+              <a:rPr lang="en-US" smtClean="0"/>
+              <a:pPr>
+                <a:defRPr/>
+              </a:pPr>
+              <a:t>23</a:t>
+            </a:fld>
+            <a:endParaRPr lang="en-US" dirty="0"/>
+          </a:p>
+        </p:txBody>
+      </p:sp>
+    </p:spTree>
+    <p:extLst>
+      <p:ext uri="{BB962C8B-B14F-4D97-AF65-F5344CB8AC3E}">
+        <p14:creationId xmlns:p14="http://schemas.microsoft.com/office/powerpoint/2010/main" val="321018036"/>
+      </p:ext>
+    </p:extLst>
+  </p:cSld>
+  <p:clrMapOvr>
+    <a:masterClrMapping/>
+  </p:clrMapOvr>
+</p:notes>
+</file>
+
+<file path=ppt/notesSlides/notesSlide22.xml><?xml version="1.0" encoding="utf-8"?>
+<p:notes xmlns:a="http://schemas.openxmlformats.org/drawingml/2006/main" xmlns:r="http://schemas.openxmlformats.org/officeDocument/2006/relationships" xmlns:p="http://schemas.openxmlformats.org/presentationml/2006/main">
+  <p:cSld>
+    <p:spTree>
+      <p:nvGrpSpPr>
+        <p:cNvPr id="1" name=""/>
+        <p:cNvGrpSpPr/>
+        <p:nvPr/>
+      </p:nvGrpSpPr>
+      <p:grpSpPr>
+        <a:xfrm>
+          <a:off x="0" y="0"/>
+          <a:ext cx="0" cy="0"/>
+          <a:chOff x="0" y="0"/>
+          <a:chExt cx="0" cy="0"/>
+        </a:xfrm>
+      </p:grpSpPr>
+      <p:sp>
+        <p:nvSpPr>
+          <p:cNvPr id="2" name="Slide Image Placeholder 1"/>
+          <p:cNvSpPr>
+            <a:spLocks noGrp="1" noRot="1" noChangeAspect="1"/>
+          </p:cNvSpPr>
+          <p:nvPr>
+            <p:ph type="sldImg"/>
+          </p:nvPr>
+        </p:nvSpPr>
+        <p:spPr/>
+      </p:sp>
+      <p:sp>
+        <p:nvSpPr>
+          <p:cNvPr id="3" name="Notes Placeholder 2"/>
+          <p:cNvSpPr>
+            <a:spLocks noGrp="1"/>
+          </p:cNvSpPr>
+          <p:nvPr>
+            <p:ph type="body" idx="1"/>
+          </p:nvPr>
+        </p:nvSpPr>
+        <p:spPr/>
+        <p:txBody>
+          <a:bodyPr/>
+          <a:lstStyle/>
+          <a:p>
+            <a:endParaRPr lang="en-US" dirty="0"/>
+          </a:p>
+        </p:txBody>
+      </p:sp>
+      <p:sp>
+        <p:nvSpPr>
+          <p:cNvPr id="4" name="Slide Number Placeholder 3"/>
+          <p:cNvSpPr>
+            <a:spLocks noGrp="1"/>
+          </p:cNvSpPr>
+          <p:nvPr>
+            <p:ph type="sldNum" sz="quarter" idx="10"/>
+          </p:nvPr>
+        </p:nvSpPr>
+        <p:spPr/>
+        <p:txBody>
+          <a:bodyPr/>
+          <a:lstStyle/>
+          <a:p>
+            <a:pPr>
+              <a:defRPr/>
+            </a:pPr>
+            <a:fld id="{1F6B3159-B396-4F1D-8D6C-858A85A1524C}" type="slidenum">
+              <a:rPr lang="en-US" smtClean="0"/>
+              <a:pPr>
+                <a:defRPr/>
+              </a:pPr>
+              <a:t>24</a:t>
+            </a:fld>
+            <a:endParaRPr lang="en-US" dirty="0"/>
+          </a:p>
+        </p:txBody>
+      </p:sp>
+    </p:spTree>
+    <p:extLst>
+      <p:ext uri="{BB962C8B-B14F-4D97-AF65-F5344CB8AC3E}">
+        <p14:creationId xmlns:p14="http://schemas.microsoft.com/office/powerpoint/2010/main" val="1197035683"/>
+      </p:ext>
+    </p:extLst>
+  </p:cSld>
+  <p:clrMapOvr>
+    <a:masterClrMapping/>
+  </p:clrMapOvr>
+</p:notes>
+</file>
+
+<file path=ppt/notesSlides/notesSlide23.xml><?xml version="1.0" encoding="utf-8"?>
+<p:notes xmlns:a="http://schemas.openxmlformats.org/drawingml/2006/main" xmlns:r="http://schemas.openxmlformats.org/officeDocument/2006/relationships" xmlns:p="http://schemas.openxmlformats.org/presentationml/2006/main">
+  <p:cSld>
+    <p:spTree>
+      <p:nvGrpSpPr>
+        <p:cNvPr id="1" name=""/>
+        <p:cNvGrpSpPr/>
+        <p:nvPr/>
+      </p:nvGrpSpPr>
+      <p:grpSpPr>
+        <a:xfrm>
+          <a:off x="0" y="0"/>
+          <a:ext cx="0" cy="0"/>
+          <a:chOff x="0" y="0"/>
+          <a:chExt cx="0" cy="0"/>
+        </a:xfrm>
+      </p:grpSpPr>
+      <p:sp>
+        <p:nvSpPr>
+          <p:cNvPr id="2" name="Slide Image Placeholder 1"/>
+          <p:cNvSpPr>
+            <a:spLocks noGrp="1" noRot="1" noChangeAspect="1"/>
+          </p:cNvSpPr>
+          <p:nvPr>
+            <p:ph type="sldImg"/>
+          </p:nvPr>
+        </p:nvSpPr>
+        <p:spPr/>
+      </p:sp>
+      <p:sp>
+        <p:nvSpPr>
+          <p:cNvPr id="3" name="Notes Placeholder 2"/>
+          <p:cNvSpPr>
+            <a:spLocks noGrp="1"/>
+          </p:cNvSpPr>
+          <p:nvPr>
+            <p:ph type="body" idx="1"/>
+          </p:nvPr>
+        </p:nvSpPr>
+        <p:spPr/>
+        <p:txBody>
+          <a:bodyPr/>
+          <a:lstStyle/>
+          <a:p>
+            <a:endParaRPr lang="en-US" dirty="0"/>
+          </a:p>
+        </p:txBody>
+      </p:sp>
+      <p:sp>
+        <p:nvSpPr>
+          <p:cNvPr id="4" name="Slide Number Placeholder 3"/>
+          <p:cNvSpPr>
+            <a:spLocks noGrp="1"/>
+          </p:cNvSpPr>
+          <p:nvPr>
+            <p:ph type="sldNum" sz="quarter" idx="10"/>
+          </p:nvPr>
+        </p:nvSpPr>
+        <p:spPr/>
+        <p:txBody>
+          <a:bodyPr/>
+          <a:lstStyle/>
+          <a:p>
+            <a:pPr>
+              <a:defRPr/>
+            </a:pPr>
+            <a:fld id="{1F6B3159-B396-4F1D-8D6C-858A85A1524C}" type="slidenum">
+              <a:rPr lang="en-US" smtClean="0"/>
+              <a:pPr>
+                <a:defRPr/>
+              </a:pPr>
+              <a:t>25</a:t>
             </a:fld>
             <a:endParaRPr lang="en-US" dirty="0"/>
           </a:p>
@@ -2076,46 +2350,7 @@
           <a:bodyPr/>
           <a:lstStyle/>
           <a:p>
-            <a:r>
-              <a:rPr lang="en-US" dirty="0" smtClean="0"/>
-              <a:t>[1] Ronald Keyser</a:t>
-            </a:r>
-          </a:p>
-          <a:p>
             <a:endParaRPr lang="en-US" dirty="0" smtClean="0"/>
-          </a:p>
-          <a:p>
-            <a:r>
-              <a:rPr lang="en-US" dirty="0" smtClean="0"/>
-              <a:t>[2]</a:t>
-            </a:r>
-            <a:r>
-              <a:rPr lang="en-US" baseline="0" dirty="0" smtClean="0"/>
-              <a:t> </a:t>
-            </a:r>
-            <a:r>
-              <a:rPr lang="en-US" dirty="0" smtClean="0"/>
-              <a:t>https://cyclotron.tamu.edu/progress-reports/2002-2003/1%20Nuclear%20Structure,%20Fundamental%20Interactions,%20and%20Astrophysics/I-28%20Precise%20efficiency%20calibration%20of%20an%20HPGe%20detector.pdf</a:t>
-            </a:r>
-          </a:p>
-          <a:p>
-            <a:endParaRPr lang="en-US" dirty="0" smtClean="0"/>
-          </a:p>
-          <a:p>
-            <a:r>
-              <a:rPr lang="en-US" dirty="0" smtClean="0"/>
-              <a:t>[3]http://www.iaea.org/inis/collection/NCLCollectionStore/_Public/42/107/42107607.pdf</a:t>
-            </a:r>
-          </a:p>
-          <a:p>
-            <a:endParaRPr lang="en-US" dirty="0" smtClean="0"/>
-          </a:p>
-          <a:p>
-            <a:r>
-              <a:rPr lang="en-US" dirty="0" smtClean="0"/>
-              <a:t>[4] Knoll’s</a:t>
-            </a:r>
-            <a:endParaRPr lang="en-US" dirty="0"/>
           </a:p>
         </p:txBody>
       </p:sp>
@@ -2205,45 +2440,6 @@
           <a:bodyPr/>
           <a:lstStyle/>
           <a:p>
-            <a:r>
-              <a:rPr lang="en-US" dirty="0" smtClean="0"/>
-              <a:t>[1] Ronald Keyser</a:t>
-            </a:r>
-          </a:p>
-          <a:p>
-            <a:endParaRPr lang="en-US" dirty="0" smtClean="0"/>
-          </a:p>
-          <a:p>
-            <a:r>
-              <a:rPr lang="en-US" dirty="0" smtClean="0"/>
-              <a:t>[2]</a:t>
-            </a:r>
-            <a:r>
-              <a:rPr lang="en-US" baseline="0" dirty="0" smtClean="0"/>
-              <a:t> </a:t>
-            </a:r>
-            <a:r>
-              <a:rPr lang="en-US" dirty="0" smtClean="0"/>
-              <a:t>https://cyclotron.tamu.edu/progress-reports/2002-2003/1%20Nuclear%20Structure,%20Fundamental%20Interactions,%20and%20Astrophysics/I-28%20Precise%20efficiency%20calibration%20of%20an%20HPGe%20detector.pdf</a:t>
-            </a:r>
-          </a:p>
-          <a:p>
-            <a:endParaRPr lang="en-US" dirty="0" smtClean="0"/>
-          </a:p>
-          <a:p>
-            <a:r>
-              <a:rPr lang="en-US" dirty="0" smtClean="0"/>
-              <a:t>[3]http://www.iaea.org/inis/collection/NCLCollectionStore/_Public/42/107/42107607.pdf</a:t>
-            </a:r>
-          </a:p>
-          <a:p>
-            <a:endParaRPr lang="en-US" dirty="0" smtClean="0"/>
-          </a:p>
-          <a:p>
-            <a:r>
-              <a:rPr lang="en-US" dirty="0" smtClean="0"/>
-              <a:t>[4] Knoll’s</a:t>
-            </a:r>
             <a:endParaRPr lang="en-US" dirty="0"/>
           </a:p>
         </p:txBody>
@@ -2334,45 +2530,6 @@
           <a:bodyPr/>
           <a:lstStyle/>
           <a:p>
-            <a:r>
-              <a:rPr lang="en-US" dirty="0" smtClean="0"/>
-              <a:t>[1] Ronald Keyser</a:t>
-            </a:r>
-          </a:p>
-          <a:p>
-            <a:endParaRPr lang="en-US" dirty="0" smtClean="0"/>
-          </a:p>
-          <a:p>
-            <a:r>
-              <a:rPr lang="en-US" dirty="0" smtClean="0"/>
-              <a:t>[2]</a:t>
-            </a:r>
-            <a:r>
-              <a:rPr lang="en-US" baseline="0" dirty="0" smtClean="0"/>
-              <a:t> </a:t>
-            </a:r>
-            <a:r>
-              <a:rPr lang="en-US" dirty="0" smtClean="0"/>
-              <a:t>https://cyclotron.tamu.edu/progress-reports/2002-2003/1%20Nuclear%20Structure,%20Fundamental%20Interactions,%20and%20Astrophysics/I-28%20Precise%20efficiency%20calibration%20of%20an%20HPGe%20detector.pdf</a:t>
-            </a:r>
-          </a:p>
-          <a:p>
-            <a:endParaRPr lang="en-US" dirty="0" smtClean="0"/>
-          </a:p>
-          <a:p>
-            <a:r>
-              <a:rPr lang="en-US" dirty="0" smtClean="0"/>
-              <a:t>[3]http://www.iaea.org/inis/collection/NCLCollectionStore/_Public/42/107/42107607.pdf</a:t>
-            </a:r>
-          </a:p>
-          <a:p>
-            <a:endParaRPr lang="en-US" dirty="0" smtClean="0"/>
-          </a:p>
-          <a:p>
-            <a:r>
-              <a:rPr lang="en-US" dirty="0" smtClean="0"/>
-              <a:t>[4] Knoll’s</a:t>
-            </a:r>
             <a:endParaRPr lang="en-US" dirty="0"/>
           </a:p>
         </p:txBody>
@@ -2463,45 +2620,6 @@
           <a:bodyPr/>
           <a:lstStyle/>
           <a:p>
-            <a:r>
-              <a:rPr lang="en-US" dirty="0" smtClean="0"/>
-              <a:t>[1] Ronald Keyser</a:t>
-            </a:r>
-          </a:p>
-          <a:p>
-            <a:endParaRPr lang="en-US" dirty="0" smtClean="0"/>
-          </a:p>
-          <a:p>
-            <a:r>
-              <a:rPr lang="en-US" dirty="0" smtClean="0"/>
-              <a:t>[2]</a:t>
-            </a:r>
-            <a:r>
-              <a:rPr lang="en-US" baseline="0" dirty="0" smtClean="0"/>
-              <a:t> </a:t>
-            </a:r>
-            <a:r>
-              <a:rPr lang="en-US" dirty="0" smtClean="0"/>
-              <a:t>https://cyclotron.tamu.edu/progress-reports/2002-2003/1%20Nuclear%20Structure,%20Fundamental%20Interactions,%20and%20Astrophysics/I-28%20Precise%20efficiency%20calibration%20of%20an%20HPGe%20detector.pdf</a:t>
-            </a:r>
-          </a:p>
-          <a:p>
-            <a:endParaRPr lang="en-US" dirty="0" smtClean="0"/>
-          </a:p>
-          <a:p>
-            <a:r>
-              <a:rPr lang="en-US" dirty="0" smtClean="0"/>
-              <a:t>[3]http://www.iaea.org/inis/collection/NCLCollectionStore/_Public/42/107/42107607.pdf</a:t>
-            </a:r>
-          </a:p>
-          <a:p>
-            <a:endParaRPr lang="en-US" dirty="0" smtClean="0"/>
-          </a:p>
-          <a:p>
-            <a:r>
-              <a:rPr lang="en-US" dirty="0" smtClean="0"/>
-              <a:t>[4] Knoll’s</a:t>
-            </a:r>
             <a:endParaRPr lang="en-US" dirty="0"/>
           </a:p>
         </p:txBody>
@@ -2592,45 +2710,6 @@
           <a:bodyPr/>
           <a:lstStyle/>
           <a:p>
-            <a:r>
-              <a:rPr lang="en-US" dirty="0" smtClean="0"/>
-              <a:t>[1] Ronald Keyser</a:t>
-            </a:r>
-          </a:p>
-          <a:p>
-            <a:endParaRPr lang="en-US" dirty="0" smtClean="0"/>
-          </a:p>
-          <a:p>
-            <a:r>
-              <a:rPr lang="en-US" dirty="0" smtClean="0"/>
-              <a:t>[2]</a:t>
-            </a:r>
-            <a:r>
-              <a:rPr lang="en-US" baseline="0" dirty="0" smtClean="0"/>
-              <a:t> </a:t>
-            </a:r>
-            <a:r>
-              <a:rPr lang="en-US" dirty="0" smtClean="0"/>
-              <a:t>https://cyclotron.tamu.edu/progress-reports/2002-2003/1%20Nuclear%20Structure,%20Fundamental%20Interactions,%20and%20Astrophysics/I-28%20Precise%20efficiency%20calibration%20of%20an%20HPGe%20detector.pdf</a:t>
-            </a:r>
-          </a:p>
-          <a:p>
-            <a:endParaRPr lang="en-US" dirty="0" smtClean="0"/>
-          </a:p>
-          <a:p>
-            <a:r>
-              <a:rPr lang="en-US" dirty="0" smtClean="0"/>
-              <a:t>[3]http://www.iaea.org/inis/collection/NCLCollectionStore/_Public/42/107/42107607.pdf</a:t>
-            </a:r>
-          </a:p>
-          <a:p>
-            <a:endParaRPr lang="en-US" dirty="0" smtClean="0"/>
-          </a:p>
-          <a:p>
-            <a:r>
-              <a:rPr lang="en-US" dirty="0" smtClean="0"/>
-              <a:t>[4] Knoll’s</a:t>
-            </a:r>
             <a:endParaRPr lang="en-US" dirty="0"/>
           </a:p>
         </p:txBody>
@@ -2721,45 +2800,6 @@
           <a:bodyPr/>
           <a:lstStyle/>
           <a:p>
-            <a:r>
-              <a:rPr lang="en-US" dirty="0" smtClean="0"/>
-              <a:t>[1] Ronald Keyser</a:t>
-            </a:r>
-          </a:p>
-          <a:p>
-            <a:endParaRPr lang="en-US" dirty="0" smtClean="0"/>
-          </a:p>
-          <a:p>
-            <a:r>
-              <a:rPr lang="en-US" dirty="0" smtClean="0"/>
-              <a:t>[2]</a:t>
-            </a:r>
-            <a:r>
-              <a:rPr lang="en-US" baseline="0" dirty="0" smtClean="0"/>
-              <a:t> </a:t>
-            </a:r>
-            <a:r>
-              <a:rPr lang="en-US" dirty="0" smtClean="0"/>
-              <a:t>https://cyclotron.tamu.edu/progress-reports/2002-2003/1%20Nuclear%20Structure,%20Fundamental%20Interactions,%20and%20Astrophysics/I-28%20Precise%20efficiency%20calibration%20of%20an%20HPGe%20detector.pdf</a:t>
-            </a:r>
-          </a:p>
-          <a:p>
-            <a:endParaRPr lang="en-US" dirty="0" smtClean="0"/>
-          </a:p>
-          <a:p>
-            <a:r>
-              <a:rPr lang="en-US" dirty="0" smtClean="0"/>
-              <a:t>[3]http://www.iaea.org/inis/collection/NCLCollectionStore/_Public/42/107/42107607.pdf</a:t>
-            </a:r>
-          </a:p>
-          <a:p>
-            <a:endParaRPr lang="en-US" dirty="0" smtClean="0"/>
-          </a:p>
-          <a:p>
-            <a:r>
-              <a:rPr lang="en-US" dirty="0" smtClean="0"/>
-              <a:t>[4] Knoll’s</a:t>
-            </a:r>
             <a:endParaRPr lang="en-US" dirty="0"/>
           </a:p>
         </p:txBody>
@@ -2850,45 +2890,6 @@
           <a:bodyPr/>
           <a:lstStyle/>
           <a:p>
-            <a:r>
-              <a:rPr lang="en-US" dirty="0" smtClean="0"/>
-              <a:t>[1] Ronald Keyser</a:t>
-            </a:r>
-          </a:p>
-          <a:p>
-            <a:endParaRPr lang="en-US" dirty="0" smtClean="0"/>
-          </a:p>
-          <a:p>
-            <a:r>
-              <a:rPr lang="en-US" dirty="0" smtClean="0"/>
-              <a:t>[2]</a:t>
-            </a:r>
-            <a:r>
-              <a:rPr lang="en-US" baseline="0" dirty="0" smtClean="0"/>
-              <a:t> </a:t>
-            </a:r>
-            <a:r>
-              <a:rPr lang="en-US" dirty="0" smtClean="0"/>
-              <a:t>https://cyclotron.tamu.edu/progress-reports/2002-2003/1%20Nuclear%20Structure,%20Fundamental%20Interactions,%20and%20Astrophysics/I-28%20Precise%20efficiency%20calibration%20of%20an%20HPGe%20detector.pdf</a:t>
-            </a:r>
-          </a:p>
-          <a:p>
-            <a:endParaRPr lang="en-US" dirty="0" smtClean="0"/>
-          </a:p>
-          <a:p>
-            <a:r>
-              <a:rPr lang="en-US" dirty="0" smtClean="0"/>
-              <a:t>[3]http://www.iaea.org/inis/collection/NCLCollectionStore/_Public/42/107/42107607.pdf</a:t>
-            </a:r>
-          </a:p>
-          <a:p>
-            <a:endParaRPr lang="en-US" dirty="0" smtClean="0"/>
-          </a:p>
-          <a:p>
-            <a:r>
-              <a:rPr lang="en-US" dirty="0" smtClean="0"/>
-              <a:t>[4] Knoll’s</a:t>
-            </a:r>
             <a:endParaRPr lang="en-US" dirty="0"/>
           </a:p>
         </p:txBody>
@@ -10074,17 +10075,11 @@
           <a:p>
             <a:r>
               <a:rPr lang="en-US" dirty="0" smtClean="0"/>
-              <a:t>Doppler broadening on</a:t>
+              <a:t>Doppler </a:t>
             </a:r>
-          </a:p>
-          <a:p>
             <a:r>
               <a:rPr lang="en-US" dirty="0" smtClean="0"/>
-              <a:t>No </a:t>
-            </a:r>
-            <a:r>
-              <a:rPr lang="en-US" dirty="0" err="1" smtClean="0"/>
-              <a:t>photofission</a:t>
+              <a:t>broadening</a:t>
             </a:r>
             <a:endParaRPr lang="en-US" dirty="0" smtClean="0"/>
           </a:p>
@@ -10348,37 +10343,6 @@
                                           <p:spTgt spid="2">
                                             <p:txEl>
                                               <p:pRg st="5" end="5"/>
-                                            </p:txEl>
-                                          </p:spTgt>
-                                        </p:tgtEl>
-                                        <p:attrNameLst>
-                                          <p:attrName>style.visibility</p:attrName>
-                                        </p:attrNameLst>
-                                      </p:cBhvr>
-                                      <p:to>
-                                        <p:strVal val="visible"/>
-                                      </p:to>
-                                    </p:set>
-                                  </p:childTnLst>
-                                </p:cTn>
-                              </p:par>
-                              <p:par>
-                                <p:cTn id="17" presetID="1" presetClass="entr" presetSubtype="0" fill="hold" nodeType="withEffect">
-                                  <p:stCondLst>
-                                    <p:cond delay="0"/>
-                                  </p:stCondLst>
-                                  <p:childTnLst>
-                                    <p:set>
-                                      <p:cBhvr>
-                                        <p:cTn id="18" dur="1" fill="hold">
-                                          <p:stCondLst>
-                                            <p:cond delay="0"/>
-                                          </p:stCondLst>
-                                        </p:cTn>
-                                        <p:tgtEl>
-                                          <p:spTgt spid="2">
-                                            <p:txEl>
-                                              <p:pRg st="6" end="6"/>
                                             </p:txEl>
                                           </p:spTgt>
                                         </p:tgtEl>
@@ -10913,6 +10877,1655 @@
       </p:grpSpPr>
       <p:sp>
         <p:nvSpPr>
+          <p:cNvPr id="10241" name="Title 1"/>
+          <p:cNvSpPr>
+            <a:spLocks noGrp="1"/>
+          </p:cNvSpPr>
+          <p:nvPr>
+            <p:ph type="title"/>
+          </p:nvPr>
+        </p:nvSpPr>
+        <p:spPr/>
+        <p:txBody>
+          <a:bodyPr/>
+          <a:lstStyle/>
+          <a:p>
+            <a:r>
+              <a:rPr lang="en-US" dirty="0" smtClean="0"/>
+              <a:t>Parameters to Adjust</a:t>
+            </a:r>
+            <a:endParaRPr lang="en-US" dirty="0"/>
+          </a:p>
+        </p:txBody>
+      </p:sp>
+      <p:sp>
+        <p:nvSpPr>
+          <p:cNvPr id="3" name="Slide Number Placeholder 2"/>
+          <p:cNvSpPr>
+            <a:spLocks noGrp="1"/>
+          </p:cNvSpPr>
+          <p:nvPr>
+            <p:ph type="sldNum" sz="quarter" idx="10"/>
+          </p:nvPr>
+        </p:nvSpPr>
+        <p:spPr/>
+        <p:txBody>
+          <a:bodyPr/>
+          <a:lstStyle/>
+          <a:p>
+            <a:pPr>
+              <a:defRPr/>
+            </a:pPr>
+            <a:fld id="{54D80F8A-463A-4890-BC87-BDB129B2791E}" type="slidenum">
+              <a:rPr lang="en-US" smtClean="0"/>
+              <a:pPr>
+                <a:defRPr/>
+              </a:pPr>
+              <a:t>17</a:t>
+            </a:fld>
+            <a:endParaRPr lang="en-US"/>
+          </a:p>
+        </p:txBody>
+      </p:sp>
+      <p:graphicFrame>
+        <p:nvGraphicFramePr>
+          <p:cNvPr id="6" name="Table 5"/>
+          <p:cNvGraphicFramePr>
+            <a:graphicFrameLocks noGrp="1"/>
+          </p:cNvGraphicFramePr>
+          <p:nvPr>
+            <p:extLst>
+              <p:ext uri="{D42A27DB-BD31-4B8C-83A1-F6EECF244321}">
+                <p14:modId xmlns:p14="http://schemas.microsoft.com/office/powerpoint/2010/main" val="3275387581"/>
+              </p:ext>
+            </p:extLst>
+          </p:nvPr>
+        </p:nvGraphicFramePr>
+        <p:xfrm>
+          <a:off x="1351445" y="1493838"/>
+          <a:ext cx="6705599" cy="4495799"/>
+        </p:xfrm>
+        <a:graphic>
+          <a:graphicData uri="http://schemas.openxmlformats.org/drawingml/2006/table">
+            <a:tbl>
+              <a:tblPr firstRow="1" firstCol="1" bandRow="1"/>
+              <a:tblGrid>
+                <a:gridCol w="3505200"/>
+                <a:gridCol w="3200399"/>
+              </a:tblGrid>
+              <a:tr h="428525">
+                <a:tc>
+                  <a:txBody>
+                    <a:bodyPr/>
+                    <a:lstStyle/>
+                    <a:p>
+                      <a:pPr marL="0" marR="0" algn="ctr">
+                        <a:lnSpc>
+                          <a:spcPct val="107000"/>
+                        </a:lnSpc>
+                        <a:spcBef>
+                          <a:spcPts val="0"/>
+                        </a:spcBef>
+                        <a:spcAft>
+                          <a:spcPts val="0"/>
+                        </a:spcAft>
+                      </a:pPr>
+                      <a:r>
+                        <a:rPr lang="en-US" sz="1800" b="1" dirty="0">
+                          <a:effectLst/>
+                          <a:latin typeface="Arial" panose="020B0604020202020204" pitchFamily="34" charset="0"/>
+                          <a:ea typeface="Calibri" panose="020F0502020204030204" pitchFamily="34" charset="0"/>
+                          <a:cs typeface="Times New Roman" panose="02020603050405020304" pitchFamily="18" charset="0"/>
+                        </a:rPr>
+                        <a:t>Parameter</a:t>
+                      </a:r>
+                      <a:endParaRPr lang="en-US" sz="1600" dirty="0">
+                        <a:effectLst/>
+                        <a:latin typeface="Calibri" panose="020F0502020204030204" pitchFamily="34" charset="0"/>
+                        <a:ea typeface="Calibri" panose="020F0502020204030204" pitchFamily="34" charset="0"/>
+                        <a:cs typeface="Times New Roman" panose="02020603050405020304" pitchFamily="18" charset="0"/>
+                      </a:endParaRPr>
+                    </a:p>
+                  </a:txBody>
+                  <a:tcPr marL="68580" marR="68580" marT="0" marB="0" anchor="ctr">
+                    <a:lnL w="12700" cap="flat" cmpd="sng" algn="ctr">
+                      <a:solidFill>
+                        <a:srgbClr val="000000"/>
+                      </a:solidFill>
+                      <a:prstDash val="solid"/>
+                      <a:round/>
+                      <a:headEnd type="none" w="med" len="med"/>
+                      <a:tailEnd type="none" w="med" len="med"/>
+                    </a:lnL>
+                    <a:lnR w="12700" cap="flat" cmpd="sng" algn="ctr">
+                      <a:solidFill>
+                        <a:srgbClr val="000000"/>
+                      </a:solidFill>
+                      <a:prstDash val="solid"/>
+                      <a:round/>
+                      <a:headEnd type="none" w="med" len="med"/>
+                      <a:tailEnd type="none" w="med" len="med"/>
+                    </a:lnR>
+                    <a:lnT w="12700" cap="flat" cmpd="sng" algn="ctr">
+                      <a:solidFill>
+                        <a:srgbClr val="000000"/>
+                      </a:solidFill>
+                      <a:prstDash val="solid"/>
+                      <a:round/>
+                      <a:headEnd type="none" w="med" len="med"/>
+                      <a:tailEnd type="none" w="med" len="med"/>
+                    </a:lnT>
+                    <a:lnB w="12700" cap="flat" cmpd="sng" algn="ctr">
+                      <a:solidFill>
+                        <a:srgbClr val="000000"/>
+                      </a:solidFill>
+                      <a:prstDash val="solid"/>
+                      <a:round/>
+                      <a:headEnd type="none" w="med" len="med"/>
+                      <a:tailEnd type="none" w="med" len="med"/>
+                    </a:lnB>
+                    <a:solidFill>
+                      <a:srgbClr val="F2F2F2"/>
+                    </a:solidFill>
+                  </a:tcPr>
+                </a:tc>
+                <a:tc>
+                  <a:txBody>
+                    <a:bodyPr/>
+                    <a:lstStyle/>
+                    <a:p>
+                      <a:pPr marL="0" marR="0" algn="ctr">
+                        <a:lnSpc>
+                          <a:spcPct val="107000"/>
+                        </a:lnSpc>
+                        <a:spcBef>
+                          <a:spcPts val="0"/>
+                        </a:spcBef>
+                        <a:spcAft>
+                          <a:spcPts val="0"/>
+                        </a:spcAft>
+                      </a:pPr>
+                      <a:r>
+                        <a:rPr lang="en-US" sz="1800" b="1">
+                          <a:effectLst/>
+                          <a:latin typeface="Arial" panose="020B0604020202020204" pitchFamily="34" charset="0"/>
+                          <a:ea typeface="Calibri" panose="020F0502020204030204" pitchFamily="34" charset="0"/>
+                          <a:cs typeface="Times New Roman" panose="02020603050405020304" pitchFamily="18" charset="0"/>
+                        </a:rPr>
+                        <a:t>Initial Value</a:t>
+                      </a:r>
+                      <a:endParaRPr lang="en-US" sz="1600">
+                        <a:effectLst/>
+                        <a:latin typeface="Calibri" panose="020F0502020204030204" pitchFamily="34" charset="0"/>
+                        <a:ea typeface="Calibri" panose="020F0502020204030204" pitchFamily="34" charset="0"/>
+                        <a:cs typeface="Times New Roman" panose="02020603050405020304" pitchFamily="18" charset="0"/>
+                      </a:endParaRPr>
+                    </a:p>
+                  </a:txBody>
+                  <a:tcPr marL="68580" marR="68580" marT="0" marB="0" anchor="ctr">
+                    <a:lnL w="12700" cap="flat" cmpd="sng" algn="ctr">
+                      <a:solidFill>
+                        <a:srgbClr val="000000"/>
+                      </a:solidFill>
+                      <a:prstDash val="solid"/>
+                      <a:round/>
+                      <a:headEnd type="none" w="med" len="med"/>
+                      <a:tailEnd type="none" w="med" len="med"/>
+                    </a:lnL>
+                    <a:lnR w="12700" cap="flat" cmpd="sng" algn="ctr">
+                      <a:solidFill>
+                        <a:srgbClr val="000000"/>
+                      </a:solidFill>
+                      <a:prstDash val="solid"/>
+                      <a:round/>
+                      <a:headEnd type="none" w="med" len="med"/>
+                      <a:tailEnd type="none" w="med" len="med"/>
+                    </a:lnR>
+                    <a:lnT w="12700" cap="flat" cmpd="sng" algn="ctr">
+                      <a:solidFill>
+                        <a:srgbClr val="000000"/>
+                      </a:solidFill>
+                      <a:prstDash val="solid"/>
+                      <a:round/>
+                      <a:headEnd type="none" w="med" len="med"/>
+                      <a:tailEnd type="none" w="med" len="med"/>
+                    </a:lnT>
+                    <a:lnB w="12700" cap="flat" cmpd="sng" algn="ctr">
+                      <a:solidFill>
+                        <a:srgbClr val="000000"/>
+                      </a:solidFill>
+                      <a:prstDash val="solid"/>
+                      <a:round/>
+                      <a:headEnd type="none" w="med" len="med"/>
+                      <a:tailEnd type="none" w="med" len="med"/>
+                    </a:lnB>
+                    <a:solidFill>
+                      <a:srgbClr val="F2F2F2"/>
+                    </a:solidFill>
+                  </a:tcPr>
+                </a:tc>
+              </a:tr>
+              <a:tr h="428525">
+                <a:tc>
+                  <a:txBody>
+                    <a:bodyPr/>
+                    <a:lstStyle/>
+                    <a:p>
+                      <a:pPr marL="0" marR="0">
+                        <a:lnSpc>
+                          <a:spcPct val="107000"/>
+                        </a:lnSpc>
+                        <a:spcBef>
+                          <a:spcPts val="0"/>
+                        </a:spcBef>
+                        <a:spcAft>
+                          <a:spcPts val="0"/>
+                        </a:spcAft>
+                      </a:pPr>
+                      <a:r>
+                        <a:rPr lang="en-US" sz="1800" dirty="0">
+                          <a:effectLst/>
+                          <a:latin typeface="Arial" panose="020B0604020202020204" pitchFamily="34" charset="0"/>
+                          <a:ea typeface="Calibri" panose="020F0502020204030204" pitchFamily="34" charset="0"/>
+                          <a:cs typeface="Times New Roman" panose="02020603050405020304" pitchFamily="18" charset="0"/>
+                        </a:rPr>
+                        <a:t>Outer Top Deadlayer</a:t>
+                      </a:r>
+                      <a:endParaRPr lang="en-US" sz="1600" dirty="0">
+                        <a:effectLst/>
+                        <a:latin typeface="Calibri" panose="020F0502020204030204" pitchFamily="34" charset="0"/>
+                        <a:ea typeface="Calibri" panose="020F0502020204030204" pitchFamily="34" charset="0"/>
+                        <a:cs typeface="Times New Roman" panose="02020603050405020304" pitchFamily="18" charset="0"/>
+                      </a:endParaRPr>
+                    </a:p>
+                  </a:txBody>
+                  <a:tcPr marL="68580" marR="68580" marT="0" marB="0" anchor="ctr">
+                    <a:lnL w="12700" cap="flat" cmpd="sng" algn="ctr">
+                      <a:solidFill>
+                        <a:srgbClr val="000000"/>
+                      </a:solidFill>
+                      <a:prstDash val="solid"/>
+                      <a:round/>
+                      <a:headEnd type="none" w="med" len="med"/>
+                      <a:tailEnd type="none" w="med" len="med"/>
+                    </a:lnL>
+                    <a:lnR w="12700" cap="flat" cmpd="sng" algn="ctr">
+                      <a:solidFill>
+                        <a:srgbClr val="000000"/>
+                      </a:solidFill>
+                      <a:prstDash val="solid"/>
+                      <a:round/>
+                      <a:headEnd type="none" w="med" len="med"/>
+                      <a:tailEnd type="none" w="med" len="med"/>
+                    </a:lnR>
+                    <a:lnT w="12700" cap="flat" cmpd="sng" algn="ctr">
+                      <a:solidFill>
+                        <a:srgbClr val="000000"/>
+                      </a:solidFill>
+                      <a:prstDash val="solid"/>
+                      <a:round/>
+                      <a:headEnd type="none" w="med" len="med"/>
+                      <a:tailEnd type="none" w="med" len="med"/>
+                    </a:lnT>
+                    <a:lnB w="12700" cap="flat" cmpd="sng" algn="ctr">
+                      <a:solidFill>
+                        <a:srgbClr val="000000"/>
+                      </a:solidFill>
+                      <a:prstDash val="solid"/>
+                      <a:round/>
+                      <a:headEnd type="none" w="med" len="med"/>
+                      <a:tailEnd type="none" w="med" len="med"/>
+                    </a:lnB>
+                    <a:solidFill>
+                      <a:schemeClr val="bg1"/>
+                    </a:solidFill>
+                  </a:tcPr>
+                </a:tc>
+                <a:tc>
+                  <a:txBody>
+                    <a:bodyPr/>
+                    <a:lstStyle/>
+                    <a:p>
+                      <a:pPr marL="0" marR="0" algn="ctr">
+                        <a:lnSpc>
+                          <a:spcPct val="107000"/>
+                        </a:lnSpc>
+                        <a:spcBef>
+                          <a:spcPts val="0"/>
+                        </a:spcBef>
+                        <a:spcAft>
+                          <a:spcPts val="0"/>
+                        </a:spcAft>
+                      </a:pPr>
+                      <a:r>
+                        <a:rPr lang="en-US" sz="1800">
+                          <a:effectLst/>
+                          <a:latin typeface="Arial" panose="020B0604020202020204" pitchFamily="34" charset="0"/>
+                          <a:ea typeface="Calibri" panose="020F0502020204030204" pitchFamily="34" charset="0"/>
+                          <a:cs typeface="Times New Roman" panose="02020603050405020304" pitchFamily="18" charset="0"/>
+                        </a:rPr>
+                        <a:t>0.13 cm</a:t>
+                      </a:r>
+                      <a:endParaRPr lang="en-US" sz="1600">
+                        <a:effectLst/>
+                        <a:latin typeface="Calibri" panose="020F0502020204030204" pitchFamily="34" charset="0"/>
+                        <a:ea typeface="Calibri" panose="020F0502020204030204" pitchFamily="34" charset="0"/>
+                        <a:cs typeface="Times New Roman" panose="02020603050405020304" pitchFamily="18" charset="0"/>
+                      </a:endParaRPr>
+                    </a:p>
+                  </a:txBody>
+                  <a:tcPr marL="68580" marR="68580" marT="0" marB="0" anchor="ctr">
+                    <a:lnL w="12700" cap="flat" cmpd="sng" algn="ctr">
+                      <a:solidFill>
+                        <a:srgbClr val="000000"/>
+                      </a:solidFill>
+                      <a:prstDash val="solid"/>
+                      <a:round/>
+                      <a:headEnd type="none" w="med" len="med"/>
+                      <a:tailEnd type="none" w="med" len="med"/>
+                    </a:lnL>
+                    <a:lnR w="12700" cap="flat" cmpd="sng" algn="ctr">
+                      <a:solidFill>
+                        <a:srgbClr val="000000"/>
+                      </a:solidFill>
+                      <a:prstDash val="solid"/>
+                      <a:round/>
+                      <a:headEnd type="none" w="med" len="med"/>
+                      <a:tailEnd type="none" w="med" len="med"/>
+                    </a:lnR>
+                    <a:lnT w="12700" cap="flat" cmpd="sng" algn="ctr">
+                      <a:solidFill>
+                        <a:srgbClr val="000000"/>
+                      </a:solidFill>
+                      <a:prstDash val="solid"/>
+                      <a:round/>
+                      <a:headEnd type="none" w="med" len="med"/>
+                      <a:tailEnd type="none" w="med" len="med"/>
+                    </a:lnT>
+                    <a:lnB w="12700" cap="flat" cmpd="sng" algn="ctr">
+                      <a:solidFill>
+                        <a:srgbClr val="000000"/>
+                      </a:solidFill>
+                      <a:prstDash val="solid"/>
+                      <a:round/>
+                      <a:headEnd type="none" w="med" len="med"/>
+                      <a:tailEnd type="none" w="med" len="med"/>
+                    </a:lnB>
+                    <a:solidFill>
+                      <a:schemeClr val="bg1"/>
+                    </a:solidFill>
+                  </a:tcPr>
+                </a:tc>
+              </a:tr>
+              <a:tr h="428525">
+                <a:tc>
+                  <a:txBody>
+                    <a:bodyPr/>
+                    <a:lstStyle/>
+                    <a:p>
+                      <a:pPr marL="0" marR="0">
+                        <a:lnSpc>
+                          <a:spcPct val="107000"/>
+                        </a:lnSpc>
+                        <a:spcBef>
+                          <a:spcPts val="0"/>
+                        </a:spcBef>
+                        <a:spcAft>
+                          <a:spcPts val="0"/>
+                        </a:spcAft>
+                      </a:pPr>
+                      <a:r>
+                        <a:rPr lang="en-US" sz="1800">
+                          <a:effectLst/>
+                          <a:latin typeface="Arial" panose="020B0604020202020204" pitchFamily="34" charset="0"/>
+                          <a:ea typeface="Calibri" panose="020F0502020204030204" pitchFamily="34" charset="0"/>
+                          <a:cs typeface="Times New Roman" panose="02020603050405020304" pitchFamily="18" charset="0"/>
+                        </a:rPr>
+                        <a:t>Outer Sides Deadlayer</a:t>
+                      </a:r>
+                      <a:endParaRPr lang="en-US" sz="1600">
+                        <a:effectLst/>
+                        <a:latin typeface="Calibri" panose="020F0502020204030204" pitchFamily="34" charset="0"/>
+                        <a:ea typeface="Calibri" panose="020F0502020204030204" pitchFamily="34" charset="0"/>
+                        <a:cs typeface="Times New Roman" panose="02020603050405020304" pitchFamily="18" charset="0"/>
+                      </a:endParaRPr>
+                    </a:p>
+                  </a:txBody>
+                  <a:tcPr marL="68580" marR="68580" marT="0" marB="0" anchor="ctr">
+                    <a:lnL w="12700" cap="flat" cmpd="sng" algn="ctr">
+                      <a:solidFill>
+                        <a:srgbClr val="000000"/>
+                      </a:solidFill>
+                      <a:prstDash val="solid"/>
+                      <a:round/>
+                      <a:headEnd type="none" w="med" len="med"/>
+                      <a:tailEnd type="none" w="med" len="med"/>
+                    </a:lnL>
+                    <a:lnR w="12700" cap="flat" cmpd="sng" algn="ctr">
+                      <a:solidFill>
+                        <a:srgbClr val="000000"/>
+                      </a:solidFill>
+                      <a:prstDash val="solid"/>
+                      <a:round/>
+                      <a:headEnd type="none" w="med" len="med"/>
+                      <a:tailEnd type="none" w="med" len="med"/>
+                    </a:lnR>
+                    <a:lnT w="12700" cap="flat" cmpd="sng" algn="ctr">
+                      <a:solidFill>
+                        <a:srgbClr val="000000"/>
+                      </a:solidFill>
+                      <a:prstDash val="solid"/>
+                      <a:round/>
+                      <a:headEnd type="none" w="med" len="med"/>
+                      <a:tailEnd type="none" w="med" len="med"/>
+                    </a:lnT>
+                    <a:lnB w="12700" cap="flat" cmpd="sng" algn="ctr">
+                      <a:solidFill>
+                        <a:srgbClr val="000000"/>
+                      </a:solidFill>
+                      <a:prstDash val="solid"/>
+                      <a:round/>
+                      <a:headEnd type="none" w="med" len="med"/>
+                      <a:tailEnd type="none" w="med" len="med"/>
+                    </a:lnB>
+                    <a:solidFill>
+                      <a:schemeClr val="bg1"/>
+                    </a:solidFill>
+                  </a:tcPr>
+                </a:tc>
+                <a:tc>
+                  <a:txBody>
+                    <a:bodyPr/>
+                    <a:lstStyle/>
+                    <a:p>
+                      <a:pPr marL="0" marR="0" algn="ctr">
+                        <a:lnSpc>
+                          <a:spcPct val="107000"/>
+                        </a:lnSpc>
+                        <a:spcBef>
+                          <a:spcPts val="0"/>
+                        </a:spcBef>
+                        <a:spcAft>
+                          <a:spcPts val="0"/>
+                        </a:spcAft>
+                      </a:pPr>
+                      <a:r>
+                        <a:rPr lang="en-US" sz="1800">
+                          <a:effectLst/>
+                          <a:latin typeface="Arial" panose="020B0604020202020204" pitchFamily="34" charset="0"/>
+                          <a:ea typeface="Calibri" panose="020F0502020204030204" pitchFamily="34" charset="0"/>
+                          <a:cs typeface="Times New Roman" panose="02020603050405020304" pitchFamily="18" charset="0"/>
+                        </a:rPr>
+                        <a:t>0.13 cm</a:t>
+                      </a:r>
+                      <a:endParaRPr lang="en-US" sz="1600">
+                        <a:effectLst/>
+                        <a:latin typeface="Calibri" panose="020F0502020204030204" pitchFamily="34" charset="0"/>
+                        <a:ea typeface="Calibri" panose="020F0502020204030204" pitchFamily="34" charset="0"/>
+                        <a:cs typeface="Times New Roman" panose="02020603050405020304" pitchFamily="18" charset="0"/>
+                      </a:endParaRPr>
+                    </a:p>
+                  </a:txBody>
+                  <a:tcPr marL="68580" marR="68580" marT="0" marB="0" anchor="ctr">
+                    <a:lnL w="12700" cap="flat" cmpd="sng" algn="ctr">
+                      <a:solidFill>
+                        <a:srgbClr val="000000"/>
+                      </a:solidFill>
+                      <a:prstDash val="solid"/>
+                      <a:round/>
+                      <a:headEnd type="none" w="med" len="med"/>
+                      <a:tailEnd type="none" w="med" len="med"/>
+                    </a:lnL>
+                    <a:lnR w="12700" cap="flat" cmpd="sng" algn="ctr">
+                      <a:solidFill>
+                        <a:srgbClr val="000000"/>
+                      </a:solidFill>
+                      <a:prstDash val="solid"/>
+                      <a:round/>
+                      <a:headEnd type="none" w="med" len="med"/>
+                      <a:tailEnd type="none" w="med" len="med"/>
+                    </a:lnR>
+                    <a:lnT w="12700" cap="flat" cmpd="sng" algn="ctr">
+                      <a:solidFill>
+                        <a:srgbClr val="000000"/>
+                      </a:solidFill>
+                      <a:prstDash val="solid"/>
+                      <a:round/>
+                      <a:headEnd type="none" w="med" len="med"/>
+                      <a:tailEnd type="none" w="med" len="med"/>
+                    </a:lnT>
+                    <a:lnB w="12700" cap="flat" cmpd="sng" algn="ctr">
+                      <a:solidFill>
+                        <a:srgbClr val="000000"/>
+                      </a:solidFill>
+                      <a:prstDash val="solid"/>
+                      <a:round/>
+                      <a:headEnd type="none" w="med" len="med"/>
+                      <a:tailEnd type="none" w="med" len="med"/>
+                    </a:lnB>
+                    <a:solidFill>
+                      <a:schemeClr val="bg1"/>
+                    </a:solidFill>
+                  </a:tcPr>
+                </a:tc>
+              </a:tr>
+              <a:tr h="428525">
+                <a:tc>
+                  <a:txBody>
+                    <a:bodyPr/>
+                    <a:lstStyle/>
+                    <a:p>
+                      <a:pPr marL="0" marR="0">
+                        <a:lnSpc>
+                          <a:spcPct val="107000"/>
+                        </a:lnSpc>
+                        <a:spcBef>
+                          <a:spcPts val="0"/>
+                        </a:spcBef>
+                        <a:spcAft>
+                          <a:spcPts val="0"/>
+                        </a:spcAft>
+                      </a:pPr>
+                      <a:r>
+                        <a:rPr lang="en-US" sz="1800" dirty="0">
+                          <a:effectLst/>
+                          <a:latin typeface="Arial" panose="020B0604020202020204" pitchFamily="34" charset="0"/>
+                          <a:ea typeface="Calibri" panose="020F0502020204030204" pitchFamily="34" charset="0"/>
+                          <a:cs typeface="Times New Roman" panose="02020603050405020304" pitchFamily="18" charset="0"/>
+                        </a:rPr>
+                        <a:t>Ge Crystal Length</a:t>
+                      </a:r>
+                      <a:endParaRPr lang="en-US" sz="1600" dirty="0">
+                        <a:effectLst/>
+                        <a:latin typeface="Calibri" panose="020F0502020204030204" pitchFamily="34" charset="0"/>
+                        <a:ea typeface="Calibri" panose="020F0502020204030204" pitchFamily="34" charset="0"/>
+                        <a:cs typeface="Times New Roman" panose="02020603050405020304" pitchFamily="18" charset="0"/>
+                      </a:endParaRPr>
+                    </a:p>
+                  </a:txBody>
+                  <a:tcPr marL="68580" marR="68580" marT="0" marB="0" anchor="ctr">
+                    <a:lnL w="12700" cap="flat" cmpd="sng" algn="ctr">
+                      <a:solidFill>
+                        <a:srgbClr val="000000"/>
+                      </a:solidFill>
+                      <a:prstDash val="solid"/>
+                      <a:round/>
+                      <a:headEnd type="none" w="med" len="med"/>
+                      <a:tailEnd type="none" w="med" len="med"/>
+                    </a:lnL>
+                    <a:lnR w="12700" cap="flat" cmpd="sng" algn="ctr">
+                      <a:solidFill>
+                        <a:srgbClr val="000000"/>
+                      </a:solidFill>
+                      <a:prstDash val="solid"/>
+                      <a:round/>
+                      <a:headEnd type="none" w="med" len="med"/>
+                      <a:tailEnd type="none" w="med" len="med"/>
+                    </a:lnR>
+                    <a:lnT w="12700" cap="flat" cmpd="sng" algn="ctr">
+                      <a:solidFill>
+                        <a:srgbClr val="000000"/>
+                      </a:solidFill>
+                      <a:prstDash val="solid"/>
+                      <a:round/>
+                      <a:headEnd type="none" w="med" len="med"/>
+                      <a:tailEnd type="none" w="med" len="med"/>
+                    </a:lnT>
+                    <a:lnB w="12700" cap="flat" cmpd="sng" algn="ctr">
+                      <a:solidFill>
+                        <a:srgbClr val="000000"/>
+                      </a:solidFill>
+                      <a:prstDash val="solid"/>
+                      <a:round/>
+                      <a:headEnd type="none" w="med" len="med"/>
+                      <a:tailEnd type="none" w="med" len="med"/>
+                    </a:lnB>
+                    <a:solidFill>
+                      <a:schemeClr val="bg1"/>
+                    </a:solidFill>
+                  </a:tcPr>
+                </a:tc>
+                <a:tc>
+                  <a:txBody>
+                    <a:bodyPr/>
+                    <a:lstStyle/>
+                    <a:p>
+                      <a:pPr marL="0" marR="0" algn="ctr">
+                        <a:lnSpc>
+                          <a:spcPct val="107000"/>
+                        </a:lnSpc>
+                        <a:spcBef>
+                          <a:spcPts val="0"/>
+                        </a:spcBef>
+                        <a:spcAft>
+                          <a:spcPts val="0"/>
+                        </a:spcAft>
+                      </a:pPr>
+                      <a:r>
+                        <a:rPr lang="en-US" sz="1800">
+                          <a:effectLst/>
+                          <a:latin typeface="Arial" panose="020B0604020202020204" pitchFamily="34" charset="0"/>
+                          <a:ea typeface="Calibri" panose="020F0502020204030204" pitchFamily="34" charset="0"/>
+                          <a:cs typeface="Times New Roman" panose="02020603050405020304" pitchFamily="18" charset="0"/>
+                        </a:rPr>
+                        <a:t>8.32 cm</a:t>
+                      </a:r>
+                      <a:endParaRPr lang="en-US" sz="1600">
+                        <a:effectLst/>
+                        <a:latin typeface="Calibri" panose="020F0502020204030204" pitchFamily="34" charset="0"/>
+                        <a:ea typeface="Calibri" panose="020F0502020204030204" pitchFamily="34" charset="0"/>
+                        <a:cs typeface="Times New Roman" panose="02020603050405020304" pitchFamily="18" charset="0"/>
+                      </a:endParaRPr>
+                    </a:p>
+                  </a:txBody>
+                  <a:tcPr marL="68580" marR="68580" marT="0" marB="0" anchor="ctr">
+                    <a:lnL w="12700" cap="flat" cmpd="sng" algn="ctr">
+                      <a:solidFill>
+                        <a:srgbClr val="000000"/>
+                      </a:solidFill>
+                      <a:prstDash val="solid"/>
+                      <a:round/>
+                      <a:headEnd type="none" w="med" len="med"/>
+                      <a:tailEnd type="none" w="med" len="med"/>
+                    </a:lnL>
+                    <a:lnR w="12700" cap="flat" cmpd="sng" algn="ctr">
+                      <a:solidFill>
+                        <a:srgbClr val="000000"/>
+                      </a:solidFill>
+                      <a:prstDash val="solid"/>
+                      <a:round/>
+                      <a:headEnd type="none" w="med" len="med"/>
+                      <a:tailEnd type="none" w="med" len="med"/>
+                    </a:lnR>
+                    <a:lnT w="12700" cap="flat" cmpd="sng" algn="ctr">
+                      <a:solidFill>
+                        <a:srgbClr val="000000"/>
+                      </a:solidFill>
+                      <a:prstDash val="solid"/>
+                      <a:round/>
+                      <a:headEnd type="none" w="med" len="med"/>
+                      <a:tailEnd type="none" w="med" len="med"/>
+                    </a:lnT>
+                    <a:lnB w="12700" cap="flat" cmpd="sng" algn="ctr">
+                      <a:solidFill>
+                        <a:srgbClr val="000000"/>
+                      </a:solidFill>
+                      <a:prstDash val="solid"/>
+                      <a:round/>
+                      <a:headEnd type="none" w="med" len="med"/>
+                      <a:tailEnd type="none" w="med" len="med"/>
+                    </a:lnB>
+                    <a:solidFill>
+                      <a:schemeClr val="bg1"/>
+                    </a:solidFill>
+                  </a:tcPr>
+                </a:tc>
+              </a:tr>
+              <a:tr h="428525">
+                <a:tc>
+                  <a:txBody>
+                    <a:bodyPr/>
+                    <a:lstStyle/>
+                    <a:p>
+                      <a:pPr marL="0" marR="0">
+                        <a:lnSpc>
+                          <a:spcPct val="107000"/>
+                        </a:lnSpc>
+                        <a:spcBef>
+                          <a:spcPts val="0"/>
+                        </a:spcBef>
+                        <a:spcAft>
+                          <a:spcPts val="0"/>
+                        </a:spcAft>
+                      </a:pPr>
+                      <a:r>
+                        <a:rPr lang="en-US" sz="1800">
+                          <a:effectLst/>
+                          <a:latin typeface="Arial" panose="020B0604020202020204" pitchFamily="34" charset="0"/>
+                          <a:ea typeface="Calibri" panose="020F0502020204030204" pitchFamily="34" charset="0"/>
+                          <a:cs typeface="Times New Roman" panose="02020603050405020304" pitchFamily="18" charset="0"/>
+                        </a:rPr>
+                        <a:t>Kapton Window</a:t>
+                      </a:r>
+                      <a:endParaRPr lang="en-US" sz="1600">
+                        <a:effectLst/>
+                        <a:latin typeface="Calibri" panose="020F0502020204030204" pitchFamily="34" charset="0"/>
+                        <a:ea typeface="Calibri" panose="020F0502020204030204" pitchFamily="34" charset="0"/>
+                        <a:cs typeface="Times New Roman" panose="02020603050405020304" pitchFamily="18" charset="0"/>
+                      </a:endParaRPr>
+                    </a:p>
+                  </a:txBody>
+                  <a:tcPr marL="68580" marR="68580" marT="0" marB="0" anchor="ctr">
+                    <a:lnL w="12700" cap="flat" cmpd="sng" algn="ctr">
+                      <a:solidFill>
+                        <a:srgbClr val="000000"/>
+                      </a:solidFill>
+                      <a:prstDash val="solid"/>
+                      <a:round/>
+                      <a:headEnd type="none" w="med" len="med"/>
+                      <a:tailEnd type="none" w="med" len="med"/>
+                    </a:lnL>
+                    <a:lnR w="12700" cap="flat" cmpd="sng" algn="ctr">
+                      <a:solidFill>
+                        <a:srgbClr val="000000"/>
+                      </a:solidFill>
+                      <a:prstDash val="solid"/>
+                      <a:round/>
+                      <a:headEnd type="none" w="med" len="med"/>
+                      <a:tailEnd type="none" w="med" len="med"/>
+                    </a:lnR>
+                    <a:lnT w="12700" cap="flat" cmpd="sng" algn="ctr">
+                      <a:solidFill>
+                        <a:srgbClr val="000000"/>
+                      </a:solidFill>
+                      <a:prstDash val="solid"/>
+                      <a:round/>
+                      <a:headEnd type="none" w="med" len="med"/>
+                      <a:tailEnd type="none" w="med" len="med"/>
+                    </a:lnT>
+                    <a:lnB w="12700" cap="flat" cmpd="sng" algn="ctr">
+                      <a:solidFill>
+                        <a:srgbClr val="000000"/>
+                      </a:solidFill>
+                      <a:prstDash val="solid"/>
+                      <a:round/>
+                      <a:headEnd type="none" w="med" len="med"/>
+                      <a:tailEnd type="none" w="med" len="med"/>
+                    </a:lnB>
+                    <a:solidFill>
+                      <a:schemeClr val="bg1"/>
+                    </a:solidFill>
+                  </a:tcPr>
+                </a:tc>
+                <a:tc>
+                  <a:txBody>
+                    <a:bodyPr/>
+                    <a:lstStyle/>
+                    <a:p>
+                      <a:pPr marL="0" marR="0" algn="ctr">
+                        <a:lnSpc>
+                          <a:spcPct val="107000"/>
+                        </a:lnSpc>
+                        <a:spcBef>
+                          <a:spcPts val="0"/>
+                        </a:spcBef>
+                        <a:spcAft>
+                          <a:spcPts val="0"/>
+                        </a:spcAft>
+                      </a:pPr>
+                      <a:r>
+                        <a:rPr lang="en-US" sz="1800">
+                          <a:effectLst/>
+                          <a:latin typeface="Arial" panose="020B0604020202020204" pitchFamily="34" charset="0"/>
+                          <a:ea typeface="Calibri" panose="020F0502020204030204" pitchFamily="34" charset="0"/>
+                          <a:cs typeface="Times New Roman" panose="02020603050405020304" pitchFamily="18" charset="0"/>
+                        </a:rPr>
+                        <a:t>0.01016 cm</a:t>
+                      </a:r>
+                      <a:endParaRPr lang="en-US" sz="1600">
+                        <a:effectLst/>
+                        <a:latin typeface="Calibri" panose="020F0502020204030204" pitchFamily="34" charset="0"/>
+                        <a:ea typeface="Calibri" panose="020F0502020204030204" pitchFamily="34" charset="0"/>
+                        <a:cs typeface="Times New Roman" panose="02020603050405020304" pitchFamily="18" charset="0"/>
+                      </a:endParaRPr>
+                    </a:p>
+                  </a:txBody>
+                  <a:tcPr marL="68580" marR="68580" marT="0" marB="0" anchor="ctr">
+                    <a:lnL w="12700" cap="flat" cmpd="sng" algn="ctr">
+                      <a:solidFill>
+                        <a:srgbClr val="000000"/>
+                      </a:solidFill>
+                      <a:prstDash val="solid"/>
+                      <a:round/>
+                      <a:headEnd type="none" w="med" len="med"/>
+                      <a:tailEnd type="none" w="med" len="med"/>
+                    </a:lnL>
+                    <a:lnR w="12700" cap="flat" cmpd="sng" algn="ctr">
+                      <a:solidFill>
+                        <a:srgbClr val="000000"/>
+                      </a:solidFill>
+                      <a:prstDash val="solid"/>
+                      <a:round/>
+                      <a:headEnd type="none" w="med" len="med"/>
+                      <a:tailEnd type="none" w="med" len="med"/>
+                    </a:lnR>
+                    <a:lnT w="12700" cap="flat" cmpd="sng" algn="ctr">
+                      <a:solidFill>
+                        <a:srgbClr val="000000"/>
+                      </a:solidFill>
+                      <a:prstDash val="solid"/>
+                      <a:round/>
+                      <a:headEnd type="none" w="med" len="med"/>
+                      <a:tailEnd type="none" w="med" len="med"/>
+                    </a:lnT>
+                    <a:lnB w="12700" cap="flat" cmpd="sng" algn="ctr">
+                      <a:solidFill>
+                        <a:srgbClr val="000000"/>
+                      </a:solidFill>
+                      <a:prstDash val="solid"/>
+                      <a:round/>
+                      <a:headEnd type="none" w="med" len="med"/>
+                      <a:tailEnd type="none" w="med" len="med"/>
+                    </a:lnB>
+                    <a:solidFill>
+                      <a:schemeClr val="bg1"/>
+                    </a:solidFill>
+                  </a:tcPr>
+                </a:tc>
+              </a:tr>
+              <a:tr h="428525">
+                <a:tc>
+                  <a:txBody>
+                    <a:bodyPr/>
+                    <a:lstStyle/>
+                    <a:p>
+                      <a:pPr marL="0" marR="0">
+                        <a:lnSpc>
+                          <a:spcPct val="107000"/>
+                        </a:lnSpc>
+                        <a:spcBef>
+                          <a:spcPts val="0"/>
+                        </a:spcBef>
+                        <a:spcAft>
+                          <a:spcPts val="0"/>
+                        </a:spcAft>
+                      </a:pPr>
+                      <a:r>
+                        <a:rPr lang="en-US" sz="1800">
+                          <a:effectLst/>
+                          <a:latin typeface="Arial" panose="020B0604020202020204" pitchFamily="34" charset="0"/>
+                          <a:ea typeface="Calibri" panose="020F0502020204030204" pitchFamily="34" charset="0"/>
+                          <a:cs typeface="Times New Roman" panose="02020603050405020304" pitchFamily="18" charset="0"/>
+                        </a:rPr>
+                        <a:t>Inner Top Coaxial Deadlayer</a:t>
+                      </a:r>
+                      <a:endParaRPr lang="en-US" sz="1600">
+                        <a:effectLst/>
+                        <a:latin typeface="Calibri" panose="020F0502020204030204" pitchFamily="34" charset="0"/>
+                        <a:ea typeface="Calibri" panose="020F0502020204030204" pitchFamily="34" charset="0"/>
+                        <a:cs typeface="Times New Roman" panose="02020603050405020304" pitchFamily="18" charset="0"/>
+                      </a:endParaRPr>
+                    </a:p>
+                  </a:txBody>
+                  <a:tcPr marL="68580" marR="68580" marT="0" marB="0" anchor="ctr">
+                    <a:lnL w="12700" cap="flat" cmpd="sng" algn="ctr">
+                      <a:solidFill>
+                        <a:srgbClr val="000000"/>
+                      </a:solidFill>
+                      <a:prstDash val="solid"/>
+                      <a:round/>
+                      <a:headEnd type="none" w="med" len="med"/>
+                      <a:tailEnd type="none" w="med" len="med"/>
+                    </a:lnL>
+                    <a:lnR w="12700" cap="flat" cmpd="sng" algn="ctr">
+                      <a:solidFill>
+                        <a:srgbClr val="000000"/>
+                      </a:solidFill>
+                      <a:prstDash val="solid"/>
+                      <a:round/>
+                      <a:headEnd type="none" w="med" len="med"/>
+                      <a:tailEnd type="none" w="med" len="med"/>
+                    </a:lnR>
+                    <a:lnT w="12700" cap="flat" cmpd="sng" algn="ctr">
+                      <a:solidFill>
+                        <a:srgbClr val="000000"/>
+                      </a:solidFill>
+                      <a:prstDash val="solid"/>
+                      <a:round/>
+                      <a:headEnd type="none" w="med" len="med"/>
+                      <a:tailEnd type="none" w="med" len="med"/>
+                    </a:lnT>
+                    <a:lnB w="12700" cap="flat" cmpd="sng" algn="ctr">
+                      <a:solidFill>
+                        <a:srgbClr val="000000"/>
+                      </a:solidFill>
+                      <a:prstDash val="solid"/>
+                      <a:round/>
+                      <a:headEnd type="none" w="med" len="med"/>
+                      <a:tailEnd type="none" w="med" len="med"/>
+                    </a:lnB>
+                    <a:solidFill>
+                      <a:schemeClr val="bg1"/>
+                    </a:solidFill>
+                  </a:tcPr>
+                </a:tc>
+                <a:tc>
+                  <a:txBody>
+                    <a:bodyPr/>
+                    <a:lstStyle/>
+                    <a:p>
+                      <a:pPr marL="0" marR="0" algn="ctr">
+                        <a:lnSpc>
+                          <a:spcPct val="107000"/>
+                        </a:lnSpc>
+                        <a:spcBef>
+                          <a:spcPts val="0"/>
+                        </a:spcBef>
+                        <a:spcAft>
+                          <a:spcPts val="0"/>
+                        </a:spcAft>
+                      </a:pPr>
+                      <a:r>
+                        <a:rPr lang="en-US" sz="1800">
+                          <a:effectLst/>
+                          <a:latin typeface="Arial" panose="020B0604020202020204" pitchFamily="34" charset="0"/>
+                          <a:ea typeface="Calibri" panose="020F0502020204030204" pitchFamily="34" charset="0"/>
+                          <a:cs typeface="Times New Roman" panose="02020603050405020304" pitchFamily="18" charset="0"/>
+                        </a:rPr>
+                        <a:t>0.00003 cm</a:t>
+                      </a:r>
+                      <a:endParaRPr lang="en-US" sz="1600">
+                        <a:effectLst/>
+                        <a:latin typeface="Calibri" panose="020F0502020204030204" pitchFamily="34" charset="0"/>
+                        <a:ea typeface="Calibri" panose="020F0502020204030204" pitchFamily="34" charset="0"/>
+                        <a:cs typeface="Times New Roman" panose="02020603050405020304" pitchFamily="18" charset="0"/>
+                      </a:endParaRPr>
+                    </a:p>
+                  </a:txBody>
+                  <a:tcPr marL="68580" marR="68580" marT="0" marB="0" anchor="ctr">
+                    <a:lnL w="12700" cap="flat" cmpd="sng" algn="ctr">
+                      <a:solidFill>
+                        <a:srgbClr val="000000"/>
+                      </a:solidFill>
+                      <a:prstDash val="solid"/>
+                      <a:round/>
+                      <a:headEnd type="none" w="med" len="med"/>
+                      <a:tailEnd type="none" w="med" len="med"/>
+                    </a:lnL>
+                    <a:lnR w="12700" cap="flat" cmpd="sng" algn="ctr">
+                      <a:solidFill>
+                        <a:srgbClr val="000000"/>
+                      </a:solidFill>
+                      <a:prstDash val="solid"/>
+                      <a:round/>
+                      <a:headEnd type="none" w="med" len="med"/>
+                      <a:tailEnd type="none" w="med" len="med"/>
+                    </a:lnR>
+                    <a:lnT w="12700" cap="flat" cmpd="sng" algn="ctr">
+                      <a:solidFill>
+                        <a:srgbClr val="000000"/>
+                      </a:solidFill>
+                      <a:prstDash val="solid"/>
+                      <a:round/>
+                      <a:headEnd type="none" w="med" len="med"/>
+                      <a:tailEnd type="none" w="med" len="med"/>
+                    </a:lnT>
+                    <a:lnB w="12700" cap="flat" cmpd="sng" algn="ctr">
+                      <a:solidFill>
+                        <a:srgbClr val="000000"/>
+                      </a:solidFill>
+                      <a:prstDash val="solid"/>
+                      <a:round/>
+                      <a:headEnd type="none" w="med" len="med"/>
+                      <a:tailEnd type="none" w="med" len="med"/>
+                    </a:lnB>
+                    <a:solidFill>
+                      <a:schemeClr val="bg1"/>
+                    </a:solidFill>
+                  </a:tcPr>
+                </a:tc>
+              </a:tr>
+              <a:tr h="639074">
+                <a:tc>
+                  <a:txBody>
+                    <a:bodyPr/>
+                    <a:lstStyle/>
+                    <a:p>
+                      <a:pPr marL="0" marR="0">
+                        <a:lnSpc>
+                          <a:spcPct val="107000"/>
+                        </a:lnSpc>
+                        <a:spcBef>
+                          <a:spcPts val="0"/>
+                        </a:spcBef>
+                        <a:spcAft>
+                          <a:spcPts val="0"/>
+                        </a:spcAft>
+                      </a:pPr>
+                      <a:r>
+                        <a:rPr lang="en-US" sz="1800">
+                          <a:effectLst/>
+                          <a:latin typeface="Arial" panose="020B0604020202020204" pitchFamily="34" charset="0"/>
+                          <a:ea typeface="Calibri" panose="020F0502020204030204" pitchFamily="34" charset="0"/>
+                          <a:cs typeface="Times New Roman" panose="02020603050405020304" pitchFamily="18" charset="0"/>
+                        </a:rPr>
+                        <a:t>Inner Sides Coaxial Deadlayer</a:t>
+                      </a:r>
+                      <a:endParaRPr lang="en-US" sz="1600">
+                        <a:effectLst/>
+                        <a:latin typeface="Calibri" panose="020F0502020204030204" pitchFamily="34" charset="0"/>
+                        <a:ea typeface="Calibri" panose="020F0502020204030204" pitchFamily="34" charset="0"/>
+                        <a:cs typeface="Times New Roman" panose="02020603050405020304" pitchFamily="18" charset="0"/>
+                      </a:endParaRPr>
+                    </a:p>
+                  </a:txBody>
+                  <a:tcPr marL="68580" marR="68580" marT="0" marB="0" anchor="ctr">
+                    <a:lnL w="12700" cap="flat" cmpd="sng" algn="ctr">
+                      <a:solidFill>
+                        <a:srgbClr val="000000"/>
+                      </a:solidFill>
+                      <a:prstDash val="solid"/>
+                      <a:round/>
+                      <a:headEnd type="none" w="med" len="med"/>
+                      <a:tailEnd type="none" w="med" len="med"/>
+                    </a:lnL>
+                    <a:lnR w="12700" cap="flat" cmpd="sng" algn="ctr">
+                      <a:solidFill>
+                        <a:srgbClr val="000000"/>
+                      </a:solidFill>
+                      <a:prstDash val="solid"/>
+                      <a:round/>
+                      <a:headEnd type="none" w="med" len="med"/>
+                      <a:tailEnd type="none" w="med" len="med"/>
+                    </a:lnR>
+                    <a:lnT w="12700" cap="flat" cmpd="sng" algn="ctr">
+                      <a:solidFill>
+                        <a:srgbClr val="000000"/>
+                      </a:solidFill>
+                      <a:prstDash val="solid"/>
+                      <a:round/>
+                      <a:headEnd type="none" w="med" len="med"/>
+                      <a:tailEnd type="none" w="med" len="med"/>
+                    </a:lnT>
+                    <a:lnB w="12700" cap="flat" cmpd="sng" algn="ctr">
+                      <a:solidFill>
+                        <a:srgbClr val="000000"/>
+                      </a:solidFill>
+                      <a:prstDash val="solid"/>
+                      <a:round/>
+                      <a:headEnd type="none" w="med" len="med"/>
+                      <a:tailEnd type="none" w="med" len="med"/>
+                    </a:lnB>
+                    <a:solidFill>
+                      <a:schemeClr val="bg1"/>
+                    </a:solidFill>
+                  </a:tcPr>
+                </a:tc>
+                <a:tc>
+                  <a:txBody>
+                    <a:bodyPr/>
+                    <a:lstStyle/>
+                    <a:p>
+                      <a:pPr marL="0" marR="0" algn="ctr">
+                        <a:lnSpc>
+                          <a:spcPct val="107000"/>
+                        </a:lnSpc>
+                        <a:spcBef>
+                          <a:spcPts val="0"/>
+                        </a:spcBef>
+                        <a:spcAft>
+                          <a:spcPts val="0"/>
+                        </a:spcAft>
+                      </a:pPr>
+                      <a:r>
+                        <a:rPr lang="en-US" sz="1800">
+                          <a:effectLst/>
+                          <a:latin typeface="Arial" panose="020B0604020202020204" pitchFamily="34" charset="0"/>
+                          <a:ea typeface="Calibri" panose="020F0502020204030204" pitchFamily="34" charset="0"/>
+                          <a:cs typeface="Times New Roman" panose="02020603050405020304" pitchFamily="18" charset="0"/>
+                        </a:rPr>
+                        <a:t>0.00003 cm</a:t>
+                      </a:r>
+                      <a:endParaRPr lang="en-US" sz="1600">
+                        <a:effectLst/>
+                        <a:latin typeface="Calibri" panose="020F0502020204030204" pitchFamily="34" charset="0"/>
+                        <a:ea typeface="Calibri" panose="020F0502020204030204" pitchFamily="34" charset="0"/>
+                        <a:cs typeface="Times New Roman" panose="02020603050405020304" pitchFamily="18" charset="0"/>
+                      </a:endParaRPr>
+                    </a:p>
+                  </a:txBody>
+                  <a:tcPr marL="68580" marR="68580" marT="0" marB="0" anchor="ctr">
+                    <a:lnL w="12700" cap="flat" cmpd="sng" algn="ctr">
+                      <a:solidFill>
+                        <a:srgbClr val="000000"/>
+                      </a:solidFill>
+                      <a:prstDash val="solid"/>
+                      <a:round/>
+                      <a:headEnd type="none" w="med" len="med"/>
+                      <a:tailEnd type="none" w="med" len="med"/>
+                    </a:lnL>
+                    <a:lnR w="12700" cap="flat" cmpd="sng" algn="ctr">
+                      <a:solidFill>
+                        <a:srgbClr val="000000"/>
+                      </a:solidFill>
+                      <a:prstDash val="solid"/>
+                      <a:round/>
+                      <a:headEnd type="none" w="med" len="med"/>
+                      <a:tailEnd type="none" w="med" len="med"/>
+                    </a:lnR>
+                    <a:lnT w="12700" cap="flat" cmpd="sng" algn="ctr">
+                      <a:solidFill>
+                        <a:srgbClr val="000000"/>
+                      </a:solidFill>
+                      <a:prstDash val="solid"/>
+                      <a:round/>
+                      <a:headEnd type="none" w="med" len="med"/>
+                      <a:tailEnd type="none" w="med" len="med"/>
+                    </a:lnT>
+                    <a:lnB w="12700" cap="flat" cmpd="sng" algn="ctr">
+                      <a:solidFill>
+                        <a:srgbClr val="000000"/>
+                      </a:solidFill>
+                      <a:prstDash val="solid"/>
+                      <a:round/>
+                      <a:headEnd type="none" w="med" len="med"/>
+                      <a:tailEnd type="none" w="med" len="med"/>
+                    </a:lnB>
+                    <a:solidFill>
+                      <a:schemeClr val="bg1"/>
+                    </a:solidFill>
+                  </a:tcPr>
+                </a:tc>
+              </a:tr>
+              <a:tr h="428525">
+                <a:tc>
+                  <a:txBody>
+                    <a:bodyPr/>
+                    <a:lstStyle/>
+                    <a:p>
+                      <a:pPr marL="0" marR="0">
+                        <a:lnSpc>
+                          <a:spcPct val="107000"/>
+                        </a:lnSpc>
+                        <a:spcBef>
+                          <a:spcPts val="0"/>
+                        </a:spcBef>
+                        <a:spcAft>
+                          <a:spcPts val="0"/>
+                        </a:spcAft>
+                      </a:pPr>
+                      <a:r>
+                        <a:rPr lang="en-US" sz="1800">
+                          <a:effectLst/>
+                          <a:latin typeface="Arial" panose="020B0604020202020204" pitchFamily="34" charset="0"/>
+                          <a:ea typeface="Calibri" panose="020F0502020204030204" pitchFamily="34" charset="0"/>
+                          <a:cs typeface="Times New Roman" panose="02020603050405020304" pitchFamily="18" charset="0"/>
+                        </a:rPr>
+                        <a:t>Top Al Casing Thickness</a:t>
+                      </a:r>
+                      <a:endParaRPr lang="en-US" sz="1600">
+                        <a:effectLst/>
+                        <a:latin typeface="Calibri" panose="020F0502020204030204" pitchFamily="34" charset="0"/>
+                        <a:ea typeface="Calibri" panose="020F0502020204030204" pitchFamily="34" charset="0"/>
+                        <a:cs typeface="Times New Roman" panose="02020603050405020304" pitchFamily="18" charset="0"/>
+                      </a:endParaRPr>
+                    </a:p>
+                  </a:txBody>
+                  <a:tcPr marL="68580" marR="68580" marT="0" marB="0" anchor="ctr">
+                    <a:lnL w="12700" cap="flat" cmpd="sng" algn="ctr">
+                      <a:solidFill>
+                        <a:srgbClr val="000000"/>
+                      </a:solidFill>
+                      <a:prstDash val="solid"/>
+                      <a:round/>
+                      <a:headEnd type="none" w="med" len="med"/>
+                      <a:tailEnd type="none" w="med" len="med"/>
+                    </a:lnL>
+                    <a:lnR w="12700" cap="flat" cmpd="sng" algn="ctr">
+                      <a:solidFill>
+                        <a:srgbClr val="000000"/>
+                      </a:solidFill>
+                      <a:prstDash val="solid"/>
+                      <a:round/>
+                      <a:headEnd type="none" w="med" len="med"/>
+                      <a:tailEnd type="none" w="med" len="med"/>
+                    </a:lnR>
+                    <a:lnT w="12700" cap="flat" cmpd="sng" algn="ctr">
+                      <a:solidFill>
+                        <a:srgbClr val="000000"/>
+                      </a:solidFill>
+                      <a:prstDash val="solid"/>
+                      <a:round/>
+                      <a:headEnd type="none" w="med" len="med"/>
+                      <a:tailEnd type="none" w="med" len="med"/>
+                    </a:lnT>
+                    <a:lnB w="12700" cap="flat" cmpd="sng" algn="ctr">
+                      <a:solidFill>
+                        <a:srgbClr val="000000"/>
+                      </a:solidFill>
+                      <a:prstDash val="solid"/>
+                      <a:round/>
+                      <a:headEnd type="none" w="med" len="med"/>
+                      <a:tailEnd type="none" w="med" len="med"/>
+                    </a:lnB>
+                    <a:solidFill>
+                      <a:schemeClr val="bg1"/>
+                    </a:solidFill>
+                  </a:tcPr>
+                </a:tc>
+                <a:tc>
+                  <a:txBody>
+                    <a:bodyPr/>
+                    <a:lstStyle/>
+                    <a:p>
+                      <a:pPr marL="0" marR="0" algn="ctr">
+                        <a:lnSpc>
+                          <a:spcPct val="107000"/>
+                        </a:lnSpc>
+                        <a:spcBef>
+                          <a:spcPts val="0"/>
+                        </a:spcBef>
+                        <a:spcAft>
+                          <a:spcPts val="0"/>
+                        </a:spcAft>
+                      </a:pPr>
+                      <a:r>
+                        <a:rPr lang="en-US" sz="1800">
+                          <a:effectLst/>
+                          <a:latin typeface="Arial" panose="020B0604020202020204" pitchFamily="34" charset="0"/>
+                          <a:ea typeface="Calibri" panose="020F0502020204030204" pitchFamily="34" charset="0"/>
+                          <a:cs typeface="Times New Roman" panose="02020603050405020304" pitchFamily="18" charset="0"/>
+                        </a:rPr>
+                        <a:t>0.15 cm</a:t>
+                      </a:r>
+                      <a:endParaRPr lang="en-US" sz="1600">
+                        <a:effectLst/>
+                        <a:latin typeface="Calibri" panose="020F0502020204030204" pitchFamily="34" charset="0"/>
+                        <a:ea typeface="Calibri" panose="020F0502020204030204" pitchFamily="34" charset="0"/>
+                        <a:cs typeface="Times New Roman" panose="02020603050405020304" pitchFamily="18" charset="0"/>
+                      </a:endParaRPr>
+                    </a:p>
+                  </a:txBody>
+                  <a:tcPr marL="68580" marR="68580" marT="0" marB="0" anchor="ctr">
+                    <a:lnL w="12700" cap="flat" cmpd="sng" algn="ctr">
+                      <a:solidFill>
+                        <a:srgbClr val="000000"/>
+                      </a:solidFill>
+                      <a:prstDash val="solid"/>
+                      <a:round/>
+                      <a:headEnd type="none" w="med" len="med"/>
+                      <a:tailEnd type="none" w="med" len="med"/>
+                    </a:lnL>
+                    <a:lnR w="12700" cap="flat" cmpd="sng" algn="ctr">
+                      <a:solidFill>
+                        <a:srgbClr val="000000"/>
+                      </a:solidFill>
+                      <a:prstDash val="solid"/>
+                      <a:round/>
+                      <a:headEnd type="none" w="med" len="med"/>
+                      <a:tailEnd type="none" w="med" len="med"/>
+                    </a:lnR>
+                    <a:lnT w="12700" cap="flat" cmpd="sng" algn="ctr">
+                      <a:solidFill>
+                        <a:srgbClr val="000000"/>
+                      </a:solidFill>
+                      <a:prstDash val="solid"/>
+                      <a:round/>
+                      <a:headEnd type="none" w="med" len="med"/>
+                      <a:tailEnd type="none" w="med" len="med"/>
+                    </a:lnT>
+                    <a:lnB w="12700" cap="flat" cmpd="sng" algn="ctr">
+                      <a:solidFill>
+                        <a:srgbClr val="000000"/>
+                      </a:solidFill>
+                      <a:prstDash val="solid"/>
+                      <a:round/>
+                      <a:headEnd type="none" w="med" len="med"/>
+                      <a:tailEnd type="none" w="med" len="med"/>
+                    </a:lnB>
+                    <a:solidFill>
+                      <a:schemeClr val="bg1"/>
+                    </a:solidFill>
+                  </a:tcPr>
+                </a:tc>
+              </a:tr>
+              <a:tr h="428525">
+                <a:tc>
+                  <a:txBody>
+                    <a:bodyPr/>
+                    <a:lstStyle/>
+                    <a:p>
+                      <a:pPr marL="0" marR="0">
+                        <a:lnSpc>
+                          <a:spcPct val="107000"/>
+                        </a:lnSpc>
+                        <a:spcBef>
+                          <a:spcPts val="0"/>
+                        </a:spcBef>
+                        <a:spcAft>
+                          <a:spcPts val="0"/>
+                        </a:spcAft>
+                      </a:pPr>
+                      <a:r>
+                        <a:rPr lang="en-US" sz="1800">
+                          <a:effectLst/>
+                          <a:latin typeface="Arial" panose="020B0604020202020204" pitchFamily="34" charset="0"/>
+                          <a:ea typeface="Calibri" panose="020F0502020204030204" pitchFamily="34" charset="0"/>
+                          <a:cs typeface="Times New Roman" panose="02020603050405020304" pitchFamily="18" charset="0"/>
+                        </a:rPr>
+                        <a:t>Sides Al Casing Thickness</a:t>
+                      </a:r>
+                      <a:endParaRPr lang="en-US" sz="1600">
+                        <a:effectLst/>
+                        <a:latin typeface="Calibri" panose="020F0502020204030204" pitchFamily="34" charset="0"/>
+                        <a:ea typeface="Calibri" panose="020F0502020204030204" pitchFamily="34" charset="0"/>
+                        <a:cs typeface="Times New Roman" panose="02020603050405020304" pitchFamily="18" charset="0"/>
+                      </a:endParaRPr>
+                    </a:p>
+                  </a:txBody>
+                  <a:tcPr marL="68580" marR="68580" marT="0" marB="0" anchor="ctr">
+                    <a:lnL w="12700" cap="flat" cmpd="sng" algn="ctr">
+                      <a:solidFill>
+                        <a:srgbClr val="000000"/>
+                      </a:solidFill>
+                      <a:prstDash val="solid"/>
+                      <a:round/>
+                      <a:headEnd type="none" w="med" len="med"/>
+                      <a:tailEnd type="none" w="med" len="med"/>
+                    </a:lnL>
+                    <a:lnR w="12700" cap="flat" cmpd="sng" algn="ctr">
+                      <a:solidFill>
+                        <a:srgbClr val="000000"/>
+                      </a:solidFill>
+                      <a:prstDash val="solid"/>
+                      <a:round/>
+                      <a:headEnd type="none" w="med" len="med"/>
+                      <a:tailEnd type="none" w="med" len="med"/>
+                    </a:lnR>
+                    <a:lnT w="12700" cap="flat" cmpd="sng" algn="ctr">
+                      <a:solidFill>
+                        <a:srgbClr val="000000"/>
+                      </a:solidFill>
+                      <a:prstDash val="solid"/>
+                      <a:round/>
+                      <a:headEnd type="none" w="med" len="med"/>
+                      <a:tailEnd type="none" w="med" len="med"/>
+                    </a:lnT>
+                    <a:lnB w="12700" cap="flat" cmpd="sng" algn="ctr">
+                      <a:solidFill>
+                        <a:srgbClr val="000000"/>
+                      </a:solidFill>
+                      <a:prstDash val="solid"/>
+                      <a:round/>
+                      <a:headEnd type="none" w="med" len="med"/>
+                      <a:tailEnd type="none" w="med" len="med"/>
+                    </a:lnB>
+                    <a:solidFill>
+                      <a:schemeClr val="bg1"/>
+                    </a:solidFill>
+                  </a:tcPr>
+                </a:tc>
+                <a:tc>
+                  <a:txBody>
+                    <a:bodyPr/>
+                    <a:lstStyle/>
+                    <a:p>
+                      <a:pPr marL="0" marR="0" algn="ctr">
+                        <a:lnSpc>
+                          <a:spcPct val="107000"/>
+                        </a:lnSpc>
+                        <a:spcBef>
+                          <a:spcPts val="0"/>
+                        </a:spcBef>
+                        <a:spcAft>
+                          <a:spcPts val="0"/>
+                        </a:spcAft>
+                      </a:pPr>
+                      <a:r>
+                        <a:rPr lang="en-US" sz="1800">
+                          <a:effectLst/>
+                          <a:latin typeface="Arial" panose="020B0604020202020204" pitchFamily="34" charset="0"/>
+                          <a:ea typeface="Calibri" panose="020F0502020204030204" pitchFamily="34" charset="0"/>
+                          <a:cs typeface="Times New Roman" panose="02020603050405020304" pitchFamily="18" charset="0"/>
+                        </a:rPr>
+                        <a:t>0.15 cm</a:t>
+                      </a:r>
+                      <a:endParaRPr lang="en-US" sz="1600">
+                        <a:effectLst/>
+                        <a:latin typeface="Calibri" panose="020F0502020204030204" pitchFamily="34" charset="0"/>
+                        <a:ea typeface="Calibri" panose="020F0502020204030204" pitchFamily="34" charset="0"/>
+                        <a:cs typeface="Times New Roman" panose="02020603050405020304" pitchFamily="18" charset="0"/>
+                      </a:endParaRPr>
+                    </a:p>
+                  </a:txBody>
+                  <a:tcPr marL="68580" marR="68580" marT="0" marB="0" anchor="ctr">
+                    <a:lnL w="12700" cap="flat" cmpd="sng" algn="ctr">
+                      <a:solidFill>
+                        <a:srgbClr val="000000"/>
+                      </a:solidFill>
+                      <a:prstDash val="solid"/>
+                      <a:round/>
+                      <a:headEnd type="none" w="med" len="med"/>
+                      <a:tailEnd type="none" w="med" len="med"/>
+                    </a:lnL>
+                    <a:lnR w="12700" cap="flat" cmpd="sng" algn="ctr">
+                      <a:solidFill>
+                        <a:srgbClr val="000000"/>
+                      </a:solidFill>
+                      <a:prstDash val="solid"/>
+                      <a:round/>
+                      <a:headEnd type="none" w="med" len="med"/>
+                      <a:tailEnd type="none" w="med" len="med"/>
+                    </a:lnR>
+                    <a:lnT w="12700" cap="flat" cmpd="sng" algn="ctr">
+                      <a:solidFill>
+                        <a:srgbClr val="000000"/>
+                      </a:solidFill>
+                      <a:prstDash val="solid"/>
+                      <a:round/>
+                      <a:headEnd type="none" w="med" len="med"/>
+                      <a:tailEnd type="none" w="med" len="med"/>
+                    </a:lnT>
+                    <a:lnB w="12700" cap="flat" cmpd="sng" algn="ctr">
+                      <a:solidFill>
+                        <a:srgbClr val="000000"/>
+                      </a:solidFill>
+                      <a:prstDash val="solid"/>
+                      <a:round/>
+                      <a:headEnd type="none" w="med" len="med"/>
+                      <a:tailEnd type="none" w="med" len="med"/>
+                    </a:lnB>
+                    <a:solidFill>
+                      <a:schemeClr val="bg1"/>
+                    </a:solidFill>
+                  </a:tcPr>
+                </a:tc>
+              </a:tr>
+              <a:tr h="428525">
+                <a:tc>
+                  <a:txBody>
+                    <a:bodyPr/>
+                    <a:lstStyle/>
+                    <a:p>
+                      <a:pPr marL="0" marR="0">
+                        <a:lnSpc>
+                          <a:spcPct val="107000"/>
+                        </a:lnSpc>
+                        <a:spcBef>
+                          <a:spcPts val="0"/>
+                        </a:spcBef>
+                        <a:spcAft>
+                          <a:spcPts val="0"/>
+                        </a:spcAft>
+                      </a:pPr>
+                      <a:r>
+                        <a:rPr lang="en-US" sz="1800">
+                          <a:effectLst/>
+                          <a:latin typeface="Arial" panose="020B0604020202020204" pitchFamily="34" charset="0"/>
+                          <a:ea typeface="Calibri" panose="020F0502020204030204" pitchFamily="34" charset="0"/>
+                          <a:cs typeface="Times New Roman" panose="02020603050405020304" pitchFamily="18" charset="0"/>
+                        </a:rPr>
+                        <a:t>Ge Crystal Density</a:t>
+                      </a:r>
+                      <a:endParaRPr lang="en-US" sz="1600">
+                        <a:effectLst/>
+                        <a:latin typeface="Calibri" panose="020F0502020204030204" pitchFamily="34" charset="0"/>
+                        <a:ea typeface="Calibri" panose="020F0502020204030204" pitchFamily="34" charset="0"/>
+                        <a:cs typeface="Times New Roman" panose="02020603050405020304" pitchFamily="18" charset="0"/>
+                      </a:endParaRPr>
+                    </a:p>
+                  </a:txBody>
+                  <a:tcPr marL="68580" marR="68580" marT="0" marB="0" anchor="ctr">
+                    <a:lnL w="12700" cap="flat" cmpd="sng" algn="ctr">
+                      <a:solidFill>
+                        <a:srgbClr val="000000"/>
+                      </a:solidFill>
+                      <a:prstDash val="solid"/>
+                      <a:round/>
+                      <a:headEnd type="none" w="med" len="med"/>
+                      <a:tailEnd type="none" w="med" len="med"/>
+                    </a:lnL>
+                    <a:lnR w="12700" cap="flat" cmpd="sng" algn="ctr">
+                      <a:solidFill>
+                        <a:srgbClr val="000000"/>
+                      </a:solidFill>
+                      <a:prstDash val="solid"/>
+                      <a:round/>
+                      <a:headEnd type="none" w="med" len="med"/>
+                      <a:tailEnd type="none" w="med" len="med"/>
+                    </a:lnR>
+                    <a:lnT w="12700" cap="flat" cmpd="sng" algn="ctr">
+                      <a:solidFill>
+                        <a:srgbClr val="000000"/>
+                      </a:solidFill>
+                      <a:prstDash val="solid"/>
+                      <a:round/>
+                      <a:headEnd type="none" w="med" len="med"/>
+                      <a:tailEnd type="none" w="med" len="med"/>
+                    </a:lnT>
+                    <a:lnB w="12700" cap="flat" cmpd="sng" algn="ctr">
+                      <a:solidFill>
+                        <a:srgbClr val="000000"/>
+                      </a:solidFill>
+                      <a:prstDash val="solid"/>
+                      <a:round/>
+                      <a:headEnd type="none" w="med" len="med"/>
+                      <a:tailEnd type="none" w="med" len="med"/>
+                    </a:lnB>
+                    <a:solidFill>
+                      <a:schemeClr val="bg1"/>
+                    </a:solidFill>
+                  </a:tcPr>
+                </a:tc>
+                <a:tc>
+                  <a:txBody>
+                    <a:bodyPr/>
+                    <a:lstStyle/>
+                    <a:p>
+                      <a:pPr marL="0" marR="0" algn="ctr">
+                        <a:lnSpc>
+                          <a:spcPct val="107000"/>
+                        </a:lnSpc>
+                        <a:spcBef>
+                          <a:spcPts val="0"/>
+                        </a:spcBef>
+                        <a:spcAft>
+                          <a:spcPts val="0"/>
+                        </a:spcAft>
+                      </a:pPr>
+                      <a:r>
+                        <a:rPr lang="en-US" sz="1800" dirty="0">
+                          <a:effectLst/>
+                          <a:latin typeface="Arial" panose="020B0604020202020204" pitchFamily="34" charset="0"/>
+                          <a:ea typeface="Calibri" panose="020F0502020204030204" pitchFamily="34" charset="0"/>
+                          <a:cs typeface="Times New Roman" panose="02020603050405020304" pitchFamily="18" charset="0"/>
+                        </a:rPr>
+                        <a:t>5.32 g/cm</a:t>
+                      </a:r>
+                      <a:r>
+                        <a:rPr lang="en-US" sz="1800" baseline="30000" dirty="0">
+                          <a:effectLst/>
+                          <a:latin typeface="Arial" panose="020B0604020202020204" pitchFamily="34" charset="0"/>
+                          <a:ea typeface="Calibri" panose="020F0502020204030204" pitchFamily="34" charset="0"/>
+                          <a:cs typeface="Times New Roman" panose="02020603050405020304" pitchFamily="18" charset="0"/>
+                        </a:rPr>
+                        <a:t>3</a:t>
+                      </a:r>
+                      <a:endParaRPr lang="en-US" sz="1600" dirty="0">
+                        <a:effectLst/>
+                        <a:latin typeface="Calibri" panose="020F0502020204030204" pitchFamily="34" charset="0"/>
+                        <a:ea typeface="Calibri" panose="020F0502020204030204" pitchFamily="34" charset="0"/>
+                        <a:cs typeface="Times New Roman" panose="02020603050405020304" pitchFamily="18" charset="0"/>
+                      </a:endParaRPr>
+                    </a:p>
+                  </a:txBody>
+                  <a:tcPr marL="68580" marR="68580" marT="0" marB="0" anchor="ctr">
+                    <a:lnL w="12700" cap="flat" cmpd="sng" algn="ctr">
+                      <a:solidFill>
+                        <a:srgbClr val="000000"/>
+                      </a:solidFill>
+                      <a:prstDash val="solid"/>
+                      <a:round/>
+                      <a:headEnd type="none" w="med" len="med"/>
+                      <a:tailEnd type="none" w="med" len="med"/>
+                    </a:lnL>
+                    <a:lnR w="12700" cap="flat" cmpd="sng" algn="ctr">
+                      <a:solidFill>
+                        <a:srgbClr val="000000"/>
+                      </a:solidFill>
+                      <a:prstDash val="solid"/>
+                      <a:round/>
+                      <a:headEnd type="none" w="med" len="med"/>
+                      <a:tailEnd type="none" w="med" len="med"/>
+                    </a:lnR>
+                    <a:lnT w="12700" cap="flat" cmpd="sng" algn="ctr">
+                      <a:solidFill>
+                        <a:srgbClr val="000000"/>
+                      </a:solidFill>
+                      <a:prstDash val="solid"/>
+                      <a:round/>
+                      <a:headEnd type="none" w="med" len="med"/>
+                      <a:tailEnd type="none" w="med" len="med"/>
+                    </a:lnT>
+                    <a:lnB w="12700" cap="flat" cmpd="sng" algn="ctr">
+                      <a:solidFill>
+                        <a:srgbClr val="000000"/>
+                      </a:solidFill>
+                      <a:prstDash val="solid"/>
+                      <a:round/>
+                      <a:headEnd type="none" w="med" len="med"/>
+                      <a:tailEnd type="none" w="med" len="med"/>
+                    </a:lnB>
+                    <a:solidFill>
+                      <a:schemeClr val="bg1"/>
+                    </a:solidFill>
+                  </a:tcPr>
+                </a:tc>
+              </a:tr>
+            </a:tbl>
+          </a:graphicData>
+        </a:graphic>
+      </p:graphicFrame>
+    </p:spTree>
+    <p:extLst>
+      <p:ext uri="{BB962C8B-B14F-4D97-AF65-F5344CB8AC3E}">
+        <p14:creationId xmlns:p14="http://schemas.microsoft.com/office/powerpoint/2010/main" val="3268633312"/>
+      </p:ext>
+    </p:extLst>
+  </p:cSld>
+  <p:clrMapOvr>
+    <a:masterClrMapping/>
+  </p:clrMapOvr>
+  <p:transition/>
+  <p:timing>
+    <p:tnLst>
+      <p:par>
+        <p:cTn id="1" dur="indefinite" restart="never" nodeType="tmRoot"/>
+      </p:par>
+    </p:tnLst>
+  </p:timing>
+</p:sld>
+</file>
+
+<file path=ppt/slides/slide18.xml><?xml version="1.0" encoding="utf-8"?>
+<p:sld xmlns:a="http://schemas.openxmlformats.org/drawingml/2006/main" xmlns:r="http://schemas.openxmlformats.org/officeDocument/2006/relationships" xmlns:p="http://schemas.openxmlformats.org/presentationml/2006/main">
+  <p:cSld>
+    <p:spTree>
+      <p:nvGrpSpPr>
+        <p:cNvPr id="1" name=""/>
+        <p:cNvGrpSpPr/>
+        <p:nvPr/>
+      </p:nvGrpSpPr>
+      <p:grpSpPr>
+        <a:xfrm>
+          <a:off x="0" y="0"/>
+          <a:ext cx="0" cy="0"/>
+          <a:chOff x="0" y="0"/>
+          <a:chExt cx="0" cy="0"/>
+        </a:xfrm>
+      </p:grpSpPr>
+      <p:sp>
+        <p:nvSpPr>
           <p:cNvPr id="2" name="Content Placeholder 1"/>
           <p:cNvSpPr>
             <a:spLocks noGrp="1"/>
@@ -10933,69 +12546,25 @@
           <a:p>
             <a:r>
               <a:rPr lang="en-US" dirty="0" smtClean="0"/>
-              <a:t>Isotropic point source</a:t>
+              <a:t>PICTURE</a:t>
             </a:r>
           </a:p>
           <a:p>
             <a:r>
               <a:rPr lang="en-US" dirty="0" smtClean="0"/>
-              <a:t>11 discrete energies</a:t>
+              <a:t>Add slides with any title/as many as you want to describe your code and the process</a:t>
             </a:r>
           </a:p>
           <a:p>
             <a:r>
               <a:rPr lang="en-US" dirty="0" smtClean="0"/>
-              <a:t>10</a:t>
+              <a:t>Include our performance metric for comparing experimental vs </a:t>
             </a:r>
             <a:r>
-              <a:rPr lang="en-US" baseline="30000" dirty="0" smtClean="0"/>
-              <a:t>6</a:t>
+              <a:rPr lang="en-US" dirty="0" err="1" smtClean="0"/>
+              <a:t>mcnp</a:t>
             </a:r>
-            <a:r>
-              <a:rPr lang="en-US" dirty="0" smtClean="0"/>
-              <a:t> source particles</a:t>
-            </a:r>
-          </a:p>
-          <a:p>
-            <a:r>
-              <a:rPr lang="en-US" dirty="0" smtClean="0"/>
-              <a:t>Gaussian broadening off</a:t>
-            </a:r>
-          </a:p>
-          <a:p>
-            <a:r>
-              <a:rPr lang="en-US" dirty="0" smtClean="0"/>
-              <a:t>Tallies:</a:t>
-            </a:r>
-          </a:p>
-          <a:p>
-            <a:pPr lvl="1"/>
-            <a:r>
-              <a:rPr lang="en-US" dirty="0" smtClean="0"/>
-              <a:t>F8 – Energy Deposition Tally</a:t>
-            </a:r>
-          </a:p>
-          <a:p>
-            <a:pPr lvl="2"/>
-            <a:r>
-              <a:rPr lang="en-US" dirty="0" smtClean="0"/>
-              <a:t>Ge Crystal (Cell 3)</a:t>
-            </a:r>
-          </a:p>
-          <a:p>
-            <a:pPr lvl="2"/>
-            <a:r>
-              <a:rPr lang="en-US" dirty="0" smtClean="0"/>
-              <a:t>8192 bins (10</a:t>
-            </a:r>
-            <a:r>
-              <a:rPr lang="en-US" baseline="30000" dirty="0" smtClean="0"/>
-              <a:t>-5</a:t>
-            </a:r>
-            <a:r>
-              <a:rPr lang="en-US" dirty="0" smtClean="0"/>
-              <a:t> - 3.14344 MeV)</a:t>
-            </a:r>
+            <a:endParaRPr lang="en-US" dirty="0" smtClean="0"/>
           </a:p>
         </p:txBody>
       </p:sp>
@@ -11014,13 +12583,14 @@
           <a:bodyPr/>
           <a:lstStyle/>
           <a:p>
+            <a:pPr>
+              <a:lnSpc>
+                <a:spcPct val="85000"/>
+              </a:lnSpc>
+            </a:pPr>
             <a:r>
               <a:rPr lang="en-US" dirty="0" smtClean="0"/>
-              <a:t>Parameters </a:t>
-            </a:r>
-            <a:r>
-              <a:rPr lang="en-US" dirty="0" smtClean="0"/>
-              <a:t>to Adjust</a:t>
+              <a:t>Automated Parametric Optimization Code</a:t>
             </a:r>
             <a:endParaRPr lang="en-US" dirty="0"/>
           </a:p>
@@ -11049,7 +12619,7 @@
               <a:pPr>
                 <a:defRPr/>
               </a:pPr>
-              <a:t>17</a:t>
+              <a:t>18</a:t>
             </a:fld>
             <a:endParaRPr lang="en-US"/>
           </a:p>
@@ -11058,7 +12628,685 @@
     </p:spTree>
     <p:extLst>
       <p:ext uri="{BB962C8B-B14F-4D97-AF65-F5344CB8AC3E}">
-        <p14:creationId xmlns:p14="http://schemas.microsoft.com/office/powerpoint/2010/main" val="3268633312"/>
+        <p14:creationId xmlns:p14="http://schemas.microsoft.com/office/powerpoint/2010/main" val="803912783"/>
+      </p:ext>
+    </p:extLst>
+  </p:cSld>
+  <p:clrMapOvr>
+    <a:masterClrMapping/>
+  </p:clrMapOvr>
+  <p:transition/>
+  <p:timing>
+    <p:tnLst>
+      <p:par>
+        <p:cTn id="1" dur="indefinite" restart="never" nodeType="tmRoot">
+          <p:childTnLst>
+            <p:seq concurrent="1" nextAc="seek">
+              <p:cTn id="2" dur="indefinite" nodeType="mainSeq">
+                <p:childTnLst>
+                  <p:par>
+                    <p:cTn id="3" fill="hold">
+                      <p:stCondLst>
+                        <p:cond delay="indefinite"/>
+                        <p:cond evt="onBegin" delay="0">
+                          <p:tn val="2"/>
+                        </p:cond>
+                      </p:stCondLst>
+                      <p:childTnLst>
+                        <p:par>
+                          <p:cTn id="4" fill="hold">
+                            <p:stCondLst>
+                              <p:cond delay="0"/>
+                            </p:stCondLst>
+                            <p:childTnLst>
+                              <p:par>
+                                <p:cTn id="5" presetID="1" presetClass="entr" presetSubtype="0" fill="hold" nodeType="withEffect">
+                                  <p:stCondLst>
+                                    <p:cond delay="0"/>
+                                  </p:stCondLst>
+                                  <p:childTnLst>
+                                    <p:set>
+                                      <p:cBhvr>
+                                        <p:cTn id="6" dur="1" fill="hold">
+                                          <p:stCondLst>
+                                            <p:cond delay="0"/>
+                                          </p:stCondLst>
+                                        </p:cTn>
+                                        <p:tgtEl>
+                                          <p:spTgt spid="2">
+                                            <p:txEl>
+                                              <p:pRg st="0" end="0"/>
+                                            </p:txEl>
+                                          </p:spTgt>
+                                        </p:tgtEl>
+                                        <p:attrNameLst>
+                                          <p:attrName>style.visibility</p:attrName>
+                                        </p:attrNameLst>
+                                      </p:cBhvr>
+                                      <p:to>
+                                        <p:strVal val="visible"/>
+                                      </p:to>
+                                    </p:set>
+                                  </p:childTnLst>
+                                </p:cTn>
+                              </p:par>
+                              <p:par>
+                                <p:cTn id="7" presetID="1" presetClass="entr" presetSubtype="0" fill="hold" nodeType="withEffect">
+                                  <p:stCondLst>
+                                    <p:cond delay="0"/>
+                                  </p:stCondLst>
+                                  <p:childTnLst>
+                                    <p:set>
+                                      <p:cBhvr>
+                                        <p:cTn id="8" dur="1" fill="hold">
+                                          <p:stCondLst>
+                                            <p:cond delay="0"/>
+                                          </p:stCondLst>
+                                        </p:cTn>
+                                        <p:tgtEl>
+                                          <p:spTgt spid="2">
+                                            <p:txEl>
+                                              <p:pRg st="1" end="1"/>
+                                            </p:txEl>
+                                          </p:spTgt>
+                                        </p:tgtEl>
+                                        <p:attrNameLst>
+                                          <p:attrName>style.visibility</p:attrName>
+                                        </p:attrNameLst>
+                                      </p:cBhvr>
+                                      <p:to>
+                                        <p:strVal val="visible"/>
+                                      </p:to>
+                                    </p:set>
+                                  </p:childTnLst>
+                                </p:cTn>
+                              </p:par>
+                              <p:par>
+                                <p:cTn id="9" presetID="1" presetClass="entr" presetSubtype="0" fill="hold" nodeType="withEffect">
+                                  <p:stCondLst>
+                                    <p:cond delay="0"/>
+                                  </p:stCondLst>
+                                  <p:childTnLst>
+                                    <p:set>
+                                      <p:cBhvr>
+                                        <p:cTn id="10" dur="1" fill="hold">
+                                          <p:stCondLst>
+                                            <p:cond delay="0"/>
+                                          </p:stCondLst>
+                                        </p:cTn>
+                                        <p:tgtEl>
+                                          <p:spTgt spid="2">
+                                            <p:txEl>
+                                              <p:pRg st="2" end="2"/>
+                                            </p:txEl>
+                                          </p:spTgt>
+                                        </p:tgtEl>
+                                        <p:attrNameLst>
+                                          <p:attrName>style.visibility</p:attrName>
+                                        </p:attrNameLst>
+                                      </p:cBhvr>
+                                      <p:to>
+                                        <p:strVal val="visible"/>
+                                      </p:to>
+                                    </p:set>
+                                  </p:childTnLst>
+                                </p:cTn>
+                              </p:par>
+                            </p:childTnLst>
+                          </p:cTn>
+                        </p:par>
+                      </p:childTnLst>
+                    </p:cTn>
+                  </p:par>
+                </p:childTnLst>
+              </p:cTn>
+              <p:prevCondLst>
+                <p:cond evt="onPrev" delay="0">
+                  <p:tgtEl>
+                    <p:sldTgt/>
+                  </p:tgtEl>
+                </p:cond>
+              </p:prevCondLst>
+              <p:nextCondLst>
+                <p:cond evt="onNext" delay="0">
+                  <p:tgtEl>
+                    <p:sldTgt/>
+                  </p:tgtEl>
+                </p:cond>
+              </p:nextCondLst>
+            </p:seq>
+          </p:childTnLst>
+        </p:cTn>
+      </p:par>
+    </p:tnLst>
+  </p:timing>
+</p:sld>
+</file>
+
+<file path=ppt/slides/slide19.xml><?xml version="1.0" encoding="utf-8"?>
+<p:sld xmlns:a="http://schemas.openxmlformats.org/drawingml/2006/main" xmlns:r="http://schemas.openxmlformats.org/officeDocument/2006/relationships" xmlns:p="http://schemas.openxmlformats.org/presentationml/2006/main">
+  <p:cSld>
+    <p:spTree>
+      <p:nvGrpSpPr>
+        <p:cNvPr id="1" name=""/>
+        <p:cNvGrpSpPr/>
+        <p:nvPr/>
+      </p:nvGrpSpPr>
+      <p:grpSpPr>
+        <a:xfrm>
+          <a:off x="0" y="0"/>
+          <a:ext cx="0" cy="0"/>
+          <a:chOff x="0" y="0"/>
+          <a:chExt cx="0" cy="0"/>
+        </a:xfrm>
+      </p:grpSpPr>
+      <p:sp>
+        <p:nvSpPr>
+          <p:cNvPr id="2" name="Content Placeholder 1"/>
+          <p:cNvSpPr>
+            <a:spLocks noGrp="1"/>
+          </p:cNvSpPr>
+          <p:nvPr>
+            <p:ph idx="1"/>
+          </p:nvPr>
+        </p:nvSpPr>
+        <p:spPr>
+          <a:xfrm>
+            <a:off x="304800" y="1295400"/>
+            <a:ext cx="8534400" cy="4876800"/>
+          </a:xfrm>
+        </p:spPr>
+        <p:txBody>
+          <a:bodyPr/>
+          <a:lstStyle/>
+          <a:p>
+            <a:r>
+              <a:rPr lang="en-US" dirty="0" smtClean="0"/>
+              <a:t>Add 5 efficiency plots for experimental verse MCNP</a:t>
+            </a:r>
+          </a:p>
+          <a:p>
+            <a:pPr lvl="1"/>
+            <a:r>
+              <a:rPr lang="en-US" dirty="0" smtClean="0"/>
+              <a:t>Include a table for each too</a:t>
+            </a:r>
+          </a:p>
+          <a:p>
+            <a:r>
+              <a:rPr lang="en-US" dirty="0" smtClean="0"/>
+              <a:t>1 plot for the combined optimal parameters</a:t>
+            </a:r>
+          </a:p>
+          <a:p>
+            <a:r>
+              <a:rPr lang="en-US" dirty="0" smtClean="0"/>
+              <a:t>Advantage results?</a:t>
+            </a:r>
+          </a:p>
+          <a:p>
+            <a:r>
+              <a:rPr lang="en-US" dirty="0" smtClean="0"/>
+              <a:t>Include final value for relative uncertainty</a:t>
+            </a:r>
+            <a:endParaRPr lang="en-US" dirty="0" smtClean="0"/>
+          </a:p>
+        </p:txBody>
+      </p:sp>
+      <p:sp>
+        <p:nvSpPr>
+          <p:cNvPr id="10241" name="Title 1"/>
+          <p:cNvSpPr>
+            <a:spLocks noGrp="1"/>
+          </p:cNvSpPr>
+          <p:nvPr>
+            <p:ph type="title"/>
+          </p:nvPr>
+        </p:nvSpPr>
+        <p:spPr/>
+        <p:txBody>
+          <a:bodyPr/>
+          <a:lstStyle/>
+          <a:p>
+            <a:r>
+              <a:rPr lang="en-US" dirty="0" smtClean="0">
+                <a:solidFill>
+                  <a:srgbClr val="FF0000"/>
+                </a:solidFill>
+              </a:rPr>
+              <a:t>Results</a:t>
+            </a:r>
+            <a:endParaRPr lang="en-US" dirty="0">
+              <a:solidFill>
+                <a:srgbClr val="FF0000"/>
+              </a:solidFill>
+            </a:endParaRPr>
+          </a:p>
+        </p:txBody>
+      </p:sp>
+      <p:sp>
+        <p:nvSpPr>
+          <p:cNvPr id="3" name="Slide Number Placeholder 2"/>
+          <p:cNvSpPr>
+            <a:spLocks noGrp="1"/>
+          </p:cNvSpPr>
+          <p:nvPr>
+            <p:ph type="sldNum" sz="quarter" idx="10"/>
+          </p:nvPr>
+        </p:nvSpPr>
+        <p:spPr/>
+        <p:txBody>
+          <a:bodyPr/>
+          <a:lstStyle/>
+          <a:p>
+            <a:pPr>
+              <a:defRPr/>
+            </a:pPr>
+            <a:fld id="{54D80F8A-463A-4890-BC87-BDB129B2791E}" type="slidenum">
+              <a:rPr lang="en-US" smtClean="0"/>
+              <a:pPr>
+                <a:defRPr/>
+              </a:pPr>
+              <a:t>19</a:t>
+            </a:fld>
+            <a:endParaRPr lang="en-US"/>
+          </a:p>
+        </p:txBody>
+      </p:sp>
+    </p:spTree>
+    <p:extLst>
+      <p:ext uri="{BB962C8B-B14F-4D97-AF65-F5344CB8AC3E}">
+        <p14:creationId xmlns:p14="http://schemas.microsoft.com/office/powerpoint/2010/main" val="2104524501"/>
+      </p:ext>
+    </p:extLst>
+  </p:cSld>
+  <p:clrMapOvr>
+    <a:masterClrMapping/>
+  </p:clrMapOvr>
+  <p:transition/>
+  <p:timing>
+    <p:tnLst>
+      <p:par>
+        <p:cTn id="1" dur="indefinite" restart="never" nodeType="tmRoot">
+          <p:childTnLst>
+            <p:seq concurrent="1" nextAc="seek">
+              <p:cTn id="2" dur="indefinite" nodeType="mainSeq">
+                <p:childTnLst>
+                  <p:par>
+                    <p:cTn id="3" fill="hold">
+                      <p:stCondLst>
+                        <p:cond delay="indefinite"/>
+                        <p:cond evt="onBegin" delay="0">
+                          <p:tn val="2"/>
+                        </p:cond>
+                      </p:stCondLst>
+                      <p:childTnLst>
+                        <p:par>
+                          <p:cTn id="4" fill="hold">
+                            <p:stCondLst>
+                              <p:cond delay="0"/>
+                            </p:stCondLst>
+                            <p:childTnLst>
+                              <p:par>
+                                <p:cTn id="5" presetID="1" presetClass="entr" presetSubtype="0" fill="hold" nodeType="withEffect">
+                                  <p:stCondLst>
+                                    <p:cond delay="0"/>
+                                  </p:stCondLst>
+                                  <p:childTnLst>
+                                    <p:set>
+                                      <p:cBhvr>
+                                        <p:cTn id="6" dur="1" fill="hold">
+                                          <p:stCondLst>
+                                            <p:cond delay="0"/>
+                                          </p:stCondLst>
+                                        </p:cTn>
+                                        <p:tgtEl>
+                                          <p:spTgt spid="2">
+                                            <p:txEl>
+                                              <p:pRg st="0" end="0"/>
+                                            </p:txEl>
+                                          </p:spTgt>
+                                        </p:tgtEl>
+                                        <p:attrNameLst>
+                                          <p:attrName>style.visibility</p:attrName>
+                                        </p:attrNameLst>
+                                      </p:cBhvr>
+                                      <p:to>
+                                        <p:strVal val="visible"/>
+                                      </p:to>
+                                    </p:set>
+                                  </p:childTnLst>
+                                </p:cTn>
+                              </p:par>
+                              <p:par>
+                                <p:cTn id="7" presetID="1" presetClass="entr" presetSubtype="0" fill="hold" nodeType="withEffect">
+                                  <p:stCondLst>
+                                    <p:cond delay="0"/>
+                                  </p:stCondLst>
+                                  <p:childTnLst>
+                                    <p:set>
+                                      <p:cBhvr>
+                                        <p:cTn id="8" dur="1" fill="hold">
+                                          <p:stCondLst>
+                                            <p:cond delay="0"/>
+                                          </p:stCondLst>
+                                        </p:cTn>
+                                        <p:tgtEl>
+                                          <p:spTgt spid="2">
+                                            <p:txEl>
+                                              <p:pRg st="1" end="1"/>
+                                            </p:txEl>
+                                          </p:spTgt>
+                                        </p:tgtEl>
+                                        <p:attrNameLst>
+                                          <p:attrName>style.visibility</p:attrName>
+                                        </p:attrNameLst>
+                                      </p:cBhvr>
+                                      <p:to>
+                                        <p:strVal val="visible"/>
+                                      </p:to>
+                                    </p:set>
+                                  </p:childTnLst>
+                                </p:cTn>
+                              </p:par>
+                              <p:par>
+                                <p:cTn id="9" presetID="1" presetClass="entr" presetSubtype="0" fill="hold" nodeType="withEffect">
+                                  <p:stCondLst>
+                                    <p:cond delay="0"/>
+                                  </p:stCondLst>
+                                  <p:childTnLst>
+                                    <p:set>
+                                      <p:cBhvr>
+                                        <p:cTn id="10" dur="1" fill="hold">
+                                          <p:stCondLst>
+                                            <p:cond delay="0"/>
+                                          </p:stCondLst>
+                                        </p:cTn>
+                                        <p:tgtEl>
+                                          <p:spTgt spid="2">
+                                            <p:txEl>
+                                              <p:pRg st="2" end="2"/>
+                                            </p:txEl>
+                                          </p:spTgt>
+                                        </p:tgtEl>
+                                        <p:attrNameLst>
+                                          <p:attrName>style.visibility</p:attrName>
+                                        </p:attrNameLst>
+                                      </p:cBhvr>
+                                      <p:to>
+                                        <p:strVal val="visible"/>
+                                      </p:to>
+                                    </p:set>
+                                  </p:childTnLst>
+                                </p:cTn>
+                              </p:par>
+                              <p:par>
+                                <p:cTn id="11" presetID="1" presetClass="entr" presetSubtype="0" fill="hold" nodeType="withEffect">
+                                  <p:stCondLst>
+                                    <p:cond delay="0"/>
+                                  </p:stCondLst>
+                                  <p:childTnLst>
+                                    <p:set>
+                                      <p:cBhvr>
+                                        <p:cTn id="12" dur="1" fill="hold">
+                                          <p:stCondLst>
+                                            <p:cond delay="0"/>
+                                          </p:stCondLst>
+                                        </p:cTn>
+                                        <p:tgtEl>
+                                          <p:spTgt spid="2">
+                                            <p:txEl>
+                                              <p:pRg st="3" end="3"/>
+                                            </p:txEl>
+                                          </p:spTgt>
+                                        </p:tgtEl>
+                                        <p:attrNameLst>
+                                          <p:attrName>style.visibility</p:attrName>
+                                        </p:attrNameLst>
+                                      </p:cBhvr>
+                                      <p:to>
+                                        <p:strVal val="visible"/>
+                                      </p:to>
+                                    </p:set>
+                                  </p:childTnLst>
+                                </p:cTn>
+                              </p:par>
+                              <p:par>
+                                <p:cTn id="13" presetID="1" presetClass="entr" presetSubtype="0" fill="hold" nodeType="withEffect">
+                                  <p:stCondLst>
+                                    <p:cond delay="0"/>
+                                  </p:stCondLst>
+                                  <p:childTnLst>
+                                    <p:set>
+                                      <p:cBhvr>
+                                        <p:cTn id="14" dur="1" fill="hold">
+                                          <p:stCondLst>
+                                            <p:cond delay="0"/>
+                                          </p:stCondLst>
+                                        </p:cTn>
+                                        <p:tgtEl>
+                                          <p:spTgt spid="2">
+                                            <p:txEl>
+                                              <p:pRg st="4" end="4"/>
+                                            </p:txEl>
+                                          </p:spTgt>
+                                        </p:tgtEl>
+                                        <p:attrNameLst>
+                                          <p:attrName>style.visibility</p:attrName>
+                                        </p:attrNameLst>
+                                      </p:cBhvr>
+                                      <p:to>
+                                        <p:strVal val="visible"/>
+                                      </p:to>
+                                    </p:set>
+                                  </p:childTnLst>
+                                </p:cTn>
+                              </p:par>
+                            </p:childTnLst>
+                          </p:cTn>
+                        </p:par>
+                      </p:childTnLst>
+                    </p:cTn>
+                  </p:par>
+                </p:childTnLst>
+              </p:cTn>
+              <p:prevCondLst>
+                <p:cond evt="onPrev" delay="0">
+                  <p:tgtEl>
+                    <p:sldTgt/>
+                  </p:tgtEl>
+                </p:cond>
+              </p:prevCondLst>
+              <p:nextCondLst>
+                <p:cond evt="onNext" delay="0">
+                  <p:tgtEl>
+                    <p:sldTgt/>
+                  </p:tgtEl>
+                </p:cond>
+              </p:nextCondLst>
+            </p:seq>
+          </p:childTnLst>
+        </p:cTn>
+      </p:par>
+    </p:tnLst>
+  </p:timing>
+</p:sld>
+</file>
+
+<file path=ppt/slides/slide2.xml><?xml version="1.0" encoding="utf-8"?>
+<p:sld xmlns:a="http://schemas.openxmlformats.org/drawingml/2006/main" xmlns:r="http://schemas.openxmlformats.org/officeDocument/2006/relationships" xmlns:p="http://schemas.openxmlformats.org/presentationml/2006/main">
+  <p:cSld>
+    <p:spTree>
+      <p:nvGrpSpPr>
+        <p:cNvPr id="1" name=""/>
+        <p:cNvGrpSpPr/>
+        <p:nvPr/>
+      </p:nvGrpSpPr>
+      <p:grpSpPr>
+        <a:xfrm>
+          <a:off x="0" y="0"/>
+          <a:ext cx="0" cy="0"/>
+          <a:chOff x="0" y="0"/>
+          <a:chExt cx="0" cy="0"/>
+        </a:xfrm>
+      </p:grpSpPr>
+      <p:sp>
+        <p:nvSpPr>
+          <p:cNvPr id="2" name="Content Placeholder 1"/>
+          <p:cNvSpPr>
+            <a:spLocks noGrp="1"/>
+          </p:cNvSpPr>
+          <p:nvPr>
+            <p:ph idx="1"/>
+          </p:nvPr>
+        </p:nvSpPr>
+        <p:spPr>
+          <a:xfrm>
+            <a:off x="304800" y="1295400"/>
+            <a:ext cx="8534400" cy="4876800"/>
+          </a:xfrm>
+        </p:spPr>
+        <p:txBody>
+          <a:bodyPr/>
+          <a:lstStyle/>
+          <a:p>
+            <a:r>
+              <a:rPr lang="en-US" dirty="0" smtClean="0"/>
+              <a:t>Project Goals</a:t>
+            </a:r>
+          </a:p>
+          <a:p>
+            <a:r>
+              <a:rPr lang="en-US" dirty="0" smtClean="0"/>
+              <a:t>Previous Work</a:t>
+            </a:r>
+          </a:p>
+          <a:p>
+            <a:r>
+              <a:rPr lang="en-US" dirty="0" smtClean="0"/>
+              <a:t>Experiment</a:t>
+            </a:r>
+          </a:p>
+          <a:p>
+            <a:r>
+              <a:rPr lang="en-US" dirty="0" smtClean="0"/>
+              <a:t>MCNP Model</a:t>
+            </a:r>
+          </a:p>
+          <a:p>
+            <a:r>
+              <a:rPr lang="en-US" dirty="0" smtClean="0"/>
+              <a:t>Parametric Optimization Code</a:t>
+            </a:r>
+            <a:endParaRPr lang="en-US" dirty="0"/>
+          </a:p>
+          <a:p>
+            <a:r>
+              <a:rPr lang="en-US" dirty="0" smtClean="0"/>
+              <a:t>Results</a:t>
+            </a:r>
+          </a:p>
+          <a:p>
+            <a:r>
+              <a:rPr lang="en-US" dirty="0" smtClean="0"/>
+              <a:t>Conclusions</a:t>
+            </a:r>
+            <a:endParaRPr lang="en-US" dirty="0" smtClean="0"/>
+          </a:p>
+          <a:p>
+            <a:r>
+              <a:rPr lang="en-US" dirty="0" smtClean="0"/>
+              <a:t>Future Work</a:t>
+            </a:r>
+          </a:p>
+        </p:txBody>
+      </p:sp>
+      <p:sp>
+        <p:nvSpPr>
+          <p:cNvPr id="10241" name="Title 1"/>
+          <p:cNvSpPr>
+            <a:spLocks noGrp="1"/>
+          </p:cNvSpPr>
+          <p:nvPr>
+            <p:ph type="title"/>
+          </p:nvPr>
+        </p:nvSpPr>
+        <p:spPr/>
+        <p:txBody>
+          <a:bodyPr/>
+          <a:lstStyle/>
+          <a:p>
+            <a:r>
+              <a:rPr lang="en-US" dirty="0" smtClean="0"/>
+              <a:t>Overview</a:t>
+            </a:r>
+            <a:endParaRPr lang="en-US" dirty="0"/>
+          </a:p>
+        </p:txBody>
+      </p:sp>
+      <p:sp>
+        <p:nvSpPr>
+          <p:cNvPr id="3" name="Slide Number Placeholder 2"/>
+          <p:cNvSpPr>
+            <a:spLocks noGrp="1"/>
+          </p:cNvSpPr>
+          <p:nvPr>
+            <p:ph type="sldNum" sz="quarter" idx="10"/>
+          </p:nvPr>
+        </p:nvSpPr>
+        <p:spPr/>
+        <p:txBody>
+          <a:bodyPr/>
+          <a:lstStyle/>
+          <a:p>
+            <a:pPr>
+              <a:defRPr/>
+            </a:pPr>
+            <a:fld id="{54D80F8A-463A-4890-BC87-BDB129B2791E}" type="slidenum">
+              <a:rPr lang="en-US" smtClean="0"/>
+              <a:pPr>
+                <a:defRPr/>
+              </a:pPr>
+              <a:t>2</a:t>
+            </a:fld>
+            <a:endParaRPr lang="en-US"/>
+          </a:p>
+        </p:txBody>
+      </p:sp>
+      <p:pic>
+        <p:nvPicPr>
+          <p:cNvPr id="4" name="Picture 3"/>
+          <p:cNvPicPr>
+            <a:picLocks noChangeAspect="1"/>
+          </p:cNvPicPr>
+          <p:nvPr/>
+        </p:nvPicPr>
+        <p:blipFill>
+          <a:blip r:embed="rId3">
+            <a:extLst>
+              <a:ext uri="{28A0092B-C50C-407E-A947-70E740481C1C}">
+                <a14:useLocalDpi xmlns:a14="http://schemas.microsoft.com/office/drawing/2010/main" val="0"/>
+              </a:ext>
+            </a:extLst>
+          </a:blip>
+          <a:stretch>
+            <a:fillRect/>
+          </a:stretch>
+        </p:blipFill>
+        <p:spPr>
+          <a:xfrm>
+            <a:off x="4724400" y="2362200"/>
+            <a:ext cx="4028641" cy="3676135"/>
+          </a:xfrm>
+          <a:prstGeom prst="rect">
+            <a:avLst/>
+          </a:prstGeom>
+        </p:spPr>
+      </p:pic>
+    </p:spTree>
+    <p:extLst>
+      <p:ext uri="{BB962C8B-B14F-4D97-AF65-F5344CB8AC3E}">
+        <p14:creationId xmlns:p14="http://schemas.microsoft.com/office/powerpoint/2010/main" val="1179473832"/>
       </p:ext>
     </p:extLst>
   </p:cSld>
@@ -11368,7 +13616,133 @@
 </p:sld>
 </file>
 
-<file path=ppt/slides/slide18.xml><?xml version="1.0" encoding="utf-8"?>
+<file path=ppt/slides/slide20.xml><?xml version="1.0" encoding="utf-8"?>
+<p:sld xmlns:a="http://schemas.openxmlformats.org/drawingml/2006/main" xmlns:r="http://schemas.openxmlformats.org/officeDocument/2006/relationships" xmlns:p="http://schemas.openxmlformats.org/presentationml/2006/main">
+  <p:cSld>
+    <p:spTree>
+      <p:nvGrpSpPr>
+        <p:cNvPr id="1" name=""/>
+        <p:cNvGrpSpPr/>
+        <p:nvPr/>
+      </p:nvGrpSpPr>
+      <p:grpSpPr>
+        <a:xfrm>
+          <a:off x="0" y="0"/>
+          <a:ext cx="0" cy="0"/>
+          <a:chOff x="0" y="0"/>
+          <a:chExt cx="0" cy="0"/>
+        </a:xfrm>
+      </p:grpSpPr>
+      <p:sp>
+        <p:nvSpPr>
+          <p:cNvPr id="2" name="Title 1"/>
+          <p:cNvSpPr>
+            <a:spLocks noGrp="1"/>
+          </p:cNvSpPr>
+          <p:nvPr>
+            <p:ph type="title"/>
+          </p:nvPr>
+        </p:nvSpPr>
+        <p:spPr/>
+        <p:txBody>
+          <a:bodyPr/>
+          <a:lstStyle/>
+          <a:p>
+            <a:r>
+              <a:rPr lang="en-US" dirty="0" smtClean="0">
+                <a:solidFill>
+                  <a:srgbClr val="FF0000"/>
+                </a:solidFill>
+              </a:rPr>
+              <a:t>Conclusion</a:t>
+            </a:r>
+            <a:endParaRPr lang="en-US" dirty="0">
+              <a:solidFill>
+                <a:srgbClr val="FF0000"/>
+              </a:solidFill>
+            </a:endParaRPr>
+          </a:p>
+        </p:txBody>
+      </p:sp>
+      <p:sp>
+        <p:nvSpPr>
+          <p:cNvPr id="3" name="Content Placeholder 2"/>
+          <p:cNvSpPr>
+            <a:spLocks noGrp="1"/>
+          </p:cNvSpPr>
+          <p:nvPr>
+            <p:ph idx="1"/>
+          </p:nvPr>
+        </p:nvSpPr>
+        <p:spPr/>
+        <p:txBody>
+          <a:bodyPr/>
+          <a:lstStyle/>
+          <a:p>
+            <a:r>
+              <a:rPr lang="en-US" dirty="0" smtClean="0"/>
+              <a:t>How close were we?</a:t>
+            </a:r>
+          </a:p>
+          <a:p>
+            <a:r>
+              <a:rPr lang="en-US" dirty="0" smtClean="0"/>
+              <a:t>Does our method work?</a:t>
+            </a:r>
+          </a:p>
+          <a:p>
+            <a:r>
+              <a:rPr lang="en-US" dirty="0" smtClean="0"/>
+              <a:t>Anything?</a:t>
+            </a:r>
+            <a:endParaRPr lang="en-US" dirty="0"/>
+          </a:p>
+        </p:txBody>
+      </p:sp>
+      <p:sp>
+        <p:nvSpPr>
+          <p:cNvPr id="4" name="Slide Number Placeholder 3"/>
+          <p:cNvSpPr>
+            <a:spLocks noGrp="1"/>
+          </p:cNvSpPr>
+          <p:nvPr>
+            <p:ph type="sldNum" sz="quarter" idx="10"/>
+          </p:nvPr>
+        </p:nvSpPr>
+        <p:spPr/>
+        <p:txBody>
+          <a:bodyPr/>
+          <a:lstStyle/>
+          <a:p>
+            <a:pPr>
+              <a:defRPr/>
+            </a:pPr>
+            <a:fld id="{19845459-3F1B-4F43-8FC0-35ADCE8623CC}" type="slidenum">
+              <a:rPr lang="en-US" smtClean="0"/>
+              <a:pPr>
+                <a:defRPr/>
+              </a:pPr>
+              <a:t>20</a:t>
+            </a:fld>
+            <a:endParaRPr lang="en-US"/>
+          </a:p>
+        </p:txBody>
+      </p:sp>
+    </p:spTree>
+    <p:extLst>
+      <p:ext uri="{BB962C8B-B14F-4D97-AF65-F5344CB8AC3E}">
+        <p14:creationId xmlns:p14="http://schemas.microsoft.com/office/powerpoint/2010/main" val="3115579710"/>
+      </p:ext>
+    </p:extLst>
+  </p:cSld>
+  <p:clrMapOvr>
+    <a:masterClrMapping/>
+  </p:clrMapOvr>
+  <p:transition/>
+</p:sld>
+</file>
+
+<file path=ppt/slides/slide21.xml><?xml version="1.0" encoding="utf-8"?>
 <p:sld xmlns:a="http://schemas.openxmlformats.org/drawingml/2006/main" xmlns:r="http://schemas.openxmlformats.org/officeDocument/2006/relationships" xmlns:p="http://schemas.openxmlformats.org/presentationml/2006/main">
   <p:cSld>
     <p:spTree>
@@ -11407,32 +13781,49 @@
           <a:p>
             <a:r>
               <a:rPr lang="en-US" dirty="0" smtClean="0"/>
-              <a:t>Background</a:t>
+              <a:t>Reach a relative percent difference of less than 1%</a:t>
             </a:r>
           </a:p>
           <a:p>
+            <a:pPr lvl="1"/>
             <a:r>
               <a:rPr lang="en-US" dirty="0" smtClean="0"/>
-              <a:t>MCNP Model</a:t>
+              <a:t>Increase adjustable parameters</a:t>
             </a:r>
           </a:p>
           <a:p>
+            <a:pPr lvl="1"/>
             <a:r>
               <a:rPr lang="en-US" dirty="0" smtClean="0"/>
-              <a:t>Parametric Optimization Code</a:t>
+              <a:t>Obtain more information about internal components of HPGe</a:t>
+            </a:r>
+          </a:p>
+          <a:p>
+            <a:r>
+              <a:rPr lang="en-US" dirty="0" smtClean="0"/>
+              <a:t>Generalize automated optimization code for other applications:</a:t>
             </a:r>
             <a:endParaRPr lang="en-US" dirty="0"/>
           </a:p>
           <a:p>
+            <a:pPr lvl="1"/>
             <a:r>
               <a:rPr lang="en-US" dirty="0" smtClean="0"/>
-              <a:t>Results</a:t>
+              <a:t>Other detectors</a:t>
             </a:r>
           </a:p>
           <a:p>
+            <a:pPr lvl="1"/>
             <a:r>
               <a:rPr lang="en-US" dirty="0" smtClean="0"/>
-              <a:t>Future Work</a:t>
+              <a:t>Usable on other operating systems</a:t>
+            </a:r>
+          </a:p>
+          <a:p>
+            <a:pPr lvl="1"/>
+            <a:r>
+              <a:rPr lang="en-US" dirty="0" smtClean="0"/>
+              <a:t>Automated characterization simulations with benchmarked models</a:t>
             </a:r>
           </a:p>
         </p:txBody>
@@ -11453,10 +13844,18 @@
           <a:lstStyle/>
           <a:p>
             <a:r>
-              <a:rPr lang="en-US" dirty="0" smtClean="0"/>
-              <a:t>Summary</a:t>
+              <a:rPr lang="en-US" dirty="0" smtClean="0">
+                <a:solidFill>
+                  <a:srgbClr val="FF0000"/>
+                </a:solidFill>
+              </a:rPr>
+              <a:t>Future Work</a:t>
             </a:r>
-            <a:endParaRPr lang="en-US" dirty="0"/>
+            <a:endParaRPr lang="en-US" dirty="0">
+              <a:solidFill>
+                <a:srgbClr val="FF0000"/>
+              </a:solidFill>
+            </a:endParaRPr>
           </a:p>
         </p:txBody>
       </p:sp>
@@ -11483,7 +13882,7 @@
               <a:pPr>
                 <a:defRPr/>
               </a:pPr>
-              <a:t>18</a:t>
+              <a:t>21</a:t>
             </a:fld>
             <a:endParaRPr lang="en-US"/>
           </a:p>
@@ -11492,730 +13891,7 @@
     </p:spTree>
     <p:extLst>
       <p:ext uri="{BB962C8B-B14F-4D97-AF65-F5344CB8AC3E}">
-        <p14:creationId xmlns:p14="http://schemas.microsoft.com/office/powerpoint/2010/main" val="2051218200"/>
-      </p:ext>
-    </p:extLst>
-  </p:cSld>
-  <p:clrMapOvr>
-    <a:masterClrMapping/>
-  </p:clrMapOvr>
-  <p:transition/>
-  <p:timing>
-    <p:tnLst>
-      <p:par>
-        <p:cTn id="1" dur="indefinite" restart="never" nodeType="tmRoot">
-          <p:childTnLst>
-            <p:seq concurrent="1" nextAc="seek">
-              <p:cTn id="2" dur="indefinite" nodeType="mainSeq">
-                <p:childTnLst>
-                  <p:par>
-                    <p:cTn id="3" fill="hold">
-                      <p:stCondLst>
-                        <p:cond delay="indefinite"/>
-                        <p:cond evt="onBegin" delay="0">
-                          <p:tn val="2"/>
-                        </p:cond>
-                      </p:stCondLst>
-                      <p:childTnLst>
-                        <p:par>
-                          <p:cTn id="4" fill="hold">
-                            <p:stCondLst>
-                              <p:cond delay="0"/>
-                            </p:stCondLst>
-                            <p:childTnLst>
-                              <p:par>
-                                <p:cTn id="5" presetID="1" presetClass="entr" presetSubtype="0" fill="hold" nodeType="withEffect">
-                                  <p:stCondLst>
-                                    <p:cond delay="0"/>
-                                  </p:stCondLst>
-                                  <p:childTnLst>
-                                    <p:set>
-                                      <p:cBhvr>
-                                        <p:cTn id="6" dur="1" fill="hold">
-                                          <p:stCondLst>
-                                            <p:cond delay="0"/>
-                                          </p:stCondLst>
-                                        </p:cTn>
-                                        <p:tgtEl>
-                                          <p:spTgt spid="2">
-                                            <p:txEl>
-                                              <p:pRg st="1" end="1"/>
-                                            </p:txEl>
-                                          </p:spTgt>
-                                        </p:tgtEl>
-                                        <p:attrNameLst>
-                                          <p:attrName>style.visibility</p:attrName>
-                                        </p:attrNameLst>
-                                      </p:cBhvr>
-                                      <p:to>
-                                        <p:strVal val="visible"/>
-                                      </p:to>
-                                    </p:set>
-                                  </p:childTnLst>
-                                </p:cTn>
-                              </p:par>
-                              <p:par>
-                                <p:cTn id="7" presetID="1" presetClass="entr" presetSubtype="0" fill="hold" nodeType="withEffect">
-                                  <p:stCondLst>
-                                    <p:cond delay="0"/>
-                                  </p:stCondLst>
-                                  <p:childTnLst>
-                                    <p:set>
-                                      <p:cBhvr>
-                                        <p:cTn id="8" dur="1" fill="hold">
-                                          <p:stCondLst>
-                                            <p:cond delay="0"/>
-                                          </p:stCondLst>
-                                        </p:cTn>
-                                        <p:tgtEl>
-                                          <p:spTgt spid="2">
-                                            <p:txEl>
-                                              <p:pRg st="0" end="0"/>
-                                            </p:txEl>
-                                          </p:spTgt>
-                                        </p:tgtEl>
-                                        <p:attrNameLst>
-                                          <p:attrName>style.visibility</p:attrName>
-                                        </p:attrNameLst>
-                                      </p:cBhvr>
-                                      <p:to>
-                                        <p:strVal val="visible"/>
-                                      </p:to>
-                                    </p:set>
-                                  </p:childTnLst>
-                                </p:cTn>
-                              </p:par>
-                              <p:par>
-                                <p:cTn id="9" presetID="1" presetClass="entr" presetSubtype="0" fill="hold" nodeType="withEffect">
-                                  <p:stCondLst>
-                                    <p:cond delay="0"/>
-                                  </p:stCondLst>
-                                  <p:childTnLst>
-                                    <p:set>
-                                      <p:cBhvr>
-                                        <p:cTn id="10" dur="1" fill="hold">
-                                          <p:stCondLst>
-                                            <p:cond delay="0"/>
-                                          </p:stCondLst>
-                                        </p:cTn>
-                                        <p:tgtEl>
-                                          <p:spTgt spid="2">
-                                            <p:txEl>
-                                              <p:pRg st="2" end="2"/>
-                                            </p:txEl>
-                                          </p:spTgt>
-                                        </p:tgtEl>
-                                        <p:attrNameLst>
-                                          <p:attrName>style.visibility</p:attrName>
-                                        </p:attrNameLst>
-                                      </p:cBhvr>
-                                      <p:to>
-                                        <p:strVal val="visible"/>
-                                      </p:to>
-                                    </p:set>
-                                  </p:childTnLst>
-                                </p:cTn>
-                              </p:par>
-                              <p:par>
-                                <p:cTn id="11" presetID="1" presetClass="entr" presetSubtype="0" fill="hold" nodeType="withEffect">
-                                  <p:stCondLst>
-                                    <p:cond delay="0"/>
-                                  </p:stCondLst>
-                                  <p:childTnLst>
-                                    <p:set>
-                                      <p:cBhvr>
-                                        <p:cTn id="12" dur="1" fill="hold">
-                                          <p:stCondLst>
-                                            <p:cond delay="0"/>
-                                          </p:stCondLst>
-                                        </p:cTn>
-                                        <p:tgtEl>
-                                          <p:spTgt spid="2">
-                                            <p:txEl>
-                                              <p:pRg st="3" end="3"/>
-                                            </p:txEl>
-                                          </p:spTgt>
-                                        </p:tgtEl>
-                                        <p:attrNameLst>
-                                          <p:attrName>style.visibility</p:attrName>
-                                        </p:attrNameLst>
-                                      </p:cBhvr>
-                                      <p:to>
-                                        <p:strVal val="visible"/>
-                                      </p:to>
-                                    </p:set>
-                                  </p:childTnLst>
-                                </p:cTn>
-                              </p:par>
-                              <p:par>
-                                <p:cTn id="13" presetID="1" presetClass="entr" presetSubtype="0" fill="hold" nodeType="withEffect">
-                                  <p:stCondLst>
-                                    <p:cond delay="0"/>
-                                  </p:stCondLst>
-                                  <p:childTnLst>
-                                    <p:set>
-                                      <p:cBhvr>
-                                        <p:cTn id="14" dur="1" fill="hold">
-                                          <p:stCondLst>
-                                            <p:cond delay="0"/>
-                                          </p:stCondLst>
-                                        </p:cTn>
-                                        <p:tgtEl>
-                                          <p:spTgt spid="2">
-                                            <p:txEl>
-                                              <p:pRg st="4" end="4"/>
-                                            </p:txEl>
-                                          </p:spTgt>
-                                        </p:tgtEl>
-                                        <p:attrNameLst>
-                                          <p:attrName>style.visibility</p:attrName>
-                                        </p:attrNameLst>
-                                      </p:cBhvr>
-                                      <p:to>
-                                        <p:strVal val="visible"/>
-                                      </p:to>
-                                    </p:set>
-                                  </p:childTnLst>
-                                </p:cTn>
-                              </p:par>
-                            </p:childTnLst>
-                          </p:cTn>
-                        </p:par>
-                      </p:childTnLst>
-                    </p:cTn>
-                  </p:par>
-                </p:childTnLst>
-              </p:cTn>
-              <p:prevCondLst>
-                <p:cond evt="onPrev" delay="0">
-                  <p:tgtEl>
-                    <p:sldTgt/>
-                  </p:tgtEl>
-                </p:cond>
-              </p:prevCondLst>
-              <p:nextCondLst>
-                <p:cond evt="onNext" delay="0">
-                  <p:tgtEl>
-                    <p:sldTgt/>
-                  </p:tgtEl>
-                </p:cond>
-              </p:nextCondLst>
-            </p:seq>
-          </p:childTnLst>
-        </p:cTn>
-      </p:par>
-    </p:tnLst>
-  </p:timing>
-</p:sld>
-</file>
-
-<file path=ppt/slides/slide19.xml><?xml version="1.0" encoding="utf-8"?>
-<p:sld xmlns:a="http://schemas.openxmlformats.org/drawingml/2006/main" xmlns:r="http://schemas.openxmlformats.org/officeDocument/2006/relationships" xmlns:p="http://schemas.openxmlformats.org/presentationml/2006/main">
-  <p:cSld>
-    <p:spTree>
-      <p:nvGrpSpPr>
-        <p:cNvPr id="1" name=""/>
-        <p:cNvGrpSpPr/>
-        <p:nvPr/>
-      </p:nvGrpSpPr>
-      <p:grpSpPr>
-        <a:xfrm>
-          <a:off x="0" y="0"/>
-          <a:ext cx="0" cy="0"/>
-          <a:chOff x="0" y="0"/>
-          <a:chExt cx="0" cy="0"/>
-        </a:xfrm>
-      </p:grpSpPr>
-      <p:sp>
-        <p:nvSpPr>
-          <p:cNvPr id="2" name="Content Placeholder 1"/>
-          <p:cNvSpPr>
-            <a:spLocks noGrp="1"/>
-          </p:cNvSpPr>
-          <p:nvPr>
-            <p:ph idx="1"/>
-          </p:nvPr>
-        </p:nvSpPr>
-        <p:spPr>
-          <a:xfrm>
-            <a:off x="304800" y="1295400"/>
-            <a:ext cx="8534400" cy="4876800"/>
-          </a:xfrm>
-        </p:spPr>
-        <p:txBody>
-          <a:bodyPr/>
-          <a:lstStyle/>
-          <a:p>
-            <a:r>
-              <a:rPr lang="en-US" dirty="0" smtClean="0"/>
-              <a:t>Captain James </a:t>
-            </a:r>
-            <a:r>
-              <a:rPr lang="en-US" dirty="0" err="1" smtClean="0"/>
-              <a:t>Bevins</a:t>
-            </a:r>
-            <a:r>
-              <a:rPr lang="en-US" dirty="0" smtClean="0"/>
-              <a:t>, AFIT</a:t>
-            </a:r>
-            <a:endParaRPr lang="en-US" dirty="0"/>
-          </a:p>
-          <a:p>
-            <a:r>
-              <a:rPr lang="en-US" dirty="0" smtClean="0"/>
-              <a:t>Lt Colonel Buck </a:t>
-            </a:r>
-            <a:r>
-              <a:rPr lang="en-US" dirty="0" err="1" smtClean="0"/>
-              <a:t>O’Day</a:t>
-            </a:r>
-            <a:r>
-              <a:rPr lang="en-US" dirty="0" smtClean="0"/>
-              <a:t>, AFIT</a:t>
-            </a:r>
-          </a:p>
-          <a:p>
-            <a:r>
-              <a:rPr lang="en-US" dirty="0" smtClean="0"/>
-              <a:t>Edna’s Model</a:t>
-            </a:r>
-          </a:p>
-          <a:p>
-            <a:r>
-              <a:rPr lang="en-US" dirty="0" err="1" smtClean="0"/>
-              <a:t>Capt</a:t>
-            </a:r>
-            <a:r>
-              <a:rPr lang="en-US" dirty="0" smtClean="0"/>
-              <a:t> </a:t>
-            </a:r>
-            <a:r>
-              <a:rPr lang="en-US" dirty="0" err="1" smtClean="0"/>
-              <a:t>Bevins</a:t>
-            </a:r>
-            <a:r>
-              <a:rPr lang="en-US" dirty="0" smtClean="0"/>
-              <a:t> Model</a:t>
-            </a:r>
-          </a:p>
-          <a:p>
-            <a:endParaRPr lang="en-US" dirty="0" smtClean="0"/>
-          </a:p>
-        </p:txBody>
-      </p:sp>
-      <p:sp>
-        <p:nvSpPr>
-          <p:cNvPr id="10241" name="Title 1"/>
-          <p:cNvSpPr>
-            <a:spLocks noGrp="1"/>
-          </p:cNvSpPr>
-          <p:nvPr>
-            <p:ph type="title"/>
-          </p:nvPr>
-        </p:nvSpPr>
-        <p:spPr/>
-        <p:txBody>
-          <a:bodyPr/>
-          <a:lstStyle/>
-          <a:p>
-            <a:r>
-              <a:rPr lang="en-US" dirty="0" smtClean="0"/>
-              <a:t>Acknowledgements</a:t>
-            </a:r>
-            <a:endParaRPr lang="en-US" dirty="0"/>
-          </a:p>
-        </p:txBody>
-      </p:sp>
-      <p:sp>
-        <p:nvSpPr>
-          <p:cNvPr id="3" name="Slide Number Placeholder 2"/>
-          <p:cNvSpPr>
-            <a:spLocks noGrp="1"/>
-          </p:cNvSpPr>
-          <p:nvPr>
-            <p:ph type="sldNum" sz="quarter" idx="10"/>
-          </p:nvPr>
-        </p:nvSpPr>
-        <p:spPr/>
-        <p:txBody>
-          <a:bodyPr/>
-          <a:lstStyle/>
-          <a:p>
-            <a:pPr>
-              <a:defRPr/>
-            </a:pPr>
-            <a:fld id="{54D80F8A-463A-4890-BC87-BDB129B2791E}" type="slidenum">
-              <a:rPr lang="en-US" smtClean="0"/>
-              <a:pPr>
-                <a:defRPr/>
-              </a:pPr>
-              <a:t>19</a:t>
-            </a:fld>
-            <a:endParaRPr lang="en-US"/>
-          </a:p>
-        </p:txBody>
-      </p:sp>
-    </p:spTree>
-    <p:extLst>
-      <p:ext uri="{BB962C8B-B14F-4D97-AF65-F5344CB8AC3E}">
-        <p14:creationId xmlns:p14="http://schemas.microsoft.com/office/powerpoint/2010/main" val="2167024192"/>
-      </p:ext>
-    </p:extLst>
-  </p:cSld>
-  <p:clrMapOvr>
-    <a:masterClrMapping/>
-  </p:clrMapOvr>
-  <p:transition/>
-  <p:timing>
-    <p:tnLst>
-      <p:par>
-        <p:cTn id="1" dur="indefinite" restart="never" nodeType="tmRoot">
-          <p:childTnLst>
-            <p:seq concurrent="1" nextAc="seek">
-              <p:cTn id="2" dur="indefinite" nodeType="mainSeq">
-                <p:childTnLst>
-                  <p:par>
-                    <p:cTn id="3" fill="hold">
-                      <p:stCondLst>
-                        <p:cond delay="indefinite"/>
-                        <p:cond evt="onBegin" delay="0">
-                          <p:tn val="2"/>
-                        </p:cond>
-                      </p:stCondLst>
-                      <p:childTnLst>
-                        <p:par>
-                          <p:cTn id="4" fill="hold">
-                            <p:stCondLst>
-                              <p:cond delay="0"/>
-                            </p:stCondLst>
-                            <p:childTnLst>
-                              <p:par>
-                                <p:cTn id="5" presetID="1" presetClass="entr" presetSubtype="0" fill="hold" nodeType="withEffect">
-                                  <p:stCondLst>
-                                    <p:cond delay="0"/>
-                                  </p:stCondLst>
-                                  <p:childTnLst>
-                                    <p:set>
-                                      <p:cBhvr>
-                                        <p:cTn id="6" dur="1" fill="hold">
-                                          <p:stCondLst>
-                                            <p:cond delay="0"/>
-                                          </p:stCondLst>
-                                        </p:cTn>
-                                        <p:tgtEl>
-                                          <p:spTgt spid="2">
-                                            <p:txEl>
-                                              <p:pRg st="0" end="0"/>
-                                            </p:txEl>
-                                          </p:spTgt>
-                                        </p:tgtEl>
-                                        <p:attrNameLst>
-                                          <p:attrName>style.visibility</p:attrName>
-                                        </p:attrNameLst>
-                                      </p:cBhvr>
-                                      <p:to>
-                                        <p:strVal val="visible"/>
-                                      </p:to>
-                                    </p:set>
-                                  </p:childTnLst>
-                                </p:cTn>
-                              </p:par>
-                              <p:par>
-                                <p:cTn id="7" presetID="1" presetClass="entr" presetSubtype="0" fill="hold" nodeType="withEffect">
-                                  <p:stCondLst>
-                                    <p:cond delay="0"/>
-                                  </p:stCondLst>
-                                  <p:childTnLst>
-                                    <p:set>
-                                      <p:cBhvr>
-                                        <p:cTn id="8" dur="1" fill="hold">
-                                          <p:stCondLst>
-                                            <p:cond delay="0"/>
-                                          </p:stCondLst>
-                                        </p:cTn>
-                                        <p:tgtEl>
-                                          <p:spTgt spid="2">
-                                            <p:txEl>
-                                              <p:pRg st="1" end="1"/>
-                                            </p:txEl>
-                                          </p:spTgt>
-                                        </p:tgtEl>
-                                        <p:attrNameLst>
-                                          <p:attrName>style.visibility</p:attrName>
-                                        </p:attrNameLst>
-                                      </p:cBhvr>
-                                      <p:to>
-                                        <p:strVal val="visible"/>
-                                      </p:to>
-                                    </p:set>
-                                  </p:childTnLst>
-                                </p:cTn>
-                              </p:par>
-                              <p:par>
-                                <p:cTn id="9" presetID="1" presetClass="entr" presetSubtype="0" fill="hold" nodeType="withEffect">
-                                  <p:stCondLst>
-                                    <p:cond delay="0"/>
-                                  </p:stCondLst>
-                                  <p:childTnLst>
-                                    <p:set>
-                                      <p:cBhvr>
-                                        <p:cTn id="10" dur="1" fill="hold">
-                                          <p:stCondLst>
-                                            <p:cond delay="0"/>
-                                          </p:stCondLst>
-                                        </p:cTn>
-                                        <p:tgtEl>
-                                          <p:spTgt spid="2">
-                                            <p:txEl>
-                                              <p:pRg st="2" end="2"/>
-                                            </p:txEl>
-                                          </p:spTgt>
-                                        </p:tgtEl>
-                                        <p:attrNameLst>
-                                          <p:attrName>style.visibility</p:attrName>
-                                        </p:attrNameLst>
-                                      </p:cBhvr>
-                                      <p:to>
-                                        <p:strVal val="visible"/>
-                                      </p:to>
-                                    </p:set>
-                                  </p:childTnLst>
-                                </p:cTn>
-                              </p:par>
-                              <p:par>
-                                <p:cTn id="11" presetID="1" presetClass="entr" presetSubtype="0" fill="hold" nodeType="withEffect">
-                                  <p:stCondLst>
-                                    <p:cond delay="0"/>
-                                  </p:stCondLst>
-                                  <p:childTnLst>
-                                    <p:set>
-                                      <p:cBhvr>
-                                        <p:cTn id="12" dur="1" fill="hold">
-                                          <p:stCondLst>
-                                            <p:cond delay="0"/>
-                                          </p:stCondLst>
-                                        </p:cTn>
-                                        <p:tgtEl>
-                                          <p:spTgt spid="2">
-                                            <p:txEl>
-                                              <p:pRg st="3" end="3"/>
-                                            </p:txEl>
-                                          </p:spTgt>
-                                        </p:tgtEl>
-                                        <p:attrNameLst>
-                                          <p:attrName>style.visibility</p:attrName>
-                                        </p:attrNameLst>
-                                      </p:cBhvr>
-                                      <p:to>
-                                        <p:strVal val="visible"/>
-                                      </p:to>
-                                    </p:set>
-                                  </p:childTnLst>
-                                </p:cTn>
-                              </p:par>
-                            </p:childTnLst>
-                          </p:cTn>
-                        </p:par>
-                      </p:childTnLst>
-                    </p:cTn>
-                  </p:par>
-                </p:childTnLst>
-              </p:cTn>
-              <p:prevCondLst>
-                <p:cond evt="onPrev" delay="0">
-                  <p:tgtEl>
-                    <p:sldTgt/>
-                  </p:tgtEl>
-                </p:cond>
-              </p:prevCondLst>
-              <p:nextCondLst>
-                <p:cond evt="onNext" delay="0">
-                  <p:tgtEl>
-                    <p:sldTgt/>
-                  </p:tgtEl>
-                </p:cond>
-              </p:nextCondLst>
-            </p:seq>
-          </p:childTnLst>
-        </p:cTn>
-      </p:par>
-    </p:tnLst>
-  </p:timing>
-</p:sld>
-</file>
-
-<file path=ppt/slides/slide2.xml><?xml version="1.0" encoding="utf-8"?>
-<p:sld xmlns:a="http://schemas.openxmlformats.org/drawingml/2006/main" xmlns:r="http://schemas.openxmlformats.org/officeDocument/2006/relationships" xmlns:p="http://schemas.openxmlformats.org/presentationml/2006/main">
-  <p:cSld>
-    <p:spTree>
-      <p:nvGrpSpPr>
-        <p:cNvPr id="1" name=""/>
-        <p:cNvGrpSpPr/>
-        <p:nvPr/>
-      </p:nvGrpSpPr>
-      <p:grpSpPr>
-        <a:xfrm>
-          <a:off x="0" y="0"/>
-          <a:ext cx="0" cy="0"/>
-          <a:chOff x="0" y="0"/>
-          <a:chExt cx="0" cy="0"/>
-        </a:xfrm>
-      </p:grpSpPr>
-      <p:sp>
-        <p:nvSpPr>
-          <p:cNvPr id="2" name="Content Placeholder 1"/>
-          <p:cNvSpPr>
-            <a:spLocks noGrp="1"/>
-          </p:cNvSpPr>
-          <p:nvPr>
-            <p:ph idx="1"/>
-          </p:nvPr>
-        </p:nvSpPr>
-        <p:spPr>
-          <a:xfrm>
-            <a:off x="304800" y="1295400"/>
-            <a:ext cx="8534400" cy="4876800"/>
-          </a:xfrm>
-        </p:spPr>
-        <p:txBody>
-          <a:bodyPr/>
-          <a:lstStyle/>
-          <a:p>
-            <a:r>
-              <a:rPr lang="en-US" dirty="0" smtClean="0"/>
-              <a:t>Project </a:t>
-            </a:r>
-            <a:r>
-              <a:rPr lang="en-US" dirty="0" smtClean="0"/>
-              <a:t>Goals</a:t>
-            </a:r>
-            <a:endParaRPr lang="en-US" dirty="0" smtClean="0"/>
-          </a:p>
-          <a:p>
-            <a:r>
-              <a:rPr lang="en-US" dirty="0" smtClean="0"/>
-              <a:t>Previous Work</a:t>
-            </a:r>
-          </a:p>
-          <a:p>
-            <a:r>
-              <a:rPr lang="en-US" dirty="0" smtClean="0"/>
-              <a:t>Experiment</a:t>
-            </a:r>
-          </a:p>
-          <a:p>
-            <a:r>
-              <a:rPr lang="en-US" dirty="0" smtClean="0"/>
-              <a:t>MCNP Model</a:t>
-            </a:r>
-          </a:p>
-          <a:p>
-            <a:r>
-              <a:rPr lang="en-US" dirty="0" smtClean="0"/>
-              <a:t>Parametric Optimization Code</a:t>
-            </a:r>
-            <a:endParaRPr lang="en-US" dirty="0"/>
-          </a:p>
-          <a:p>
-            <a:r>
-              <a:rPr lang="en-US" dirty="0" smtClean="0"/>
-              <a:t>Results</a:t>
-            </a:r>
-          </a:p>
-          <a:p>
-            <a:r>
-              <a:rPr lang="en-US" dirty="0" smtClean="0"/>
-              <a:t>Future Work</a:t>
-            </a:r>
-          </a:p>
-        </p:txBody>
-      </p:sp>
-      <p:sp>
-        <p:nvSpPr>
-          <p:cNvPr id="10241" name="Title 1"/>
-          <p:cNvSpPr>
-            <a:spLocks noGrp="1"/>
-          </p:cNvSpPr>
-          <p:nvPr>
-            <p:ph type="title"/>
-          </p:nvPr>
-        </p:nvSpPr>
-        <p:spPr/>
-        <p:txBody>
-          <a:bodyPr/>
-          <a:lstStyle/>
-          <a:p>
-            <a:r>
-              <a:rPr lang="en-US" dirty="0" smtClean="0"/>
-              <a:t>Overview</a:t>
-            </a:r>
-            <a:endParaRPr lang="en-US" dirty="0"/>
-          </a:p>
-        </p:txBody>
-      </p:sp>
-      <p:sp>
-        <p:nvSpPr>
-          <p:cNvPr id="3" name="Slide Number Placeholder 2"/>
-          <p:cNvSpPr>
-            <a:spLocks noGrp="1"/>
-          </p:cNvSpPr>
-          <p:nvPr>
-            <p:ph type="sldNum" sz="quarter" idx="10"/>
-          </p:nvPr>
-        </p:nvSpPr>
-        <p:spPr/>
-        <p:txBody>
-          <a:bodyPr/>
-          <a:lstStyle/>
-          <a:p>
-            <a:pPr>
-              <a:defRPr/>
-            </a:pPr>
-            <a:fld id="{54D80F8A-463A-4890-BC87-BDB129B2791E}" type="slidenum">
-              <a:rPr lang="en-US" smtClean="0"/>
-              <a:pPr>
-                <a:defRPr/>
-              </a:pPr>
-              <a:t>2</a:t>
-            </a:fld>
-            <a:endParaRPr lang="en-US"/>
-          </a:p>
-        </p:txBody>
-      </p:sp>
-      <p:pic>
-        <p:nvPicPr>
-          <p:cNvPr id="4" name="Picture 3"/>
-          <p:cNvPicPr>
-            <a:picLocks noChangeAspect="1"/>
-          </p:cNvPicPr>
-          <p:nvPr/>
-        </p:nvPicPr>
-        <p:blipFill>
-          <a:blip r:embed="rId3">
-            <a:extLst>
-              <a:ext uri="{28A0092B-C50C-407E-A947-70E740481C1C}">
-                <a14:useLocalDpi xmlns:a14="http://schemas.microsoft.com/office/drawing/2010/main" val="0"/>
-              </a:ext>
-            </a:extLst>
-          </a:blip>
-          <a:stretch>
-            <a:fillRect/>
-          </a:stretch>
-        </p:blipFill>
-        <p:spPr>
-          <a:xfrm>
-            <a:off x="4724400" y="2362200"/>
-            <a:ext cx="4028641" cy="3676135"/>
-          </a:xfrm>
-          <a:prstGeom prst="rect">
-            <a:avLst/>
-          </a:prstGeom>
-        </p:spPr>
-      </p:pic>
-    </p:spTree>
-    <p:extLst>
-      <p:ext uri="{BB962C8B-B14F-4D97-AF65-F5344CB8AC3E}">
-        <p14:creationId xmlns:p14="http://schemas.microsoft.com/office/powerpoint/2010/main" val="1179473832"/>
+        <p14:creationId xmlns:p14="http://schemas.microsoft.com/office/powerpoint/2010/main" val="821086708"/>
       </p:ext>
     </p:extLst>
   </p:cSld>
@@ -12494,7 +14170,7 @@
 </p:sld>
 </file>
 
-<file path=ppt/slides/slide20.xml><?xml version="1.0" encoding="utf-8"?>
+<file path=ppt/slides/slide22.xml><?xml version="1.0" encoding="utf-8"?>
 <p:sld xmlns:a="http://schemas.openxmlformats.org/drawingml/2006/main" xmlns:r="http://schemas.openxmlformats.org/officeDocument/2006/relationships" xmlns:p="http://schemas.openxmlformats.org/presentationml/2006/main">
   <p:cSld>
     <p:spTree>
@@ -12532,67 +14208,53 @@
           <a:lstStyle/>
           <a:p>
             <a:r>
-              <a:rPr lang="en-US" dirty="0"/>
-              <a:t>[1] Ronald </a:t>
+              <a:rPr lang="en-US" dirty="0" smtClean="0"/>
+              <a:t>Project Goals</a:t>
             </a:r>
+          </a:p>
+          <a:p>
             <a:r>
               <a:rPr lang="en-US" dirty="0" smtClean="0"/>
-              <a:t>Keyser</a:t>
+              <a:t>Previous Work</a:t>
+            </a:r>
+          </a:p>
+          <a:p>
+            <a:r>
+              <a:rPr lang="en-US" dirty="0" smtClean="0"/>
+              <a:t>Experiment</a:t>
+            </a:r>
+          </a:p>
+          <a:p>
+            <a:r>
+              <a:rPr lang="en-US" dirty="0" smtClean="0"/>
+              <a:t>MCNP Model</a:t>
+            </a:r>
+          </a:p>
+          <a:p>
+            <a:r>
+              <a:rPr lang="en-US" dirty="0" smtClean="0"/>
+              <a:t>Parametric Optimization Code</a:t>
             </a:r>
             <a:endParaRPr lang="en-US" dirty="0"/>
           </a:p>
           <a:p>
             <a:r>
-              <a:rPr lang="en-US" dirty="0"/>
-              <a:t>[2] https://cyclotron.tamu.edu/progress-reports/2002-2003/1%20Nuclear%20Structure,%20Fundamental%20Interactions,%</a:t>
+              <a:rPr lang="en-US" dirty="0" smtClean="0"/>
+              <a:t>Results</a:t>
             </a:r>
+          </a:p>
+          <a:p>
             <a:r>
               <a:rPr lang="en-US" dirty="0" smtClean="0"/>
-              <a:t>20and%20Astrophysics/I-28%20Precise%20efficiency%20calibration%20of%20an%20HPGe%20detector.pdf</a:t>
+              <a:t>Conclusions</a:t>
             </a:r>
-            <a:endParaRPr lang="en-US" dirty="0"/>
-          </a:p>
-          <a:p>
-            <a:r>
-              <a:rPr lang="en-US" dirty="0"/>
-              <a:t>[3]http://www.iaea.org/inis/collection/NCLCollectionStore/_</a:t>
-            </a:r>
+            <a:endParaRPr lang="en-US" dirty="0" smtClean="0"/>
+          </a:p>
+          <a:p>
             <a:r>
               <a:rPr lang="en-US" dirty="0" smtClean="0"/>
-              <a:t>Public/42/107/42107607.pdf</a:t>
+              <a:t>Future Work</a:t>
             </a:r>
-            <a:endParaRPr lang="en-US" dirty="0"/>
-          </a:p>
-          <a:p>
-            <a:r>
-              <a:rPr lang="en-US" dirty="0"/>
-              <a:t>[4] </a:t>
-            </a:r>
-            <a:r>
-              <a:rPr lang="en-US" dirty="0" smtClean="0"/>
-              <a:t>Knoll’s</a:t>
-            </a:r>
-          </a:p>
-          <a:p>
-            <a:r>
-              <a:rPr lang="en-US" dirty="0" smtClean="0"/>
-              <a:t>[5] </a:t>
-            </a:r>
-            <a:r>
-              <a:rPr lang="en-US" dirty="0"/>
-              <a:t> </a:t>
-            </a:r>
-            <a:r>
-              <a:rPr lang="en-US" dirty="0" smtClean="0"/>
-              <a:t>Standard </a:t>
-            </a:r>
-            <a:r>
-              <a:rPr lang="en-US" dirty="0"/>
-              <a:t>Electrode Coaxial Ge Detectors </a:t>
-            </a:r>
-          </a:p>
-          <a:p>
-            <a:endParaRPr lang="en-US" dirty="0" smtClean="0"/>
           </a:p>
         </p:txBody>
       </p:sp>
@@ -12613,7 +14275,7 @@
           <a:p>
             <a:r>
               <a:rPr lang="en-US" dirty="0" smtClean="0"/>
-              <a:t>References</a:t>
+              <a:t>Summary</a:t>
             </a:r>
             <a:endParaRPr lang="en-US" dirty="0"/>
           </a:p>
@@ -12642,16 +14304,46 @@
               <a:pPr>
                 <a:defRPr/>
               </a:pPr>
-              <a:t>20</a:t>
+              <a:t>22</a:t>
             </a:fld>
             <a:endParaRPr lang="en-US"/>
           </a:p>
         </p:txBody>
       </p:sp>
+      <p:pic>
+        <p:nvPicPr>
+          <p:cNvPr id="4" name="Picture 3"/>
+          <p:cNvPicPr>
+            <a:picLocks noChangeAspect="1"/>
+          </p:cNvPicPr>
+          <p:nvPr/>
+        </p:nvPicPr>
+        <p:blipFill>
+          <a:blip r:embed="rId3">
+            <a:extLst>
+              <a:ext uri="{28A0092B-C50C-407E-A947-70E740481C1C}">
+                <a14:useLocalDpi xmlns:a14="http://schemas.microsoft.com/office/drawing/2010/main" val="0"/>
+              </a:ext>
+            </a:extLst>
+          </a:blip>
+          <a:stretch>
+            <a:fillRect/>
+          </a:stretch>
+        </p:blipFill>
+        <p:spPr>
+          <a:xfrm>
+            <a:off x="4724400" y="2362200"/>
+            <a:ext cx="4028641" cy="3676135"/>
+          </a:xfrm>
+          <a:prstGeom prst="rect">
+            <a:avLst/>
+          </a:prstGeom>
+        </p:spPr>
+      </p:pic>
     </p:spTree>
     <p:extLst>
       <p:ext uri="{BB962C8B-B14F-4D97-AF65-F5344CB8AC3E}">
-        <p14:creationId xmlns:p14="http://schemas.microsoft.com/office/powerpoint/2010/main" val="550938201"/>
+        <p14:creationId xmlns:p14="http://schemas.microsoft.com/office/powerpoint/2010/main" val="2665945585"/>
       </p:ext>
     </p:extLst>
   </p:cSld>
@@ -12837,6 +14529,99 @@
                                   </p:childTnLst>
                                 </p:cTn>
                               </p:par>
+                              <p:par>
+                                <p:cTn id="15" presetID="1" presetClass="entr" presetSubtype="0" fill="hold" nodeType="withEffect">
+                                  <p:stCondLst>
+                                    <p:cond delay="0"/>
+                                  </p:stCondLst>
+                                  <p:childTnLst>
+                                    <p:set>
+                                      <p:cBhvr>
+                                        <p:cTn id="16" dur="1" fill="hold">
+                                          <p:stCondLst>
+                                            <p:cond delay="0"/>
+                                          </p:stCondLst>
+                                        </p:cTn>
+                                        <p:tgtEl>
+                                          <p:spTgt spid="2">
+                                            <p:txEl>
+                                              <p:pRg st="5" end="5"/>
+                                            </p:txEl>
+                                          </p:spTgt>
+                                        </p:tgtEl>
+                                        <p:attrNameLst>
+                                          <p:attrName>style.visibility</p:attrName>
+                                        </p:attrNameLst>
+                                      </p:cBhvr>
+                                      <p:to>
+                                        <p:strVal val="visible"/>
+                                      </p:to>
+                                    </p:set>
+                                  </p:childTnLst>
+                                </p:cTn>
+                              </p:par>
+                              <p:par>
+                                <p:cTn id="17" presetID="1" presetClass="entr" presetSubtype="0" fill="hold" nodeType="withEffect">
+                                  <p:stCondLst>
+                                    <p:cond delay="0"/>
+                                  </p:stCondLst>
+                                  <p:childTnLst>
+                                    <p:set>
+                                      <p:cBhvr>
+                                        <p:cTn id="18" dur="1" fill="hold">
+                                          <p:stCondLst>
+                                            <p:cond delay="0"/>
+                                          </p:stCondLst>
+                                        </p:cTn>
+                                        <p:tgtEl>
+                                          <p:spTgt spid="2">
+                                            <p:txEl>
+                                              <p:pRg st="6" end="6"/>
+                                            </p:txEl>
+                                          </p:spTgt>
+                                        </p:tgtEl>
+                                        <p:attrNameLst>
+                                          <p:attrName>style.visibility</p:attrName>
+                                        </p:attrNameLst>
+                                      </p:cBhvr>
+                                      <p:to>
+                                        <p:strVal val="visible"/>
+                                      </p:to>
+                                    </p:set>
+                                  </p:childTnLst>
+                                </p:cTn>
+                              </p:par>
+                              <p:par>
+                                <p:cTn id="19" presetID="1" presetClass="entr" presetSubtype="0" fill="hold" nodeType="withEffect">
+                                  <p:stCondLst>
+                                    <p:cond delay="0"/>
+                                  </p:stCondLst>
+                                  <p:childTnLst>
+                                    <p:set>
+                                      <p:cBhvr>
+                                        <p:cTn id="20" dur="1" fill="hold">
+                                          <p:stCondLst>
+                                            <p:cond delay="0"/>
+                                          </p:stCondLst>
+                                        </p:cTn>
+                                        <p:tgtEl>
+                                          <p:spTgt spid="2">
+                                            <p:txEl>
+                                              <p:pRg st="7" end="7"/>
+                                            </p:txEl>
+                                          </p:spTgt>
+                                        </p:tgtEl>
+                                        <p:attrNameLst>
+                                          <p:attrName>style.visibility</p:attrName>
+                                        </p:attrNameLst>
+                                      </p:cBhvr>
+                                      <p:to>
+                                        <p:strVal val="visible"/>
+                                      </p:to>
+                                    </p:set>
+                                  </p:childTnLst>
+                                </p:cTn>
+                              </p:par>
                             </p:childTnLst>
                           </p:cTn>
                         </p:par>
@@ -12868,7 +14653,313 @@
 </p:sld>
 </file>
 
-<file path=ppt/slides/slide21.xml><?xml version="1.0" encoding="utf-8"?>
+<file path=ppt/slides/slide23.xml><?xml version="1.0" encoding="utf-8"?>
+<p:sld xmlns:a="http://schemas.openxmlformats.org/drawingml/2006/main" xmlns:r="http://schemas.openxmlformats.org/officeDocument/2006/relationships" xmlns:p="http://schemas.openxmlformats.org/presentationml/2006/main">
+  <p:cSld>
+    <p:spTree>
+      <p:nvGrpSpPr>
+        <p:cNvPr id="1" name=""/>
+        <p:cNvGrpSpPr/>
+        <p:nvPr/>
+      </p:nvGrpSpPr>
+      <p:grpSpPr>
+        <a:xfrm>
+          <a:off x="0" y="0"/>
+          <a:ext cx="0" cy="0"/>
+          <a:chOff x="0" y="0"/>
+          <a:chExt cx="0" cy="0"/>
+        </a:xfrm>
+      </p:grpSpPr>
+      <p:sp>
+        <p:nvSpPr>
+          <p:cNvPr id="2" name="Content Placeholder 1"/>
+          <p:cNvSpPr>
+            <a:spLocks noGrp="1"/>
+          </p:cNvSpPr>
+          <p:nvPr>
+            <p:ph idx="1"/>
+          </p:nvPr>
+        </p:nvSpPr>
+        <p:spPr>
+          <a:xfrm>
+            <a:off x="304800" y="1295400"/>
+            <a:ext cx="8534400" cy="4876800"/>
+          </a:xfrm>
+        </p:spPr>
+        <p:txBody>
+          <a:bodyPr/>
+          <a:lstStyle/>
+          <a:p>
+            <a:r>
+              <a:rPr lang="en-US" dirty="0" smtClean="0"/>
+              <a:t>Captain James </a:t>
+            </a:r>
+            <a:r>
+              <a:rPr lang="en-US" dirty="0" err="1" smtClean="0"/>
+              <a:t>Bevins</a:t>
+            </a:r>
+            <a:r>
+              <a:rPr lang="en-US" dirty="0" smtClean="0"/>
+              <a:t>, AFIT</a:t>
+            </a:r>
+            <a:endParaRPr lang="en-US" dirty="0"/>
+          </a:p>
+          <a:p>
+            <a:r>
+              <a:rPr lang="en-US" dirty="0" smtClean="0"/>
+              <a:t>Lt Colonel Buck </a:t>
+            </a:r>
+            <a:r>
+              <a:rPr lang="en-US" dirty="0" err="1" smtClean="0"/>
+              <a:t>O’Day</a:t>
+            </a:r>
+            <a:r>
+              <a:rPr lang="en-US" dirty="0" smtClean="0"/>
+              <a:t>, AFIT</a:t>
+            </a:r>
+          </a:p>
+          <a:p>
+            <a:r>
+              <a:rPr lang="en-US" dirty="0" err="1" smtClean="0"/>
+              <a:t>Capt</a:t>
+            </a:r>
+            <a:r>
+              <a:rPr lang="en-US" dirty="0" smtClean="0"/>
+              <a:t> </a:t>
+            </a:r>
+            <a:r>
+              <a:rPr lang="en-US" dirty="0" err="1" smtClean="0"/>
+              <a:t>Bevins</a:t>
+            </a:r>
+            <a:r>
+              <a:rPr lang="en-US" dirty="0" smtClean="0"/>
+              <a:t> Model</a:t>
+            </a:r>
+          </a:p>
+          <a:p>
+            <a:endParaRPr lang="en-US" dirty="0" smtClean="0"/>
+          </a:p>
+        </p:txBody>
+      </p:sp>
+      <p:sp>
+        <p:nvSpPr>
+          <p:cNvPr id="10241" name="Title 1"/>
+          <p:cNvSpPr>
+            <a:spLocks noGrp="1"/>
+          </p:cNvSpPr>
+          <p:nvPr>
+            <p:ph type="title"/>
+          </p:nvPr>
+        </p:nvSpPr>
+        <p:spPr/>
+        <p:txBody>
+          <a:bodyPr/>
+          <a:lstStyle/>
+          <a:p>
+            <a:r>
+              <a:rPr lang="en-US" dirty="0" smtClean="0">
+                <a:solidFill>
+                  <a:srgbClr val="FF0000"/>
+                </a:solidFill>
+              </a:rPr>
+              <a:t>Acknowledgements</a:t>
+            </a:r>
+            <a:endParaRPr lang="en-US" dirty="0">
+              <a:solidFill>
+                <a:srgbClr val="FF0000"/>
+              </a:solidFill>
+            </a:endParaRPr>
+          </a:p>
+        </p:txBody>
+      </p:sp>
+      <p:sp>
+        <p:nvSpPr>
+          <p:cNvPr id="3" name="Slide Number Placeholder 2"/>
+          <p:cNvSpPr>
+            <a:spLocks noGrp="1"/>
+          </p:cNvSpPr>
+          <p:nvPr>
+            <p:ph type="sldNum" sz="quarter" idx="10"/>
+          </p:nvPr>
+        </p:nvSpPr>
+        <p:spPr/>
+        <p:txBody>
+          <a:bodyPr/>
+          <a:lstStyle/>
+          <a:p>
+            <a:pPr>
+              <a:defRPr/>
+            </a:pPr>
+            <a:fld id="{54D80F8A-463A-4890-BC87-BDB129B2791E}" type="slidenum">
+              <a:rPr lang="en-US" smtClean="0"/>
+              <a:pPr>
+                <a:defRPr/>
+              </a:pPr>
+              <a:t>23</a:t>
+            </a:fld>
+            <a:endParaRPr lang="en-US"/>
+          </a:p>
+        </p:txBody>
+      </p:sp>
+    </p:spTree>
+    <p:extLst>
+      <p:ext uri="{BB962C8B-B14F-4D97-AF65-F5344CB8AC3E}">
+        <p14:creationId xmlns:p14="http://schemas.microsoft.com/office/powerpoint/2010/main" val="2167024192"/>
+      </p:ext>
+    </p:extLst>
+  </p:cSld>
+  <p:clrMapOvr>
+    <a:masterClrMapping/>
+  </p:clrMapOvr>
+  <p:transition/>
+  <p:timing>
+    <p:tnLst>
+      <p:par>
+        <p:cTn id="1" dur="indefinite" restart="never" nodeType="tmRoot">
+          <p:childTnLst>
+            <p:seq concurrent="1" nextAc="seek">
+              <p:cTn id="2" dur="indefinite" nodeType="mainSeq">
+                <p:childTnLst>
+                  <p:par>
+                    <p:cTn id="3" fill="hold">
+                      <p:stCondLst>
+                        <p:cond delay="indefinite"/>
+                        <p:cond evt="onBegin" delay="0">
+                          <p:tn val="2"/>
+                        </p:cond>
+                      </p:stCondLst>
+                      <p:childTnLst>
+                        <p:par>
+                          <p:cTn id="4" fill="hold">
+                            <p:stCondLst>
+                              <p:cond delay="0"/>
+                            </p:stCondLst>
+                            <p:childTnLst>
+                              <p:par>
+                                <p:cTn id="5" presetID="1" presetClass="entr" presetSubtype="0" fill="hold" nodeType="withEffect">
+                                  <p:stCondLst>
+                                    <p:cond delay="0"/>
+                                  </p:stCondLst>
+                                  <p:childTnLst>
+                                    <p:set>
+                                      <p:cBhvr>
+                                        <p:cTn id="6" dur="1" fill="hold">
+                                          <p:stCondLst>
+                                            <p:cond delay="0"/>
+                                          </p:stCondLst>
+                                        </p:cTn>
+                                        <p:tgtEl>
+                                          <p:spTgt spid="2">
+                                            <p:txEl>
+                                              <p:pRg st="0" end="0"/>
+                                            </p:txEl>
+                                          </p:spTgt>
+                                        </p:tgtEl>
+                                        <p:attrNameLst>
+                                          <p:attrName>style.visibility</p:attrName>
+                                        </p:attrNameLst>
+                                      </p:cBhvr>
+                                      <p:to>
+                                        <p:strVal val="visible"/>
+                                      </p:to>
+                                    </p:set>
+                                  </p:childTnLst>
+                                </p:cTn>
+                              </p:par>
+                              <p:par>
+                                <p:cTn id="7" presetID="1" presetClass="entr" presetSubtype="0" fill="hold" nodeType="withEffect">
+                                  <p:stCondLst>
+                                    <p:cond delay="0"/>
+                                  </p:stCondLst>
+                                  <p:childTnLst>
+                                    <p:set>
+                                      <p:cBhvr>
+                                        <p:cTn id="8" dur="1" fill="hold">
+                                          <p:stCondLst>
+                                            <p:cond delay="0"/>
+                                          </p:stCondLst>
+                                        </p:cTn>
+                                        <p:tgtEl>
+                                          <p:spTgt spid="2">
+                                            <p:txEl>
+                                              <p:pRg st="1" end="1"/>
+                                            </p:txEl>
+                                          </p:spTgt>
+                                        </p:tgtEl>
+                                        <p:attrNameLst>
+                                          <p:attrName>style.visibility</p:attrName>
+                                        </p:attrNameLst>
+                                      </p:cBhvr>
+                                      <p:to>
+                                        <p:strVal val="visible"/>
+                                      </p:to>
+                                    </p:set>
+                                  </p:childTnLst>
+                                </p:cTn>
+                              </p:par>
+                              <p:par>
+                                <p:cTn id="9" presetID="1" presetClass="entr" presetSubtype="0" fill="hold" nodeType="withEffect">
+                                  <p:stCondLst>
+                                    <p:cond delay="0"/>
+                                  </p:stCondLst>
+                                  <p:childTnLst>
+                                    <p:set>
+                                      <p:cBhvr>
+                                        <p:cTn id="10" dur="1" fill="hold">
+                                          <p:stCondLst>
+                                            <p:cond delay="0"/>
+                                          </p:stCondLst>
+                                        </p:cTn>
+                                        <p:tgtEl>
+                                          <p:spTgt spid="2">
+                                            <p:txEl>
+                                              <p:pRg st="2" end="2"/>
+                                            </p:txEl>
+                                          </p:spTgt>
+                                        </p:tgtEl>
+                                        <p:attrNameLst>
+                                          <p:attrName>style.visibility</p:attrName>
+                                        </p:attrNameLst>
+                                      </p:cBhvr>
+                                      <p:to>
+                                        <p:strVal val="visible"/>
+                                      </p:to>
+                                    </p:set>
+                                  </p:childTnLst>
+                                </p:cTn>
+                              </p:par>
+                            </p:childTnLst>
+                          </p:cTn>
+                        </p:par>
+                      </p:childTnLst>
+                    </p:cTn>
+                  </p:par>
+                </p:childTnLst>
+              </p:cTn>
+              <p:prevCondLst>
+                <p:cond evt="onPrev" delay="0">
+                  <p:tgtEl>
+                    <p:sldTgt/>
+                  </p:tgtEl>
+                </p:cond>
+              </p:prevCondLst>
+              <p:nextCondLst>
+                <p:cond evt="onNext" delay="0">
+                  <p:tgtEl>
+                    <p:sldTgt/>
+                  </p:tgtEl>
+                </p:cond>
+              </p:nextCondLst>
+            </p:seq>
+          </p:childTnLst>
+        </p:cTn>
+      </p:par>
+    </p:tnLst>
+  </p:timing>
+</p:sld>
+</file>
+
+<file path=ppt/slides/slide24.xml><?xml version="1.0" encoding="utf-8"?>
 <p:sld xmlns:a="http://schemas.openxmlformats.org/drawingml/2006/main" xmlns:r="http://schemas.openxmlformats.org/officeDocument/2006/relationships" xmlns:p="http://schemas.openxmlformats.org/presentationml/2006/main">
   <p:cSld>
     <p:spTree>
@@ -12902,7 +14993,7 @@
           <a:p>
             <a:r>
               <a:rPr lang="en-US" dirty="0" smtClean="0"/>
-              <a:t>Questions?</a:t>
+              <a:t>References</a:t>
             </a:r>
             <a:endParaRPr lang="en-US" dirty="0"/>
           </a:p>
@@ -12931,7 +15022,237 @@
               <a:pPr>
                 <a:defRPr/>
               </a:pPr>
-              <a:t>21</a:t>
+              <a:t>24</a:t>
+            </a:fld>
+            <a:endParaRPr lang="en-US"/>
+          </a:p>
+        </p:txBody>
+      </p:sp>
+      <p:sp>
+        <p:nvSpPr>
+          <p:cNvPr id="9" name="Content Placeholder 8"/>
+          <p:cNvSpPr>
+            <a:spLocks noGrp="1"/>
+          </p:cNvSpPr>
+          <p:nvPr>
+            <p:ph idx="1"/>
+          </p:nvPr>
+        </p:nvSpPr>
+        <p:spPr/>
+        <p:txBody>
+          <a:bodyPr/>
+          <a:lstStyle/>
+          <a:p>
+            <a:pPr marL="914400" indent="-914400">
+              <a:buNone/>
+            </a:pPr>
+            <a:r>
+              <a:rPr lang="en-US" sz="1400" dirty="0"/>
+              <a:t>[1] 	R. M. Keyser, "Resolution and Sensitivity as a Function of Energy and incident Geometry for Germanium Detectors," Nuclear Instruments and Methods in Physics Research Section B: Beam Interactions with Materials and Atoms, vol. 213, pp. 236-240, 2004. </a:t>
+            </a:r>
+          </a:p>
+          <a:p>
+            <a:pPr marL="914400" indent="-914400">
+              <a:buNone/>
+            </a:pPr>
+            <a:r>
+              <a:rPr lang="en-US" sz="1400" dirty="0"/>
+              <a:t>[2] 	R. G. Helmer, R. G. Hardy, V. E. </a:t>
+            </a:r>
+            <a:r>
+              <a:rPr lang="en-US" sz="1400" dirty="0" err="1"/>
+              <a:t>Iacob</a:t>
+            </a:r>
+            <a:r>
+              <a:rPr lang="en-US" sz="1400" dirty="0"/>
+              <a:t>, M. Sanchez-Vega, R. G. Neilson and J. Nelson, "The use of Monte Carlo Calculations in the Determination of a Ge Detector Efficiency Curve," Nuclear Instruments and Methods in Physics Research A, vol. 511, pp. 360-381, 2002. </a:t>
+            </a:r>
+          </a:p>
+          <a:p>
+            <a:pPr marL="914400" indent="-914400">
+              <a:buNone/>
+            </a:pPr>
+            <a:r>
+              <a:rPr lang="en-US" sz="1400" dirty="0"/>
+              <a:t>[3] 	W. F. R. R. K. M. D. O. S. C. A. C. A. X. d. S. </a:t>
+            </a:r>
+            <a:r>
+              <a:rPr lang="en-US" sz="1400" dirty="0" err="1"/>
+              <a:t>Guilherme</a:t>
+            </a:r>
+            <a:r>
+              <a:rPr lang="en-US" sz="1400" dirty="0"/>
+              <a:t> J. de S. </a:t>
+            </a:r>
+            <a:r>
+              <a:rPr lang="en-US" sz="1400" dirty="0" err="1"/>
+              <a:t>Corrêa</a:t>
+            </a:r>
+            <a:r>
+              <a:rPr lang="en-US" sz="1400" dirty="0"/>
+              <a:t>, "COMPUTATIONAL MODELING OF A HIGH PURITY GERMANIUM," in International Nuclear Atlantic Conference, Belo </a:t>
+            </a:r>
+            <a:r>
+              <a:rPr lang="en-US" sz="1400" dirty="0" err="1"/>
+              <a:t>Horizonte,MG</a:t>
+            </a:r>
+            <a:r>
+              <a:rPr lang="en-US" sz="1400" dirty="0"/>
+              <a:t>, Brazil, 2011. </a:t>
+            </a:r>
+          </a:p>
+          <a:p>
+            <a:pPr marL="914400" indent="-914400">
+              <a:buNone/>
+            </a:pPr>
+            <a:r>
+              <a:rPr lang="en-US" sz="1400" dirty="0"/>
+              <a:t>[4] 	G. F. Knoll, Radiation Detection and Measurement, Hoboken, NJ: John Wiley &amp; Sons, Inc., 2010. </a:t>
+            </a:r>
+          </a:p>
+          <a:p>
+            <a:pPr marL="914400" indent="-914400">
+              <a:buNone/>
+            </a:pPr>
+            <a:r>
+              <a:rPr lang="en-US" sz="1400" dirty="0"/>
+              <a:t>[5] 	D. K. P. S. J. G. M. Jeremy Lloyd </a:t>
+            </a:r>
+            <a:r>
+              <a:rPr lang="en-US" sz="1400" dirty="0" err="1"/>
+              <a:t>Conlin</a:t>
+            </a:r>
+            <a:r>
+              <a:rPr lang="en-US" sz="1400" dirty="0"/>
+              <a:t>, "Listing of Available ACE Data Tables," Los Alamos National Laboratory, Los Alamos National Laboratory, 2013.</a:t>
+            </a:r>
+          </a:p>
+          <a:p>
+            <a:pPr marL="914400" indent="-914400">
+              <a:buNone/>
+            </a:pPr>
+            <a:r>
+              <a:rPr lang="en-US" sz="1400" dirty="0"/>
+              <a:t>[6] 	C. G. R. P. R. R. R. W. I. RJ </a:t>
+            </a:r>
+            <a:r>
+              <a:rPr lang="en-US" sz="1400" dirty="0" err="1"/>
+              <a:t>McConn</a:t>
+            </a:r>
+            <a:r>
+              <a:rPr lang="en-US" sz="1400" dirty="0"/>
+              <a:t> Jr, "Compendium of Material Composition Data for Radiation Transport Modeling," Pacific North Western National Laboratory, Pacific North Western National Laboratory, 2011.</a:t>
+            </a:r>
+          </a:p>
+          <a:p>
+            <a:pPr marL="914400" indent="-914400">
+              <a:buNone/>
+            </a:pPr>
+            <a:r>
+              <a:rPr lang="en-US" sz="1400" dirty="0"/>
+              <a:t>[7] 	R. E. F. J. K. </a:t>
+            </a:r>
+            <a:r>
+              <a:rPr lang="en-US" sz="1400" dirty="0" err="1"/>
+              <a:t>Shultis</a:t>
+            </a:r>
+            <a:r>
+              <a:rPr lang="en-US" sz="1400" dirty="0"/>
+              <a:t>, "An MCNP Primer," Department of Mechanical and Nuclear Engineering, Manhattan, KS, 2011</a:t>
+            </a:r>
+            <a:r>
+              <a:rPr lang="en-US" sz="1400" dirty="0" smtClean="0"/>
+              <a:t>.</a:t>
+            </a:r>
+            <a:endParaRPr lang="en-US" sz="1400" dirty="0"/>
+          </a:p>
+        </p:txBody>
+      </p:sp>
+    </p:spTree>
+    <p:extLst>
+      <p:ext uri="{BB962C8B-B14F-4D97-AF65-F5344CB8AC3E}">
+        <p14:creationId xmlns:p14="http://schemas.microsoft.com/office/powerpoint/2010/main" val="550938201"/>
+      </p:ext>
+    </p:extLst>
+  </p:cSld>
+  <p:clrMapOvr>
+    <a:masterClrMapping/>
+  </p:clrMapOvr>
+  <p:transition/>
+  <p:timing>
+    <p:tnLst>
+      <p:par>
+        <p:cTn id="1" dur="indefinite" restart="never" nodeType="tmRoot"/>
+      </p:par>
+    </p:tnLst>
+  </p:timing>
+</p:sld>
+</file>
+
+<file path=ppt/slides/slide25.xml><?xml version="1.0" encoding="utf-8"?>
+<p:sld xmlns:a="http://schemas.openxmlformats.org/drawingml/2006/main" xmlns:r="http://schemas.openxmlformats.org/officeDocument/2006/relationships" xmlns:p="http://schemas.openxmlformats.org/presentationml/2006/main">
+  <p:cSld>
+    <p:spTree>
+      <p:nvGrpSpPr>
+        <p:cNvPr id="1" name=""/>
+        <p:cNvGrpSpPr/>
+        <p:nvPr/>
+      </p:nvGrpSpPr>
+      <p:grpSpPr>
+        <a:xfrm>
+          <a:off x="0" y="0"/>
+          <a:ext cx="0" cy="0"/>
+          <a:chOff x="0" y="0"/>
+          <a:chExt cx="0" cy="0"/>
+        </a:xfrm>
+      </p:grpSpPr>
+      <p:sp>
+        <p:nvSpPr>
+          <p:cNvPr id="10241" name="Title 1"/>
+          <p:cNvSpPr>
+            <a:spLocks noGrp="1"/>
+          </p:cNvSpPr>
+          <p:nvPr>
+            <p:ph type="title"/>
+          </p:nvPr>
+        </p:nvSpPr>
+        <p:spPr/>
+        <p:txBody>
+          <a:bodyPr/>
+          <a:lstStyle/>
+          <a:p>
+            <a:r>
+              <a:rPr lang="en-US" dirty="0" smtClean="0"/>
+              <a:t>Questions?</a:t>
+            </a:r>
+            <a:endParaRPr lang="en-US" dirty="0"/>
+          </a:p>
+        </p:txBody>
+      </p:sp>
+      <p:sp>
+        <p:nvSpPr>
+          <p:cNvPr id="3" name="Slide Number Placeholder 2"/>
+          <p:cNvSpPr>
+            <a:spLocks noGrp="1"/>
+          </p:cNvSpPr>
+          <p:nvPr>
+            <p:ph type="sldNum" sz="quarter" idx="10"/>
+          </p:nvPr>
+        </p:nvSpPr>
+        <p:spPr/>
+        <p:txBody>
+          <a:bodyPr/>
+          <a:lstStyle/>
+          <a:p>
+            <a:pPr>
+              <a:defRPr/>
+            </a:pPr>
+            <a:fld id="{54D80F8A-463A-4890-BC87-BDB129B2791E}" type="slidenum">
+              <a:rPr lang="en-US" smtClean="0"/>
+              <a:pPr>
+                <a:defRPr/>
+              </a:pPr>
+              <a:t>25</a:t>
             </a:fld>
             <a:endParaRPr lang="en-US"/>
           </a:p>
@@ -12998,8 +15319,8 @@
           </a:p>
         </p:txBody>
       </p:sp>
-      <mc:AlternateContent xmlns:mc="http://schemas.openxmlformats.org/markup-compatibility/2006">
-        <mc:Choice xmlns:a14="http://schemas.microsoft.com/office/drawing/2010/main" Requires="a14">
+      <mc:AlternateContent xmlns:mc="http://schemas.openxmlformats.org/markup-compatibility/2006" xmlns:a14="http://schemas.microsoft.com/office/drawing/2010/main">
+        <mc:Choice Requires="a14">
           <p:sp>
             <p:nvSpPr>
               <p:cNvPr id="3" name="Content Placeholder 2"/>
@@ -13017,29 +15338,13 @@
               <a:p>
                 <a:r>
                   <a:rPr lang="en-US" dirty="0" smtClean="0"/>
-                  <a:t>Build </a:t>
-                </a:r>
-                <a:r>
-                  <a:rPr lang="en-US" dirty="0" smtClean="0"/>
-                  <a:t>a High-Purity </a:t>
-                </a:r>
-                <a:r>
-                  <a:rPr lang="en-US" dirty="0" smtClean="0"/>
-                  <a:t>Germanium (HPGe) </a:t>
-                </a:r>
-                <a:r>
-                  <a:rPr lang="en-US" dirty="0" smtClean="0"/>
-                  <a:t>Monte Carlo N-Particle model</a:t>
+                  <a:t>Build a High-Purity Germanium (HPGe) Monte Carlo N-Particle model</a:t>
                 </a:r>
               </a:p>
               <a:p>
                 <a:r>
                   <a:rPr lang="en-US" dirty="0" smtClean="0"/>
-                  <a:t>Create an </a:t>
-                </a:r>
-                <a:r>
-                  <a:rPr lang="en-US" dirty="0" smtClean="0"/>
-                  <a:t>automated parametric </a:t>
+                  <a:t>Create an automated parametric </a:t>
                 </a:r>
                 <a:r>
                   <a:rPr lang="en-US" dirty="0"/>
@@ -13219,7 +15524,7 @@
             </p:txBody>
           </p:sp>
         </mc:Choice>
-        <mc:Fallback>
+        <mc:Fallback xmlns="">
           <p:sp>
             <p:nvSpPr>
               <p:cNvPr id="3" name="Content Placeholder 2"/>
@@ -13650,11 +15955,7 @@
           <a:p>
             <a:r>
               <a:rPr lang="en-US" dirty="0" smtClean="0"/>
-              <a:t>5 </a:t>
-            </a:r>
-            <a:r>
-              <a:rPr lang="en-US" dirty="0" smtClean="0"/>
-              <a:t>different source positions</a:t>
+              <a:t>5 different source positions</a:t>
             </a:r>
             <a:endParaRPr lang="en-US" dirty="0"/>
           </a:p>

--- a/Report/HPGe_Automation Optimization_MCNP_Model.pptx
+++ b/Report/HPGe_Automation Optimization_MCNP_Model.pptx
@@ -5,10 +5,10 @@
     <p:sldMasterId id="2147483660" r:id="rId1"/>
   </p:sldMasterIdLst>
   <p:notesMasterIdLst>
-    <p:notesMasterId r:id="rId27"/>
+    <p:notesMasterId r:id="rId30"/>
   </p:notesMasterIdLst>
   <p:handoutMasterIdLst>
-    <p:handoutMasterId r:id="rId28"/>
+    <p:handoutMasterId r:id="rId31"/>
   </p:handoutMasterIdLst>
   <p:sldIdLst>
     <p:sldId id="256" r:id="rId2"/>
@@ -29,13 +29,16 @@
     <p:sldId id="366" r:id="rId17"/>
     <p:sldId id="368" r:id="rId18"/>
     <p:sldId id="369" r:id="rId19"/>
-    <p:sldId id="370" r:id="rId20"/>
-    <p:sldId id="372" r:id="rId21"/>
-    <p:sldId id="371" r:id="rId22"/>
-    <p:sldId id="373" r:id="rId23"/>
-    <p:sldId id="351" r:id="rId24"/>
-    <p:sldId id="353" r:id="rId25"/>
-    <p:sldId id="349" r:id="rId26"/>
+    <p:sldId id="376" r:id="rId20"/>
+    <p:sldId id="374" r:id="rId21"/>
+    <p:sldId id="375" r:id="rId22"/>
+    <p:sldId id="370" r:id="rId23"/>
+    <p:sldId id="372" r:id="rId24"/>
+    <p:sldId id="371" r:id="rId25"/>
+    <p:sldId id="373" r:id="rId26"/>
+    <p:sldId id="351" r:id="rId27"/>
+    <p:sldId id="353" r:id="rId28"/>
+    <p:sldId id="349" r:id="rId29"/>
   </p:sldIdLst>
   <p:sldSz cx="9144000" cy="6858000" type="screen4x3"/>
   <p:notesSz cx="7010400" cy="9296400"/>
@@ -275,7 +278,7 @@
             <a:pPr>
               <a:defRPr/>
             </a:pPr>
-            <a:endParaRPr lang="en-US"/>
+            <a:endParaRPr lang="en-US" dirty="0"/>
           </a:p>
         </p:txBody>
       </p:sp>
@@ -314,9 +317,9 @@
               <a:pPr>
                 <a:defRPr/>
               </a:pPr>
-              <a:t>12/2/2017</a:t>
+              <a:t>12/3/2017</a:t>
             </a:fld>
-            <a:endParaRPr lang="en-US"/>
+            <a:endParaRPr lang="en-US" dirty="0"/>
           </a:p>
         </p:txBody>
       </p:sp>
@@ -350,7 +353,7 @@
             <a:pPr>
               <a:defRPr/>
             </a:pPr>
-            <a:endParaRPr lang="en-US"/>
+            <a:endParaRPr lang="en-US" dirty="0"/>
           </a:p>
         </p:txBody>
       </p:sp>
@@ -391,7 +394,7 @@
               </a:pPr>
               <a:t>‹#›</a:t>
             </a:fld>
-            <a:endParaRPr lang="en-US"/>
+            <a:endParaRPr lang="en-US" dirty="0"/>
           </a:p>
         </p:txBody>
       </p:sp>
@@ -467,7 +470,7 @@
             <a:pPr>
               <a:defRPr/>
             </a:pPr>
-            <a:endParaRPr lang="en-US"/>
+            <a:endParaRPr lang="en-US" dirty="0"/>
           </a:p>
         </p:txBody>
       </p:sp>
@@ -515,7 +518,7 @@
               <a:pPr>
                 <a:defRPr/>
               </a:pPr>
-              <a:t>12/2/2017</a:t>
+              <a:t>12/3/2017</a:t>
             </a:fld>
             <a:endParaRPr lang="en-US" dirty="0"/>
           </a:p>
@@ -655,7 +658,7 @@
             <a:pPr>
               <a:defRPr/>
             </a:pPr>
-            <a:endParaRPr lang="en-US"/>
+            <a:endParaRPr lang="en-US" dirty="0"/>
           </a:p>
         </p:txBody>
       </p:sp>
@@ -1630,6 +1633,47 @@
           <a:bodyPr/>
           <a:lstStyle/>
           <a:p>
+            <a:r>
+              <a:rPr lang="en-US" dirty="0" smtClean="0"/>
+              <a:t>This is the code</a:t>
+            </a:r>
+            <a:r>
+              <a:rPr lang="en-US" baseline="0" dirty="0" smtClean="0"/>
+              <a:t> frequency, just to give some insight on how much was done. It is bloated a little bit since it is probably counting the Data Output files</a:t>
+            </a:r>
+          </a:p>
+          <a:p>
+            <a:endParaRPr lang="en-US" baseline="0" dirty="0" smtClean="0"/>
+          </a:p>
+          <a:p>
+            <a:pPr marL="0" marR="0" lvl="0" indent="0" algn="l" defTabSz="914400" rtl="0" eaLnBrk="0" fontAlgn="base" latinLnBrk="0" hangingPunct="0">
+              <a:lnSpc>
+                <a:spcPct val="100000"/>
+              </a:lnSpc>
+              <a:spcBef>
+                <a:spcPct val="30000"/>
+              </a:spcBef>
+              <a:spcAft>
+                <a:spcPct val="0"/>
+              </a:spcAft>
+              <a:buClrTx/>
+              <a:buSzTx/>
+              <a:buFontTx/>
+              <a:buNone/>
+              <a:tabLst/>
+              <a:defRPr/>
+            </a:pPr>
+            <a:r>
+              <a:rPr lang="en-US" dirty="0" smtClean="0"/>
+              <a:t>Simple sweet</a:t>
+            </a:r>
+            <a:r>
+              <a:rPr lang="en-US" baseline="0" dirty="0" smtClean="0"/>
+              <a:t> and to the point. The created values are from 1] the iteration range and 2] the best value out of the previous parameter results, based on lowest Chi Squared value currently.</a:t>
+            </a:r>
+            <a:endParaRPr lang="en-US" dirty="0" smtClean="0"/>
+          </a:p>
+          <a:p>
             <a:endParaRPr lang="en-US" dirty="0"/>
           </a:p>
         </p:txBody>
@@ -1720,6 +1764,40 @@
           <a:bodyPr/>
           <a:lstStyle/>
           <a:p>
+            <a:r>
+              <a:rPr lang="en-US" dirty="0" smtClean="0"/>
+              <a:t>Include the data from before and after showing</a:t>
+            </a:r>
+            <a:r>
+              <a:rPr lang="en-US" baseline="0" dirty="0" smtClean="0"/>
+              <a:t> how the default values are optimized somewhat. Also include the experimental data.</a:t>
+            </a:r>
+            <a:br>
+              <a:rPr lang="en-US" baseline="0" dirty="0" smtClean="0"/>
+            </a:br>
+            <a:r>
+              <a:rPr lang="en-US" baseline="0" dirty="0" smtClean="0"/>
+              <a:t/>
+            </a:r>
+            <a:br>
+              <a:rPr lang="en-US" baseline="0" dirty="0" smtClean="0"/>
+            </a:br>
+            <a:r>
+              <a:rPr lang="en-US" baseline="0" dirty="0" smtClean="0"/>
+              <a:t>Used relative error since we were trying to get near identical values compared to the given experimental data</a:t>
+            </a:r>
+          </a:p>
+          <a:p>
+            <a:r>
+              <a:rPr lang="en-US" baseline="0" dirty="0" smtClean="0"/>
+              <a:t>Used an average error to simply see if any progress was made without having to look line by line.</a:t>
+            </a:r>
+          </a:p>
+          <a:p>
+            <a:r>
+              <a:rPr lang="en-US" baseline="0" dirty="0" smtClean="0"/>
+              <a:t>Used a Chi Squared value ……….?</a:t>
+            </a:r>
             <a:endParaRPr lang="en-US" dirty="0"/>
           </a:p>
         </p:txBody>
@@ -1747,7 +1825,7 @@
               <a:pPr>
                 <a:defRPr/>
               </a:pPr>
-              <a:t>19</a:t>
+              <a:t>20</a:t>
             </a:fld>
             <a:endParaRPr lang="en-US" dirty="0"/>
           </a:p>
@@ -1756,7 +1834,7 @@
     </p:spTree>
     <p:extLst>
       <p:ext uri="{BB962C8B-B14F-4D97-AF65-F5344CB8AC3E}">
-        <p14:creationId xmlns:p14="http://schemas.microsoft.com/office/powerpoint/2010/main" val="1791849842"/>
+        <p14:creationId xmlns:p14="http://schemas.microsoft.com/office/powerpoint/2010/main" val="3944561536"/>
       </p:ext>
     </p:extLst>
   </p:cSld>
@@ -1810,6 +1888,14 @@
           <a:bodyPr/>
           <a:lstStyle/>
           <a:p>
+            <a:r>
+              <a:rPr lang="en-US" dirty="0" smtClean="0"/>
+              <a:t>Include all</a:t>
+            </a:r>
+            <a:r>
+              <a:rPr lang="en-US" baseline="0" dirty="0" smtClean="0"/>
+              <a:t> the plots explain that these are showing our results in comparison with the given experimental results. Note that the plots were also automated in their creation.</a:t>
+            </a:r>
             <a:endParaRPr lang="en-US" dirty="0"/>
           </a:p>
         </p:txBody>
@@ -1846,7 +1932,7 @@
     </p:spTree>
     <p:extLst>
       <p:ext uri="{BB962C8B-B14F-4D97-AF65-F5344CB8AC3E}">
-        <p14:creationId xmlns:p14="http://schemas.microsoft.com/office/powerpoint/2010/main" val="4141483374"/>
+        <p14:creationId xmlns:p14="http://schemas.microsoft.com/office/powerpoint/2010/main" val="1818278802"/>
       </p:ext>
     </p:extLst>
   </p:cSld>
@@ -2026,7 +2112,7 @@
     </p:spTree>
     <p:extLst>
       <p:ext uri="{BB962C8B-B14F-4D97-AF65-F5344CB8AC3E}">
-        <p14:creationId xmlns:p14="http://schemas.microsoft.com/office/powerpoint/2010/main" val="2319616952"/>
+        <p14:creationId xmlns:p14="http://schemas.microsoft.com/office/powerpoint/2010/main" val="1791849842"/>
       </p:ext>
     </p:extLst>
   </p:cSld>
@@ -2107,7 +2193,7 @@
               <a:pPr>
                 <a:defRPr/>
               </a:pPr>
-              <a:t>23</a:t>
+              <a:t>24</a:t>
             </a:fld>
             <a:endParaRPr lang="en-US" dirty="0"/>
           </a:p>
@@ -2116,7 +2202,7 @@
     </p:spTree>
     <p:extLst>
       <p:ext uri="{BB962C8B-B14F-4D97-AF65-F5344CB8AC3E}">
-        <p14:creationId xmlns:p14="http://schemas.microsoft.com/office/powerpoint/2010/main" val="321018036"/>
+        <p14:creationId xmlns:p14="http://schemas.microsoft.com/office/powerpoint/2010/main" val="4141483374"/>
       </p:ext>
     </p:extLst>
   </p:cSld>
@@ -2197,7 +2283,7 @@
               <a:pPr>
                 <a:defRPr/>
               </a:pPr>
-              <a:t>24</a:t>
+              <a:t>25</a:t>
             </a:fld>
             <a:endParaRPr lang="en-US" dirty="0"/>
           </a:p>
@@ -2206,7 +2292,7 @@
     </p:spTree>
     <p:extLst>
       <p:ext uri="{BB962C8B-B14F-4D97-AF65-F5344CB8AC3E}">
-        <p14:creationId xmlns:p14="http://schemas.microsoft.com/office/powerpoint/2010/main" val="1197035683"/>
+        <p14:creationId xmlns:p14="http://schemas.microsoft.com/office/powerpoint/2010/main" val="2319616952"/>
       </p:ext>
     </p:extLst>
   </p:cSld>
@@ -2287,7 +2373,187 @@
               <a:pPr>
                 <a:defRPr/>
               </a:pPr>
-              <a:t>25</a:t>
+              <a:t>26</a:t>
+            </a:fld>
+            <a:endParaRPr lang="en-US" dirty="0"/>
+          </a:p>
+        </p:txBody>
+      </p:sp>
+    </p:spTree>
+    <p:extLst>
+      <p:ext uri="{BB962C8B-B14F-4D97-AF65-F5344CB8AC3E}">
+        <p14:creationId xmlns:p14="http://schemas.microsoft.com/office/powerpoint/2010/main" val="321018036"/>
+      </p:ext>
+    </p:extLst>
+  </p:cSld>
+  <p:clrMapOvr>
+    <a:masterClrMapping/>
+  </p:clrMapOvr>
+</p:notes>
+</file>
+
+<file path=ppt/notesSlides/notesSlide24.xml><?xml version="1.0" encoding="utf-8"?>
+<p:notes xmlns:a="http://schemas.openxmlformats.org/drawingml/2006/main" xmlns:r="http://schemas.openxmlformats.org/officeDocument/2006/relationships" xmlns:p="http://schemas.openxmlformats.org/presentationml/2006/main">
+  <p:cSld>
+    <p:spTree>
+      <p:nvGrpSpPr>
+        <p:cNvPr id="1" name=""/>
+        <p:cNvGrpSpPr/>
+        <p:nvPr/>
+      </p:nvGrpSpPr>
+      <p:grpSpPr>
+        <a:xfrm>
+          <a:off x="0" y="0"/>
+          <a:ext cx="0" cy="0"/>
+          <a:chOff x="0" y="0"/>
+          <a:chExt cx="0" cy="0"/>
+        </a:xfrm>
+      </p:grpSpPr>
+      <p:sp>
+        <p:nvSpPr>
+          <p:cNvPr id="2" name="Slide Image Placeholder 1"/>
+          <p:cNvSpPr>
+            <a:spLocks noGrp="1" noRot="1" noChangeAspect="1"/>
+          </p:cNvSpPr>
+          <p:nvPr>
+            <p:ph type="sldImg"/>
+          </p:nvPr>
+        </p:nvSpPr>
+        <p:spPr/>
+      </p:sp>
+      <p:sp>
+        <p:nvSpPr>
+          <p:cNvPr id="3" name="Notes Placeholder 2"/>
+          <p:cNvSpPr>
+            <a:spLocks noGrp="1"/>
+          </p:cNvSpPr>
+          <p:nvPr>
+            <p:ph type="body" idx="1"/>
+          </p:nvPr>
+        </p:nvSpPr>
+        <p:spPr/>
+        <p:txBody>
+          <a:bodyPr/>
+          <a:lstStyle/>
+          <a:p>
+            <a:endParaRPr lang="en-US" dirty="0"/>
+          </a:p>
+        </p:txBody>
+      </p:sp>
+      <p:sp>
+        <p:nvSpPr>
+          <p:cNvPr id="4" name="Slide Number Placeholder 3"/>
+          <p:cNvSpPr>
+            <a:spLocks noGrp="1"/>
+          </p:cNvSpPr>
+          <p:nvPr>
+            <p:ph type="sldNum" sz="quarter" idx="10"/>
+          </p:nvPr>
+        </p:nvSpPr>
+        <p:spPr/>
+        <p:txBody>
+          <a:bodyPr/>
+          <a:lstStyle/>
+          <a:p>
+            <a:pPr>
+              <a:defRPr/>
+            </a:pPr>
+            <a:fld id="{1F6B3159-B396-4F1D-8D6C-858A85A1524C}" type="slidenum">
+              <a:rPr lang="en-US" smtClean="0"/>
+              <a:pPr>
+                <a:defRPr/>
+              </a:pPr>
+              <a:t>27</a:t>
+            </a:fld>
+            <a:endParaRPr lang="en-US" dirty="0"/>
+          </a:p>
+        </p:txBody>
+      </p:sp>
+    </p:spTree>
+    <p:extLst>
+      <p:ext uri="{BB962C8B-B14F-4D97-AF65-F5344CB8AC3E}">
+        <p14:creationId xmlns:p14="http://schemas.microsoft.com/office/powerpoint/2010/main" val="1197035683"/>
+      </p:ext>
+    </p:extLst>
+  </p:cSld>
+  <p:clrMapOvr>
+    <a:masterClrMapping/>
+  </p:clrMapOvr>
+</p:notes>
+</file>
+
+<file path=ppt/notesSlides/notesSlide25.xml><?xml version="1.0" encoding="utf-8"?>
+<p:notes xmlns:a="http://schemas.openxmlformats.org/drawingml/2006/main" xmlns:r="http://schemas.openxmlformats.org/officeDocument/2006/relationships" xmlns:p="http://schemas.openxmlformats.org/presentationml/2006/main">
+  <p:cSld>
+    <p:spTree>
+      <p:nvGrpSpPr>
+        <p:cNvPr id="1" name=""/>
+        <p:cNvGrpSpPr/>
+        <p:nvPr/>
+      </p:nvGrpSpPr>
+      <p:grpSpPr>
+        <a:xfrm>
+          <a:off x="0" y="0"/>
+          <a:ext cx="0" cy="0"/>
+          <a:chOff x="0" y="0"/>
+          <a:chExt cx="0" cy="0"/>
+        </a:xfrm>
+      </p:grpSpPr>
+      <p:sp>
+        <p:nvSpPr>
+          <p:cNvPr id="2" name="Slide Image Placeholder 1"/>
+          <p:cNvSpPr>
+            <a:spLocks noGrp="1" noRot="1" noChangeAspect="1"/>
+          </p:cNvSpPr>
+          <p:nvPr>
+            <p:ph type="sldImg"/>
+          </p:nvPr>
+        </p:nvSpPr>
+        <p:spPr/>
+      </p:sp>
+      <p:sp>
+        <p:nvSpPr>
+          <p:cNvPr id="3" name="Notes Placeholder 2"/>
+          <p:cNvSpPr>
+            <a:spLocks noGrp="1"/>
+          </p:cNvSpPr>
+          <p:nvPr>
+            <p:ph type="body" idx="1"/>
+          </p:nvPr>
+        </p:nvSpPr>
+        <p:spPr/>
+        <p:txBody>
+          <a:bodyPr/>
+          <a:lstStyle/>
+          <a:p>
+            <a:endParaRPr lang="en-US" dirty="0"/>
+          </a:p>
+        </p:txBody>
+      </p:sp>
+      <p:sp>
+        <p:nvSpPr>
+          <p:cNvPr id="4" name="Slide Number Placeholder 3"/>
+          <p:cNvSpPr>
+            <a:spLocks noGrp="1"/>
+          </p:cNvSpPr>
+          <p:nvPr>
+            <p:ph type="sldNum" sz="quarter" idx="10"/>
+          </p:nvPr>
+        </p:nvSpPr>
+        <p:spPr/>
+        <p:txBody>
+          <a:bodyPr/>
+          <a:lstStyle/>
+          <a:p>
+            <a:pPr>
+              <a:defRPr/>
+            </a:pPr>
+            <a:fld id="{1F6B3159-B396-4F1D-8D6C-858A85A1524C}" type="slidenum">
+              <a:rPr lang="en-US" smtClean="0"/>
+              <a:pPr>
+                <a:defRPr/>
+              </a:pPr>
+              <a:t>28</a:t>
             </a:fld>
             <a:endParaRPr lang="en-US" dirty="0"/>
           </a:p>
@@ -3226,7 +3492,7 @@
               </a:pPr>
               <a:t>‹#›</a:t>
             </a:fld>
-            <a:endParaRPr lang="en-US"/>
+            <a:endParaRPr lang="en-US" dirty="0"/>
           </a:p>
         </p:txBody>
       </p:sp>
@@ -3312,7 +3578,7 @@
               </a:pPr>
               <a:t>‹#›</a:t>
             </a:fld>
-            <a:endParaRPr lang="en-US"/>
+            <a:endParaRPr lang="en-US" dirty="0"/>
           </a:p>
         </p:txBody>
       </p:sp>
@@ -3960,7 +4226,7 @@
               </a:pPr>
               <a:t>‹#›</a:t>
             </a:fld>
-            <a:endParaRPr lang="en-US"/>
+            <a:endParaRPr lang="en-US" dirty="0"/>
           </a:p>
         </p:txBody>
       </p:sp>
@@ -4655,7 +4921,7 @@
               </a:pPr>
               <a:t>10</a:t>
             </a:fld>
-            <a:endParaRPr lang="en-US"/>
+            <a:endParaRPr lang="en-US" dirty="0"/>
           </a:p>
         </p:txBody>
       </p:sp>
@@ -4856,7 +5122,7 @@
               <a:buNone/>
               <a:tabLst/>
             </a:pPr>
-            <a:endParaRPr kumimoji="0" lang="en-US" sz="1800" b="0" i="0" u="none" strike="noStrike" cap="none" normalizeH="0" baseline="0" smtClean="0">
+            <a:endParaRPr kumimoji="0" lang="en-US" sz="1800" b="0" i="0" u="none" strike="noStrike" cap="none" normalizeH="0" baseline="0" dirty="0" smtClean="0">
               <a:ln>
                 <a:noFill/>
               </a:ln>
@@ -4921,7 +5187,7 @@
               <a:buNone/>
               <a:tabLst/>
             </a:pPr>
-            <a:endParaRPr kumimoji="0" lang="en-US" sz="1800" b="0" i="0" u="none" strike="noStrike" cap="none" normalizeH="0" baseline="0" smtClean="0">
+            <a:endParaRPr kumimoji="0" lang="en-US" sz="1800" b="0" i="0" u="none" strike="noStrike" cap="none" normalizeH="0" baseline="0" dirty="0" smtClean="0">
               <a:ln>
                 <a:noFill/>
               </a:ln>
@@ -4986,7 +5252,7 @@
               <a:buNone/>
               <a:tabLst/>
             </a:pPr>
-            <a:endParaRPr kumimoji="0" lang="en-US" sz="1800" b="0" i="0" u="none" strike="noStrike" cap="none" normalizeH="0" baseline="0" smtClean="0">
+            <a:endParaRPr kumimoji="0" lang="en-US" sz="1800" b="0" i="0" u="none" strike="noStrike" cap="none" normalizeH="0" baseline="0" dirty="0" smtClean="0">
               <a:ln>
                 <a:noFill/>
               </a:ln>
@@ -5051,7 +5317,7 @@
               <a:buNone/>
               <a:tabLst/>
             </a:pPr>
-            <a:endParaRPr kumimoji="0" lang="en-US" sz="1800" b="0" i="0" u="none" strike="noStrike" cap="none" normalizeH="0" baseline="0" smtClean="0">
+            <a:endParaRPr kumimoji="0" lang="en-US" sz="1800" b="0" i="0" u="none" strike="noStrike" cap="none" normalizeH="0" baseline="0" dirty="0" smtClean="0">
               <a:ln>
                 <a:noFill/>
               </a:ln>
@@ -5116,7 +5382,7 @@
               <a:buNone/>
               <a:tabLst/>
             </a:pPr>
-            <a:endParaRPr kumimoji="0" lang="en-US" sz="1800" b="0" i="0" u="none" strike="noStrike" cap="none" normalizeH="0" baseline="0" smtClean="0">
+            <a:endParaRPr kumimoji="0" lang="en-US" sz="1800" b="0" i="0" u="none" strike="noStrike" cap="none" normalizeH="0" baseline="0" dirty="0" smtClean="0">
               <a:ln>
                 <a:noFill/>
               </a:ln>
@@ -5270,7 +5536,7 @@
               <a:buNone/>
               <a:tabLst/>
             </a:pPr>
-            <a:endParaRPr kumimoji="0" lang="en-US" sz="1800" b="0" i="0" u="none" strike="noStrike" cap="none" normalizeH="0" baseline="0" smtClean="0">
+            <a:endParaRPr kumimoji="0" lang="en-US" sz="1800" b="0" i="0" u="none" strike="noStrike" cap="none" normalizeH="0" baseline="0" dirty="0" smtClean="0">
               <a:ln>
                 <a:noFill/>
               </a:ln>
@@ -5978,7 +6244,7 @@
               </a:pPr>
               <a:t>11</a:t>
             </a:fld>
-            <a:endParaRPr lang="en-US"/>
+            <a:endParaRPr lang="en-US" dirty="0"/>
           </a:p>
         </p:txBody>
       </p:sp>
@@ -6132,7 +6398,7 @@
               </a:pPr>
               <a:t>12</a:t>
             </a:fld>
-            <a:endParaRPr lang="en-US"/>
+            <a:endParaRPr lang="en-US" dirty="0"/>
           </a:p>
         </p:txBody>
       </p:sp>
@@ -6263,7 +6529,7 @@
               <a:buNone/>
               <a:tabLst/>
             </a:pPr>
-            <a:endParaRPr kumimoji="0" lang="en-US" sz="1800" b="0" i="0" u="none" strike="noStrike" cap="none" normalizeH="0" baseline="0" smtClean="0">
+            <a:endParaRPr kumimoji="0" lang="en-US" sz="1800" b="0" i="0" u="none" strike="noStrike" cap="none" normalizeH="0" baseline="0" dirty="0" smtClean="0">
               <a:ln>
                 <a:noFill/>
               </a:ln>
@@ -6526,7 +6792,7 @@
               </a:pPr>
               <a:t>13</a:t>
             </a:fld>
-            <a:endParaRPr lang="en-US"/>
+            <a:endParaRPr lang="en-US" dirty="0"/>
           </a:p>
         </p:txBody>
       </p:sp>
@@ -6677,7 +6943,7 @@
             <p:ph idx="1"/>
             <p:extLst>
               <p:ext uri="{D42A27DB-BD31-4B8C-83A1-F6EECF244321}">
-                <p14:modId xmlns:p14="http://schemas.microsoft.com/office/powerpoint/2010/main" val="3075286139"/>
+                <p14:modId xmlns:p14="http://schemas.microsoft.com/office/powerpoint/2010/main" val="1979347270"/>
               </p:ext>
             </p:extLst>
           </p:nvPr>
@@ -6788,7 +7054,7 @@
                         </a:spcAft>
                       </a:pPr>
                       <a:r>
-                        <a:rPr lang="en-US" sz="1600" b="1">
+                        <a:rPr lang="en-US" sz="1600" b="1" dirty="0">
                           <a:effectLst/>
                           <a:latin typeface="Arial" panose="020B0604020202020204" pitchFamily="34" charset="0"/>
                           <a:ea typeface="Calibri" panose="020F0502020204030204" pitchFamily="34" charset="0"/>
@@ -6797,7 +7063,7 @@
                         <a:t>Density [g/cm</a:t>
                       </a:r>
                       <a:r>
-                        <a:rPr lang="en-US" sz="1600" b="1" baseline="30000">
+                        <a:rPr lang="en-US" sz="1600" b="1" baseline="30000" dirty="0">
                           <a:effectLst/>
                           <a:latin typeface="Arial" panose="020B0604020202020204" pitchFamily="34" charset="0"/>
                           <a:ea typeface="Calibri" panose="020F0502020204030204" pitchFamily="34" charset="0"/>
@@ -6806,7 +7072,7 @@
                         <a:t>3</a:t>
                       </a:r>
                       <a:r>
-                        <a:rPr lang="en-US" sz="1600" b="1">
+                        <a:rPr lang="en-US" sz="1600" b="1" dirty="0">
                           <a:effectLst/>
                           <a:latin typeface="Arial" panose="020B0604020202020204" pitchFamily="34" charset="0"/>
                           <a:ea typeface="Calibri" panose="020F0502020204030204" pitchFamily="34" charset="0"/>
@@ -6814,7 +7080,7 @@
                         </a:rPr>
                         <a:t>]</a:t>
                       </a:r>
-                      <a:endParaRPr lang="en-US" sz="1600">
+                      <a:endParaRPr lang="en-US" sz="1600" dirty="0">
                         <a:effectLst/>
                         <a:latin typeface="Calibri" panose="020F0502020204030204" pitchFamily="34" charset="0"/>
                         <a:ea typeface="Calibri" panose="020F0502020204030204" pitchFamily="34" charset="0"/>
@@ -6881,7 +7147,7 @@
                         </a:spcAft>
                       </a:pPr>
                       <a:r>
-                        <a:rPr lang="en-US" sz="1600" b="1">
+                        <a:rPr lang="en-US" sz="1600" b="1" dirty="0">
                           <a:effectLst/>
                           <a:latin typeface="Arial" panose="020B0604020202020204" pitchFamily="34" charset="0"/>
                           <a:ea typeface="Calibri" panose="020F0502020204030204" pitchFamily="34" charset="0"/>
@@ -6889,7 +7155,7 @@
                         </a:rPr>
                         <a:t>Component(s)</a:t>
                       </a:r>
-                      <a:endParaRPr lang="en-US" sz="1600">
+                      <a:endParaRPr lang="en-US" sz="1600" dirty="0">
                         <a:effectLst/>
                         <a:latin typeface="Calibri" panose="020F0502020204030204" pitchFamily="34" charset="0"/>
                         <a:ea typeface="Calibri" panose="020F0502020204030204" pitchFamily="34" charset="0"/>
@@ -7033,7 +7299,7 @@
                         </a:spcAft>
                       </a:pPr>
                       <a:r>
-                        <a:rPr lang="en-US" sz="1600">
+                        <a:rPr lang="en-US" sz="1600" dirty="0">
                           <a:effectLst/>
                           <a:latin typeface="Arial" panose="020B0604020202020204" pitchFamily="34" charset="0"/>
                           <a:ea typeface="Calibri" panose="020F0502020204030204" pitchFamily="34" charset="0"/>
@@ -7041,7 +7307,7 @@
                         </a:rPr>
                         <a:t>1.38</a:t>
                       </a:r>
-                      <a:endParaRPr lang="en-US" sz="1600">
+                      <a:endParaRPr lang="en-US" sz="1600" dirty="0">
                         <a:effectLst/>
                         <a:latin typeface="Calibri" panose="020F0502020204030204" pitchFamily="34" charset="0"/>
                         <a:ea typeface="Calibri" panose="020F0502020204030204" pitchFamily="34" charset="0"/>
@@ -7108,7 +7374,7 @@
                         </a:spcAft>
                       </a:pPr>
                       <a:r>
-                        <a:rPr lang="en-US" sz="1600">
+                        <a:rPr lang="en-US" sz="1600" dirty="0">
                           <a:effectLst/>
                           <a:latin typeface="Arial" panose="020B0604020202020204" pitchFamily="34" charset="0"/>
                           <a:ea typeface="Calibri" panose="020F0502020204030204" pitchFamily="34" charset="0"/>
@@ -7116,7 +7382,7 @@
                         </a:rPr>
                         <a:t>IR Window</a:t>
                       </a:r>
-                      <a:endParaRPr lang="en-US" sz="1600">
+                      <a:endParaRPr lang="en-US" sz="1600" dirty="0">
                         <a:effectLst/>
                         <a:latin typeface="Calibri" panose="020F0502020204030204" pitchFamily="34" charset="0"/>
                         <a:ea typeface="Calibri" panose="020F0502020204030204" pitchFamily="34" charset="0"/>
@@ -7335,7 +7601,7 @@
                         </a:spcAft>
                       </a:pPr>
                       <a:r>
-                        <a:rPr lang="en-US" sz="1600">
+                        <a:rPr lang="en-US" sz="1600" dirty="0">
                           <a:effectLst/>
                           <a:latin typeface="Arial" panose="020B0604020202020204" pitchFamily="34" charset="0"/>
                           <a:ea typeface="Calibri" panose="020F0502020204030204" pitchFamily="34" charset="0"/>
@@ -7343,7 +7609,7 @@
                         </a:rPr>
                         <a:t>Metal Clasps</a:t>
                       </a:r>
-                      <a:endParaRPr lang="en-US" sz="1600">
+                      <a:endParaRPr lang="en-US" sz="1600" dirty="0">
                         <a:effectLst/>
                         <a:latin typeface="Calibri" panose="020F0502020204030204" pitchFamily="34" charset="0"/>
                         <a:ea typeface="Calibri" panose="020F0502020204030204" pitchFamily="34" charset="0"/>
@@ -7412,7 +7678,7 @@
                         </a:spcAft>
                       </a:pPr>
                       <a:r>
-                        <a:rPr lang="en-US" sz="1600">
+                        <a:rPr lang="en-US" sz="1600" dirty="0">
                           <a:effectLst/>
                           <a:latin typeface="Arial" panose="020B0604020202020204" pitchFamily="34" charset="0"/>
                           <a:ea typeface="Calibri" panose="020F0502020204030204" pitchFamily="34" charset="0"/>
@@ -7420,7 +7686,7 @@
                         </a:rPr>
                         <a:t>Aluminum</a:t>
                       </a:r>
-                      <a:endParaRPr lang="en-US" sz="1600">
+                      <a:endParaRPr lang="en-US" sz="1600" dirty="0">
                         <a:effectLst/>
                         <a:latin typeface="Calibri" panose="020F0502020204030204" pitchFamily="34" charset="0"/>
                         <a:ea typeface="Calibri" panose="020F0502020204030204" pitchFamily="34" charset="0"/>
@@ -7562,7 +7828,7 @@
                         </a:spcAft>
                       </a:pPr>
                       <a:r>
-                        <a:rPr lang="en-US" sz="1600">
+                        <a:rPr lang="en-US" sz="1600" dirty="0">
                           <a:effectLst/>
                           <a:latin typeface="Arial" panose="020B0604020202020204" pitchFamily="34" charset="0"/>
                           <a:ea typeface="Calibri" panose="020F0502020204030204" pitchFamily="34" charset="0"/>
@@ -7570,7 +7836,7 @@
                         </a:rPr>
                         <a:t>Detector Housing and Casing</a:t>
                       </a:r>
-                      <a:endParaRPr lang="en-US" sz="1600">
+                      <a:endParaRPr lang="en-US" sz="1600" dirty="0">
                         <a:effectLst/>
                         <a:latin typeface="Calibri" panose="020F0502020204030204" pitchFamily="34" charset="0"/>
                         <a:ea typeface="Calibri" panose="020F0502020204030204" pitchFamily="34" charset="0"/>
@@ -7639,7 +7905,7 @@
                         </a:spcAft>
                       </a:pPr>
                       <a:r>
-                        <a:rPr lang="en-US" sz="1600">
+                        <a:rPr lang="en-US" sz="1600" dirty="0">
                           <a:effectLst/>
                           <a:latin typeface="Arial" panose="020B0604020202020204" pitchFamily="34" charset="0"/>
                           <a:ea typeface="Calibri" panose="020F0502020204030204" pitchFamily="34" charset="0"/>
@@ -7647,7 +7913,7 @@
                         </a:rPr>
                         <a:t>Germanium</a:t>
                       </a:r>
-                      <a:endParaRPr lang="en-US" sz="1600">
+                      <a:endParaRPr lang="en-US" sz="1600" dirty="0">
                         <a:effectLst/>
                         <a:latin typeface="Calibri" panose="020F0502020204030204" pitchFamily="34" charset="0"/>
                         <a:ea typeface="Calibri" panose="020F0502020204030204" pitchFamily="34" charset="0"/>
@@ -7789,7 +8055,7 @@
                         </a:spcAft>
                       </a:pPr>
                       <a:r>
-                        <a:rPr lang="en-US" sz="1600">
+                        <a:rPr lang="en-US" sz="1600" dirty="0">
                           <a:effectLst/>
                           <a:latin typeface="Arial" panose="020B0604020202020204" pitchFamily="34" charset="0"/>
                           <a:ea typeface="Calibri" panose="020F0502020204030204" pitchFamily="34" charset="0"/>
@@ -7797,7 +8063,7 @@
                         </a:rPr>
                         <a:t>Ge Crystal</a:t>
                       </a:r>
-                      <a:endParaRPr lang="en-US" sz="1600">
+                      <a:endParaRPr lang="en-US" sz="1600" dirty="0">
                         <a:effectLst/>
                         <a:latin typeface="Calibri" panose="020F0502020204030204" pitchFamily="34" charset="0"/>
                         <a:ea typeface="Calibri" panose="020F0502020204030204" pitchFamily="34" charset="0"/>
@@ -7866,7 +8132,7 @@
                         </a:spcAft>
                       </a:pPr>
                       <a:r>
-                        <a:rPr lang="en-US" sz="1600">
+                        <a:rPr lang="en-US" sz="1600" dirty="0">
                           <a:effectLst/>
                           <a:latin typeface="Arial" panose="020B0604020202020204" pitchFamily="34" charset="0"/>
                           <a:ea typeface="Calibri" panose="020F0502020204030204" pitchFamily="34" charset="0"/>
@@ -7874,7 +8140,7 @@
                         </a:rPr>
                         <a:t>Lithium</a:t>
                       </a:r>
-                      <a:endParaRPr lang="en-US" sz="1600">
+                      <a:endParaRPr lang="en-US" sz="1600" dirty="0">
                         <a:effectLst/>
                         <a:latin typeface="Calibri" panose="020F0502020204030204" pitchFamily="34" charset="0"/>
                         <a:ea typeface="Calibri" panose="020F0502020204030204" pitchFamily="34" charset="0"/>
@@ -8016,7 +8282,7 @@
                         </a:spcAft>
                       </a:pPr>
                       <a:r>
-                        <a:rPr lang="en-US" sz="1600">
+                        <a:rPr lang="en-US" sz="1600" dirty="0">
                           <a:effectLst/>
                           <a:latin typeface="Arial" panose="020B0604020202020204" pitchFamily="34" charset="0"/>
                           <a:ea typeface="Calibri" panose="020F0502020204030204" pitchFamily="34" charset="0"/>
@@ -8024,7 +8290,7 @@
                         </a:rPr>
                         <a:t>Outer Deadlayer</a:t>
                       </a:r>
-                      <a:endParaRPr lang="en-US" sz="1600">
+                      <a:endParaRPr lang="en-US" sz="1600" dirty="0">
                         <a:effectLst/>
                         <a:latin typeface="Calibri" panose="020F0502020204030204" pitchFamily="34" charset="0"/>
                         <a:ea typeface="Calibri" panose="020F0502020204030204" pitchFamily="34" charset="0"/>
@@ -8093,7 +8359,7 @@
                         </a:spcAft>
                       </a:pPr>
                       <a:r>
-                        <a:rPr lang="en-US" sz="1600">
+                        <a:rPr lang="en-US" sz="1600" dirty="0">
                           <a:effectLst/>
                           <a:latin typeface="Arial" panose="020B0604020202020204" pitchFamily="34" charset="0"/>
                           <a:ea typeface="Calibri" panose="020F0502020204030204" pitchFamily="34" charset="0"/>
@@ -8101,7 +8367,7 @@
                         </a:rPr>
                         <a:t>Boron</a:t>
                       </a:r>
-                      <a:endParaRPr lang="en-US" sz="1600">
+                      <a:endParaRPr lang="en-US" sz="1600" dirty="0">
                         <a:effectLst/>
                         <a:latin typeface="Calibri" panose="020F0502020204030204" pitchFamily="34" charset="0"/>
                         <a:ea typeface="Calibri" panose="020F0502020204030204" pitchFamily="34" charset="0"/>
@@ -8243,7 +8509,7 @@
                         </a:spcAft>
                       </a:pPr>
                       <a:r>
-                        <a:rPr lang="en-US" sz="1600">
+                        <a:rPr lang="en-US" sz="1600" dirty="0">
                           <a:effectLst/>
                           <a:latin typeface="Arial" panose="020B0604020202020204" pitchFamily="34" charset="0"/>
                           <a:ea typeface="Calibri" panose="020F0502020204030204" pitchFamily="34" charset="0"/>
@@ -8251,7 +8517,7 @@
                         </a:rPr>
                         <a:t>Inner Deadlayer</a:t>
                       </a:r>
-                      <a:endParaRPr lang="en-US" sz="1600">
+                      <a:endParaRPr lang="en-US" sz="1600" dirty="0">
                         <a:effectLst/>
                         <a:latin typeface="Calibri" panose="020F0502020204030204" pitchFamily="34" charset="0"/>
                         <a:ea typeface="Calibri" panose="020F0502020204030204" pitchFamily="34" charset="0"/>
@@ -8320,7 +8586,7 @@
                         </a:spcAft>
                       </a:pPr>
                       <a:r>
-                        <a:rPr lang="en-US" sz="1600">
+                        <a:rPr lang="en-US" sz="1600" dirty="0">
                           <a:effectLst/>
                           <a:latin typeface="Arial" panose="020B0604020202020204" pitchFamily="34" charset="0"/>
                           <a:ea typeface="Calibri" panose="020F0502020204030204" pitchFamily="34" charset="0"/>
@@ -8328,7 +8594,7 @@
                         </a:rPr>
                         <a:t>Copper</a:t>
                       </a:r>
-                      <a:endParaRPr lang="en-US" sz="1600">
+                      <a:endParaRPr lang="en-US" sz="1600" dirty="0">
                         <a:effectLst/>
                         <a:latin typeface="Calibri" panose="020F0502020204030204" pitchFamily="34" charset="0"/>
                         <a:ea typeface="Calibri" panose="020F0502020204030204" pitchFamily="34" charset="0"/>
@@ -8547,7 +8813,7 @@
                         </a:spcAft>
                       </a:pPr>
                       <a:r>
-                        <a:rPr lang="en-US" sz="1600">
+                        <a:rPr lang="en-US" sz="1600" dirty="0">
                           <a:effectLst/>
                           <a:latin typeface="Arial" panose="020B0604020202020204" pitchFamily="34" charset="0"/>
                           <a:ea typeface="Calibri" panose="020F0502020204030204" pitchFamily="34" charset="0"/>
@@ -8555,7 +8821,7 @@
                         </a:rPr>
                         <a:t>Tin</a:t>
                       </a:r>
-                      <a:endParaRPr lang="en-US" sz="1600">
+                      <a:endParaRPr lang="en-US" sz="1600" dirty="0">
                         <a:effectLst/>
                         <a:latin typeface="Calibri" panose="020F0502020204030204" pitchFamily="34" charset="0"/>
                         <a:ea typeface="Calibri" panose="020F0502020204030204" pitchFamily="34" charset="0"/>
@@ -8622,7 +8888,7 @@
                         </a:spcAft>
                       </a:pPr>
                       <a:r>
-                        <a:rPr lang="en-US" sz="1600">
+                        <a:rPr lang="en-US" sz="1600" dirty="0">
                           <a:effectLst/>
                           <a:latin typeface="Arial" panose="020B0604020202020204" pitchFamily="34" charset="0"/>
                           <a:ea typeface="Calibri" panose="020F0502020204030204" pitchFamily="34" charset="0"/>
@@ -8630,7 +8896,7 @@
                         </a:rPr>
                         <a:t>7.31</a:t>
                       </a:r>
-                      <a:endParaRPr lang="en-US" sz="1600">
+                      <a:endParaRPr lang="en-US" sz="1600" dirty="0">
                         <a:effectLst/>
                         <a:latin typeface="Calibri" panose="020F0502020204030204" pitchFamily="34" charset="0"/>
                         <a:ea typeface="Calibri" panose="020F0502020204030204" pitchFamily="34" charset="0"/>
@@ -8774,7 +9040,7 @@
                         </a:spcAft>
                       </a:pPr>
                       <a:r>
-                        <a:rPr lang="en-US" sz="1600">
+                        <a:rPr lang="en-US" sz="1600" dirty="0">
                           <a:effectLst/>
                           <a:latin typeface="Arial" panose="020B0604020202020204" pitchFamily="34" charset="0"/>
                           <a:ea typeface="Calibri" panose="020F0502020204030204" pitchFamily="34" charset="0"/>
@@ -8782,7 +9048,7 @@
                         </a:rPr>
                         <a:t>Kapton Film</a:t>
                       </a:r>
-                      <a:endParaRPr lang="en-US" sz="1600">
+                      <a:endParaRPr lang="en-US" sz="1600" dirty="0">
                         <a:effectLst/>
                         <a:latin typeface="Calibri" panose="020F0502020204030204" pitchFamily="34" charset="0"/>
                         <a:ea typeface="Calibri" panose="020F0502020204030204" pitchFamily="34" charset="0"/>
@@ -8849,7 +9115,7 @@
                         </a:spcAft>
                       </a:pPr>
                       <a:r>
-                        <a:rPr lang="en-US" sz="1600">
+                        <a:rPr lang="en-US" sz="1600" dirty="0">
                           <a:effectLst/>
                           <a:latin typeface="Arial" panose="020B0604020202020204" pitchFamily="34" charset="0"/>
                           <a:ea typeface="Calibri" panose="020F0502020204030204" pitchFamily="34" charset="0"/>
@@ -8857,7 +9123,7 @@
                         </a:rPr>
                         <a:t>1.42</a:t>
                       </a:r>
-                      <a:endParaRPr lang="en-US" sz="1600">
+                      <a:endParaRPr lang="en-US" sz="1600" dirty="0">
                         <a:effectLst/>
                         <a:latin typeface="Calibri" panose="020F0502020204030204" pitchFamily="34" charset="0"/>
                         <a:ea typeface="Calibri" panose="020F0502020204030204" pitchFamily="34" charset="0"/>
@@ -9001,7 +9267,7 @@
                         </a:spcAft>
                       </a:pPr>
                       <a:r>
-                        <a:rPr lang="en-US" sz="1600">
+                        <a:rPr lang="en-US" sz="1600" dirty="0">
                           <a:effectLst/>
                           <a:latin typeface="Arial" panose="020B0604020202020204" pitchFamily="34" charset="0"/>
                           <a:ea typeface="Calibri" panose="020F0502020204030204" pitchFamily="34" charset="0"/>
@@ -9009,7 +9275,7 @@
                         </a:rPr>
                         <a:t>Air</a:t>
                       </a:r>
-                      <a:endParaRPr lang="en-US" sz="1600">
+                      <a:endParaRPr lang="en-US" sz="1600" dirty="0">
                         <a:effectLst/>
                         <a:latin typeface="Calibri" panose="020F0502020204030204" pitchFamily="34" charset="0"/>
                         <a:ea typeface="Calibri" panose="020F0502020204030204" pitchFamily="34" charset="0"/>
@@ -9076,7 +9342,7 @@
                         </a:spcAft>
                       </a:pPr>
                       <a:r>
-                        <a:rPr lang="en-US" sz="1600">
+                        <a:rPr lang="en-US" sz="1600" dirty="0">
                           <a:effectLst/>
                           <a:latin typeface="Arial" panose="020B0604020202020204" pitchFamily="34" charset="0"/>
                           <a:ea typeface="Calibri" panose="020F0502020204030204" pitchFamily="34" charset="0"/>
@@ -9084,7 +9350,7 @@
                         </a:rPr>
                         <a:t>0.001224</a:t>
                       </a:r>
-                      <a:endParaRPr lang="en-US" sz="1600">
+                      <a:endParaRPr lang="en-US" sz="1600" dirty="0">
                         <a:effectLst/>
                         <a:latin typeface="Calibri" panose="020F0502020204030204" pitchFamily="34" charset="0"/>
                         <a:ea typeface="Calibri" panose="020F0502020204030204" pitchFamily="34" charset="0"/>
@@ -9228,7 +9494,7 @@
                         </a:spcAft>
                       </a:pPr>
                       <a:r>
-                        <a:rPr lang="en-US" sz="1600">
+                        <a:rPr lang="en-US" sz="1600" dirty="0">
                           <a:effectLst/>
                           <a:latin typeface="Arial" panose="020B0604020202020204" pitchFamily="34" charset="0"/>
                           <a:ea typeface="Calibri" panose="020F0502020204030204" pitchFamily="34" charset="0"/>
@@ -9236,7 +9502,7 @@
                         </a:rPr>
                         <a:t>Lead</a:t>
                       </a:r>
-                      <a:endParaRPr lang="en-US" sz="1600">
+                      <a:endParaRPr lang="en-US" sz="1600" dirty="0">
                         <a:effectLst/>
                         <a:latin typeface="Calibri" panose="020F0502020204030204" pitchFamily="34" charset="0"/>
                         <a:ea typeface="Calibri" panose="020F0502020204030204" pitchFamily="34" charset="0"/>
@@ -9303,7 +9569,7 @@
                         </a:spcAft>
                       </a:pPr>
                       <a:r>
-                        <a:rPr lang="en-US" sz="1600">
+                        <a:rPr lang="en-US" sz="1600" dirty="0">
                           <a:effectLst/>
                           <a:latin typeface="Arial" panose="020B0604020202020204" pitchFamily="34" charset="0"/>
                           <a:ea typeface="Calibri" panose="020F0502020204030204" pitchFamily="34" charset="0"/>
@@ -9311,7 +9577,7 @@
                         </a:rPr>
                         <a:t>11.34</a:t>
                       </a:r>
-                      <a:endParaRPr lang="en-US" sz="1600">
+                      <a:endParaRPr lang="en-US" sz="1600" dirty="0">
                         <a:effectLst/>
                         <a:latin typeface="Calibri" panose="020F0502020204030204" pitchFamily="34" charset="0"/>
                         <a:ea typeface="Calibri" panose="020F0502020204030204" pitchFamily="34" charset="0"/>
@@ -9455,7 +9721,7 @@
                         </a:spcAft>
                       </a:pPr>
                       <a:r>
-                        <a:rPr lang="en-US" sz="1600">
+                        <a:rPr lang="en-US" sz="1600" dirty="0">
                           <a:effectLst/>
                           <a:latin typeface="Arial" panose="020B0604020202020204" pitchFamily="34" charset="0"/>
                           <a:ea typeface="Calibri" panose="020F0502020204030204" pitchFamily="34" charset="0"/>
@@ -9463,7 +9729,7 @@
                         </a:rPr>
                         <a:t>Acrylic Glass</a:t>
                       </a:r>
-                      <a:endParaRPr lang="en-US" sz="1600">
+                      <a:endParaRPr lang="en-US" sz="1600" dirty="0">
                         <a:effectLst/>
                         <a:latin typeface="Calibri" panose="020F0502020204030204" pitchFamily="34" charset="0"/>
                         <a:ea typeface="Calibri" panose="020F0502020204030204" pitchFamily="34" charset="0"/>
@@ -9530,7 +9796,7 @@
                         </a:spcAft>
                       </a:pPr>
                       <a:r>
-                        <a:rPr lang="en-US" sz="1600">
+                        <a:rPr lang="en-US" sz="1600" dirty="0">
                           <a:effectLst/>
                           <a:latin typeface="Arial" panose="020B0604020202020204" pitchFamily="34" charset="0"/>
                           <a:ea typeface="Calibri" panose="020F0502020204030204" pitchFamily="34" charset="0"/>
@@ -9538,7 +9804,7 @@
                         </a:rPr>
                         <a:t>1.19</a:t>
                       </a:r>
-                      <a:endParaRPr lang="en-US" sz="1600">
+                      <a:endParaRPr lang="en-US" sz="1600" dirty="0">
                         <a:effectLst/>
                         <a:latin typeface="Calibri" panose="020F0502020204030204" pitchFamily="34" charset="0"/>
                         <a:ea typeface="Calibri" panose="020F0502020204030204" pitchFamily="34" charset="0"/>
@@ -9682,7 +9948,7 @@
                         </a:spcAft>
                       </a:pPr>
                       <a:r>
-                        <a:rPr lang="en-US" sz="1600">
+                        <a:rPr lang="en-US" sz="1600" dirty="0">
                           <a:effectLst/>
                           <a:latin typeface="Arial" panose="020B0604020202020204" pitchFamily="34" charset="0"/>
                           <a:ea typeface="Calibri" panose="020F0502020204030204" pitchFamily="34" charset="0"/>
@@ -9690,7 +9956,7 @@
                         </a:rPr>
                         <a:t>Vacuum</a:t>
                       </a:r>
-                      <a:endParaRPr lang="en-US" sz="1600">
+                      <a:endParaRPr lang="en-US" sz="1600" dirty="0">
                         <a:effectLst/>
                         <a:latin typeface="Calibri" panose="020F0502020204030204" pitchFamily="34" charset="0"/>
                         <a:ea typeface="Calibri" panose="020F0502020204030204" pitchFamily="34" charset="0"/>
@@ -9757,7 +10023,7 @@
                         </a:spcAft>
                       </a:pPr>
                       <a:r>
-                        <a:rPr lang="en-US" sz="1600">
+                        <a:rPr lang="en-US" sz="1600" dirty="0">
                           <a:effectLst/>
                           <a:latin typeface="Arial" panose="020B0604020202020204" pitchFamily="34" charset="0"/>
                           <a:ea typeface="Calibri" panose="020F0502020204030204" pitchFamily="34" charset="0"/>
@@ -9765,7 +10031,7 @@
                         </a:rPr>
                         <a:t>---</a:t>
                       </a:r>
-                      <a:endParaRPr lang="en-US" sz="1600">
+                      <a:endParaRPr lang="en-US" sz="1600" dirty="0">
                         <a:effectLst/>
                         <a:latin typeface="Calibri" panose="020F0502020204030204" pitchFamily="34" charset="0"/>
                         <a:ea typeface="Calibri" panose="020F0502020204030204" pitchFamily="34" charset="0"/>
@@ -9943,7 +10209,7 @@
               </a:pPr>
               <a:t>14</a:t>
             </a:fld>
-            <a:endParaRPr lang="en-US"/>
+            <a:endParaRPr lang="en-US" dirty="0"/>
           </a:p>
         </p:txBody>
       </p:sp>
@@ -10067,21 +10333,16 @@
               <a:t>No </a:t>
             </a:r>
             <a:r>
-              <a:rPr lang="en-US" dirty="0" err="1" smtClean="0"/>
-              <a:t>photofission</a:t>
+              <a:rPr lang="en-US" dirty="0" smtClean="0"/>
+              <a:t>photo fission</a:t>
             </a:r>
             <a:endParaRPr lang="en-US" dirty="0" smtClean="0"/>
           </a:p>
           <a:p>
             <a:r>
               <a:rPr lang="en-US" dirty="0" smtClean="0"/>
-              <a:t>Doppler </a:t>
+              <a:t>Doppler broadening</a:t>
             </a:r>
-            <a:r>
-              <a:rPr lang="en-US" dirty="0" smtClean="0"/>
-              <a:t>broadening</a:t>
-            </a:r>
-            <a:endParaRPr lang="en-US" dirty="0" smtClean="0"/>
           </a:p>
         </p:txBody>
       </p:sp>
@@ -10133,7 +10394,7 @@
               </a:pPr>
               <a:t>15</a:t>
             </a:fld>
-            <a:endParaRPr lang="en-US"/>
+            <a:endParaRPr lang="en-US" dirty="0"/>
           </a:p>
         </p:txBody>
       </p:sp>
@@ -10541,7 +10802,7 @@
               </a:pPr>
               <a:t>16</a:t>
             </a:fld>
-            <a:endParaRPr lang="en-US"/>
+            <a:endParaRPr lang="en-US" dirty="0"/>
           </a:p>
         </p:txBody>
       </p:sp>
@@ -10923,7 +11184,7 @@
               </a:pPr>
               <a:t>17</a:t>
             </a:fld>
-            <a:endParaRPr lang="en-US"/>
+            <a:endParaRPr lang="en-US" dirty="0"/>
           </a:p>
         </p:txBody>
       </p:sp>
@@ -10936,7 +11197,7 @@
           <p:nvPr>
             <p:extLst>
               <p:ext uri="{D42A27DB-BD31-4B8C-83A1-F6EECF244321}">
-                <p14:modId xmlns:p14="http://schemas.microsoft.com/office/powerpoint/2010/main" val="3275387581"/>
+                <p14:modId xmlns:p14="http://schemas.microsoft.com/office/powerpoint/2010/main" val="2008772397"/>
               </p:ext>
             </p:extLst>
           </p:nvPr>
@@ -11046,7 +11307,7 @@
                         </a:spcAft>
                       </a:pPr>
                       <a:r>
-                        <a:rPr lang="en-US" sz="1800" b="1">
+                        <a:rPr lang="en-US" sz="1800" b="1" dirty="0">
                           <a:effectLst/>
                           <a:latin typeface="Arial" panose="020B0604020202020204" pitchFamily="34" charset="0"/>
                           <a:ea typeface="Calibri" panose="020F0502020204030204" pitchFamily="34" charset="0"/>
@@ -11054,7 +11315,7 @@
                         </a:rPr>
                         <a:t>Initial Value</a:t>
                       </a:r>
-                      <a:endParaRPr lang="en-US" sz="1600">
+                      <a:endParaRPr lang="en-US" sz="1600" dirty="0">
                         <a:effectLst/>
                         <a:latin typeface="Calibri" panose="020F0502020204030204" pitchFamily="34" charset="0"/>
                         <a:ea typeface="Calibri" panose="020F0502020204030204" pitchFamily="34" charset="0"/>
@@ -11198,7 +11459,7 @@
                         </a:spcAft>
                       </a:pPr>
                       <a:r>
-                        <a:rPr lang="en-US" sz="1800">
+                        <a:rPr lang="en-US" sz="1800" dirty="0">
                           <a:effectLst/>
                           <a:latin typeface="Arial" panose="020B0604020202020204" pitchFamily="34" charset="0"/>
                           <a:ea typeface="Calibri" panose="020F0502020204030204" pitchFamily="34" charset="0"/>
@@ -11206,7 +11467,7 @@
                         </a:rPr>
                         <a:t>0.13 cm</a:t>
                       </a:r>
-                      <a:endParaRPr lang="en-US" sz="1600">
+                      <a:endParaRPr lang="en-US" sz="1600" dirty="0">
                         <a:effectLst/>
                         <a:latin typeface="Calibri" panose="020F0502020204030204" pitchFamily="34" charset="0"/>
                         <a:ea typeface="Calibri" panose="020F0502020204030204" pitchFamily="34" charset="0"/>
@@ -11275,7 +11536,7 @@
                         </a:spcAft>
                       </a:pPr>
                       <a:r>
-                        <a:rPr lang="en-US" sz="1800">
+                        <a:rPr lang="en-US" sz="1800" dirty="0">
                           <a:effectLst/>
                           <a:latin typeface="Arial" panose="020B0604020202020204" pitchFamily="34" charset="0"/>
                           <a:ea typeface="Calibri" panose="020F0502020204030204" pitchFamily="34" charset="0"/>
@@ -11283,7 +11544,7 @@
                         </a:rPr>
                         <a:t>Outer Sides Deadlayer</a:t>
                       </a:r>
-                      <a:endParaRPr lang="en-US" sz="1600">
+                      <a:endParaRPr lang="en-US" sz="1600" dirty="0">
                         <a:effectLst/>
                         <a:latin typeface="Calibri" panose="020F0502020204030204" pitchFamily="34" charset="0"/>
                         <a:ea typeface="Calibri" panose="020F0502020204030204" pitchFamily="34" charset="0"/>
@@ -11350,7 +11611,7 @@
                         </a:spcAft>
                       </a:pPr>
                       <a:r>
-                        <a:rPr lang="en-US" sz="1800">
+                        <a:rPr lang="en-US" sz="1800" dirty="0">
                           <a:effectLst/>
                           <a:latin typeface="Arial" panose="020B0604020202020204" pitchFamily="34" charset="0"/>
                           <a:ea typeface="Calibri" panose="020F0502020204030204" pitchFamily="34" charset="0"/>
@@ -11358,7 +11619,7 @@
                         </a:rPr>
                         <a:t>0.13 cm</a:t>
                       </a:r>
-                      <a:endParaRPr lang="en-US" sz="1600">
+                      <a:endParaRPr lang="en-US" sz="1600" dirty="0">
                         <a:effectLst/>
                         <a:latin typeface="Calibri" panose="020F0502020204030204" pitchFamily="34" charset="0"/>
                         <a:ea typeface="Calibri" panose="020F0502020204030204" pitchFamily="34" charset="0"/>
@@ -11502,7 +11763,7 @@
                         </a:spcAft>
                       </a:pPr>
                       <a:r>
-                        <a:rPr lang="en-US" sz="1800">
+                        <a:rPr lang="en-US" sz="1800" dirty="0">
                           <a:effectLst/>
                           <a:latin typeface="Arial" panose="020B0604020202020204" pitchFamily="34" charset="0"/>
                           <a:ea typeface="Calibri" panose="020F0502020204030204" pitchFamily="34" charset="0"/>
@@ -11510,7 +11771,7 @@
                         </a:rPr>
                         <a:t>8.32 cm</a:t>
                       </a:r>
-                      <a:endParaRPr lang="en-US" sz="1600">
+                      <a:endParaRPr lang="en-US" sz="1600" dirty="0">
                         <a:effectLst/>
                         <a:latin typeface="Calibri" panose="020F0502020204030204" pitchFamily="34" charset="0"/>
                         <a:ea typeface="Calibri" panose="020F0502020204030204" pitchFamily="34" charset="0"/>
@@ -11579,7 +11840,7 @@
                         </a:spcAft>
                       </a:pPr>
                       <a:r>
-                        <a:rPr lang="en-US" sz="1800">
+                        <a:rPr lang="en-US" sz="1800" dirty="0">
                           <a:effectLst/>
                           <a:latin typeface="Arial" panose="020B0604020202020204" pitchFamily="34" charset="0"/>
                           <a:ea typeface="Calibri" panose="020F0502020204030204" pitchFamily="34" charset="0"/>
@@ -11587,7 +11848,7 @@
                         </a:rPr>
                         <a:t>Kapton Window</a:t>
                       </a:r>
-                      <a:endParaRPr lang="en-US" sz="1600">
+                      <a:endParaRPr lang="en-US" sz="1600" dirty="0">
                         <a:effectLst/>
                         <a:latin typeface="Calibri" panose="020F0502020204030204" pitchFamily="34" charset="0"/>
                         <a:ea typeface="Calibri" panose="020F0502020204030204" pitchFamily="34" charset="0"/>
@@ -11654,7 +11915,7 @@
                         </a:spcAft>
                       </a:pPr>
                       <a:r>
-                        <a:rPr lang="en-US" sz="1800">
+                        <a:rPr lang="en-US" sz="1800" dirty="0">
                           <a:effectLst/>
                           <a:latin typeface="Arial" panose="020B0604020202020204" pitchFamily="34" charset="0"/>
                           <a:ea typeface="Calibri" panose="020F0502020204030204" pitchFamily="34" charset="0"/>
@@ -11662,7 +11923,7 @@
                         </a:rPr>
                         <a:t>0.01016 cm</a:t>
                       </a:r>
-                      <a:endParaRPr lang="en-US" sz="1600">
+                      <a:endParaRPr lang="en-US" sz="1600" dirty="0">
                         <a:effectLst/>
                         <a:latin typeface="Calibri" panose="020F0502020204030204" pitchFamily="34" charset="0"/>
                         <a:ea typeface="Calibri" panose="020F0502020204030204" pitchFamily="34" charset="0"/>
@@ -11731,7 +11992,7 @@
                         </a:spcAft>
                       </a:pPr>
                       <a:r>
-                        <a:rPr lang="en-US" sz="1800">
+                        <a:rPr lang="en-US" sz="1800" dirty="0">
                           <a:effectLst/>
                           <a:latin typeface="Arial" panose="020B0604020202020204" pitchFamily="34" charset="0"/>
                           <a:ea typeface="Calibri" panose="020F0502020204030204" pitchFamily="34" charset="0"/>
@@ -11739,7 +12000,7 @@
                         </a:rPr>
                         <a:t>Inner Top Coaxial Deadlayer</a:t>
                       </a:r>
-                      <a:endParaRPr lang="en-US" sz="1600">
+                      <a:endParaRPr lang="en-US" sz="1600" dirty="0">
                         <a:effectLst/>
                         <a:latin typeface="Calibri" panose="020F0502020204030204" pitchFamily="34" charset="0"/>
                         <a:ea typeface="Calibri" panose="020F0502020204030204" pitchFamily="34" charset="0"/>
@@ -11806,7 +12067,7 @@
                         </a:spcAft>
                       </a:pPr>
                       <a:r>
-                        <a:rPr lang="en-US" sz="1800">
+                        <a:rPr lang="en-US" sz="1800" dirty="0">
                           <a:effectLst/>
                           <a:latin typeface="Arial" panose="020B0604020202020204" pitchFamily="34" charset="0"/>
                           <a:ea typeface="Calibri" panose="020F0502020204030204" pitchFamily="34" charset="0"/>
@@ -11814,7 +12075,7 @@
                         </a:rPr>
                         <a:t>0.00003 cm</a:t>
                       </a:r>
-                      <a:endParaRPr lang="en-US" sz="1600">
+                      <a:endParaRPr lang="en-US" sz="1600" dirty="0">
                         <a:effectLst/>
                         <a:latin typeface="Calibri" panose="020F0502020204030204" pitchFamily="34" charset="0"/>
                         <a:ea typeface="Calibri" panose="020F0502020204030204" pitchFamily="34" charset="0"/>
@@ -11883,7 +12144,7 @@
                         </a:spcAft>
                       </a:pPr>
                       <a:r>
-                        <a:rPr lang="en-US" sz="1800">
+                        <a:rPr lang="en-US" sz="1800" dirty="0">
                           <a:effectLst/>
                           <a:latin typeface="Arial" panose="020B0604020202020204" pitchFamily="34" charset="0"/>
                           <a:ea typeface="Calibri" panose="020F0502020204030204" pitchFamily="34" charset="0"/>
@@ -11891,7 +12152,7 @@
                         </a:rPr>
                         <a:t>Inner Sides Coaxial Deadlayer</a:t>
                       </a:r>
-                      <a:endParaRPr lang="en-US" sz="1600">
+                      <a:endParaRPr lang="en-US" sz="1600" dirty="0">
                         <a:effectLst/>
                         <a:latin typeface="Calibri" panose="020F0502020204030204" pitchFamily="34" charset="0"/>
                         <a:ea typeface="Calibri" panose="020F0502020204030204" pitchFamily="34" charset="0"/>
@@ -11958,7 +12219,7 @@
                         </a:spcAft>
                       </a:pPr>
                       <a:r>
-                        <a:rPr lang="en-US" sz="1800">
+                        <a:rPr lang="en-US" sz="1800" dirty="0">
                           <a:effectLst/>
                           <a:latin typeface="Arial" panose="020B0604020202020204" pitchFamily="34" charset="0"/>
                           <a:ea typeface="Calibri" panose="020F0502020204030204" pitchFamily="34" charset="0"/>
@@ -11966,7 +12227,7 @@
                         </a:rPr>
                         <a:t>0.00003 cm</a:t>
                       </a:r>
-                      <a:endParaRPr lang="en-US" sz="1600">
+                      <a:endParaRPr lang="en-US" sz="1600" dirty="0">
                         <a:effectLst/>
                         <a:latin typeface="Calibri" panose="020F0502020204030204" pitchFamily="34" charset="0"/>
                         <a:ea typeface="Calibri" panose="020F0502020204030204" pitchFamily="34" charset="0"/>
@@ -12035,7 +12296,7 @@
                         </a:spcAft>
                       </a:pPr>
                       <a:r>
-                        <a:rPr lang="en-US" sz="1800">
+                        <a:rPr lang="en-US" sz="1800" dirty="0">
                           <a:effectLst/>
                           <a:latin typeface="Arial" panose="020B0604020202020204" pitchFamily="34" charset="0"/>
                           <a:ea typeface="Calibri" panose="020F0502020204030204" pitchFamily="34" charset="0"/>
@@ -12043,7 +12304,7 @@
                         </a:rPr>
                         <a:t>Top Al Casing Thickness</a:t>
                       </a:r>
-                      <a:endParaRPr lang="en-US" sz="1600">
+                      <a:endParaRPr lang="en-US" sz="1600" dirty="0">
                         <a:effectLst/>
                         <a:latin typeface="Calibri" panose="020F0502020204030204" pitchFamily="34" charset="0"/>
                         <a:ea typeface="Calibri" panose="020F0502020204030204" pitchFamily="34" charset="0"/>
@@ -12110,7 +12371,7 @@
                         </a:spcAft>
                       </a:pPr>
                       <a:r>
-                        <a:rPr lang="en-US" sz="1800">
+                        <a:rPr lang="en-US" sz="1800" dirty="0">
                           <a:effectLst/>
                           <a:latin typeface="Arial" panose="020B0604020202020204" pitchFamily="34" charset="0"/>
                           <a:ea typeface="Calibri" panose="020F0502020204030204" pitchFamily="34" charset="0"/>
@@ -12118,7 +12379,7 @@
                         </a:rPr>
                         <a:t>0.15 cm</a:t>
                       </a:r>
-                      <a:endParaRPr lang="en-US" sz="1600">
+                      <a:endParaRPr lang="en-US" sz="1600" dirty="0">
                         <a:effectLst/>
                         <a:latin typeface="Calibri" panose="020F0502020204030204" pitchFamily="34" charset="0"/>
                         <a:ea typeface="Calibri" panose="020F0502020204030204" pitchFamily="34" charset="0"/>
@@ -12187,7 +12448,7 @@
                         </a:spcAft>
                       </a:pPr>
                       <a:r>
-                        <a:rPr lang="en-US" sz="1800">
+                        <a:rPr lang="en-US" sz="1800" dirty="0">
                           <a:effectLst/>
                           <a:latin typeface="Arial" panose="020B0604020202020204" pitchFamily="34" charset="0"/>
                           <a:ea typeface="Calibri" panose="020F0502020204030204" pitchFamily="34" charset="0"/>
@@ -12195,7 +12456,7 @@
                         </a:rPr>
                         <a:t>Sides Al Casing Thickness</a:t>
                       </a:r>
-                      <a:endParaRPr lang="en-US" sz="1600">
+                      <a:endParaRPr lang="en-US" sz="1600" dirty="0">
                         <a:effectLst/>
                         <a:latin typeface="Calibri" panose="020F0502020204030204" pitchFamily="34" charset="0"/>
                         <a:ea typeface="Calibri" panose="020F0502020204030204" pitchFamily="34" charset="0"/>
@@ -12262,7 +12523,7 @@
                         </a:spcAft>
                       </a:pPr>
                       <a:r>
-                        <a:rPr lang="en-US" sz="1800">
+                        <a:rPr lang="en-US" sz="1800" dirty="0">
                           <a:effectLst/>
                           <a:latin typeface="Arial" panose="020B0604020202020204" pitchFamily="34" charset="0"/>
                           <a:ea typeface="Calibri" panose="020F0502020204030204" pitchFamily="34" charset="0"/>
@@ -12270,7 +12531,7 @@
                         </a:rPr>
                         <a:t>0.15 cm</a:t>
                       </a:r>
-                      <a:endParaRPr lang="en-US" sz="1600">
+                      <a:endParaRPr lang="en-US" sz="1600" dirty="0">
                         <a:effectLst/>
                         <a:latin typeface="Calibri" panose="020F0502020204030204" pitchFamily="34" charset="0"/>
                         <a:ea typeface="Calibri" panose="020F0502020204030204" pitchFamily="34" charset="0"/>
@@ -12339,7 +12600,7 @@
                         </a:spcAft>
                       </a:pPr>
                       <a:r>
-                        <a:rPr lang="en-US" sz="1800">
+                        <a:rPr lang="en-US" sz="1800" dirty="0">
                           <a:effectLst/>
                           <a:latin typeface="Arial" panose="020B0604020202020204" pitchFamily="34" charset="0"/>
                           <a:ea typeface="Calibri" panose="020F0502020204030204" pitchFamily="34" charset="0"/>
@@ -12347,7 +12608,7 @@
                         </a:rPr>
                         <a:t>Ge Crystal Density</a:t>
                       </a:r>
-                      <a:endParaRPr lang="en-US" sz="1600">
+                      <a:endParaRPr lang="en-US" sz="1600" dirty="0">
                         <a:effectLst/>
                         <a:latin typeface="Calibri" panose="020F0502020204030204" pitchFamily="34" charset="0"/>
                         <a:ea typeface="Calibri" panose="020F0502020204030204" pitchFamily="34" charset="0"/>
@@ -12524,6 +12785,30 @@
           <a:chExt cx="0" cy="0"/>
         </a:xfrm>
       </p:grpSpPr>
+      <p:pic>
+        <p:nvPicPr>
+          <p:cNvPr id="5" name="Picture 4"/>
+          <p:cNvPicPr>
+            <a:picLocks noChangeAspect="1"/>
+          </p:cNvPicPr>
+          <p:nvPr/>
+        </p:nvPicPr>
+        <p:blipFill>
+          <a:blip r:embed="rId3"/>
+          <a:stretch>
+            <a:fillRect/>
+          </a:stretch>
+        </p:blipFill>
+        <p:spPr>
+          <a:xfrm>
+            <a:off x="1219200" y="1099977"/>
+            <a:ext cx="7042251" cy="5224623"/>
+          </a:xfrm>
+          <a:prstGeom prst="rect">
+            <a:avLst/>
+          </a:prstGeom>
+        </p:spPr>
+      </p:pic>
       <p:sp>
         <p:nvSpPr>
           <p:cNvPr id="2" name="Content Placeholder 1"/>
@@ -12546,13 +12831,74 @@
           <a:p>
             <a:r>
               <a:rPr lang="en-US" dirty="0" smtClean="0"/>
-              <a:t>PICTURE</a:t>
+              <a:t>Overview</a:t>
             </a:r>
           </a:p>
           <a:p>
             <a:r>
               <a:rPr lang="en-US" dirty="0" smtClean="0"/>
-              <a:t>Add slides with any title/as many as you want to describe your code and the process</a:t>
+              <a:t>Process</a:t>
+            </a:r>
+            <a:endParaRPr lang="en-US" dirty="0" smtClean="0"/>
+          </a:p>
+          <a:p>
+            <a:pPr marL="855662" lvl="1" indent="-457200">
+              <a:buFont typeface="+mj-lt"/>
+              <a:buAutoNum type="arabicPeriod"/>
+            </a:pPr>
+            <a:r>
+              <a:rPr lang="en-US" dirty="0"/>
+              <a:t>Create Values for the Parameters</a:t>
+            </a:r>
+          </a:p>
+          <a:p>
+            <a:pPr marL="855662" lvl="1" indent="-457200">
+              <a:buFont typeface="+mj-lt"/>
+              <a:buAutoNum type="arabicPeriod"/>
+            </a:pPr>
+            <a:r>
+              <a:rPr lang="en-US" dirty="0"/>
+              <a:t>Alter the MCNP Input Deck</a:t>
+            </a:r>
+          </a:p>
+          <a:p>
+            <a:pPr marL="855662" lvl="1" indent="-457200">
+              <a:buFont typeface="+mj-lt"/>
+              <a:buAutoNum type="arabicPeriod"/>
+            </a:pPr>
+            <a:r>
+              <a:rPr lang="en-US" dirty="0"/>
+              <a:t>Run MCNP </a:t>
+            </a:r>
+          </a:p>
+          <a:p>
+            <a:pPr marL="855662" lvl="1" indent="-457200">
+              <a:buFont typeface="+mj-lt"/>
+              <a:buAutoNum type="arabicPeriod"/>
+            </a:pPr>
+            <a:r>
+              <a:rPr lang="en-US" dirty="0"/>
+              <a:t>Compare the Results</a:t>
+            </a:r>
+          </a:p>
+          <a:p>
+            <a:pPr marL="855662" lvl="1" indent="-457200">
+              <a:buFont typeface="+mj-lt"/>
+              <a:buAutoNum type="arabicPeriod"/>
+            </a:pPr>
+            <a:r>
+              <a:rPr lang="en-US" dirty="0"/>
+              <a:t>Record Clean and Reset</a:t>
+            </a:r>
+          </a:p>
+          <a:p>
+            <a:r>
+              <a:rPr lang="en-US" dirty="0" smtClean="0"/>
+              <a:t>Add </a:t>
+            </a:r>
+            <a:r>
+              <a:rPr lang="en-US" dirty="0" smtClean="0"/>
+              <a:t>slides with any title/as many as you want to describe your code and the process</a:t>
             </a:r>
           </a:p>
           <a:p>
@@ -12561,7 +12907,7 @@
               <a:t>Include our performance metric for comparing experimental vs </a:t>
             </a:r>
             <a:r>
-              <a:rPr lang="en-US" dirty="0" err="1" smtClean="0"/>
+              <a:rPr lang="en-US" dirty="0" smtClean="0"/>
               <a:t>mcnp</a:t>
             </a:r>
             <a:endParaRPr lang="en-US" dirty="0" smtClean="0"/>
@@ -12621,7 +12967,7 @@
               </a:pPr>
               <a:t>18</a:t>
             </a:fld>
-            <a:endParaRPr lang="en-US"/>
+            <a:endParaRPr lang="en-US" dirty="0"/>
           </a:p>
         </p:txBody>
       </p:sp>
@@ -12629,294 +12975,6 @@
     <p:extLst>
       <p:ext uri="{BB962C8B-B14F-4D97-AF65-F5344CB8AC3E}">
         <p14:creationId xmlns:p14="http://schemas.microsoft.com/office/powerpoint/2010/main" val="803912783"/>
-      </p:ext>
-    </p:extLst>
-  </p:cSld>
-  <p:clrMapOvr>
-    <a:masterClrMapping/>
-  </p:clrMapOvr>
-  <p:transition/>
-  <p:timing>
-    <p:tnLst>
-      <p:par>
-        <p:cTn id="1" dur="indefinite" restart="never" nodeType="tmRoot">
-          <p:childTnLst>
-            <p:seq concurrent="1" nextAc="seek">
-              <p:cTn id="2" dur="indefinite" nodeType="mainSeq">
-                <p:childTnLst>
-                  <p:par>
-                    <p:cTn id="3" fill="hold">
-                      <p:stCondLst>
-                        <p:cond delay="indefinite"/>
-                        <p:cond evt="onBegin" delay="0">
-                          <p:tn val="2"/>
-                        </p:cond>
-                      </p:stCondLst>
-                      <p:childTnLst>
-                        <p:par>
-                          <p:cTn id="4" fill="hold">
-                            <p:stCondLst>
-                              <p:cond delay="0"/>
-                            </p:stCondLst>
-                            <p:childTnLst>
-                              <p:par>
-                                <p:cTn id="5" presetID="1" presetClass="entr" presetSubtype="0" fill="hold" nodeType="withEffect">
-                                  <p:stCondLst>
-                                    <p:cond delay="0"/>
-                                  </p:stCondLst>
-                                  <p:childTnLst>
-                                    <p:set>
-                                      <p:cBhvr>
-                                        <p:cTn id="6" dur="1" fill="hold">
-                                          <p:stCondLst>
-                                            <p:cond delay="0"/>
-                                          </p:stCondLst>
-                                        </p:cTn>
-                                        <p:tgtEl>
-                                          <p:spTgt spid="2">
-                                            <p:txEl>
-                                              <p:pRg st="0" end="0"/>
-                                            </p:txEl>
-                                          </p:spTgt>
-                                        </p:tgtEl>
-                                        <p:attrNameLst>
-                                          <p:attrName>style.visibility</p:attrName>
-                                        </p:attrNameLst>
-                                      </p:cBhvr>
-                                      <p:to>
-                                        <p:strVal val="visible"/>
-                                      </p:to>
-                                    </p:set>
-                                  </p:childTnLst>
-                                </p:cTn>
-                              </p:par>
-                              <p:par>
-                                <p:cTn id="7" presetID="1" presetClass="entr" presetSubtype="0" fill="hold" nodeType="withEffect">
-                                  <p:stCondLst>
-                                    <p:cond delay="0"/>
-                                  </p:stCondLst>
-                                  <p:childTnLst>
-                                    <p:set>
-                                      <p:cBhvr>
-                                        <p:cTn id="8" dur="1" fill="hold">
-                                          <p:stCondLst>
-                                            <p:cond delay="0"/>
-                                          </p:stCondLst>
-                                        </p:cTn>
-                                        <p:tgtEl>
-                                          <p:spTgt spid="2">
-                                            <p:txEl>
-                                              <p:pRg st="1" end="1"/>
-                                            </p:txEl>
-                                          </p:spTgt>
-                                        </p:tgtEl>
-                                        <p:attrNameLst>
-                                          <p:attrName>style.visibility</p:attrName>
-                                        </p:attrNameLst>
-                                      </p:cBhvr>
-                                      <p:to>
-                                        <p:strVal val="visible"/>
-                                      </p:to>
-                                    </p:set>
-                                  </p:childTnLst>
-                                </p:cTn>
-                              </p:par>
-                              <p:par>
-                                <p:cTn id="9" presetID="1" presetClass="entr" presetSubtype="0" fill="hold" nodeType="withEffect">
-                                  <p:stCondLst>
-                                    <p:cond delay="0"/>
-                                  </p:stCondLst>
-                                  <p:childTnLst>
-                                    <p:set>
-                                      <p:cBhvr>
-                                        <p:cTn id="10" dur="1" fill="hold">
-                                          <p:stCondLst>
-                                            <p:cond delay="0"/>
-                                          </p:stCondLst>
-                                        </p:cTn>
-                                        <p:tgtEl>
-                                          <p:spTgt spid="2">
-                                            <p:txEl>
-                                              <p:pRg st="2" end="2"/>
-                                            </p:txEl>
-                                          </p:spTgt>
-                                        </p:tgtEl>
-                                        <p:attrNameLst>
-                                          <p:attrName>style.visibility</p:attrName>
-                                        </p:attrNameLst>
-                                      </p:cBhvr>
-                                      <p:to>
-                                        <p:strVal val="visible"/>
-                                      </p:to>
-                                    </p:set>
-                                  </p:childTnLst>
-                                </p:cTn>
-                              </p:par>
-                            </p:childTnLst>
-                          </p:cTn>
-                        </p:par>
-                      </p:childTnLst>
-                    </p:cTn>
-                  </p:par>
-                </p:childTnLst>
-              </p:cTn>
-              <p:prevCondLst>
-                <p:cond evt="onPrev" delay="0">
-                  <p:tgtEl>
-                    <p:sldTgt/>
-                  </p:tgtEl>
-                </p:cond>
-              </p:prevCondLst>
-              <p:nextCondLst>
-                <p:cond evt="onNext" delay="0">
-                  <p:tgtEl>
-                    <p:sldTgt/>
-                  </p:tgtEl>
-                </p:cond>
-              </p:nextCondLst>
-            </p:seq>
-          </p:childTnLst>
-        </p:cTn>
-      </p:par>
-    </p:tnLst>
-  </p:timing>
-</p:sld>
-</file>
-
-<file path=ppt/slides/slide19.xml><?xml version="1.0" encoding="utf-8"?>
-<p:sld xmlns:a="http://schemas.openxmlformats.org/drawingml/2006/main" xmlns:r="http://schemas.openxmlformats.org/officeDocument/2006/relationships" xmlns:p="http://schemas.openxmlformats.org/presentationml/2006/main">
-  <p:cSld>
-    <p:spTree>
-      <p:nvGrpSpPr>
-        <p:cNvPr id="1" name=""/>
-        <p:cNvGrpSpPr/>
-        <p:nvPr/>
-      </p:nvGrpSpPr>
-      <p:grpSpPr>
-        <a:xfrm>
-          <a:off x="0" y="0"/>
-          <a:ext cx="0" cy="0"/>
-          <a:chOff x="0" y="0"/>
-          <a:chExt cx="0" cy="0"/>
-        </a:xfrm>
-      </p:grpSpPr>
-      <p:sp>
-        <p:nvSpPr>
-          <p:cNvPr id="2" name="Content Placeholder 1"/>
-          <p:cNvSpPr>
-            <a:spLocks noGrp="1"/>
-          </p:cNvSpPr>
-          <p:nvPr>
-            <p:ph idx="1"/>
-          </p:nvPr>
-        </p:nvSpPr>
-        <p:spPr>
-          <a:xfrm>
-            <a:off x="304800" y="1295400"/>
-            <a:ext cx="8534400" cy="4876800"/>
-          </a:xfrm>
-        </p:spPr>
-        <p:txBody>
-          <a:bodyPr/>
-          <a:lstStyle/>
-          <a:p>
-            <a:r>
-              <a:rPr lang="en-US" dirty="0" smtClean="0"/>
-              <a:t>Add 5 efficiency plots for experimental verse MCNP</a:t>
-            </a:r>
-          </a:p>
-          <a:p>
-            <a:pPr lvl="1"/>
-            <a:r>
-              <a:rPr lang="en-US" dirty="0" smtClean="0"/>
-              <a:t>Include a table for each too</a:t>
-            </a:r>
-          </a:p>
-          <a:p>
-            <a:r>
-              <a:rPr lang="en-US" dirty="0" smtClean="0"/>
-              <a:t>1 plot for the combined optimal parameters</a:t>
-            </a:r>
-          </a:p>
-          <a:p>
-            <a:r>
-              <a:rPr lang="en-US" dirty="0" smtClean="0"/>
-              <a:t>Advantage results?</a:t>
-            </a:r>
-          </a:p>
-          <a:p>
-            <a:r>
-              <a:rPr lang="en-US" dirty="0" smtClean="0"/>
-              <a:t>Include final value for relative uncertainty</a:t>
-            </a:r>
-            <a:endParaRPr lang="en-US" dirty="0" smtClean="0"/>
-          </a:p>
-        </p:txBody>
-      </p:sp>
-      <p:sp>
-        <p:nvSpPr>
-          <p:cNvPr id="10241" name="Title 1"/>
-          <p:cNvSpPr>
-            <a:spLocks noGrp="1"/>
-          </p:cNvSpPr>
-          <p:nvPr>
-            <p:ph type="title"/>
-          </p:nvPr>
-        </p:nvSpPr>
-        <p:spPr/>
-        <p:txBody>
-          <a:bodyPr/>
-          <a:lstStyle/>
-          <a:p>
-            <a:r>
-              <a:rPr lang="en-US" dirty="0" smtClean="0">
-                <a:solidFill>
-                  <a:srgbClr val="FF0000"/>
-                </a:solidFill>
-              </a:rPr>
-              <a:t>Results</a:t>
-            </a:r>
-            <a:endParaRPr lang="en-US" dirty="0">
-              <a:solidFill>
-                <a:srgbClr val="FF0000"/>
-              </a:solidFill>
-            </a:endParaRPr>
-          </a:p>
-        </p:txBody>
-      </p:sp>
-      <p:sp>
-        <p:nvSpPr>
-          <p:cNvPr id="3" name="Slide Number Placeholder 2"/>
-          <p:cNvSpPr>
-            <a:spLocks noGrp="1"/>
-          </p:cNvSpPr>
-          <p:nvPr>
-            <p:ph type="sldNum" sz="quarter" idx="10"/>
-          </p:nvPr>
-        </p:nvSpPr>
-        <p:spPr/>
-        <p:txBody>
-          <a:bodyPr/>
-          <a:lstStyle/>
-          <a:p>
-            <a:pPr>
-              <a:defRPr/>
-            </a:pPr>
-            <a:fld id="{54D80F8A-463A-4890-BC87-BDB129B2791E}" type="slidenum">
-              <a:rPr lang="en-US" smtClean="0"/>
-              <a:pPr>
-                <a:defRPr/>
-              </a:pPr>
-              <a:t>19</a:t>
-            </a:fld>
-            <a:endParaRPr lang="en-US"/>
-          </a:p>
-        </p:txBody>
-      </p:sp>
-    </p:spTree>
-    <p:extLst>
-      <p:ext uri="{BB962C8B-B14F-4D97-AF65-F5344CB8AC3E}">
-        <p14:creationId xmlns:p14="http://schemas.microsoft.com/office/powerpoint/2010/main" val="2104524501"/>
       </p:ext>
     </p:extLst>
   </p:cSld>
@@ -13102,6 +13160,130 @@
                                   </p:childTnLst>
                                 </p:cTn>
                               </p:par>
+                              <p:par>
+                                <p:cTn id="15" presetID="1" presetClass="entr" presetSubtype="0" fill="hold" nodeType="withEffect">
+                                  <p:stCondLst>
+                                    <p:cond delay="0"/>
+                                  </p:stCondLst>
+                                  <p:childTnLst>
+                                    <p:set>
+                                      <p:cBhvr>
+                                        <p:cTn id="16" dur="1" fill="hold">
+                                          <p:stCondLst>
+                                            <p:cond delay="0"/>
+                                          </p:stCondLst>
+                                        </p:cTn>
+                                        <p:tgtEl>
+                                          <p:spTgt spid="2">
+                                            <p:txEl>
+                                              <p:pRg st="5" end="5"/>
+                                            </p:txEl>
+                                          </p:spTgt>
+                                        </p:tgtEl>
+                                        <p:attrNameLst>
+                                          <p:attrName>style.visibility</p:attrName>
+                                        </p:attrNameLst>
+                                      </p:cBhvr>
+                                      <p:to>
+                                        <p:strVal val="visible"/>
+                                      </p:to>
+                                    </p:set>
+                                  </p:childTnLst>
+                                </p:cTn>
+                              </p:par>
+                              <p:par>
+                                <p:cTn id="17" presetID="1" presetClass="entr" presetSubtype="0" fill="hold" nodeType="withEffect">
+                                  <p:stCondLst>
+                                    <p:cond delay="0"/>
+                                  </p:stCondLst>
+                                  <p:childTnLst>
+                                    <p:set>
+                                      <p:cBhvr>
+                                        <p:cTn id="18" dur="1" fill="hold">
+                                          <p:stCondLst>
+                                            <p:cond delay="0"/>
+                                          </p:stCondLst>
+                                        </p:cTn>
+                                        <p:tgtEl>
+                                          <p:spTgt spid="2">
+                                            <p:txEl>
+                                              <p:pRg st="6" end="6"/>
+                                            </p:txEl>
+                                          </p:spTgt>
+                                        </p:tgtEl>
+                                        <p:attrNameLst>
+                                          <p:attrName>style.visibility</p:attrName>
+                                        </p:attrNameLst>
+                                      </p:cBhvr>
+                                      <p:to>
+                                        <p:strVal val="visible"/>
+                                      </p:to>
+                                    </p:set>
+                                  </p:childTnLst>
+                                </p:cTn>
+                              </p:par>
+                              <p:par>
+                                <p:cTn id="19" presetID="1" presetClass="entr" presetSubtype="0" fill="hold" nodeType="withEffect">
+                                  <p:stCondLst>
+                                    <p:cond delay="0"/>
+                                  </p:stCondLst>
+                                  <p:childTnLst>
+                                    <p:set>
+                                      <p:cBhvr>
+                                        <p:cTn id="20" dur="1" fill="hold">
+                                          <p:stCondLst>
+                                            <p:cond delay="0"/>
+                                          </p:stCondLst>
+                                        </p:cTn>
+                                        <p:tgtEl>
+                                          <p:spTgt spid="2">
+                                            <p:txEl>
+                                              <p:pRg st="7" end="7"/>
+                                            </p:txEl>
+                                          </p:spTgt>
+                                        </p:tgtEl>
+                                        <p:attrNameLst>
+                                          <p:attrName>style.visibility</p:attrName>
+                                        </p:attrNameLst>
+                                      </p:cBhvr>
+                                      <p:to>
+                                        <p:strVal val="visible"/>
+                                      </p:to>
+                                    </p:set>
+                                  </p:childTnLst>
+                                </p:cTn>
+                              </p:par>
+                              <p:par>
+                                <p:cTn id="21" presetID="1" presetClass="entr" presetSubtype="0" fill="hold" nodeType="withEffect">
+                                  <p:stCondLst>
+                                    <p:cond delay="0"/>
+                                  </p:stCondLst>
+                                  <p:childTnLst>
+                                    <p:set>
+                                      <p:cBhvr>
+                                        <p:cTn id="22" dur="1" fill="hold">
+                                          <p:stCondLst>
+                                            <p:cond delay="0"/>
+                                          </p:stCondLst>
+                                        </p:cTn>
+                                        <p:tgtEl>
+                                          <p:spTgt spid="2">
+                                            <p:txEl>
+                                              <p:pRg st="8" end="8"/>
+                                            </p:txEl>
+                                          </p:spTgt>
+                                        </p:tgtEl>
+                                        <p:attrNameLst>
+                                          <p:attrName>style.visibility</p:attrName>
+                                        </p:attrNameLst>
+                                      </p:cBhvr>
+                                      <p:to>
+                                        <p:strVal val="visible"/>
+                                      </p:to>
+                                    </p:set>
+                                  </p:childTnLst>
+                                </p:cTn>
+                              </p:par>
                             </p:childTnLst>
                           </p:cTn>
                         </p:par>
@@ -13130,6 +13312,175 @@
       </p:par>
     </p:tnLst>
   </p:timing>
+</p:sld>
+</file>
+
+<file path=ppt/slides/slide19.xml><?xml version="1.0" encoding="utf-8"?>
+<p:sld xmlns:a="http://schemas.openxmlformats.org/drawingml/2006/main" xmlns:r="http://schemas.openxmlformats.org/officeDocument/2006/relationships" xmlns:p="http://schemas.openxmlformats.org/presentationml/2006/main">
+  <p:cSld>
+    <p:spTree>
+      <p:nvGrpSpPr>
+        <p:cNvPr id="1" name=""/>
+        <p:cNvGrpSpPr/>
+        <p:nvPr/>
+      </p:nvGrpSpPr>
+      <p:grpSpPr>
+        <a:xfrm>
+          <a:off x="0" y="0"/>
+          <a:ext cx="0" cy="0"/>
+          <a:chOff x="0" y="0"/>
+          <a:chExt cx="0" cy="0"/>
+        </a:xfrm>
+      </p:grpSpPr>
+      <p:sp>
+        <p:nvSpPr>
+          <p:cNvPr id="2" name="Title 1"/>
+          <p:cNvSpPr>
+            <a:spLocks noGrp="1"/>
+          </p:cNvSpPr>
+          <p:nvPr>
+            <p:ph type="title"/>
+          </p:nvPr>
+        </p:nvSpPr>
+        <p:spPr/>
+        <p:txBody>
+          <a:bodyPr/>
+          <a:lstStyle/>
+          <a:p>
+            <a:r>
+              <a:rPr lang="en-US" dirty="0" smtClean="0"/>
+              <a:t>What is Created</a:t>
+            </a:r>
+            <a:endParaRPr lang="en-US" dirty="0"/>
+          </a:p>
+        </p:txBody>
+      </p:sp>
+      <p:pic>
+        <p:nvPicPr>
+          <p:cNvPr id="5" name="Content Placeholder 4"/>
+          <p:cNvPicPr>
+            <a:picLocks noGrp="1" noChangeAspect="1"/>
+          </p:cNvPicPr>
+          <p:nvPr>
+            <p:ph idx="1"/>
+          </p:nvPr>
+        </p:nvPicPr>
+        <p:blipFill>
+          <a:blip r:embed="rId2"/>
+          <a:stretch>
+            <a:fillRect/>
+          </a:stretch>
+        </p:blipFill>
+        <p:spPr>
+          <a:xfrm>
+            <a:off x="304800" y="1303337"/>
+            <a:ext cx="2446421" cy="4876800"/>
+          </a:xfrm>
+          <a:prstGeom prst="rect">
+            <a:avLst/>
+          </a:prstGeom>
+        </p:spPr>
+      </p:pic>
+      <p:sp>
+        <p:nvSpPr>
+          <p:cNvPr id="4" name="Slide Number Placeholder 3"/>
+          <p:cNvSpPr>
+            <a:spLocks noGrp="1"/>
+          </p:cNvSpPr>
+          <p:nvPr>
+            <p:ph type="sldNum" sz="quarter" idx="10"/>
+          </p:nvPr>
+        </p:nvSpPr>
+        <p:spPr/>
+        <p:txBody>
+          <a:bodyPr/>
+          <a:lstStyle/>
+          <a:p>
+            <a:pPr>
+              <a:defRPr/>
+            </a:pPr>
+            <a:fld id="{19845459-3F1B-4F43-8FC0-35ADCE8623CC}" type="slidenum">
+              <a:rPr lang="en-US" smtClean="0"/>
+              <a:pPr>
+                <a:defRPr/>
+              </a:pPr>
+              <a:t>19</a:t>
+            </a:fld>
+            <a:endParaRPr lang="en-US" dirty="0"/>
+          </a:p>
+        </p:txBody>
+      </p:sp>
+      <p:sp>
+        <p:nvSpPr>
+          <p:cNvPr id="6" name="TextBox 5"/>
+          <p:cNvSpPr txBox="1"/>
+          <p:nvPr/>
+        </p:nvSpPr>
+        <p:spPr>
+          <a:xfrm>
+            <a:off x="3048000" y="1600200"/>
+            <a:ext cx="5493812" cy="2031325"/>
+          </a:xfrm>
+          <a:prstGeom prst="rect">
+            <a:avLst/>
+          </a:prstGeom>
+          <a:noFill/>
+        </p:spPr>
+        <p:txBody>
+          <a:bodyPr wrap="none" rtlCol="0">
+            <a:spAutoFit/>
+          </a:bodyPr>
+          <a:lstStyle/>
+          <a:p>
+            <a:r>
+              <a:rPr lang="en-US" dirty="0" smtClean="0"/>
+              <a:t>After running MCNP the Output file is striped of its</a:t>
+            </a:r>
+          </a:p>
+          <a:p>
+            <a:r>
+              <a:rPr lang="en-US" dirty="0" smtClean="0"/>
+              <a:t>relevant information.</a:t>
+            </a:r>
+          </a:p>
+          <a:p>
+            <a:endParaRPr lang="en-US" dirty="0"/>
+          </a:p>
+          <a:p>
+            <a:r>
+              <a:rPr lang="en-US" dirty="0" smtClean="0"/>
+              <a:t>Once acquired the Error and the Chi square </a:t>
+            </a:r>
+          </a:p>
+          <a:p>
+            <a:r>
+              <a:rPr lang="en-US" dirty="0" smtClean="0"/>
+              <a:t>Can be determined</a:t>
+            </a:r>
+          </a:p>
+          <a:p>
+            <a:endParaRPr lang="en-US" dirty="0"/>
+          </a:p>
+          <a:p>
+            <a:r>
+              <a:rPr lang="en-US" dirty="0" smtClean="0"/>
+              <a:t>Additionally Plots are able to be created at this point</a:t>
+            </a:r>
+            <a:endParaRPr lang="en-US" dirty="0"/>
+          </a:p>
+        </p:txBody>
+      </p:sp>
+    </p:spTree>
+    <p:extLst>
+      <p:ext uri="{BB962C8B-B14F-4D97-AF65-F5344CB8AC3E}">
+        <p14:creationId xmlns:p14="http://schemas.microsoft.com/office/powerpoint/2010/main" val="3642384374"/>
+      </p:ext>
+    </p:extLst>
+  </p:cSld>
+  <p:clrMapOvr>
+    <a:masterClrMapping/>
+  </p:clrMapOvr>
+  <p:transition/>
 </p:sld>
 </file>
 
@@ -13211,7 +13562,6 @@
               <a:rPr lang="en-US" dirty="0" smtClean="0"/>
               <a:t>Conclusions</a:t>
             </a:r>
-            <a:endParaRPr lang="en-US" dirty="0" smtClean="0"/>
           </a:p>
           <a:p>
             <a:r>
@@ -13269,7 +13619,7 @@
               </a:pPr>
               <a:t>2</a:t>
             </a:fld>
-            <a:endParaRPr lang="en-US"/>
+            <a:endParaRPr lang="en-US" dirty="0"/>
           </a:p>
         </p:txBody>
       </p:sp>
@@ -13649,18 +13999,10 @@
           <a:lstStyle/>
           <a:p>
             <a:r>
-              <a:rPr lang="en-US" dirty="0" smtClean="0">
-                <a:solidFill>
-                  <a:srgbClr val="FF0000"/>
-                </a:solidFill>
-              </a:rPr>
-              <a:t>Conclusion</a:t>
+              <a:rPr lang="en-US" dirty="0" smtClean="0"/>
+              <a:t>Before After</a:t>
             </a:r>
-            <a:endParaRPr lang="en-US" dirty="0">
-              <a:solidFill>
-                <a:srgbClr val="FF0000"/>
-              </a:solidFill>
-            </a:endParaRPr>
+            <a:endParaRPr lang="en-US" dirty="0"/>
           </a:p>
         </p:txBody>
       </p:sp>
@@ -13679,22 +14021,17 @@
           <a:bodyPr/>
           <a:lstStyle/>
           <a:p>
-            <a:r>
-              <a:rPr lang="en-US" dirty="0" smtClean="0"/>
-              <a:t>How close were we?</a:t>
-            </a:r>
-          </a:p>
-          <a:p>
-            <a:r>
-              <a:rPr lang="en-US" dirty="0" smtClean="0"/>
-              <a:t>Does our method work?</a:t>
-            </a:r>
-          </a:p>
-          <a:p>
-            <a:r>
-              <a:rPr lang="en-US" dirty="0" smtClean="0"/>
-              <a:t>Anything?</a:t>
-            </a:r>
+            <a:pPr marL="457200" indent="-457200">
+              <a:buFont typeface="+mj-lt"/>
+              <a:buAutoNum type="arabicPeriod"/>
+            </a:pPr>
+            <a:endParaRPr lang="en-US" dirty="0" smtClean="0"/>
+          </a:p>
+          <a:p>
+            <a:pPr marL="457200" indent="-457200">
+              <a:buFont typeface="+mj-lt"/>
+              <a:buAutoNum type="arabicPeriod"/>
+            </a:pPr>
             <a:endParaRPr lang="en-US" dirty="0"/>
           </a:p>
         </p:txBody>
@@ -13724,14 +14061,71 @@
               </a:pPr>
               <a:t>20</a:t>
             </a:fld>
-            <a:endParaRPr lang="en-US"/>
+            <a:endParaRPr lang="en-US" dirty="0"/>
           </a:p>
         </p:txBody>
       </p:sp>
+      <p:graphicFrame>
+        <p:nvGraphicFramePr>
+          <p:cNvPr id="5" name="Object 4"/>
+          <p:cNvGraphicFramePr>
+            <a:graphicFrameLocks noChangeAspect="1"/>
+          </p:cNvGraphicFramePr>
+          <p:nvPr>
+            <p:extLst>
+              <p:ext uri="{D42A27DB-BD31-4B8C-83A1-F6EECF244321}">
+                <p14:modId xmlns:p14="http://schemas.microsoft.com/office/powerpoint/2010/main" val="477383701"/>
+              </p:ext>
+            </p:extLst>
+          </p:nvPr>
+        </p:nvGraphicFramePr>
+        <p:xfrm>
+          <a:off x="447675" y="1143000"/>
+          <a:ext cx="7734300" cy="5349875"/>
+        </p:xfrm>
+        <a:graphic>
+          <a:graphicData uri="http://schemas.openxmlformats.org/presentationml/2006/ole">
+            <mc:AlternateContent xmlns:mc="http://schemas.openxmlformats.org/markup-compatibility/2006">
+              <mc:Choice xmlns:v="urn:schemas-microsoft-com:vml" Requires="v">
+                <p:oleObj spid="_x0000_s1027" name="Worksheet" r:id="rId4" imgW="7734240" imgH="5915025" progId="Excel.Sheet.8">
+                  <p:embed/>
+                </p:oleObj>
+              </mc:Choice>
+              <mc:Fallback>
+                <p:oleObj name="Worksheet" r:id="rId4" imgW="7734240" imgH="5915025" progId="Excel.Sheet.8">
+                  <p:embed/>
+                  <p:pic>
+                    <p:nvPicPr>
+                      <p:cNvPr id="0" name=""/>
+                      <p:cNvPicPr/>
+                      <p:nvPr/>
+                    </p:nvPicPr>
+                    <p:blipFill>
+                      <a:blip r:embed="rId5"/>
+                      <a:stretch>
+                        <a:fillRect/>
+                      </a:stretch>
+                    </p:blipFill>
+                    <p:spPr>
+                      <a:xfrm>
+                        <a:off x="447675" y="1143000"/>
+                        <a:ext cx="7734300" cy="5349875"/>
+                      </a:xfrm>
+                      <a:prstGeom prst="rect">
+                        <a:avLst/>
+                      </a:prstGeom>
+                    </p:spPr>
+                  </p:pic>
+                </p:oleObj>
+              </mc:Fallback>
+            </mc:AlternateContent>
+          </a:graphicData>
+        </a:graphic>
+      </p:graphicFrame>
     </p:spTree>
     <p:extLst>
       <p:ext uri="{BB962C8B-B14F-4D97-AF65-F5344CB8AC3E}">
-        <p14:creationId xmlns:p14="http://schemas.microsoft.com/office/powerpoint/2010/main" val="3115579710"/>
+        <p14:creationId xmlns:p14="http://schemas.microsoft.com/office/powerpoint/2010/main" val="1850464686"/>
       </p:ext>
     </p:extLst>
   </p:cSld>
@@ -13743,6 +14137,108 @@
 </file>
 
 <file path=ppt/slides/slide21.xml><?xml version="1.0" encoding="utf-8"?>
+<p:sld xmlns:a="http://schemas.openxmlformats.org/drawingml/2006/main" xmlns:r="http://schemas.openxmlformats.org/officeDocument/2006/relationships" xmlns:p="http://schemas.openxmlformats.org/presentationml/2006/main">
+  <p:cSld>
+    <p:spTree>
+      <p:nvGrpSpPr>
+        <p:cNvPr id="1" name=""/>
+        <p:cNvGrpSpPr/>
+        <p:nvPr/>
+      </p:nvGrpSpPr>
+      <p:grpSpPr>
+        <a:xfrm>
+          <a:off x="0" y="0"/>
+          <a:ext cx="0" cy="0"/>
+          <a:chOff x="0" y="0"/>
+          <a:chExt cx="0" cy="0"/>
+        </a:xfrm>
+      </p:grpSpPr>
+      <p:sp>
+        <p:nvSpPr>
+          <p:cNvPr id="2" name="Title 1"/>
+          <p:cNvSpPr>
+            <a:spLocks noGrp="1"/>
+          </p:cNvSpPr>
+          <p:nvPr>
+            <p:ph type="title"/>
+          </p:nvPr>
+        </p:nvSpPr>
+        <p:spPr/>
+        <p:txBody>
+          <a:bodyPr/>
+          <a:lstStyle/>
+          <a:p>
+            <a:r>
+              <a:rPr lang="en-US" dirty="0" smtClean="0"/>
+              <a:t>Plots</a:t>
+            </a:r>
+            <a:endParaRPr lang="en-US" dirty="0"/>
+          </a:p>
+        </p:txBody>
+      </p:sp>
+      <p:sp>
+        <p:nvSpPr>
+          <p:cNvPr id="3" name="Content Placeholder 2"/>
+          <p:cNvSpPr>
+            <a:spLocks noGrp="1"/>
+          </p:cNvSpPr>
+          <p:nvPr>
+            <p:ph idx="1"/>
+          </p:nvPr>
+        </p:nvSpPr>
+        <p:spPr/>
+        <p:txBody>
+          <a:bodyPr/>
+          <a:lstStyle/>
+          <a:p>
+            <a:endParaRPr lang="en-US" dirty="0"/>
+          </a:p>
+        </p:txBody>
+      </p:sp>
+      <p:sp>
+        <p:nvSpPr>
+          <p:cNvPr id="4" name="Slide Number Placeholder 3"/>
+          <p:cNvSpPr>
+            <a:spLocks noGrp="1"/>
+          </p:cNvSpPr>
+          <p:nvPr>
+            <p:ph type="sldNum" sz="quarter" idx="10"/>
+          </p:nvPr>
+        </p:nvSpPr>
+        <p:spPr/>
+        <p:txBody>
+          <a:bodyPr/>
+          <a:lstStyle/>
+          <a:p>
+            <a:pPr>
+              <a:defRPr/>
+            </a:pPr>
+            <a:fld id="{19845459-3F1B-4F43-8FC0-35ADCE8623CC}" type="slidenum">
+              <a:rPr lang="en-US" smtClean="0"/>
+              <a:pPr>
+                <a:defRPr/>
+              </a:pPr>
+              <a:t>21</a:t>
+            </a:fld>
+            <a:endParaRPr lang="en-US" dirty="0"/>
+          </a:p>
+        </p:txBody>
+      </p:sp>
+    </p:spTree>
+    <p:extLst>
+      <p:ext uri="{BB962C8B-B14F-4D97-AF65-F5344CB8AC3E}">
+        <p14:creationId xmlns:p14="http://schemas.microsoft.com/office/powerpoint/2010/main" val="484571894"/>
+      </p:ext>
+    </p:extLst>
+  </p:cSld>
+  <p:clrMapOvr>
+    <a:masterClrMapping/>
+  </p:clrMapOvr>
+  <p:transition/>
+</p:sld>
+</file>
+
+<file path=ppt/slides/slide22.xml><?xml version="1.0" encoding="utf-8"?>
 <p:sld xmlns:a="http://schemas.openxmlformats.org/drawingml/2006/main" xmlns:r="http://schemas.openxmlformats.org/officeDocument/2006/relationships" xmlns:p="http://schemas.openxmlformats.org/presentationml/2006/main">
   <p:cSld>
     <p:spTree>
@@ -13781,49 +14277,32 @@
           <a:p>
             <a:r>
               <a:rPr lang="en-US" dirty="0" smtClean="0"/>
-              <a:t>Reach a relative percent difference of less than 1%</a:t>
+              <a:t>Add 5 efficiency plots for experimental verse MCNP</a:t>
             </a:r>
           </a:p>
           <a:p>
             <a:pPr lvl="1"/>
             <a:r>
               <a:rPr lang="en-US" dirty="0" smtClean="0"/>
-              <a:t>Increase adjustable parameters</a:t>
+              <a:t>Include a table for each too</a:t>
             </a:r>
           </a:p>
           <a:p>
-            <a:pPr lvl="1"/>
             <a:r>
               <a:rPr lang="en-US" dirty="0" smtClean="0"/>
-              <a:t>Obtain more information about internal components of HPGe</a:t>
+              <a:t>1 plot for the combined optimal parameters</a:t>
             </a:r>
           </a:p>
           <a:p>
             <a:r>
               <a:rPr lang="en-US" dirty="0" smtClean="0"/>
-              <a:t>Generalize automated optimization code for other applications:</a:t>
+              <a:t>Advantage results?</a:t>
             </a:r>
-            <a:endParaRPr lang="en-US" dirty="0"/>
-          </a:p>
-          <a:p>
-            <a:pPr lvl="1"/>
+          </a:p>
+          <a:p>
             <a:r>
               <a:rPr lang="en-US" dirty="0" smtClean="0"/>
-              <a:t>Other detectors</a:t>
-            </a:r>
-          </a:p>
-          <a:p>
-            <a:pPr lvl="1"/>
-            <a:r>
-              <a:rPr lang="en-US" dirty="0" smtClean="0"/>
-              <a:t>Usable on other operating systems</a:t>
-            </a:r>
-          </a:p>
-          <a:p>
-            <a:pPr lvl="1"/>
-            <a:r>
-              <a:rPr lang="en-US" dirty="0" smtClean="0"/>
-              <a:t>Automated characterization simulations with benchmarked models</a:t>
+              <a:t>Include final value for relative uncertainty</a:t>
             </a:r>
           </a:p>
         </p:txBody>
@@ -13849,7 +14328,7 @@
                   <a:srgbClr val="FF0000"/>
                 </a:solidFill>
               </a:rPr>
-              <a:t>Future Work</a:t>
+              <a:t>Results</a:t>
             </a:r>
             <a:endParaRPr lang="en-US" dirty="0">
               <a:solidFill>
@@ -13882,9 +14361,501 @@
               <a:pPr>
                 <a:defRPr/>
               </a:pPr>
-              <a:t>21</a:t>
+              <a:t>22</a:t>
             </a:fld>
-            <a:endParaRPr lang="en-US"/>
+            <a:endParaRPr lang="en-US" dirty="0"/>
+          </a:p>
+        </p:txBody>
+      </p:sp>
+    </p:spTree>
+    <p:extLst>
+      <p:ext uri="{BB962C8B-B14F-4D97-AF65-F5344CB8AC3E}">
+        <p14:creationId xmlns:p14="http://schemas.microsoft.com/office/powerpoint/2010/main" val="2104524501"/>
+      </p:ext>
+    </p:extLst>
+  </p:cSld>
+  <p:clrMapOvr>
+    <a:masterClrMapping/>
+  </p:clrMapOvr>
+  <p:transition/>
+  <p:timing>
+    <p:tnLst>
+      <p:par>
+        <p:cTn id="1" dur="indefinite" restart="never" nodeType="tmRoot">
+          <p:childTnLst>
+            <p:seq concurrent="1" nextAc="seek">
+              <p:cTn id="2" dur="indefinite" nodeType="mainSeq">
+                <p:childTnLst>
+                  <p:par>
+                    <p:cTn id="3" fill="hold">
+                      <p:stCondLst>
+                        <p:cond delay="indefinite"/>
+                        <p:cond evt="onBegin" delay="0">
+                          <p:tn val="2"/>
+                        </p:cond>
+                      </p:stCondLst>
+                      <p:childTnLst>
+                        <p:par>
+                          <p:cTn id="4" fill="hold">
+                            <p:stCondLst>
+                              <p:cond delay="0"/>
+                            </p:stCondLst>
+                            <p:childTnLst>
+                              <p:par>
+                                <p:cTn id="5" presetID="1" presetClass="entr" presetSubtype="0" fill="hold" nodeType="withEffect">
+                                  <p:stCondLst>
+                                    <p:cond delay="0"/>
+                                  </p:stCondLst>
+                                  <p:childTnLst>
+                                    <p:set>
+                                      <p:cBhvr>
+                                        <p:cTn id="6" dur="1" fill="hold">
+                                          <p:stCondLst>
+                                            <p:cond delay="0"/>
+                                          </p:stCondLst>
+                                        </p:cTn>
+                                        <p:tgtEl>
+                                          <p:spTgt spid="2">
+                                            <p:txEl>
+                                              <p:pRg st="0" end="0"/>
+                                            </p:txEl>
+                                          </p:spTgt>
+                                        </p:tgtEl>
+                                        <p:attrNameLst>
+                                          <p:attrName>style.visibility</p:attrName>
+                                        </p:attrNameLst>
+                                      </p:cBhvr>
+                                      <p:to>
+                                        <p:strVal val="visible"/>
+                                      </p:to>
+                                    </p:set>
+                                  </p:childTnLst>
+                                </p:cTn>
+                              </p:par>
+                              <p:par>
+                                <p:cTn id="7" presetID="1" presetClass="entr" presetSubtype="0" fill="hold" nodeType="withEffect">
+                                  <p:stCondLst>
+                                    <p:cond delay="0"/>
+                                  </p:stCondLst>
+                                  <p:childTnLst>
+                                    <p:set>
+                                      <p:cBhvr>
+                                        <p:cTn id="8" dur="1" fill="hold">
+                                          <p:stCondLst>
+                                            <p:cond delay="0"/>
+                                          </p:stCondLst>
+                                        </p:cTn>
+                                        <p:tgtEl>
+                                          <p:spTgt spid="2">
+                                            <p:txEl>
+                                              <p:pRg st="1" end="1"/>
+                                            </p:txEl>
+                                          </p:spTgt>
+                                        </p:tgtEl>
+                                        <p:attrNameLst>
+                                          <p:attrName>style.visibility</p:attrName>
+                                        </p:attrNameLst>
+                                      </p:cBhvr>
+                                      <p:to>
+                                        <p:strVal val="visible"/>
+                                      </p:to>
+                                    </p:set>
+                                  </p:childTnLst>
+                                </p:cTn>
+                              </p:par>
+                              <p:par>
+                                <p:cTn id="9" presetID="1" presetClass="entr" presetSubtype="0" fill="hold" nodeType="withEffect">
+                                  <p:stCondLst>
+                                    <p:cond delay="0"/>
+                                  </p:stCondLst>
+                                  <p:childTnLst>
+                                    <p:set>
+                                      <p:cBhvr>
+                                        <p:cTn id="10" dur="1" fill="hold">
+                                          <p:stCondLst>
+                                            <p:cond delay="0"/>
+                                          </p:stCondLst>
+                                        </p:cTn>
+                                        <p:tgtEl>
+                                          <p:spTgt spid="2">
+                                            <p:txEl>
+                                              <p:pRg st="2" end="2"/>
+                                            </p:txEl>
+                                          </p:spTgt>
+                                        </p:tgtEl>
+                                        <p:attrNameLst>
+                                          <p:attrName>style.visibility</p:attrName>
+                                        </p:attrNameLst>
+                                      </p:cBhvr>
+                                      <p:to>
+                                        <p:strVal val="visible"/>
+                                      </p:to>
+                                    </p:set>
+                                  </p:childTnLst>
+                                </p:cTn>
+                              </p:par>
+                              <p:par>
+                                <p:cTn id="11" presetID="1" presetClass="entr" presetSubtype="0" fill="hold" nodeType="withEffect">
+                                  <p:stCondLst>
+                                    <p:cond delay="0"/>
+                                  </p:stCondLst>
+                                  <p:childTnLst>
+                                    <p:set>
+                                      <p:cBhvr>
+                                        <p:cTn id="12" dur="1" fill="hold">
+                                          <p:stCondLst>
+                                            <p:cond delay="0"/>
+                                          </p:stCondLst>
+                                        </p:cTn>
+                                        <p:tgtEl>
+                                          <p:spTgt spid="2">
+                                            <p:txEl>
+                                              <p:pRg st="3" end="3"/>
+                                            </p:txEl>
+                                          </p:spTgt>
+                                        </p:tgtEl>
+                                        <p:attrNameLst>
+                                          <p:attrName>style.visibility</p:attrName>
+                                        </p:attrNameLst>
+                                      </p:cBhvr>
+                                      <p:to>
+                                        <p:strVal val="visible"/>
+                                      </p:to>
+                                    </p:set>
+                                  </p:childTnLst>
+                                </p:cTn>
+                              </p:par>
+                              <p:par>
+                                <p:cTn id="13" presetID="1" presetClass="entr" presetSubtype="0" fill="hold" nodeType="withEffect">
+                                  <p:stCondLst>
+                                    <p:cond delay="0"/>
+                                  </p:stCondLst>
+                                  <p:childTnLst>
+                                    <p:set>
+                                      <p:cBhvr>
+                                        <p:cTn id="14" dur="1" fill="hold">
+                                          <p:stCondLst>
+                                            <p:cond delay="0"/>
+                                          </p:stCondLst>
+                                        </p:cTn>
+                                        <p:tgtEl>
+                                          <p:spTgt spid="2">
+                                            <p:txEl>
+                                              <p:pRg st="4" end="4"/>
+                                            </p:txEl>
+                                          </p:spTgt>
+                                        </p:tgtEl>
+                                        <p:attrNameLst>
+                                          <p:attrName>style.visibility</p:attrName>
+                                        </p:attrNameLst>
+                                      </p:cBhvr>
+                                      <p:to>
+                                        <p:strVal val="visible"/>
+                                      </p:to>
+                                    </p:set>
+                                  </p:childTnLst>
+                                </p:cTn>
+                              </p:par>
+                            </p:childTnLst>
+                          </p:cTn>
+                        </p:par>
+                      </p:childTnLst>
+                    </p:cTn>
+                  </p:par>
+                </p:childTnLst>
+              </p:cTn>
+              <p:prevCondLst>
+                <p:cond evt="onPrev" delay="0">
+                  <p:tgtEl>
+                    <p:sldTgt/>
+                  </p:tgtEl>
+                </p:cond>
+              </p:prevCondLst>
+              <p:nextCondLst>
+                <p:cond evt="onNext" delay="0">
+                  <p:tgtEl>
+                    <p:sldTgt/>
+                  </p:tgtEl>
+                </p:cond>
+              </p:nextCondLst>
+            </p:seq>
+          </p:childTnLst>
+        </p:cTn>
+      </p:par>
+    </p:tnLst>
+  </p:timing>
+</p:sld>
+</file>
+
+<file path=ppt/slides/slide23.xml><?xml version="1.0" encoding="utf-8"?>
+<p:sld xmlns:a="http://schemas.openxmlformats.org/drawingml/2006/main" xmlns:r="http://schemas.openxmlformats.org/officeDocument/2006/relationships" xmlns:p="http://schemas.openxmlformats.org/presentationml/2006/main">
+  <p:cSld>
+    <p:spTree>
+      <p:nvGrpSpPr>
+        <p:cNvPr id="1" name=""/>
+        <p:cNvGrpSpPr/>
+        <p:nvPr/>
+      </p:nvGrpSpPr>
+      <p:grpSpPr>
+        <a:xfrm>
+          <a:off x="0" y="0"/>
+          <a:ext cx="0" cy="0"/>
+          <a:chOff x="0" y="0"/>
+          <a:chExt cx="0" cy="0"/>
+        </a:xfrm>
+      </p:grpSpPr>
+      <p:sp>
+        <p:nvSpPr>
+          <p:cNvPr id="2" name="Title 1"/>
+          <p:cNvSpPr>
+            <a:spLocks noGrp="1"/>
+          </p:cNvSpPr>
+          <p:nvPr>
+            <p:ph type="title"/>
+          </p:nvPr>
+        </p:nvSpPr>
+        <p:spPr/>
+        <p:txBody>
+          <a:bodyPr/>
+          <a:lstStyle/>
+          <a:p>
+            <a:r>
+              <a:rPr lang="en-US" dirty="0" smtClean="0">
+                <a:solidFill>
+                  <a:srgbClr val="FF0000"/>
+                </a:solidFill>
+              </a:rPr>
+              <a:t>Conclusion</a:t>
+            </a:r>
+            <a:endParaRPr lang="en-US" dirty="0">
+              <a:solidFill>
+                <a:srgbClr val="FF0000"/>
+              </a:solidFill>
+            </a:endParaRPr>
+          </a:p>
+        </p:txBody>
+      </p:sp>
+      <p:sp>
+        <p:nvSpPr>
+          <p:cNvPr id="3" name="Content Placeholder 2"/>
+          <p:cNvSpPr>
+            <a:spLocks noGrp="1"/>
+          </p:cNvSpPr>
+          <p:nvPr>
+            <p:ph idx="1"/>
+          </p:nvPr>
+        </p:nvSpPr>
+        <p:spPr/>
+        <p:txBody>
+          <a:bodyPr/>
+          <a:lstStyle/>
+          <a:p>
+            <a:r>
+              <a:rPr lang="en-US" dirty="0" smtClean="0"/>
+              <a:t>How close were we?</a:t>
+            </a:r>
+          </a:p>
+          <a:p>
+            <a:r>
+              <a:rPr lang="en-US" dirty="0" smtClean="0"/>
+              <a:t>Does our method work?</a:t>
+            </a:r>
+          </a:p>
+          <a:p>
+            <a:r>
+              <a:rPr lang="en-US" dirty="0" smtClean="0"/>
+              <a:t>Anything?</a:t>
+            </a:r>
+            <a:endParaRPr lang="en-US" dirty="0"/>
+          </a:p>
+        </p:txBody>
+      </p:sp>
+      <p:sp>
+        <p:nvSpPr>
+          <p:cNvPr id="4" name="Slide Number Placeholder 3"/>
+          <p:cNvSpPr>
+            <a:spLocks noGrp="1"/>
+          </p:cNvSpPr>
+          <p:nvPr>
+            <p:ph type="sldNum" sz="quarter" idx="10"/>
+          </p:nvPr>
+        </p:nvSpPr>
+        <p:spPr/>
+        <p:txBody>
+          <a:bodyPr/>
+          <a:lstStyle/>
+          <a:p>
+            <a:pPr>
+              <a:defRPr/>
+            </a:pPr>
+            <a:fld id="{19845459-3F1B-4F43-8FC0-35ADCE8623CC}" type="slidenum">
+              <a:rPr lang="en-US" smtClean="0"/>
+              <a:pPr>
+                <a:defRPr/>
+              </a:pPr>
+              <a:t>23</a:t>
+            </a:fld>
+            <a:endParaRPr lang="en-US" dirty="0"/>
+          </a:p>
+        </p:txBody>
+      </p:sp>
+    </p:spTree>
+    <p:extLst>
+      <p:ext uri="{BB962C8B-B14F-4D97-AF65-F5344CB8AC3E}">
+        <p14:creationId xmlns:p14="http://schemas.microsoft.com/office/powerpoint/2010/main" val="3115579710"/>
+      </p:ext>
+    </p:extLst>
+  </p:cSld>
+  <p:clrMapOvr>
+    <a:masterClrMapping/>
+  </p:clrMapOvr>
+  <p:transition/>
+</p:sld>
+</file>
+
+<file path=ppt/slides/slide24.xml><?xml version="1.0" encoding="utf-8"?>
+<p:sld xmlns:a="http://schemas.openxmlformats.org/drawingml/2006/main" xmlns:r="http://schemas.openxmlformats.org/officeDocument/2006/relationships" xmlns:p="http://schemas.openxmlformats.org/presentationml/2006/main">
+  <p:cSld>
+    <p:spTree>
+      <p:nvGrpSpPr>
+        <p:cNvPr id="1" name=""/>
+        <p:cNvGrpSpPr/>
+        <p:nvPr/>
+      </p:nvGrpSpPr>
+      <p:grpSpPr>
+        <a:xfrm>
+          <a:off x="0" y="0"/>
+          <a:ext cx="0" cy="0"/>
+          <a:chOff x="0" y="0"/>
+          <a:chExt cx="0" cy="0"/>
+        </a:xfrm>
+      </p:grpSpPr>
+      <p:sp>
+        <p:nvSpPr>
+          <p:cNvPr id="2" name="Content Placeholder 1"/>
+          <p:cNvSpPr>
+            <a:spLocks noGrp="1"/>
+          </p:cNvSpPr>
+          <p:nvPr>
+            <p:ph idx="1"/>
+          </p:nvPr>
+        </p:nvSpPr>
+        <p:spPr>
+          <a:xfrm>
+            <a:off x="304800" y="1295400"/>
+            <a:ext cx="8534400" cy="4876800"/>
+          </a:xfrm>
+        </p:spPr>
+        <p:txBody>
+          <a:bodyPr/>
+          <a:lstStyle/>
+          <a:p>
+            <a:r>
+              <a:rPr lang="en-US" dirty="0" smtClean="0"/>
+              <a:t>Reach a relative percent difference of less than 1%</a:t>
+            </a:r>
+          </a:p>
+          <a:p>
+            <a:pPr lvl="1"/>
+            <a:r>
+              <a:rPr lang="en-US" dirty="0" smtClean="0"/>
+              <a:t>Increase adjustable parameters</a:t>
+            </a:r>
+          </a:p>
+          <a:p>
+            <a:pPr lvl="1"/>
+            <a:r>
+              <a:rPr lang="en-US" dirty="0" smtClean="0"/>
+              <a:t>Obtain more information about internal components of HPGe</a:t>
+            </a:r>
+          </a:p>
+          <a:p>
+            <a:r>
+              <a:rPr lang="en-US" dirty="0" smtClean="0"/>
+              <a:t>Generalize automated optimization code for other applications:</a:t>
+            </a:r>
+            <a:endParaRPr lang="en-US" dirty="0"/>
+          </a:p>
+          <a:p>
+            <a:pPr lvl="1"/>
+            <a:r>
+              <a:rPr lang="en-US" dirty="0" smtClean="0"/>
+              <a:t>Other detectors</a:t>
+            </a:r>
+          </a:p>
+          <a:p>
+            <a:pPr lvl="1"/>
+            <a:r>
+              <a:rPr lang="en-US" dirty="0" smtClean="0"/>
+              <a:t>Usable on other operating systems</a:t>
+            </a:r>
+          </a:p>
+          <a:p>
+            <a:pPr lvl="1"/>
+            <a:r>
+              <a:rPr lang="en-US" dirty="0" smtClean="0"/>
+              <a:t>Automated characterization simulations with benchmarked models</a:t>
+            </a:r>
+          </a:p>
+        </p:txBody>
+      </p:sp>
+      <p:sp>
+        <p:nvSpPr>
+          <p:cNvPr id="10241" name="Title 1"/>
+          <p:cNvSpPr>
+            <a:spLocks noGrp="1"/>
+          </p:cNvSpPr>
+          <p:nvPr>
+            <p:ph type="title"/>
+          </p:nvPr>
+        </p:nvSpPr>
+        <p:spPr/>
+        <p:txBody>
+          <a:bodyPr/>
+          <a:lstStyle/>
+          <a:p>
+            <a:r>
+              <a:rPr lang="en-US" dirty="0" smtClean="0">
+                <a:solidFill>
+                  <a:srgbClr val="FF0000"/>
+                </a:solidFill>
+              </a:rPr>
+              <a:t>Future Work</a:t>
+            </a:r>
+            <a:endParaRPr lang="en-US" dirty="0">
+              <a:solidFill>
+                <a:srgbClr val="FF0000"/>
+              </a:solidFill>
+            </a:endParaRPr>
+          </a:p>
+        </p:txBody>
+      </p:sp>
+      <p:sp>
+        <p:nvSpPr>
+          <p:cNvPr id="3" name="Slide Number Placeholder 2"/>
+          <p:cNvSpPr>
+            <a:spLocks noGrp="1"/>
+          </p:cNvSpPr>
+          <p:nvPr>
+            <p:ph type="sldNum" sz="quarter" idx="10"/>
+          </p:nvPr>
+        </p:nvSpPr>
+        <p:spPr/>
+        <p:txBody>
+          <a:bodyPr/>
+          <a:lstStyle/>
+          <a:p>
+            <a:pPr>
+              <a:defRPr/>
+            </a:pPr>
+            <a:fld id="{54D80F8A-463A-4890-BC87-BDB129B2791E}" type="slidenum">
+              <a:rPr lang="en-US" smtClean="0"/>
+              <a:pPr>
+                <a:defRPr/>
+              </a:pPr>
+              <a:t>24</a:t>
+            </a:fld>
+            <a:endParaRPr lang="en-US" dirty="0"/>
           </a:p>
         </p:txBody>
       </p:sp>
@@ -14170,7 +15141,7 @@
 </p:sld>
 </file>
 
-<file path=ppt/slides/slide22.xml><?xml version="1.0" encoding="utf-8"?>
+<file path=ppt/slides/slide25.xml><?xml version="1.0" encoding="utf-8"?>
 <p:sld xmlns:a="http://schemas.openxmlformats.org/drawingml/2006/main" xmlns:r="http://schemas.openxmlformats.org/officeDocument/2006/relationships" xmlns:p="http://schemas.openxmlformats.org/presentationml/2006/main">
   <p:cSld>
     <p:spTree>
@@ -14248,7 +15219,6 @@
               <a:rPr lang="en-US" dirty="0" smtClean="0"/>
               <a:t>Conclusions</a:t>
             </a:r>
-            <a:endParaRPr lang="en-US" dirty="0" smtClean="0"/>
           </a:p>
           <a:p>
             <a:r>
@@ -14304,9 +15274,9 @@
               <a:pPr>
                 <a:defRPr/>
               </a:pPr>
-              <a:t>22</a:t>
+              <a:t>25</a:t>
             </a:fld>
-            <a:endParaRPr lang="en-US"/>
+            <a:endParaRPr lang="en-US" dirty="0"/>
           </a:p>
         </p:txBody>
       </p:sp>
@@ -14653,7 +15623,7 @@
 </p:sld>
 </file>
 
-<file path=ppt/slides/slide23.xml><?xml version="1.0" encoding="utf-8"?>
+<file path=ppt/slides/slide26.xml><?xml version="1.0" encoding="utf-8"?>
 <p:sld xmlns:a="http://schemas.openxmlformats.org/drawingml/2006/main" xmlns:r="http://schemas.openxmlformats.org/officeDocument/2006/relationships" xmlns:p="http://schemas.openxmlformats.org/presentationml/2006/main">
   <p:cSld>
     <p:spTree>
@@ -14695,7 +15665,7 @@
               <a:t>Captain James </a:t>
             </a:r>
             <a:r>
-              <a:rPr lang="en-US" dirty="0" err="1" smtClean="0"/>
+              <a:rPr lang="en-US" dirty="0" smtClean="0"/>
               <a:t>Bevins</a:t>
             </a:r>
             <a:r>
@@ -14710,7 +15680,7 @@
               <a:t>Lt Colonel Buck </a:t>
             </a:r>
             <a:r>
-              <a:rPr lang="en-US" dirty="0" err="1" smtClean="0"/>
+              <a:rPr lang="en-US" dirty="0" smtClean="0"/>
               <a:t>O’Day</a:t>
             </a:r>
             <a:r>
@@ -14720,7 +15690,7 @@
           </a:p>
           <a:p>
             <a:r>
-              <a:rPr lang="en-US" dirty="0" err="1" smtClean="0"/>
+              <a:rPr lang="en-US" dirty="0" smtClean="0"/>
               <a:t>Capt</a:t>
             </a:r>
             <a:r>
@@ -14728,7 +15698,7 @@
               <a:t> </a:t>
             </a:r>
             <a:r>
-              <a:rPr lang="en-US" dirty="0" err="1" smtClean="0"/>
+              <a:rPr lang="en-US" dirty="0" smtClean="0"/>
               <a:t>Bevins</a:t>
             </a:r>
             <a:r>
@@ -14795,9 +15765,9 @@
               <a:pPr>
                 <a:defRPr/>
               </a:pPr>
-              <a:t>23</a:t>
+              <a:t>26</a:t>
             </a:fld>
-            <a:endParaRPr lang="en-US"/>
+            <a:endParaRPr lang="en-US" dirty="0"/>
           </a:p>
         </p:txBody>
       </p:sp>
@@ -14959,7 +15929,7 @@
 </p:sld>
 </file>
 
-<file path=ppt/slides/slide24.xml><?xml version="1.0" encoding="utf-8"?>
+<file path=ppt/slides/slide27.xml><?xml version="1.0" encoding="utf-8"?>
 <p:sld xmlns:a="http://schemas.openxmlformats.org/drawingml/2006/main" xmlns:r="http://schemas.openxmlformats.org/officeDocument/2006/relationships" xmlns:p="http://schemas.openxmlformats.org/presentationml/2006/main">
   <p:cSld>
     <p:spTree>
@@ -15022,9 +15992,9 @@
               <a:pPr>
                 <a:defRPr/>
               </a:pPr>
-              <a:t>24</a:t>
+              <a:t>27</a:t>
             </a:fld>
-            <a:endParaRPr lang="en-US"/>
+            <a:endParaRPr lang="en-US" dirty="0"/>
           </a:p>
         </p:txBody>
       </p:sp>
@@ -15060,7 +16030,7 @@
               <a:t>[2] 	R. G. Helmer, R. G. Hardy, V. E. </a:t>
             </a:r>
             <a:r>
-              <a:rPr lang="en-US" sz="1400" dirty="0" err="1"/>
+              <a:rPr lang="en-US" sz="1400" dirty="0"/>
               <a:t>Iacob</a:t>
             </a:r>
             <a:r>
@@ -15077,7 +16047,7 @@
               <a:t>[3] 	W. F. R. R. K. M. D. O. S. C. A. C. A. X. d. S. </a:t>
             </a:r>
             <a:r>
-              <a:rPr lang="en-US" sz="1400" dirty="0" err="1"/>
+              <a:rPr lang="en-US" sz="1400" dirty="0"/>
               <a:t>Guilherme</a:t>
             </a:r>
             <a:r>
@@ -15085,7 +16055,7 @@
               <a:t> J. de S. </a:t>
             </a:r>
             <a:r>
-              <a:rPr lang="en-US" sz="1400" dirty="0" err="1"/>
+              <a:rPr lang="en-US" sz="1400" dirty="0"/>
               <a:t>Corrêa</a:t>
             </a:r>
             <a:r>
@@ -15093,7 +16063,7 @@
               <a:t>, "COMPUTATIONAL MODELING OF A HIGH PURITY GERMANIUM," in International Nuclear Atlantic Conference, Belo </a:t>
             </a:r>
             <a:r>
-              <a:rPr lang="en-US" sz="1400" dirty="0" err="1"/>
+              <a:rPr lang="en-US" sz="1400" dirty="0"/>
               <a:t>Horizonte,MG</a:t>
             </a:r>
             <a:r>
@@ -15119,7 +16089,7 @@
               <a:t>[5] 	D. K. P. S. J. G. M. Jeremy Lloyd </a:t>
             </a:r>
             <a:r>
-              <a:rPr lang="en-US" sz="1400" dirty="0" err="1"/>
+              <a:rPr lang="en-US" sz="1400" dirty="0"/>
               <a:t>Conlin</a:t>
             </a:r>
             <a:r>
@@ -15136,7 +16106,7 @@
               <a:t>[6] 	C. G. R. P. R. R. R. W. I. RJ </a:t>
             </a:r>
             <a:r>
-              <a:rPr lang="en-US" sz="1400" dirty="0" err="1"/>
+              <a:rPr lang="en-US" sz="1400" dirty="0"/>
               <a:t>McConn</a:t>
             </a:r>
             <a:r>
@@ -15153,7 +16123,7 @@
               <a:t>[7] 	R. E. F. J. K. </a:t>
             </a:r>
             <a:r>
-              <a:rPr lang="en-US" sz="1400" dirty="0" err="1"/>
+              <a:rPr lang="en-US" sz="1400" dirty="0"/>
               <a:t>Shultis</a:t>
             </a:r>
             <a:r>
@@ -15189,7 +16159,7 @@
 </p:sld>
 </file>
 
-<file path=ppt/slides/slide25.xml><?xml version="1.0" encoding="utf-8"?>
+<file path=ppt/slides/slide28.xml><?xml version="1.0" encoding="utf-8"?>
 <p:sld xmlns:a="http://schemas.openxmlformats.org/drawingml/2006/main" xmlns:r="http://schemas.openxmlformats.org/officeDocument/2006/relationships" xmlns:p="http://schemas.openxmlformats.org/presentationml/2006/main">
   <p:cSld>
     <p:spTree>
@@ -15252,9 +16222,9 @@
               <a:pPr>
                 <a:defRPr/>
               </a:pPr>
-              <a:t>25</a:t>
+              <a:t>28</a:t>
             </a:fld>
-            <a:endParaRPr lang="en-US"/>
+            <a:endParaRPr lang="en-US" dirty="0"/>
           </a:p>
         </p:txBody>
       </p:sp>
@@ -15319,8 +16289,8 @@
           </a:p>
         </p:txBody>
       </p:sp>
-      <mc:AlternateContent xmlns:mc="http://schemas.openxmlformats.org/markup-compatibility/2006" xmlns:a14="http://schemas.microsoft.com/office/drawing/2010/main">
-        <mc:Choice Requires="a14">
+      <mc:AlternateContent xmlns:mc="http://schemas.openxmlformats.org/markup-compatibility/2006">
+        <mc:Choice xmlns:a14="http://schemas.microsoft.com/office/drawing/2010/main" Requires="a14">
           <p:sp>
             <p:nvSpPr>
               <p:cNvPr id="3" name="Content Placeholder 2"/>
@@ -15508,7 +16478,7 @@
                   <a:t>Perform an </a:t>
                 </a:r>
                 <a:r>
-                  <a:rPr lang="en-US" dirty="0" err="1" smtClean="0"/>
+                  <a:rPr lang="en-US" dirty="0" smtClean="0"/>
                   <a:t>adjoint</a:t>
                 </a:r>
                 <a:r>
@@ -15524,7 +16494,7 @@
             </p:txBody>
           </p:sp>
         </mc:Choice>
-        <mc:Fallback xmlns="">
+        <mc:Fallback>
           <p:sp>
             <p:nvSpPr>
               <p:cNvPr id="3" name="Content Placeholder 2"/>
@@ -15583,7 +16553,7 @@
               </a:pPr>
               <a:t>3</a:t>
             </a:fld>
-            <a:endParaRPr lang="en-US"/>
+            <a:endParaRPr lang="en-US" dirty="0"/>
           </a:p>
         </p:txBody>
       </p:sp>
@@ -15727,7 +16697,7 @@
               </a:pPr>
               <a:t>4</a:t>
             </a:fld>
-            <a:endParaRPr lang="en-US"/>
+            <a:endParaRPr lang="en-US" dirty="0"/>
           </a:p>
         </p:txBody>
       </p:sp>
@@ -15931,7 +16901,7 @@
               <a:t>Performed by Lt Col </a:t>
             </a:r>
             <a:r>
-              <a:rPr lang="en-US" dirty="0" err="1" smtClean="0"/>
+              <a:rPr lang="en-US" dirty="0" smtClean="0"/>
               <a:t>O’Day</a:t>
             </a:r>
             <a:r>
@@ -16009,7 +16979,7 @@
               </a:pPr>
               <a:t>5</a:t>
             </a:fld>
-            <a:endParaRPr lang="en-US"/>
+            <a:endParaRPr lang="en-US" dirty="0"/>
           </a:p>
         </p:txBody>
       </p:sp>
@@ -16243,8 +17213,8 @@
           <a:chExt cx="0" cy="0"/>
         </a:xfrm>
       </p:grpSpPr>
-      <mc:AlternateContent xmlns:mc="http://schemas.openxmlformats.org/markup-compatibility/2006" xmlns:a14="http://schemas.microsoft.com/office/drawing/2010/main">
-        <mc:Choice Requires="a14">
+      <mc:AlternateContent xmlns:mc="http://schemas.openxmlformats.org/markup-compatibility/2006">
+        <mc:Choice xmlns:a14="http://schemas.microsoft.com/office/drawing/2010/main" Requires="a14">
           <p:sp>
             <p:nvSpPr>
               <p:cNvPr id="2" name="Content Placeholder 1"/>
@@ -16270,7 +17240,7 @@
                   <a:t>Canberra Standard Electrode Ge Detector (</a:t>
                 </a:r>
                 <a:r>
-                  <a:rPr lang="en-US" dirty="0" err="1" smtClean="0"/>
+                  <a:rPr lang="en-US" dirty="0" smtClean="0"/>
                   <a:t>SEGe</a:t>
                 </a:r>
                 <a:r>
@@ -16311,7 +17281,7 @@
                   <a:t>Resolution: 1.20 </a:t>
                 </a:r>
                 <a:r>
-                  <a:rPr lang="en-US" dirty="0" err="1" smtClean="0"/>
+                  <a:rPr lang="en-US" dirty="0" smtClean="0"/>
                   <a:t>keV</a:t>
                 </a:r>
                 <a:r>
@@ -16319,7 +17289,7 @@
                   <a:t> at 122  </a:t>
                 </a:r>
                 <a:r>
-                  <a:rPr lang="en-US" dirty="0" err="1" smtClean="0"/>
+                  <a:rPr lang="en-US" dirty="0" smtClean="0"/>
                   <a:t>keV</a:t>
                 </a:r>
                 <a:r>
@@ -16343,7 +17313,7 @@
             </p:txBody>
           </p:sp>
         </mc:Choice>
-        <mc:Fallback xmlns="">
+        <mc:Fallback>
           <p:sp>
             <p:nvSpPr>
               <p:cNvPr id="2" name="Content Placeholder 1"/>
@@ -16429,7 +17399,7 @@
               </a:pPr>
               <a:t>6</a:t>
             </a:fld>
-            <a:endParaRPr lang="en-US"/>
+            <a:endParaRPr lang="en-US" dirty="0"/>
           </a:p>
         </p:txBody>
       </p:sp>
@@ -16485,7 +17455,7 @@
               <a:buNone/>
               <a:tabLst/>
             </a:pPr>
-            <a:endParaRPr kumimoji="0" lang="en-US" sz="1800" b="0" i="0" u="none" strike="noStrike" cap="none" normalizeH="0" baseline="0" smtClean="0">
+            <a:endParaRPr kumimoji="0" lang="en-US" sz="1800" b="0" i="0" u="none" strike="noStrike" cap="none" normalizeH="0" baseline="0" dirty="0" smtClean="0">
               <a:ln>
                 <a:noFill/>
               </a:ln>
@@ -16553,7 +17523,7 @@
               <a:buNone/>
               <a:tabLst/>
             </a:pPr>
-            <a:endParaRPr kumimoji="0" lang="en-US" sz="1800" b="0" i="0" u="none" strike="noStrike" cap="none" normalizeH="0" baseline="0" smtClean="0">
+            <a:endParaRPr kumimoji="0" lang="en-US" sz="1800" b="0" i="0" u="none" strike="noStrike" cap="none" normalizeH="0" baseline="0" dirty="0" smtClean="0">
               <a:ln>
                 <a:noFill/>
               </a:ln>
@@ -16618,7 +17588,7 @@
               <a:buNone/>
               <a:tabLst/>
             </a:pPr>
-            <a:endParaRPr kumimoji="0" lang="en-US" sz="1800" b="0" i="0" u="none" strike="noStrike" cap="none" normalizeH="0" baseline="0" smtClean="0">
+            <a:endParaRPr kumimoji="0" lang="en-US" sz="1800" b="0" i="0" u="none" strike="noStrike" cap="none" normalizeH="0" baseline="0" dirty="0" smtClean="0">
               <a:ln>
                 <a:noFill/>
               </a:ln>
@@ -17191,7 +18161,7 @@
               </a:pPr>
               <a:t>7</a:t>
             </a:fld>
-            <a:endParaRPr lang="en-US"/>
+            <a:endParaRPr lang="en-US" dirty="0"/>
           </a:p>
         </p:txBody>
       </p:sp>
@@ -17305,7 +18275,7 @@
               </a:pPr>
               <a:t>8</a:t>
             </a:fld>
-            <a:endParaRPr lang="en-US"/>
+            <a:endParaRPr lang="en-US" dirty="0"/>
           </a:p>
         </p:txBody>
       </p:sp>
@@ -17419,7 +18389,7 @@
               </a:pPr>
               <a:t>9</a:t>
             </a:fld>
-            <a:endParaRPr lang="en-US"/>
+            <a:endParaRPr lang="en-US" dirty="0"/>
           </a:p>
         </p:txBody>
       </p:sp>
@@ -17433,7 +18403,7 @@
             <p:ph idx="1"/>
             <p:extLst>
               <p:ext uri="{D42A27DB-BD31-4B8C-83A1-F6EECF244321}">
-                <p14:modId xmlns:p14="http://schemas.microsoft.com/office/powerpoint/2010/main" val="407897883"/>
+                <p14:modId xmlns:p14="http://schemas.microsoft.com/office/powerpoint/2010/main" val="3243216265"/>
               </p:ext>
             </p:extLst>
           </p:nvPr>
@@ -17476,16 +18446,7 @@
                           <a:ea typeface="Calibri" panose="020F0502020204030204" pitchFamily="34" charset="0"/>
                           <a:cs typeface="Times New Roman" panose="02020603050405020304" pitchFamily="18" charset="0"/>
                         </a:rPr>
-                        <a:t>Gamma-Ray Energy [</a:t>
-                      </a:r>
-                      <a:r>
-                        <a:rPr lang="en-US" sz="1200" b="1" dirty="0" err="1">
-                          <a:effectLst/>
-                          <a:latin typeface="Arial" panose="020B0604020202020204" pitchFamily="34" charset="0"/>
-                          <a:ea typeface="Calibri" panose="020F0502020204030204" pitchFamily="34" charset="0"/>
-                          <a:cs typeface="Times New Roman" panose="02020603050405020304" pitchFamily="18" charset="0"/>
-                        </a:rPr>
-                        <a:t>keV</a:t>
+                        <a:t>Gamma-Ray Energy [keV</a:t>
                       </a:r>
                       <a:r>
                         <a:rPr lang="en-US" sz="1200" b="1" dirty="0" smtClean="0">
@@ -17563,7 +18524,7 @@
                         </a:spcAft>
                       </a:pPr>
                       <a:r>
-                        <a:rPr lang="en-US" sz="1200" b="1">
+                        <a:rPr lang="en-US" sz="1200" b="1" dirty="0">
                           <a:effectLst/>
                           <a:latin typeface="Arial" panose="020B0604020202020204" pitchFamily="34" charset="0"/>
                           <a:ea typeface="Calibri" panose="020F0502020204030204" pitchFamily="34" charset="0"/>
@@ -17571,7 +18532,7 @@
                         </a:rPr>
                         <a:t>Nuclide</a:t>
                       </a:r>
-                      <a:endParaRPr lang="en-US" sz="1100">
+                      <a:endParaRPr lang="en-US" sz="1100" dirty="0">
                         <a:effectLst/>
                         <a:latin typeface="Calibri" panose="020F0502020204030204" pitchFamily="34" charset="0"/>
                         <a:ea typeface="Calibri" panose="020F0502020204030204" pitchFamily="34" charset="0"/>
@@ -17638,7 +18599,7 @@
                         </a:spcAft>
                       </a:pPr>
                       <a:r>
-                        <a:rPr lang="en-US" sz="1200" b="1">
+                        <a:rPr lang="en-US" sz="1200" b="1" dirty="0">
                           <a:effectLst/>
                           <a:latin typeface="Arial" panose="020B0604020202020204" pitchFamily="34" charset="0"/>
                           <a:ea typeface="Calibri" panose="020F0502020204030204" pitchFamily="34" charset="0"/>
@@ -17646,7 +18607,7 @@
                         </a:rPr>
                         <a:t>Activity [µCi]</a:t>
                       </a:r>
-                      <a:endParaRPr lang="en-US" sz="1100">
+                      <a:endParaRPr lang="en-US" sz="1100" dirty="0">
                         <a:effectLst/>
                         <a:latin typeface="Calibri" panose="020F0502020204030204" pitchFamily="34" charset="0"/>
                         <a:ea typeface="Calibri" panose="020F0502020204030204" pitchFamily="34" charset="0"/>
@@ -17713,7 +18674,7 @@
                         </a:spcAft>
                       </a:pPr>
                       <a:r>
-                        <a:rPr lang="en-US" sz="1200" b="1">
+                        <a:rPr lang="en-US" sz="1200" b="1" dirty="0">
                           <a:effectLst/>
                           <a:latin typeface="Arial" panose="020B0604020202020204" pitchFamily="34" charset="0"/>
                           <a:ea typeface="Calibri" panose="020F0502020204030204" pitchFamily="34" charset="0"/>
@@ -17721,7 +18682,7 @@
                         </a:rPr>
                         <a:t>Gammas per Second</a:t>
                       </a:r>
-                      <a:endParaRPr lang="en-US" sz="1100">
+                      <a:endParaRPr lang="en-US" sz="1100" dirty="0">
                         <a:effectLst/>
                         <a:latin typeface="Calibri" panose="020F0502020204030204" pitchFamily="34" charset="0"/>
                         <a:ea typeface="Calibri" panose="020F0502020204030204" pitchFamily="34" charset="0"/>
@@ -17865,7 +18826,7 @@
                         </a:spcAft>
                       </a:pPr>
                       <a:r>
-                        <a:rPr lang="en-US" sz="1200">
+                        <a:rPr lang="en-US" sz="1200" dirty="0">
                           <a:effectLst/>
                           <a:latin typeface="Arial" panose="020B0604020202020204" pitchFamily="34" charset="0"/>
                           <a:ea typeface="Calibri" panose="020F0502020204030204" pitchFamily="34" charset="0"/>
@@ -17873,7 +18834,7 @@
                         </a:rPr>
                         <a:t>Am-241</a:t>
                       </a:r>
-                      <a:endParaRPr lang="en-US" sz="1100">
+                      <a:endParaRPr lang="en-US" sz="1100" dirty="0">
                         <a:effectLst/>
                         <a:latin typeface="Calibri" panose="020F0502020204030204" pitchFamily="34" charset="0"/>
                         <a:ea typeface="Calibri" panose="020F0502020204030204" pitchFamily="34" charset="0"/>
@@ -17940,7 +18901,7 @@
                         </a:spcAft>
                       </a:pPr>
                       <a:r>
-                        <a:rPr lang="en-US" sz="1200">
+                        <a:rPr lang="en-US" sz="1200" dirty="0">
                           <a:effectLst/>
                           <a:latin typeface="Arial" panose="020B0604020202020204" pitchFamily="34" charset="0"/>
                           <a:ea typeface="Calibri" panose="020F0502020204030204" pitchFamily="34" charset="0"/>
@@ -17948,7 +18909,7 @@
                         </a:rPr>
                         <a:t>0.02941</a:t>
                       </a:r>
-                      <a:endParaRPr lang="en-US" sz="1100">
+                      <a:endParaRPr lang="en-US" sz="1100" dirty="0">
                         <a:effectLst/>
                         <a:latin typeface="Calibri" panose="020F0502020204030204" pitchFamily="34" charset="0"/>
                         <a:ea typeface="Calibri" panose="020F0502020204030204" pitchFamily="34" charset="0"/>
@@ -18015,7 +18976,7 @@
                         </a:spcAft>
                       </a:pPr>
                       <a:r>
-                        <a:rPr lang="en-US" sz="1200">
+                        <a:rPr lang="en-US" sz="1200" dirty="0">
                           <a:effectLst/>
                           <a:latin typeface="Arial" panose="020B0604020202020204" pitchFamily="34" charset="0"/>
                           <a:ea typeface="Calibri" panose="020F0502020204030204" pitchFamily="34" charset="0"/>
@@ -18023,7 +18984,7 @@
                         </a:rPr>
                         <a:t>391.7</a:t>
                       </a:r>
-                      <a:endParaRPr lang="en-US" sz="1100">
+                      <a:endParaRPr lang="en-US" sz="1100" dirty="0">
                         <a:effectLst/>
                         <a:latin typeface="Calibri" panose="020F0502020204030204" pitchFamily="34" charset="0"/>
                         <a:ea typeface="Calibri" panose="020F0502020204030204" pitchFamily="34" charset="0"/>
@@ -18167,7 +19128,7 @@
                         </a:spcAft>
                       </a:pPr>
                       <a:r>
-                        <a:rPr lang="en-US" sz="1200">
+                        <a:rPr lang="en-US" sz="1200" dirty="0">
                           <a:effectLst/>
                           <a:latin typeface="Arial" panose="020B0604020202020204" pitchFamily="34" charset="0"/>
                           <a:ea typeface="Calibri" panose="020F0502020204030204" pitchFamily="34" charset="0"/>
@@ -18175,7 +19136,7 @@
                         </a:rPr>
                         <a:t>Cd-109</a:t>
                       </a:r>
-                      <a:endParaRPr lang="en-US" sz="1100">
+                      <a:endParaRPr lang="en-US" sz="1100" dirty="0">
                         <a:effectLst/>
                         <a:latin typeface="Calibri" panose="020F0502020204030204" pitchFamily="34" charset="0"/>
                         <a:ea typeface="Calibri" panose="020F0502020204030204" pitchFamily="34" charset="0"/>
@@ -18242,7 +19203,7 @@
                         </a:spcAft>
                       </a:pPr>
                       <a:r>
-                        <a:rPr lang="en-US" sz="1200">
+                        <a:rPr lang="en-US" sz="1200" dirty="0">
                           <a:effectLst/>
                           <a:latin typeface="Arial" panose="020B0604020202020204" pitchFamily="34" charset="0"/>
                           <a:ea typeface="Calibri" panose="020F0502020204030204" pitchFamily="34" charset="0"/>
@@ -18250,7 +19211,7 @@
                         </a:rPr>
                         <a:t>0.2707</a:t>
                       </a:r>
-                      <a:endParaRPr lang="en-US" sz="1100">
+                      <a:endParaRPr lang="en-US" sz="1100" dirty="0">
                         <a:effectLst/>
                         <a:latin typeface="Calibri" panose="020F0502020204030204" pitchFamily="34" charset="0"/>
                         <a:ea typeface="Calibri" panose="020F0502020204030204" pitchFamily="34" charset="0"/>
@@ -18317,7 +19278,7 @@
                         </a:spcAft>
                       </a:pPr>
                       <a:r>
-                        <a:rPr lang="en-US" sz="1200">
+                        <a:rPr lang="en-US" sz="1200" dirty="0">
                           <a:effectLst/>
                           <a:latin typeface="Arial" panose="020B0604020202020204" pitchFamily="34" charset="0"/>
                           <a:ea typeface="Calibri" panose="020F0502020204030204" pitchFamily="34" charset="0"/>
@@ -18325,7 +19286,7 @@
                         </a:rPr>
                         <a:t>363.6</a:t>
                       </a:r>
-                      <a:endParaRPr lang="en-US" sz="1100">
+                      <a:endParaRPr lang="en-US" sz="1100" dirty="0">
                         <a:effectLst/>
                         <a:latin typeface="Calibri" panose="020F0502020204030204" pitchFamily="34" charset="0"/>
                         <a:ea typeface="Calibri" panose="020F0502020204030204" pitchFamily="34" charset="0"/>
@@ -18544,7 +19505,7 @@
                         </a:spcAft>
                       </a:pPr>
                       <a:r>
-                        <a:rPr lang="en-US" sz="1200">
+                        <a:rPr lang="en-US" sz="1200" dirty="0">
                           <a:effectLst/>
                           <a:latin typeface="Arial" panose="020B0604020202020204" pitchFamily="34" charset="0"/>
                           <a:ea typeface="Calibri" panose="020F0502020204030204" pitchFamily="34" charset="0"/>
@@ -18552,7 +19513,7 @@
                         </a:rPr>
                         <a:t>0.01019</a:t>
                       </a:r>
-                      <a:endParaRPr lang="en-US" sz="1100">
+                      <a:endParaRPr lang="en-US" sz="1100" dirty="0">
                         <a:effectLst/>
                         <a:latin typeface="Calibri" panose="020F0502020204030204" pitchFamily="34" charset="0"/>
                         <a:ea typeface="Calibri" panose="020F0502020204030204" pitchFamily="34" charset="0"/>
@@ -18619,7 +19580,7 @@
                         </a:spcAft>
                       </a:pPr>
                       <a:r>
-                        <a:rPr lang="en-US" sz="1200">
+                        <a:rPr lang="en-US" sz="1200" dirty="0">
                           <a:effectLst/>
                           <a:latin typeface="Arial" panose="020B0604020202020204" pitchFamily="34" charset="0"/>
                           <a:ea typeface="Calibri" panose="020F0502020204030204" pitchFamily="34" charset="0"/>
@@ -18627,7 +19588,7 @@
                         </a:rPr>
                         <a:t>322.7</a:t>
                       </a:r>
-                      <a:endParaRPr lang="en-US" sz="1100">
+                      <a:endParaRPr lang="en-US" sz="1100" dirty="0">
                         <a:effectLst/>
                         <a:latin typeface="Calibri" panose="020F0502020204030204" pitchFamily="34" charset="0"/>
                         <a:ea typeface="Calibri" panose="020F0502020204030204" pitchFamily="34" charset="0"/>
@@ -18696,7 +19657,7 @@
                         </a:spcAft>
                       </a:pPr>
                       <a:r>
-                        <a:rPr lang="en-US" sz="1200">
+                        <a:rPr lang="en-US" sz="1200" dirty="0">
                           <a:effectLst/>
                           <a:latin typeface="Arial" panose="020B0604020202020204" pitchFamily="34" charset="0"/>
                           <a:ea typeface="Calibri" panose="020F0502020204030204" pitchFamily="34" charset="0"/>
@@ -18704,7 +19665,7 @@
                         </a:rPr>
                         <a:t>159</a:t>
                       </a:r>
-                      <a:endParaRPr lang="en-US" sz="1100">
+                      <a:endParaRPr lang="en-US" sz="1100" dirty="0">
                         <a:effectLst/>
                         <a:latin typeface="Calibri" panose="020F0502020204030204" pitchFamily="34" charset="0"/>
                         <a:ea typeface="Calibri" panose="020F0502020204030204" pitchFamily="34" charset="0"/>
@@ -18846,7 +19807,7 @@
                         </a:spcAft>
                       </a:pPr>
                       <a:r>
-                        <a:rPr lang="en-US" sz="1200">
+                        <a:rPr lang="en-US" sz="1200" dirty="0">
                           <a:effectLst/>
                           <a:latin typeface="Arial" panose="020B0604020202020204" pitchFamily="34" charset="0"/>
                           <a:ea typeface="Calibri" panose="020F0502020204030204" pitchFamily="34" charset="0"/>
@@ -18854,7 +19815,7 @@
                         </a:rPr>
                         <a:t>0.01403</a:t>
                       </a:r>
-                      <a:endParaRPr lang="en-US" sz="1100">
+                      <a:endParaRPr lang="en-US" sz="1100" dirty="0">
                         <a:effectLst/>
                         <a:latin typeface="Calibri" panose="020F0502020204030204" pitchFamily="34" charset="0"/>
                         <a:ea typeface="Calibri" panose="020F0502020204030204" pitchFamily="34" charset="0"/>
@@ -18921,7 +19882,7 @@
                         </a:spcAft>
                       </a:pPr>
                       <a:r>
-                        <a:rPr lang="en-US" sz="1200">
+                        <a:rPr lang="en-US" sz="1200" dirty="0">
                           <a:effectLst/>
                           <a:latin typeface="Arial" panose="020B0604020202020204" pitchFamily="34" charset="0"/>
                           <a:ea typeface="Calibri" panose="020F0502020204030204" pitchFamily="34" charset="0"/>
@@ -18929,7 +19890,7 @@
                         </a:rPr>
                         <a:t>436.1</a:t>
                       </a:r>
-                      <a:endParaRPr lang="en-US" sz="1100">
+                      <a:endParaRPr lang="en-US" sz="1100" dirty="0">
                         <a:effectLst/>
                         <a:latin typeface="Calibri" panose="020F0502020204030204" pitchFamily="34" charset="0"/>
                         <a:ea typeface="Calibri" panose="020F0502020204030204" pitchFamily="34" charset="0"/>
@@ -18998,7 +19959,7 @@
                         </a:spcAft>
                       </a:pPr>
                       <a:r>
-                        <a:rPr lang="en-US" sz="1200">
+                        <a:rPr lang="en-US" sz="1200" dirty="0">
                           <a:effectLst/>
                           <a:latin typeface="Arial" panose="020B0604020202020204" pitchFamily="34" charset="0"/>
                           <a:ea typeface="Calibri" panose="020F0502020204030204" pitchFamily="34" charset="0"/>
@@ -19006,7 +19967,7 @@
                         </a:rPr>
                         <a:t>320</a:t>
                       </a:r>
-                      <a:endParaRPr lang="en-US" sz="1100">
+                      <a:endParaRPr lang="en-US" sz="1100" dirty="0">
                         <a:effectLst/>
                         <a:latin typeface="Calibri" panose="020F0502020204030204" pitchFamily="34" charset="0"/>
                         <a:ea typeface="Calibri" panose="020F0502020204030204" pitchFamily="34" charset="0"/>
@@ -19148,7 +20109,7 @@
                         </a:spcAft>
                       </a:pPr>
                       <a:r>
-                        <a:rPr lang="en-US" sz="1200">
+                        <a:rPr lang="en-US" sz="1200" dirty="0">
                           <a:effectLst/>
                           <a:latin typeface="Arial" panose="020B0604020202020204" pitchFamily="34" charset="0"/>
                           <a:ea typeface="Calibri" panose="020F0502020204030204" pitchFamily="34" charset="0"/>
@@ -19156,7 +20117,7 @@
                         </a:rPr>
                         <a:t>0.3389</a:t>
                       </a:r>
-                      <a:endParaRPr lang="en-US" sz="1100">
+                      <a:endParaRPr lang="en-US" sz="1100" dirty="0">
                         <a:effectLst/>
                         <a:latin typeface="Calibri" panose="020F0502020204030204" pitchFamily="34" charset="0"/>
                         <a:ea typeface="Calibri" panose="020F0502020204030204" pitchFamily="34" charset="0"/>
@@ -19223,7 +20184,7 @@
                         </a:spcAft>
                       </a:pPr>
                       <a:r>
-                        <a:rPr lang="en-US" sz="1200">
+                        <a:rPr lang="en-US" sz="1200" dirty="0">
                           <a:effectLst/>
                           <a:latin typeface="Arial" panose="020B0604020202020204" pitchFamily="34" charset="0"/>
                           <a:ea typeface="Calibri" panose="020F0502020204030204" pitchFamily="34" charset="0"/>
@@ -19231,7 +20192,7 @@
                         </a:rPr>
                         <a:t>1236</a:t>
                       </a:r>
-                      <a:endParaRPr lang="en-US" sz="1100">
+                      <a:endParaRPr lang="en-US" sz="1100" dirty="0">
                         <a:effectLst/>
                         <a:latin typeface="Calibri" panose="020F0502020204030204" pitchFamily="34" charset="0"/>
                         <a:ea typeface="Calibri" panose="020F0502020204030204" pitchFamily="34" charset="0"/>
@@ -19300,7 +20261,7 @@
                         </a:spcAft>
                       </a:pPr>
                       <a:r>
-                        <a:rPr lang="en-US" sz="1200">
+                        <a:rPr lang="en-US" sz="1200" dirty="0">
                           <a:effectLst/>
                           <a:latin typeface="Arial" panose="020B0604020202020204" pitchFamily="34" charset="0"/>
                           <a:ea typeface="Calibri" panose="020F0502020204030204" pitchFamily="34" charset="0"/>
@@ -19308,7 +20269,7 @@
                         </a:rPr>
                         <a:t>392</a:t>
                       </a:r>
-                      <a:endParaRPr lang="en-US" sz="1100">
+                      <a:endParaRPr lang="en-US" sz="1100" dirty="0">
                         <a:effectLst/>
                         <a:latin typeface="Calibri" panose="020F0502020204030204" pitchFamily="34" charset="0"/>
                         <a:ea typeface="Calibri" panose="020F0502020204030204" pitchFamily="34" charset="0"/>
@@ -19450,7 +20411,7 @@
                         </a:spcAft>
                       </a:pPr>
                       <a:r>
-                        <a:rPr lang="en-US" sz="1200">
+                        <a:rPr lang="en-US" sz="1200" dirty="0">
                           <a:effectLst/>
                           <a:latin typeface="Arial" panose="020B0604020202020204" pitchFamily="34" charset="0"/>
                           <a:ea typeface="Calibri" panose="020F0502020204030204" pitchFamily="34" charset="0"/>
@@ -19458,7 +20419,7 @@
                         </a:rPr>
                         <a:t>0.05109</a:t>
                       </a:r>
-                      <a:endParaRPr lang="en-US" sz="1100">
+                      <a:endParaRPr lang="en-US" sz="1100" dirty="0">
                         <a:effectLst/>
                         <a:latin typeface="Calibri" panose="020F0502020204030204" pitchFamily="34" charset="0"/>
                         <a:ea typeface="Calibri" panose="020F0502020204030204" pitchFamily="34" charset="0"/>
@@ -19525,7 +20486,7 @@
                         </a:spcAft>
                       </a:pPr>
                       <a:r>
-                        <a:rPr lang="en-US" sz="1200">
+                        <a:rPr lang="en-US" sz="1200" dirty="0">
                           <a:effectLst/>
                           <a:latin typeface="Arial" panose="020B0604020202020204" pitchFamily="34" charset="0"/>
                           <a:ea typeface="Calibri" panose="020F0502020204030204" pitchFamily="34" charset="0"/>
@@ -19533,7 +20494,7 @@
                         </a:rPr>
                         <a:t>1227</a:t>
                       </a:r>
-                      <a:endParaRPr lang="en-US" sz="1100">
+                      <a:endParaRPr lang="en-US" sz="1100" dirty="0">
                         <a:effectLst/>
                         <a:latin typeface="Calibri" panose="020F0502020204030204" pitchFamily="34" charset="0"/>
                         <a:ea typeface="Calibri" panose="020F0502020204030204" pitchFamily="34" charset="0"/>
@@ -19602,7 +20563,7 @@
                         </a:spcAft>
                       </a:pPr>
                       <a:r>
-                        <a:rPr lang="en-US" sz="1200">
+                        <a:rPr lang="en-US" sz="1200" dirty="0">
                           <a:effectLst/>
                           <a:latin typeface="Arial" panose="020B0604020202020204" pitchFamily="34" charset="0"/>
                           <a:ea typeface="Calibri" panose="020F0502020204030204" pitchFamily="34" charset="0"/>
@@ -19610,7 +20571,7 @@
                         </a:rPr>
                         <a:t>514</a:t>
                       </a:r>
-                      <a:endParaRPr lang="en-US" sz="1100">
+                      <a:endParaRPr lang="en-US" sz="1100" dirty="0">
                         <a:effectLst/>
                         <a:latin typeface="Calibri" panose="020F0502020204030204" pitchFamily="34" charset="0"/>
                         <a:ea typeface="Calibri" panose="020F0502020204030204" pitchFamily="34" charset="0"/>
@@ -19677,7 +20638,7 @@
                         </a:spcAft>
                       </a:pPr>
                       <a:r>
-                        <a:rPr lang="en-US" sz="1200">
+                        <a:rPr lang="en-US" sz="1200" dirty="0">
                           <a:effectLst/>
                           <a:latin typeface="Arial" panose="020B0604020202020204" pitchFamily="34" charset="0"/>
                           <a:ea typeface="Calibri" panose="020F0502020204030204" pitchFamily="34" charset="0"/>
@@ -19685,7 +20646,7 @@
                         </a:rPr>
                         <a:t>Sr-85</a:t>
                       </a:r>
-                      <a:endParaRPr lang="en-US" sz="1100">
+                      <a:endParaRPr lang="en-US" sz="1100" dirty="0">
                         <a:effectLst/>
                         <a:latin typeface="Calibri" panose="020F0502020204030204" pitchFamily="34" charset="0"/>
                         <a:ea typeface="Calibri" panose="020F0502020204030204" pitchFamily="34" charset="0"/>
@@ -19827,7 +20788,7 @@
                         </a:spcAft>
                       </a:pPr>
                       <a:r>
-                        <a:rPr lang="en-US" sz="1200">
+                        <a:rPr lang="en-US" sz="1200" dirty="0">
                           <a:effectLst/>
                           <a:latin typeface="Arial" panose="020B0604020202020204" pitchFamily="34" charset="0"/>
                           <a:ea typeface="Calibri" panose="020F0502020204030204" pitchFamily="34" charset="0"/>
@@ -19835,7 +20796,7 @@
                         </a:rPr>
                         <a:t>2247</a:t>
                       </a:r>
-                      <a:endParaRPr lang="en-US" sz="1100">
+                      <a:endParaRPr lang="en-US" sz="1100" dirty="0">
                         <a:effectLst/>
                         <a:latin typeface="Calibri" panose="020F0502020204030204" pitchFamily="34" charset="0"/>
                         <a:ea typeface="Calibri" panose="020F0502020204030204" pitchFamily="34" charset="0"/>
@@ -19904,7 +20865,7 @@
                         </a:spcAft>
                       </a:pPr>
                       <a:r>
-                        <a:rPr lang="en-US" sz="1200">
+                        <a:rPr lang="en-US" sz="1200" dirty="0">
                           <a:effectLst/>
                           <a:latin typeface="Arial" panose="020B0604020202020204" pitchFamily="34" charset="0"/>
                           <a:ea typeface="Calibri" panose="020F0502020204030204" pitchFamily="34" charset="0"/>
@@ -19912,7 +20873,7 @@
                         </a:rPr>
                         <a:t>662</a:t>
                       </a:r>
-                      <a:endParaRPr lang="en-US" sz="1100">
+                      <a:endParaRPr lang="en-US" sz="1100" dirty="0">
                         <a:effectLst/>
                         <a:latin typeface="Calibri" panose="020F0502020204030204" pitchFamily="34" charset="0"/>
                         <a:ea typeface="Calibri" panose="020F0502020204030204" pitchFamily="34" charset="0"/>
@@ -19979,7 +20940,7 @@
                         </a:spcAft>
                       </a:pPr>
                       <a:r>
-                        <a:rPr lang="en-US" sz="1200">
+                        <a:rPr lang="en-US" sz="1200" dirty="0">
                           <a:effectLst/>
                           <a:latin typeface="Arial" panose="020B0604020202020204" pitchFamily="34" charset="0"/>
                           <a:ea typeface="Calibri" panose="020F0502020204030204" pitchFamily="34" charset="0"/>
@@ -19987,7 +20948,7 @@
                         </a:rPr>
                         <a:t>Cs-137</a:t>
                       </a:r>
-                      <a:endParaRPr lang="en-US" sz="1100">
+                      <a:endParaRPr lang="en-US" sz="1100" dirty="0">
                         <a:effectLst/>
                         <a:latin typeface="Calibri" panose="020F0502020204030204" pitchFamily="34" charset="0"/>
                         <a:ea typeface="Calibri" panose="020F0502020204030204" pitchFamily="34" charset="0"/>
@@ -20129,7 +21090,7 @@
                         </a:spcAft>
                       </a:pPr>
                       <a:r>
-                        <a:rPr lang="en-US" sz="1200">
+                        <a:rPr lang="en-US" sz="1200" dirty="0">
                           <a:effectLst/>
                           <a:latin typeface="Arial" panose="020B0604020202020204" pitchFamily="34" charset="0"/>
                           <a:ea typeface="Calibri" panose="020F0502020204030204" pitchFamily="34" charset="0"/>
@@ -20137,7 +21098,7 @@
                         </a:rPr>
                         <a:t>1362</a:t>
                       </a:r>
-                      <a:endParaRPr lang="en-US" sz="1100">
+                      <a:endParaRPr lang="en-US" sz="1100" dirty="0">
                         <a:effectLst/>
                         <a:latin typeface="Calibri" panose="020F0502020204030204" pitchFamily="34" charset="0"/>
                         <a:ea typeface="Calibri" panose="020F0502020204030204" pitchFamily="34" charset="0"/>
@@ -20206,7 +21167,7 @@
                         </a:spcAft>
                       </a:pPr>
                       <a:r>
-                        <a:rPr lang="en-US" sz="1200">
+                        <a:rPr lang="en-US" sz="1200" dirty="0">
                           <a:effectLst/>
                           <a:latin typeface="Arial" panose="020B0604020202020204" pitchFamily="34" charset="0"/>
                           <a:ea typeface="Calibri" panose="020F0502020204030204" pitchFamily="34" charset="0"/>
@@ -20214,7 +21175,7 @@
                         </a:rPr>
                         <a:t>898</a:t>
                       </a:r>
-                      <a:endParaRPr lang="en-US" sz="1100">
+                      <a:endParaRPr lang="en-US" sz="1100" dirty="0">
                         <a:effectLst/>
                         <a:latin typeface="Calibri" panose="020F0502020204030204" pitchFamily="34" charset="0"/>
                         <a:ea typeface="Calibri" panose="020F0502020204030204" pitchFamily="34" charset="0"/>
@@ -20281,7 +21242,7 @@
                         </a:spcAft>
                       </a:pPr>
                       <a:r>
-                        <a:rPr lang="en-US" sz="1200">
+                        <a:rPr lang="en-US" sz="1200" dirty="0">
                           <a:effectLst/>
                           <a:latin typeface="Arial" panose="020B0604020202020204" pitchFamily="34" charset="0"/>
                           <a:ea typeface="Calibri" panose="020F0502020204030204" pitchFamily="34" charset="0"/>
@@ -20289,7 +21250,7 @@
                         </a:rPr>
                         <a:t>Y-88</a:t>
                       </a:r>
-                      <a:endParaRPr lang="en-US" sz="1100">
+                      <a:endParaRPr lang="en-US" sz="1100" dirty="0">
                         <a:effectLst/>
                         <a:latin typeface="Calibri" panose="020F0502020204030204" pitchFamily="34" charset="0"/>
                         <a:ea typeface="Calibri" panose="020F0502020204030204" pitchFamily="34" charset="0"/>
@@ -20431,7 +21392,7 @@
                         </a:spcAft>
                       </a:pPr>
                       <a:r>
-                        <a:rPr lang="en-US" sz="1200">
+                        <a:rPr lang="en-US" sz="1200" dirty="0">
                           <a:effectLst/>
                           <a:latin typeface="Arial" panose="020B0604020202020204" pitchFamily="34" charset="0"/>
                           <a:ea typeface="Calibri" panose="020F0502020204030204" pitchFamily="34" charset="0"/>
@@ -20439,7 +21400,7 @@
                         </a:rPr>
                         <a:t>3347</a:t>
                       </a:r>
-                      <a:endParaRPr lang="en-US" sz="1100">
+                      <a:endParaRPr lang="en-US" sz="1100" dirty="0">
                         <a:effectLst/>
                         <a:latin typeface="Calibri" panose="020F0502020204030204" pitchFamily="34" charset="0"/>
                         <a:ea typeface="Calibri" panose="020F0502020204030204" pitchFamily="34" charset="0"/>
@@ -20508,7 +21469,7 @@
                         </a:spcAft>
                       </a:pPr>
                       <a:r>
-                        <a:rPr lang="en-US" sz="1200">
+                        <a:rPr lang="en-US" sz="1200" dirty="0">
                           <a:effectLst/>
                           <a:latin typeface="Arial" panose="020B0604020202020204" pitchFamily="34" charset="0"/>
                           <a:ea typeface="Calibri" panose="020F0502020204030204" pitchFamily="34" charset="0"/>
@@ -20516,7 +21477,7 @@
                         </a:rPr>
                         <a:t>1173</a:t>
                       </a:r>
-                      <a:endParaRPr lang="en-US" sz="1100">
+                      <a:endParaRPr lang="en-US" sz="1100" dirty="0">
                         <a:effectLst/>
                         <a:latin typeface="Calibri" panose="020F0502020204030204" pitchFamily="34" charset="0"/>
                         <a:ea typeface="Calibri" panose="020F0502020204030204" pitchFamily="34" charset="0"/>
@@ -20583,7 +21544,7 @@
                         </a:spcAft>
                       </a:pPr>
                       <a:r>
-                        <a:rPr lang="en-US" sz="1200">
+                        <a:rPr lang="en-US" sz="1200" dirty="0">
                           <a:effectLst/>
                           <a:latin typeface="Arial" panose="020B0604020202020204" pitchFamily="34" charset="0"/>
                           <a:ea typeface="Calibri" panose="020F0502020204030204" pitchFamily="34" charset="0"/>
@@ -20591,7 +21552,7 @@
                         </a:rPr>
                         <a:t>Co-60</a:t>
                       </a:r>
-                      <a:endParaRPr lang="en-US" sz="1100">
+                      <a:endParaRPr lang="en-US" sz="1100" dirty="0">
                         <a:effectLst/>
                         <a:latin typeface="Calibri" panose="020F0502020204030204" pitchFamily="34" charset="0"/>
                         <a:ea typeface="Calibri" panose="020F0502020204030204" pitchFamily="34" charset="0"/>
@@ -20810,7 +21771,7 @@
                         </a:spcAft>
                       </a:pPr>
                       <a:r>
-                        <a:rPr lang="en-US" sz="1200">
+                        <a:rPr lang="en-US" sz="1200" dirty="0">
                           <a:effectLst/>
                           <a:latin typeface="Arial" panose="020B0604020202020204" pitchFamily="34" charset="0"/>
                           <a:ea typeface="Calibri" panose="020F0502020204030204" pitchFamily="34" charset="0"/>
@@ -20818,7 +21779,7 @@
                         </a:rPr>
                         <a:t>1333</a:t>
                       </a:r>
-                      <a:endParaRPr lang="en-US" sz="1100">
+                      <a:endParaRPr lang="en-US" sz="1100" dirty="0">
                         <a:effectLst/>
                         <a:latin typeface="Calibri" panose="020F0502020204030204" pitchFamily="34" charset="0"/>
                         <a:ea typeface="Calibri" panose="020F0502020204030204" pitchFamily="34" charset="0"/>
@@ -20885,7 +21846,7 @@
                         </a:spcAft>
                       </a:pPr>
                       <a:r>
-                        <a:rPr lang="en-US" sz="1200">
+                        <a:rPr lang="en-US" sz="1200" dirty="0">
                           <a:effectLst/>
                           <a:latin typeface="Arial" panose="020B0604020202020204" pitchFamily="34" charset="0"/>
                           <a:ea typeface="Calibri" panose="020F0502020204030204" pitchFamily="34" charset="0"/>
@@ -20893,7 +21854,7 @@
                         </a:rPr>
                         <a:t>Co-60</a:t>
                       </a:r>
-                      <a:endParaRPr lang="en-US" sz="1100">
+                      <a:endParaRPr lang="en-US" sz="1100" dirty="0">
                         <a:effectLst/>
                         <a:latin typeface="Calibri" panose="020F0502020204030204" pitchFamily="34" charset="0"/>
                         <a:ea typeface="Calibri" panose="020F0502020204030204" pitchFamily="34" charset="0"/>
@@ -20960,7 +21921,7 @@
                         </a:spcAft>
                       </a:pPr>
                       <a:r>
-                        <a:rPr lang="en-US" sz="1200">
+                        <a:rPr lang="en-US" sz="1200" dirty="0">
                           <a:effectLst/>
                           <a:latin typeface="Arial" panose="020B0604020202020204" pitchFamily="34" charset="0"/>
                           <a:ea typeface="Calibri" panose="020F0502020204030204" pitchFamily="34" charset="0"/>
@@ -20968,7 +21929,7 @@
                         </a:rPr>
                         <a:t>0.05101</a:t>
                       </a:r>
-                      <a:endParaRPr lang="en-US" sz="1100">
+                      <a:endParaRPr lang="en-US" sz="1100" dirty="0">
                         <a:effectLst/>
                         <a:latin typeface="Calibri" panose="020F0502020204030204" pitchFamily="34" charset="0"/>
                         <a:ea typeface="Calibri" panose="020F0502020204030204" pitchFamily="34" charset="0"/>
@@ -21112,7 +22073,7 @@
                         </a:spcAft>
                       </a:pPr>
                       <a:r>
-                        <a:rPr lang="en-US" sz="1200">
+                        <a:rPr lang="en-US" sz="1200" dirty="0">
                           <a:effectLst/>
                           <a:latin typeface="Arial" panose="020B0604020202020204" pitchFamily="34" charset="0"/>
                           <a:ea typeface="Calibri" panose="020F0502020204030204" pitchFamily="34" charset="0"/>
@@ -21120,7 +22081,7 @@
                         </a:rPr>
                         <a:t>1836</a:t>
                       </a:r>
-                      <a:endParaRPr lang="en-US" sz="1100">
+                      <a:endParaRPr lang="en-US" sz="1100" dirty="0">
                         <a:effectLst/>
                         <a:latin typeface="Calibri" panose="020F0502020204030204" pitchFamily="34" charset="0"/>
                         <a:ea typeface="Calibri" panose="020F0502020204030204" pitchFamily="34" charset="0"/>
@@ -21187,7 +22148,7 @@
                         </a:spcAft>
                       </a:pPr>
                       <a:r>
-                        <a:rPr lang="en-US" sz="1200">
+                        <a:rPr lang="en-US" sz="1200" dirty="0">
                           <a:effectLst/>
                           <a:latin typeface="Arial" panose="020B0604020202020204" pitchFamily="34" charset="0"/>
                           <a:ea typeface="Calibri" panose="020F0502020204030204" pitchFamily="34" charset="0"/>
@@ -21195,7 +22156,7 @@
                         </a:rPr>
                         <a:t>Y-88</a:t>
                       </a:r>
-                      <a:endParaRPr lang="en-US" sz="1100">
+                      <a:endParaRPr lang="en-US" sz="1100" dirty="0">
                         <a:effectLst/>
                         <a:latin typeface="Calibri" panose="020F0502020204030204" pitchFamily="34" charset="0"/>
                         <a:ea typeface="Calibri" panose="020F0502020204030204" pitchFamily="34" charset="0"/>
@@ -21262,7 +22223,7 @@
                         </a:spcAft>
                       </a:pPr>
                       <a:r>
-                        <a:rPr lang="en-US" sz="1200">
+                        <a:rPr lang="en-US" sz="1200" dirty="0">
                           <a:effectLst/>
                           <a:latin typeface="Arial" panose="020B0604020202020204" pitchFamily="34" charset="0"/>
                           <a:ea typeface="Calibri" panose="020F0502020204030204" pitchFamily="34" charset="0"/>
@@ -21270,7 +22231,7 @@
                         </a:rPr>
                         <a:t>0.09622</a:t>
                       </a:r>
-                      <a:endParaRPr lang="en-US" sz="1100">
+                      <a:endParaRPr lang="en-US" sz="1100" dirty="0">
                         <a:effectLst/>
                         <a:latin typeface="Calibri" panose="020F0502020204030204" pitchFamily="34" charset="0"/>
                         <a:ea typeface="Calibri" panose="020F0502020204030204" pitchFamily="34" charset="0"/>

--- a/Report/HPGe_Automation Optimization_MCNP_Model.pptx
+++ b/Report/HPGe_Automation Optimization_MCNP_Model.pptx
@@ -29,12 +29,12 @@
     <p:sldId id="368" r:id="rId17"/>
     <p:sldId id="350" r:id="rId18"/>
     <p:sldId id="366" r:id="rId19"/>
-    <p:sldId id="369" r:id="rId20"/>
-    <p:sldId id="385" r:id="rId21"/>
-    <p:sldId id="384" r:id="rId22"/>
-    <p:sldId id="383" r:id="rId23"/>
-    <p:sldId id="376" r:id="rId24"/>
-    <p:sldId id="374" r:id="rId25"/>
+    <p:sldId id="383" r:id="rId20"/>
+    <p:sldId id="384" r:id="rId21"/>
+    <p:sldId id="385" r:id="rId22"/>
+    <p:sldId id="386" r:id="rId23"/>
+    <p:sldId id="387" r:id="rId24"/>
+    <p:sldId id="388" r:id="rId25"/>
     <p:sldId id="375" r:id="rId26"/>
     <p:sldId id="378" r:id="rId27"/>
     <p:sldId id="379" r:id="rId28"/>
@@ -2100,7 +2100,7 @@
     </p:spTree>
     <p:extLst>
       <p:ext uri="{BB962C8B-B14F-4D97-AF65-F5344CB8AC3E}">
-        <p14:creationId xmlns:p14="http://schemas.microsoft.com/office/powerpoint/2010/main" val="3993471224"/>
+        <p14:creationId xmlns:p14="http://schemas.microsoft.com/office/powerpoint/2010/main" val="3700128986"/>
       </p:ext>
     </p:extLst>
   </p:cSld>
@@ -2356,7 +2356,7 @@
     </p:spTree>
     <p:extLst>
       <p:ext uri="{BB962C8B-B14F-4D97-AF65-F5344CB8AC3E}">
-        <p14:creationId xmlns:p14="http://schemas.microsoft.com/office/powerpoint/2010/main" val="1032211544"/>
+        <p14:creationId xmlns:p14="http://schemas.microsoft.com/office/powerpoint/2010/main" val="86822576"/>
       </p:ext>
     </p:extLst>
   </p:cSld>
@@ -2487,7 +2487,7 @@
     </p:spTree>
     <p:extLst>
       <p:ext uri="{BB962C8B-B14F-4D97-AF65-F5344CB8AC3E}">
-        <p14:creationId xmlns:p14="http://schemas.microsoft.com/office/powerpoint/2010/main" val="4054314746"/>
+        <p14:creationId xmlns:p14="http://schemas.microsoft.com/office/powerpoint/2010/main" val="3872265667"/>
       </p:ext>
     </p:extLst>
   </p:cSld>
@@ -2577,7 +2577,7 @@
     </p:spTree>
     <p:extLst>
       <p:ext uri="{BB962C8B-B14F-4D97-AF65-F5344CB8AC3E}">
-        <p14:creationId xmlns:p14="http://schemas.microsoft.com/office/powerpoint/2010/main" val="4218212638"/>
+        <p14:creationId xmlns:p14="http://schemas.microsoft.com/office/powerpoint/2010/main" val="917558587"/>
       </p:ext>
     </p:extLst>
   </p:cSld>
@@ -2701,7 +2701,7 @@
     </p:spTree>
     <p:extLst>
       <p:ext uri="{BB962C8B-B14F-4D97-AF65-F5344CB8AC3E}">
-        <p14:creationId xmlns:p14="http://schemas.microsoft.com/office/powerpoint/2010/main" val="3944561536"/>
+        <p14:creationId xmlns:p14="http://schemas.microsoft.com/office/powerpoint/2010/main" val="1582476"/>
       </p:ext>
     </p:extLst>
   </p:cSld>
@@ -12943,16 +12943,11 @@
               <a:rPr lang="en-US" dirty="0" smtClean="0"/>
               <a:t>Python</a:t>
             </a:r>
-            <a:endParaRPr lang="en-US" dirty="0" smtClean="0"/>
           </a:p>
           <a:p>
             <a:r>
               <a:rPr lang="en-US" dirty="0" smtClean="0"/>
-              <a:t>How-to </a:t>
-            </a:r>
-            <a:r>
-              <a:rPr lang="en-US" dirty="0" smtClean="0"/>
-              <a:t>run</a:t>
+              <a:t>How-to run</a:t>
             </a:r>
           </a:p>
           <a:p>
@@ -13051,15 +13046,7 @@
                   <a:srgbClr val="000066"/>
                 </a:solidFill>
               </a:rPr>
-              <a:t>Developer </a:t>
-            </a:r>
-            <a:r>
-              <a:rPr lang="en-US" dirty="0" smtClean="0">
-                <a:solidFill>
-                  <a:srgbClr val="000066"/>
-                </a:solidFill>
-              </a:rPr>
-              <a:t>Environment</a:t>
+              <a:t>Developer Environment</a:t>
             </a:r>
             <a:endParaRPr lang="en-US" dirty="0">
               <a:solidFill>
@@ -13101,7 +13088,7 @@
     </p:spTree>
     <p:extLst>
       <p:ext uri="{BB962C8B-B14F-4D97-AF65-F5344CB8AC3E}">
-        <p14:creationId xmlns:p14="http://schemas.microsoft.com/office/powerpoint/2010/main" val="803912783"/>
+        <p14:creationId xmlns:p14="http://schemas.microsoft.com/office/powerpoint/2010/main" val="3789533624"/>
       </p:ext>
     </p:extLst>
   </p:cSld>
@@ -14183,7 +14170,7 @@
     </p:spTree>
     <p:extLst>
       <p:ext uri="{BB962C8B-B14F-4D97-AF65-F5344CB8AC3E}">
-        <p14:creationId xmlns:p14="http://schemas.microsoft.com/office/powerpoint/2010/main" val="1188886772"/>
+        <p14:creationId xmlns:p14="http://schemas.microsoft.com/office/powerpoint/2010/main" val="586325814"/>
       </p:ext>
     </p:extLst>
   </p:cSld>
@@ -14398,7 +14385,7 @@
     </p:spTree>
     <p:extLst>
       <p:ext uri="{BB962C8B-B14F-4D97-AF65-F5344CB8AC3E}">
-        <p14:creationId xmlns:p14="http://schemas.microsoft.com/office/powerpoint/2010/main" val="273159892"/>
+        <p14:creationId xmlns:p14="http://schemas.microsoft.com/office/powerpoint/2010/main" val="2856934394"/>
       </p:ext>
     </p:extLst>
   </p:cSld>
@@ -14761,11 +14748,7 @@
             <a:graphicFrameLocks noGrp="1"/>
           </p:cNvGraphicFramePr>
           <p:nvPr>
-            <p:extLst>
-              <p:ext uri="{D42A27DB-BD31-4B8C-83A1-F6EECF244321}">
-                <p14:modId xmlns:p14="http://schemas.microsoft.com/office/powerpoint/2010/main" val="759153248"/>
-              </p:ext>
-            </p:extLst>
+            <p:extLst/>
           </p:nvPr>
         </p:nvGraphicFramePr>
         <p:xfrm>
@@ -17635,7 +17618,7 @@
     </p:spTree>
     <p:extLst>
       <p:ext uri="{BB962C8B-B14F-4D97-AF65-F5344CB8AC3E}">
-        <p14:creationId xmlns:p14="http://schemas.microsoft.com/office/powerpoint/2010/main" val="1791457474"/>
+        <p14:creationId xmlns:p14="http://schemas.microsoft.com/office/powerpoint/2010/main" val="41751206"/>
       </p:ext>
     </p:extLst>
   </p:cSld>
@@ -17809,7 +17792,7 @@
     </p:spTree>
     <p:extLst>
       <p:ext uri="{BB962C8B-B14F-4D97-AF65-F5344CB8AC3E}">
-        <p14:creationId xmlns:p14="http://schemas.microsoft.com/office/powerpoint/2010/main" val="3642384374"/>
+        <p14:creationId xmlns:p14="http://schemas.microsoft.com/office/powerpoint/2010/main" val="1262739419"/>
       </p:ext>
     </p:extLst>
   </p:cSld>
@@ -17941,11 +17924,7 @@
             <a:graphicFrameLocks noChangeAspect="1"/>
           </p:cNvGraphicFramePr>
           <p:nvPr>
-            <p:extLst>
-              <p:ext uri="{D42A27DB-BD31-4B8C-83A1-F6EECF244321}">
-                <p14:modId xmlns:p14="http://schemas.microsoft.com/office/powerpoint/2010/main" val="2622408161"/>
-              </p:ext>
-            </p:extLst>
+            <p:extLst/>
           </p:nvPr>
         </p:nvGraphicFramePr>
         <p:xfrm>
@@ -17956,12 +17935,12 @@
           <a:graphicData uri="http://schemas.openxmlformats.org/presentationml/2006/ole">
             <mc:AlternateContent xmlns:mc="http://schemas.openxmlformats.org/markup-compatibility/2006">
               <mc:Choice xmlns:v="urn:schemas-microsoft-com:vml" Requires="v">
-                <p:oleObj spid="_x0000_s1056" name="Worksheet" r:id="rId4" imgW="7324560" imgH="5915025" progId="Excel.Sheet.12">
+                <p:oleObj spid="_x0000_s2050" name="Worksheet" r:id="rId5" imgW="7324560" imgH="5915025" progId="Excel.Sheet.12">
                   <p:embed/>
                 </p:oleObj>
               </mc:Choice>
               <mc:Fallback>
-                <p:oleObj name="Worksheet" r:id="rId4" imgW="7324560" imgH="5915025" progId="Excel.Sheet.12">
+                <p:oleObj name="Worksheet" r:id="rId5" imgW="7324560" imgH="5915025" progId="Excel.Sheet.12">
                   <p:embed/>
                   <p:pic>
                     <p:nvPicPr>
@@ -17970,7 +17949,7 @@
                       <p:nvPr/>
                     </p:nvPicPr>
                     <p:blipFill>
-                      <a:blip r:embed="rId5"/>
+                      <a:blip r:embed="rId6"/>
                       <a:stretch>
                         <a:fillRect/>
                       </a:stretch>
@@ -17994,7 +17973,7 @@
     </p:spTree>
     <p:extLst>
       <p:ext uri="{BB962C8B-B14F-4D97-AF65-F5344CB8AC3E}">
-        <p14:creationId xmlns:p14="http://schemas.microsoft.com/office/powerpoint/2010/main" val="1850464686"/>
+        <p14:creationId xmlns:p14="http://schemas.microsoft.com/office/powerpoint/2010/main" val="3975473375"/>
       </p:ext>
     </p:extLst>
   </p:cSld>

--- a/Report/HPGe_Automation Optimization_MCNP_Model.pptx
+++ b/Report/HPGe_Automation Optimization_MCNP_Model.pptx
@@ -5,10 +5,10 @@
     <p:sldMasterId id="2147483660" r:id="rId1"/>
   </p:sldMasterIdLst>
   <p:notesMasterIdLst>
-    <p:notesMasterId r:id="rId39"/>
+    <p:notesMasterId r:id="rId41"/>
   </p:notesMasterIdLst>
   <p:handoutMasterIdLst>
-    <p:handoutMasterId r:id="rId40"/>
+    <p:handoutMasterId r:id="rId42"/>
   </p:handoutMasterIdLst>
   <p:sldIdLst>
     <p:sldId id="256" r:id="rId2"/>
@@ -30,24 +30,26 @@
     <p:sldId id="350" r:id="rId18"/>
     <p:sldId id="366" r:id="rId19"/>
     <p:sldId id="383" r:id="rId20"/>
-    <p:sldId id="384" r:id="rId21"/>
-    <p:sldId id="385" r:id="rId22"/>
-    <p:sldId id="386" r:id="rId23"/>
-    <p:sldId id="387" r:id="rId24"/>
-    <p:sldId id="388" r:id="rId25"/>
-    <p:sldId id="375" r:id="rId26"/>
-    <p:sldId id="378" r:id="rId27"/>
-    <p:sldId id="379" r:id="rId28"/>
-    <p:sldId id="380" r:id="rId29"/>
-    <p:sldId id="381" r:id="rId30"/>
-    <p:sldId id="382" r:id="rId31"/>
-    <p:sldId id="370" r:id="rId32"/>
-    <p:sldId id="372" r:id="rId33"/>
-    <p:sldId id="371" r:id="rId34"/>
-    <p:sldId id="373" r:id="rId35"/>
-    <p:sldId id="351" r:id="rId36"/>
-    <p:sldId id="353" r:id="rId37"/>
-    <p:sldId id="349" r:id="rId38"/>
+    <p:sldId id="385" r:id="rId21"/>
+    <p:sldId id="389" r:id="rId22"/>
+    <p:sldId id="390" r:id="rId23"/>
+    <p:sldId id="384" r:id="rId24"/>
+    <p:sldId id="386" r:id="rId25"/>
+    <p:sldId id="387" r:id="rId26"/>
+    <p:sldId id="388" r:id="rId27"/>
+    <p:sldId id="375" r:id="rId28"/>
+    <p:sldId id="378" r:id="rId29"/>
+    <p:sldId id="379" r:id="rId30"/>
+    <p:sldId id="380" r:id="rId31"/>
+    <p:sldId id="381" r:id="rId32"/>
+    <p:sldId id="382" r:id="rId33"/>
+    <p:sldId id="370" r:id="rId34"/>
+    <p:sldId id="372" r:id="rId35"/>
+    <p:sldId id="371" r:id="rId36"/>
+    <p:sldId id="373" r:id="rId37"/>
+    <p:sldId id="351" r:id="rId38"/>
+    <p:sldId id="353" r:id="rId39"/>
+    <p:sldId id="349" r:id="rId40"/>
   </p:sldIdLst>
   <p:sldSz cx="9144000" cy="6858000" type="screen4x3"/>
   <p:notesSz cx="7010400" cy="9296400"/>
@@ -221,6 +223,10 @@
 </p:cmAuthorLst>
 </file>
 
+<file path=ppt/revisionInfo.xml><?xml version="1.0" encoding="utf-8"?>
+<p1510:revInfo xmlns:a="http://schemas.openxmlformats.org/drawingml/2006/main" xmlns:r="http://schemas.openxmlformats.org/officeDocument/2006/relationships" xmlns:p1510="http://schemas.microsoft.com/office/powerpoint/2015/10/main"/>
+</file>
+
 <file path=ppt/comments/comment1.xml><?xml version="1.0" encoding="utf-8"?>
 <p:cmLst xmlns:a="http://schemas.openxmlformats.org/drawingml/2006/main" xmlns:r="http://schemas.openxmlformats.org/officeDocument/2006/relationships" xmlns:p="http://schemas.openxmlformats.org/presentationml/2006/main">
   <p:cm authorId="1" dt="2017-12-02T11:02:16.141" idx="1">
@@ -326,7 +332,7 @@
               <a:pPr>
                 <a:defRPr/>
               </a:pPr>
-              <a:t>12/5/2017</a:t>
+              <a:t>12/6/2017</a:t>
             </a:fld>
             <a:endParaRPr lang="en-US" dirty="0"/>
           </a:p>
@@ -527,7 +533,7 @@
               <a:pPr>
                 <a:defRPr/>
               </a:pPr>
-              <a:t>12/5/2017</a:t>
+              <a:t>12/6/2017</a:t>
             </a:fld>
             <a:endParaRPr lang="en-US" dirty="0"/>
           </a:p>
@@ -915,11 +921,11 @@
           <a:lstStyle/>
           <a:p>
             <a:r>
-              <a:rPr lang="en-US" dirty="0" err="1" smtClean="0"/>
+              <a:rPr lang="en-US" dirty="0" err="1"/>
               <a:t>HPGes</a:t>
             </a:r>
             <a:r>
-              <a:rPr lang="en-US" dirty="0" smtClean="0"/>
+              <a:rPr lang="en-US" dirty="0"/>
               <a:t>/Applications</a:t>
             </a:r>
           </a:p>
@@ -929,11 +935,11 @@
               <a:buChar char="-"/>
             </a:pPr>
             <a:r>
-              <a:rPr lang="en-US" dirty="0" err="1" smtClean="0"/>
+              <a:rPr lang="en-US" dirty="0" err="1"/>
               <a:t>NucE</a:t>
             </a:r>
             <a:r>
-              <a:rPr lang="en-US" dirty="0" smtClean="0"/>
+              <a:rPr lang="en-US" dirty="0"/>
               <a:t> world modeling for everything</a:t>
             </a:r>
           </a:p>
@@ -943,11 +949,11 @@
               <a:buChar char="-"/>
             </a:pPr>
             <a:r>
-              <a:rPr lang="en-US" dirty="0" smtClean="0"/>
+              <a:rPr lang="en-US" dirty="0"/>
               <a:t>Some</a:t>
             </a:r>
             <a:r>
-              <a:rPr lang="en-US" baseline="0" dirty="0" smtClean="0"/>
+              <a:rPr lang="en-US" baseline="0" dirty="0"/>
               <a:t> sources are hard to predict, models provide insight to make intelligent experimental decisions, cut costs, plausibility</a:t>
             </a:r>
           </a:p>
@@ -957,7 +963,7 @@
               <a:buChar char="-"/>
             </a:pPr>
             <a:r>
-              <a:rPr lang="en-US" baseline="0" dirty="0" smtClean="0"/>
+              <a:rPr lang="en-US" baseline="0" dirty="0"/>
               <a:t>Raise flags on possible detector issues</a:t>
             </a:r>
           </a:p>
@@ -967,7 +973,7 @@
               <a:buChar char="-"/>
             </a:pPr>
             <a:r>
-              <a:rPr lang="en-US" baseline="0" dirty="0" smtClean="0"/>
+              <a:rPr lang="en-US" baseline="0" dirty="0"/>
               <a:t>Future template for future exp. With this detector</a:t>
             </a:r>
           </a:p>
@@ -1060,16 +1066,16 @@
           <a:lstStyle/>
           <a:p>
             <a:r>
-              <a:rPr lang="en-US" dirty="0" smtClean="0"/>
+              <a:rPr lang="en-US" dirty="0"/>
               <a:t>Spec sheet: nominal</a:t>
             </a:r>
             <a:r>
-              <a:rPr lang="en-US" baseline="0" dirty="0" smtClean="0"/>
+              <a:rPr lang="en-US" baseline="0" dirty="0"/>
               <a:t> values/polishing effects</a:t>
             </a:r>
           </a:p>
           <a:p>
-            <a:endParaRPr lang="en-US" dirty="0" smtClean="0"/>
+            <a:endParaRPr lang="en-US" dirty="0"/>
           </a:p>
           <a:p>
             <a:pPr marL="171450" indent="-171450">
@@ -1077,11 +1083,11 @@
               <a:buChar char="-"/>
             </a:pPr>
             <a:r>
-              <a:rPr lang="en-US" dirty="0" smtClean="0"/>
+              <a:rPr lang="en-US" dirty="0"/>
               <a:t>Approximated</a:t>
             </a:r>
             <a:r>
-              <a:rPr lang="en-US" baseline="0" dirty="0" smtClean="0"/>
+              <a:rPr lang="en-US" baseline="0" dirty="0"/>
               <a:t> clasp location/IR window layout</a:t>
             </a:r>
           </a:p>
@@ -1091,7 +1097,7 @@
               <a:buChar char="-"/>
             </a:pPr>
             <a:r>
-              <a:rPr lang="en-US" baseline="0" dirty="0" smtClean="0"/>
+              <a:rPr lang="en-US" baseline="0" dirty="0"/>
               <a:t>Ignored: Pin, Teflon, Power cables, top endcap clasp, rounded edges?</a:t>
             </a:r>
             <a:endParaRPr lang="en-US" dirty="0"/>
@@ -1185,16 +1191,15 @@
           <a:lstStyle/>
           <a:p>
             <a:r>
-              <a:rPr lang="en-US" dirty="0" smtClean="0"/>
+              <a:rPr lang="en-US" dirty="0"/>
               <a:t>Outer electrode – Lithium(n+)</a:t>
             </a:r>
           </a:p>
           <a:p>
             <a:r>
-              <a:rPr lang="en-US" dirty="0" smtClean="0"/>
+              <a:rPr lang="en-US" dirty="0"/>
               <a:t>Inner Electrode – Boron (p+)</a:t>
             </a:r>
-            <a:endParaRPr lang="en-US" dirty="0"/>
           </a:p>
         </p:txBody>
       </p:sp>
@@ -1285,11 +1290,11 @@
           <a:lstStyle/>
           <a:p>
             <a:r>
-              <a:rPr lang="en-US" dirty="0" smtClean="0"/>
+              <a:rPr lang="en-US" dirty="0"/>
               <a:t>**Aesthetic</a:t>
             </a:r>
             <a:r>
-              <a:rPr lang="en-US" baseline="0" dirty="0" smtClean="0"/>
+              <a:rPr lang="en-US" baseline="0" dirty="0"/>
               <a:t> Effect**</a:t>
             </a:r>
             <a:endParaRPr lang="en-US" dirty="0"/>
@@ -1383,21 +1388,21 @@
           <a:lstStyle/>
           <a:p>
             <a:r>
-              <a:rPr lang="en-US" dirty="0" smtClean="0"/>
+              <a:rPr lang="en-US" dirty="0"/>
               <a:t>Cylinders/Planes to simplify parameter/size adjustments</a:t>
             </a:r>
           </a:p>
           <a:p>
             <a:r>
-              <a:rPr lang="en-US" dirty="0" err="1" smtClean="0"/>
+              <a:rPr lang="en-US" dirty="0" err="1"/>
               <a:t>Interahcnageable</a:t>
             </a:r>
             <a:r>
-              <a:rPr lang="en-US" dirty="0" smtClean="0"/>
+              <a:rPr lang="en-US" dirty="0"/>
               <a:t> for future</a:t>
             </a:r>
             <a:r>
-              <a:rPr lang="en-US" baseline="0" dirty="0" smtClean="0"/>
+              <a:rPr lang="en-US" baseline="0" dirty="0"/>
               <a:t> models</a:t>
             </a:r>
             <a:endParaRPr lang="en-US" dirty="0"/>
@@ -1761,11 +1766,11 @@
           <a:lstStyle/>
           <a:p>
             <a:r>
-              <a:rPr lang="en-US" dirty="0" smtClean="0"/>
+              <a:rPr lang="en-US" dirty="0"/>
               <a:t>Cite manual, primer, and PNNL</a:t>
             </a:r>
             <a:r>
-              <a:rPr lang="en-US" baseline="0" dirty="0" smtClean="0"/>
+              <a:rPr lang="en-US" baseline="0" dirty="0"/>
               <a:t> materials</a:t>
             </a:r>
             <a:endParaRPr lang="en-US" dirty="0"/>
@@ -1950,64 +1955,64 @@
           <a:p>
             <a:pPr lvl="1"/>
             <a:r>
-              <a:rPr lang="en-US" dirty="0" err="1" smtClean="0"/>
+              <a:rPr lang="en-US" dirty="0" err="1"/>
               <a:t>InputDeck</a:t>
             </a:r>
             <a:r>
-              <a:rPr lang="en-US" dirty="0" smtClean="0"/>
+              <a:rPr lang="en-US" dirty="0"/>
               <a:t> – Location of the created MCNP Decks</a:t>
             </a:r>
           </a:p>
           <a:p>
             <a:pPr lvl="1"/>
             <a:r>
-              <a:rPr lang="en-US" dirty="0" err="1" smtClean="0"/>
+              <a:rPr lang="en-US" dirty="0" err="1"/>
               <a:t>MCNP_Ouput</a:t>
             </a:r>
             <a:r>
-              <a:rPr lang="en-US" dirty="0" smtClean="0"/>
+              <a:rPr lang="en-US" dirty="0"/>
               <a:t> – Location of the created data</a:t>
             </a:r>
           </a:p>
           <a:p>
             <a:pPr lvl="1"/>
             <a:r>
-              <a:rPr lang="en-US" dirty="0" smtClean="0"/>
+              <a:rPr lang="en-US" dirty="0"/>
               <a:t>Model – Location of the user created MCNP deck</a:t>
             </a:r>
           </a:p>
           <a:p>
             <a:pPr lvl="2"/>
             <a:r>
-              <a:rPr lang="en-US" dirty="0" smtClean="0"/>
+              <a:rPr lang="en-US" dirty="0"/>
               <a:t>Experimental Data</a:t>
             </a:r>
           </a:p>
           <a:p>
             <a:pPr lvl="2"/>
             <a:r>
-              <a:rPr lang="en-US" dirty="0" err="1" smtClean="0"/>
+              <a:rPr lang="en-US" dirty="0" err="1"/>
               <a:t>FilestoMerge</a:t>
             </a:r>
-            <a:endParaRPr lang="en-US" dirty="0" smtClean="0"/>
+            <a:endParaRPr lang="en-US" dirty="0"/>
           </a:p>
           <a:p>
             <a:r>
-              <a:rPr lang="en-US" dirty="0" smtClean="0"/>
+              <a:rPr lang="en-US" dirty="0"/>
               <a:t>Required Software:</a:t>
             </a:r>
           </a:p>
           <a:p>
             <a:pPr lvl="1"/>
             <a:r>
-              <a:rPr lang="en-US" dirty="0" smtClean="0"/>
+              <a:rPr lang="en-US" dirty="0"/>
               <a:t>MCNP - 6</a:t>
             </a:r>
           </a:p>
           <a:p>
             <a:pPr lvl="1"/>
             <a:r>
-              <a:rPr lang="en-US" dirty="0" smtClean="0"/>
+              <a:rPr lang="en-US" dirty="0"/>
               <a:t>Python – 3</a:t>
             </a:r>
           </a:p>
@@ -2030,11 +2035,11 @@
               <a:defRPr/>
             </a:pPr>
             <a:r>
-              <a:rPr lang="en-US" dirty="0" smtClean="0"/>
+              <a:rPr lang="en-US" dirty="0"/>
               <a:t>How-to run -  Known working</a:t>
             </a:r>
             <a:r>
-              <a:rPr lang="en-US" baseline="0" dirty="0" smtClean="0"/>
+              <a:rPr lang="en-US" baseline="0" dirty="0"/>
               <a:t> with python installed on local C:  double click the StartAutomaton.bat</a:t>
             </a:r>
           </a:p>
@@ -2057,14 +2062,14 @@
               <a:defRPr/>
             </a:pPr>
             <a:r>
-              <a:rPr lang="en-US" baseline="0" dirty="0" smtClean="0"/>
+              <a:rPr lang="en-US" baseline="0" dirty="0"/>
               <a:t>Otherwise use favorite IDE and run the python script</a:t>
             </a:r>
-            <a:endParaRPr lang="en-US" dirty="0" smtClean="0"/>
+            <a:endParaRPr lang="en-US" dirty="0"/>
           </a:p>
           <a:p>
             <a:pPr lvl="1"/>
-            <a:endParaRPr lang="en-US" dirty="0" smtClean="0"/>
+            <a:endParaRPr lang="en-US" dirty="0"/>
           </a:p>
         </p:txBody>
       </p:sp>
@@ -2155,19 +2160,19 @@
           <a:lstStyle/>
           <a:p>
             <a:r>
-              <a:rPr lang="en-US" dirty="0" smtClean="0"/>
+              <a:rPr lang="en-US" dirty="0"/>
               <a:t>Goals,</a:t>
             </a:r>
             <a:r>
-              <a:rPr lang="en-US" baseline="0" dirty="0" smtClean="0"/>
+              <a:rPr lang="en-US" baseline="0" dirty="0"/>
               <a:t> Lit, </a:t>
             </a:r>
             <a:r>
-              <a:rPr lang="en-US" baseline="0" dirty="0" err="1" smtClean="0"/>
+              <a:rPr lang="en-US" baseline="0" dirty="0" err="1"/>
               <a:t>Exp</a:t>
             </a:r>
             <a:r>
-              <a:rPr lang="en-US" baseline="0" dirty="0" smtClean="0"/>
+              <a:rPr lang="en-US" baseline="0" dirty="0"/>
               <a:t>, Model, optimize, results, conc.</a:t>
             </a:r>
             <a:endParaRPr lang="en-US" dirty="0"/>
@@ -2260,67 +2265,48 @@
           <a:bodyPr/>
           <a:lstStyle/>
           <a:p>
-            <a:pPr lvl="1"/>
             <a:r>
-              <a:rPr lang="en-US" dirty="0" smtClean="0"/>
-              <a:t>Even</a:t>
+              <a:rPr lang="en-US" dirty="0"/>
+              <a:t>This is the code</a:t>
             </a:r>
             <a:r>
-              <a:rPr lang="en-US" baseline="0" dirty="0" smtClean="0"/>
-              <a:t> if the user wants to simply duplicate running this file they will need to alter the runMCNP.bat with their </a:t>
+              <a:rPr lang="en-US" baseline="0" dirty="0"/>
+              <a:t> frequency, just to give some insight on how much was done. It is bloated a little bit since it is probably counting the Data Output files</a:t>
+            </a:r>
+          </a:p>
+          <a:p>
+            <a:endParaRPr lang="en-US" baseline="0" dirty="0"/>
+          </a:p>
+          <a:p>
+            <a:pPr marL="0" marR="0" lvl="0" indent="0" algn="l" defTabSz="914400" rtl="0" eaLnBrk="0" fontAlgn="base" latinLnBrk="0" hangingPunct="0">
+              <a:lnSpc>
+                <a:spcPct val="100000"/>
+              </a:lnSpc>
+              <a:spcBef>
+                <a:spcPct val="30000"/>
+              </a:spcBef>
+              <a:spcAft>
+                <a:spcPct val="0"/>
+              </a:spcAft>
+              <a:buClrTx/>
+              <a:buSzTx/>
+              <a:buFontTx/>
+              <a:buNone/>
+              <a:tabLst/>
+              <a:defRPr/>
+            </a:pPr>
+            <a:r>
+              <a:rPr lang="en-US" dirty="0"/>
+              <a:t>Simple sweet</a:t>
             </a:r>
             <a:r>
-              <a:rPr lang="en-US" baseline="0" dirty="0" err="1" smtClean="0"/>
-              <a:t>datapath</a:t>
+              <a:rPr lang="en-US" baseline="0" dirty="0"/>
+              <a:t> and to the point. The created values are from 1] the iteration range and 2] the best value out of the previous parameter results, based on lowest Chi Squared value currently.</a:t>
             </a:r>
-            <a:r>
-              <a:rPr lang="en-US" baseline="0" dirty="0" smtClean="0"/>
-              <a:t> to their </a:t>
-            </a:r>
-            <a:r>
-              <a:rPr lang="en-US" baseline="0" dirty="0" err="1" smtClean="0"/>
-              <a:t>mcnp</a:t>
-            </a:r>
-            <a:r>
-              <a:rPr lang="en-US" baseline="0" dirty="0" smtClean="0"/>
-              <a:t> data and </a:t>
-            </a:r>
-            <a:r>
-              <a:rPr lang="en-US" baseline="0" dirty="0" err="1" smtClean="0"/>
-              <a:t>mcnp</a:t>
-            </a:r>
-            <a:r>
-              <a:rPr lang="en-US" baseline="0" dirty="0" smtClean="0"/>
-              <a:t> bin folders.</a:t>
-            </a:r>
-            <a:endParaRPr lang="en-US" dirty="0" smtClean="0"/>
-          </a:p>
-          <a:p>
-            <a:pPr lvl="1"/>
-            <a:endParaRPr lang="en-US" dirty="0" smtClean="0"/>
-          </a:p>
-          <a:p>
-            <a:pPr lvl="1"/>
-            <a:r>
-              <a:rPr lang="en-US" dirty="0" smtClean="0"/>
-              <a:t>First 100 lines of code involves</a:t>
-            </a:r>
-            <a:r>
-              <a:rPr lang="en-US" baseline="0" dirty="0" smtClean="0"/>
-              <a:t> heavy commentary and variables the user would have to alter.</a:t>
-            </a:r>
-          </a:p>
-          <a:p>
-            <a:pPr lvl="1"/>
-            <a:r>
-              <a:rPr lang="en-US" baseline="0" dirty="0" smtClean="0"/>
-              <a:t>The user also has to edit the runMCNP.bat file if they change the name for the </a:t>
-            </a:r>
-            <a:r>
-              <a:rPr lang="en-US" baseline="0" dirty="0" err="1" smtClean="0"/>
-              <a:t>mcnpModel</a:t>
-            </a:r>
-            <a:endParaRPr lang="en-US" dirty="0" smtClean="0"/>
+            <a:endParaRPr lang="en-US" dirty="0"/>
+          </a:p>
+          <a:p>
+            <a:endParaRPr lang="en-US" dirty="0"/>
           </a:p>
         </p:txBody>
       </p:sp>
@@ -2356,7 +2342,7 @@
     </p:spTree>
     <p:extLst>
       <p:ext uri="{BB962C8B-B14F-4D97-AF65-F5344CB8AC3E}">
-        <p14:creationId xmlns:p14="http://schemas.microsoft.com/office/powerpoint/2010/main" val="86822576"/>
+        <p14:creationId xmlns:p14="http://schemas.microsoft.com/office/powerpoint/2010/main" val="3872265667"/>
       </p:ext>
     </p:extLst>
   </p:cSld>
@@ -2410,47 +2396,66 @@
           <a:bodyPr/>
           <a:lstStyle/>
           <a:p>
+            <a:pPr lvl="1"/>
             <a:r>
-              <a:rPr lang="en-US" dirty="0" smtClean="0"/>
-              <a:t>This is the code</a:t>
+              <a:rPr lang="en-US" dirty="0"/>
+              <a:t>Even</a:t>
             </a:r>
             <a:r>
-              <a:rPr lang="en-US" baseline="0" dirty="0" smtClean="0"/>
-              <a:t> frequency, just to give some insight on how much was done. It is bloated a little bit since it is probably counting the Data Output files</a:t>
-            </a:r>
-          </a:p>
-          <a:p>
-            <a:endParaRPr lang="en-US" baseline="0" dirty="0" smtClean="0"/>
-          </a:p>
-          <a:p>
-            <a:pPr marL="0" marR="0" lvl="0" indent="0" algn="l" defTabSz="914400" rtl="0" eaLnBrk="0" fontAlgn="base" latinLnBrk="0" hangingPunct="0">
-              <a:lnSpc>
-                <a:spcPct val="100000"/>
-              </a:lnSpc>
-              <a:spcBef>
-                <a:spcPct val="30000"/>
-              </a:spcBef>
-              <a:spcAft>
-                <a:spcPct val="0"/>
-              </a:spcAft>
-              <a:buClrTx/>
-              <a:buSzTx/>
-              <a:buFontTx/>
-              <a:buNone/>
-              <a:tabLst/>
-              <a:defRPr/>
-            </a:pPr>
-            <a:r>
-              <a:rPr lang="en-US" dirty="0" smtClean="0"/>
-              <a:t>Simple sweet</a:t>
+              <a:rPr lang="en-US" baseline="0" dirty="0"/>
+              <a:t> if the user wants to simply duplicate running this file they will need to alter the runMCNP.bat with their </a:t>
             </a:r>
             <a:r>
-              <a:rPr lang="en-US" baseline="0" dirty="0" smtClean="0"/>
-              <a:t> and to the point. The created values are from 1] the iteration range and 2] the best value out of the previous parameter results, based on lowest Chi Squared value currently.</a:t>
+              <a:rPr lang="en-US" baseline="0" dirty="0" err="1"/>
+              <a:t>datapath</a:t>
             </a:r>
-            <a:endParaRPr lang="en-US" dirty="0" smtClean="0"/>
-          </a:p>
-          <a:p>
+            <a:r>
+              <a:rPr lang="en-US" baseline="0" dirty="0"/>
+              <a:t> to their </a:t>
+            </a:r>
+            <a:r>
+              <a:rPr lang="en-US" baseline="0" dirty="0" err="1"/>
+              <a:t>mcnp</a:t>
+            </a:r>
+            <a:r>
+              <a:rPr lang="en-US" baseline="0" dirty="0"/>
+              <a:t> data and </a:t>
+            </a:r>
+            <a:r>
+              <a:rPr lang="en-US" baseline="0" dirty="0" err="1"/>
+              <a:t>mcnp</a:t>
+            </a:r>
+            <a:r>
+              <a:rPr lang="en-US" baseline="0" dirty="0"/>
+              <a:t> bin folders.</a:t>
+            </a:r>
+            <a:endParaRPr lang="en-US" dirty="0"/>
+          </a:p>
+          <a:p>
+            <a:pPr lvl="1"/>
+            <a:endParaRPr lang="en-US" dirty="0"/>
+          </a:p>
+          <a:p>
+            <a:pPr lvl="1"/>
+            <a:r>
+              <a:rPr lang="en-US" dirty="0"/>
+              <a:t>First 100 lines of code involves</a:t>
+            </a:r>
+            <a:r>
+              <a:rPr lang="en-US" baseline="0" dirty="0"/>
+              <a:t> heavy commentary and variables the user would have to alter.</a:t>
+            </a:r>
+          </a:p>
+          <a:p>
+            <a:pPr lvl="1"/>
+            <a:r>
+              <a:rPr lang="en-US" baseline="0" dirty="0"/>
+              <a:t>The user also has to edit the runMCNP.bat file if they change the name for the </a:t>
+            </a:r>
+            <a:r>
+              <a:rPr lang="en-US" baseline="0" dirty="0" err="1"/>
+              <a:t>mcnpModel</a:t>
+            </a:r>
             <a:endParaRPr lang="en-US" dirty="0"/>
           </a:p>
         </p:txBody>
@@ -2478,7 +2483,7 @@
               <a:pPr>
                 <a:defRPr/>
               </a:pPr>
-              <a:t>21</a:t>
+              <a:t>23</a:t>
             </a:fld>
             <a:endParaRPr lang="en-US" dirty="0"/>
           </a:p>
@@ -2487,7 +2492,7 @@
     </p:spTree>
     <p:extLst>
       <p:ext uri="{BB962C8B-B14F-4D97-AF65-F5344CB8AC3E}">
-        <p14:creationId xmlns:p14="http://schemas.microsoft.com/office/powerpoint/2010/main" val="3872265667"/>
+        <p14:creationId xmlns:p14="http://schemas.microsoft.com/office/powerpoint/2010/main" val="86822576"/>
       </p:ext>
     </p:extLst>
   </p:cSld>
@@ -2568,7 +2573,7 @@
               <a:pPr>
                 <a:defRPr/>
               </a:pPr>
-              <a:t>22</a:t>
+              <a:t>24</a:t>
             </a:fld>
             <a:endParaRPr lang="en-US" dirty="0"/>
           </a:p>
@@ -2632,37 +2637,33 @@
           <a:lstStyle/>
           <a:p>
             <a:r>
-              <a:rPr lang="en-US" dirty="0" smtClean="0"/>
+              <a:rPr lang="en-US" dirty="0"/>
               <a:t>Include the data from before and after showing</a:t>
             </a:r>
             <a:r>
-              <a:rPr lang="en-US" baseline="0" dirty="0" smtClean="0"/>
+              <a:rPr lang="en-US" baseline="0" dirty="0"/>
               <a:t> how the default values are optimized somewhat. Also include the experimental data.</a:t>
             </a:r>
             <a:br>
-              <a:rPr lang="en-US" baseline="0" dirty="0" smtClean="0"/>
+              <a:rPr lang="en-US" baseline="0" dirty="0"/>
+            </a:br>
+            <a:br>
+              <a:rPr lang="en-US" baseline="0" dirty="0"/>
             </a:br>
             <a:r>
-              <a:rPr lang="en-US" baseline="0" dirty="0" smtClean="0"/>
-              <a:t/>
-            </a:r>
-            <a:br>
-              <a:rPr lang="en-US" baseline="0" dirty="0" smtClean="0"/>
-            </a:br>
-            <a:r>
-              <a:rPr lang="en-US" baseline="0" dirty="0" smtClean="0"/>
+              <a:rPr lang="en-US" baseline="0" dirty="0"/>
               <a:t>Used relative error since we were trying to get near identical values compared to the given experimental data</a:t>
             </a:r>
           </a:p>
           <a:p>
             <a:r>
-              <a:rPr lang="en-US" baseline="0" dirty="0" smtClean="0"/>
+              <a:rPr lang="en-US" baseline="0" dirty="0"/>
               <a:t>Used an average error to simply see if any progress was made without having to look line by line.</a:t>
             </a:r>
           </a:p>
           <a:p>
             <a:r>
-              <a:rPr lang="en-US" baseline="0" dirty="0" smtClean="0"/>
+              <a:rPr lang="en-US" baseline="0" dirty="0"/>
               <a:t>Used a Chi Squared value ……….?</a:t>
             </a:r>
             <a:endParaRPr lang="en-US" dirty="0"/>
@@ -2692,7 +2693,7 @@
               <a:pPr>
                 <a:defRPr/>
               </a:pPr>
-              <a:t>24</a:t>
+              <a:t>26</a:t>
             </a:fld>
             <a:endParaRPr lang="en-US" dirty="0"/>
           </a:p>
@@ -2756,11 +2757,11 @@
           <a:lstStyle/>
           <a:p>
             <a:r>
-              <a:rPr lang="en-US" dirty="0" smtClean="0"/>
+              <a:rPr lang="en-US" dirty="0"/>
               <a:t>Include all</a:t>
             </a:r>
             <a:r>
-              <a:rPr lang="en-US" baseline="0" dirty="0" smtClean="0"/>
+              <a:rPr lang="en-US" baseline="0" dirty="0"/>
               <a:t> the plots explain that these are showing our results in comparison with the given experimental results. Note that the plots were also automated in their creation.</a:t>
             </a:r>
             <a:endParaRPr lang="en-US" dirty="0"/>
@@ -2790,7 +2791,7 @@
               <a:pPr>
                 <a:defRPr/>
               </a:pPr>
-              <a:t>25</a:t>
+              <a:t>27</a:t>
             </a:fld>
             <a:endParaRPr lang="en-US" dirty="0"/>
           </a:p>
@@ -2854,11 +2855,11 @@
           <a:lstStyle/>
           <a:p>
             <a:r>
-              <a:rPr lang="en-US" dirty="0" smtClean="0"/>
+              <a:rPr lang="en-US" dirty="0"/>
               <a:t>Include all</a:t>
             </a:r>
             <a:r>
-              <a:rPr lang="en-US" baseline="0" dirty="0" smtClean="0"/>
+              <a:rPr lang="en-US" baseline="0" dirty="0"/>
               <a:t> the plots explain that these are showing our results in comparison with the given experimental results. Note that the plots were also automated in their creation.</a:t>
             </a:r>
             <a:endParaRPr lang="en-US" dirty="0"/>
@@ -2888,7 +2889,7 @@
               <a:pPr>
                 <a:defRPr/>
               </a:pPr>
-              <a:t>26</a:t>
+              <a:t>28</a:t>
             </a:fld>
             <a:endParaRPr lang="en-US" dirty="0"/>
           </a:p>
@@ -2952,11 +2953,11 @@
           <a:lstStyle/>
           <a:p>
             <a:r>
-              <a:rPr lang="en-US" dirty="0" smtClean="0"/>
+              <a:rPr lang="en-US" dirty="0"/>
               <a:t>Include all</a:t>
             </a:r>
             <a:r>
-              <a:rPr lang="en-US" baseline="0" dirty="0" smtClean="0"/>
+              <a:rPr lang="en-US" baseline="0" dirty="0"/>
               <a:t> the plots explain that these are showing our results in comparison with the given experimental results. Note that the plots were also automated in their creation.</a:t>
             </a:r>
             <a:endParaRPr lang="en-US" dirty="0"/>
@@ -2986,7 +2987,7 @@
               <a:pPr>
                 <a:defRPr/>
               </a:pPr>
-              <a:t>27</a:t>
+              <a:t>29</a:t>
             </a:fld>
             <a:endParaRPr lang="en-US" dirty="0"/>
           </a:p>
@@ -3050,11 +3051,11 @@
           <a:lstStyle/>
           <a:p>
             <a:r>
-              <a:rPr lang="en-US" dirty="0" smtClean="0"/>
+              <a:rPr lang="en-US" dirty="0"/>
               <a:t>Include all</a:t>
             </a:r>
             <a:r>
-              <a:rPr lang="en-US" baseline="0" dirty="0" smtClean="0"/>
+              <a:rPr lang="en-US" baseline="0" dirty="0"/>
               <a:t> the plots explain that these are showing our results in comparison with the given experimental results. Note that the plots were also automated in their creation.</a:t>
             </a:r>
             <a:endParaRPr lang="en-US" dirty="0"/>
@@ -3084,7 +3085,7 @@
               <a:pPr>
                 <a:defRPr/>
               </a:pPr>
-              <a:t>28</a:t>
+              <a:t>30</a:t>
             </a:fld>
             <a:endParaRPr lang="en-US" dirty="0"/>
           </a:p>
@@ -3148,11 +3149,11 @@
           <a:lstStyle/>
           <a:p>
             <a:r>
-              <a:rPr lang="en-US" dirty="0" smtClean="0"/>
+              <a:rPr lang="en-US" dirty="0"/>
               <a:t>Include all</a:t>
             </a:r>
             <a:r>
-              <a:rPr lang="en-US" baseline="0" dirty="0" smtClean="0"/>
+              <a:rPr lang="en-US" baseline="0" dirty="0"/>
               <a:t> the plots explain that these are showing our results in comparison with the given experimental results. Note that the plots were also automated in their creation.</a:t>
             </a:r>
             <a:endParaRPr lang="en-US" dirty="0"/>
@@ -3182,7 +3183,7 @@
               <a:pPr>
                 <a:defRPr/>
               </a:pPr>
-              <a:t>29</a:t>
+              <a:t>31</a:t>
             </a:fld>
             <a:endParaRPr lang="en-US" dirty="0"/>
           </a:p>
@@ -3246,11 +3247,11 @@
           <a:lstStyle/>
           <a:p>
             <a:r>
-              <a:rPr lang="en-US" dirty="0" smtClean="0"/>
+              <a:rPr lang="en-US" dirty="0"/>
               <a:t>Include all</a:t>
             </a:r>
             <a:r>
-              <a:rPr lang="en-US" baseline="0" dirty="0" smtClean="0"/>
+              <a:rPr lang="en-US" baseline="0" dirty="0"/>
               <a:t> the plots explain that these are showing our results in comparison with the given experimental results. Note that the plots were also automated in their creation.</a:t>
             </a:r>
             <a:endParaRPr lang="en-US" dirty="0"/>
@@ -3280,7 +3281,7 @@
               <a:pPr>
                 <a:defRPr/>
               </a:pPr>
-              <a:t>30</a:t>
+              <a:t>32</a:t>
             </a:fld>
             <a:endParaRPr lang="en-US" dirty="0"/>
           </a:p>
@@ -3348,7 +3349,7 @@
               <a:buChar char="-"/>
             </a:pPr>
             <a:r>
-              <a:rPr lang="en-US" dirty="0" smtClean="0"/>
+              <a:rPr lang="en-US" dirty="0"/>
               <a:t>Model</a:t>
             </a:r>
           </a:p>
@@ -3358,18 +3359,18 @@
               <a:buChar char="-"/>
             </a:pPr>
             <a:r>
-              <a:rPr lang="en-US" dirty="0" smtClean="0"/>
+              <a:rPr lang="en-US" dirty="0"/>
               <a:t>Automated</a:t>
             </a:r>
             <a:r>
-              <a:rPr lang="en-US" baseline="0" dirty="0" smtClean="0"/>
+              <a:rPr lang="en-US" baseline="0" dirty="0"/>
               <a:t> </a:t>
             </a:r>
             <a:r>
-              <a:rPr lang="en-US" baseline="0" dirty="0" err="1" smtClean="0"/>
+              <a:rPr lang="en-US" baseline="0" dirty="0" err="1"/>
               <a:t>Opitmizaiton</a:t>
             </a:r>
-            <a:endParaRPr lang="en-US" baseline="0" dirty="0" smtClean="0"/>
+            <a:endParaRPr lang="en-US" baseline="0" dirty="0"/>
           </a:p>
           <a:p>
             <a:pPr marL="171450" indent="-171450">
@@ -3377,19 +3378,19 @@
               <a:buChar char="-"/>
             </a:pPr>
             <a:r>
-              <a:rPr lang="en-US" baseline="0" dirty="0" smtClean="0"/>
+              <a:rPr lang="en-US" baseline="0" dirty="0"/>
               <a:t>ADVANTG </a:t>
             </a:r>
             <a:r>
-              <a:rPr lang="en-US" baseline="0" dirty="0" err="1" smtClean="0"/>
+              <a:rPr lang="en-US" baseline="0" dirty="0" err="1"/>
               <a:t>adjoint</a:t>
             </a:r>
             <a:r>
-              <a:rPr lang="en-US" baseline="0" dirty="0" smtClean="0"/>
+              <a:rPr lang="en-US" baseline="0" dirty="0"/>
               <a:t> Flux </a:t>
             </a:r>
             <a:r>
-              <a:rPr lang="en-US" baseline="0" dirty="0" err="1" smtClean="0"/>
+              <a:rPr lang="en-US" baseline="0" dirty="0" err="1"/>
               <a:t>calc</a:t>
             </a:r>
             <a:endParaRPr lang="en-US" dirty="0"/>
@@ -3487,11 +3488,11 @@
               <a:buChar char="-"/>
             </a:pPr>
             <a:r>
-              <a:rPr lang="en-US" dirty="0" smtClean="0"/>
+              <a:rPr lang="en-US" dirty="0"/>
               <a:t>Lower energy</a:t>
             </a:r>
             <a:r>
-              <a:rPr lang="en-US" baseline="0" dirty="0" smtClean="0"/>
+              <a:rPr lang="en-US" baseline="0" dirty="0"/>
               <a:t> photons are more sensitive to attenuation</a:t>
             </a:r>
           </a:p>
@@ -3501,15 +3502,15 @@
               <a:buChar char="-"/>
             </a:pPr>
             <a:r>
-              <a:rPr lang="en-US" baseline="0" dirty="0" smtClean="0"/>
+              <a:rPr lang="en-US" baseline="0" dirty="0"/>
               <a:t>Between 200-500 </a:t>
             </a:r>
             <a:r>
-              <a:rPr lang="en-US" baseline="0" dirty="0" err="1" smtClean="0"/>
+              <a:rPr lang="en-US" baseline="0" dirty="0" err="1"/>
               <a:t>keV</a:t>
             </a:r>
             <a:r>
-              <a:rPr lang="en-US" baseline="0" dirty="0" smtClean="0"/>
+              <a:rPr lang="en-US" baseline="0" dirty="0"/>
               <a:t> includes both the: Backscatter and annihilation peak</a:t>
             </a:r>
           </a:p>
@@ -3519,7 +3520,7 @@
               <a:buChar char="-"/>
             </a:pPr>
             <a:r>
-              <a:rPr lang="en-US" baseline="0" dirty="0" smtClean="0"/>
+              <a:rPr lang="en-US" baseline="0" dirty="0"/>
               <a:t>Backscatter – recoiled Compton scattered photon</a:t>
             </a:r>
           </a:p>
@@ -3529,7 +3530,7 @@
               <a:buChar char="-"/>
             </a:pPr>
             <a:r>
-              <a:rPr lang="en-US" baseline="0" dirty="0" smtClean="0"/>
+              <a:rPr lang="en-US" baseline="0" dirty="0"/>
               <a:t>Annihilation – 0.511 MeV photon from pair production/positron annihilation</a:t>
             </a:r>
           </a:p>
@@ -3539,37 +3540,37 @@
               <a:buChar char="-"/>
             </a:pPr>
             <a:r>
-              <a:rPr lang="en-US" baseline="0" dirty="0" smtClean="0"/>
+              <a:rPr lang="en-US" baseline="0" dirty="0"/>
               <a:t>Knolls: backscatter peak @ 184 </a:t>
             </a:r>
             <a:r>
-              <a:rPr lang="en-US" baseline="0" dirty="0" err="1" smtClean="0"/>
+              <a:rPr lang="en-US" baseline="0" dirty="0" err="1"/>
               <a:t>keV</a:t>
             </a:r>
             <a:r>
-              <a:rPr lang="en-US" baseline="0" dirty="0" smtClean="0"/>
+              <a:rPr lang="en-US" baseline="0" dirty="0"/>
               <a:t> for Cs-137, </a:t>
             </a:r>
             <a:r>
-              <a:rPr lang="en-US" baseline="0" dirty="0" err="1" smtClean="0"/>
+              <a:rPr lang="en-US" baseline="0" dirty="0" err="1"/>
               <a:t>Comton</a:t>
             </a:r>
             <a:r>
-              <a:rPr lang="en-US" baseline="0" dirty="0" smtClean="0"/>
+              <a:rPr lang="en-US" baseline="0" dirty="0"/>
               <a:t> Edge @ 662-184 = 477 </a:t>
             </a:r>
             <a:r>
-              <a:rPr lang="en-US" baseline="0" dirty="0" err="1" smtClean="0"/>
+              <a:rPr lang="en-US" baseline="0" dirty="0" err="1"/>
               <a:t>keV</a:t>
             </a:r>
-            <a:endParaRPr lang="en-US" baseline="0" dirty="0" smtClean="0"/>
+            <a:endParaRPr lang="en-US" baseline="0" dirty="0"/>
           </a:p>
           <a:p>
             <a:pPr marL="171450" indent="-171450">
               <a:buFontTx/>
               <a:buChar char="-"/>
             </a:pPr>
-            <a:endParaRPr lang="en-US" baseline="0" dirty="0" smtClean="0"/>
+            <a:endParaRPr lang="en-US" baseline="0" dirty="0"/>
           </a:p>
           <a:p>
             <a:pPr marL="171450" indent="-171450">
@@ -3603,7 +3604,7 @@
               <a:pPr>
                 <a:defRPr/>
               </a:pPr>
-              <a:t>31</a:t>
+              <a:t>33</a:t>
             </a:fld>
             <a:endParaRPr lang="en-US" dirty="0"/>
           </a:p>
@@ -3693,7 +3694,7 @@
               <a:pPr>
                 <a:defRPr/>
               </a:pPr>
-              <a:t>33</a:t>
+              <a:t>35</a:t>
             </a:fld>
             <a:endParaRPr lang="en-US" dirty="0"/>
           </a:p>
@@ -3783,7 +3784,7 @@
               <a:pPr>
                 <a:defRPr/>
               </a:pPr>
-              <a:t>34</a:t>
+              <a:t>36</a:t>
             </a:fld>
             <a:endParaRPr lang="en-US" dirty="0"/>
           </a:p>
@@ -3873,7 +3874,7 @@
               <a:pPr>
                 <a:defRPr/>
               </a:pPr>
-              <a:t>35</a:t>
+              <a:t>37</a:t>
             </a:fld>
             <a:endParaRPr lang="en-US" dirty="0"/>
           </a:p>
@@ -3963,7 +3964,7 @@
               <a:pPr>
                 <a:defRPr/>
               </a:pPr>
-              <a:t>36</a:t>
+              <a:t>38</a:t>
             </a:fld>
             <a:endParaRPr lang="en-US" dirty="0"/>
           </a:p>
@@ -4053,7 +4054,7 @@
               <a:pPr>
                 <a:defRPr/>
               </a:pPr>
-              <a:t>37</a:t>
+              <a:t>39</a:t>
             </a:fld>
             <a:endParaRPr lang="en-US" dirty="0"/>
           </a:p>
@@ -4121,11 +4122,11 @@
               <a:buChar char="-"/>
             </a:pPr>
             <a:r>
-              <a:rPr lang="en-US" dirty="0" smtClean="0"/>
+              <a:rPr lang="en-US" dirty="0"/>
               <a:t>Manufacturer</a:t>
             </a:r>
             <a:r>
-              <a:rPr lang="en-US" baseline="0" dirty="0" smtClean="0"/>
+              <a:rPr lang="en-US" baseline="0" dirty="0"/>
               <a:t> issues</a:t>
             </a:r>
           </a:p>
@@ -4135,7 +4136,7 @@
               <a:buChar char="-"/>
             </a:pPr>
             <a:r>
-              <a:rPr lang="en-US" baseline="0" dirty="0" smtClean="0"/>
+              <a:rPr lang="en-US" baseline="0" dirty="0"/>
               <a:t>10-0.2% range</a:t>
             </a:r>
           </a:p>
@@ -4145,10 +4146,10 @@
               <a:buChar char="-"/>
             </a:pPr>
             <a:r>
-              <a:rPr lang="en-US" baseline="0" dirty="0" smtClean="0"/>
+              <a:rPr lang="en-US" baseline="0" dirty="0"/>
               <a:t>Deadlayer/Active Volume changes</a:t>
             </a:r>
-            <a:endParaRPr lang="en-US" dirty="0" smtClean="0"/>
+            <a:endParaRPr lang="en-US" dirty="0"/>
           </a:p>
         </p:txBody>
       </p:sp>
@@ -4239,10 +4240,9 @@
           <a:lstStyle/>
           <a:p>
             <a:r>
-              <a:rPr lang="en-US" dirty="0" smtClean="0"/>
+              <a:rPr lang="en-US" dirty="0"/>
               <a:t>experiment</a:t>
             </a:r>
-            <a:endParaRPr lang="en-US" dirty="0"/>
           </a:p>
         </p:txBody>
       </p:sp>
@@ -4333,11 +4333,11 @@
           <a:lstStyle/>
           <a:p>
             <a:r>
-              <a:rPr lang="en-US" dirty="0" smtClean="0"/>
+              <a:rPr lang="en-US" dirty="0"/>
               <a:t>Visual, copper lining to prevent X-ray</a:t>
             </a:r>
             <a:r>
-              <a:rPr lang="en-US" baseline="0" dirty="0" smtClean="0"/>
+              <a:rPr lang="en-US" baseline="0" dirty="0"/>
               <a:t>/electron backscatter</a:t>
             </a:r>
             <a:endParaRPr lang="en-US" dirty="0"/>
@@ -4431,11 +4431,11 @@
           <a:lstStyle/>
           <a:p>
             <a:r>
-              <a:rPr lang="en-US" dirty="0" smtClean="0"/>
+              <a:rPr lang="en-US" dirty="0"/>
               <a:t>Sufficient</a:t>
             </a:r>
             <a:r>
-              <a:rPr lang="en-US" baseline="0" dirty="0" smtClean="0"/>
+              <a:rPr lang="en-US" baseline="0" dirty="0"/>
               <a:t> Energy Range</a:t>
             </a:r>
             <a:endParaRPr lang="en-US" dirty="0"/>
@@ -4529,10 +4529,9 @@
           <a:lstStyle/>
           <a:p>
             <a:r>
-              <a:rPr lang="en-US" dirty="0" smtClean="0"/>
+              <a:rPr lang="en-US" dirty="0"/>
               <a:t>Visual set up</a:t>
             </a:r>
-            <a:endParaRPr lang="en-US" dirty="0"/>
           </a:p>
         </p:txBody>
       </p:sp>
@@ -4623,11 +4622,11 @@
           <a:lstStyle/>
           <a:p>
             <a:r>
-              <a:rPr lang="en-US" dirty="0" smtClean="0"/>
+              <a:rPr lang="en-US" dirty="0"/>
               <a:t>Found on</a:t>
             </a:r>
             <a:r>
-              <a:rPr lang="en-US" baseline="0" dirty="0" smtClean="0"/>
+              <a:rPr lang="en-US" baseline="0" dirty="0"/>
               <a:t> Canberra’s website</a:t>
             </a:r>
             <a:endParaRPr lang="en-US" dirty="0"/>
@@ -6129,18 +6128,13 @@
           <a:p>
             <a:pPr algn="ctr"/>
             <a:r>
-              <a:rPr lang="en-US" sz="3600" dirty="0" smtClean="0">
+              <a:rPr lang="en-US" sz="3600" dirty="0">
                 <a:solidFill>
                   <a:srgbClr val="000066"/>
                 </a:solidFill>
               </a:rPr>
               <a:t>HPGe MCNP Automated Parametric Optimization  Model</a:t>
             </a:r>
-            <a:endParaRPr lang="en-US" sz="3600" dirty="0">
-              <a:solidFill>
-                <a:srgbClr val="000066"/>
-              </a:solidFill>
-            </a:endParaRPr>
           </a:p>
         </p:txBody>
       </p:sp>
@@ -6195,16 +6189,6 @@
               </a:spcBef>
             </a:pPr>
             <a:r>
-              <a:rPr lang="en-US" dirty="0" smtClean="0">
-                <a:solidFill>
-                  <a:srgbClr val="000066"/>
-                </a:solidFill>
-                <a:latin typeface="Times New Roman" pitchFamily="18" charset="0"/>
-                <a:cs typeface="Times New Roman" pitchFamily="18" charset="0"/>
-              </a:rPr>
-              <a:t>6 December, </a:t>
-            </a:r>
-            <a:r>
               <a:rPr lang="en-US" dirty="0">
                 <a:solidFill>
                   <a:srgbClr val="000066"/>
@@ -6212,7 +6196,7 @@
                 <a:latin typeface="Times New Roman" pitchFamily="18" charset="0"/>
                 <a:cs typeface="Times New Roman" pitchFamily="18" charset="0"/>
               </a:rPr>
-              <a:t>2017</a:t>
+              <a:t>6 December, 2017</a:t>
             </a:r>
             <a:endParaRPr lang="en-US" sz="1600" dirty="0">
               <a:solidFill>
@@ -6267,13 +6251,6 @@
     <a:masterClrMapping/>
   </p:clrMapOvr>
   <p:transition/>
-  <p:timing>
-    <p:tnLst>
-      <p:par>
-        <p:cTn id="1" dur="indefinite" restart="never" nodeType="tmRoot"/>
-      </p:par>
-    </p:tnLst>
-  </p:timing>
 </p:sld>
 </file>
 
@@ -6310,10 +6287,9 @@
           <a:lstStyle/>
           <a:p>
             <a:r>
-              <a:rPr lang="en-US" dirty="0" smtClean="0"/>
+              <a:rPr lang="en-US" dirty="0"/>
               <a:t>Detector Specifications</a:t>
             </a:r>
-            <a:endParaRPr lang="en-US" dirty="0"/>
           </a:p>
         </p:txBody>
       </p:sp>
@@ -6387,13 +6363,6 @@
     <a:masterClrMapping/>
   </p:clrMapOvr>
   <p:transition/>
-  <p:timing>
-    <p:tnLst>
-      <p:par>
-        <p:cTn id="1" dur="indefinite" restart="never" nodeType="tmRoot"/>
-      </p:par>
-    </p:tnLst>
-  </p:timing>
 </p:sld>
 </file>
 
@@ -6430,10 +6399,9 @@
           <a:lstStyle/>
           <a:p>
             <a:r>
-              <a:rPr lang="en-US" dirty="0" smtClean="0"/>
+              <a:rPr lang="en-US" dirty="0"/>
               <a:t>Detector Specifications</a:t>
             </a:r>
-            <a:endParaRPr lang="en-US" dirty="0"/>
           </a:p>
         </p:txBody>
       </p:sp>
@@ -6507,13 +6475,6 @@
     <a:masterClrMapping/>
   </p:clrMapOvr>
   <p:transition/>
-  <p:timing>
-    <p:tnLst>
-      <p:par>
-        <p:cTn id="1" dur="indefinite" restart="never" nodeType="tmRoot"/>
-      </p:par>
-    </p:tnLst>
-  </p:timing>
 </p:sld>
 </file>
 
@@ -6550,10 +6511,9 @@
           <a:lstStyle/>
           <a:p>
             <a:r>
-              <a:rPr lang="en-US" dirty="0" smtClean="0"/>
+              <a:rPr lang="en-US" dirty="0"/>
               <a:t>MCNP Model</a:t>
             </a:r>
-            <a:endParaRPr lang="en-US" dirty="0"/>
           </a:p>
         </p:txBody>
       </p:sp>
@@ -6621,13 +6581,6 @@
     <a:masterClrMapping/>
   </p:clrMapOvr>
   <p:transition/>
-  <p:timing>
-    <p:tnLst>
-      <p:par>
-        <p:cTn id="1" dur="indefinite" restart="never" nodeType="tmRoot"/>
-      </p:par>
-    </p:tnLst>
-  </p:timing>
 </p:sld>
 </file>
 
@@ -6669,20 +6622,19 @@
           <a:lstStyle/>
           <a:p>
             <a:r>
-              <a:rPr lang="en-US" dirty="0" smtClean="0"/>
+              <a:rPr lang="en-US" dirty="0"/>
               <a:t>Origin: Centered/Bottom of shielding case</a:t>
             </a:r>
-            <a:endParaRPr lang="en-US" dirty="0"/>
           </a:p>
           <a:p>
             <a:r>
-              <a:rPr lang="en-US" dirty="0" smtClean="0"/>
+              <a:rPr lang="en-US" dirty="0"/>
               <a:t>Cylinders (~14 CZs)</a:t>
             </a:r>
           </a:p>
           <a:p>
             <a:r>
-              <a:rPr lang="en-US" dirty="0" smtClean="0"/>
+              <a:rPr lang="en-US" dirty="0"/>
               <a:t>Planes (~20 PZs)</a:t>
             </a:r>
           </a:p>
@@ -6704,10 +6656,9 @@
           <a:lstStyle/>
           <a:p>
             <a:r>
-              <a:rPr lang="en-US" dirty="0" smtClean="0"/>
+              <a:rPr lang="en-US" dirty="0"/>
               <a:t>Geometry</a:t>
             </a:r>
-            <a:endParaRPr lang="en-US" dirty="0"/>
           </a:p>
         </p:txBody>
       </p:sp>
@@ -6867,7 +6818,7 @@
               <a:buNone/>
               <a:tabLst/>
             </a:pPr>
-            <a:endParaRPr kumimoji="0" lang="en-US" sz="1800" b="0" i="0" u="none" strike="noStrike" cap="none" normalizeH="0" baseline="0" dirty="0" smtClean="0">
+            <a:endParaRPr kumimoji="0" lang="en-US" sz="1800" b="0" i="0" u="none" strike="noStrike" cap="none" normalizeH="0" baseline="0" dirty="0">
               <a:ln>
                 <a:noFill/>
               </a:ln>
@@ -7076,7 +7027,7 @@
           <a:lstStyle/>
           <a:p>
             <a:r>
-              <a:rPr lang="en-US" dirty="0" smtClean="0"/>
+              <a:rPr lang="en-US" dirty="0"/>
               <a:t>Top View:</a:t>
             </a:r>
           </a:p>
@@ -7098,10 +7049,9 @@
           <a:lstStyle/>
           <a:p>
             <a:r>
-              <a:rPr lang="en-US" dirty="0" smtClean="0"/>
+              <a:rPr lang="en-US" dirty="0"/>
               <a:t>Geometry</a:t>
             </a:r>
-            <a:endParaRPr lang="en-US" dirty="0"/>
           </a:p>
         </p:txBody>
       </p:sp>
@@ -7295,9 +7245,27 @@
             <a:tbl>
               <a:tblPr firstRow="1" firstCol="1" bandRow="1"/>
               <a:tblGrid>
-                <a:gridCol w="1550842"/>
-                <a:gridCol w="1654508"/>
-                <a:gridCol w="3881251"/>
+                <a:gridCol w="1550842">
+                  <a:extLst>
+                    <a:ext uri="{9D8B030D-6E8A-4147-A177-3AD203B41FA5}">
+                      <a16:colId xmlns:a16="http://schemas.microsoft.com/office/drawing/2014/main" val="20000"/>
+                    </a:ext>
+                  </a:extLst>
+                </a:gridCol>
+                <a:gridCol w="1654508">
+                  <a:extLst>
+                    <a:ext uri="{9D8B030D-6E8A-4147-A177-3AD203B41FA5}">
+                      <a16:colId xmlns:a16="http://schemas.microsoft.com/office/drawing/2014/main" val="20001"/>
+                    </a:ext>
+                  </a:extLst>
+                </a:gridCol>
+                <a:gridCol w="3881251">
+                  <a:extLst>
+                    <a:ext uri="{9D8B030D-6E8A-4147-A177-3AD203B41FA5}">
+                      <a16:colId xmlns:a16="http://schemas.microsoft.com/office/drawing/2014/main" val="20002"/>
+                    </a:ext>
+                  </a:extLst>
+                </a:gridCol>
               </a:tblGrid>
               <a:tr h="315686">
                 <a:tc>
@@ -7543,6 +7511,11 @@
                     </a:solidFill>
                   </a:tcPr>
                 </a:tc>
+                <a:extLst>
+                  <a:ext uri="{0D108BD9-81ED-4DB2-BD59-A6C34878D82A}">
+                    <a16:rowId xmlns:a16="http://schemas.microsoft.com/office/drawing/2014/main" val="10000"/>
+                  </a:ext>
+                </a:extLst>
               </a:tr>
               <a:tr h="315686">
                 <a:tc>
@@ -7770,6 +7743,11 @@
                     </a:solidFill>
                   </a:tcPr>
                 </a:tc>
+                <a:extLst>
+                  <a:ext uri="{0D108BD9-81ED-4DB2-BD59-A6C34878D82A}">
+                    <a16:rowId xmlns:a16="http://schemas.microsoft.com/office/drawing/2014/main" val="10001"/>
+                  </a:ext>
+                </a:extLst>
               </a:tr>
               <a:tr h="315686">
                 <a:tc>
@@ -7997,6 +7975,11 @@
                     </a:solidFill>
                   </a:tcPr>
                 </a:tc>
+                <a:extLst>
+                  <a:ext uri="{0D108BD9-81ED-4DB2-BD59-A6C34878D82A}">
+                    <a16:rowId xmlns:a16="http://schemas.microsoft.com/office/drawing/2014/main" val="10002"/>
+                  </a:ext>
+                </a:extLst>
               </a:tr>
               <a:tr h="315686">
                 <a:tc>
@@ -8224,6 +8207,11 @@
                     </a:solidFill>
                   </a:tcPr>
                 </a:tc>
+                <a:extLst>
+                  <a:ext uri="{0D108BD9-81ED-4DB2-BD59-A6C34878D82A}">
+                    <a16:rowId xmlns:a16="http://schemas.microsoft.com/office/drawing/2014/main" val="10003"/>
+                  </a:ext>
+                </a:extLst>
               </a:tr>
               <a:tr h="315686">
                 <a:tc>
@@ -8451,6 +8439,11 @@
                     </a:solidFill>
                   </a:tcPr>
                 </a:tc>
+                <a:extLst>
+                  <a:ext uri="{0D108BD9-81ED-4DB2-BD59-A6C34878D82A}">
+                    <a16:rowId xmlns:a16="http://schemas.microsoft.com/office/drawing/2014/main" val="10004"/>
+                  </a:ext>
+                </a:extLst>
               </a:tr>
               <a:tr h="315686">
                 <a:tc>
@@ -8678,6 +8671,11 @@
                     </a:solidFill>
                   </a:tcPr>
                 </a:tc>
+                <a:extLst>
+                  <a:ext uri="{0D108BD9-81ED-4DB2-BD59-A6C34878D82A}">
+                    <a16:rowId xmlns:a16="http://schemas.microsoft.com/office/drawing/2014/main" val="10005"/>
+                  </a:ext>
+                </a:extLst>
               </a:tr>
               <a:tr h="315686">
                 <a:tc>
@@ -8905,6 +8903,11 @@
                     </a:solidFill>
                   </a:tcPr>
                 </a:tc>
+                <a:extLst>
+                  <a:ext uri="{0D108BD9-81ED-4DB2-BD59-A6C34878D82A}">
+                    <a16:rowId xmlns:a16="http://schemas.microsoft.com/office/drawing/2014/main" val="10006"/>
+                  </a:ext>
+                </a:extLst>
               </a:tr>
               <a:tr h="315686">
                 <a:tc>
@@ -9132,6 +9135,11 @@
                     </a:solidFill>
                   </a:tcPr>
                 </a:tc>
+                <a:extLst>
+                  <a:ext uri="{0D108BD9-81ED-4DB2-BD59-A6C34878D82A}">
+                    <a16:rowId xmlns:a16="http://schemas.microsoft.com/office/drawing/2014/main" val="10007"/>
+                  </a:ext>
+                </a:extLst>
               </a:tr>
               <a:tr h="315686">
                 <a:tc>
@@ -9359,6 +9367,11 @@
                     </a:solidFill>
                   </a:tcPr>
                 </a:tc>
+                <a:extLst>
+                  <a:ext uri="{0D108BD9-81ED-4DB2-BD59-A6C34878D82A}">
+                    <a16:rowId xmlns:a16="http://schemas.microsoft.com/office/drawing/2014/main" val="10008"/>
+                  </a:ext>
+                </a:extLst>
               </a:tr>
               <a:tr h="315686">
                 <a:tc>
@@ -9586,6 +9599,11 @@
                     </a:solidFill>
                   </a:tcPr>
                 </a:tc>
+                <a:extLst>
+                  <a:ext uri="{0D108BD9-81ED-4DB2-BD59-A6C34878D82A}">
+                    <a16:rowId xmlns:a16="http://schemas.microsoft.com/office/drawing/2014/main" val="10009"/>
+                  </a:ext>
+                </a:extLst>
               </a:tr>
               <a:tr h="315686">
                 <a:tc>
@@ -9813,6 +9831,11 @@
                     </a:solidFill>
                   </a:tcPr>
                 </a:tc>
+                <a:extLst>
+                  <a:ext uri="{0D108BD9-81ED-4DB2-BD59-A6C34878D82A}">
+                    <a16:rowId xmlns:a16="http://schemas.microsoft.com/office/drawing/2014/main" val="10010"/>
+                  </a:ext>
+                </a:extLst>
               </a:tr>
               <a:tr h="315686">
                 <a:tc>
@@ -10040,6 +10063,11 @@
                     </a:solidFill>
                   </a:tcPr>
                 </a:tc>
+                <a:extLst>
+                  <a:ext uri="{0D108BD9-81ED-4DB2-BD59-A6C34878D82A}">
+                    <a16:rowId xmlns:a16="http://schemas.microsoft.com/office/drawing/2014/main" val="10011"/>
+                  </a:ext>
+                </a:extLst>
               </a:tr>
               <a:tr h="315686">
                 <a:tc>
@@ -10267,6 +10295,11 @@
                     </a:solidFill>
                   </a:tcPr>
                 </a:tc>
+                <a:extLst>
+                  <a:ext uri="{0D108BD9-81ED-4DB2-BD59-A6C34878D82A}">
+                    <a16:rowId xmlns:a16="http://schemas.microsoft.com/office/drawing/2014/main" val="10012"/>
+                  </a:ext>
+                </a:extLst>
               </a:tr>
             </a:tbl>
           </a:graphicData>
@@ -10288,10 +10321,9 @@
           <a:lstStyle/>
           <a:p>
             <a:r>
-              <a:rPr lang="en-US" dirty="0" smtClean="0"/>
+              <a:rPr lang="en-US" dirty="0"/>
               <a:t>Materials</a:t>
             </a:r>
-            <a:endParaRPr lang="en-US" dirty="0"/>
           </a:p>
         </p:txBody>
       </p:sp>
@@ -10364,13 +10396,6 @@
     <a:masterClrMapping/>
   </p:clrMapOvr>
   <p:transition/>
-  <p:timing>
-    <p:tnLst>
-      <p:par>
-        <p:cTn id="1" dur="indefinite" restart="never" nodeType="tmRoot"/>
-      </p:par>
-    </p:tnLst>
-  </p:timing>
 </p:sld>
 </file>
 
@@ -10407,18 +10432,13 @@
           <a:lstStyle/>
           <a:p>
             <a:r>
-              <a:rPr lang="en-US" dirty="0" smtClean="0">
+              <a:rPr lang="en-US" dirty="0">
                 <a:solidFill>
                   <a:srgbClr val="000066"/>
                 </a:solidFill>
               </a:rPr>
               <a:t>Parameters to Adjust</a:t>
             </a:r>
-            <a:endParaRPr lang="en-US" dirty="0">
-              <a:solidFill>
-                <a:srgbClr val="000066"/>
-              </a:solidFill>
-            </a:endParaRPr>
           </a:p>
         </p:txBody>
       </p:sp>
@@ -10474,8 +10494,20 @@
             <a:tbl>
               <a:tblPr firstRow="1" firstCol="1" bandRow="1"/>
               <a:tblGrid>
-                <a:gridCol w="3505200"/>
-                <a:gridCol w="3200399"/>
+                <a:gridCol w="3505200">
+                  <a:extLst>
+                    <a:ext uri="{9D8B030D-6E8A-4147-A177-3AD203B41FA5}">
+                      <a16:colId xmlns:a16="http://schemas.microsoft.com/office/drawing/2014/main" val="20000"/>
+                    </a:ext>
+                  </a:extLst>
+                </a:gridCol>
+                <a:gridCol w="3200399">
+                  <a:extLst>
+                    <a:ext uri="{9D8B030D-6E8A-4147-A177-3AD203B41FA5}">
+                      <a16:colId xmlns:a16="http://schemas.microsoft.com/office/drawing/2014/main" val="20001"/>
+                    </a:ext>
+                  </a:extLst>
+                </a:gridCol>
               </a:tblGrid>
               <a:tr h="428525">
                 <a:tc>
@@ -10628,6 +10660,11 @@
                     </a:solidFill>
                   </a:tcPr>
                 </a:tc>
+                <a:extLst>
+                  <a:ext uri="{0D108BD9-81ED-4DB2-BD59-A6C34878D82A}">
+                    <a16:rowId xmlns:a16="http://schemas.microsoft.com/office/drawing/2014/main" val="10000"/>
+                  </a:ext>
+                </a:extLst>
               </a:tr>
               <a:tr h="428525">
                 <a:tc>
@@ -10780,6 +10817,11 @@
                     </a:solidFill>
                   </a:tcPr>
                 </a:tc>
+                <a:extLst>
+                  <a:ext uri="{0D108BD9-81ED-4DB2-BD59-A6C34878D82A}">
+                    <a16:rowId xmlns:a16="http://schemas.microsoft.com/office/drawing/2014/main" val="10001"/>
+                  </a:ext>
+                </a:extLst>
               </a:tr>
               <a:tr h="428525">
                 <a:tc>
@@ -10932,6 +10974,11 @@
                     </a:solidFill>
                   </a:tcPr>
                 </a:tc>
+                <a:extLst>
+                  <a:ext uri="{0D108BD9-81ED-4DB2-BD59-A6C34878D82A}">
+                    <a16:rowId xmlns:a16="http://schemas.microsoft.com/office/drawing/2014/main" val="10002"/>
+                  </a:ext>
+                </a:extLst>
               </a:tr>
               <a:tr h="428525">
                 <a:tc>
@@ -11084,6 +11131,11 @@
                     </a:solidFill>
                   </a:tcPr>
                 </a:tc>
+                <a:extLst>
+                  <a:ext uri="{0D108BD9-81ED-4DB2-BD59-A6C34878D82A}">
+                    <a16:rowId xmlns:a16="http://schemas.microsoft.com/office/drawing/2014/main" val="10003"/>
+                  </a:ext>
+                </a:extLst>
               </a:tr>
               <a:tr h="428525">
                 <a:tc>
@@ -11236,6 +11288,11 @@
                     </a:solidFill>
                   </a:tcPr>
                 </a:tc>
+                <a:extLst>
+                  <a:ext uri="{0D108BD9-81ED-4DB2-BD59-A6C34878D82A}">
+                    <a16:rowId xmlns:a16="http://schemas.microsoft.com/office/drawing/2014/main" val="10004"/>
+                  </a:ext>
+                </a:extLst>
               </a:tr>
               <a:tr h="428525">
                 <a:tc>
@@ -11388,6 +11445,11 @@
                     </a:solidFill>
                   </a:tcPr>
                 </a:tc>
+                <a:extLst>
+                  <a:ext uri="{0D108BD9-81ED-4DB2-BD59-A6C34878D82A}">
+                    <a16:rowId xmlns:a16="http://schemas.microsoft.com/office/drawing/2014/main" val="10005"/>
+                  </a:ext>
+                </a:extLst>
               </a:tr>
               <a:tr h="639074">
                 <a:tc>
@@ -11540,6 +11602,11 @@
                     </a:solidFill>
                   </a:tcPr>
                 </a:tc>
+                <a:extLst>
+                  <a:ext uri="{0D108BD9-81ED-4DB2-BD59-A6C34878D82A}">
+                    <a16:rowId xmlns:a16="http://schemas.microsoft.com/office/drawing/2014/main" val="10006"/>
+                  </a:ext>
+                </a:extLst>
               </a:tr>
               <a:tr h="428525">
                 <a:tc>
@@ -11692,6 +11759,11 @@
                     </a:solidFill>
                   </a:tcPr>
                 </a:tc>
+                <a:extLst>
+                  <a:ext uri="{0D108BD9-81ED-4DB2-BD59-A6C34878D82A}">
+                    <a16:rowId xmlns:a16="http://schemas.microsoft.com/office/drawing/2014/main" val="10007"/>
+                  </a:ext>
+                </a:extLst>
               </a:tr>
               <a:tr h="428525">
                 <a:tc>
@@ -11844,6 +11916,11 @@
                     </a:solidFill>
                   </a:tcPr>
                 </a:tc>
+                <a:extLst>
+                  <a:ext uri="{0D108BD9-81ED-4DB2-BD59-A6C34878D82A}">
+                    <a16:rowId xmlns:a16="http://schemas.microsoft.com/office/drawing/2014/main" val="10008"/>
+                  </a:ext>
+                </a:extLst>
               </a:tr>
               <a:tr h="428525">
                 <a:tc>
@@ -12005,6 +12082,11 @@
                     </a:solidFill>
                   </a:tcPr>
                 </a:tc>
+                <a:extLst>
+                  <a:ext uri="{0D108BD9-81ED-4DB2-BD59-A6C34878D82A}">
+                    <a16:rowId xmlns:a16="http://schemas.microsoft.com/office/drawing/2014/main" val="10009"/>
+                  </a:ext>
+                </a:extLst>
               </a:tr>
             </a:tbl>
           </a:graphicData>
@@ -12021,13 +12103,6 @@
     <a:masterClrMapping/>
   </p:clrMapOvr>
   <p:transition/>
-  <p:timing>
-    <p:tnLst>
-      <p:par>
-        <p:cTn id="1" dur="indefinite" restart="never" nodeType="tmRoot"/>
-      </p:par>
-    </p:tnLst>
-  </p:timing>
 </p:sld>
 </file>
 
@@ -12069,41 +12144,37 @@
           <a:lstStyle/>
           <a:p>
             <a:r>
-              <a:rPr lang="en-US" dirty="0" smtClean="0"/>
+              <a:rPr lang="en-US" dirty="0"/>
               <a:t>Only photons</a:t>
             </a:r>
           </a:p>
           <a:p>
             <a:r>
-              <a:rPr lang="en-US" dirty="0" smtClean="0"/>
+              <a:rPr lang="en-US" dirty="0"/>
               <a:t>5 MeV upper limit</a:t>
             </a:r>
           </a:p>
           <a:p>
             <a:r>
               <a:rPr lang="en-US" dirty="0"/>
-              <a:t>No </a:t>
+              <a:t>No Bremsstrahlung</a:t>
             </a:r>
+          </a:p>
+          <a:p>
             <a:r>
-              <a:rPr lang="en-US" dirty="0" smtClean="0"/>
-              <a:t>Bremsstrahlung</a:t>
-            </a:r>
-          </a:p>
-          <a:p>
-            <a:r>
-              <a:rPr lang="en-US" dirty="0" smtClean="0"/>
+              <a:rPr lang="en-US" dirty="0"/>
               <a:t>No Coherent scattering</a:t>
             </a:r>
           </a:p>
           <a:p>
             <a:r>
-              <a:rPr lang="en-US" dirty="0" smtClean="0"/>
+              <a:rPr lang="en-US" dirty="0"/>
               <a:t>No photo fission</a:t>
             </a:r>
           </a:p>
           <a:p>
             <a:r>
-              <a:rPr lang="en-US" dirty="0" smtClean="0"/>
+              <a:rPr lang="en-US" dirty="0"/>
               <a:t>Doppler broadening</a:t>
             </a:r>
           </a:p>
@@ -12125,10 +12196,9 @@
           <a:lstStyle/>
           <a:p>
             <a:r>
-              <a:rPr lang="en-US" dirty="0" smtClean="0"/>
+              <a:rPr lang="en-US" dirty="0"/>
               <a:t>Photon Transport</a:t>
             </a:r>
-            <a:endParaRPr lang="en-US" dirty="0"/>
           </a:p>
         </p:txBody>
       </p:sp>
@@ -12450,68 +12520,68 @@
           <a:lstStyle/>
           <a:p>
             <a:r>
-              <a:rPr lang="en-US" dirty="0" smtClean="0"/>
+              <a:rPr lang="en-US" dirty="0"/>
               <a:t>Isotropic point source</a:t>
             </a:r>
           </a:p>
           <a:p>
             <a:r>
-              <a:rPr lang="en-US" dirty="0" smtClean="0"/>
+              <a:rPr lang="en-US" dirty="0"/>
               <a:t>12 discrete energies</a:t>
             </a:r>
           </a:p>
           <a:p>
             <a:r>
-              <a:rPr lang="en-US" dirty="0" smtClean="0"/>
+              <a:rPr lang="en-US" dirty="0"/>
               <a:t>10</a:t>
             </a:r>
             <a:r>
-              <a:rPr lang="en-US" baseline="30000" dirty="0" smtClean="0"/>
+              <a:rPr lang="en-US" baseline="30000" dirty="0"/>
               <a:t>6</a:t>
             </a:r>
             <a:r>
-              <a:rPr lang="en-US" dirty="0" smtClean="0"/>
+              <a:rPr lang="en-US" dirty="0"/>
               <a:t> source particles</a:t>
             </a:r>
           </a:p>
           <a:p>
             <a:r>
-              <a:rPr lang="en-US" dirty="0" smtClean="0"/>
+              <a:rPr lang="en-US" dirty="0"/>
               <a:t>Gaussian broadening off</a:t>
             </a:r>
           </a:p>
           <a:p>
             <a:r>
-              <a:rPr lang="en-US" dirty="0" smtClean="0"/>
+              <a:rPr lang="en-US" dirty="0"/>
               <a:t>Tally:</a:t>
             </a:r>
           </a:p>
           <a:p>
             <a:pPr lvl="1"/>
             <a:r>
-              <a:rPr lang="en-US" dirty="0" smtClean="0"/>
+              <a:rPr lang="en-US" dirty="0"/>
               <a:t>F8 – Energy Deposition Tally</a:t>
             </a:r>
           </a:p>
           <a:p>
             <a:pPr lvl="2"/>
             <a:r>
-              <a:rPr lang="en-US" dirty="0" smtClean="0"/>
+              <a:rPr lang="en-US" dirty="0"/>
               <a:t>Ge Crystal (Cell 3)</a:t>
             </a:r>
           </a:p>
           <a:p>
             <a:pPr lvl="2"/>
             <a:r>
-              <a:rPr lang="en-US" dirty="0" smtClean="0"/>
+              <a:rPr lang="en-US" dirty="0"/>
               <a:t>8192 bins (10</a:t>
             </a:r>
             <a:r>
-              <a:rPr lang="en-US" baseline="30000" dirty="0" smtClean="0"/>
+              <a:rPr lang="en-US" baseline="30000" dirty="0"/>
               <a:t>-5</a:t>
             </a:r>
             <a:r>
-              <a:rPr lang="en-US" dirty="0" smtClean="0"/>
+              <a:rPr lang="en-US" dirty="0"/>
               <a:t> - 3.14344 MeV)</a:t>
             </a:r>
           </a:p>
@@ -12533,10 +12603,9 @@
           <a:lstStyle/>
           <a:p>
             <a:r>
-              <a:rPr lang="en-US" dirty="0" smtClean="0"/>
+              <a:rPr lang="en-US" dirty="0"/>
               <a:t>Source Definition</a:t>
             </a:r>
-            <a:endParaRPr lang="en-US" dirty="0"/>
           </a:p>
         </p:txBody>
       </p:sp>
@@ -12920,33 +12989,33 @@
           <a:lstStyle/>
           <a:p>
             <a:r>
-              <a:rPr lang="en-US" dirty="0" smtClean="0"/>
+              <a:rPr lang="en-US" dirty="0"/>
               <a:t>Windows 10</a:t>
             </a:r>
           </a:p>
           <a:p>
             <a:r>
-              <a:rPr lang="en-US" dirty="0" smtClean="0"/>
+              <a:rPr lang="en-US" dirty="0"/>
               <a:t>Required Software:</a:t>
             </a:r>
           </a:p>
           <a:p>
             <a:pPr lvl="1"/>
             <a:r>
-              <a:rPr lang="en-US" dirty="0" smtClean="0"/>
+              <a:rPr lang="en-US" dirty="0"/>
               <a:t>MCNP</a:t>
             </a:r>
           </a:p>
           <a:p>
             <a:pPr lvl="1"/>
             <a:r>
-              <a:rPr lang="en-US" dirty="0" smtClean="0"/>
+              <a:rPr lang="en-US" dirty="0"/>
               <a:t>Python</a:t>
             </a:r>
           </a:p>
           <a:p>
             <a:r>
-              <a:rPr lang="en-US" dirty="0" smtClean="0"/>
+              <a:rPr lang="en-US" dirty="0"/>
               <a:t>How-to run</a:t>
             </a:r>
           </a:p>
@@ -12995,18 +13064,18 @@
           <a:p>
             <a:pPr lvl="2"/>
             <a:r>
-              <a:rPr lang="en-US" dirty="0" err="1" smtClean="0"/>
+              <a:rPr lang="en-US" dirty="0" err="1"/>
               <a:t>FilestoMerge</a:t>
             </a:r>
-            <a:endParaRPr lang="en-US" dirty="0" smtClean="0"/>
+            <a:endParaRPr lang="en-US" dirty="0"/>
           </a:p>
           <a:p>
             <a:pPr lvl="1"/>
             <a:r>
-              <a:rPr lang="en-US" dirty="0" err="1" smtClean="0"/>
+              <a:rPr lang="en-US" dirty="0" err="1"/>
               <a:t>PythonCode</a:t>
             </a:r>
-            <a:endParaRPr lang="en-US" dirty="0" smtClean="0"/>
+            <a:endParaRPr lang="en-US" dirty="0"/>
           </a:p>
           <a:p>
             <a:pPr marL="1368425" lvl="3" indent="0">
@@ -13016,7 +13085,6 @@
               <a:rPr lang="en-US" dirty="0"/>
               <a:t>	</a:t>
             </a:r>
-            <a:endParaRPr lang="en-US" dirty="0" smtClean="0"/>
           </a:p>
         </p:txBody>
       </p:sp>
@@ -13041,18 +13109,13 @@
               </a:lnSpc>
             </a:pPr>
             <a:r>
-              <a:rPr lang="en-US" dirty="0" smtClean="0">
+              <a:rPr lang="en-US" dirty="0">
                 <a:solidFill>
                   <a:srgbClr val="000066"/>
                 </a:solidFill>
               </a:rPr>
               <a:t>Developer Environment</a:t>
             </a:r>
-            <a:endParaRPr lang="en-US" dirty="0">
-              <a:solidFill>
-                <a:srgbClr val="000066"/>
-              </a:solidFill>
-            </a:endParaRPr>
           </a:p>
         </p:txBody>
       </p:sp>
@@ -13591,50 +13654,49 @@
           <a:lstStyle/>
           <a:p>
             <a:r>
-              <a:rPr lang="en-US" dirty="0" smtClean="0"/>
+              <a:rPr lang="en-US" dirty="0"/>
               <a:t>Project Goals</a:t>
             </a:r>
           </a:p>
           <a:p>
             <a:r>
-              <a:rPr lang="en-US" dirty="0" smtClean="0"/>
+              <a:rPr lang="en-US" dirty="0"/>
               <a:t>Previous Work</a:t>
             </a:r>
           </a:p>
           <a:p>
             <a:r>
-              <a:rPr lang="en-US" dirty="0" smtClean="0"/>
+              <a:rPr lang="en-US" dirty="0"/>
               <a:t>Experiment</a:t>
             </a:r>
           </a:p>
           <a:p>
             <a:r>
-              <a:rPr lang="en-US" dirty="0" smtClean="0"/>
+              <a:rPr lang="en-US" dirty="0"/>
               <a:t>MCNP Model</a:t>
             </a:r>
           </a:p>
           <a:p>
             <a:r>
-              <a:rPr lang="en-US" dirty="0" smtClean="0"/>
+              <a:rPr lang="en-US" dirty="0"/>
               <a:t>Parametric Optimization Code</a:t>
             </a:r>
-            <a:endParaRPr lang="en-US" dirty="0"/>
           </a:p>
           <a:p>
             <a:r>
-              <a:rPr lang="en-US" dirty="0" smtClean="0"/>
+              <a:rPr lang="en-US" dirty="0"/>
               <a:t>Results</a:t>
             </a:r>
           </a:p>
           <a:p>
             <a:r>
-              <a:rPr lang="en-US" dirty="0" smtClean="0"/>
+              <a:rPr lang="en-US" dirty="0"/>
               <a:t>Conclusions</a:t>
             </a:r>
           </a:p>
           <a:p>
             <a:r>
-              <a:rPr lang="en-US" dirty="0" smtClean="0"/>
+              <a:rPr lang="en-US" dirty="0"/>
               <a:t>Future Work</a:t>
             </a:r>
           </a:p>
@@ -13656,10 +13718,9 @@
           <a:lstStyle/>
           <a:p>
             <a:r>
-              <a:rPr lang="en-US" dirty="0" smtClean="0"/>
+              <a:rPr lang="en-US" dirty="0"/>
               <a:t>Overview</a:t>
             </a:r>
-            <a:endParaRPr lang="en-US" dirty="0"/>
           </a:p>
         </p:txBody>
       </p:sp>
@@ -14054,159 +14115,6 @@
       </p:grpSpPr>
       <p:pic>
         <p:nvPicPr>
-          <p:cNvPr id="4" name="Content Placeholder 3"/>
-          <p:cNvPicPr>
-            <a:picLocks noGrp="1" noChangeAspect="1"/>
-          </p:cNvPicPr>
-          <p:nvPr>
-            <p:ph idx="1"/>
-          </p:nvPr>
-        </p:nvPicPr>
-        <p:blipFill>
-          <a:blip r:embed="rId3"/>
-          <a:stretch>
-            <a:fillRect/>
-          </a:stretch>
-        </p:blipFill>
-        <p:spPr>
-          <a:xfrm>
-            <a:off x="76200" y="1143000"/>
-            <a:ext cx="6229350" cy="2314575"/>
-          </a:xfrm>
-          <a:prstGeom prst="rect">
-            <a:avLst/>
-          </a:prstGeom>
-        </p:spPr>
-      </p:pic>
-      <p:sp>
-        <p:nvSpPr>
-          <p:cNvPr id="10241" name="Title 1"/>
-          <p:cNvSpPr>
-            <a:spLocks noGrp="1"/>
-          </p:cNvSpPr>
-          <p:nvPr>
-            <p:ph type="title"/>
-          </p:nvPr>
-        </p:nvSpPr>
-        <p:spPr/>
-        <p:txBody>
-          <a:bodyPr/>
-          <a:lstStyle/>
-          <a:p>
-            <a:pPr>
-              <a:lnSpc>
-                <a:spcPct val="85000"/>
-              </a:lnSpc>
-            </a:pPr>
-            <a:r>
-              <a:rPr lang="en-US" dirty="0" smtClean="0">
-                <a:solidFill>
-                  <a:srgbClr val="000066"/>
-                </a:solidFill>
-              </a:rPr>
-              <a:t>User Changes</a:t>
-            </a:r>
-            <a:endParaRPr lang="en-US" dirty="0">
-              <a:solidFill>
-                <a:srgbClr val="000066"/>
-              </a:solidFill>
-            </a:endParaRPr>
-          </a:p>
-        </p:txBody>
-      </p:sp>
-      <p:sp>
-        <p:nvSpPr>
-          <p:cNvPr id="3" name="Slide Number Placeholder 2"/>
-          <p:cNvSpPr>
-            <a:spLocks noGrp="1"/>
-          </p:cNvSpPr>
-          <p:nvPr>
-            <p:ph type="sldNum" sz="quarter" idx="10"/>
-          </p:nvPr>
-        </p:nvSpPr>
-        <p:spPr/>
-        <p:txBody>
-          <a:bodyPr/>
-          <a:lstStyle/>
-          <a:p>
-            <a:pPr>
-              <a:defRPr/>
-            </a:pPr>
-            <a:fld id="{54D80F8A-463A-4890-BC87-BDB129B2791E}" type="slidenum">
-              <a:rPr lang="en-US" smtClean="0"/>
-              <a:pPr>
-                <a:defRPr/>
-              </a:pPr>
-              <a:t>20</a:t>
-            </a:fld>
-            <a:endParaRPr lang="en-US" dirty="0"/>
-          </a:p>
-        </p:txBody>
-      </p:sp>
-      <p:pic>
-        <p:nvPicPr>
-          <p:cNvPr id="5" name="Picture 4"/>
-          <p:cNvPicPr>
-            <a:picLocks noChangeAspect="1"/>
-          </p:cNvPicPr>
-          <p:nvPr/>
-        </p:nvPicPr>
-        <p:blipFill>
-          <a:blip r:embed="rId4"/>
-          <a:stretch>
-            <a:fillRect/>
-          </a:stretch>
-        </p:blipFill>
-        <p:spPr>
-          <a:xfrm>
-            <a:off x="1600200" y="2819400"/>
-            <a:ext cx="7067550" cy="3343275"/>
-          </a:xfrm>
-          <a:prstGeom prst="rect">
-            <a:avLst/>
-          </a:prstGeom>
-        </p:spPr>
-      </p:pic>
-    </p:spTree>
-    <p:extLst>
-      <p:ext uri="{BB962C8B-B14F-4D97-AF65-F5344CB8AC3E}">
-        <p14:creationId xmlns:p14="http://schemas.microsoft.com/office/powerpoint/2010/main" val="586325814"/>
-      </p:ext>
-    </p:extLst>
-  </p:cSld>
-  <p:clrMapOvr>
-    <a:masterClrMapping/>
-  </p:clrMapOvr>
-  <p:transition/>
-  <p:timing>
-    <p:tnLst>
-      <p:par>
-        <p:cTn id="1" dur="indefinite" restart="never" nodeType="tmRoot"/>
-      </p:par>
-    </p:tnLst>
-  </p:timing>
-</p:sld>
-</file>
-
-<file path=ppt/slides/slide21.xml><?xml version="1.0" encoding="utf-8"?>
-<p:sld xmlns:a="http://schemas.openxmlformats.org/drawingml/2006/main" xmlns:r="http://schemas.openxmlformats.org/officeDocument/2006/relationships" xmlns:p="http://schemas.openxmlformats.org/presentationml/2006/main">
-  <p:cSld>
-    <p:spTree>
-      <p:nvGrpSpPr>
-        <p:cNvPr id="1" name=""/>
-        <p:cNvGrpSpPr/>
-        <p:nvPr/>
-      </p:nvGrpSpPr>
-      <p:grpSpPr>
-        <a:xfrm>
-          <a:off x="0" y="0"/>
-          <a:ext cx="0" cy="0"/>
-          <a:chOff x="0" y="0"/>
-          <a:chExt cx="0" cy="0"/>
-        </a:xfrm>
-      </p:grpSpPr>
-      <p:pic>
-        <p:nvPicPr>
           <p:cNvPr id="5" name="Picture 4"/>
           <p:cNvPicPr>
             <a:picLocks noChangeAspect="1"/>
@@ -14250,13 +14158,13 @@
           <a:lstStyle/>
           <a:p>
             <a:r>
-              <a:rPr lang="en-US" dirty="0" smtClean="0"/>
+              <a:rPr lang="en-US" dirty="0"/>
               <a:t>Overview</a:t>
             </a:r>
           </a:p>
           <a:p>
             <a:r>
-              <a:rPr lang="en-US" dirty="0" smtClean="0"/>
+              <a:rPr lang="en-US" dirty="0"/>
               <a:t>Process</a:t>
             </a:r>
           </a:p>
@@ -14307,13 +14215,8 @@
             </a:pPr>
             <a:r>
               <a:rPr lang="en-US" dirty="0"/>
-              <a:t>Record Clean and </a:t>
+              <a:t>Record Clean and Reset</a:t>
             </a:r>
-            <a:r>
-              <a:rPr lang="en-US" dirty="0" smtClean="0"/>
-              <a:t>Reset</a:t>
-            </a:r>
-            <a:endParaRPr lang="en-US" dirty="0"/>
           </a:p>
         </p:txBody>
       </p:sp>
@@ -14338,7 +14241,7 @@
               </a:lnSpc>
             </a:pPr>
             <a:r>
-              <a:rPr lang="en-US" dirty="0" smtClean="0">
+              <a:rPr lang="en-US" dirty="0">
                 <a:solidFill>
                   <a:srgbClr val="000066"/>
                 </a:solidFill>
@@ -14346,10 +14249,9 @@
               <a:t>Automated Parametric Optimization </a:t>
             </a:r>
             <a:r>
-              <a:rPr lang="en-US" dirty="0" smtClean="0"/>
+              <a:rPr lang="en-US" dirty="0"/>
               <a:t>Code</a:t>
             </a:r>
-            <a:endParaRPr lang="en-US" dirty="0"/>
           </a:p>
         </p:txBody>
       </p:sp>
@@ -14376,7 +14278,7 @@
               <a:pPr>
                 <a:defRPr/>
               </a:pPr>
-              <a:t>21</a:t>
+              <a:t>20</a:t>
             </a:fld>
             <a:endParaRPr lang="en-US" dirty="0"/>
           </a:p>
@@ -14664,7 +14566,428 @@
 </p:sld>
 </file>
 
+<file path=ppt/slides/slide21.xml><?xml version="1.0" encoding="utf-8"?>
+<p:sld xmlns:a="http://schemas.openxmlformats.org/drawingml/2006/main" xmlns:r="http://schemas.openxmlformats.org/officeDocument/2006/relationships" xmlns:p="http://schemas.openxmlformats.org/presentationml/2006/main">
+  <p:cSld>
+    <p:spTree>
+      <p:nvGrpSpPr>
+        <p:cNvPr id="1" name=""/>
+        <p:cNvGrpSpPr/>
+        <p:nvPr/>
+      </p:nvGrpSpPr>
+      <p:grpSpPr>
+        <a:xfrm>
+          <a:off x="0" y="0"/>
+          <a:ext cx="0" cy="0"/>
+          <a:chOff x="0" y="0"/>
+          <a:chExt cx="0" cy="0"/>
+        </a:xfrm>
+      </p:grpSpPr>
+      <p:sp>
+        <p:nvSpPr>
+          <p:cNvPr id="2" name="Title 1">
+            <a:extLst>
+              <a:ext uri="{FF2B5EF4-FFF2-40B4-BE49-F238E27FC236}">
+                <a16:creationId xmlns:a16="http://schemas.microsoft.com/office/drawing/2014/main" id="{2854F266-ED6E-485E-AC65-65BD9A6AB4D4}"/>
+              </a:ext>
+            </a:extLst>
+          </p:cNvPr>
+          <p:cNvSpPr>
+            <a:spLocks noGrp="1"/>
+          </p:cNvSpPr>
+          <p:nvPr>
+            <p:ph type="title"/>
+          </p:nvPr>
+        </p:nvSpPr>
+        <p:spPr/>
+        <p:txBody>
+          <a:bodyPr/>
+          <a:lstStyle/>
+          <a:p>
+            <a:r>
+              <a:rPr lang="en-US" dirty="0"/>
+              <a:t>Batch Files</a:t>
+            </a:r>
+          </a:p>
+        </p:txBody>
+      </p:sp>
+      <p:sp>
+        <p:nvSpPr>
+          <p:cNvPr id="4" name="Slide Number Placeholder 3">
+            <a:extLst>
+              <a:ext uri="{FF2B5EF4-FFF2-40B4-BE49-F238E27FC236}">
+                <a16:creationId xmlns:a16="http://schemas.microsoft.com/office/drawing/2014/main" id="{0F789702-861E-4DFF-9002-B1CBB2B09FE4}"/>
+              </a:ext>
+            </a:extLst>
+          </p:cNvPr>
+          <p:cNvSpPr>
+            <a:spLocks noGrp="1"/>
+          </p:cNvSpPr>
+          <p:nvPr>
+            <p:ph type="sldNum" sz="quarter" idx="10"/>
+          </p:nvPr>
+        </p:nvSpPr>
+        <p:spPr/>
+        <p:txBody>
+          <a:bodyPr/>
+          <a:lstStyle/>
+          <a:p>
+            <a:pPr>
+              <a:defRPr/>
+            </a:pPr>
+            <a:fld id="{19845459-3F1B-4F43-8FC0-35ADCE8623CC}" type="slidenum">
+              <a:rPr lang="en-US" smtClean="0"/>
+              <a:pPr>
+                <a:defRPr/>
+              </a:pPr>
+              <a:t>21</a:t>
+            </a:fld>
+            <a:endParaRPr lang="en-US" dirty="0"/>
+          </a:p>
+        </p:txBody>
+      </p:sp>
+      <p:pic>
+        <p:nvPicPr>
+          <p:cNvPr id="8" name="Picture 7">
+            <a:extLst>
+              <a:ext uri="{FF2B5EF4-FFF2-40B4-BE49-F238E27FC236}">
+                <a16:creationId xmlns:a16="http://schemas.microsoft.com/office/drawing/2014/main" id="{8C9EE95B-A4A8-4A8E-9D1F-0903591080D3}"/>
+              </a:ext>
+            </a:extLst>
+          </p:cNvPr>
+          <p:cNvPicPr>
+            <a:picLocks noChangeAspect="1"/>
+          </p:cNvPicPr>
+          <p:nvPr/>
+        </p:nvPicPr>
+        <p:blipFill>
+          <a:blip r:embed="rId2"/>
+          <a:stretch>
+            <a:fillRect/>
+          </a:stretch>
+        </p:blipFill>
+        <p:spPr>
+          <a:xfrm>
+            <a:off x="76200" y="1676400"/>
+            <a:ext cx="8942629" cy="2869442"/>
+          </a:xfrm>
+          <a:prstGeom prst="rect">
+            <a:avLst/>
+          </a:prstGeom>
+        </p:spPr>
+      </p:pic>
+    </p:spTree>
+    <p:extLst>
+      <p:ext uri="{BB962C8B-B14F-4D97-AF65-F5344CB8AC3E}">
+        <p14:creationId xmlns:p14="http://schemas.microsoft.com/office/powerpoint/2010/main" val="3969359479"/>
+      </p:ext>
+    </p:extLst>
+  </p:cSld>
+  <p:clrMapOvr>
+    <a:masterClrMapping/>
+  </p:clrMapOvr>
+  <p:transition/>
+</p:sld>
+</file>
+
 <file path=ppt/slides/slide22.xml><?xml version="1.0" encoding="utf-8"?>
+<p:sld xmlns:a="http://schemas.openxmlformats.org/drawingml/2006/main" xmlns:r="http://schemas.openxmlformats.org/officeDocument/2006/relationships" xmlns:p="http://schemas.openxmlformats.org/presentationml/2006/main">
+  <p:cSld>
+    <p:spTree>
+      <p:nvGrpSpPr>
+        <p:cNvPr id="1" name=""/>
+        <p:cNvGrpSpPr/>
+        <p:nvPr/>
+      </p:nvGrpSpPr>
+      <p:grpSpPr>
+        <a:xfrm>
+          <a:off x="0" y="0"/>
+          <a:ext cx="0" cy="0"/>
+          <a:chOff x="0" y="0"/>
+          <a:chExt cx="0" cy="0"/>
+        </a:xfrm>
+      </p:grpSpPr>
+      <p:sp>
+        <p:nvSpPr>
+          <p:cNvPr id="2" name="Title 1">
+            <a:extLst>
+              <a:ext uri="{FF2B5EF4-FFF2-40B4-BE49-F238E27FC236}">
+                <a16:creationId xmlns:a16="http://schemas.microsoft.com/office/drawing/2014/main" id="{2854F266-ED6E-485E-AC65-65BD9A6AB4D4}"/>
+              </a:ext>
+            </a:extLst>
+          </p:cNvPr>
+          <p:cNvSpPr>
+            <a:spLocks noGrp="1"/>
+          </p:cNvSpPr>
+          <p:nvPr>
+            <p:ph type="title"/>
+          </p:nvPr>
+        </p:nvSpPr>
+        <p:spPr/>
+        <p:txBody>
+          <a:bodyPr/>
+          <a:lstStyle/>
+          <a:p>
+            <a:r>
+              <a:rPr lang="en-US" dirty="0"/>
+              <a:t>Batch Files</a:t>
+            </a:r>
+          </a:p>
+        </p:txBody>
+      </p:sp>
+      <p:sp>
+        <p:nvSpPr>
+          <p:cNvPr id="4" name="Slide Number Placeholder 3">
+            <a:extLst>
+              <a:ext uri="{FF2B5EF4-FFF2-40B4-BE49-F238E27FC236}">
+                <a16:creationId xmlns:a16="http://schemas.microsoft.com/office/drawing/2014/main" id="{0F789702-861E-4DFF-9002-B1CBB2B09FE4}"/>
+              </a:ext>
+            </a:extLst>
+          </p:cNvPr>
+          <p:cNvSpPr>
+            <a:spLocks noGrp="1"/>
+          </p:cNvSpPr>
+          <p:nvPr>
+            <p:ph type="sldNum" sz="quarter" idx="10"/>
+          </p:nvPr>
+        </p:nvSpPr>
+        <p:spPr/>
+        <p:txBody>
+          <a:bodyPr/>
+          <a:lstStyle/>
+          <a:p>
+            <a:pPr>
+              <a:defRPr/>
+            </a:pPr>
+            <a:fld id="{19845459-3F1B-4F43-8FC0-35ADCE8623CC}" type="slidenum">
+              <a:rPr lang="en-US" smtClean="0"/>
+              <a:pPr>
+                <a:defRPr/>
+              </a:pPr>
+              <a:t>22</a:t>
+            </a:fld>
+            <a:endParaRPr lang="en-US" dirty="0"/>
+          </a:p>
+        </p:txBody>
+      </p:sp>
+      <p:pic>
+        <p:nvPicPr>
+          <p:cNvPr id="6" name="Picture 5">
+            <a:extLst>
+              <a:ext uri="{FF2B5EF4-FFF2-40B4-BE49-F238E27FC236}">
+                <a16:creationId xmlns:a16="http://schemas.microsoft.com/office/drawing/2014/main" id="{9ABD97EE-2A69-44CF-AB1D-BF2A1D281592}"/>
+              </a:ext>
+            </a:extLst>
+          </p:cNvPr>
+          <p:cNvPicPr>
+            <a:picLocks noChangeAspect="1"/>
+          </p:cNvPicPr>
+          <p:nvPr/>
+        </p:nvPicPr>
+        <p:blipFill>
+          <a:blip r:embed="rId2"/>
+          <a:stretch>
+            <a:fillRect/>
+          </a:stretch>
+        </p:blipFill>
+        <p:spPr>
+          <a:xfrm>
+            <a:off x="4038600" y="4645378"/>
+            <a:ext cx="4810125" cy="1660060"/>
+          </a:xfrm>
+          <a:prstGeom prst="rect">
+            <a:avLst/>
+          </a:prstGeom>
+        </p:spPr>
+      </p:pic>
+      <p:pic>
+        <p:nvPicPr>
+          <p:cNvPr id="9" name="Content Placeholder 8">
+            <a:extLst>
+              <a:ext uri="{FF2B5EF4-FFF2-40B4-BE49-F238E27FC236}">
+                <a16:creationId xmlns:a16="http://schemas.microsoft.com/office/drawing/2014/main" id="{9D7E3104-CCDB-4099-A2C2-B7261695D7CC}"/>
+              </a:ext>
+            </a:extLst>
+          </p:cNvPr>
+          <p:cNvPicPr>
+            <a:picLocks noGrp="1" noChangeAspect="1"/>
+          </p:cNvPicPr>
+          <p:nvPr>
+            <p:ph idx="1"/>
+          </p:nvPr>
+        </p:nvPicPr>
+        <p:blipFill>
+          <a:blip r:embed="rId3"/>
+          <a:stretch>
+            <a:fillRect/>
+          </a:stretch>
+        </p:blipFill>
+        <p:spPr>
+          <a:xfrm>
+            <a:off x="152400" y="1260363"/>
+            <a:ext cx="5867400" cy="3197578"/>
+          </a:xfrm>
+          <a:prstGeom prst="rect">
+            <a:avLst/>
+          </a:prstGeom>
+        </p:spPr>
+      </p:pic>
+    </p:spTree>
+    <p:extLst>
+      <p:ext uri="{BB962C8B-B14F-4D97-AF65-F5344CB8AC3E}">
+        <p14:creationId xmlns:p14="http://schemas.microsoft.com/office/powerpoint/2010/main" val="798181446"/>
+      </p:ext>
+    </p:extLst>
+  </p:cSld>
+  <p:clrMapOvr>
+    <a:masterClrMapping/>
+  </p:clrMapOvr>
+  <p:transition/>
+</p:sld>
+</file>
+
+<file path=ppt/slides/slide23.xml><?xml version="1.0" encoding="utf-8"?>
+<p:sld xmlns:a="http://schemas.openxmlformats.org/drawingml/2006/main" xmlns:r="http://schemas.openxmlformats.org/officeDocument/2006/relationships" xmlns:p="http://schemas.openxmlformats.org/presentationml/2006/main">
+  <p:cSld>
+    <p:spTree>
+      <p:nvGrpSpPr>
+        <p:cNvPr id="1" name=""/>
+        <p:cNvGrpSpPr/>
+        <p:nvPr/>
+      </p:nvGrpSpPr>
+      <p:grpSpPr>
+        <a:xfrm>
+          <a:off x="0" y="0"/>
+          <a:ext cx="0" cy="0"/>
+          <a:chOff x="0" y="0"/>
+          <a:chExt cx="0" cy="0"/>
+        </a:xfrm>
+      </p:grpSpPr>
+      <p:pic>
+        <p:nvPicPr>
+          <p:cNvPr id="4" name="Content Placeholder 3"/>
+          <p:cNvPicPr>
+            <a:picLocks noGrp="1" noChangeAspect="1"/>
+          </p:cNvPicPr>
+          <p:nvPr>
+            <p:ph idx="1"/>
+          </p:nvPr>
+        </p:nvPicPr>
+        <p:blipFill>
+          <a:blip r:embed="rId3"/>
+          <a:stretch>
+            <a:fillRect/>
+          </a:stretch>
+        </p:blipFill>
+        <p:spPr>
+          <a:xfrm>
+            <a:off x="76200" y="1143000"/>
+            <a:ext cx="6229350" cy="2314575"/>
+          </a:xfrm>
+          <a:prstGeom prst="rect">
+            <a:avLst/>
+          </a:prstGeom>
+        </p:spPr>
+      </p:pic>
+      <p:sp>
+        <p:nvSpPr>
+          <p:cNvPr id="10241" name="Title 1"/>
+          <p:cNvSpPr>
+            <a:spLocks noGrp="1"/>
+          </p:cNvSpPr>
+          <p:nvPr>
+            <p:ph type="title"/>
+          </p:nvPr>
+        </p:nvSpPr>
+        <p:spPr/>
+        <p:txBody>
+          <a:bodyPr/>
+          <a:lstStyle/>
+          <a:p>
+            <a:pPr>
+              <a:lnSpc>
+                <a:spcPct val="85000"/>
+              </a:lnSpc>
+            </a:pPr>
+            <a:r>
+              <a:rPr lang="en-US" dirty="0">
+                <a:solidFill>
+                  <a:srgbClr val="000066"/>
+                </a:solidFill>
+              </a:rPr>
+              <a:t>User Changes</a:t>
+            </a:r>
+          </a:p>
+        </p:txBody>
+      </p:sp>
+      <p:sp>
+        <p:nvSpPr>
+          <p:cNvPr id="3" name="Slide Number Placeholder 2"/>
+          <p:cNvSpPr>
+            <a:spLocks noGrp="1"/>
+          </p:cNvSpPr>
+          <p:nvPr>
+            <p:ph type="sldNum" sz="quarter" idx="10"/>
+          </p:nvPr>
+        </p:nvSpPr>
+        <p:spPr/>
+        <p:txBody>
+          <a:bodyPr/>
+          <a:lstStyle/>
+          <a:p>
+            <a:pPr>
+              <a:defRPr/>
+            </a:pPr>
+            <a:fld id="{54D80F8A-463A-4890-BC87-BDB129B2791E}" type="slidenum">
+              <a:rPr lang="en-US" smtClean="0"/>
+              <a:pPr>
+                <a:defRPr/>
+              </a:pPr>
+              <a:t>23</a:t>
+            </a:fld>
+            <a:endParaRPr lang="en-US" dirty="0"/>
+          </a:p>
+        </p:txBody>
+      </p:sp>
+      <p:pic>
+        <p:nvPicPr>
+          <p:cNvPr id="5" name="Picture 4"/>
+          <p:cNvPicPr>
+            <a:picLocks noChangeAspect="1"/>
+          </p:cNvPicPr>
+          <p:nvPr/>
+        </p:nvPicPr>
+        <p:blipFill>
+          <a:blip r:embed="rId4"/>
+          <a:stretch>
+            <a:fillRect/>
+          </a:stretch>
+        </p:blipFill>
+        <p:spPr>
+          <a:xfrm>
+            <a:off x="1600200" y="2819400"/>
+            <a:ext cx="7067550" cy="3343275"/>
+          </a:xfrm>
+          <a:prstGeom prst="rect">
+            <a:avLst/>
+          </a:prstGeom>
+        </p:spPr>
+      </p:pic>
+    </p:spTree>
+    <p:extLst>
+      <p:ext uri="{BB962C8B-B14F-4D97-AF65-F5344CB8AC3E}">
+        <p14:creationId xmlns:p14="http://schemas.microsoft.com/office/powerpoint/2010/main" val="586325814"/>
+      </p:ext>
+    </p:extLst>
+  </p:cSld>
+  <p:clrMapOvr>
+    <a:masterClrMapping/>
+  </p:clrMapOvr>
+  <p:transition/>
+</p:sld>
+</file>
+
+<file path=ppt/slides/slide24.xml><?xml version="1.0" encoding="utf-8"?>
 <p:sld xmlns:a="http://schemas.openxmlformats.org/drawingml/2006/main" xmlns:r="http://schemas.openxmlformats.org/officeDocument/2006/relationships" xmlns:p="http://schemas.openxmlformats.org/presentationml/2006/main">
   <p:cSld>
     <p:spTree>
@@ -14697,18 +15020,13 @@
           <a:lstStyle/>
           <a:p>
             <a:r>
-              <a:rPr lang="en-US" dirty="0" smtClean="0">
+              <a:rPr lang="en-US" dirty="0">
                 <a:solidFill>
                   <a:srgbClr val="000066"/>
                 </a:solidFill>
               </a:rPr>
               <a:t>Parameters to Adjust</a:t>
             </a:r>
-            <a:endParaRPr lang="en-US" dirty="0">
-              <a:solidFill>
-                <a:srgbClr val="000066"/>
-              </a:solidFill>
-            </a:endParaRPr>
           </a:p>
         </p:txBody>
       </p:sp>
@@ -14735,7 +15053,7 @@
               <a:pPr>
                 <a:defRPr/>
               </a:pPr>
-              <a:t>22</a:t>
+              <a:t>24</a:t>
             </a:fld>
             <a:endParaRPr lang="en-US" dirty="0"/>
           </a:p>
@@ -14760,10 +15078,34 @@
             <a:tbl>
               <a:tblPr firstRow="1" firstCol="1" bandRow="1"/>
               <a:tblGrid>
-                <a:gridCol w="2992016"/>
-                <a:gridCol w="1527048"/>
-                <a:gridCol w="1527048"/>
-                <a:gridCol w="1527048"/>
+                <a:gridCol w="2992016">
+                  <a:extLst>
+                    <a:ext uri="{9D8B030D-6E8A-4147-A177-3AD203B41FA5}">
+                      <a16:colId xmlns:a16="http://schemas.microsoft.com/office/drawing/2014/main" val="20000"/>
+                    </a:ext>
+                  </a:extLst>
+                </a:gridCol>
+                <a:gridCol w="1527048">
+                  <a:extLst>
+                    <a:ext uri="{9D8B030D-6E8A-4147-A177-3AD203B41FA5}">
+                      <a16:colId xmlns:a16="http://schemas.microsoft.com/office/drawing/2014/main" val="20001"/>
+                    </a:ext>
+                  </a:extLst>
+                </a:gridCol>
+                <a:gridCol w="1527048">
+                  <a:extLst>
+                    <a:ext uri="{9D8B030D-6E8A-4147-A177-3AD203B41FA5}">
+                      <a16:colId xmlns:a16="http://schemas.microsoft.com/office/drawing/2014/main" val="20002"/>
+                    </a:ext>
+                  </a:extLst>
+                </a:gridCol>
+                <a:gridCol w="1527048">
+                  <a:extLst>
+                    <a:ext uri="{9D8B030D-6E8A-4147-A177-3AD203B41FA5}">
+                      <a16:colId xmlns:a16="http://schemas.microsoft.com/office/drawing/2014/main" val="20003"/>
+                    </a:ext>
+                  </a:extLst>
+                </a:gridCol>
               </a:tblGrid>
               <a:tr h="384048">
                 <a:tc>
@@ -15066,6 +15408,11 @@
                     </a:solidFill>
                   </a:tcPr>
                 </a:tc>
+                <a:extLst>
+                  <a:ext uri="{0D108BD9-81ED-4DB2-BD59-A6C34878D82A}">
+                    <a16:rowId xmlns:a16="http://schemas.microsoft.com/office/drawing/2014/main" val="10000"/>
+                  </a:ext>
+                </a:extLst>
               </a:tr>
               <a:tr h="384048">
                 <a:tc>
@@ -15344,6 +15691,11 @@
                     </a:solidFill>
                   </a:tcPr>
                 </a:tc>
+                <a:extLst>
+                  <a:ext uri="{0D108BD9-81ED-4DB2-BD59-A6C34878D82A}">
+                    <a16:rowId xmlns:a16="http://schemas.microsoft.com/office/drawing/2014/main" val="10001"/>
+                  </a:ext>
+                </a:extLst>
               </a:tr>
               <a:tr h="384048">
                 <a:tc>
@@ -15622,6 +15974,11 @@
                     </a:solidFill>
                   </a:tcPr>
                 </a:tc>
+                <a:extLst>
+                  <a:ext uri="{0D108BD9-81ED-4DB2-BD59-A6C34878D82A}">
+                    <a16:rowId xmlns:a16="http://schemas.microsoft.com/office/drawing/2014/main" val="10002"/>
+                  </a:ext>
+                </a:extLst>
               </a:tr>
               <a:tr h="384048">
                 <a:tc>
@@ -15900,6 +16257,11 @@
                     </a:solidFill>
                   </a:tcPr>
                 </a:tc>
+                <a:extLst>
+                  <a:ext uri="{0D108BD9-81ED-4DB2-BD59-A6C34878D82A}">
+                    <a16:rowId xmlns:a16="http://schemas.microsoft.com/office/drawing/2014/main" val="10003"/>
+                  </a:ext>
+                </a:extLst>
               </a:tr>
               <a:tr h="384048">
                 <a:tc>
@@ -16187,6 +16549,11 @@
                     </a:solidFill>
                   </a:tcPr>
                 </a:tc>
+                <a:extLst>
+                  <a:ext uri="{0D108BD9-81ED-4DB2-BD59-A6C34878D82A}">
+                    <a16:rowId xmlns:a16="http://schemas.microsoft.com/office/drawing/2014/main" val="10004"/>
+                  </a:ext>
+                </a:extLst>
               </a:tr>
               <a:tr h="384048">
                 <a:tc>
@@ -16465,6 +16832,11 @@
                     </a:solidFill>
                   </a:tcPr>
                 </a:tc>
+                <a:extLst>
+                  <a:ext uri="{0D108BD9-81ED-4DB2-BD59-A6C34878D82A}">
+                    <a16:rowId xmlns:a16="http://schemas.microsoft.com/office/drawing/2014/main" val="10005"/>
+                  </a:ext>
+                </a:extLst>
               </a:tr>
               <a:tr h="384048">
                 <a:tc>
@@ -16743,6 +17115,11 @@
                     </a:solidFill>
                   </a:tcPr>
                 </a:tc>
+                <a:extLst>
+                  <a:ext uri="{0D108BD9-81ED-4DB2-BD59-A6C34878D82A}">
+                    <a16:rowId xmlns:a16="http://schemas.microsoft.com/office/drawing/2014/main" val="10006"/>
+                  </a:ext>
+                </a:extLst>
               </a:tr>
               <a:tr h="384048">
                 <a:tc>
@@ -17021,6 +17398,11 @@
                     </a:solidFill>
                   </a:tcPr>
                 </a:tc>
+                <a:extLst>
+                  <a:ext uri="{0D108BD9-81ED-4DB2-BD59-A6C34878D82A}">
+                    <a16:rowId xmlns:a16="http://schemas.microsoft.com/office/drawing/2014/main" val="10007"/>
+                  </a:ext>
+                </a:extLst>
               </a:tr>
               <a:tr h="384048">
                 <a:tc>
@@ -17299,6 +17681,11 @@
                     </a:solidFill>
                   </a:tcPr>
                 </a:tc>
+                <a:extLst>
+                  <a:ext uri="{0D108BD9-81ED-4DB2-BD59-A6C34878D82A}">
+                    <a16:rowId xmlns:a16="http://schemas.microsoft.com/office/drawing/2014/main" val="10008"/>
+                  </a:ext>
+                </a:extLst>
               </a:tr>
               <a:tr h="384048">
                 <a:tc>
@@ -17324,19 +17711,10 @@
                           <a:ea typeface="Calibri" panose="020F0502020204030204" pitchFamily="34" charset="0"/>
                           <a:cs typeface="Times New Roman" panose="02020603050405020304" pitchFamily="18" charset="0"/>
                         </a:rPr>
-                        <a:t>Ge Crystal Density [</a:t>
+                        <a:t>Ge Crystal Density [g/cm</a:t>
                       </a:r>
                       <a:r>
-                        <a:rPr lang="en-US" sz="1425" dirty="0" smtClean="0">
-                          <a:effectLst/>
-                          <a:latin typeface="+mn-lt"/>
-                          <a:ea typeface="Calibri" panose="020F0502020204030204" pitchFamily="34" charset="0"/>
-                          <a:cs typeface="Times New Roman" panose="02020603050405020304" pitchFamily="18" charset="0"/>
-                        </a:rPr>
-                        <a:t>g/cm</a:t>
-                      </a:r>
-                      <a:r>
-                        <a:rPr lang="en-US" sz="1425" baseline="30000" dirty="0" smtClean="0">
+                        <a:rPr lang="en-US" sz="1425" baseline="30000" dirty="0">
                           <a:effectLst/>
                           <a:latin typeface="+mn-lt"/>
                           <a:ea typeface="Calibri" panose="020F0502020204030204" pitchFamily="34" charset="0"/>
@@ -17345,7 +17723,7 @@
                         <a:t>3</a:t>
                       </a:r>
                       <a:r>
-                        <a:rPr lang="en-US" sz="1425" dirty="0" smtClean="0">
+                        <a:rPr lang="en-US" sz="1425" dirty="0">
                           <a:effectLst/>
                           <a:latin typeface="+mn-lt"/>
                           <a:ea typeface="Calibri" panose="020F0502020204030204" pitchFamily="34" charset="0"/>
@@ -17353,12 +17731,6 @@
                         </a:rPr>
                         <a:t>]</a:t>
                       </a:r>
-                      <a:endParaRPr lang="en-US" sz="1425" dirty="0">
-                        <a:effectLst/>
-                        <a:latin typeface="+mn-lt"/>
-                        <a:ea typeface="Calibri" panose="020F0502020204030204" pitchFamily="34" charset="0"/>
-                        <a:cs typeface="Times New Roman" panose="02020603050405020304" pitchFamily="18" charset="0"/>
-                      </a:endParaRPr>
                     </a:p>
                   </a:txBody>
                   <a:tcPr marL="68580" marR="68580" marT="0" marB="0" anchor="ctr">
@@ -17610,6 +17982,11 @@
                     </a:solidFill>
                   </a:tcPr>
                 </a:tc>
+                <a:extLst>
+                  <a:ext uri="{0D108BD9-81ED-4DB2-BD59-A6C34878D82A}">
+                    <a16:rowId xmlns:a16="http://schemas.microsoft.com/office/drawing/2014/main" val="10009"/>
+                  </a:ext>
+                </a:extLst>
               </a:tr>
             </a:tbl>
           </a:graphicData>
@@ -17626,17 +18003,10 @@
     <a:masterClrMapping/>
   </p:clrMapOvr>
   <p:transition/>
-  <p:timing>
-    <p:tnLst>
-      <p:par>
-        <p:cTn id="1" dur="indefinite" restart="never" nodeType="tmRoot"/>
-      </p:par>
-    </p:tnLst>
-  </p:timing>
 </p:sld>
 </file>
 
-<file path=ppt/slides/slide23.xml><?xml version="1.0" encoding="utf-8"?>
+<file path=ppt/slides/slide25.xml><?xml version="1.0" encoding="utf-8"?>
 <p:sld xmlns:a="http://schemas.openxmlformats.org/drawingml/2006/main" xmlns:r="http://schemas.openxmlformats.org/officeDocument/2006/relationships" xmlns:p="http://schemas.openxmlformats.org/presentationml/2006/main">
   <p:cSld>
     <p:spTree>
@@ -17693,10 +18063,9 @@
           <a:lstStyle/>
           <a:p>
             <a:r>
-              <a:rPr lang="en-US" dirty="0" smtClean="0"/>
+              <a:rPr lang="en-US" dirty="0"/>
               <a:t>What is Created</a:t>
             </a:r>
-            <a:endParaRPr lang="en-US" dirty="0"/>
           </a:p>
         </p:txBody>
       </p:sp>
@@ -17723,7 +18092,7 @@
               <a:pPr>
                 <a:defRPr/>
               </a:pPr>
-              <a:t>23</a:t>
+              <a:t>25</a:t>
             </a:fld>
             <a:endParaRPr lang="en-US" dirty="0"/>
           </a:p>
@@ -17752,13 +18121,13 @@
           <a:lstStyle/>
           <a:p>
             <a:r>
-              <a:rPr lang="en-US" dirty="0" smtClean="0"/>
+              <a:rPr lang="en-US" dirty="0"/>
               <a:t>After running MCNP the Output file is striped of its</a:t>
             </a:r>
           </a:p>
           <a:p>
             <a:r>
-              <a:rPr lang="en-US" dirty="0" smtClean="0"/>
+              <a:rPr lang="en-US" dirty="0"/>
               <a:t>relevant information.</a:t>
             </a:r>
           </a:p>
@@ -17767,13 +18136,13 @@
           </a:p>
           <a:p>
             <a:r>
-              <a:rPr lang="en-US" dirty="0" smtClean="0"/>
+              <a:rPr lang="en-US" dirty="0"/>
               <a:t>Once acquired the Error and the Chi square </a:t>
             </a:r>
           </a:p>
           <a:p>
             <a:r>
-              <a:rPr lang="en-US" dirty="0" smtClean="0"/>
+              <a:rPr lang="en-US" dirty="0"/>
               <a:t>Can be determined</a:t>
             </a:r>
           </a:p>
@@ -17782,10 +18151,9 @@
           </a:p>
           <a:p>
             <a:r>
-              <a:rPr lang="en-US" dirty="0" smtClean="0"/>
+              <a:rPr lang="en-US" dirty="0"/>
               <a:t>Additionally Plots are able to be created at this point</a:t>
             </a:r>
-            <a:endParaRPr lang="en-US" dirty="0"/>
           </a:p>
         </p:txBody>
       </p:sp>
@@ -17800,17 +18168,10 @@
     <a:masterClrMapping/>
   </p:clrMapOvr>
   <p:transition/>
-  <p:timing>
-    <p:tnLst>
-      <p:par>
-        <p:cTn id="1" dur="indefinite" restart="never" nodeType="tmRoot"/>
-      </p:par>
-    </p:tnLst>
-  </p:timing>
 </p:sld>
 </file>
 
-<file path=ppt/slides/slide24.xml><?xml version="1.0" encoding="utf-8"?>
+<file path=ppt/slides/slide26.xml><?xml version="1.0" encoding="utf-8"?>
 <p:sld xmlns:a="http://schemas.openxmlformats.org/drawingml/2006/main" xmlns:r="http://schemas.openxmlformats.org/officeDocument/2006/relationships" xmlns:p="http://schemas.openxmlformats.org/presentationml/2006/main">
   <p:cSld>
     <p:spTree>
@@ -17843,18 +18204,13 @@
           <a:lstStyle/>
           <a:p>
             <a:r>
-              <a:rPr lang="en-US" dirty="0" smtClean="0">
+              <a:rPr lang="en-US" dirty="0">
                 <a:solidFill>
                   <a:srgbClr val="000066"/>
                 </a:solidFill>
               </a:rPr>
               <a:t>Before After</a:t>
             </a:r>
-            <a:endParaRPr lang="en-US" dirty="0">
-              <a:solidFill>
-                <a:srgbClr val="000066"/>
-              </a:solidFill>
-            </a:endParaRPr>
           </a:p>
         </p:txBody>
       </p:sp>
@@ -17877,7 +18233,7 @@
               <a:buFont typeface="+mj-lt"/>
               <a:buAutoNum type="arabicPeriod"/>
             </a:pPr>
-            <a:endParaRPr lang="en-US" dirty="0" smtClean="0"/>
+            <a:endParaRPr lang="en-US" dirty="0"/>
           </a:p>
           <a:p>
             <a:pPr marL="457200" indent="-457200">
@@ -17911,7 +18267,7 @@
               <a:pPr>
                 <a:defRPr/>
               </a:pPr>
-              <a:t>24</a:t>
+              <a:t>26</a:t>
             </a:fld>
             <a:endParaRPr lang="en-US" dirty="0"/>
           </a:p>
@@ -17935,12 +18291,12 @@
           <a:graphicData uri="http://schemas.openxmlformats.org/presentationml/2006/ole">
             <mc:AlternateContent xmlns:mc="http://schemas.openxmlformats.org/markup-compatibility/2006">
               <mc:Choice xmlns:v="urn:schemas-microsoft-com:vml" Requires="v">
-                <p:oleObj spid="_x0000_s2050" name="Worksheet" r:id="rId5" imgW="7324560" imgH="5915025" progId="Excel.Sheet.12">
+                <p:oleObj spid="_x0000_s2052" name="Worksheet" r:id="rId4" imgW="7324560" imgH="5915025" progId="Excel.Sheet.12">
                   <p:embed/>
                 </p:oleObj>
               </mc:Choice>
               <mc:Fallback>
-                <p:oleObj name="Worksheet" r:id="rId5" imgW="7324560" imgH="5915025" progId="Excel.Sheet.12">
+                <p:oleObj name="Worksheet" r:id="rId4" imgW="7324560" imgH="5915025" progId="Excel.Sheet.12">
                   <p:embed/>
                   <p:pic>
                     <p:nvPicPr>
@@ -17949,7 +18305,7 @@
                       <p:nvPr/>
                     </p:nvPicPr>
                     <p:blipFill>
-                      <a:blip r:embed="rId6"/>
+                      <a:blip r:embed="rId5"/>
                       <a:stretch>
                         <a:fillRect/>
                       </a:stretch>
@@ -17981,17 +18337,10 @@
     <a:masterClrMapping/>
   </p:clrMapOvr>
   <p:transition/>
-  <p:timing>
-    <p:tnLst>
-      <p:par>
-        <p:cTn id="1" dur="indefinite" restart="never" nodeType="tmRoot"/>
-      </p:par>
-    </p:tnLst>
-  </p:timing>
 </p:sld>
 </file>
 
-<file path=ppt/slides/slide25.xml><?xml version="1.0" encoding="utf-8"?>
+<file path=ppt/slides/slide27.xml><?xml version="1.0" encoding="utf-8"?>
 <p:sld xmlns:a="http://schemas.openxmlformats.org/drawingml/2006/main" xmlns:r="http://schemas.openxmlformats.org/officeDocument/2006/relationships" xmlns:p="http://schemas.openxmlformats.org/presentationml/2006/main">
   <p:cSld>
     <p:spTree>
@@ -18024,18 +18373,13 @@
           <a:lstStyle/>
           <a:p>
             <a:r>
-              <a:rPr lang="en-US" dirty="0" smtClean="0">
+              <a:rPr lang="en-US" dirty="0">
                 <a:solidFill>
                   <a:srgbClr val="000066"/>
                 </a:solidFill>
               </a:rPr>
               <a:t>Position 1</a:t>
             </a:r>
-            <a:endParaRPr lang="en-US" dirty="0">
-              <a:solidFill>
-                <a:srgbClr val="000066"/>
-              </a:solidFill>
-            </a:endParaRPr>
           </a:p>
         </p:txBody>
       </p:sp>
@@ -18062,7 +18406,7 @@
               <a:pPr>
                 <a:defRPr/>
               </a:pPr>
-              <a:t>25</a:t>
+              <a:t>27</a:t>
             </a:fld>
             <a:endParaRPr lang="en-US" dirty="0"/>
           </a:p>
@@ -18123,47 +18467,47 @@
           <a:lstStyle/>
           <a:p>
             <a:r>
-              <a:rPr lang="en-US" b="1" dirty="0" err="1" smtClean="0"/>
+              <a:rPr lang="en-US" b="1" dirty="0" err="1"/>
               <a:t>Avg</a:t>
             </a:r>
             <a:r>
-              <a:rPr lang="en-US" b="1" dirty="0" smtClean="0"/>
+              <a:rPr lang="en-US" b="1" dirty="0"/>
               <a:t> </a:t>
             </a:r>
             <a:r>
-              <a:rPr lang="en-US" b="1" dirty="0" err="1" smtClean="0"/>
+              <a:rPr lang="en-US" b="1" dirty="0" err="1"/>
               <a:t>Rel</a:t>
             </a:r>
             <a:r>
-              <a:rPr lang="en-US" b="1" dirty="0" smtClean="0"/>
+              <a:rPr lang="en-US" b="1" dirty="0"/>
               <a:t> Error: 52.1%</a:t>
             </a:r>
           </a:p>
           <a:p>
             <a:r>
-              <a:rPr lang="en-US" b="1" dirty="0" smtClean="0"/>
+              <a:rPr lang="en-US" b="1" dirty="0"/>
               <a:t>Max </a:t>
             </a:r>
             <a:r>
-              <a:rPr lang="en-US" b="1" dirty="0" err="1" smtClean="0"/>
+              <a:rPr lang="en-US" b="1" dirty="0" err="1"/>
               <a:t>Rel</a:t>
             </a:r>
             <a:r>
-              <a:rPr lang="en-US" b="1" dirty="0" smtClean="0"/>
+              <a:rPr lang="en-US" b="1" dirty="0"/>
               <a:t> Error: 452%</a:t>
             </a:r>
           </a:p>
           <a:p>
             <a:r>
-              <a:rPr lang="en-US" b="1" dirty="0" smtClean="0"/>
+              <a:rPr lang="en-US" b="1" dirty="0"/>
               <a:t>Min  </a:t>
             </a:r>
             <a:r>
-              <a:rPr lang="en-US" b="1" dirty="0" err="1" smtClean="0"/>
+              <a:rPr lang="en-US" b="1" dirty="0" err="1"/>
               <a:t>Rel</a:t>
             </a:r>
             <a:r>
-              <a:rPr lang="en-US" b="1" dirty="0" smtClean="0"/>
+              <a:rPr lang="en-US" b="1" dirty="0"/>
               <a:t> Error: 0.237%</a:t>
             </a:r>
           </a:p>
@@ -18180,17 +18524,10 @@
     <a:masterClrMapping/>
   </p:clrMapOvr>
   <p:transition/>
-  <p:timing>
-    <p:tnLst>
-      <p:par>
-        <p:cTn id="1" dur="indefinite" restart="never" nodeType="tmRoot"/>
-      </p:par>
-    </p:tnLst>
-  </p:timing>
 </p:sld>
 </file>
 
-<file path=ppt/slides/slide26.xml><?xml version="1.0" encoding="utf-8"?>
+<file path=ppt/slides/slide28.xml><?xml version="1.0" encoding="utf-8"?>
 <p:sld xmlns:a="http://schemas.openxmlformats.org/drawingml/2006/main" xmlns:r="http://schemas.openxmlformats.org/officeDocument/2006/relationships" xmlns:p="http://schemas.openxmlformats.org/presentationml/2006/main">
   <p:cSld>
     <p:spTree>
@@ -18223,18 +18560,13 @@
           <a:lstStyle/>
           <a:p>
             <a:r>
-              <a:rPr lang="en-US" dirty="0" smtClean="0">
+              <a:rPr lang="en-US" dirty="0">
                 <a:solidFill>
                   <a:srgbClr val="000066"/>
                 </a:solidFill>
               </a:rPr>
               <a:t>Position 2</a:t>
             </a:r>
-            <a:endParaRPr lang="en-US" dirty="0">
-              <a:solidFill>
-                <a:srgbClr val="000066"/>
-              </a:solidFill>
-            </a:endParaRPr>
           </a:p>
         </p:txBody>
       </p:sp>
@@ -18261,7 +18593,7 @@
               <a:pPr>
                 <a:defRPr/>
               </a:pPr>
-              <a:t>26</a:t>
+              <a:t>28</a:t>
             </a:fld>
             <a:endParaRPr lang="en-US" dirty="0"/>
           </a:p>
@@ -18323,47 +18655,47 @@
           <a:lstStyle/>
           <a:p>
             <a:r>
-              <a:rPr lang="en-US" b="1" dirty="0" err="1" smtClean="0"/>
+              <a:rPr lang="en-US" b="1" dirty="0" err="1"/>
               <a:t>Avg</a:t>
             </a:r>
             <a:r>
-              <a:rPr lang="en-US" b="1" dirty="0" smtClean="0"/>
+              <a:rPr lang="en-US" b="1" dirty="0"/>
               <a:t> </a:t>
             </a:r>
             <a:r>
-              <a:rPr lang="en-US" b="1" dirty="0" err="1" smtClean="0"/>
+              <a:rPr lang="en-US" b="1" dirty="0" err="1"/>
               <a:t>Rel</a:t>
             </a:r>
             <a:r>
-              <a:rPr lang="en-US" b="1" dirty="0" smtClean="0"/>
+              <a:rPr lang="en-US" b="1" dirty="0"/>
               <a:t> Error: 47.8%</a:t>
             </a:r>
           </a:p>
           <a:p>
             <a:r>
-              <a:rPr lang="en-US" b="1" dirty="0" smtClean="0"/>
+              <a:rPr lang="en-US" b="1" dirty="0"/>
               <a:t>Max </a:t>
             </a:r>
             <a:r>
-              <a:rPr lang="en-US" b="1" dirty="0" err="1" smtClean="0"/>
+              <a:rPr lang="en-US" b="1" dirty="0" err="1"/>
               <a:t>Rel</a:t>
             </a:r>
             <a:r>
-              <a:rPr lang="en-US" b="1" dirty="0" smtClean="0"/>
+              <a:rPr lang="en-US" b="1" dirty="0"/>
               <a:t> Error: 423%</a:t>
             </a:r>
           </a:p>
           <a:p>
             <a:r>
-              <a:rPr lang="en-US" b="1" dirty="0" smtClean="0"/>
+              <a:rPr lang="en-US" b="1" dirty="0"/>
               <a:t>Min  </a:t>
             </a:r>
             <a:r>
-              <a:rPr lang="en-US" b="1" dirty="0" err="1" smtClean="0"/>
+              <a:rPr lang="en-US" b="1" dirty="0" err="1"/>
               <a:t>Rel</a:t>
             </a:r>
             <a:r>
-              <a:rPr lang="en-US" b="1" dirty="0" smtClean="0"/>
+              <a:rPr lang="en-US" b="1" dirty="0"/>
               <a:t> Error: 0.696%</a:t>
             </a:r>
           </a:p>
@@ -18380,17 +18712,10 @@
     <a:masterClrMapping/>
   </p:clrMapOvr>
   <p:transition/>
-  <p:timing>
-    <p:tnLst>
-      <p:par>
-        <p:cTn id="1" dur="indefinite" restart="never" nodeType="tmRoot"/>
-      </p:par>
-    </p:tnLst>
-  </p:timing>
 </p:sld>
 </file>
 
-<file path=ppt/slides/slide27.xml><?xml version="1.0" encoding="utf-8"?>
+<file path=ppt/slides/slide29.xml><?xml version="1.0" encoding="utf-8"?>
 <p:sld xmlns:a="http://schemas.openxmlformats.org/drawingml/2006/main" xmlns:r="http://schemas.openxmlformats.org/officeDocument/2006/relationships" xmlns:p="http://schemas.openxmlformats.org/presentationml/2006/main">
   <p:cSld>
     <p:spTree>
@@ -18423,18 +18748,13 @@
           <a:lstStyle/>
           <a:p>
             <a:r>
-              <a:rPr lang="en-US" dirty="0" smtClean="0">
+              <a:rPr lang="en-US" dirty="0">
                 <a:solidFill>
                   <a:srgbClr val="000066"/>
                 </a:solidFill>
               </a:rPr>
               <a:t>Position 3</a:t>
             </a:r>
-            <a:endParaRPr lang="en-US" dirty="0">
-              <a:solidFill>
-                <a:srgbClr val="000066"/>
-              </a:solidFill>
-            </a:endParaRPr>
           </a:p>
         </p:txBody>
       </p:sp>
@@ -18461,7 +18781,7 @@
               <a:pPr>
                 <a:defRPr/>
               </a:pPr>
-              <a:t>27</a:t>
+              <a:t>29</a:t>
             </a:fld>
             <a:endParaRPr lang="en-US" dirty="0"/>
           </a:p>
@@ -18523,47 +18843,47 @@
           <a:lstStyle/>
           <a:p>
             <a:r>
-              <a:rPr lang="en-US" b="1" dirty="0" err="1" smtClean="0"/>
+              <a:rPr lang="en-US" b="1" dirty="0" err="1"/>
               <a:t>Avg</a:t>
             </a:r>
             <a:r>
-              <a:rPr lang="en-US" b="1" dirty="0" smtClean="0"/>
+              <a:rPr lang="en-US" b="1" dirty="0"/>
               <a:t> </a:t>
             </a:r>
             <a:r>
-              <a:rPr lang="en-US" b="1" dirty="0" err="1" smtClean="0"/>
+              <a:rPr lang="en-US" b="1" dirty="0" err="1"/>
               <a:t>Rel</a:t>
             </a:r>
             <a:r>
-              <a:rPr lang="en-US" b="1" dirty="0" smtClean="0"/>
+              <a:rPr lang="en-US" b="1" dirty="0"/>
               <a:t> Error: 32.6%</a:t>
             </a:r>
           </a:p>
           <a:p>
             <a:r>
-              <a:rPr lang="en-US" b="1" dirty="0" smtClean="0"/>
+              <a:rPr lang="en-US" b="1" dirty="0"/>
               <a:t>Max </a:t>
             </a:r>
             <a:r>
-              <a:rPr lang="en-US" b="1" dirty="0" err="1" smtClean="0"/>
+              <a:rPr lang="en-US" b="1" dirty="0" err="1"/>
               <a:t>Rel</a:t>
             </a:r>
             <a:r>
-              <a:rPr lang="en-US" b="1" dirty="0" smtClean="0"/>
+              <a:rPr lang="en-US" b="1" dirty="0"/>
               <a:t> Error: 259%</a:t>
             </a:r>
           </a:p>
           <a:p>
             <a:r>
-              <a:rPr lang="en-US" b="1" dirty="0" smtClean="0"/>
+              <a:rPr lang="en-US" b="1" dirty="0"/>
               <a:t>Min  </a:t>
             </a:r>
             <a:r>
-              <a:rPr lang="en-US" b="1" dirty="0" err="1" smtClean="0"/>
+              <a:rPr lang="en-US" b="1" dirty="0" err="1"/>
               <a:t>Rel</a:t>
             </a:r>
             <a:r>
-              <a:rPr lang="en-US" b="1" dirty="0" smtClean="0"/>
+              <a:rPr lang="en-US" b="1" dirty="0"/>
               <a:t> Error: 5.68%</a:t>
             </a:r>
           </a:p>
@@ -18580,413 +18900,6 @@
     <a:masterClrMapping/>
   </p:clrMapOvr>
   <p:transition/>
-  <p:timing>
-    <p:tnLst>
-      <p:par>
-        <p:cTn id="1" dur="indefinite" restart="never" nodeType="tmRoot"/>
-      </p:par>
-    </p:tnLst>
-  </p:timing>
-</p:sld>
-</file>
-
-<file path=ppt/slides/slide28.xml><?xml version="1.0" encoding="utf-8"?>
-<p:sld xmlns:a="http://schemas.openxmlformats.org/drawingml/2006/main" xmlns:r="http://schemas.openxmlformats.org/officeDocument/2006/relationships" xmlns:p="http://schemas.openxmlformats.org/presentationml/2006/main">
-  <p:cSld>
-    <p:spTree>
-      <p:nvGrpSpPr>
-        <p:cNvPr id="1" name=""/>
-        <p:cNvGrpSpPr/>
-        <p:nvPr/>
-      </p:nvGrpSpPr>
-      <p:grpSpPr>
-        <a:xfrm>
-          <a:off x="0" y="0"/>
-          <a:ext cx="0" cy="0"/>
-          <a:chOff x="0" y="0"/>
-          <a:chExt cx="0" cy="0"/>
-        </a:xfrm>
-      </p:grpSpPr>
-      <p:sp>
-        <p:nvSpPr>
-          <p:cNvPr id="2" name="Title 1"/>
-          <p:cNvSpPr>
-            <a:spLocks noGrp="1"/>
-          </p:cNvSpPr>
-          <p:nvPr>
-            <p:ph type="title"/>
-          </p:nvPr>
-        </p:nvSpPr>
-        <p:spPr/>
-        <p:txBody>
-          <a:bodyPr/>
-          <a:lstStyle/>
-          <a:p>
-            <a:r>
-              <a:rPr lang="en-US" dirty="0" smtClean="0">
-                <a:solidFill>
-                  <a:srgbClr val="000066"/>
-                </a:solidFill>
-              </a:rPr>
-              <a:t>Position 4</a:t>
-            </a:r>
-            <a:endParaRPr lang="en-US" dirty="0">
-              <a:solidFill>
-                <a:srgbClr val="000066"/>
-              </a:solidFill>
-            </a:endParaRPr>
-          </a:p>
-        </p:txBody>
-      </p:sp>
-      <p:sp>
-        <p:nvSpPr>
-          <p:cNvPr id="4" name="Slide Number Placeholder 3"/>
-          <p:cNvSpPr>
-            <a:spLocks noGrp="1"/>
-          </p:cNvSpPr>
-          <p:nvPr>
-            <p:ph type="sldNum" sz="quarter" idx="10"/>
-          </p:nvPr>
-        </p:nvSpPr>
-        <p:spPr/>
-        <p:txBody>
-          <a:bodyPr/>
-          <a:lstStyle/>
-          <a:p>
-            <a:pPr>
-              <a:defRPr/>
-            </a:pPr>
-            <a:fld id="{19845459-3F1B-4F43-8FC0-35ADCE8623CC}" type="slidenum">
-              <a:rPr lang="en-US" smtClean="0"/>
-              <a:pPr>
-                <a:defRPr/>
-              </a:pPr>
-              <a:t>28</a:t>
-            </a:fld>
-            <a:endParaRPr lang="en-US" dirty="0"/>
-          </a:p>
-        </p:txBody>
-      </p:sp>
-      <p:pic>
-        <p:nvPicPr>
-          <p:cNvPr id="3" name="Picture 2"/>
-          <p:cNvPicPr>
-            <a:picLocks noChangeAspect="1"/>
-          </p:cNvPicPr>
-          <p:nvPr/>
-        </p:nvPicPr>
-        <p:blipFill>
-          <a:blip r:embed="rId3">
-            <a:extLst>
-              <a:ext uri="{28A0092B-C50C-407E-A947-70E740481C1C}">
-                <a14:useLocalDpi xmlns:a14="http://schemas.microsoft.com/office/drawing/2010/main" val="0"/>
-              </a:ext>
-            </a:extLst>
-          </a:blip>
-          <a:stretch>
-            <a:fillRect/>
-          </a:stretch>
-        </p:blipFill>
-        <p:spPr>
-          <a:xfrm>
-            <a:off x="228600" y="1188720"/>
-            <a:ext cx="6858000" cy="5143500"/>
-          </a:xfrm>
-          <a:prstGeom prst="rect">
-            <a:avLst/>
-          </a:prstGeom>
-        </p:spPr>
-      </p:pic>
-      <p:sp>
-        <p:nvSpPr>
-          <p:cNvPr id="8" name="TextBox 7"/>
-          <p:cNvSpPr txBox="1"/>
-          <p:nvPr/>
-        </p:nvSpPr>
-        <p:spPr>
-          <a:xfrm>
-            <a:off x="6400800" y="2971800"/>
-            <a:ext cx="2590800" cy="923330"/>
-          </a:xfrm>
-          <a:prstGeom prst="rect">
-            <a:avLst/>
-          </a:prstGeom>
-          <a:noFill/>
-          <a:ln>
-            <a:noFill/>
-          </a:ln>
-        </p:spPr>
-        <p:txBody>
-          <a:bodyPr wrap="square" rtlCol="0">
-            <a:spAutoFit/>
-          </a:bodyPr>
-          <a:lstStyle/>
-          <a:p>
-            <a:r>
-              <a:rPr lang="en-US" b="1" dirty="0" err="1" smtClean="0"/>
-              <a:t>Avg</a:t>
-            </a:r>
-            <a:r>
-              <a:rPr lang="en-US" b="1" dirty="0" smtClean="0"/>
-              <a:t> </a:t>
-            </a:r>
-            <a:r>
-              <a:rPr lang="en-US" b="1" dirty="0" err="1" smtClean="0"/>
-              <a:t>Rel</a:t>
-            </a:r>
-            <a:r>
-              <a:rPr lang="en-US" b="1" dirty="0" smtClean="0"/>
-              <a:t> Error: 52%</a:t>
-            </a:r>
-          </a:p>
-          <a:p>
-            <a:r>
-              <a:rPr lang="en-US" b="1" dirty="0" smtClean="0"/>
-              <a:t>Max </a:t>
-            </a:r>
-            <a:r>
-              <a:rPr lang="en-US" b="1" dirty="0" err="1" smtClean="0"/>
-              <a:t>Rel</a:t>
-            </a:r>
-            <a:r>
-              <a:rPr lang="en-US" b="1" dirty="0" smtClean="0"/>
-              <a:t> Error: 452%</a:t>
-            </a:r>
-          </a:p>
-          <a:p>
-            <a:r>
-              <a:rPr lang="en-US" b="1" dirty="0" smtClean="0"/>
-              <a:t>Min  </a:t>
-            </a:r>
-            <a:r>
-              <a:rPr lang="en-US" b="1" dirty="0" err="1" smtClean="0"/>
-              <a:t>Rel</a:t>
-            </a:r>
-            <a:r>
-              <a:rPr lang="en-US" b="1" dirty="0" smtClean="0"/>
-              <a:t> Error: 0.2%</a:t>
-            </a:r>
-          </a:p>
-        </p:txBody>
-      </p:sp>
-    </p:spTree>
-    <p:extLst>
-      <p:ext uri="{BB962C8B-B14F-4D97-AF65-F5344CB8AC3E}">
-        <p14:creationId xmlns:p14="http://schemas.microsoft.com/office/powerpoint/2010/main" val="636891016"/>
-      </p:ext>
-    </p:extLst>
-  </p:cSld>
-  <p:clrMapOvr>
-    <a:masterClrMapping/>
-  </p:clrMapOvr>
-  <p:transition/>
-  <p:timing>
-    <p:tnLst>
-      <p:par>
-        <p:cTn id="1" dur="indefinite" restart="never" nodeType="tmRoot"/>
-      </p:par>
-    </p:tnLst>
-  </p:timing>
-</p:sld>
-</file>
-
-<file path=ppt/slides/slide29.xml><?xml version="1.0" encoding="utf-8"?>
-<p:sld xmlns:a="http://schemas.openxmlformats.org/drawingml/2006/main" xmlns:r="http://schemas.openxmlformats.org/officeDocument/2006/relationships" xmlns:p="http://schemas.openxmlformats.org/presentationml/2006/main">
-  <p:cSld>
-    <p:spTree>
-      <p:nvGrpSpPr>
-        <p:cNvPr id="1" name=""/>
-        <p:cNvGrpSpPr/>
-        <p:nvPr/>
-      </p:nvGrpSpPr>
-      <p:grpSpPr>
-        <a:xfrm>
-          <a:off x="0" y="0"/>
-          <a:ext cx="0" cy="0"/>
-          <a:chOff x="0" y="0"/>
-          <a:chExt cx="0" cy="0"/>
-        </a:xfrm>
-      </p:grpSpPr>
-      <p:sp>
-        <p:nvSpPr>
-          <p:cNvPr id="2" name="Title 1"/>
-          <p:cNvSpPr>
-            <a:spLocks noGrp="1"/>
-          </p:cNvSpPr>
-          <p:nvPr>
-            <p:ph type="title"/>
-          </p:nvPr>
-        </p:nvSpPr>
-        <p:spPr/>
-        <p:txBody>
-          <a:bodyPr/>
-          <a:lstStyle/>
-          <a:p>
-            <a:r>
-              <a:rPr lang="en-US" dirty="0" smtClean="0">
-                <a:solidFill>
-                  <a:srgbClr val="000066"/>
-                </a:solidFill>
-              </a:rPr>
-              <a:t>Position 5</a:t>
-            </a:r>
-            <a:endParaRPr lang="en-US" dirty="0">
-              <a:solidFill>
-                <a:srgbClr val="000066"/>
-              </a:solidFill>
-            </a:endParaRPr>
-          </a:p>
-        </p:txBody>
-      </p:sp>
-      <p:sp>
-        <p:nvSpPr>
-          <p:cNvPr id="4" name="Slide Number Placeholder 3"/>
-          <p:cNvSpPr>
-            <a:spLocks noGrp="1"/>
-          </p:cNvSpPr>
-          <p:nvPr>
-            <p:ph type="sldNum" sz="quarter" idx="10"/>
-          </p:nvPr>
-        </p:nvSpPr>
-        <p:spPr/>
-        <p:txBody>
-          <a:bodyPr/>
-          <a:lstStyle/>
-          <a:p>
-            <a:pPr>
-              <a:defRPr/>
-            </a:pPr>
-            <a:fld id="{19845459-3F1B-4F43-8FC0-35ADCE8623CC}" type="slidenum">
-              <a:rPr lang="en-US" smtClean="0"/>
-              <a:pPr>
-                <a:defRPr/>
-              </a:pPr>
-              <a:t>29</a:t>
-            </a:fld>
-            <a:endParaRPr lang="en-US" dirty="0"/>
-          </a:p>
-        </p:txBody>
-      </p:sp>
-      <p:pic>
-        <p:nvPicPr>
-          <p:cNvPr id="3" name="Picture 2"/>
-          <p:cNvPicPr>
-            <a:picLocks noChangeAspect="1"/>
-          </p:cNvPicPr>
-          <p:nvPr/>
-        </p:nvPicPr>
-        <p:blipFill>
-          <a:blip r:embed="rId3">
-            <a:extLst>
-              <a:ext uri="{28A0092B-C50C-407E-A947-70E740481C1C}">
-                <a14:useLocalDpi xmlns:a14="http://schemas.microsoft.com/office/drawing/2010/main" val="0"/>
-              </a:ext>
-            </a:extLst>
-          </a:blip>
-          <a:stretch>
-            <a:fillRect/>
-          </a:stretch>
-        </p:blipFill>
-        <p:spPr>
-          <a:xfrm>
-            <a:off x="228600" y="1188720"/>
-            <a:ext cx="6858000" cy="5143500"/>
-          </a:xfrm>
-          <a:prstGeom prst="rect">
-            <a:avLst/>
-          </a:prstGeom>
-        </p:spPr>
-      </p:pic>
-      <p:sp>
-        <p:nvSpPr>
-          <p:cNvPr id="8" name="TextBox 7"/>
-          <p:cNvSpPr txBox="1"/>
-          <p:nvPr/>
-        </p:nvSpPr>
-        <p:spPr>
-          <a:xfrm>
-            <a:off x="6400800" y="2971800"/>
-            <a:ext cx="2590800" cy="923330"/>
-          </a:xfrm>
-          <a:prstGeom prst="rect">
-            <a:avLst/>
-          </a:prstGeom>
-          <a:noFill/>
-          <a:ln>
-            <a:noFill/>
-          </a:ln>
-        </p:spPr>
-        <p:txBody>
-          <a:bodyPr wrap="square" rtlCol="0">
-            <a:spAutoFit/>
-          </a:bodyPr>
-          <a:lstStyle/>
-          <a:p>
-            <a:r>
-              <a:rPr lang="en-US" b="1" dirty="0" err="1" smtClean="0"/>
-              <a:t>Avg</a:t>
-            </a:r>
-            <a:r>
-              <a:rPr lang="en-US" b="1" dirty="0" smtClean="0"/>
-              <a:t> </a:t>
-            </a:r>
-            <a:r>
-              <a:rPr lang="en-US" b="1" dirty="0" err="1" smtClean="0"/>
-              <a:t>Rel</a:t>
-            </a:r>
-            <a:r>
-              <a:rPr lang="en-US" b="1" dirty="0" smtClean="0"/>
-              <a:t> Error: 49.4%</a:t>
-            </a:r>
-          </a:p>
-          <a:p>
-            <a:r>
-              <a:rPr lang="en-US" b="1" dirty="0" smtClean="0"/>
-              <a:t>Max </a:t>
-            </a:r>
-            <a:r>
-              <a:rPr lang="en-US" b="1" dirty="0" err="1" smtClean="0"/>
-              <a:t>Rel</a:t>
-            </a:r>
-            <a:r>
-              <a:rPr lang="en-US" b="1" dirty="0" smtClean="0"/>
-              <a:t> Error: 380%</a:t>
-            </a:r>
-          </a:p>
-          <a:p>
-            <a:r>
-              <a:rPr lang="en-US" b="1" dirty="0" smtClean="0"/>
-              <a:t>Min  </a:t>
-            </a:r>
-            <a:r>
-              <a:rPr lang="en-US" b="1" dirty="0" err="1" smtClean="0"/>
-              <a:t>Rel</a:t>
-            </a:r>
-            <a:r>
-              <a:rPr lang="en-US" b="1" dirty="0" smtClean="0"/>
-              <a:t> Error: 8.27%</a:t>
-            </a:r>
-          </a:p>
-        </p:txBody>
-      </p:sp>
-    </p:spTree>
-    <p:extLst>
-      <p:ext uri="{BB962C8B-B14F-4D97-AF65-F5344CB8AC3E}">
-        <p14:creationId xmlns:p14="http://schemas.microsoft.com/office/powerpoint/2010/main" val="2084650572"/>
-      </p:ext>
-    </p:extLst>
-  </p:cSld>
-  <p:clrMapOvr>
-    <a:masterClrMapping/>
-  </p:clrMapOvr>
-  <p:transition/>
-  <p:timing>
-    <p:tnLst>
-      <p:par>
-        <p:cTn id="1" dur="indefinite" restart="never" nodeType="tmRoot"/>
-      </p:par>
-    </p:tnLst>
-  </p:timing>
 </p:sld>
 </file>
 
@@ -19023,10 +18936,9 @@
           <a:lstStyle/>
           <a:p>
             <a:r>
-              <a:rPr lang="en-US" dirty="0" smtClean="0"/>
+              <a:rPr lang="en-US" dirty="0"/>
               <a:t>Project Goals</a:t>
             </a:r>
-            <a:endParaRPr lang="en-US" dirty="0"/>
           </a:p>
         </p:txBody>
       </p:sp>
@@ -19048,22 +18960,14 @@
               <a:lstStyle/>
               <a:p>
                 <a:r>
-                  <a:rPr lang="en-US" dirty="0" smtClean="0"/>
+                  <a:rPr lang="en-US" dirty="0"/>
                   <a:t>Design a High-Purity Germanium (HPGe) Monte Carlo N-Particle model</a:t>
                 </a:r>
               </a:p>
               <a:p>
                 <a:r>
-                  <a:rPr lang="en-US" dirty="0" smtClean="0"/>
-                  <a:t>Create an automated parametric </a:t>
-                </a:r>
-                <a:r>
                   <a:rPr lang="en-US" dirty="0"/>
-                  <a:t>optimization </a:t>
-                </a:r>
-                <a:r>
-                  <a:rPr lang="en-US" dirty="0" smtClean="0"/>
-                  <a:t>code to match experimental and simulated efficiencies </a:t>
+                  <a:t>Create an automated parametric optimization code to match experimental and simulated efficiencies </a:t>
                 </a:r>
               </a:p>
               <a:p>
@@ -19211,22 +19115,13 @@
                     </m:r>
                   </m:oMath>
                 </a14:m>
-                <a:endParaRPr lang="en-US" dirty="0" smtClean="0"/>
+                <a:endParaRPr lang="en-US" dirty="0"/>
               </a:p>
               <a:p>
                 <a:r>
-                  <a:rPr lang="en-US" dirty="0" smtClean="0"/>
-                  <a:t>Stretch Goal: Perform an adjoint</a:t>
+                  <a:rPr lang="en-US" dirty="0"/>
+                  <a:t>Stretch Goal: Perform an adjoint flux calculation using ADVANTG</a:t>
                 </a:r>
-                <a:r>
-                  <a:rPr lang="en-US" dirty="0"/>
-                  <a:t> </a:t>
-                </a:r>
-                <a:r>
-                  <a:rPr lang="en-US" dirty="0" smtClean="0"/>
-                  <a:t>flux calculation using ADVANTG</a:t>
-                </a:r>
-                <a:endParaRPr lang="en-US" dirty="0"/>
               </a:p>
             </p:txBody>
           </p:sp>
@@ -19305,13 +19200,6 @@
     <a:masterClrMapping/>
   </p:clrMapOvr>
   <p:transition/>
-  <p:timing>
-    <p:tnLst>
-      <p:par>
-        <p:cTn id="1" dur="indefinite" restart="never" nodeType="tmRoot"/>
-      </p:par>
-    </p:tnLst>
-  </p:timing>
 </p:sld>
 </file>
 
@@ -19348,18 +19236,13 @@
           <a:lstStyle/>
           <a:p>
             <a:r>
-              <a:rPr lang="en-US" dirty="0" smtClean="0">
+              <a:rPr lang="en-US" dirty="0">
                 <a:solidFill>
-                  <a:srgbClr val="FF0000"/>
+                  <a:srgbClr val="000066"/>
                 </a:solidFill>
               </a:rPr>
-              <a:t>Optimized Positions</a:t>
+              <a:t>Position 4</a:t>
             </a:r>
-            <a:endParaRPr lang="en-US" dirty="0">
-              <a:solidFill>
-                <a:srgbClr val="FF0000"/>
-              </a:solidFill>
-            </a:endParaRPr>
           </a:p>
         </p:txBody>
       </p:sp>
@@ -19387,6 +19270,382 @@
                 <a:defRPr/>
               </a:pPr>
               <a:t>30</a:t>
+            </a:fld>
+            <a:endParaRPr lang="en-US" dirty="0"/>
+          </a:p>
+        </p:txBody>
+      </p:sp>
+      <p:pic>
+        <p:nvPicPr>
+          <p:cNvPr id="3" name="Picture 2"/>
+          <p:cNvPicPr>
+            <a:picLocks noChangeAspect="1"/>
+          </p:cNvPicPr>
+          <p:nvPr/>
+        </p:nvPicPr>
+        <p:blipFill>
+          <a:blip r:embed="rId3">
+            <a:extLst>
+              <a:ext uri="{28A0092B-C50C-407E-A947-70E740481C1C}">
+                <a14:useLocalDpi xmlns:a14="http://schemas.microsoft.com/office/drawing/2010/main" val="0"/>
+              </a:ext>
+            </a:extLst>
+          </a:blip>
+          <a:stretch>
+            <a:fillRect/>
+          </a:stretch>
+        </p:blipFill>
+        <p:spPr>
+          <a:xfrm>
+            <a:off x="228600" y="1188720"/>
+            <a:ext cx="6858000" cy="5143500"/>
+          </a:xfrm>
+          <a:prstGeom prst="rect">
+            <a:avLst/>
+          </a:prstGeom>
+        </p:spPr>
+      </p:pic>
+      <p:sp>
+        <p:nvSpPr>
+          <p:cNvPr id="8" name="TextBox 7"/>
+          <p:cNvSpPr txBox="1"/>
+          <p:nvPr/>
+        </p:nvSpPr>
+        <p:spPr>
+          <a:xfrm>
+            <a:off x="6400800" y="2971800"/>
+            <a:ext cx="2590800" cy="923330"/>
+          </a:xfrm>
+          <a:prstGeom prst="rect">
+            <a:avLst/>
+          </a:prstGeom>
+          <a:noFill/>
+          <a:ln>
+            <a:noFill/>
+          </a:ln>
+        </p:spPr>
+        <p:txBody>
+          <a:bodyPr wrap="square" rtlCol="0">
+            <a:spAutoFit/>
+          </a:bodyPr>
+          <a:lstStyle/>
+          <a:p>
+            <a:r>
+              <a:rPr lang="en-US" b="1" dirty="0" err="1"/>
+              <a:t>Avg</a:t>
+            </a:r>
+            <a:r>
+              <a:rPr lang="en-US" b="1" dirty="0"/>
+              <a:t> </a:t>
+            </a:r>
+            <a:r>
+              <a:rPr lang="en-US" b="1" dirty="0" err="1"/>
+              <a:t>Rel</a:t>
+            </a:r>
+            <a:r>
+              <a:rPr lang="en-US" b="1" dirty="0"/>
+              <a:t> Error: 52%</a:t>
+            </a:r>
+          </a:p>
+          <a:p>
+            <a:r>
+              <a:rPr lang="en-US" b="1" dirty="0"/>
+              <a:t>Max </a:t>
+            </a:r>
+            <a:r>
+              <a:rPr lang="en-US" b="1" dirty="0" err="1"/>
+              <a:t>Rel</a:t>
+            </a:r>
+            <a:r>
+              <a:rPr lang="en-US" b="1" dirty="0"/>
+              <a:t> Error: 452%</a:t>
+            </a:r>
+          </a:p>
+          <a:p>
+            <a:r>
+              <a:rPr lang="en-US" b="1" dirty="0"/>
+              <a:t>Min  </a:t>
+            </a:r>
+            <a:r>
+              <a:rPr lang="en-US" b="1" dirty="0" err="1"/>
+              <a:t>Rel</a:t>
+            </a:r>
+            <a:r>
+              <a:rPr lang="en-US" b="1" dirty="0"/>
+              <a:t> Error: 0.2%</a:t>
+            </a:r>
+          </a:p>
+        </p:txBody>
+      </p:sp>
+    </p:spTree>
+    <p:extLst>
+      <p:ext uri="{BB962C8B-B14F-4D97-AF65-F5344CB8AC3E}">
+        <p14:creationId xmlns:p14="http://schemas.microsoft.com/office/powerpoint/2010/main" val="636891016"/>
+      </p:ext>
+    </p:extLst>
+  </p:cSld>
+  <p:clrMapOvr>
+    <a:masterClrMapping/>
+  </p:clrMapOvr>
+  <p:transition/>
+</p:sld>
+</file>
+
+<file path=ppt/slides/slide31.xml><?xml version="1.0" encoding="utf-8"?>
+<p:sld xmlns:a="http://schemas.openxmlformats.org/drawingml/2006/main" xmlns:r="http://schemas.openxmlformats.org/officeDocument/2006/relationships" xmlns:p="http://schemas.openxmlformats.org/presentationml/2006/main">
+  <p:cSld>
+    <p:spTree>
+      <p:nvGrpSpPr>
+        <p:cNvPr id="1" name=""/>
+        <p:cNvGrpSpPr/>
+        <p:nvPr/>
+      </p:nvGrpSpPr>
+      <p:grpSpPr>
+        <a:xfrm>
+          <a:off x="0" y="0"/>
+          <a:ext cx="0" cy="0"/>
+          <a:chOff x="0" y="0"/>
+          <a:chExt cx="0" cy="0"/>
+        </a:xfrm>
+      </p:grpSpPr>
+      <p:sp>
+        <p:nvSpPr>
+          <p:cNvPr id="2" name="Title 1"/>
+          <p:cNvSpPr>
+            <a:spLocks noGrp="1"/>
+          </p:cNvSpPr>
+          <p:nvPr>
+            <p:ph type="title"/>
+          </p:nvPr>
+        </p:nvSpPr>
+        <p:spPr/>
+        <p:txBody>
+          <a:bodyPr/>
+          <a:lstStyle/>
+          <a:p>
+            <a:r>
+              <a:rPr lang="en-US" dirty="0">
+                <a:solidFill>
+                  <a:srgbClr val="000066"/>
+                </a:solidFill>
+              </a:rPr>
+              <a:t>Position 5</a:t>
+            </a:r>
+          </a:p>
+        </p:txBody>
+      </p:sp>
+      <p:sp>
+        <p:nvSpPr>
+          <p:cNvPr id="4" name="Slide Number Placeholder 3"/>
+          <p:cNvSpPr>
+            <a:spLocks noGrp="1"/>
+          </p:cNvSpPr>
+          <p:nvPr>
+            <p:ph type="sldNum" sz="quarter" idx="10"/>
+          </p:nvPr>
+        </p:nvSpPr>
+        <p:spPr/>
+        <p:txBody>
+          <a:bodyPr/>
+          <a:lstStyle/>
+          <a:p>
+            <a:pPr>
+              <a:defRPr/>
+            </a:pPr>
+            <a:fld id="{19845459-3F1B-4F43-8FC0-35ADCE8623CC}" type="slidenum">
+              <a:rPr lang="en-US" smtClean="0"/>
+              <a:pPr>
+                <a:defRPr/>
+              </a:pPr>
+              <a:t>31</a:t>
+            </a:fld>
+            <a:endParaRPr lang="en-US" dirty="0"/>
+          </a:p>
+        </p:txBody>
+      </p:sp>
+      <p:pic>
+        <p:nvPicPr>
+          <p:cNvPr id="3" name="Picture 2"/>
+          <p:cNvPicPr>
+            <a:picLocks noChangeAspect="1"/>
+          </p:cNvPicPr>
+          <p:nvPr/>
+        </p:nvPicPr>
+        <p:blipFill>
+          <a:blip r:embed="rId3">
+            <a:extLst>
+              <a:ext uri="{28A0092B-C50C-407E-A947-70E740481C1C}">
+                <a14:useLocalDpi xmlns:a14="http://schemas.microsoft.com/office/drawing/2010/main" val="0"/>
+              </a:ext>
+            </a:extLst>
+          </a:blip>
+          <a:stretch>
+            <a:fillRect/>
+          </a:stretch>
+        </p:blipFill>
+        <p:spPr>
+          <a:xfrm>
+            <a:off x="228600" y="1188720"/>
+            <a:ext cx="6858000" cy="5143500"/>
+          </a:xfrm>
+          <a:prstGeom prst="rect">
+            <a:avLst/>
+          </a:prstGeom>
+        </p:spPr>
+      </p:pic>
+      <p:sp>
+        <p:nvSpPr>
+          <p:cNvPr id="8" name="TextBox 7"/>
+          <p:cNvSpPr txBox="1"/>
+          <p:nvPr/>
+        </p:nvSpPr>
+        <p:spPr>
+          <a:xfrm>
+            <a:off x="6400800" y="2971800"/>
+            <a:ext cx="2590800" cy="923330"/>
+          </a:xfrm>
+          <a:prstGeom prst="rect">
+            <a:avLst/>
+          </a:prstGeom>
+          <a:noFill/>
+          <a:ln>
+            <a:noFill/>
+          </a:ln>
+        </p:spPr>
+        <p:txBody>
+          <a:bodyPr wrap="square" rtlCol="0">
+            <a:spAutoFit/>
+          </a:bodyPr>
+          <a:lstStyle/>
+          <a:p>
+            <a:r>
+              <a:rPr lang="en-US" b="1" dirty="0" err="1"/>
+              <a:t>Avg</a:t>
+            </a:r>
+            <a:r>
+              <a:rPr lang="en-US" b="1" dirty="0"/>
+              <a:t> </a:t>
+            </a:r>
+            <a:r>
+              <a:rPr lang="en-US" b="1" dirty="0" err="1"/>
+              <a:t>Rel</a:t>
+            </a:r>
+            <a:r>
+              <a:rPr lang="en-US" b="1" dirty="0"/>
+              <a:t> Error: 49.4%</a:t>
+            </a:r>
+          </a:p>
+          <a:p>
+            <a:r>
+              <a:rPr lang="en-US" b="1" dirty="0"/>
+              <a:t>Max </a:t>
+            </a:r>
+            <a:r>
+              <a:rPr lang="en-US" b="1" dirty="0" err="1"/>
+              <a:t>Rel</a:t>
+            </a:r>
+            <a:r>
+              <a:rPr lang="en-US" b="1" dirty="0"/>
+              <a:t> Error: 380%</a:t>
+            </a:r>
+          </a:p>
+          <a:p>
+            <a:r>
+              <a:rPr lang="en-US" b="1" dirty="0"/>
+              <a:t>Min  </a:t>
+            </a:r>
+            <a:r>
+              <a:rPr lang="en-US" b="1" dirty="0" err="1"/>
+              <a:t>Rel</a:t>
+            </a:r>
+            <a:r>
+              <a:rPr lang="en-US" b="1" dirty="0"/>
+              <a:t> Error: 8.27%</a:t>
+            </a:r>
+          </a:p>
+        </p:txBody>
+      </p:sp>
+    </p:spTree>
+    <p:extLst>
+      <p:ext uri="{BB962C8B-B14F-4D97-AF65-F5344CB8AC3E}">
+        <p14:creationId xmlns:p14="http://schemas.microsoft.com/office/powerpoint/2010/main" val="2084650572"/>
+      </p:ext>
+    </p:extLst>
+  </p:cSld>
+  <p:clrMapOvr>
+    <a:masterClrMapping/>
+  </p:clrMapOvr>
+  <p:transition/>
+</p:sld>
+</file>
+
+<file path=ppt/slides/slide32.xml><?xml version="1.0" encoding="utf-8"?>
+<p:sld xmlns:a="http://schemas.openxmlformats.org/drawingml/2006/main" xmlns:r="http://schemas.openxmlformats.org/officeDocument/2006/relationships" xmlns:p="http://schemas.openxmlformats.org/presentationml/2006/main">
+  <p:cSld>
+    <p:spTree>
+      <p:nvGrpSpPr>
+        <p:cNvPr id="1" name=""/>
+        <p:cNvGrpSpPr/>
+        <p:nvPr/>
+      </p:nvGrpSpPr>
+      <p:grpSpPr>
+        <a:xfrm>
+          <a:off x="0" y="0"/>
+          <a:ext cx="0" cy="0"/>
+          <a:chOff x="0" y="0"/>
+          <a:chExt cx="0" cy="0"/>
+        </a:xfrm>
+      </p:grpSpPr>
+      <p:sp>
+        <p:nvSpPr>
+          <p:cNvPr id="2" name="Title 1"/>
+          <p:cNvSpPr>
+            <a:spLocks noGrp="1"/>
+          </p:cNvSpPr>
+          <p:nvPr>
+            <p:ph type="title"/>
+          </p:nvPr>
+        </p:nvSpPr>
+        <p:spPr/>
+        <p:txBody>
+          <a:bodyPr/>
+          <a:lstStyle/>
+          <a:p>
+            <a:r>
+              <a:rPr lang="en-US" dirty="0">
+                <a:solidFill>
+                  <a:srgbClr val="FF0000"/>
+                </a:solidFill>
+              </a:rPr>
+              <a:t>Optimized Positions</a:t>
+            </a:r>
+          </a:p>
+        </p:txBody>
+      </p:sp>
+      <p:sp>
+        <p:nvSpPr>
+          <p:cNvPr id="4" name="Slide Number Placeholder 3"/>
+          <p:cNvSpPr>
+            <a:spLocks noGrp="1"/>
+          </p:cNvSpPr>
+          <p:nvPr>
+            <p:ph type="sldNum" sz="quarter" idx="10"/>
+          </p:nvPr>
+        </p:nvSpPr>
+        <p:spPr/>
+        <p:txBody>
+          <a:bodyPr/>
+          <a:lstStyle/>
+          <a:p>
+            <a:pPr>
+              <a:defRPr/>
+            </a:pPr>
+            <a:fld id="{19845459-3F1B-4F43-8FC0-35ADCE8623CC}" type="slidenum">
+              <a:rPr lang="en-US" smtClean="0"/>
+              <a:pPr>
+                <a:defRPr/>
+              </a:pPr>
+              <a:t>32</a:t>
             </a:fld>
             <a:endParaRPr lang="en-US" dirty="0"/>
           </a:p>
@@ -19416,13 +19675,55 @@
             <a:tbl>
               <a:tblPr firstRow="1" firstCol="1" bandRow="1"/>
               <a:tblGrid>
-                <a:gridCol w="3226575"/>
-                <a:gridCol w="1136781"/>
-                <a:gridCol w="834209"/>
-                <a:gridCol w="834209"/>
-                <a:gridCol w="834209"/>
-                <a:gridCol w="834209"/>
-                <a:gridCol w="834209"/>
+                <a:gridCol w="3226575">
+                  <a:extLst>
+                    <a:ext uri="{9D8B030D-6E8A-4147-A177-3AD203B41FA5}">
+                      <a16:colId xmlns:a16="http://schemas.microsoft.com/office/drawing/2014/main" val="20000"/>
+                    </a:ext>
+                  </a:extLst>
+                </a:gridCol>
+                <a:gridCol w="1136781">
+                  <a:extLst>
+                    <a:ext uri="{9D8B030D-6E8A-4147-A177-3AD203B41FA5}">
+                      <a16:colId xmlns:a16="http://schemas.microsoft.com/office/drawing/2014/main" val="20001"/>
+                    </a:ext>
+                  </a:extLst>
+                </a:gridCol>
+                <a:gridCol w="834209">
+                  <a:extLst>
+                    <a:ext uri="{9D8B030D-6E8A-4147-A177-3AD203B41FA5}">
+                      <a16:colId xmlns:a16="http://schemas.microsoft.com/office/drawing/2014/main" val="20002"/>
+                    </a:ext>
+                  </a:extLst>
+                </a:gridCol>
+                <a:gridCol w="834209">
+                  <a:extLst>
+                    <a:ext uri="{9D8B030D-6E8A-4147-A177-3AD203B41FA5}">
+                      <a16:colId xmlns:a16="http://schemas.microsoft.com/office/drawing/2014/main" val="20003"/>
+                    </a:ext>
+                  </a:extLst>
+                </a:gridCol>
+                <a:gridCol w="834209">
+                  <a:extLst>
+                    <a:ext uri="{9D8B030D-6E8A-4147-A177-3AD203B41FA5}">
+                      <a16:colId xmlns:a16="http://schemas.microsoft.com/office/drawing/2014/main" val="20004"/>
+                    </a:ext>
+                  </a:extLst>
+                </a:gridCol>
+                <a:gridCol w="834209">
+                  <a:extLst>
+                    <a:ext uri="{9D8B030D-6E8A-4147-A177-3AD203B41FA5}">
+                      <a16:colId xmlns:a16="http://schemas.microsoft.com/office/drawing/2014/main" val="20005"/>
+                    </a:ext>
+                  </a:extLst>
+                </a:gridCol>
+                <a:gridCol w="834209">
+                  <a:extLst>
+                    <a:ext uri="{9D8B030D-6E8A-4147-A177-3AD203B41FA5}">
+                      <a16:colId xmlns:a16="http://schemas.microsoft.com/office/drawing/2014/main" val="20006"/>
+                    </a:ext>
+                  </a:extLst>
+                </a:gridCol>
               </a:tblGrid>
               <a:tr h="429491">
                 <a:tc rowSpan="2">
@@ -19690,6 +19991,11 @@
                   </a:txBody>
                   <a:tcPr/>
                 </a:tc>
+                <a:extLst>
+                  <a:ext uri="{0D108BD9-81ED-4DB2-BD59-A6C34878D82A}">
+                    <a16:rowId xmlns:a16="http://schemas.microsoft.com/office/drawing/2014/main" val="10000"/>
+                  </a:ext>
+                </a:extLst>
               </a:tr>
               <a:tr h="429491">
                 <a:tc vMerge="1">
@@ -20087,6 +20393,11 @@
                     </a:solidFill>
                   </a:tcPr>
                 </a:tc>
+                <a:extLst>
+                  <a:ext uri="{0D108BD9-81ED-4DB2-BD59-A6C34878D82A}">
+                    <a16:rowId xmlns:a16="http://schemas.microsoft.com/office/drawing/2014/main" val="10001"/>
+                  </a:ext>
+                </a:extLst>
               </a:tr>
               <a:tr h="429491">
                 <a:tc>
@@ -20614,6 +20925,11 @@
                     </a:solidFill>
                   </a:tcPr>
                 </a:tc>
+                <a:extLst>
+                  <a:ext uri="{0D108BD9-81ED-4DB2-BD59-A6C34878D82A}">
+                    <a16:rowId xmlns:a16="http://schemas.microsoft.com/office/drawing/2014/main" val="10002"/>
+                  </a:ext>
+                </a:extLst>
               </a:tr>
               <a:tr h="429491">
                 <a:tc>
@@ -21141,6 +21457,11 @@
                     </a:solidFill>
                   </a:tcPr>
                 </a:tc>
+                <a:extLst>
+                  <a:ext uri="{0D108BD9-81ED-4DB2-BD59-A6C34878D82A}">
+                    <a16:rowId xmlns:a16="http://schemas.microsoft.com/office/drawing/2014/main" val="10003"/>
+                  </a:ext>
+                </a:extLst>
               </a:tr>
               <a:tr h="429491">
                 <a:tc>
@@ -21668,6 +21989,11 @@
                     </a:solidFill>
                   </a:tcPr>
                 </a:tc>
+                <a:extLst>
+                  <a:ext uri="{0D108BD9-81ED-4DB2-BD59-A6C34878D82A}">
+                    <a16:rowId xmlns:a16="http://schemas.microsoft.com/office/drawing/2014/main" val="10004"/>
+                  </a:ext>
+                </a:extLst>
               </a:tr>
               <a:tr h="429491">
                 <a:tc>
@@ -22204,6 +22530,11 @@
                     </a:solidFill>
                   </a:tcPr>
                 </a:tc>
+                <a:extLst>
+                  <a:ext uri="{0D108BD9-81ED-4DB2-BD59-A6C34878D82A}">
+                    <a16:rowId xmlns:a16="http://schemas.microsoft.com/office/drawing/2014/main" val="10005"/>
+                  </a:ext>
+                </a:extLst>
               </a:tr>
               <a:tr h="429491">
                 <a:tc>
@@ -22731,6 +23062,11 @@
                     </a:solidFill>
                   </a:tcPr>
                 </a:tc>
+                <a:extLst>
+                  <a:ext uri="{0D108BD9-81ED-4DB2-BD59-A6C34878D82A}">
+                    <a16:rowId xmlns:a16="http://schemas.microsoft.com/office/drawing/2014/main" val="10006"/>
+                  </a:ext>
+                </a:extLst>
               </a:tr>
               <a:tr h="429491">
                 <a:tc>
@@ -23258,6 +23594,11 @@
                     </a:solidFill>
                   </a:tcPr>
                 </a:tc>
+                <a:extLst>
+                  <a:ext uri="{0D108BD9-81ED-4DB2-BD59-A6C34878D82A}">
+                    <a16:rowId xmlns:a16="http://schemas.microsoft.com/office/drawing/2014/main" val="10007"/>
+                  </a:ext>
+                </a:extLst>
               </a:tr>
               <a:tr h="429491">
                 <a:tc>
@@ -23785,6 +24126,11 @@
                     </a:solidFill>
                   </a:tcPr>
                 </a:tc>
+                <a:extLst>
+                  <a:ext uri="{0D108BD9-81ED-4DB2-BD59-A6C34878D82A}">
+                    <a16:rowId xmlns:a16="http://schemas.microsoft.com/office/drawing/2014/main" val="10008"/>
+                  </a:ext>
+                </a:extLst>
               </a:tr>
               <a:tr h="429491">
                 <a:tc>
@@ -24312,6 +24658,11 @@
                     </a:solidFill>
                   </a:tcPr>
                 </a:tc>
+                <a:extLst>
+                  <a:ext uri="{0D108BD9-81ED-4DB2-BD59-A6C34878D82A}">
+                    <a16:rowId xmlns:a16="http://schemas.microsoft.com/office/drawing/2014/main" val="10009"/>
+                  </a:ext>
+                </a:extLst>
               </a:tr>
               <a:tr h="429491">
                 <a:tc>
@@ -24839,6 +25190,11 @@
                     </a:solidFill>
                   </a:tcPr>
                 </a:tc>
+                <a:extLst>
+                  <a:ext uri="{0D108BD9-81ED-4DB2-BD59-A6C34878D82A}">
+                    <a16:rowId xmlns:a16="http://schemas.microsoft.com/office/drawing/2014/main" val="10010"/>
+                  </a:ext>
+                </a:extLst>
               </a:tr>
             </a:tbl>
           </a:graphicData>
@@ -24855,17 +25211,10 @@
     <a:masterClrMapping/>
   </p:clrMapOvr>
   <p:transition/>
-  <p:timing>
-    <p:tnLst>
-      <p:par>
-        <p:cTn id="1" dur="indefinite" restart="never" nodeType="tmRoot"/>
-      </p:par>
-    </p:tnLst>
-  </p:timing>
 </p:sld>
 </file>
 
-<file path=ppt/slides/slide31.xml><?xml version="1.0" encoding="utf-8"?>
+<file path=ppt/slides/slide33.xml><?xml version="1.0" encoding="utf-8"?>
 <p:sld xmlns:a="http://schemas.openxmlformats.org/drawingml/2006/main" xmlns:r="http://schemas.openxmlformats.org/officeDocument/2006/relationships" xmlns:p="http://schemas.openxmlformats.org/presentationml/2006/main">
   <p:cSld>
     <p:spTree>
@@ -24898,18 +25247,13 @@
           <a:lstStyle/>
           <a:p>
             <a:r>
-              <a:rPr lang="en-US" dirty="0" smtClean="0">
+              <a:rPr lang="en-US" dirty="0">
                 <a:solidFill>
                   <a:srgbClr val="000066"/>
                 </a:solidFill>
               </a:rPr>
               <a:t>Reasons for Possible Error</a:t>
             </a:r>
-            <a:endParaRPr lang="en-US" dirty="0">
-              <a:solidFill>
-                <a:srgbClr val="000066"/>
-              </a:solidFill>
-            </a:endParaRPr>
           </a:p>
         </p:txBody>
       </p:sp>
@@ -24936,7 +25280,7 @@
               <a:pPr>
                 <a:defRPr/>
               </a:pPr>
-              <a:t>31</a:t>
+              <a:t>33</a:t>
             </a:fld>
             <a:endParaRPr lang="en-US" dirty="0"/>
           </a:p>
@@ -24977,17 +25321,10 @@
     <a:masterClrMapping/>
   </p:clrMapOvr>
   <p:transition/>
-  <p:timing>
-    <p:tnLst>
-      <p:par>
-        <p:cTn id="1" dur="indefinite" restart="never" nodeType="tmRoot"/>
-      </p:par>
-    </p:tnLst>
-  </p:timing>
 </p:sld>
 </file>
 
-<file path=ppt/slides/slide32.xml><?xml version="1.0" encoding="utf-8"?>
+<file path=ppt/slides/slide34.xml><?xml version="1.0" encoding="utf-8"?>
 <p:sld xmlns:a="http://schemas.openxmlformats.org/drawingml/2006/main" xmlns:r="http://schemas.openxmlformats.org/officeDocument/2006/relationships" xmlns:p="http://schemas.openxmlformats.org/presentationml/2006/main">
   <p:cSld>
     <p:spTree>
@@ -25020,18 +25357,13 @@
           <a:lstStyle/>
           <a:p>
             <a:r>
-              <a:rPr lang="en-US" dirty="0" smtClean="0">
+              <a:rPr lang="en-US" dirty="0">
                 <a:solidFill>
                   <a:srgbClr val="FF0000"/>
                 </a:solidFill>
               </a:rPr>
               <a:t>Conclusion</a:t>
             </a:r>
-            <a:endParaRPr lang="en-US" dirty="0">
-              <a:solidFill>
-                <a:srgbClr val="FF0000"/>
-              </a:solidFill>
-            </a:endParaRPr>
           </a:p>
         </p:txBody>
       </p:sp>
@@ -25051,11 +25383,11 @@
           <a:lstStyle/>
           <a:p>
             <a:r>
-              <a:rPr lang="en-US" dirty="0" smtClean="0"/>
+              <a:rPr lang="en-US" dirty="0"/>
               <a:t>The optimization method can represent the efficiency between energies of 0.392-1.836 MeV with a relative difference of </a:t>
             </a:r>
             <a:r>
-              <a:rPr lang="en-US" dirty="0" smtClean="0">
+              <a:rPr lang="en-US" dirty="0">
                 <a:solidFill>
                   <a:srgbClr val="FF0000"/>
                 </a:solidFill>
@@ -25063,22 +25395,22 @@
               <a:t>X</a:t>
             </a:r>
             <a:r>
-              <a:rPr lang="en-US" dirty="0" smtClean="0"/>
+              <a:rPr lang="en-US" dirty="0"/>
               <a:t>, for sources directly above the detector</a:t>
             </a:r>
           </a:p>
           <a:p>
             <a:r>
-              <a:rPr lang="en-US" dirty="0" smtClean="0"/>
+              <a:rPr lang="en-US" dirty="0"/>
               <a:t>Improvements are needed for-off centered sources</a:t>
             </a:r>
           </a:p>
           <a:p>
             <a:r>
-              <a:rPr lang="en-US" dirty="0" smtClean="0"/>
+              <a:rPr lang="en-US" dirty="0"/>
               <a:t>Unable to match low energy photon attenuation with less than a relative difference of 100%</a:t>
             </a:r>
-            <a:endParaRPr lang="en-US" dirty="0" smtClean="0">
+            <a:endParaRPr lang="en-US" dirty="0">
               <a:solidFill>
                 <a:srgbClr val="FF0000"/>
               </a:solidFill>
@@ -25086,16 +25418,15 @@
           </a:p>
           <a:p>
             <a:r>
-              <a:rPr lang="en-US" dirty="0" smtClean="0"/>
+              <a:rPr lang="en-US" dirty="0"/>
               <a:t>More experimental measurements need to be taken</a:t>
             </a:r>
           </a:p>
           <a:p>
             <a:r>
-              <a:rPr lang="en-US" dirty="0" smtClean="0"/>
+              <a:rPr lang="en-US" dirty="0"/>
               <a:t>Further evaluation of internal components</a:t>
             </a:r>
-            <a:endParaRPr lang="en-US" dirty="0"/>
           </a:p>
         </p:txBody>
       </p:sp>
@@ -25122,7 +25453,7 @@
               <a:pPr>
                 <a:defRPr/>
               </a:pPr>
-              <a:t>32</a:t>
+              <a:t>34</a:t>
             </a:fld>
             <a:endParaRPr lang="en-US" dirty="0"/>
           </a:p>
@@ -25139,17 +25470,10 @@
     <a:masterClrMapping/>
   </p:clrMapOvr>
   <p:transition/>
-  <p:timing>
-    <p:tnLst>
-      <p:par>
-        <p:cTn id="1" dur="indefinite" restart="never" nodeType="tmRoot"/>
-      </p:par>
-    </p:tnLst>
-  </p:timing>
 </p:sld>
 </file>
 
-<file path=ppt/slides/slide33.xml><?xml version="1.0" encoding="utf-8"?>
+<file path=ppt/slides/slide35.xml><?xml version="1.0" encoding="utf-8"?>
 <p:sld xmlns:a="http://schemas.openxmlformats.org/drawingml/2006/main" xmlns:r="http://schemas.openxmlformats.org/officeDocument/2006/relationships" xmlns:p="http://schemas.openxmlformats.org/presentationml/2006/main">
   <p:cSld>
     <p:spTree>
@@ -25187,49 +25511,48 @@
           <a:lstStyle/>
           <a:p>
             <a:r>
-              <a:rPr lang="en-US" dirty="0" smtClean="0"/>
+              <a:rPr lang="en-US" dirty="0"/>
               <a:t>Reach a relative percent difference of less than 1%</a:t>
             </a:r>
           </a:p>
           <a:p>
             <a:pPr lvl="1"/>
             <a:r>
-              <a:rPr lang="en-US" dirty="0" smtClean="0"/>
+              <a:rPr lang="en-US" dirty="0"/>
               <a:t>Increase adjustable parameters</a:t>
             </a:r>
           </a:p>
           <a:p>
             <a:pPr lvl="1"/>
             <a:r>
-              <a:rPr lang="en-US" dirty="0" smtClean="0"/>
+              <a:rPr lang="en-US" dirty="0"/>
               <a:t>Obtain more information about internal components of HPGe</a:t>
             </a:r>
           </a:p>
           <a:p>
             <a:pPr lvl="1"/>
             <a:r>
-              <a:rPr lang="en-US" dirty="0" smtClean="0"/>
+              <a:rPr lang="en-US" dirty="0"/>
               <a:t>Gather more experimental data for comparison</a:t>
             </a:r>
           </a:p>
           <a:p>
             <a:r>
-              <a:rPr lang="en-US" dirty="0" smtClean="0"/>
+              <a:rPr lang="en-US" dirty="0"/>
               <a:t>Include more realistic radiation transport physics to reproduce experimental spectra</a:t>
             </a:r>
           </a:p>
           <a:p>
             <a:r>
-              <a:rPr lang="en-US" dirty="0" smtClean="0"/>
+              <a:rPr lang="en-US" dirty="0"/>
               <a:t>Apply automated optimization code to other detectors.</a:t>
             </a:r>
           </a:p>
           <a:p>
             <a:r>
-              <a:rPr lang="en-US" dirty="0" smtClean="0"/>
+              <a:rPr lang="en-US" dirty="0"/>
               <a:t>Explore other means for optimization</a:t>
             </a:r>
-            <a:endParaRPr lang="en-US" dirty="0"/>
           </a:p>
         </p:txBody>
       </p:sp>
@@ -25249,18 +25572,13 @@
           <a:lstStyle/>
           <a:p>
             <a:r>
-              <a:rPr lang="en-US" dirty="0" smtClean="0">
+              <a:rPr lang="en-US" dirty="0">
                 <a:solidFill>
                   <a:srgbClr val="000066"/>
                 </a:solidFill>
               </a:rPr>
               <a:t>Future Work</a:t>
             </a:r>
-            <a:endParaRPr lang="en-US" dirty="0">
-              <a:solidFill>
-                <a:srgbClr val="000066"/>
-              </a:solidFill>
-            </a:endParaRPr>
           </a:p>
         </p:txBody>
       </p:sp>
@@ -25287,7 +25605,7 @@
               <a:pPr>
                 <a:defRPr/>
               </a:pPr>
-              <a:t>33</a:t>
+              <a:t>35</a:t>
             </a:fld>
             <a:endParaRPr lang="en-US" dirty="0"/>
           </a:p>
@@ -25575,7 +25893,7 @@
 </p:sld>
 </file>
 
-<file path=ppt/slides/slide34.xml><?xml version="1.0" encoding="utf-8"?>
+<file path=ppt/slides/slide36.xml><?xml version="1.0" encoding="utf-8"?>
 <p:sld xmlns:a="http://schemas.openxmlformats.org/drawingml/2006/main" xmlns:r="http://schemas.openxmlformats.org/officeDocument/2006/relationships" xmlns:p="http://schemas.openxmlformats.org/presentationml/2006/main">
   <p:cSld>
     <p:spTree>
@@ -25613,50 +25931,49 @@
           <a:lstStyle/>
           <a:p>
             <a:r>
-              <a:rPr lang="en-US" dirty="0" smtClean="0"/>
+              <a:rPr lang="en-US" dirty="0"/>
               <a:t>Project Goals</a:t>
             </a:r>
           </a:p>
           <a:p>
             <a:r>
-              <a:rPr lang="en-US" dirty="0" smtClean="0"/>
+              <a:rPr lang="en-US" dirty="0"/>
               <a:t>Previous Work</a:t>
             </a:r>
           </a:p>
           <a:p>
             <a:r>
-              <a:rPr lang="en-US" dirty="0" smtClean="0"/>
+              <a:rPr lang="en-US" dirty="0"/>
               <a:t>Experiment</a:t>
             </a:r>
           </a:p>
           <a:p>
             <a:r>
-              <a:rPr lang="en-US" dirty="0" smtClean="0"/>
+              <a:rPr lang="en-US" dirty="0"/>
               <a:t>MCNP Model</a:t>
             </a:r>
           </a:p>
           <a:p>
             <a:r>
-              <a:rPr lang="en-US" dirty="0" smtClean="0"/>
+              <a:rPr lang="en-US" dirty="0"/>
               <a:t>Parametric Optimization Code</a:t>
             </a:r>
-            <a:endParaRPr lang="en-US" dirty="0"/>
           </a:p>
           <a:p>
             <a:r>
-              <a:rPr lang="en-US" dirty="0" smtClean="0"/>
+              <a:rPr lang="en-US" dirty="0"/>
               <a:t>Results</a:t>
             </a:r>
           </a:p>
           <a:p>
             <a:r>
-              <a:rPr lang="en-US" dirty="0" smtClean="0"/>
+              <a:rPr lang="en-US" dirty="0"/>
               <a:t>Conclusions</a:t>
             </a:r>
           </a:p>
           <a:p>
             <a:r>
-              <a:rPr lang="en-US" dirty="0" smtClean="0"/>
+              <a:rPr lang="en-US" dirty="0"/>
               <a:t>Future Work</a:t>
             </a:r>
           </a:p>
@@ -25678,10 +25995,9 @@
           <a:lstStyle/>
           <a:p>
             <a:r>
-              <a:rPr lang="en-US" dirty="0" smtClean="0"/>
+              <a:rPr lang="en-US" dirty="0"/>
               <a:t>Summary</a:t>
             </a:r>
-            <a:endParaRPr lang="en-US" dirty="0"/>
           </a:p>
         </p:txBody>
       </p:sp>
@@ -25708,7 +26024,7 @@
               <a:pPr>
                 <a:defRPr/>
               </a:pPr>
-              <a:t>34</a:t>
+              <a:t>36</a:t>
             </a:fld>
             <a:endParaRPr lang="en-US" dirty="0"/>
           </a:p>
@@ -26057,7 +26373,7 @@
 </p:sld>
 </file>
 
-<file path=ppt/slides/slide35.xml><?xml version="1.0" encoding="utf-8"?>
+<file path=ppt/slides/slide37.xml><?xml version="1.0" encoding="utf-8"?>
 <p:sld xmlns:a="http://schemas.openxmlformats.org/drawingml/2006/main" xmlns:r="http://schemas.openxmlformats.org/officeDocument/2006/relationships" xmlns:p="http://schemas.openxmlformats.org/presentationml/2006/main">
   <p:cSld>
     <p:spTree>
@@ -26095,25 +26411,24 @@
           <a:lstStyle/>
           <a:p>
             <a:r>
-              <a:rPr lang="en-US" dirty="0" smtClean="0"/>
+              <a:rPr lang="en-US" dirty="0"/>
               <a:t>Captain James Bevins, AFIT</a:t>
             </a:r>
-            <a:endParaRPr lang="en-US" dirty="0"/>
           </a:p>
           <a:p>
             <a:r>
-              <a:rPr lang="en-US" dirty="0" smtClean="0"/>
+              <a:rPr lang="en-US" dirty="0"/>
               <a:t>Lt Colonel Buck O’Day, AFIT</a:t>
             </a:r>
           </a:p>
           <a:p>
             <a:r>
-              <a:rPr lang="en-US" dirty="0" smtClean="0"/>
+              <a:rPr lang="en-US" dirty="0"/>
               <a:t>Capt Bevins Model</a:t>
             </a:r>
           </a:p>
           <a:p>
-            <a:endParaRPr lang="en-US" dirty="0" smtClean="0"/>
+            <a:endParaRPr lang="en-US" dirty="0"/>
           </a:p>
         </p:txBody>
       </p:sp>
@@ -26133,18 +26448,13 @@
           <a:lstStyle/>
           <a:p>
             <a:r>
-              <a:rPr lang="en-US" dirty="0" smtClean="0">
+              <a:rPr lang="en-US" dirty="0">
                 <a:solidFill>
                   <a:srgbClr val="FF0000"/>
                 </a:solidFill>
               </a:rPr>
               <a:t>Acknowledgements</a:t>
             </a:r>
-            <a:endParaRPr lang="en-US" dirty="0">
-              <a:solidFill>
-                <a:srgbClr val="FF0000"/>
-              </a:solidFill>
-            </a:endParaRPr>
           </a:p>
         </p:txBody>
       </p:sp>
@@ -26171,7 +26481,7 @@
               <a:pPr>
                 <a:defRPr/>
               </a:pPr>
-              <a:t>35</a:t>
+              <a:t>37</a:t>
             </a:fld>
             <a:endParaRPr lang="en-US" dirty="0"/>
           </a:p>
@@ -26335,7 +26645,7 @@
 </p:sld>
 </file>
 
-<file path=ppt/slides/slide36.xml><?xml version="1.0" encoding="utf-8"?>
+<file path=ppt/slides/slide38.xml><?xml version="1.0" encoding="utf-8"?>
 <p:sld xmlns:a="http://schemas.openxmlformats.org/drawingml/2006/main" xmlns:r="http://schemas.openxmlformats.org/officeDocument/2006/relationships" xmlns:p="http://schemas.openxmlformats.org/presentationml/2006/main">
   <p:cSld>
     <p:spTree>
@@ -26368,10 +26678,9 @@
           <a:lstStyle/>
           <a:p>
             <a:r>
-              <a:rPr lang="en-US" dirty="0" smtClean="0"/>
+              <a:rPr lang="en-US" dirty="0"/>
               <a:t>References</a:t>
             </a:r>
-            <a:endParaRPr lang="en-US" dirty="0"/>
           </a:p>
         </p:txBody>
       </p:sp>
@@ -26398,7 +26707,7 @@
               <a:pPr>
                 <a:defRPr/>
               </a:pPr>
-              <a:t>36</a:t>
+              <a:t>38</a:t>
             </a:fld>
             <a:endParaRPr lang="en-US" dirty="0"/>
           </a:p>
@@ -26478,13 +26787,8 @@
             </a:pPr>
             <a:r>
               <a:rPr lang="en-US" sz="1400" dirty="0"/>
-              <a:t>[7] 	R. E. F. J. K. Shultis, "An MCNP Primer," Department of Mechanical and Nuclear Engineering, Manhattan, KS, 2011</a:t>
+              <a:t>[7] 	R. E. F. J. K. Shultis, "An MCNP Primer," Department of Mechanical and Nuclear Engineering, Manhattan, KS, 2011.</a:t>
             </a:r>
-            <a:r>
-              <a:rPr lang="en-US" sz="1400" dirty="0" smtClean="0"/>
-              <a:t>.</a:t>
-            </a:r>
-            <a:endParaRPr lang="en-US" sz="1400" dirty="0"/>
           </a:p>
         </p:txBody>
       </p:sp>
@@ -26499,17 +26803,10 @@
     <a:masterClrMapping/>
   </p:clrMapOvr>
   <p:transition/>
-  <p:timing>
-    <p:tnLst>
-      <p:par>
-        <p:cTn id="1" dur="indefinite" restart="never" nodeType="tmRoot"/>
-      </p:par>
-    </p:tnLst>
-  </p:timing>
 </p:sld>
 </file>
 
-<file path=ppt/slides/slide37.xml><?xml version="1.0" encoding="utf-8"?>
+<file path=ppt/slides/slide39.xml><?xml version="1.0" encoding="utf-8"?>
 <p:sld xmlns:a="http://schemas.openxmlformats.org/drawingml/2006/main" xmlns:r="http://schemas.openxmlformats.org/officeDocument/2006/relationships" xmlns:p="http://schemas.openxmlformats.org/presentationml/2006/main">
   <p:cSld>
     <p:spTree>
@@ -26542,10 +26839,9 @@
           <a:lstStyle/>
           <a:p>
             <a:r>
-              <a:rPr lang="en-US" dirty="0" smtClean="0"/>
+              <a:rPr lang="en-US" dirty="0"/>
               <a:t>Questions?</a:t>
             </a:r>
-            <a:endParaRPr lang="en-US" dirty="0"/>
           </a:p>
         </p:txBody>
       </p:sp>
@@ -26572,7 +26868,7 @@
               <a:pPr>
                 <a:defRPr/>
               </a:pPr>
-              <a:t>37</a:t>
+              <a:t>39</a:t>
             </a:fld>
             <a:endParaRPr lang="en-US" dirty="0"/>
           </a:p>
@@ -26589,13 +26885,6 @@
     <a:masterClrMapping/>
   </p:clrMapOvr>
   <p:transition/>
-  <p:timing>
-    <p:tnLst>
-      <p:par>
-        <p:cTn id="1" dur="indefinite" restart="never" nodeType="tmRoot"/>
-      </p:par>
-    </p:tnLst>
-  </p:timing>
 </p:sld>
 </file>
 
@@ -26637,31 +26926,31 @@
           <a:lstStyle/>
           <a:p>
             <a:r>
-              <a:rPr lang="en-US" dirty="0" smtClean="0"/>
+              <a:rPr lang="en-US" dirty="0"/>
               <a:t>Manufacturer provided dimensions are often times not sufficient for developing models. </a:t>
             </a:r>
             <a:r>
-              <a:rPr lang="en-US" baseline="30000" dirty="0" smtClean="0"/>
+              <a:rPr lang="en-US" baseline="30000" dirty="0"/>
               <a:t>[1]</a:t>
             </a:r>
           </a:p>
           <a:p>
             <a:r>
-              <a:rPr lang="en-US" dirty="0" smtClean="0"/>
+              <a:rPr lang="en-US" dirty="0"/>
               <a:t>Published relative differences between experimental and Monte Carlo simulated absolute efficiencies range from around 10% to as low as 0.2%. </a:t>
             </a:r>
             <a:r>
-              <a:rPr lang="en-US" baseline="30000" dirty="0" smtClean="0"/>
+              <a:rPr lang="en-US" baseline="30000" dirty="0"/>
               <a:t>[2][3]</a:t>
             </a:r>
           </a:p>
           <a:p>
             <a:r>
-              <a:rPr lang="en-US" dirty="0" smtClean="0"/>
+              <a:rPr lang="en-US" dirty="0"/>
               <a:t>Dead layer thickness and the active volume may change over time. </a:t>
             </a:r>
             <a:r>
-              <a:rPr lang="en-US" baseline="30000" dirty="0" smtClean="0"/>
+              <a:rPr lang="en-US" baseline="30000" dirty="0"/>
               <a:t>[4]</a:t>
             </a:r>
           </a:p>
@@ -26686,10 +26975,9 @@
           <a:lstStyle/>
           <a:p>
             <a:r>
-              <a:rPr lang="en-US" dirty="0" smtClean="0"/>
+              <a:rPr lang="en-US" dirty="0"/>
               <a:t>Previous Work</a:t>
             </a:r>
-            <a:endParaRPr lang="en-US" dirty="0"/>
           </a:p>
         </p:txBody>
       </p:sp>
@@ -26918,29 +27206,27 @@
           <a:lstStyle/>
           <a:p>
             <a:r>
-              <a:rPr lang="en-US" dirty="0" smtClean="0"/>
+              <a:rPr lang="en-US" dirty="0"/>
               <a:t>Performed by Lt Col O’Day (April 2017)</a:t>
             </a:r>
-            <a:endParaRPr lang="en-US" dirty="0"/>
           </a:p>
           <a:p>
             <a:r>
-              <a:rPr lang="en-US" dirty="0" smtClean="0"/>
+              <a:rPr lang="en-US" dirty="0"/>
               <a:t>Eckert &amp; Ziegler Multi-nuclide source</a:t>
             </a:r>
           </a:p>
           <a:p>
             <a:r>
-              <a:rPr lang="en-US" dirty="0" smtClean="0"/>
+              <a:rPr lang="en-US" dirty="0"/>
               <a:t>Count time = 24 hours</a:t>
             </a:r>
           </a:p>
           <a:p>
             <a:r>
-              <a:rPr lang="en-US" dirty="0" smtClean="0"/>
+              <a:rPr lang="en-US" dirty="0"/>
               <a:t>5 different source positions</a:t>
             </a:r>
-            <a:endParaRPr lang="en-US" dirty="0"/>
           </a:p>
         </p:txBody>
       </p:sp>
@@ -26960,10 +27246,9 @@
           <a:lstStyle/>
           <a:p>
             <a:r>
-              <a:rPr lang="en-US" dirty="0" smtClean="0"/>
+              <a:rPr lang="en-US" dirty="0"/>
               <a:t>Experiment</a:t>
             </a:r>
-            <a:endParaRPr lang="en-US" dirty="0"/>
           </a:p>
         </p:txBody>
       </p:sp>
@@ -27242,10 +27527,9 @@
           <a:lstStyle/>
           <a:p>
             <a:r>
-              <a:rPr lang="en-US" dirty="0" smtClean="0"/>
+              <a:rPr lang="en-US" dirty="0"/>
               <a:t>Experimental Setup</a:t>
             </a:r>
-            <a:endParaRPr lang="en-US" dirty="0"/>
           </a:p>
         </p:txBody>
       </p:sp>
@@ -27313,13 +27597,6 @@
     <a:masterClrMapping/>
   </p:clrMapOvr>
   <p:transition/>
-  <p:timing>
-    <p:tnLst>
-      <p:par>
-        <p:cTn id="1" dur="indefinite" restart="never" nodeType="tmRoot"/>
-      </p:par>
-    </p:tnLst>
-  </p:timing>
 </p:sld>
 </file>
 
@@ -27356,10 +27633,9 @@
           <a:lstStyle/>
           <a:p>
             <a:r>
-              <a:rPr lang="en-US" dirty="0" smtClean="0"/>
+              <a:rPr lang="en-US" dirty="0"/>
               <a:t>Experimental Setup</a:t>
             </a:r>
-            <a:endParaRPr lang="en-US" dirty="0"/>
           </a:p>
         </p:txBody>
       </p:sp>
@@ -27416,10 +27692,34 @@
             <a:tbl>
               <a:tblPr firstRow="1" firstCol="1" bandRow="1"/>
               <a:tblGrid>
-                <a:gridCol w="1733550"/>
-                <a:gridCol w="1733550"/>
-                <a:gridCol w="1733550"/>
-                <a:gridCol w="1733550"/>
+                <a:gridCol w="1733550">
+                  <a:extLst>
+                    <a:ext uri="{9D8B030D-6E8A-4147-A177-3AD203B41FA5}">
+                      <a16:colId xmlns:a16="http://schemas.microsoft.com/office/drawing/2014/main" val="20000"/>
+                    </a:ext>
+                  </a:extLst>
+                </a:gridCol>
+                <a:gridCol w="1733550">
+                  <a:extLst>
+                    <a:ext uri="{9D8B030D-6E8A-4147-A177-3AD203B41FA5}">
+                      <a16:colId xmlns:a16="http://schemas.microsoft.com/office/drawing/2014/main" val="20001"/>
+                    </a:ext>
+                  </a:extLst>
+                </a:gridCol>
+                <a:gridCol w="1733550">
+                  <a:extLst>
+                    <a:ext uri="{9D8B030D-6E8A-4147-A177-3AD203B41FA5}">
+                      <a16:colId xmlns:a16="http://schemas.microsoft.com/office/drawing/2014/main" val="20002"/>
+                    </a:ext>
+                  </a:extLst>
+                </a:gridCol>
+                <a:gridCol w="1733550">
+                  <a:extLst>
+                    <a:ext uri="{9D8B030D-6E8A-4147-A177-3AD203B41FA5}">
+                      <a16:colId xmlns:a16="http://schemas.microsoft.com/office/drawing/2014/main" val="20003"/>
+                    </a:ext>
+                  </a:extLst>
+                </a:gridCol>
               </a:tblGrid>
               <a:tr h="587828">
                 <a:tc>
@@ -27445,16 +27745,7 @@
                           <a:ea typeface="Calibri" panose="020F0502020204030204" pitchFamily="34" charset="0"/>
                           <a:cs typeface="Times New Roman" panose="02020603050405020304" pitchFamily="18" charset="0"/>
                         </a:rPr>
-                        <a:t>Gamma-Ray Energy [keV</a:t>
-                      </a:r>
-                      <a:r>
-                        <a:rPr lang="en-US" sz="1200" b="1" dirty="0" smtClean="0">
-                          <a:effectLst/>
-                          <a:latin typeface="Arial" panose="020B0604020202020204" pitchFamily="34" charset="0"/>
-                          <a:ea typeface="Calibri" panose="020F0502020204030204" pitchFamily="34" charset="0"/>
-                          <a:cs typeface="Times New Roman" panose="02020603050405020304" pitchFamily="18" charset="0"/>
-                        </a:rPr>
-                        <a:t>]</a:t>
+                        <a:t>Gamma-Ray Energy [keV]</a:t>
                       </a:r>
                       <a:endParaRPr lang="en-US" sz="1100" dirty="0">
                         <a:effectLst/>
@@ -27731,6 +28022,11 @@
                     </a:solidFill>
                   </a:tcPr>
                 </a:tc>
+                <a:extLst>
+                  <a:ext uri="{0D108BD9-81ED-4DB2-BD59-A6C34878D82A}">
+                    <a16:rowId xmlns:a16="http://schemas.microsoft.com/office/drawing/2014/main" val="10000"/>
+                  </a:ext>
+                </a:extLst>
               </a:tr>
               <a:tr h="293915">
                 <a:tc>
@@ -28033,6 +28329,11 @@
                     </a:solidFill>
                   </a:tcPr>
                 </a:tc>
+                <a:extLst>
+                  <a:ext uri="{0D108BD9-81ED-4DB2-BD59-A6C34878D82A}">
+                    <a16:rowId xmlns:a16="http://schemas.microsoft.com/office/drawing/2014/main" val="10001"/>
+                  </a:ext>
+                </a:extLst>
               </a:tr>
               <a:tr h="293915">
                 <a:tc>
@@ -28335,6 +28636,11 @@
                     </a:solidFill>
                   </a:tcPr>
                 </a:tc>
+                <a:extLst>
+                  <a:ext uri="{0D108BD9-81ED-4DB2-BD59-A6C34878D82A}">
+                    <a16:rowId xmlns:a16="http://schemas.microsoft.com/office/drawing/2014/main" val="10002"/>
+                  </a:ext>
+                </a:extLst>
               </a:tr>
               <a:tr h="293915">
                 <a:tc>
@@ -28637,6 +28943,11 @@
                     </a:solidFill>
                   </a:tcPr>
                 </a:tc>
+                <a:extLst>
+                  <a:ext uri="{0D108BD9-81ED-4DB2-BD59-A6C34878D82A}">
+                    <a16:rowId xmlns:a16="http://schemas.microsoft.com/office/drawing/2014/main" val="10003"/>
+                  </a:ext>
+                </a:extLst>
               </a:tr>
               <a:tr h="293915">
                 <a:tc>
@@ -28939,6 +29250,11 @@
                     </a:solidFill>
                   </a:tcPr>
                 </a:tc>
+                <a:extLst>
+                  <a:ext uri="{0D108BD9-81ED-4DB2-BD59-A6C34878D82A}">
+                    <a16:rowId xmlns:a16="http://schemas.microsoft.com/office/drawing/2014/main" val="10004"/>
+                  </a:ext>
+                </a:extLst>
               </a:tr>
               <a:tr h="293915">
                 <a:tc>
@@ -29241,6 +29557,11 @@
                     </a:solidFill>
                   </a:tcPr>
                 </a:tc>
+                <a:extLst>
+                  <a:ext uri="{0D108BD9-81ED-4DB2-BD59-A6C34878D82A}">
+                    <a16:rowId xmlns:a16="http://schemas.microsoft.com/office/drawing/2014/main" val="10005"/>
+                  </a:ext>
+                </a:extLst>
               </a:tr>
               <a:tr h="293915">
                 <a:tc>
@@ -29543,6 +29864,11 @@
                     </a:solidFill>
                   </a:tcPr>
                 </a:tc>
+                <a:extLst>
+                  <a:ext uri="{0D108BD9-81ED-4DB2-BD59-A6C34878D82A}">
+                    <a16:rowId xmlns:a16="http://schemas.microsoft.com/office/drawing/2014/main" val="10006"/>
+                  </a:ext>
+                </a:extLst>
               </a:tr>
               <a:tr h="293915">
                 <a:tc>
@@ -29845,6 +30171,11 @@
                     </a:solidFill>
                   </a:tcPr>
                 </a:tc>
+                <a:extLst>
+                  <a:ext uri="{0D108BD9-81ED-4DB2-BD59-A6C34878D82A}">
+                    <a16:rowId xmlns:a16="http://schemas.microsoft.com/office/drawing/2014/main" val="10007"/>
+                  </a:ext>
+                </a:extLst>
               </a:tr>
               <a:tr h="293915">
                 <a:tc>
@@ -30147,6 +30478,11 @@
                     </a:solidFill>
                   </a:tcPr>
                 </a:tc>
+                <a:extLst>
+                  <a:ext uri="{0D108BD9-81ED-4DB2-BD59-A6C34878D82A}">
+                    <a16:rowId xmlns:a16="http://schemas.microsoft.com/office/drawing/2014/main" val="10008"/>
+                  </a:ext>
+                </a:extLst>
               </a:tr>
               <a:tr h="293915">
                 <a:tc>
@@ -30449,6 +30785,11 @@
                     </a:solidFill>
                   </a:tcPr>
                 </a:tc>
+                <a:extLst>
+                  <a:ext uri="{0D108BD9-81ED-4DB2-BD59-A6C34878D82A}">
+                    <a16:rowId xmlns:a16="http://schemas.microsoft.com/office/drawing/2014/main" val="10009"/>
+                  </a:ext>
+                </a:extLst>
               </a:tr>
               <a:tr h="293915">
                 <a:tc>
@@ -30751,6 +31092,11 @@
                     </a:solidFill>
                   </a:tcPr>
                 </a:tc>
+                <a:extLst>
+                  <a:ext uri="{0D108BD9-81ED-4DB2-BD59-A6C34878D82A}">
+                    <a16:rowId xmlns:a16="http://schemas.microsoft.com/office/drawing/2014/main" val="10010"/>
+                  </a:ext>
+                </a:extLst>
               </a:tr>
               <a:tr h="293915">
                 <a:tc>
@@ -31053,6 +31399,11 @@
                     </a:solidFill>
                   </a:tcPr>
                 </a:tc>
+                <a:extLst>
+                  <a:ext uri="{0D108BD9-81ED-4DB2-BD59-A6C34878D82A}">
+                    <a16:rowId xmlns:a16="http://schemas.microsoft.com/office/drawing/2014/main" val="10011"/>
+                  </a:ext>
+                </a:extLst>
               </a:tr>
               <a:tr h="293915">
                 <a:tc>
@@ -31355,6 +31706,11 @@
                     </a:solidFill>
                   </a:tcPr>
                 </a:tc>
+                <a:extLst>
+                  <a:ext uri="{0D108BD9-81ED-4DB2-BD59-A6C34878D82A}">
+                    <a16:rowId xmlns:a16="http://schemas.microsoft.com/office/drawing/2014/main" val="10012"/>
+                  </a:ext>
+                </a:extLst>
               </a:tr>
             </a:tbl>
           </a:graphicData>
@@ -31384,31 +31740,15 @@
           <a:p>
             <a:pPr lvl="0"/>
             <a:r>
-              <a:rPr lang="en-US" sz="1200" dirty="0" smtClean="0"/>
-              <a:t>* Energies </a:t>
+              <a:rPr lang="en-US" sz="1200" dirty="0"/>
+              <a:t>* Energies were kept constant with manufacturer provided documentation</a:t>
             </a:r>
+          </a:p>
+          <a:p>
+            <a:pPr lvl="0"/>
             <a:r>
               <a:rPr lang="en-US" sz="1200" dirty="0"/>
-              <a:t>were kept constant with manufacturer provided documentation</a:t>
-            </a:r>
-          </a:p>
-          <a:p>
-            <a:pPr lvl="0"/>
-            <a:r>
-              <a:rPr lang="en-US" sz="1200" dirty="0" smtClean="0"/>
-              <a:t>* Source </a:t>
-            </a:r>
-            <a:r>
-              <a:rPr lang="en-US" sz="1200" dirty="0"/>
-              <a:t>u</a:t>
-            </a:r>
-            <a:r>
-              <a:rPr lang="en-US" sz="1200" dirty="0" smtClean="0"/>
-              <a:t>ncertainty </a:t>
-            </a:r>
-            <a:r>
-              <a:rPr lang="en-US" sz="1200" dirty="0"/>
-              <a:t>for each energy was 3.1%</a:t>
+              <a:t>* Source uncertainty for each energy was 3.1%</a:t>
             </a:r>
           </a:p>
           <a:p>
@@ -31427,13 +31767,6 @@
     <a:masterClrMapping/>
   </p:clrMapOvr>
   <p:transition/>
-  <p:timing>
-    <p:tnLst>
-      <p:par>
-        <p:cTn id="1" dur="indefinite" restart="never" nodeType="tmRoot"/>
-      </p:par>
-    </p:tnLst>
-  </p:timing>
 </p:sld>
 </file>
 
@@ -31523,10 +31856,9 @@
           <a:lstStyle/>
           <a:p>
             <a:r>
-              <a:rPr lang="en-US" dirty="0" smtClean="0"/>
+              <a:rPr lang="en-US" dirty="0"/>
               <a:t>Experimental Setup</a:t>
             </a:r>
-            <a:endParaRPr lang="en-US" dirty="0"/>
           </a:p>
         </p:txBody>
       </p:sp>
@@ -31756,7 +32088,7 @@
               <a:buNone/>
               <a:tabLst/>
             </a:pPr>
-            <a:endParaRPr kumimoji="0" lang="en-US" sz="1800" b="0" i="0" u="none" strike="noStrike" cap="none" normalizeH="0" baseline="0" dirty="0" smtClean="0">
+            <a:endParaRPr kumimoji="0" lang="en-US" sz="1800" b="0" i="0" u="none" strike="noStrike" cap="none" normalizeH="0" baseline="0" dirty="0">
               <a:ln>
                 <a:noFill/>
               </a:ln>
@@ -31821,7 +32153,7 @@
               <a:buNone/>
               <a:tabLst/>
             </a:pPr>
-            <a:endParaRPr kumimoji="0" lang="en-US" sz="1800" b="0" i="0" u="none" strike="noStrike" cap="none" normalizeH="0" baseline="0" dirty="0" smtClean="0">
+            <a:endParaRPr kumimoji="0" lang="en-US" sz="1800" b="0" i="0" u="none" strike="noStrike" cap="none" normalizeH="0" baseline="0" dirty="0">
               <a:ln>
                 <a:noFill/>
               </a:ln>
@@ -31886,7 +32218,7 @@
               <a:buNone/>
               <a:tabLst/>
             </a:pPr>
-            <a:endParaRPr kumimoji="0" lang="en-US" sz="1800" b="0" i="0" u="none" strike="noStrike" cap="none" normalizeH="0" baseline="0" dirty="0" smtClean="0">
+            <a:endParaRPr kumimoji="0" lang="en-US" sz="1800" b="0" i="0" u="none" strike="noStrike" cap="none" normalizeH="0" baseline="0" dirty="0">
               <a:ln>
                 <a:noFill/>
               </a:ln>
@@ -31951,7 +32283,7 @@
               <a:buNone/>
               <a:tabLst/>
             </a:pPr>
-            <a:endParaRPr kumimoji="0" lang="en-US" sz="1800" b="0" i="0" u="none" strike="noStrike" cap="none" normalizeH="0" baseline="0" dirty="0" smtClean="0">
+            <a:endParaRPr kumimoji="0" lang="en-US" sz="1800" b="0" i="0" u="none" strike="noStrike" cap="none" normalizeH="0" baseline="0" dirty="0">
               <a:ln>
                 <a:noFill/>
               </a:ln>
@@ -32016,7 +32348,7 @@
               <a:buNone/>
               <a:tabLst/>
             </a:pPr>
-            <a:endParaRPr kumimoji="0" lang="en-US" sz="1800" b="0" i="0" u="none" strike="noStrike" cap="none" normalizeH="0" baseline="0" dirty="0" smtClean="0">
+            <a:endParaRPr kumimoji="0" lang="en-US" sz="1800" b="0" i="0" u="none" strike="noStrike" cap="none" normalizeH="0" baseline="0" dirty="0">
               <a:ln>
                 <a:noFill/>
               </a:ln>
@@ -32052,10 +32384,9 @@
           <a:lstStyle/>
           <a:p>
             <a:r>
-              <a:rPr lang="en-US" sz="1600" dirty="0" smtClean="0"/>
+              <a:rPr lang="en-US" sz="1600" dirty="0"/>
               <a:t>(0,0)</a:t>
             </a:r>
-            <a:endParaRPr lang="en-US" sz="1600" dirty="0"/>
           </a:p>
         </p:txBody>
       </p:sp>
@@ -32082,10 +32413,9 @@
           <a:lstStyle/>
           <a:p>
             <a:r>
-              <a:rPr lang="en-US" sz="1400" dirty="0" smtClean="0"/>
+              <a:rPr lang="en-US" sz="1400" dirty="0"/>
               <a:t>X-axis</a:t>
             </a:r>
-            <a:endParaRPr lang="en-US" sz="1400" dirty="0"/>
           </a:p>
         </p:txBody>
       </p:sp>
@@ -32170,7 +32500,7 @@
               <a:buNone/>
               <a:tabLst/>
             </a:pPr>
-            <a:endParaRPr kumimoji="0" lang="en-US" sz="1800" b="0" i="0" u="none" strike="noStrike" cap="none" normalizeH="0" baseline="0" dirty="0" smtClean="0">
+            <a:endParaRPr kumimoji="0" lang="en-US" sz="1800" b="0" i="0" u="none" strike="noStrike" cap="none" normalizeH="0" baseline="0" dirty="0">
               <a:ln>
                 <a:noFill/>
               </a:ln>
@@ -32264,10 +32594,9 @@
           <a:lstStyle/>
           <a:p>
             <a:r>
-              <a:rPr lang="en-US" sz="1400" dirty="0" smtClean="0"/>
+              <a:rPr lang="en-US" sz="1400" dirty="0"/>
               <a:t>Z-axis</a:t>
             </a:r>
-            <a:endParaRPr lang="en-US" sz="1400" dirty="0"/>
           </a:p>
         </p:txBody>
       </p:sp>
@@ -32294,18 +32623,13 @@
           <a:lstStyle/>
           <a:p>
             <a:r>
-              <a:rPr lang="en-US" sz="1200" dirty="0" smtClean="0">
+              <a:rPr lang="en-US" sz="1200" dirty="0">
                 <a:solidFill>
                   <a:schemeClr val="accent2"/>
                 </a:solidFill>
               </a:rPr>
               <a:t>A</a:t>
             </a:r>
-            <a:endParaRPr lang="en-US" sz="1200" dirty="0">
-              <a:solidFill>
-                <a:schemeClr val="accent2"/>
-              </a:solidFill>
-            </a:endParaRPr>
           </a:p>
         </p:txBody>
       </p:sp>
@@ -32331,18 +32655,13 @@
           <a:lstStyle/>
           <a:p>
             <a:r>
-              <a:rPr lang="en-US" sz="1200" dirty="0" smtClean="0">
+              <a:rPr lang="en-US" sz="1200" dirty="0">
                 <a:solidFill>
                   <a:schemeClr val="accent2"/>
                 </a:solidFill>
               </a:rPr>
               <a:t>B</a:t>
             </a:r>
-            <a:endParaRPr lang="en-US" sz="1200" dirty="0">
-              <a:solidFill>
-                <a:schemeClr val="accent2"/>
-              </a:solidFill>
-            </a:endParaRPr>
           </a:p>
         </p:txBody>
       </p:sp>
@@ -32368,18 +32687,13 @@
           <a:lstStyle/>
           <a:p>
             <a:r>
-              <a:rPr lang="en-US" sz="1200" dirty="0" smtClean="0">
+              <a:rPr lang="en-US" sz="1200" dirty="0">
                 <a:solidFill>
                   <a:schemeClr val="accent2"/>
                 </a:solidFill>
               </a:rPr>
               <a:t>C</a:t>
             </a:r>
-            <a:endParaRPr lang="en-US" sz="1200" dirty="0">
-              <a:solidFill>
-                <a:schemeClr val="accent2"/>
-              </a:solidFill>
-            </a:endParaRPr>
           </a:p>
         </p:txBody>
       </p:sp>
@@ -32405,18 +32719,13 @@
           <a:lstStyle/>
           <a:p>
             <a:r>
-              <a:rPr lang="en-US" sz="1200" dirty="0" smtClean="0">
+              <a:rPr lang="en-US" sz="1200" dirty="0">
                 <a:solidFill>
                   <a:schemeClr val="accent2"/>
                 </a:solidFill>
               </a:rPr>
               <a:t>D</a:t>
             </a:r>
-            <a:endParaRPr lang="en-US" sz="1200" dirty="0">
-              <a:solidFill>
-                <a:schemeClr val="accent2"/>
-              </a:solidFill>
-            </a:endParaRPr>
           </a:p>
         </p:txBody>
       </p:sp>
@@ -32442,18 +32751,13 @@
           <a:lstStyle/>
           <a:p>
             <a:r>
-              <a:rPr lang="en-US" sz="1200" dirty="0" smtClean="0">
+              <a:rPr lang="en-US" sz="1200" dirty="0">
                 <a:solidFill>
                   <a:schemeClr val="accent2"/>
                 </a:solidFill>
               </a:rPr>
               <a:t>E</a:t>
             </a:r>
-            <a:endParaRPr lang="en-US" sz="1200" dirty="0">
-              <a:solidFill>
-                <a:schemeClr val="accent2"/>
-              </a:solidFill>
-            </a:endParaRPr>
           </a:p>
         </p:txBody>
       </p:sp>
@@ -32479,18 +32783,13 @@
           <a:lstStyle/>
           <a:p>
             <a:r>
-              <a:rPr lang="en-US" sz="1200" dirty="0" smtClean="0">
+              <a:rPr lang="en-US" sz="1200" dirty="0">
                 <a:solidFill>
                   <a:schemeClr val="accent2"/>
                 </a:solidFill>
               </a:rPr>
               <a:t>F</a:t>
             </a:r>
-            <a:endParaRPr lang="en-US" sz="1200" dirty="0">
-              <a:solidFill>
-                <a:schemeClr val="accent2"/>
-              </a:solidFill>
-            </a:endParaRPr>
           </a:p>
         </p:txBody>
       </p:sp>
@@ -32516,18 +32815,13 @@
           <a:lstStyle/>
           <a:p>
             <a:r>
-              <a:rPr lang="en-US" sz="1200" dirty="0" smtClean="0">
+              <a:rPr lang="en-US" sz="1200" dirty="0">
                 <a:solidFill>
                   <a:schemeClr val="accent2"/>
                 </a:solidFill>
               </a:rPr>
               <a:t>G</a:t>
             </a:r>
-            <a:endParaRPr lang="en-US" sz="1200" dirty="0">
-              <a:solidFill>
-                <a:schemeClr val="accent2"/>
-              </a:solidFill>
-            </a:endParaRPr>
           </a:p>
         </p:txBody>
       </p:sp>
@@ -32559,46 +32853,45 @@
           <a:lstStyle/>
           <a:p>
             <a:r>
-              <a:rPr lang="en-US" sz="1400" dirty="0" smtClean="0"/>
+              <a:rPr lang="en-US" sz="1400" dirty="0"/>
               <a:t>A – 13.7385 cm</a:t>
             </a:r>
           </a:p>
           <a:p>
             <a:r>
-              <a:rPr lang="en-US" sz="1400" dirty="0" smtClean="0"/>
+              <a:rPr lang="en-US" sz="1400" dirty="0"/>
               <a:t>B – 3.48 cm</a:t>
             </a:r>
           </a:p>
           <a:p>
             <a:r>
-              <a:rPr lang="en-US" sz="1400" dirty="0" smtClean="0"/>
+              <a:rPr lang="en-US" sz="1400" dirty="0"/>
               <a:t>C – 4.8885 cm</a:t>
             </a:r>
           </a:p>
           <a:p>
             <a:r>
-              <a:rPr lang="en-US" sz="1400" dirty="0" smtClean="0"/>
+              <a:rPr lang="en-US" sz="1400" dirty="0"/>
               <a:t>D – 7.6 cm</a:t>
             </a:r>
           </a:p>
           <a:p>
             <a:r>
-              <a:rPr lang="en-US" sz="1400" dirty="0" smtClean="0"/>
+              <a:rPr lang="en-US" sz="1400" dirty="0"/>
               <a:t>E – 20.735 cm</a:t>
             </a:r>
           </a:p>
           <a:p>
             <a:r>
-              <a:rPr lang="en-US" sz="1400" dirty="0" smtClean="0"/>
+              <a:rPr lang="en-US" sz="1400" dirty="0"/>
               <a:t>F – 29.7385 cm</a:t>
             </a:r>
           </a:p>
           <a:p>
             <a:r>
-              <a:rPr lang="en-US" sz="1400" dirty="0" smtClean="0"/>
+              <a:rPr lang="en-US" sz="1400" dirty="0"/>
               <a:t>G – 9.78 cm</a:t>
             </a:r>
-            <a:endParaRPr lang="en-US" sz="1400" dirty="0"/>
           </a:p>
         </p:txBody>
       </p:sp>
@@ -32625,18 +32918,13 @@
           <a:lstStyle/>
           <a:p>
             <a:r>
-              <a:rPr lang="en-US" sz="1400" dirty="0" smtClean="0">
+              <a:rPr lang="en-US" sz="1400" dirty="0">
                 <a:solidFill>
                   <a:srgbClr val="FF0000"/>
                 </a:solidFill>
               </a:rPr>
               <a:t>1</a:t>
             </a:r>
-            <a:endParaRPr lang="en-US" sz="1400" dirty="0">
-              <a:solidFill>
-                <a:srgbClr val="FF0000"/>
-              </a:solidFill>
-            </a:endParaRPr>
           </a:p>
         </p:txBody>
       </p:sp>
@@ -32663,18 +32951,13 @@
           <a:lstStyle/>
           <a:p>
             <a:r>
-              <a:rPr lang="en-US" sz="1400" dirty="0" smtClean="0">
+              <a:rPr lang="en-US" sz="1400" dirty="0">
                 <a:solidFill>
                   <a:srgbClr val="FF0000"/>
                 </a:solidFill>
               </a:rPr>
               <a:t>2</a:t>
             </a:r>
-            <a:endParaRPr lang="en-US" sz="1400" dirty="0">
-              <a:solidFill>
-                <a:srgbClr val="FF0000"/>
-              </a:solidFill>
-            </a:endParaRPr>
           </a:p>
         </p:txBody>
       </p:sp>
@@ -32701,18 +32984,13 @@
           <a:lstStyle/>
           <a:p>
             <a:r>
-              <a:rPr lang="en-US" sz="1400" dirty="0" smtClean="0">
+              <a:rPr lang="en-US" sz="1400" dirty="0">
                 <a:solidFill>
                   <a:srgbClr val="FF0000"/>
                 </a:solidFill>
               </a:rPr>
               <a:t>3</a:t>
             </a:r>
-            <a:endParaRPr lang="en-US" sz="1400" dirty="0">
-              <a:solidFill>
-                <a:srgbClr val="FF0000"/>
-              </a:solidFill>
-            </a:endParaRPr>
           </a:p>
         </p:txBody>
       </p:sp>
@@ -32739,18 +33017,13 @@
           <a:lstStyle/>
           <a:p>
             <a:r>
-              <a:rPr lang="en-US" sz="1400" dirty="0" smtClean="0">
+              <a:rPr lang="en-US" sz="1400" dirty="0">
                 <a:solidFill>
                   <a:srgbClr val="FF0000"/>
                 </a:solidFill>
               </a:rPr>
               <a:t>4</a:t>
             </a:r>
-            <a:endParaRPr lang="en-US" sz="1400" dirty="0">
-              <a:solidFill>
-                <a:srgbClr val="FF0000"/>
-              </a:solidFill>
-            </a:endParaRPr>
           </a:p>
         </p:txBody>
       </p:sp>
@@ -32777,18 +33050,13 @@
           <a:lstStyle/>
           <a:p>
             <a:r>
-              <a:rPr lang="en-US" sz="1400" dirty="0" smtClean="0">
+              <a:rPr lang="en-US" sz="1400" dirty="0">
                 <a:solidFill>
                   <a:srgbClr val="FF0000"/>
                 </a:solidFill>
               </a:rPr>
               <a:t>5</a:t>
             </a:r>
-            <a:endParaRPr lang="en-US" sz="1400" dirty="0">
-              <a:solidFill>
-                <a:srgbClr val="FF0000"/>
-              </a:solidFill>
-            </a:endParaRPr>
           </a:p>
         </p:txBody>
       </p:sp>
@@ -32803,13 +33071,6 @@
     <a:masterClrMapping/>
   </p:clrMapOvr>
   <p:transition/>
-  <p:timing>
-    <p:tnLst>
-      <p:par>
-        <p:cTn id="1" dur="indefinite" restart="never" nodeType="tmRoot"/>
-      </p:par>
-    </p:tnLst>
-  </p:timing>
 </p:sld>
 </file>
 
@@ -32853,19 +33114,19 @@
               <a:lstStyle/>
               <a:p>
                 <a:r>
-                  <a:rPr lang="en-US" dirty="0" smtClean="0"/>
+                  <a:rPr lang="en-US" dirty="0"/>
                   <a:t>Canberra Standard Electrode Ge Detector (SEGe)</a:t>
                 </a:r>
               </a:p>
               <a:p>
                 <a:r>
-                  <a:rPr lang="en-US" dirty="0" smtClean="0"/>
+                  <a:rPr lang="en-US" dirty="0"/>
                   <a:t>Model Number: GC10021</a:t>
                 </a:r>
               </a:p>
               <a:p>
                 <a:r>
-                  <a:rPr lang="en-US" dirty="0" smtClean="0"/>
+                  <a:rPr lang="en-US" dirty="0"/>
                   <a:t>Relative Efficiency </a:t>
                 </a:r>
                 <a14:m>
@@ -32880,28 +33141,27 @@
                   </m:oMath>
                 </a14:m>
                 <a:r>
-                  <a:rPr lang="en-US" dirty="0" smtClean="0"/>
+                  <a:rPr lang="en-US" dirty="0"/>
                   <a:t> 100 %</a:t>
                 </a:r>
               </a:p>
               <a:p>
                 <a:r>
-                  <a:rPr lang="en-US" dirty="0" smtClean="0"/>
+                  <a:rPr lang="en-US" dirty="0"/>
                   <a:t>Resolution: 1.20 keV at 122  keV and 2.1 at 1.3 MeV</a:t>
                 </a:r>
               </a:p>
               <a:p>
                 <a:r>
-                  <a:rPr lang="en-US" dirty="0" smtClean="0"/>
+                  <a:rPr lang="en-US" dirty="0"/>
                   <a:t>Coaxial Configuration</a:t>
                 </a:r>
               </a:p>
               <a:p>
                 <a:r>
-                  <a:rPr lang="en-US" dirty="0" smtClean="0"/>
+                  <a:rPr lang="en-US" dirty="0"/>
                   <a:t>P-Type</a:t>
                 </a:r>
-                <a:endParaRPr lang="en-US" dirty="0"/>
               </a:p>
             </p:txBody>
           </p:sp>
@@ -32960,10 +33220,9 @@
           <a:lstStyle/>
           <a:p>
             <a:r>
-              <a:rPr lang="en-US" dirty="0" smtClean="0"/>
+              <a:rPr lang="en-US" dirty="0"/>
               <a:t>Detector Specifications</a:t>
             </a:r>
-            <a:endParaRPr lang="en-US" dirty="0"/>
           </a:p>
         </p:txBody>
       </p:sp>
@@ -33048,7 +33307,7 @@
               <a:buNone/>
               <a:tabLst/>
             </a:pPr>
-            <a:endParaRPr kumimoji="0" lang="en-US" sz="1800" b="0" i="0" u="none" strike="noStrike" cap="none" normalizeH="0" baseline="0" dirty="0" smtClean="0">
+            <a:endParaRPr kumimoji="0" lang="en-US" sz="1800" b="0" i="0" u="none" strike="noStrike" cap="none" normalizeH="0" baseline="0" dirty="0">
               <a:ln>
                 <a:noFill/>
               </a:ln>
@@ -33116,7 +33375,7 @@
               <a:buNone/>
               <a:tabLst/>
             </a:pPr>
-            <a:endParaRPr kumimoji="0" lang="en-US" sz="1800" b="0" i="0" u="none" strike="noStrike" cap="none" normalizeH="0" baseline="0" dirty="0" smtClean="0">
+            <a:endParaRPr kumimoji="0" lang="en-US" sz="1800" b="0" i="0" u="none" strike="noStrike" cap="none" normalizeH="0" baseline="0" dirty="0">
               <a:ln>
                 <a:noFill/>
               </a:ln>
@@ -33181,7 +33440,7 @@
               <a:buNone/>
               <a:tabLst/>
             </a:pPr>
-            <a:endParaRPr kumimoji="0" lang="en-US" sz="1800" b="0" i="0" u="none" strike="noStrike" cap="none" normalizeH="0" baseline="0" dirty="0" smtClean="0">
+            <a:endParaRPr kumimoji="0" lang="en-US" sz="1800" b="0" i="0" u="none" strike="noStrike" cap="none" normalizeH="0" baseline="0" dirty="0">
               <a:ln>
                 <a:noFill/>
               </a:ln>
@@ -33306,10 +33565,9 @@
           <a:lstStyle/>
           <a:p>
             <a:r>
-              <a:rPr lang="en-US" sz="2400" dirty="0" smtClean="0"/>
+              <a:rPr lang="en-US" sz="2400" dirty="0"/>
               <a:t>n+ contact</a:t>
             </a:r>
-            <a:endParaRPr lang="en-US" sz="2400" dirty="0"/>
           </a:p>
         </p:txBody>
       </p:sp>
@@ -33336,10 +33594,9 @@
           <a:lstStyle/>
           <a:p>
             <a:r>
-              <a:rPr lang="en-US" sz="2400" dirty="0" smtClean="0"/>
+              <a:rPr lang="en-US" sz="2400" dirty="0"/>
               <a:t>p+ contact</a:t>
             </a:r>
-            <a:endParaRPr lang="en-US" sz="2400" dirty="0"/>
           </a:p>
         </p:txBody>
       </p:sp>
@@ -33366,18 +33623,13 @@
           <a:lstStyle/>
           <a:p>
             <a:r>
-              <a:rPr lang="en-US" dirty="0" smtClean="0">
+              <a:rPr lang="en-US" dirty="0">
                 <a:solidFill>
                   <a:srgbClr val="FF0000"/>
                 </a:solidFill>
               </a:rPr>
               <a:t>e-</a:t>
             </a:r>
-            <a:endParaRPr lang="en-US" dirty="0">
-              <a:solidFill>
-                <a:srgbClr val="FF0000"/>
-              </a:solidFill>
-            </a:endParaRPr>
           </a:p>
         </p:txBody>
       </p:sp>

--- a/Report/HPGe_Automation Optimization_MCNP_Model.pptx
+++ b/Report/HPGe_Automation Optimization_MCNP_Model.pptx
@@ -5,10 +5,10 @@
     <p:sldMasterId id="2147483660" r:id="rId1"/>
   </p:sldMasterIdLst>
   <p:notesMasterIdLst>
-    <p:notesMasterId r:id="rId39"/>
+    <p:notesMasterId r:id="rId41"/>
   </p:notesMasterIdLst>
   <p:handoutMasterIdLst>
-    <p:handoutMasterId r:id="rId40"/>
+    <p:handoutMasterId r:id="rId42"/>
   </p:handoutMasterIdLst>
   <p:sldIdLst>
     <p:sldId id="256" r:id="rId2"/>
@@ -42,12 +42,14 @@
     <p:sldId id="381" r:id="rId30"/>
     <p:sldId id="382" r:id="rId31"/>
     <p:sldId id="370" r:id="rId32"/>
-    <p:sldId id="372" r:id="rId33"/>
-    <p:sldId id="371" r:id="rId34"/>
-    <p:sldId id="373" r:id="rId35"/>
-    <p:sldId id="351" r:id="rId36"/>
-    <p:sldId id="353" r:id="rId37"/>
-    <p:sldId id="349" r:id="rId38"/>
+    <p:sldId id="389" r:id="rId33"/>
+    <p:sldId id="390" r:id="rId34"/>
+    <p:sldId id="372" r:id="rId35"/>
+    <p:sldId id="371" r:id="rId36"/>
+    <p:sldId id="373" r:id="rId37"/>
+    <p:sldId id="351" r:id="rId38"/>
+    <p:sldId id="353" r:id="rId39"/>
+    <p:sldId id="349" r:id="rId40"/>
   </p:sldIdLst>
   <p:sldSz cx="9144000" cy="6858000" type="screen4x3"/>
   <p:notesSz cx="7010400" cy="9296400"/>
@@ -3666,6 +3668,14 @@
           <a:bodyPr/>
           <a:lstStyle/>
           <a:p>
+            <a:r>
+              <a:rPr lang="en-US" dirty="0" smtClean="0"/>
+              <a:t>Include all</a:t>
+            </a:r>
+            <a:r>
+              <a:rPr lang="en-US" baseline="0" dirty="0" smtClean="0"/>
+              <a:t> the plots explain that these are showing our results in comparison with the given experimental results. Note that the plots were also automated in their creation.</a:t>
+            </a:r>
             <a:endParaRPr lang="en-US" dirty="0"/>
           </a:p>
         </p:txBody>
@@ -3693,7 +3703,7 @@
               <a:pPr>
                 <a:defRPr/>
               </a:pPr>
-              <a:t>33</a:t>
+              <a:t>32</a:t>
             </a:fld>
             <a:endParaRPr lang="en-US" dirty="0"/>
           </a:p>
@@ -3702,7 +3712,7 @@
     </p:spTree>
     <p:extLst>
       <p:ext uri="{BB962C8B-B14F-4D97-AF65-F5344CB8AC3E}">
-        <p14:creationId xmlns:p14="http://schemas.microsoft.com/office/powerpoint/2010/main" val="4141483374"/>
+        <p14:creationId xmlns:p14="http://schemas.microsoft.com/office/powerpoint/2010/main" val="2943865966"/>
       </p:ext>
     </p:extLst>
   </p:cSld>
@@ -3756,6 +3766,14 @@
           <a:bodyPr/>
           <a:lstStyle/>
           <a:p>
+            <a:r>
+              <a:rPr lang="en-US" dirty="0" smtClean="0"/>
+              <a:t>Include all</a:t>
+            </a:r>
+            <a:r>
+              <a:rPr lang="en-US" baseline="0" dirty="0" smtClean="0"/>
+              <a:t> the plots explain that these are showing our results in comparison with the given experimental results. Note that the plots were also automated in their creation.</a:t>
+            </a:r>
             <a:endParaRPr lang="en-US" dirty="0"/>
           </a:p>
         </p:txBody>
@@ -3783,7 +3801,7 @@
               <a:pPr>
                 <a:defRPr/>
               </a:pPr>
-              <a:t>34</a:t>
+              <a:t>33</a:t>
             </a:fld>
             <a:endParaRPr lang="en-US" dirty="0"/>
           </a:p>
@@ -3792,7 +3810,7 @@
     </p:spTree>
     <p:extLst>
       <p:ext uri="{BB962C8B-B14F-4D97-AF65-F5344CB8AC3E}">
-        <p14:creationId xmlns:p14="http://schemas.microsoft.com/office/powerpoint/2010/main" val="2319616952"/>
+        <p14:creationId xmlns:p14="http://schemas.microsoft.com/office/powerpoint/2010/main" val="2384511812"/>
       </p:ext>
     </p:extLst>
   </p:cSld>
@@ -3882,7 +3900,7 @@
     </p:spTree>
     <p:extLst>
       <p:ext uri="{BB962C8B-B14F-4D97-AF65-F5344CB8AC3E}">
-        <p14:creationId xmlns:p14="http://schemas.microsoft.com/office/powerpoint/2010/main" val="321018036"/>
+        <p14:creationId xmlns:p14="http://schemas.microsoft.com/office/powerpoint/2010/main" val="4141483374"/>
       </p:ext>
     </p:extLst>
   </p:cSld>
@@ -3972,7 +3990,7 @@
     </p:spTree>
     <p:extLst>
       <p:ext uri="{BB962C8B-B14F-4D97-AF65-F5344CB8AC3E}">
-        <p14:creationId xmlns:p14="http://schemas.microsoft.com/office/powerpoint/2010/main" val="1197035683"/>
+        <p14:creationId xmlns:p14="http://schemas.microsoft.com/office/powerpoint/2010/main" val="2319616952"/>
       </p:ext>
     </p:extLst>
   </p:cSld>
@@ -4054,6 +4072,186 @@
                 <a:defRPr/>
               </a:pPr>
               <a:t>37</a:t>
+            </a:fld>
+            <a:endParaRPr lang="en-US" dirty="0"/>
+          </a:p>
+        </p:txBody>
+      </p:sp>
+    </p:spTree>
+    <p:extLst>
+      <p:ext uri="{BB962C8B-B14F-4D97-AF65-F5344CB8AC3E}">
+        <p14:creationId xmlns:p14="http://schemas.microsoft.com/office/powerpoint/2010/main" val="321018036"/>
+      </p:ext>
+    </p:extLst>
+  </p:cSld>
+  <p:clrMapOvr>
+    <a:masterClrMapping/>
+  </p:clrMapOvr>
+</p:notes>
+</file>
+
+<file path=ppt/notesSlides/notesSlide36.xml><?xml version="1.0" encoding="utf-8"?>
+<p:notes xmlns:a="http://schemas.openxmlformats.org/drawingml/2006/main" xmlns:r="http://schemas.openxmlformats.org/officeDocument/2006/relationships" xmlns:p="http://schemas.openxmlformats.org/presentationml/2006/main">
+  <p:cSld>
+    <p:spTree>
+      <p:nvGrpSpPr>
+        <p:cNvPr id="1" name=""/>
+        <p:cNvGrpSpPr/>
+        <p:nvPr/>
+      </p:nvGrpSpPr>
+      <p:grpSpPr>
+        <a:xfrm>
+          <a:off x="0" y="0"/>
+          <a:ext cx="0" cy="0"/>
+          <a:chOff x="0" y="0"/>
+          <a:chExt cx="0" cy="0"/>
+        </a:xfrm>
+      </p:grpSpPr>
+      <p:sp>
+        <p:nvSpPr>
+          <p:cNvPr id="2" name="Slide Image Placeholder 1"/>
+          <p:cNvSpPr>
+            <a:spLocks noGrp="1" noRot="1" noChangeAspect="1"/>
+          </p:cNvSpPr>
+          <p:nvPr>
+            <p:ph type="sldImg"/>
+          </p:nvPr>
+        </p:nvSpPr>
+        <p:spPr/>
+      </p:sp>
+      <p:sp>
+        <p:nvSpPr>
+          <p:cNvPr id="3" name="Notes Placeholder 2"/>
+          <p:cNvSpPr>
+            <a:spLocks noGrp="1"/>
+          </p:cNvSpPr>
+          <p:nvPr>
+            <p:ph type="body" idx="1"/>
+          </p:nvPr>
+        </p:nvSpPr>
+        <p:spPr/>
+        <p:txBody>
+          <a:bodyPr/>
+          <a:lstStyle/>
+          <a:p>
+            <a:endParaRPr lang="en-US" dirty="0"/>
+          </a:p>
+        </p:txBody>
+      </p:sp>
+      <p:sp>
+        <p:nvSpPr>
+          <p:cNvPr id="4" name="Slide Number Placeholder 3"/>
+          <p:cNvSpPr>
+            <a:spLocks noGrp="1"/>
+          </p:cNvSpPr>
+          <p:nvPr>
+            <p:ph type="sldNum" sz="quarter" idx="10"/>
+          </p:nvPr>
+        </p:nvSpPr>
+        <p:spPr/>
+        <p:txBody>
+          <a:bodyPr/>
+          <a:lstStyle/>
+          <a:p>
+            <a:pPr>
+              <a:defRPr/>
+            </a:pPr>
+            <a:fld id="{1F6B3159-B396-4F1D-8D6C-858A85A1524C}" type="slidenum">
+              <a:rPr lang="en-US" smtClean="0"/>
+              <a:pPr>
+                <a:defRPr/>
+              </a:pPr>
+              <a:t>38</a:t>
+            </a:fld>
+            <a:endParaRPr lang="en-US" dirty="0"/>
+          </a:p>
+        </p:txBody>
+      </p:sp>
+    </p:spTree>
+    <p:extLst>
+      <p:ext uri="{BB962C8B-B14F-4D97-AF65-F5344CB8AC3E}">
+        <p14:creationId xmlns:p14="http://schemas.microsoft.com/office/powerpoint/2010/main" val="1197035683"/>
+      </p:ext>
+    </p:extLst>
+  </p:cSld>
+  <p:clrMapOvr>
+    <a:masterClrMapping/>
+  </p:clrMapOvr>
+</p:notes>
+</file>
+
+<file path=ppt/notesSlides/notesSlide37.xml><?xml version="1.0" encoding="utf-8"?>
+<p:notes xmlns:a="http://schemas.openxmlformats.org/drawingml/2006/main" xmlns:r="http://schemas.openxmlformats.org/officeDocument/2006/relationships" xmlns:p="http://schemas.openxmlformats.org/presentationml/2006/main">
+  <p:cSld>
+    <p:spTree>
+      <p:nvGrpSpPr>
+        <p:cNvPr id="1" name=""/>
+        <p:cNvGrpSpPr/>
+        <p:nvPr/>
+      </p:nvGrpSpPr>
+      <p:grpSpPr>
+        <a:xfrm>
+          <a:off x="0" y="0"/>
+          <a:ext cx="0" cy="0"/>
+          <a:chOff x="0" y="0"/>
+          <a:chExt cx="0" cy="0"/>
+        </a:xfrm>
+      </p:grpSpPr>
+      <p:sp>
+        <p:nvSpPr>
+          <p:cNvPr id="2" name="Slide Image Placeholder 1"/>
+          <p:cNvSpPr>
+            <a:spLocks noGrp="1" noRot="1" noChangeAspect="1"/>
+          </p:cNvSpPr>
+          <p:nvPr>
+            <p:ph type="sldImg"/>
+          </p:nvPr>
+        </p:nvSpPr>
+        <p:spPr/>
+      </p:sp>
+      <p:sp>
+        <p:nvSpPr>
+          <p:cNvPr id="3" name="Notes Placeholder 2"/>
+          <p:cNvSpPr>
+            <a:spLocks noGrp="1"/>
+          </p:cNvSpPr>
+          <p:nvPr>
+            <p:ph type="body" idx="1"/>
+          </p:nvPr>
+        </p:nvSpPr>
+        <p:spPr/>
+        <p:txBody>
+          <a:bodyPr/>
+          <a:lstStyle/>
+          <a:p>
+            <a:endParaRPr lang="en-US" dirty="0"/>
+          </a:p>
+        </p:txBody>
+      </p:sp>
+      <p:sp>
+        <p:nvSpPr>
+          <p:cNvPr id="4" name="Slide Number Placeholder 3"/>
+          <p:cNvSpPr>
+            <a:spLocks noGrp="1"/>
+          </p:cNvSpPr>
+          <p:nvPr>
+            <p:ph type="sldNum" sz="quarter" idx="10"/>
+          </p:nvPr>
+        </p:nvSpPr>
+        <p:spPr/>
+        <p:txBody>
+          <a:bodyPr/>
+          <a:lstStyle/>
+          <a:p>
+            <a:pPr>
+              <a:defRPr/>
+            </a:pPr>
+            <a:fld id="{1F6B3159-B396-4F1D-8D6C-858A85A1524C}" type="slidenum">
+              <a:rPr lang="en-US" smtClean="0"/>
+              <a:pPr>
+                <a:defRPr/>
+              </a:pPr>
+              <a:t>39</a:t>
             </a:fld>
             <a:endParaRPr lang="en-US" dirty="0"/>
           </a:p>
@@ -14076,6 +14274,11 @@
           <a:prstGeom prst="rect">
             <a:avLst/>
           </a:prstGeom>
+          <a:ln>
+            <a:solidFill>
+              <a:schemeClr val="tx1"/>
+            </a:solidFill>
+          </a:ln>
         </p:spPr>
       </p:pic>
       <p:sp>
@@ -14159,12 +14362,17 @@
         </p:blipFill>
         <p:spPr>
           <a:xfrm>
-            <a:off x="1600200" y="2819400"/>
+            <a:off x="1905000" y="2895600"/>
             <a:ext cx="7067550" cy="3343275"/>
           </a:xfrm>
           <a:prstGeom prst="rect">
             <a:avLst/>
           </a:prstGeom>
+          <a:ln>
+            <a:solidFill>
+              <a:schemeClr val="tx1"/>
+            </a:solidFill>
+          </a:ln>
         </p:spPr>
       </p:pic>
     </p:spTree>
@@ -14221,7 +14429,7 @@
         </p:blipFill>
         <p:spPr>
           <a:xfrm>
-            <a:off x="1219200" y="1099977"/>
+            <a:off x="1981200" y="1146141"/>
             <a:ext cx="7042251" cy="5224623"/>
           </a:xfrm>
           <a:prstGeom prst="rect">
@@ -14242,7 +14450,7 @@
         <p:spPr>
           <a:xfrm>
             <a:off x="304800" y="1295400"/>
-            <a:ext cx="8534400" cy="4876800"/>
+            <a:ext cx="5715000" cy="3200400"/>
           </a:xfrm>
         </p:spPr>
         <p:txBody>
@@ -17935,7 +18143,7 @@
           <a:graphicData uri="http://schemas.openxmlformats.org/presentationml/2006/ole">
             <mc:AlternateContent xmlns:mc="http://schemas.openxmlformats.org/markup-compatibility/2006">
               <mc:Choice xmlns:v="urn:schemas-microsoft-com:vml" Requires="v">
-                <p:oleObj spid="_x0000_s2050" name="Worksheet" r:id="rId5" imgW="7324560" imgH="5915025" progId="Excel.Sheet.12">
+                <p:oleObj spid="_x0000_s2054" name="Worksheet" r:id="rId5" imgW="7324560" imgH="5915025" progId="Excel.Sheet.12">
                   <p:embed/>
                 </p:oleObj>
               </mc:Choice>
@@ -18736,7 +18944,7 @@
             </a:r>
             <a:r>
               <a:rPr lang="en-US" b="1" dirty="0" smtClean="0"/>
-              <a:t> Error: 52%</a:t>
+              <a:t> Error: 452%</a:t>
             </a:r>
           </a:p>
           <a:p>
@@ -18750,7 +18958,7 @@
             </a:r>
             <a:r>
               <a:rPr lang="en-US" b="1" dirty="0" smtClean="0"/>
-              <a:t> Error: 452%</a:t>
+              <a:t> Error: 2247%</a:t>
             </a:r>
           </a:p>
           <a:p>
@@ -18764,7 +18972,7 @@
             </a:r>
             <a:r>
               <a:rPr lang="en-US" b="1" dirty="0" smtClean="0"/>
-              <a:t> Error: 0.2%</a:t>
+              <a:t> Error: 144%</a:t>
             </a:r>
           </a:p>
         </p:txBody>
@@ -19350,14 +19558,14 @@
             <a:r>
               <a:rPr lang="en-US" dirty="0" smtClean="0">
                 <a:solidFill>
-                  <a:srgbClr val="FF0000"/>
+                  <a:srgbClr val="000066"/>
                 </a:solidFill>
               </a:rPr>
               <a:t>Optimized Positions</a:t>
             </a:r>
             <a:endParaRPr lang="en-US" dirty="0">
               <a:solidFill>
-                <a:srgbClr val="FF0000"/>
+                <a:srgbClr val="000066"/>
               </a:solidFill>
             </a:endParaRPr>
           </a:p>
@@ -19394,7 +19602,7 @@
       </p:sp>
       <p:graphicFrame>
         <p:nvGraphicFramePr>
-          <p:cNvPr id="6" name="Content Placeholder 5"/>
+          <p:cNvPr id="5" name="Content Placeholder 4"/>
           <p:cNvGraphicFramePr>
             <a:graphicFrameLocks noGrp="1"/>
           </p:cNvGraphicFramePr>
@@ -19402,29 +19610,29 @@
             <p:ph idx="1"/>
             <p:extLst>
               <p:ext uri="{D42A27DB-BD31-4B8C-83A1-F6EECF244321}">
-                <p14:modId xmlns:p14="http://schemas.microsoft.com/office/powerpoint/2010/main" val="2951233018"/>
+                <p14:modId xmlns:p14="http://schemas.microsoft.com/office/powerpoint/2010/main" val="69251726"/>
               </p:ext>
             </p:extLst>
           </p:nvPr>
         </p:nvGraphicFramePr>
         <p:xfrm>
-          <a:off x="304800" y="1371600"/>
-          <a:ext cx="8534401" cy="4724401"/>
+          <a:off x="76200" y="1295400"/>
+          <a:ext cx="8991598" cy="4419602"/>
         </p:xfrm>
         <a:graphic>
           <a:graphicData uri="http://schemas.openxmlformats.org/drawingml/2006/table">
             <a:tbl>
               <a:tblPr firstRow="1" firstCol="1" bandRow="1"/>
               <a:tblGrid>
-                <a:gridCol w="3226575"/>
-                <a:gridCol w="1136781"/>
-                <a:gridCol w="834209"/>
-                <a:gridCol w="834209"/>
-                <a:gridCol w="834209"/>
-                <a:gridCol w="834209"/>
-                <a:gridCol w="834209"/>
+                <a:gridCol w="3399428"/>
+                <a:gridCol w="1197680"/>
+                <a:gridCol w="878898"/>
+                <a:gridCol w="878898"/>
+                <a:gridCol w="878898"/>
+                <a:gridCol w="878898"/>
+                <a:gridCol w="878898"/>
               </a:tblGrid>
-              <a:tr h="429491">
+              <a:tr h="401782">
                 <a:tc rowSpan="2">
                   <a:txBody>
                     <a:bodyPr/>
@@ -19442,17 +19650,17 @@
                         </a:spcAft>
                       </a:pPr>
                       <a:r>
-                        <a:rPr lang="en-US" sz="1400" b="1" dirty="0">
+                        <a:rPr lang="en-US" sz="1600" b="1" dirty="0">
                           <a:effectLst/>
-                          <a:latin typeface="Arial" panose="020B0604020202020204" pitchFamily="34" charset="0"/>
+                          <a:latin typeface="+mn-lt"/>
                           <a:ea typeface="Calibri" panose="020F0502020204030204" pitchFamily="34" charset="0"/>
                           <a:cs typeface="Times New Roman" panose="02020603050405020304" pitchFamily="18" charset="0"/>
                         </a:rPr>
                         <a:t>Parameter</a:t>
                       </a:r>
-                      <a:endParaRPr lang="en-US" sz="1400" dirty="0">
+                      <a:endParaRPr lang="en-US" sz="1600" dirty="0">
                         <a:effectLst/>
-                        <a:latin typeface="Calibri" panose="020F0502020204030204" pitchFamily="34" charset="0"/>
+                        <a:latin typeface="+mn-lt"/>
                         <a:ea typeface="Calibri" panose="020F0502020204030204" pitchFamily="34" charset="0"/>
                         <a:cs typeface="Times New Roman" panose="02020603050405020304" pitchFamily="18" charset="0"/>
                       </a:endParaRPr>
@@ -19517,17 +19725,17 @@
                         </a:spcAft>
                       </a:pPr>
                       <a:r>
-                        <a:rPr lang="en-US" sz="1400" b="1">
+                        <a:rPr lang="en-US" sz="1600" b="1">
                           <a:effectLst/>
-                          <a:latin typeface="Arial" panose="020B0604020202020204" pitchFamily="34" charset="0"/>
+                          <a:latin typeface="+mn-lt"/>
                           <a:ea typeface="Calibri" panose="020F0502020204030204" pitchFamily="34" charset="0"/>
                           <a:cs typeface="Times New Roman" panose="02020603050405020304" pitchFamily="18" charset="0"/>
                         </a:rPr>
                         <a:t>Initial Value</a:t>
                       </a:r>
-                      <a:endParaRPr lang="en-US" sz="1400">
+                      <a:endParaRPr lang="en-US" sz="1600">
                         <a:effectLst/>
-                        <a:latin typeface="Calibri" panose="020F0502020204030204" pitchFamily="34" charset="0"/>
+                        <a:latin typeface="+mn-lt"/>
                         <a:ea typeface="Calibri" panose="020F0502020204030204" pitchFamily="34" charset="0"/>
                         <a:cs typeface="Times New Roman" panose="02020603050405020304" pitchFamily="18" charset="0"/>
                       </a:endParaRPr>
@@ -19592,17 +19800,17 @@
                         </a:spcAft>
                       </a:pPr>
                       <a:r>
-                        <a:rPr lang="en-US" sz="1100" b="1" dirty="0">
+                        <a:rPr lang="en-US" sz="1600" b="1">
                           <a:effectLst/>
-                          <a:latin typeface="Arial" panose="020B0604020202020204" pitchFamily="34" charset="0"/>
+                          <a:latin typeface="+mn-lt"/>
                           <a:ea typeface="Calibri" panose="020F0502020204030204" pitchFamily="34" charset="0"/>
                           <a:cs typeface="Times New Roman" panose="02020603050405020304" pitchFamily="18" charset="0"/>
                         </a:rPr>
                         <a:t>Position</a:t>
                       </a:r>
-                      <a:endParaRPr lang="en-US" sz="1100" dirty="0">
+                      <a:endParaRPr lang="en-US" sz="1600">
                         <a:effectLst/>
-                        <a:latin typeface="Calibri" panose="020F0502020204030204" pitchFamily="34" charset="0"/>
+                        <a:latin typeface="+mn-lt"/>
                         <a:ea typeface="Calibri" panose="020F0502020204030204" pitchFamily="34" charset="0"/>
                         <a:cs typeface="Times New Roman" panose="02020603050405020304" pitchFamily="18" charset="0"/>
                       </a:endParaRPr>
@@ -19691,7 +19899,7 @@
                   <a:tcPr/>
                 </a:tc>
               </a:tr>
-              <a:tr h="429491">
+              <a:tr h="401782">
                 <a:tc vMerge="1">
                   <a:txBody>
                     <a:bodyPr/>
@@ -19729,17 +19937,17 @@
                         </a:spcAft>
                       </a:pPr>
                       <a:r>
-                        <a:rPr lang="en-US" sz="1400" b="1">
+                        <a:rPr lang="en-US" sz="1600" b="1">
                           <a:effectLst/>
-                          <a:latin typeface="Arial" panose="020B0604020202020204" pitchFamily="34" charset="0"/>
+                          <a:latin typeface="+mn-lt"/>
                           <a:ea typeface="Calibri" panose="020F0502020204030204" pitchFamily="34" charset="0"/>
                           <a:cs typeface="Times New Roman" panose="02020603050405020304" pitchFamily="18" charset="0"/>
                         </a:rPr>
                         <a:t>1</a:t>
                       </a:r>
-                      <a:endParaRPr lang="en-US" sz="1400">
+                      <a:endParaRPr lang="en-US" sz="1600">
                         <a:effectLst/>
-                        <a:latin typeface="Calibri" panose="020F0502020204030204" pitchFamily="34" charset="0"/>
+                        <a:latin typeface="+mn-lt"/>
                         <a:ea typeface="Calibri" panose="020F0502020204030204" pitchFamily="34" charset="0"/>
                         <a:cs typeface="Times New Roman" panose="02020603050405020304" pitchFamily="18" charset="0"/>
                       </a:endParaRPr>
@@ -19804,17 +20012,17 @@
                         </a:spcAft>
                       </a:pPr>
                       <a:r>
-                        <a:rPr lang="en-US" sz="1400" b="1">
+                        <a:rPr lang="en-US" sz="1600" b="1">
                           <a:effectLst/>
-                          <a:latin typeface="Arial" panose="020B0604020202020204" pitchFamily="34" charset="0"/>
+                          <a:latin typeface="+mn-lt"/>
                           <a:ea typeface="Calibri" panose="020F0502020204030204" pitchFamily="34" charset="0"/>
                           <a:cs typeface="Times New Roman" panose="02020603050405020304" pitchFamily="18" charset="0"/>
                         </a:rPr>
                         <a:t>2</a:t>
                       </a:r>
-                      <a:endParaRPr lang="en-US" sz="1400">
+                      <a:endParaRPr lang="en-US" sz="1600">
                         <a:effectLst/>
-                        <a:latin typeface="Calibri" panose="020F0502020204030204" pitchFamily="34" charset="0"/>
+                        <a:latin typeface="+mn-lt"/>
                         <a:ea typeface="Calibri" panose="020F0502020204030204" pitchFamily="34" charset="0"/>
                         <a:cs typeface="Times New Roman" panose="02020603050405020304" pitchFamily="18" charset="0"/>
                       </a:endParaRPr>
@@ -19879,17 +20087,17 @@
                         </a:spcAft>
                       </a:pPr>
                       <a:r>
-                        <a:rPr lang="en-US" sz="1400" b="1">
+                        <a:rPr lang="en-US" sz="1600" b="1">
                           <a:effectLst/>
-                          <a:latin typeface="Arial" panose="020B0604020202020204" pitchFamily="34" charset="0"/>
+                          <a:latin typeface="+mn-lt"/>
                           <a:ea typeface="Calibri" panose="020F0502020204030204" pitchFamily="34" charset="0"/>
                           <a:cs typeface="Times New Roman" panose="02020603050405020304" pitchFamily="18" charset="0"/>
                         </a:rPr>
                         <a:t>3</a:t>
                       </a:r>
-                      <a:endParaRPr lang="en-US" sz="1400">
+                      <a:endParaRPr lang="en-US" sz="1600">
                         <a:effectLst/>
-                        <a:latin typeface="Calibri" panose="020F0502020204030204" pitchFamily="34" charset="0"/>
+                        <a:latin typeface="+mn-lt"/>
                         <a:ea typeface="Calibri" panose="020F0502020204030204" pitchFamily="34" charset="0"/>
                         <a:cs typeface="Times New Roman" panose="02020603050405020304" pitchFamily="18" charset="0"/>
                       </a:endParaRPr>
@@ -19954,17 +20162,17 @@
                         </a:spcAft>
                       </a:pPr>
                       <a:r>
-                        <a:rPr lang="en-US" sz="1400" b="1">
+                        <a:rPr lang="en-US" sz="1600" b="1">
                           <a:effectLst/>
-                          <a:latin typeface="Arial" panose="020B0604020202020204" pitchFamily="34" charset="0"/>
+                          <a:latin typeface="+mn-lt"/>
                           <a:ea typeface="Calibri" panose="020F0502020204030204" pitchFamily="34" charset="0"/>
                           <a:cs typeface="Times New Roman" panose="02020603050405020304" pitchFamily="18" charset="0"/>
                         </a:rPr>
                         <a:t>4</a:t>
                       </a:r>
-                      <a:endParaRPr lang="en-US" sz="1400">
+                      <a:endParaRPr lang="en-US" sz="1600">
                         <a:effectLst/>
-                        <a:latin typeface="Calibri" panose="020F0502020204030204" pitchFamily="34" charset="0"/>
+                        <a:latin typeface="+mn-lt"/>
                         <a:ea typeface="Calibri" panose="020F0502020204030204" pitchFamily="34" charset="0"/>
                         <a:cs typeface="Times New Roman" panose="02020603050405020304" pitchFamily="18" charset="0"/>
                       </a:endParaRPr>
@@ -20029,17 +20237,17 @@
                         </a:spcAft>
                       </a:pPr>
                       <a:r>
-                        <a:rPr lang="en-US" sz="1400" b="1">
+                        <a:rPr lang="en-US" sz="1600" b="1">
                           <a:effectLst/>
-                          <a:latin typeface="Arial" panose="020B0604020202020204" pitchFamily="34" charset="0"/>
+                          <a:latin typeface="+mn-lt"/>
                           <a:ea typeface="Calibri" panose="020F0502020204030204" pitchFamily="34" charset="0"/>
                           <a:cs typeface="Times New Roman" panose="02020603050405020304" pitchFamily="18" charset="0"/>
                         </a:rPr>
                         <a:t>5</a:t>
                       </a:r>
-                      <a:endParaRPr lang="en-US" sz="1400">
+                      <a:endParaRPr lang="en-US" sz="1600">
                         <a:effectLst/>
-                        <a:latin typeface="Calibri" panose="020F0502020204030204" pitchFamily="34" charset="0"/>
+                        <a:latin typeface="+mn-lt"/>
                         <a:ea typeface="Calibri" panose="020F0502020204030204" pitchFamily="34" charset="0"/>
                         <a:cs typeface="Times New Roman" panose="02020603050405020304" pitchFamily="18" charset="0"/>
                       </a:endParaRPr>
@@ -20088,7 +20296,7 @@
                   </a:tcPr>
                 </a:tc>
               </a:tr>
-              <a:tr h="429491">
+              <a:tr h="401782">
                 <a:tc>
                   <a:txBody>
                     <a:bodyPr/>
@@ -20106,20 +20314,14 @@
                         </a:spcAft>
                       </a:pPr>
                       <a:r>
-                        <a:rPr lang="en-US" sz="1400" dirty="0">
+                        <a:rPr lang="en-US" sz="1600" dirty="0">
                           <a:effectLst/>
-                          <a:latin typeface="Arial" panose="020B0604020202020204" pitchFamily="34" charset="0"/>
+                          <a:latin typeface="+mn-lt"/>
                           <a:ea typeface="Calibri" panose="020F0502020204030204" pitchFamily="34" charset="0"/>
                           <a:cs typeface="Times New Roman" panose="02020603050405020304" pitchFamily="18" charset="0"/>
                         </a:rPr>
                         <a:t>Outer Top Deadlayer [cm]</a:t>
                       </a:r>
-                      <a:endParaRPr lang="en-US" sz="1400" dirty="0">
-                        <a:effectLst/>
-                        <a:latin typeface="Calibri" panose="020F0502020204030204" pitchFamily="34" charset="0"/>
-                        <a:ea typeface="Calibri" panose="020F0502020204030204" pitchFamily="34" charset="0"/>
-                        <a:cs typeface="Times New Roman" panose="02020603050405020304" pitchFamily="18" charset="0"/>
-                      </a:endParaRPr>
                     </a:p>
                   </a:txBody>
                   <a:tcPr marL="68580" marR="68580" marT="0" marB="0" anchor="ctr">
@@ -20181,20 +20383,14 @@
                         </a:spcAft>
                       </a:pPr>
                       <a:r>
-                        <a:rPr lang="en-US" sz="1400">
+                        <a:rPr lang="en-US" sz="1600" dirty="0">
                           <a:effectLst/>
-                          <a:latin typeface="Arial" panose="020B0604020202020204" pitchFamily="34" charset="0"/>
+                          <a:latin typeface="+mn-lt"/>
                           <a:ea typeface="Calibri" panose="020F0502020204030204" pitchFamily="34" charset="0"/>
                           <a:cs typeface="Times New Roman" panose="02020603050405020304" pitchFamily="18" charset="0"/>
                         </a:rPr>
                         <a:t>0.13</a:t>
                       </a:r>
-                      <a:endParaRPr lang="en-US" sz="1400">
-                        <a:effectLst/>
-                        <a:latin typeface="Calibri" panose="020F0502020204030204" pitchFamily="34" charset="0"/>
-                        <a:ea typeface="Calibri" panose="020F0502020204030204" pitchFamily="34" charset="0"/>
-                        <a:cs typeface="Times New Roman" panose="02020603050405020304" pitchFamily="18" charset="0"/>
-                      </a:endParaRPr>
                     </a:p>
                   </a:txBody>
                   <a:tcPr marL="68580" marR="68580" marT="0" marB="0" anchor="ctr">
@@ -20256,20 +20452,17 @@
                         </a:spcAft>
                       </a:pPr>
                       <a:r>
-                        <a:rPr lang="en-US" sz="1400">
+                        <a:rPr lang="en-US" sz="1600" dirty="0">
+                          <a:solidFill>
+                            <a:srgbClr val="339933"/>
+                          </a:solidFill>
                           <a:effectLst/>
-                          <a:latin typeface="Arial" panose="020B0604020202020204" pitchFamily="34" charset="0"/>
+                          <a:latin typeface="+mn-lt"/>
                           <a:ea typeface="Calibri" panose="020F0502020204030204" pitchFamily="34" charset="0"/>
                           <a:cs typeface="Times New Roman" panose="02020603050405020304" pitchFamily="18" charset="0"/>
                         </a:rPr>
-                        <a:t> </a:t>
+                        <a:t>0.73899</a:t>
                       </a:r>
-                      <a:endParaRPr lang="en-US" sz="1400">
-                        <a:effectLst/>
-                        <a:latin typeface="Calibri" panose="020F0502020204030204" pitchFamily="34" charset="0"/>
-                        <a:ea typeface="Calibri" panose="020F0502020204030204" pitchFamily="34" charset="0"/>
-                        <a:cs typeface="Times New Roman" panose="02020603050405020304" pitchFamily="18" charset="0"/>
-                      </a:endParaRPr>
                     </a:p>
                   </a:txBody>
                   <a:tcPr marL="68580" marR="68580" marT="0" marB="0" anchor="ctr">
@@ -20331,20 +20524,17 @@
                         </a:spcAft>
                       </a:pPr>
                       <a:r>
-                        <a:rPr lang="en-US" sz="1400">
+                        <a:rPr lang="en-US" sz="1600" dirty="0">
+                          <a:solidFill>
+                            <a:srgbClr val="339933"/>
+                          </a:solidFill>
                           <a:effectLst/>
-                          <a:latin typeface="Arial" panose="020B0604020202020204" pitchFamily="34" charset="0"/>
+                          <a:latin typeface="+mn-lt"/>
                           <a:ea typeface="Calibri" panose="020F0502020204030204" pitchFamily="34" charset="0"/>
                           <a:cs typeface="Times New Roman" panose="02020603050405020304" pitchFamily="18" charset="0"/>
                         </a:rPr>
-                        <a:t> </a:t>
+                        <a:t>0.73899</a:t>
                       </a:r>
-                      <a:endParaRPr lang="en-US" sz="1400">
-                        <a:effectLst/>
-                        <a:latin typeface="Calibri" panose="020F0502020204030204" pitchFamily="34" charset="0"/>
-                        <a:ea typeface="Calibri" panose="020F0502020204030204" pitchFamily="34" charset="0"/>
-                        <a:cs typeface="Times New Roman" panose="02020603050405020304" pitchFamily="18" charset="0"/>
-                      </a:endParaRPr>
                     </a:p>
                   </a:txBody>
                   <a:tcPr marL="68580" marR="68580" marT="0" marB="0" anchor="ctr">
@@ -20406,20 +20596,17 @@
                         </a:spcAft>
                       </a:pPr>
                       <a:r>
-                        <a:rPr lang="en-US" sz="1400">
+                        <a:rPr lang="en-US" sz="1600" dirty="0">
+                          <a:solidFill>
+                            <a:srgbClr val="339933"/>
+                          </a:solidFill>
                           <a:effectLst/>
-                          <a:latin typeface="Arial" panose="020B0604020202020204" pitchFamily="34" charset="0"/>
+                          <a:latin typeface="+mn-lt"/>
                           <a:ea typeface="Calibri" panose="020F0502020204030204" pitchFamily="34" charset="0"/>
                           <a:cs typeface="Times New Roman" panose="02020603050405020304" pitchFamily="18" charset="0"/>
                         </a:rPr>
-                        <a:t> </a:t>
+                        <a:t>0.73899</a:t>
                       </a:r>
-                      <a:endParaRPr lang="en-US" sz="1400">
-                        <a:effectLst/>
-                        <a:latin typeface="Calibri" panose="020F0502020204030204" pitchFamily="34" charset="0"/>
-                        <a:ea typeface="Calibri" panose="020F0502020204030204" pitchFamily="34" charset="0"/>
-                        <a:cs typeface="Times New Roman" panose="02020603050405020304" pitchFamily="18" charset="0"/>
-                      </a:endParaRPr>
                     </a:p>
                   </a:txBody>
                   <a:tcPr marL="68580" marR="68580" marT="0" marB="0" anchor="ctr">
@@ -20481,20 +20668,17 @@
                         </a:spcAft>
                       </a:pPr>
                       <a:r>
-                        <a:rPr lang="en-US" sz="1400">
+                        <a:rPr lang="en-US" sz="1600" dirty="0">
+                          <a:solidFill>
+                            <a:srgbClr val="339933"/>
+                          </a:solidFill>
                           <a:effectLst/>
-                          <a:latin typeface="Arial" panose="020B0604020202020204" pitchFamily="34" charset="0"/>
+                          <a:latin typeface="+mn-lt"/>
                           <a:ea typeface="Calibri" panose="020F0502020204030204" pitchFamily="34" charset="0"/>
                           <a:cs typeface="Times New Roman" panose="02020603050405020304" pitchFamily="18" charset="0"/>
                         </a:rPr>
-                        <a:t> </a:t>
+                        <a:t>0.73899</a:t>
                       </a:r>
-                      <a:endParaRPr lang="en-US" sz="1400">
-                        <a:effectLst/>
-                        <a:latin typeface="Calibri" panose="020F0502020204030204" pitchFamily="34" charset="0"/>
-                        <a:ea typeface="Calibri" panose="020F0502020204030204" pitchFamily="34" charset="0"/>
-                        <a:cs typeface="Times New Roman" panose="02020603050405020304" pitchFamily="18" charset="0"/>
-                      </a:endParaRPr>
                     </a:p>
                   </a:txBody>
                   <a:tcPr marL="68580" marR="68580" marT="0" marB="0" anchor="ctr">
@@ -20556,20 +20740,17 @@
                         </a:spcAft>
                       </a:pPr>
                       <a:r>
-                        <a:rPr lang="en-US" sz="1400">
+                        <a:rPr lang="en-US" sz="1600" dirty="0">
+                          <a:solidFill>
+                            <a:srgbClr val="339933"/>
+                          </a:solidFill>
                           <a:effectLst/>
-                          <a:latin typeface="Arial" panose="020B0604020202020204" pitchFamily="34" charset="0"/>
+                          <a:latin typeface="+mn-lt"/>
                           <a:ea typeface="Calibri" panose="020F0502020204030204" pitchFamily="34" charset="0"/>
                           <a:cs typeface="Times New Roman" panose="02020603050405020304" pitchFamily="18" charset="0"/>
                         </a:rPr>
-                        <a:t> </a:t>
+                        <a:t>0.73899</a:t>
                       </a:r>
-                      <a:endParaRPr lang="en-US" sz="1400">
-                        <a:effectLst/>
-                        <a:latin typeface="Calibri" panose="020F0502020204030204" pitchFamily="34" charset="0"/>
-                        <a:ea typeface="Calibri" panose="020F0502020204030204" pitchFamily="34" charset="0"/>
-                        <a:cs typeface="Times New Roman" panose="02020603050405020304" pitchFamily="18" charset="0"/>
-                      </a:endParaRPr>
                     </a:p>
                   </a:txBody>
                   <a:tcPr marL="68580" marR="68580" marT="0" marB="0" anchor="ctr">
@@ -20615,7 +20796,7 @@
                   </a:tcPr>
                 </a:tc>
               </a:tr>
-              <a:tr h="429491">
+              <a:tr h="401782">
                 <a:tc>
                   <a:txBody>
                     <a:bodyPr/>
@@ -20633,20 +20814,14 @@
                         </a:spcAft>
                       </a:pPr>
                       <a:r>
-                        <a:rPr lang="en-US" sz="1400" dirty="0">
+                        <a:rPr lang="en-US" sz="1600" dirty="0">
                           <a:effectLst/>
-                          <a:latin typeface="Arial" panose="020B0604020202020204" pitchFamily="34" charset="0"/>
+                          <a:latin typeface="+mn-lt"/>
                           <a:ea typeface="Calibri" panose="020F0502020204030204" pitchFamily="34" charset="0"/>
                           <a:cs typeface="Times New Roman" panose="02020603050405020304" pitchFamily="18" charset="0"/>
                         </a:rPr>
                         <a:t>Outer Sides Deadlayer [cm]</a:t>
                       </a:r>
-                      <a:endParaRPr lang="en-US" sz="1400" dirty="0">
-                        <a:effectLst/>
-                        <a:latin typeface="Calibri" panose="020F0502020204030204" pitchFamily="34" charset="0"/>
-                        <a:ea typeface="Calibri" panose="020F0502020204030204" pitchFamily="34" charset="0"/>
-                        <a:cs typeface="Times New Roman" panose="02020603050405020304" pitchFamily="18" charset="0"/>
-                      </a:endParaRPr>
                     </a:p>
                   </a:txBody>
                   <a:tcPr marL="68580" marR="68580" marT="0" marB="0" anchor="ctr">
@@ -20708,20 +20883,14 @@
                         </a:spcAft>
                       </a:pPr>
                       <a:r>
-                        <a:rPr lang="en-US" sz="1400" dirty="0">
+                        <a:rPr lang="en-US" sz="1600" dirty="0">
                           <a:effectLst/>
-                          <a:latin typeface="Arial" panose="020B0604020202020204" pitchFamily="34" charset="0"/>
+                          <a:latin typeface="+mn-lt"/>
                           <a:ea typeface="Calibri" panose="020F0502020204030204" pitchFamily="34" charset="0"/>
                           <a:cs typeface="Times New Roman" panose="02020603050405020304" pitchFamily="18" charset="0"/>
                         </a:rPr>
                         <a:t>0.13 </a:t>
                       </a:r>
-                      <a:endParaRPr lang="en-US" sz="1400" dirty="0">
-                        <a:effectLst/>
-                        <a:latin typeface="Calibri" panose="020F0502020204030204" pitchFamily="34" charset="0"/>
-                        <a:ea typeface="Calibri" panose="020F0502020204030204" pitchFamily="34" charset="0"/>
-                        <a:cs typeface="Times New Roman" panose="02020603050405020304" pitchFamily="18" charset="0"/>
-                      </a:endParaRPr>
                     </a:p>
                   </a:txBody>
                   <a:tcPr marL="68580" marR="68580" marT="0" marB="0" anchor="ctr">
@@ -20783,20 +20952,17 @@
                         </a:spcAft>
                       </a:pPr>
                       <a:r>
-                        <a:rPr lang="en-US" sz="1400">
+                        <a:rPr lang="en-US" sz="1600" dirty="0">
+                          <a:solidFill>
+                            <a:srgbClr val="339933"/>
+                          </a:solidFill>
                           <a:effectLst/>
-                          <a:latin typeface="Arial" panose="020B0604020202020204" pitchFamily="34" charset="0"/>
+                          <a:latin typeface="+mn-lt"/>
                           <a:ea typeface="Calibri" panose="020F0502020204030204" pitchFamily="34" charset="0"/>
                           <a:cs typeface="Times New Roman" panose="02020603050405020304" pitchFamily="18" charset="0"/>
                         </a:rPr>
-                        <a:t> </a:t>
+                        <a:t>0.23</a:t>
                       </a:r>
-                      <a:endParaRPr lang="en-US" sz="1400">
-                        <a:effectLst/>
-                        <a:latin typeface="Calibri" panose="020F0502020204030204" pitchFamily="34" charset="0"/>
-                        <a:ea typeface="Calibri" panose="020F0502020204030204" pitchFamily="34" charset="0"/>
-                        <a:cs typeface="Times New Roman" panose="02020603050405020304" pitchFamily="18" charset="0"/>
-                      </a:endParaRPr>
                     </a:p>
                   </a:txBody>
                   <a:tcPr marL="68580" marR="68580" marT="0" marB="0" anchor="ctr">
@@ -20858,20 +21024,17 @@
                         </a:spcAft>
                       </a:pPr>
                       <a:r>
-                        <a:rPr lang="en-US" sz="1400">
+                        <a:rPr lang="en-US" sz="1600" dirty="0">
+                          <a:solidFill>
+                            <a:srgbClr val="339933"/>
+                          </a:solidFill>
                           <a:effectLst/>
-                          <a:latin typeface="Arial" panose="020B0604020202020204" pitchFamily="34" charset="0"/>
+                          <a:latin typeface="+mn-lt"/>
                           <a:ea typeface="Calibri" panose="020F0502020204030204" pitchFamily="34" charset="0"/>
                           <a:cs typeface="Times New Roman" panose="02020603050405020304" pitchFamily="18" charset="0"/>
                         </a:rPr>
-                        <a:t> </a:t>
+                        <a:t>0.23</a:t>
                       </a:r>
-                      <a:endParaRPr lang="en-US" sz="1400">
-                        <a:effectLst/>
-                        <a:latin typeface="Calibri" panose="020F0502020204030204" pitchFamily="34" charset="0"/>
-                        <a:ea typeface="Calibri" panose="020F0502020204030204" pitchFamily="34" charset="0"/>
-                        <a:cs typeface="Times New Roman" panose="02020603050405020304" pitchFamily="18" charset="0"/>
-                      </a:endParaRPr>
                     </a:p>
                   </a:txBody>
                   <a:tcPr marL="68580" marR="68580" marT="0" marB="0" anchor="ctr">
@@ -20933,20 +21096,17 @@
                         </a:spcAft>
                       </a:pPr>
                       <a:r>
-                        <a:rPr lang="en-US" sz="1400">
+                        <a:rPr lang="en-US" sz="1600" dirty="0">
+                          <a:solidFill>
+                            <a:srgbClr val="339933"/>
+                          </a:solidFill>
                           <a:effectLst/>
-                          <a:latin typeface="Arial" panose="020B0604020202020204" pitchFamily="34" charset="0"/>
+                          <a:latin typeface="+mn-lt"/>
                           <a:ea typeface="Calibri" panose="020F0502020204030204" pitchFamily="34" charset="0"/>
                           <a:cs typeface="Times New Roman" panose="02020603050405020304" pitchFamily="18" charset="0"/>
                         </a:rPr>
-                        <a:t> </a:t>
+                        <a:t>0.23</a:t>
                       </a:r>
-                      <a:endParaRPr lang="en-US" sz="1400">
-                        <a:effectLst/>
-                        <a:latin typeface="Calibri" panose="020F0502020204030204" pitchFamily="34" charset="0"/>
-                        <a:ea typeface="Calibri" panose="020F0502020204030204" pitchFamily="34" charset="0"/>
-                        <a:cs typeface="Times New Roman" panose="02020603050405020304" pitchFamily="18" charset="0"/>
-                      </a:endParaRPr>
                     </a:p>
                   </a:txBody>
                   <a:tcPr marL="68580" marR="68580" marT="0" marB="0" anchor="ctr">
@@ -21008,20 +21168,17 @@
                         </a:spcAft>
                       </a:pPr>
                       <a:r>
-                        <a:rPr lang="en-US" sz="1400">
+                        <a:rPr lang="en-US" sz="1600" dirty="0">
+                          <a:solidFill>
+                            <a:srgbClr val="339933"/>
+                          </a:solidFill>
                           <a:effectLst/>
-                          <a:latin typeface="Arial" panose="020B0604020202020204" pitchFamily="34" charset="0"/>
+                          <a:latin typeface="+mn-lt"/>
                           <a:ea typeface="Calibri" panose="020F0502020204030204" pitchFamily="34" charset="0"/>
                           <a:cs typeface="Times New Roman" panose="02020603050405020304" pitchFamily="18" charset="0"/>
                         </a:rPr>
-                        <a:t> </a:t>
+                        <a:t>1.35</a:t>
                       </a:r>
-                      <a:endParaRPr lang="en-US" sz="1400">
-                        <a:effectLst/>
-                        <a:latin typeface="Calibri" panose="020F0502020204030204" pitchFamily="34" charset="0"/>
-                        <a:ea typeface="Calibri" panose="020F0502020204030204" pitchFamily="34" charset="0"/>
-                        <a:cs typeface="Times New Roman" panose="02020603050405020304" pitchFamily="18" charset="0"/>
-                      </a:endParaRPr>
                     </a:p>
                   </a:txBody>
                   <a:tcPr marL="68580" marR="68580" marT="0" marB="0" anchor="ctr">
@@ -21083,20 +21240,17 @@
                         </a:spcAft>
                       </a:pPr>
                       <a:r>
-                        <a:rPr lang="en-US" sz="1400">
+                        <a:rPr lang="en-US" sz="1600" dirty="0">
+                          <a:solidFill>
+                            <a:srgbClr val="339933"/>
+                          </a:solidFill>
                           <a:effectLst/>
-                          <a:latin typeface="Arial" panose="020B0604020202020204" pitchFamily="34" charset="0"/>
+                          <a:latin typeface="+mn-lt"/>
                           <a:ea typeface="Calibri" panose="020F0502020204030204" pitchFamily="34" charset="0"/>
                           <a:cs typeface="Times New Roman" panose="02020603050405020304" pitchFamily="18" charset="0"/>
                         </a:rPr>
-                        <a:t> </a:t>
+                        <a:t>0.23</a:t>
                       </a:r>
-                      <a:endParaRPr lang="en-US" sz="1400">
-                        <a:effectLst/>
-                        <a:latin typeface="Calibri" panose="020F0502020204030204" pitchFamily="34" charset="0"/>
-                        <a:ea typeface="Calibri" panose="020F0502020204030204" pitchFamily="34" charset="0"/>
-                        <a:cs typeface="Times New Roman" panose="02020603050405020304" pitchFamily="18" charset="0"/>
-                      </a:endParaRPr>
                     </a:p>
                   </a:txBody>
                   <a:tcPr marL="68580" marR="68580" marT="0" marB="0" anchor="ctr">
@@ -21142,7 +21296,7 @@
                   </a:tcPr>
                 </a:tc>
               </a:tr>
-              <a:tr h="429491">
+              <a:tr h="401782">
                 <a:tc>
                   <a:txBody>
                     <a:bodyPr/>
@@ -21160,20 +21314,14 @@
                         </a:spcAft>
                       </a:pPr>
                       <a:r>
-                        <a:rPr lang="en-US" sz="1400" dirty="0">
+                        <a:rPr lang="en-US" sz="1600" dirty="0">
                           <a:effectLst/>
-                          <a:latin typeface="Arial" panose="020B0604020202020204" pitchFamily="34" charset="0"/>
+                          <a:latin typeface="+mn-lt"/>
                           <a:ea typeface="Calibri" panose="020F0502020204030204" pitchFamily="34" charset="0"/>
                           <a:cs typeface="Times New Roman" panose="02020603050405020304" pitchFamily="18" charset="0"/>
                         </a:rPr>
                         <a:t>Ge Crystal Length [cm]</a:t>
                       </a:r>
-                      <a:endParaRPr lang="en-US" sz="1400" dirty="0">
-                        <a:effectLst/>
-                        <a:latin typeface="Calibri" panose="020F0502020204030204" pitchFamily="34" charset="0"/>
-                        <a:ea typeface="Calibri" panose="020F0502020204030204" pitchFamily="34" charset="0"/>
-                        <a:cs typeface="Times New Roman" panose="02020603050405020304" pitchFamily="18" charset="0"/>
-                      </a:endParaRPr>
                     </a:p>
                   </a:txBody>
                   <a:tcPr marL="68580" marR="68580" marT="0" marB="0" anchor="ctr">
@@ -21235,20 +21383,14 @@
                         </a:spcAft>
                       </a:pPr>
                       <a:r>
-                        <a:rPr lang="en-US" sz="1400" dirty="0">
+                        <a:rPr lang="en-US" sz="1600" dirty="0">
                           <a:effectLst/>
-                          <a:latin typeface="Arial" panose="020B0604020202020204" pitchFamily="34" charset="0"/>
+                          <a:latin typeface="+mn-lt"/>
                           <a:ea typeface="Calibri" panose="020F0502020204030204" pitchFamily="34" charset="0"/>
                           <a:cs typeface="Times New Roman" panose="02020603050405020304" pitchFamily="18" charset="0"/>
                         </a:rPr>
                         <a:t>8.32</a:t>
                       </a:r>
-                      <a:endParaRPr lang="en-US" sz="1400" dirty="0">
-                        <a:effectLst/>
-                        <a:latin typeface="Calibri" panose="020F0502020204030204" pitchFamily="34" charset="0"/>
-                        <a:ea typeface="Calibri" panose="020F0502020204030204" pitchFamily="34" charset="0"/>
-                        <a:cs typeface="Times New Roman" panose="02020603050405020304" pitchFamily="18" charset="0"/>
-                      </a:endParaRPr>
                     </a:p>
                   </a:txBody>
                   <a:tcPr marL="68580" marR="68580" marT="0" marB="0" anchor="ctr">
@@ -21310,20 +21452,17 @@
                         </a:spcAft>
                       </a:pPr>
                       <a:r>
-                        <a:rPr lang="en-US" sz="1400">
+                        <a:rPr lang="en-US" sz="1600" dirty="0">
+                          <a:solidFill>
+                            <a:srgbClr val="C00000"/>
+                          </a:solidFill>
                           <a:effectLst/>
-                          <a:latin typeface="Arial" panose="020B0604020202020204" pitchFamily="34" charset="0"/>
+                          <a:latin typeface="+mn-lt"/>
                           <a:ea typeface="Calibri" panose="020F0502020204030204" pitchFamily="34" charset="0"/>
                           <a:cs typeface="Times New Roman" panose="02020603050405020304" pitchFamily="18" charset="0"/>
                         </a:rPr>
-                        <a:t> </a:t>
+                        <a:t>7.66277</a:t>
                       </a:r>
-                      <a:endParaRPr lang="en-US" sz="1400">
-                        <a:effectLst/>
-                        <a:latin typeface="Calibri" panose="020F0502020204030204" pitchFamily="34" charset="0"/>
-                        <a:ea typeface="Calibri" panose="020F0502020204030204" pitchFamily="34" charset="0"/>
-                        <a:cs typeface="Times New Roman" panose="02020603050405020304" pitchFamily="18" charset="0"/>
-                      </a:endParaRPr>
                     </a:p>
                   </a:txBody>
                   <a:tcPr marL="68580" marR="68580" marT="0" marB="0" anchor="ctr">
@@ -21385,20 +21524,17 @@
                         </a:spcAft>
                       </a:pPr>
                       <a:r>
-                        <a:rPr lang="en-US" sz="1400">
+                        <a:rPr lang="en-US" sz="1600" dirty="0">
+                          <a:solidFill>
+                            <a:srgbClr val="C00000"/>
+                          </a:solidFill>
                           <a:effectLst/>
-                          <a:latin typeface="Arial" panose="020B0604020202020204" pitchFamily="34" charset="0"/>
+                          <a:latin typeface="+mn-lt"/>
                           <a:ea typeface="Calibri" panose="020F0502020204030204" pitchFamily="34" charset="0"/>
                           <a:cs typeface="Times New Roman" panose="02020603050405020304" pitchFamily="18" charset="0"/>
                         </a:rPr>
-                        <a:t> </a:t>
+                        <a:t>7.47499</a:t>
                       </a:r>
-                      <a:endParaRPr lang="en-US" sz="1400">
-                        <a:effectLst/>
-                        <a:latin typeface="Calibri" panose="020F0502020204030204" pitchFamily="34" charset="0"/>
-                        <a:ea typeface="Calibri" panose="020F0502020204030204" pitchFamily="34" charset="0"/>
-                        <a:cs typeface="Times New Roman" panose="02020603050405020304" pitchFamily="18" charset="0"/>
-                      </a:endParaRPr>
                     </a:p>
                   </a:txBody>
                   <a:tcPr marL="68580" marR="68580" marT="0" marB="0" anchor="ctr">
@@ -21460,20 +21596,17 @@
                         </a:spcAft>
                       </a:pPr>
                       <a:r>
-                        <a:rPr lang="en-US" sz="1400">
+                        <a:rPr lang="en-US" sz="1600" dirty="0">
+                          <a:solidFill>
+                            <a:srgbClr val="C00000"/>
+                          </a:solidFill>
                           <a:effectLst/>
-                          <a:latin typeface="Arial" panose="020B0604020202020204" pitchFamily="34" charset="0"/>
+                          <a:latin typeface="+mn-lt"/>
                           <a:ea typeface="Calibri" panose="020F0502020204030204" pitchFamily="34" charset="0"/>
                           <a:cs typeface="Times New Roman" panose="02020603050405020304" pitchFamily="18" charset="0"/>
                         </a:rPr>
-                        <a:t> </a:t>
+                        <a:t>7.47499</a:t>
                       </a:r>
-                      <a:endParaRPr lang="en-US" sz="1400">
-                        <a:effectLst/>
-                        <a:latin typeface="Calibri" panose="020F0502020204030204" pitchFamily="34" charset="0"/>
-                        <a:ea typeface="Calibri" panose="020F0502020204030204" pitchFamily="34" charset="0"/>
-                        <a:cs typeface="Times New Roman" panose="02020603050405020304" pitchFamily="18" charset="0"/>
-                      </a:endParaRPr>
                     </a:p>
                   </a:txBody>
                   <a:tcPr marL="68580" marR="68580" marT="0" marB="0" anchor="ctr">
@@ -21535,20 +21668,17 @@
                         </a:spcAft>
                       </a:pPr>
                       <a:r>
-                        <a:rPr lang="en-US" sz="1400">
+                        <a:rPr lang="en-US" sz="1600" dirty="0">
+                          <a:solidFill>
+                            <a:srgbClr val="C00000"/>
+                          </a:solidFill>
                           <a:effectLst/>
-                          <a:latin typeface="Arial" panose="020B0604020202020204" pitchFamily="34" charset="0"/>
+                          <a:latin typeface="+mn-lt"/>
                           <a:ea typeface="Calibri" panose="020F0502020204030204" pitchFamily="34" charset="0"/>
                           <a:cs typeface="Times New Roman" panose="02020603050405020304" pitchFamily="18" charset="0"/>
                         </a:rPr>
-                        <a:t> </a:t>
+                        <a:t>7.47499</a:t>
                       </a:r>
-                      <a:endParaRPr lang="en-US" sz="1400">
-                        <a:effectLst/>
-                        <a:latin typeface="Calibri" panose="020F0502020204030204" pitchFamily="34" charset="0"/>
-                        <a:ea typeface="Calibri" panose="020F0502020204030204" pitchFamily="34" charset="0"/>
-                        <a:cs typeface="Times New Roman" panose="02020603050405020304" pitchFamily="18" charset="0"/>
-                      </a:endParaRPr>
                     </a:p>
                   </a:txBody>
                   <a:tcPr marL="68580" marR="68580" marT="0" marB="0" anchor="ctr">
@@ -21610,20 +21740,17 @@
                         </a:spcAft>
                       </a:pPr>
                       <a:r>
-                        <a:rPr lang="en-US" sz="1400">
+                        <a:rPr lang="en-US" sz="1600" dirty="0">
+                          <a:solidFill>
+                            <a:srgbClr val="C00000"/>
+                          </a:solidFill>
                           <a:effectLst/>
-                          <a:latin typeface="Arial" panose="020B0604020202020204" pitchFamily="34" charset="0"/>
+                          <a:latin typeface="+mn-lt"/>
                           <a:ea typeface="Calibri" panose="020F0502020204030204" pitchFamily="34" charset="0"/>
                           <a:cs typeface="Times New Roman" panose="02020603050405020304" pitchFamily="18" charset="0"/>
                         </a:rPr>
-                        <a:t> </a:t>
+                        <a:t>7.47499</a:t>
                       </a:r>
-                      <a:endParaRPr lang="en-US" sz="1400">
-                        <a:effectLst/>
-                        <a:latin typeface="Calibri" panose="020F0502020204030204" pitchFamily="34" charset="0"/>
-                        <a:ea typeface="Calibri" panose="020F0502020204030204" pitchFamily="34" charset="0"/>
-                        <a:cs typeface="Times New Roman" panose="02020603050405020304" pitchFamily="18" charset="0"/>
-                      </a:endParaRPr>
                     </a:p>
                   </a:txBody>
                   <a:tcPr marL="68580" marR="68580" marT="0" marB="0" anchor="ctr">
@@ -21669,7 +21796,7 @@
                   </a:tcPr>
                 </a:tc>
               </a:tr>
-              <a:tr h="429491">
+              <a:tr h="401782">
                 <a:tc>
                   <a:txBody>
                     <a:bodyPr/>
@@ -21687,29 +21814,14 @@
                         </a:spcAft>
                       </a:pPr>
                       <a:r>
-                        <a:rPr lang="en-US" sz="1400" dirty="0" err="1">
+                        <a:rPr lang="en-US" sz="1600" dirty="0">
                           <a:effectLst/>
-                          <a:latin typeface="Arial" panose="020B0604020202020204" pitchFamily="34" charset="0"/>
+                          <a:latin typeface="+mn-lt"/>
                           <a:ea typeface="Calibri" panose="020F0502020204030204" pitchFamily="34" charset="0"/>
                           <a:cs typeface="Times New Roman" panose="02020603050405020304" pitchFamily="18" charset="0"/>
                         </a:rPr>
-                        <a:t>Kapton</a:t>
+                        <a:t>Kapton Window [cm]</a:t>
                       </a:r>
-                      <a:r>
-                        <a:rPr lang="en-US" sz="1400" dirty="0">
-                          <a:effectLst/>
-                          <a:latin typeface="Arial" panose="020B0604020202020204" pitchFamily="34" charset="0"/>
-                          <a:ea typeface="Calibri" panose="020F0502020204030204" pitchFamily="34" charset="0"/>
-                          <a:cs typeface="Times New Roman" panose="02020603050405020304" pitchFamily="18" charset="0"/>
-                        </a:rPr>
-                        <a:t> Window [cm]</a:t>
-                      </a:r>
-                      <a:endParaRPr lang="en-US" sz="1400" dirty="0">
-                        <a:effectLst/>
-                        <a:latin typeface="Calibri" panose="020F0502020204030204" pitchFamily="34" charset="0"/>
-                        <a:ea typeface="Calibri" panose="020F0502020204030204" pitchFamily="34" charset="0"/>
-                        <a:cs typeface="Times New Roman" panose="02020603050405020304" pitchFamily="18" charset="0"/>
-                      </a:endParaRPr>
                     </a:p>
                   </a:txBody>
                   <a:tcPr marL="68580" marR="68580" marT="0" marB="0" anchor="ctr">
@@ -21771,20 +21883,14 @@
                         </a:spcAft>
                       </a:pPr>
                       <a:r>
-                        <a:rPr lang="en-US" sz="1400" dirty="0">
+                        <a:rPr lang="en-US" sz="1600" dirty="0">
                           <a:effectLst/>
-                          <a:latin typeface="Arial" panose="020B0604020202020204" pitchFamily="34" charset="0"/>
+                          <a:latin typeface="+mn-lt"/>
                           <a:ea typeface="Calibri" panose="020F0502020204030204" pitchFamily="34" charset="0"/>
                           <a:cs typeface="Times New Roman" panose="02020603050405020304" pitchFamily="18" charset="0"/>
                         </a:rPr>
                         <a:t>0.01016</a:t>
                       </a:r>
-                      <a:endParaRPr lang="en-US" sz="1400" dirty="0">
-                        <a:effectLst/>
-                        <a:latin typeface="Calibri" panose="020F0502020204030204" pitchFamily="34" charset="0"/>
-                        <a:ea typeface="Calibri" panose="020F0502020204030204" pitchFamily="34" charset="0"/>
-                        <a:cs typeface="Times New Roman" panose="02020603050405020304" pitchFamily="18" charset="0"/>
-                      </a:endParaRPr>
                     </a:p>
                   </a:txBody>
                   <a:tcPr marL="68580" marR="68580" marT="0" marB="0" anchor="ctr">
@@ -21846,20 +21952,17 @@
                         </a:spcAft>
                       </a:pPr>
                       <a:r>
-                        <a:rPr lang="en-US" sz="1400" dirty="0">
+                        <a:rPr lang="en-US" sz="1600" dirty="0">
+                          <a:solidFill>
+                            <a:srgbClr val="339933"/>
+                          </a:solidFill>
                           <a:effectLst/>
-                          <a:latin typeface="Arial" panose="020B0604020202020204" pitchFamily="34" charset="0"/>
+                          <a:latin typeface="+mn-lt"/>
                           <a:ea typeface="Calibri" panose="020F0502020204030204" pitchFamily="34" charset="0"/>
                           <a:cs typeface="Times New Roman" panose="02020603050405020304" pitchFamily="18" charset="0"/>
                         </a:rPr>
-                        <a:t> </a:t>
+                        <a:t>0.11016</a:t>
                       </a:r>
-                      <a:endParaRPr lang="en-US" sz="1400" dirty="0">
-                        <a:effectLst/>
-                        <a:latin typeface="Calibri" panose="020F0502020204030204" pitchFamily="34" charset="0"/>
-                        <a:ea typeface="Calibri" panose="020F0502020204030204" pitchFamily="34" charset="0"/>
-                        <a:cs typeface="Times New Roman" panose="02020603050405020304" pitchFamily="18" charset="0"/>
-                      </a:endParaRPr>
                     </a:p>
                   </a:txBody>
                   <a:tcPr marL="68580" marR="68580" marT="0" marB="0" anchor="ctr">
@@ -21921,20 +22024,17 @@
                         </a:spcAft>
                       </a:pPr>
                       <a:r>
-                        <a:rPr lang="en-US" sz="1400">
+                        <a:rPr lang="en-US" sz="1600" dirty="0">
+                          <a:solidFill>
+                            <a:srgbClr val="339933"/>
+                          </a:solidFill>
                           <a:effectLst/>
-                          <a:latin typeface="Arial" panose="020B0604020202020204" pitchFamily="34" charset="0"/>
+                          <a:latin typeface="+mn-lt"/>
                           <a:ea typeface="Calibri" panose="020F0502020204030204" pitchFamily="34" charset="0"/>
                           <a:cs typeface="Times New Roman" panose="02020603050405020304" pitchFamily="18" charset="0"/>
                         </a:rPr>
-                        <a:t> </a:t>
+                        <a:t>0.11016</a:t>
                       </a:r>
-                      <a:endParaRPr lang="en-US" sz="1400">
-                        <a:effectLst/>
-                        <a:latin typeface="Calibri" panose="020F0502020204030204" pitchFamily="34" charset="0"/>
-                        <a:ea typeface="Calibri" panose="020F0502020204030204" pitchFamily="34" charset="0"/>
-                        <a:cs typeface="Times New Roman" panose="02020603050405020304" pitchFamily="18" charset="0"/>
-                      </a:endParaRPr>
                     </a:p>
                   </a:txBody>
                   <a:tcPr marL="68580" marR="68580" marT="0" marB="0" anchor="ctr">
@@ -21996,20 +22096,17 @@
                         </a:spcAft>
                       </a:pPr>
                       <a:r>
-                        <a:rPr lang="en-US" sz="1400">
+                        <a:rPr lang="en-US" sz="1600" dirty="0">
+                          <a:solidFill>
+                            <a:srgbClr val="339933"/>
+                          </a:solidFill>
                           <a:effectLst/>
-                          <a:latin typeface="Arial" panose="020B0604020202020204" pitchFamily="34" charset="0"/>
+                          <a:latin typeface="+mn-lt"/>
                           <a:ea typeface="Calibri" panose="020F0502020204030204" pitchFamily="34" charset="0"/>
                           <a:cs typeface="Times New Roman" panose="02020603050405020304" pitchFamily="18" charset="0"/>
                         </a:rPr>
-                        <a:t> </a:t>
+                        <a:t>0.11016</a:t>
                       </a:r>
-                      <a:endParaRPr lang="en-US" sz="1400">
-                        <a:effectLst/>
-                        <a:latin typeface="Calibri" panose="020F0502020204030204" pitchFamily="34" charset="0"/>
-                        <a:ea typeface="Calibri" panose="020F0502020204030204" pitchFamily="34" charset="0"/>
-                        <a:cs typeface="Times New Roman" panose="02020603050405020304" pitchFamily="18" charset="0"/>
-                      </a:endParaRPr>
                     </a:p>
                   </a:txBody>
                   <a:tcPr marL="68580" marR="68580" marT="0" marB="0" anchor="ctr">
@@ -22071,20 +22168,17 @@
                         </a:spcAft>
                       </a:pPr>
                       <a:r>
-                        <a:rPr lang="en-US" sz="1400">
+                        <a:rPr lang="en-US" sz="1600" dirty="0">
+                          <a:solidFill>
+                            <a:srgbClr val="339933"/>
+                          </a:solidFill>
                           <a:effectLst/>
-                          <a:latin typeface="Arial" panose="020B0604020202020204" pitchFamily="34" charset="0"/>
+                          <a:latin typeface="+mn-lt"/>
                           <a:ea typeface="Calibri" panose="020F0502020204030204" pitchFamily="34" charset="0"/>
                           <a:cs typeface="Times New Roman" panose="02020603050405020304" pitchFamily="18" charset="0"/>
                         </a:rPr>
-                        <a:t> </a:t>
+                        <a:t>0.05766</a:t>
                       </a:r>
-                      <a:endParaRPr lang="en-US" sz="1400">
-                        <a:effectLst/>
-                        <a:latin typeface="Calibri" panose="020F0502020204030204" pitchFamily="34" charset="0"/>
-                        <a:ea typeface="Calibri" panose="020F0502020204030204" pitchFamily="34" charset="0"/>
-                        <a:cs typeface="Times New Roman" panose="02020603050405020304" pitchFamily="18" charset="0"/>
-                      </a:endParaRPr>
                     </a:p>
                   </a:txBody>
                   <a:tcPr marL="68580" marR="68580" marT="0" marB="0" anchor="ctr">
@@ -22146,20 +22240,17 @@
                         </a:spcAft>
                       </a:pPr>
                       <a:r>
-                        <a:rPr lang="en-US" sz="1400">
+                        <a:rPr lang="en-US" sz="1600" dirty="0">
+                          <a:solidFill>
+                            <a:srgbClr val="339933"/>
+                          </a:solidFill>
                           <a:effectLst/>
-                          <a:latin typeface="Arial" panose="020B0604020202020204" pitchFamily="34" charset="0"/>
+                          <a:latin typeface="+mn-lt"/>
                           <a:ea typeface="Calibri" panose="020F0502020204030204" pitchFamily="34" charset="0"/>
                           <a:cs typeface="Times New Roman" panose="02020603050405020304" pitchFamily="18" charset="0"/>
                         </a:rPr>
-                        <a:t> </a:t>
+                        <a:t>0.11016</a:t>
                       </a:r>
-                      <a:endParaRPr lang="en-US" sz="1400">
-                        <a:effectLst/>
-                        <a:latin typeface="Calibri" panose="020F0502020204030204" pitchFamily="34" charset="0"/>
-                        <a:ea typeface="Calibri" panose="020F0502020204030204" pitchFamily="34" charset="0"/>
-                        <a:cs typeface="Times New Roman" panose="02020603050405020304" pitchFamily="18" charset="0"/>
-                      </a:endParaRPr>
                     </a:p>
                   </a:txBody>
                   <a:tcPr marL="68580" marR="68580" marT="0" marB="0" anchor="ctr">
@@ -22205,7 +22296,7 @@
                   </a:tcPr>
                 </a:tc>
               </a:tr>
-              <a:tr h="429491">
+              <a:tr h="401782">
                 <a:tc>
                   <a:txBody>
                     <a:bodyPr/>
@@ -22223,20 +22314,14 @@
                         </a:spcAft>
                       </a:pPr>
                       <a:r>
-                        <a:rPr lang="en-US" sz="1400" dirty="0">
+                        <a:rPr lang="en-US" sz="1600">
                           <a:effectLst/>
-                          <a:latin typeface="Arial" panose="020B0604020202020204" pitchFamily="34" charset="0"/>
+                          <a:latin typeface="+mn-lt"/>
                           <a:ea typeface="Calibri" panose="020F0502020204030204" pitchFamily="34" charset="0"/>
                           <a:cs typeface="Times New Roman" panose="02020603050405020304" pitchFamily="18" charset="0"/>
                         </a:rPr>
                         <a:t>Inner Top Coaxial Deadlayer [cm]</a:t>
                       </a:r>
-                      <a:endParaRPr lang="en-US" sz="1400" dirty="0">
-                        <a:effectLst/>
-                        <a:latin typeface="Calibri" panose="020F0502020204030204" pitchFamily="34" charset="0"/>
-                        <a:ea typeface="Calibri" panose="020F0502020204030204" pitchFamily="34" charset="0"/>
-                        <a:cs typeface="Times New Roman" panose="02020603050405020304" pitchFamily="18" charset="0"/>
-                      </a:endParaRPr>
                     </a:p>
                   </a:txBody>
                   <a:tcPr marL="68580" marR="68580" marT="0" marB="0" anchor="ctr">
@@ -22298,17 +22383,17 @@
                         </a:spcAft>
                       </a:pPr>
                       <a:r>
-                        <a:rPr lang="en-US" sz="1400">
+                        <a:rPr lang="en-US" sz="1600" dirty="0" smtClean="0">
                           <a:effectLst/>
-                          <a:latin typeface="Arial" panose="020B0604020202020204" pitchFamily="34" charset="0"/>
+                          <a:latin typeface="+mn-lt"/>
                           <a:ea typeface="Calibri" panose="020F0502020204030204" pitchFamily="34" charset="0"/>
                           <a:cs typeface="Times New Roman" panose="02020603050405020304" pitchFamily="18" charset="0"/>
                         </a:rPr>
-                        <a:t>0.00003</a:t>
+                        <a:t>3E-05</a:t>
                       </a:r>
-                      <a:endParaRPr lang="en-US" sz="1400">
+                      <a:endParaRPr lang="en-US" sz="1600" dirty="0">
                         <a:effectLst/>
-                        <a:latin typeface="Calibri" panose="020F0502020204030204" pitchFamily="34" charset="0"/>
+                        <a:latin typeface="+mn-lt"/>
                         <a:ea typeface="Calibri" panose="020F0502020204030204" pitchFamily="34" charset="0"/>
                         <a:cs typeface="Times New Roman" panose="02020603050405020304" pitchFamily="18" charset="0"/>
                       </a:endParaRPr>
@@ -22373,17 +22458,23 @@
                         </a:spcAft>
                       </a:pPr>
                       <a:r>
-                        <a:rPr lang="en-US" sz="1400" dirty="0">
+                        <a:rPr lang="en-US" sz="1600" dirty="0" smtClean="0">
+                          <a:solidFill>
+                            <a:srgbClr val="339933"/>
+                          </a:solidFill>
                           <a:effectLst/>
-                          <a:latin typeface="Arial" panose="020B0604020202020204" pitchFamily="34" charset="0"/>
+                          <a:latin typeface="+mn-lt"/>
                           <a:ea typeface="Calibri" panose="020F0502020204030204" pitchFamily="34" charset="0"/>
                           <a:cs typeface="Times New Roman" panose="02020603050405020304" pitchFamily="18" charset="0"/>
                         </a:rPr>
-                        <a:t> </a:t>
+                        <a:t>13E-05</a:t>
                       </a:r>
-                      <a:endParaRPr lang="en-US" sz="1400" dirty="0">
+                      <a:endParaRPr lang="en-US" sz="1600" dirty="0">
+                        <a:solidFill>
+                          <a:srgbClr val="339933"/>
+                        </a:solidFill>
                         <a:effectLst/>
-                        <a:latin typeface="Calibri" panose="020F0502020204030204" pitchFamily="34" charset="0"/>
+                        <a:latin typeface="+mn-lt"/>
                         <a:ea typeface="Calibri" panose="020F0502020204030204" pitchFamily="34" charset="0"/>
                         <a:cs typeface="Times New Roman" panose="02020603050405020304" pitchFamily="18" charset="0"/>
                       </a:endParaRPr>
@@ -22448,20 +22539,17 @@
                         </a:spcAft>
                       </a:pPr>
                       <a:r>
-                        <a:rPr lang="en-US" sz="1400">
+                        <a:rPr lang="en-US" sz="1600" dirty="0">
+                          <a:solidFill>
+                            <a:srgbClr val="339933"/>
+                          </a:solidFill>
                           <a:effectLst/>
-                          <a:latin typeface="Arial" panose="020B0604020202020204" pitchFamily="34" charset="0"/>
+                          <a:latin typeface="+mn-lt"/>
                           <a:ea typeface="Calibri" panose="020F0502020204030204" pitchFamily="34" charset="0"/>
                           <a:cs typeface="Times New Roman" panose="02020603050405020304" pitchFamily="18" charset="0"/>
                         </a:rPr>
-                        <a:t> </a:t>
+                        <a:t>6E-05</a:t>
                       </a:r>
-                      <a:endParaRPr lang="en-US" sz="1400">
-                        <a:effectLst/>
-                        <a:latin typeface="Calibri" panose="020F0502020204030204" pitchFamily="34" charset="0"/>
-                        <a:ea typeface="Calibri" panose="020F0502020204030204" pitchFamily="34" charset="0"/>
-                        <a:cs typeface="Times New Roman" panose="02020603050405020304" pitchFamily="18" charset="0"/>
-                      </a:endParaRPr>
                     </a:p>
                   </a:txBody>
                   <a:tcPr marL="68580" marR="68580" marT="0" marB="0" anchor="ctr">
@@ -22523,20 +22611,17 @@
                         </a:spcAft>
                       </a:pPr>
                       <a:r>
-                        <a:rPr lang="en-US" sz="1400">
+                        <a:rPr lang="en-US" sz="1600" dirty="0">
+                          <a:solidFill>
+                            <a:srgbClr val="339933"/>
+                          </a:solidFill>
                           <a:effectLst/>
-                          <a:latin typeface="Arial" panose="020B0604020202020204" pitchFamily="34" charset="0"/>
+                          <a:latin typeface="+mn-lt"/>
                           <a:ea typeface="Calibri" panose="020F0502020204030204" pitchFamily="34" charset="0"/>
                           <a:cs typeface="Times New Roman" panose="02020603050405020304" pitchFamily="18" charset="0"/>
                         </a:rPr>
-                        <a:t> </a:t>
+                        <a:t>6E-05</a:t>
                       </a:r>
-                      <a:endParaRPr lang="en-US" sz="1400">
-                        <a:effectLst/>
-                        <a:latin typeface="Calibri" panose="020F0502020204030204" pitchFamily="34" charset="0"/>
-                        <a:ea typeface="Calibri" panose="020F0502020204030204" pitchFamily="34" charset="0"/>
-                        <a:cs typeface="Times New Roman" panose="02020603050405020304" pitchFamily="18" charset="0"/>
-                      </a:endParaRPr>
                     </a:p>
                   </a:txBody>
                   <a:tcPr marL="68580" marR="68580" marT="0" marB="0" anchor="ctr">
@@ -22598,17 +22683,23 @@
                         </a:spcAft>
                       </a:pPr>
                       <a:r>
-                        <a:rPr lang="en-US" sz="1400">
+                        <a:rPr lang="en-US" sz="1600" dirty="0" smtClean="0">
+                          <a:solidFill>
+                            <a:srgbClr val="339933"/>
+                          </a:solidFill>
                           <a:effectLst/>
-                          <a:latin typeface="Arial" panose="020B0604020202020204" pitchFamily="34" charset="0"/>
+                          <a:latin typeface="+mn-lt"/>
                           <a:ea typeface="Calibri" panose="020F0502020204030204" pitchFamily="34" charset="0"/>
                           <a:cs typeface="Times New Roman" panose="02020603050405020304" pitchFamily="18" charset="0"/>
                         </a:rPr>
-                        <a:t> </a:t>
+                        <a:t>10E-05</a:t>
                       </a:r>
-                      <a:endParaRPr lang="en-US" sz="1400">
+                      <a:endParaRPr lang="en-US" sz="1600" dirty="0">
+                        <a:solidFill>
+                          <a:srgbClr val="339933"/>
+                        </a:solidFill>
                         <a:effectLst/>
-                        <a:latin typeface="Calibri" panose="020F0502020204030204" pitchFamily="34" charset="0"/>
+                        <a:latin typeface="+mn-lt"/>
                         <a:ea typeface="Calibri" panose="020F0502020204030204" pitchFamily="34" charset="0"/>
                         <a:cs typeface="Times New Roman" panose="02020603050405020304" pitchFamily="18" charset="0"/>
                       </a:endParaRPr>
@@ -22673,20 +22764,17 @@
                         </a:spcAft>
                       </a:pPr>
                       <a:r>
-                        <a:rPr lang="en-US" sz="1400">
+                        <a:rPr lang="en-US" sz="1600" dirty="0">
+                          <a:solidFill>
+                            <a:srgbClr val="339933"/>
+                          </a:solidFill>
                           <a:effectLst/>
-                          <a:latin typeface="Arial" panose="020B0604020202020204" pitchFamily="34" charset="0"/>
+                          <a:latin typeface="+mn-lt"/>
                           <a:ea typeface="Calibri" panose="020F0502020204030204" pitchFamily="34" charset="0"/>
                           <a:cs typeface="Times New Roman" panose="02020603050405020304" pitchFamily="18" charset="0"/>
                         </a:rPr>
-                        <a:t> </a:t>
+                        <a:t>6E-05</a:t>
                       </a:r>
-                      <a:endParaRPr lang="en-US" sz="1400">
-                        <a:effectLst/>
-                        <a:latin typeface="Calibri" panose="020F0502020204030204" pitchFamily="34" charset="0"/>
-                        <a:ea typeface="Calibri" panose="020F0502020204030204" pitchFamily="34" charset="0"/>
-                        <a:cs typeface="Times New Roman" panose="02020603050405020304" pitchFamily="18" charset="0"/>
-                      </a:endParaRPr>
                     </a:p>
                   </a:txBody>
                   <a:tcPr marL="68580" marR="68580" marT="0" marB="0" anchor="ctr">
@@ -22732,7 +22820,7 @@
                   </a:tcPr>
                 </a:tc>
               </a:tr>
-              <a:tr h="429491">
+              <a:tr h="401782">
                 <a:tc>
                   <a:txBody>
                     <a:bodyPr/>
@@ -22750,20 +22838,14 @@
                         </a:spcAft>
                       </a:pPr>
                       <a:r>
-                        <a:rPr lang="en-US" sz="1400" dirty="0">
+                        <a:rPr lang="en-US" sz="1600">
                           <a:effectLst/>
-                          <a:latin typeface="Arial" panose="020B0604020202020204" pitchFamily="34" charset="0"/>
+                          <a:latin typeface="+mn-lt"/>
                           <a:ea typeface="Calibri" panose="020F0502020204030204" pitchFamily="34" charset="0"/>
                           <a:cs typeface="Times New Roman" panose="02020603050405020304" pitchFamily="18" charset="0"/>
                         </a:rPr>
                         <a:t>Inner Sides Coaxial Deadlayer [cm]</a:t>
                       </a:r>
-                      <a:endParaRPr lang="en-US" sz="1400" dirty="0">
-                        <a:effectLst/>
-                        <a:latin typeface="Calibri" panose="020F0502020204030204" pitchFamily="34" charset="0"/>
-                        <a:ea typeface="Calibri" panose="020F0502020204030204" pitchFamily="34" charset="0"/>
-                        <a:cs typeface="Times New Roman" panose="02020603050405020304" pitchFamily="18" charset="0"/>
-                      </a:endParaRPr>
                     </a:p>
                   </a:txBody>
                   <a:tcPr marL="68580" marR="68580" marT="0" marB="0" anchor="ctr">
@@ -22825,17 +22907,17 @@
                         </a:spcAft>
                       </a:pPr>
                       <a:r>
-                        <a:rPr lang="en-US" sz="1400">
+                        <a:rPr lang="en-US" sz="1600" dirty="0" smtClean="0">
                           <a:effectLst/>
-                          <a:latin typeface="Arial" panose="020B0604020202020204" pitchFamily="34" charset="0"/>
+                          <a:latin typeface="+mn-lt"/>
                           <a:ea typeface="Calibri" panose="020F0502020204030204" pitchFamily="34" charset="0"/>
                           <a:cs typeface="Times New Roman" panose="02020603050405020304" pitchFamily="18" charset="0"/>
                         </a:rPr>
-                        <a:t>0.00003</a:t>
+                        <a:t>3E-05</a:t>
                       </a:r>
-                      <a:endParaRPr lang="en-US" sz="1400">
+                      <a:endParaRPr lang="en-US" sz="1600" dirty="0">
                         <a:effectLst/>
-                        <a:latin typeface="Calibri" panose="020F0502020204030204" pitchFamily="34" charset="0"/>
+                        <a:latin typeface="+mn-lt"/>
                         <a:ea typeface="Calibri" panose="020F0502020204030204" pitchFamily="34" charset="0"/>
                         <a:cs typeface="Times New Roman" panose="02020603050405020304" pitchFamily="18" charset="0"/>
                       </a:endParaRPr>
@@ -22900,20 +22982,17 @@
                         </a:spcAft>
                       </a:pPr>
                       <a:r>
-                        <a:rPr lang="en-US" sz="1400">
+                        <a:rPr lang="en-US" sz="1600" dirty="0">
+                          <a:solidFill>
+                            <a:srgbClr val="C00000"/>
+                          </a:solidFill>
                           <a:effectLst/>
-                          <a:latin typeface="Arial" panose="020B0604020202020204" pitchFamily="34" charset="0"/>
+                          <a:latin typeface="+mn-lt"/>
                           <a:ea typeface="Calibri" panose="020F0502020204030204" pitchFamily="34" charset="0"/>
                           <a:cs typeface="Times New Roman" panose="02020603050405020304" pitchFamily="18" charset="0"/>
                         </a:rPr>
-                        <a:t> </a:t>
+                        <a:t>2E-05</a:t>
                       </a:r>
-                      <a:endParaRPr lang="en-US" sz="1400">
-                        <a:effectLst/>
-                        <a:latin typeface="Calibri" panose="020F0502020204030204" pitchFamily="34" charset="0"/>
-                        <a:ea typeface="Calibri" panose="020F0502020204030204" pitchFamily="34" charset="0"/>
-                        <a:cs typeface="Times New Roman" panose="02020603050405020304" pitchFamily="18" charset="0"/>
-                      </a:endParaRPr>
                     </a:p>
                   </a:txBody>
                   <a:tcPr marL="68580" marR="68580" marT="0" marB="0" anchor="ctr">
@@ -22975,20 +23054,17 @@
                         </a:spcAft>
                       </a:pPr>
                       <a:r>
-                        <a:rPr lang="en-US" sz="1400" dirty="0">
+                        <a:rPr lang="en-US" sz="1600" dirty="0">
+                          <a:solidFill>
+                            <a:srgbClr val="339933"/>
+                          </a:solidFill>
                           <a:effectLst/>
-                          <a:latin typeface="Arial" panose="020B0604020202020204" pitchFamily="34" charset="0"/>
+                          <a:latin typeface="+mn-lt"/>
                           <a:ea typeface="Calibri" panose="020F0502020204030204" pitchFamily="34" charset="0"/>
                           <a:cs typeface="Times New Roman" panose="02020603050405020304" pitchFamily="18" charset="0"/>
                         </a:rPr>
-                        <a:t> </a:t>
+                        <a:t>6E-05</a:t>
                       </a:r>
-                      <a:endParaRPr lang="en-US" sz="1400" dirty="0">
-                        <a:effectLst/>
-                        <a:latin typeface="Calibri" panose="020F0502020204030204" pitchFamily="34" charset="0"/>
-                        <a:ea typeface="Calibri" panose="020F0502020204030204" pitchFamily="34" charset="0"/>
-                        <a:cs typeface="Times New Roman" panose="02020603050405020304" pitchFamily="18" charset="0"/>
-                      </a:endParaRPr>
                     </a:p>
                   </a:txBody>
                   <a:tcPr marL="68580" marR="68580" marT="0" marB="0" anchor="ctr">
@@ -23050,20 +23126,17 @@
                         </a:spcAft>
                       </a:pPr>
                       <a:r>
-                        <a:rPr lang="en-US" sz="1400" dirty="0">
+                        <a:rPr lang="en-US" sz="1600" dirty="0">
+                          <a:solidFill>
+                            <a:srgbClr val="339933"/>
+                          </a:solidFill>
                           <a:effectLst/>
-                          <a:latin typeface="Arial" panose="020B0604020202020204" pitchFamily="34" charset="0"/>
+                          <a:latin typeface="+mn-lt"/>
                           <a:ea typeface="Calibri" panose="020F0502020204030204" pitchFamily="34" charset="0"/>
                           <a:cs typeface="Times New Roman" panose="02020603050405020304" pitchFamily="18" charset="0"/>
                         </a:rPr>
-                        <a:t> </a:t>
+                        <a:t>7E-05</a:t>
                       </a:r>
-                      <a:endParaRPr lang="en-US" sz="1400" dirty="0">
-                        <a:effectLst/>
-                        <a:latin typeface="Calibri" panose="020F0502020204030204" pitchFamily="34" charset="0"/>
-                        <a:ea typeface="Calibri" panose="020F0502020204030204" pitchFamily="34" charset="0"/>
-                        <a:cs typeface="Times New Roman" panose="02020603050405020304" pitchFamily="18" charset="0"/>
-                      </a:endParaRPr>
                     </a:p>
                   </a:txBody>
                   <a:tcPr marL="68580" marR="68580" marT="0" marB="0" anchor="ctr">
@@ -23125,20 +23198,17 @@
                         </a:spcAft>
                       </a:pPr>
                       <a:r>
-                        <a:rPr lang="en-US" sz="1400">
+                        <a:rPr lang="en-US" sz="1600" dirty="0">
+                          <a:solidFill>
+                            <a:srgbClr val="339933"/>
+                          </a:solidFill>
                           <a:effectLst/>
-                          <a:latin typeface="Arial" panose="020B0604020202020204" pitchFamily="34" charset="0"/>
+                          <a:latin typeface="+mn-lt"/>
                           <a:ea typeface="Calibri" panose="020F0502020204030204" pitchFamily="34" charset="0"/>
                           <a:cs typeface="Times New Roman" panose="02020603050405020304" pitchFamily="18" charset="0"/>
                         </a:rPr>
-                        <a:t> </a:t>
+                        <a:t>0.001</a:t>
                       </a:r>
-                      <a:endParaRPr lang="en-US" sz="1400">
-                        <a:effectLst/>
-                        <a:latin typeface="Calibri" panose="020F0502020204030204" pitchFamily="34" charset="0"/>
-                        <a:ea typeface="Calibri" panose="020F0502020204030204" pitchFamily="34" charset="0"/>
-                        <a:cs typeface="Times New Roman" panose="02020603050405020304" pitchFamily="18" charset="0"/>
-                      </a:endParaRPr>
                     </a:p>
                   </a:txBody>
                   <a:tcPr marL="68580" marR="68580" marT="0" marB="0" anchor="ctr">
@@ -23200,20 +23270,17 @@
                         </a:spcAft>
                       </a:pPr>
                       <a:r>
-                        <a:rPr lang="en-US" sz="1400">
+                        <a:rPr lang="en-US" sz="1600" dirty="0">
+                          <a:solidFill>
+                            <a:srgbClr val="339933"/>
+                          </a:solidFill>
                           <a:effectLst/>
-                          <a:latin typeface="Arial" panose="020B0604020202020204" pitchFamily="34" charset="0"/>
+                          <a:latin typeface="+mn-lt"/>
                           <a:ea typeface="Calibri" panose="020F0502020204030204" pitchFamily="34" charset="0"/>
                           <a:cs typeface="Times New Roman" panose="02020603050405020304" pitchFamily="18" charset="0"/>
                         </a:rPr>
-                        <a:t> </a:t>
+                        <a:t>7E-05</a:t>
                       </a:r>
-                      <a:endParaRPr lang="en-US" sz="1400">
-                        <a:effectLst/>
-                        <a:latin typeface="Calibri" panose="020F0502020204030204" pitchFamily="34" charset="0"/>
-                        <a:ea typeface="Calibri" panose="020F0502020204030204" pitchFamily="34" charset="0"/>
-                        <a:cs typeface="Times New Roman" panose="02020603050405020304" pitchFamily="18" charset="0"/>
-                      </a:endParaRPr>
                     </a:p>
                   </a:txBody>
                   <a:tcPr marL="68580" marR="68580" marT="0" marB="0" anchor="ctr">
@@ -23259,7 +23326,7 @@
                   </a:tcPr>
                 </a:tc>
               </a:tr>
-              <a:tr h="429491">
+              <a:tr h="401782">
                 <a:tc>
                   <a:txBody>
                     <a:bodyPr/>
@@ -23277,20 +23344,14 @@
                         </a:spcAft>
                       </a:pPr>
                       <a:r>
-                        <a:rPr lang="en-US" sz="1400" dirty="0">
+                        <a:rPr lang="en-US" sz="1600">
                           <a:effectLst/>
-                          <a:latin typeface="Arial" panose="020B0604020202020204" pitchFamily="34" charset="0"/>
+                          <a:latin typeface="+mn-lt"/>
                           <a:ea typeface="Calibri" panose="020F0502020204030204" pitchFamily="34" charset="0"/>
                           <a:cs typeface="Times New Roman" panose="02020603050405020304" pitchFamily="18" charset="0"/>
                         </a:rPr>
                         <a:t>Top Al Casing Thickness [cm]</a:t>
                       </a:r>
-                      <a:endParaRPr lang="en-US" sz="1400" dirty="0">
-                        <a:effectLst/>
-                        <a:latin typeface="Calibri" panose="020F0502020204030204" pitchFamily="34" charset="0"/>
-                        <a:ea typeface="Calibri" panose="020F0502020204030204" pitchFamily="34" charset="0"/>
-                        <a:cs typeface="Times New Roman" panose="02020603050405020304" pitchFamily="18" charset="0"/>
-                      </a:endParaRPr>
                     </a:p>
                   </a:txBody>
                   <a:tcPr marL="68580" marR="68580" marT="0" marB="0" anchor="ctr">
@@ -23352,20 +23413,14 @@
                         </a:spcAft>
                       </a:pPr>
                       <a:r>
-                        <a:rPr lang="en-US" sz="1400">
+                        <a:rPr lang="en-US" sz="1600">
                           <a:effectLst/>
-                          <a:latin typeface="Arial" panose="020B0604020202020204" pitchFamily="34" charset="0"/>
+                          <a:latin typeface="+mn-lt"/>
                           <a:ea typeface="Calibri" panose="020F0502020204030204" pitchFamily="34" charset="0"/>
                           <a:cs typeface="Times New Roman" panose="02020603050405020304" pitchFamily="18" charset="0"/>
                         </a:rPr>
                         <a:t>0.15</a:t>
                       </a:r>
-                      <a:endParaRPr lang="en-US" sz="1400">
-                        <a:effectLst/>
-                        <a:latin typeface="Calibri" panose="020F0502020204030204" pitchFamily="34" charset="0"/>
-                        <a:ea typeface="Calibri" panose="020F0502020204030204" pitchFamily="34" charset="0"/>
-                        <a:cs typeface="Times New Roman" panose="02020603050405020304" pitchFamily="18" charset="0"/>
-                      </a:endParaRPr>
                     </a:p>
                   </a:txBody>
                   <a:tcPr marL="68580" marR="68580" marT="0" marB="0" anchor="ctr">
@@ -23427,20 +23482,17 @@
                         </a:spcAft>
                       </a:pPr>
                       <a:r>
-                        <a:rPr lang="en-US" sz="1400">
+                        <a:rPr lang="en-US" sz="1600" dirty="0">
+                          <a:solidFill>
+                            <a:srgbClr val="339933"/>
+                          </a:solidFill>
                           <a:effectLst/>
-                          <a:latin typeface="Arial" panose="020B0604020202020204" pitchFamily="34" charset="0"/>
+                          <a:latin typeface="+mn-lt"/>
                           <a:ea typeface="Calibri" panose="020F0502020204030204" pitchFamily="34" charset="0"/>
                           <a:cs typeface="Times New Roman" panose="02020603050405020304" pitchFamily="18" charset="0"/>
                         </a:rPr>
-                        <a:t> </a:t>
+                        <a:t>0.25</a:t>
                       </a:r>
-                      <a:endParaRPr lang="en-US" sz="1400">
-                        <a:effectLst/>
-                        <a:latin typeface="Calibri" panose="020F0502020204030204" pitchFamily="34" charset="0"/>
-                        <a:ea typeface="Calibri" panose="020F0502020204030204" pitchFamily="34" charset="0"/>
-                        <a:cs typeface="Times New Roman" panose="02020603050405020304" pitchFamily="18" charset="0"/>
-                      </a:endParaRPr>
                     </a:p>
                   </a:txBody>
                   <a:tcPr marL="68580" marR="68580" marT="0" marB="0" anchor="ctr">
@@ -23502,20 +23554,17 @@
                         </a:spcAft>
                       </a:pPr>
                       <a:r>
-                        <a:rPr lang="en-US" sz="1400" dirty="0">
+                        <a:rPr lang="en-US" sz="1600" dirty="0">
+                          <a:solidFill>
+                            <a:srgbClr val="339933"/>
+                          </a:solidFill>
                           <a:effectLst/>
-                          <a:latin typeface="Arial" panose="020B0604020202020204" pitchFamily="34" charset="0"/>
+                          <a:latin typeface="+mn-lt"/>
                           <a:ea typeface="Calibri" panose="020F0502020204030204" pitchFamily="34" charset="0"/>
                           <a:cs typeface="Times New Roman" panose="02020603050405020304" pitchFamily="18" charset="0"/>
                         </a:rPr>
-                        <a:t> </a:t>
+                        <a:t>0.25</a:t>
                       </a:r>
-                      <a:endParaRPr lang="en-US" sz="1400" dirty="0">
-                        <a:effectLst/>
-                        <a:latin typeface="Calibri" panose="020F0502020204030204" pitchFamily="34" charset="0"/>
-                        <a:ea typeface="Calibri" panose="020F0502020204030204" pitchFamily="34" charset="0"/>
-                        <a:cs typeface="Times New Roman" panose="02020603050405020304" pitchFamily="18" charset="0"/>
-                      </a:endParaRPr>
                     </a:p>
                   </a:txBody>
                   <a:tcPr marL="68580" marR="68580" marT="0" marB="0" anchor="ctr">
@@ -23577,20 +23626,17 @@
                         </a:spcAft>
                       </a:pPr>
                       <a:r>
-                        <a:rPr lang="en-US" sz="1400" dirty="0">
+                        <a:rPr lang="en-US" sz="1600" dirty="0">
+                          <a:solidFill>
+                            <a:srgbClr val="339933"/>
+                          </a:solidFill>
                           <a:effectLst/>
-                          <a:latin typeface="Arial" panose="020B0604020202020204" pitchFamily="34" charset="0"/>
+                          <a:latin typeface="+mn-lt"/>
                           <a:ea typeface="Calibri" panose="020F0502020204030204" pitchFamily="34" charset="0"/>
                           <a:cs typeface="Times New Roman" panose="02020603050405020304" pitchFamily="18" charset="0"/>
                         </a:rPr>
-                        <a:t> </a:t>
+                        <a:t>0.25</a:t>
                       </a:r>
-                      <a:endParaRPr lang="en-US" sz="1400" dirty="0">
-                        <a:effectLst/>
-                        <a:latin typeface="Calibri" panose="020F0502020204030204" pitchFamily="34" charset="0"/>
-                        <a:ea typeface="Calibri" panose="020F0502020204030204" pitchFamily="34" charset="0"/>
-                        <a:cs typeface="Times New Roman" panose="02020603050405020304" pitchFamily="18" charset="0"/>
-                      </a:endParaRPr>
                     </a:p>
                   </a:txBody>
                   <a:tcPr marL="68580" marR="68580" marT="0" marB="0" anchor="ctr">
@@ -23652,20 +23698,17 @@
                         </a:spcAft>
                       </a:pPr>
                       <a:r>
-                        <a:rPr lang="en-US" sz="1400" dirty="0">
+                        <a:rPr lang="en-US" sz="1600" dirty="0">
+                          <a:solidFill>
+                            <a:srgbClr val="C00000"/>
+                          </a:solidFill>
                           <a:effectLst/>
-                          <a:latin typeface="Arial" panose="020B0604020202020204" pitchFamily="34" charset="0"/>
+                          <a:latin typeface="+mn-lt"/>
                           <a:ea typeface="Calibri" panose="020F0502020204030204" pitchFamily="34" charset="0"/>
                           <a:cs typeface="Times New Roman" panose="02020603050405020304" pitchFamily="18" charset="0"/>
                         </a:rPr>
-                        <a:t> </a:t>
+                        <a:t>0.05</a:t>
                       </a:r>
-                      <a:endParaRPr lang="en-US" sz="1400" dirty="0">
-                        <a:effectLst/>
-                        <a:latin typeface="Calibri" panose="020F0502020204030204" pitchFamily="34" charset="0"/>
-                        <a:ea typeface="Calibri" panose="020F0502020204030204" pitchFamily="34" charset="0"/>
-                        <a:cs typeface="Times New Roman" panose="02020603050405020304" pitchFamily="18" charset="0"/>
-                      </a:endParaRPr>
                     </a:p>
                   </a:txBody>
                   <a:tcPr marL="68580" marR="68580" marT="0" marB="0" anchor="ctr">
@@ -23727,20 +23770,17 @@
                         </a:spcAft>
                       </a:pPr>
                       <a:r>
-                        <a:rPr lang="en-US" sz="1400">
+                        <a:rPr lang="en-US" sz="1600" dirty="0">
+                          <a:solidFill>
+                            <a:srgbClr val="339933"/>
+                          </a:solidFill>
                           <a:effectLst/>
-                          <a:latin typeface="Arial" panose="020B0604020202020204" pitchFamily="34" charset="0"/>
+                          <a:latin typeface="+mn-lt"/>
                           <a:ea typeface="Calibri" panose="020F0502020204030204" pitchFamily="34" charset="0"/>
                           <a:cs typeface="Times New Roman" panose="02020603050405020304" pitchFamily="18" charset="0"/>
                         </a:rPr>
-                        <a:t> </a:t>
+                        <a:t>0.25</a:t>
                       </a:r>
-                      <a:endParaRPr lang="en-US" sz="1400">
-                        <a:effectLst/>
-                        <a:latin typeface="Calibri" panose="020F0502020204030204" pitchFamily="34" charset="0"/>
-                        <a:ea typeface="Calibri" panose="020F0502020204030204" pitchFamily="34" charset="0"/>
-                        <a:cs typeface="Times New Roman" panose="02020603050405020304" pitchFamily="18" charset="0"/>
-                      </a:endParaRPr>
                     </a:p>
                   </a:txBody>
                   <a:tcPr marL="68580" marR="68580" marT="0" marB="0" anchor="ctr">
@@ -23786,7 +23826,7 @@
                   </a:tcPr>
                 </a:tc>
               </a:tr>
-              <a:tr h="429491">
+              <a:tr h="401782">
                 <a:tc>
                   <a:txBody>
                     <a:bodyPr/>
@@ -23804,20 +23844,14 @@
                         </a:spcAft>
                       </a:pPr>
                       <a:r>
-                        <a:rPr lang="en-US" sz="1400" dirty="0">
+                        <a:rPr lang="en-US" sz="1600">
                           <a:effectLst/>
-                          <a:latin typeface="Arial" panose="020B0604020202020204" pitchFamily="34" charset="0"/>
+                          <a:latin typeface="+mn-lt"/>
                           <a:ea typeface="Calibri" panose="020F0502020204030204" pitchFamily="34" charset="0"/>
                           <a:cs typeface="Times New Roman" panose="02020603050405020304" pitchFamily="18" charset="0"/>
                         </a:rPr>
                         <a:t>Sides Al Casing Thickness [cm]</a:t>
                       </a:r>
-                      <a:endParaRPr lang="en-US" sz="1400" dirty="0">
-                        <a:effectLst/>
-                        <a:latin typeface="Calibri" panose="020F0502020204030204" pitchFamily="34" charset="0"/>
-                        <a:ea typeface="Calibri" panose="020F0502020204030204" pitchFamily="34" charset="0"/>
-                        <a:cs typeface="Times New Roman" panose="02020603050405020304" pitchFamily="18" charset="0"/>
-                      </a:endParaRPr>
                     </a:p>
                   </a:txBody>
                   <a:tcPr marL="68580" marR="68580" marT="0" marB="0" anchor="ctr">
@@ -23879,20 +23913,14 @@
                         </a:spcAft>
                       </a:pPr>
                       <a:r>
-                        <a:rPr lang="en-US" sz="1400" dirty="0">
+                        <a:rPr lang="en-US" sz="1600">
                           <a:effectLst/>
-                          <a:latin typeface="Arial" panose="020B0604020202020204" pitchFamily="34" charset="0"/>
+                          <a:latin typeface="+mn-lt"/>
                           <a:ea typeface="Calibri" panose="020F0502020204030204" pitchFamily="34" charset="0"/>
                           <a:cs typeface="Times New Roman" panose="02020603050405020304" pitchFamily="18" charset="0"/>
                         </a:rPr>
                         <a:t>0.15</a:t>
                       </a:r>
-                      <a:endParaRPr lang="en-US" sz="1400" dirty="0">
-                        <a:effectLst/>
-                        <a:latin typeface="Calibri" panose="020F0502020204030204" pitchFamily="34" charset="0"/>
-                        <a:ea typeface="Calibri" panose="020F0502020204030204" pitchFamily="34" charset="0"/>
-                        <a:cs typeface="Times New Roman" panose="02020603050405020304" pitchFamily="18" charset="0"/>
-                      </a:endParaRPr>
                     </a:p>
                   </a:txBody>
                   <a:tcPr marL="68580" marR="68580" marT="0" marB="0" anchor="ctr">
@@ -23954,20 +23982,17 @@
                         </a:spcAft>
                       </a:pPr>
                       <a:r>
-                        <a:rPr lang="en-US" sz="1400">
+                        <a:rPr lang="en-US" sz="1600" dirty="0">
+                          <a:solidFill>
+                            <a:srgbClr val="C00000"/>
+                          </a:solidFill>
                           <a:effectLst/>
-                          <a:latin typeface="Arial" panose="020B0604020202020204" pitchFamily="34" charset="0"/>
+                          <a:latin typeface="+mn-lt"/>
                           <a:ea typeface="Calibri" panose="020F0502020204030204" pitchFamily="34" charset="0"/>
                           <a:cs typeface="Times New Roman" panose="02020603050405020304" pitchFamily="18" charset="0"/>
                         </a:rPr>
-                        <a:t> </a:t>
+                        <a:t>0.05</a:t>
                       </a:r>
-                      <a:endParaRPr lang="en-US" sz="1400">
-                        <a:effectLst/>
-                        <a:latin typeface="Calibri" panose="020F0502020204030204" pitchFamily="34" charset="0"/>
-                        <a:ea typeface="Calibri" panose="020F0502020204030204" pitchFamily="34" charset="0"/>
-                        <a:cs typeface="Times New Roman" panose="02020603050405020304" pitchFamily="18" charset="0"/>
-                      </a:endParaRPr>
                     </a:p>
                   </a:txBody>
                   <a:tcPr marL="68580" marR="68580" marT="0" marB="0" anchor="ctr">
@@ -24029,20 +24054,17 @@
                         </a:spcAft>
                       </a:pPr>
                       <a:r>
-                        <a:rPr lang="en-US" sz="1400" dirty="0">
+                        <a:rPr lang="en-US" sz="1600" dirty="0">
+                          <a:solidFill>
+                            <a:srgbClr val="C00000"/>
+                          </a:solidFill>
                           <a:effectLst/>
-                          <a:latin typeface="Arial" panose="020B0604020202020204" pitchFamily="34" charset="0"/>
+                          <a:latin typeface="+mn-lt"/>
                           <a:ea typeface="Calibri" panose="020F0502020204030204" pitchFamily="34" charset="0"/>
                           <a:cs typeface="Times New Roman" panose="02020603050405020304" pitchFamily="18" charset="0"/>
                         </a:rPr>
-                        <a:t> </a:t>
+                        <a:t>0.05</a:t>
                       </a:r>
-                      <a:endParaRPr lang="en-US" sz="1400" dirty="0">
-                        <a:effectLst/>
-                        <a:latin typeface="Calibri" panose="020F0502020204030204" pitchFamily="34" charset="0"/>
-                        <a:ea typeface="Calibri" panose="020F0502020204030204" pitchFamily="34" charset="0"/>
-                        <a:cs typeface="Times New Roman" panose="02020603050405020304" pitchFamily="18" charset="0"/>
-                      </a:endParaRPr>
                     </a:p>
                   </a:txBody>
                   <a:tcPr marL="68580" marR="68580" marT="0" marB="0" anchor="ctr">
@@ -24104,20 +24126,17 @@
                         </a:spcAft>
                       </a:pPr>
                       <a:r>
-                        <a:rPr lang="en-US" sz="1400" dirty="0">
+                        <a:rPr lang="en-US" sz="1600" dirty="0">
+                          <a:solidFill>
+                            <a:srgbClr val="C00000"/>
+                          </a:solidFill>
                           <a:effectLst/>
-                          <a:latin typeface="Arial" panose="020B0604020202020204" pitchFamily="34" charset="0"/>
+                          <a:latin typeface="+mn-lt"/>
                           <a:ea typeface="Calibri" panose="020F0502020204030204" pitchFamily="34" charset="0"/>
                           <a:cs typeface="Times New Roman" panose="02020603050405020304" pitchFamily="18" charset="0"/>
                         </a:rPr>
-                        <a:t> </a:t>
+                        <a:t>0.05</a:t>
                       </a:r>
-                      <a:endParaRPr lang="en-US" sz="1400" dirty="0">
-                        <a:effectLst/>
-                        <a:latin typeface="Calibri" panose="020F0502020204030204" pitchFamily="34" charset="0"/>
-                        <a:ea typeface="Calibri" panose="020F0502020204030204" pitchFamily="34" charset="0"/>
-                        <a:cs typeface="Times New Roman" panose="02020603050405020304" pitchFamily="18" charset="0"/>
-                      </a:endParaRPr>
                     </a:p>
                   </a:txBody>
                   <a:tcPr marL="68580" marR="68580" marT="0" marB="0" anchor="ctr">
@@ -24179,20 +24198,17 @@
                         </a:spcAft>
                       </a:pPr>
                       <a:r>
-                        <a:rPr lang="en-US" sz="1400" dirty="0">
+                        <a:rPr lang="en-US" sz="1600" dirty="0">
+                          <a:solidFill>
+                            <a:srgbClr val="339933"/>
+                          </a:solidFill>
                           <a:effectLst/>
-                          <a:latin typeface="Arial" panose="020B0604020202020204" pitchFamily="34" charset="0"/>
+                          <a:latin typeface="+mn-lt"/>
                           <a:ea typeface="Calibri" panose="020F0502020204030204" pitchFamily="34" charset="0"/>
                           <a:cs typeface="Times New Roman" panose="02020603050405020304" pitchFamily="18" charset="0"/>
                         </a:rPr>
-                        <a:t> </a:t>
+                        <a:t>0.27</a:t>
                       </a:r>
-                      <a:endParaRPr lang="en-US" sz="1400" dirty="0">
-                        <a:effectLst/>
-                        <a:latin typeface="Calibri" panose="020F0502020204030204" pitchFamily="34" charset="0"/>
-                        <a:ea typeface="Calibri" panose="020F0502020204030204" pitchFamily="34" charset="0"/>
-                        <a:cs typeface="Times New Roman" panose="02020603050405020304" pitchFamily="18" charset="0"/>
-                      </a:endParaRPr>
                     </a:p>
                   </a:txBody>
                   <a:tcPr marL="68580" marR="68580" marT="0" marB="0" anchor="ctr">
@@ -24254,20 +24270,17 @@
                         </a:spcAft>
                       </a:pPr>
                       <a:r>
-                        <a:rPr lang="en-US" sz="1400" dirty="0">
+                        <a:rPr lang="en-US" sz="1600" dirty="0">
+                          <a:solidFill>
+                            <a:srgbClr val="339933"/>
+                          </a:solidFill>
                           <a:effectLst/>
-                          <a:latin typeface="Arial" panose="020B0604020202020204" pitchFamily="34" charset="0"/>
+                          <a:latin typeface="+mn-lt"/>
                           <a:ea typeface="Calibri" panose="020F0502020204030204" pitchFamily="34" charset="0"/>
                           <a:cs typeface="Times New Roman" panose="02020603050405020304" pitchFamily="18" charset="0"/>
                         </a:rPr>
-                        <a:t> </a:t>
+                        <a:t>0.25</a:t>
                       </a:r>
-                      <a:endParaRPr lang="en-US" sz="1400" dirty="0">
-                        <a:effectLst/>
-                        <a:latin typeface="Calibri" panose="020F0502020204030204" pitchFamily="34" charset="0"/>
-                        <a:ea typeface="Calibri" panose="020F0502020204030204" pitchFamily="34" charset="0"/>
-                        <a:cs typeface="Times New Roman" panose="02020603050405020304" pitchFamily="18" charset="0"/>
-                      </a:endParaRPr>
                     </a:p>
                   </a:txBody>
                   <a:tcPr marL="68580" marR="68580" marT="0" marB="0" anchor="ctr">
@@ -24313,7 +24326,7 @@
                   </a:tcPr>
                 </a:tc>
               </a:tr>
-              <a:tr h="429491">
+              <a:tr h="401782">
                 <a:tc>
                   <a:txBody>
                     <a:bodyPr/>
@@ -24331,20 +24344,32 @@
                         </a:spcAft>
                       </a:pPr>
                       <a:r>
-                        <a:rPr lang="en-US" sz="1400" dirty="0">
+                        <a:rPr lang="en-US" sz="1600">
                           <a:effectLst/>
-                          <a:latin typeface="Arial" panose="020B0604020202020204" pitchFamily="34" charset="0"/>
+                          <a:latin typeface="+mn-lt"/>
                           <a:ea typeface="Calibri" panose="020F0502020204030204" pitchFamily="34" charset="0"/>
                           <a:cs typeface="Times New Roman" panose="02020603050405020304" pitchFamily="18" charset="0"/>
                         </a:rPr>
-                        <a:t>Ge Crystal Density [g/cm]</a:t>
+                        <a:t>Ge Crystal Density [g/cm</a:t>
                       </a:r>
-                      <a:endParaRPr lang="en-US" sz="1400" dirty="0">
-                        <a:effectLst/>
-                        <a:latin typeface="Calibri" panose="020F0502020204030204" pitchFamily="34" charset="0"/>
-                        <a:ea typeface="Calibri" panose="020F0502020204030204" pitchFamily="34" charset="0"/>
-                        <a:cs typeface="Times New Roman" panose="02020603050405020304" pitchFamily="18" charset="0"/>
-                      </a:endParaRPr>
+                      <a:r>
+                        <a:rPr lang="en-US" sz="1600" baseline="30000">
+                          <a:effectLst/>
+                          <a:latin typeface="+mn-lt"/>
+                          <a:ea typeface="Calibri" panose="020F0502020204030204" pitchFamily="34" charset="0"/>
+                          <a:cs typeface="Times New Roman" panose="02020603050405020304" pitchFamily="18" charset="0"/>
+                        </a:rPr>
+                        <a:t>3</a:t>
+                      </a:r>
+                      <a:r>
+                        <a:rPr lang="en-US" sz="1600">
+                          <a:effectLst/>
+                          <a:latin typeface="+mn-lt"/>
+                          <a:ea typeface="Calibri" panose="020F0502020204030204" pitchFamily="34" charset="0"/>
+                          <a:cs typeface="Times New Roman" panose="02020603050405020304" pitchFamily="18" charset="0"/>
+                        </a:rPr>
+                        <a:t>]</a:t>
+                      </a:r>
                     </a:p>
                   </a:txBody>
                   <a:tcPr marL="68580" marR="68580" marT="0" marB="0" anchor="ctr">
@@ -24406,20 +24431,14 @@
                         </a:spcAft>
                       </a:pPr>
                       <a:r>
-                        <a:rPr lang="en-US" sz="1400" dirty="0">
+                        <a:rPr lang="en-US" sz="1600">
                           <a:effectLst/>
-                          <a:latin typeface="Arial" panose="020B0604020202020204" pitchFamily="34" charset="0"/>
+                          <a:latin typeface="+mn-lt"/>
                           <a:ea typeface="Calibri" panose="020F0502020204030204" pitchFamily="34" charset="0"/>
                           <a:cs typeface="Times New Roman" panose="02020603050405020304" pitchFamily="18" charset="0"/>
                         </a:rPr>
                         <a:t>5.32</a:t>
                       </a:r>
-                      <a:endParaRPr lang="en-US" sz="1400" dirty="0">
-                        <a:effectLst/>
-                        <a:latin typeface="Calibri" panose="020F0502020204030204" pitchFamily="34" charset="0"/>
-                        <a:ea typeface="Calibri" panose="020F0502020204030204" pitchFamily="34" charset="0"/>
-                        <a:cs typeface="Times New Roman" panose="02020603050405020304" pitchFamily="18" charset="0"/>
-                      </a:endParaRPr>
                     </a:p>
                   </a:txBody>
                   <a:tcPr marL="68580" marR="68580" marT="0" marB="0" anchor="ctr">
@@ -24481,20 +24500,14 @@
                         </a:spcAft>
                       </a:pPr>
                       <a:r>
-                        <a:rPr lang="en-US" sz="1400" dirty="0">
+                        <a:rPr lang="en-US" sz="1600">
                           <a:effectLst/>
-                          <a:latin typeface="Arial" panose="020B0604020202020204" pitchFamily="34" charset="0"/>
+                          <a:latin typeface="+mn-lt"/>
                           <a:ea typeface="Calibri" panose="020F0502020204030204" pitchFamily="34" charset="0"/>
                           <a:cs typeface="Times New Roman" panose="02020603050405020304" pitchFamily="18" charset="0"/>
                         </a:rPr>
-                        <a:t> </a:t>
+                        <a:t>5.32</a:t>
                       </a:r>
-                      <a:endParaRPr lang="en-US" sz="1400" dirty="0">
-                        <a:effectLst/>
-                        <a:latin typeface="Calibri" panose="020F0502020204030204" pitchFamily="34" charset="0"/>
-                        <a:ea typeface="Calibri" panose="020F0502020204030204" pitchFamily="34" charset="0"/>
-                        <a:cs typeface="Times New Roman" panose="02020603050405020304" pitchFamily="18" charset="0"/>
-                      </a:endParaRPr>
                     </a:p>
                   </a:txBody>
                   <a:tcPr marL="68580" marR="68580" marT="0" marB="0" anchor="ctr">
@@ -24556,20 +24569,14 @@
                         </a:spcAft>
                       </a:pPr>
                       <a:r>
-                        <a:rPr lang="en-US" sz="1400" dirty="0">
+                        <a:rPr lang="en-US" sz="1600">
                           <a:effectLst/>
-                          <a:latin typeface="Arial" panose="020B0604020202020204" pitchFamily="34" charset="0"/>
+                          <a:latin typeface="+mn-lt"/>
                           <a:ea typeface="Calibri" panose="020F0502020204030204" pitchFamily="34" charset="0"/>
                           <a:cs typeface="Times New Roman" panose="02020603050405020304" pitchFamily="18" charset="0"/>
                         </a:rPr>
-                        <a:t> </a:t>
+                        <a:t>5.32</a:t>
                       </a:r>
-                      <a:endParaRPr lang="en-US" sz="1400" dirty="0">
-                        <a:effectLst/>
-                        <a:latin typeface="Calibri" panose="020F0502020204030204" pitchFamily="34" charset="0"/>
-                        <a:ea typeface="Calibri" panose="020F0502020204030204" pitchFamily="34" charset="0"/>
-                        <a:cs typeface="Times New Roman" panose="02020603050405020304" pitchFamily="18" charset="0"/>
-                      </a:endParaRPr>
                     </a:p>
                   </a:txBody>
                   <a:tcPr marL="68580" marR="68580" marT="0" marB="0" anchor="ctr">
@@ -24631,20 +24638,17 @@
                         </a:spcAft>
                       </a:pPr>
                       <a:r>
-                        <a:rPr lang="en-US" sz="1400" dirty="0">
+                        <a:rPr lang="en-US" sz="1600" dirty="0">
+                          <a:solidFill>
+                            <a:srgbClr val="339933"/>
+                          </a:solidFill>
                           <a:effectLst/>
-                          <a:latin typeface="Arial" panose="020B0604020202020204" pitchFamily="34" charset="0"/>
+                          <a:latin typeface="+mn-lt"/>
                           <a:ea typeface="Calibri" panose="020F0502020204030204" pitchFamily="34" charset="0"/>
                           <a:cs typeface="Times New Roman" panose="02020603050405020304" pitchFamily="18" charset="0"/>
                         </a:rPr>
-                        <a:t> </a:t>
+                        <a:t>5.35</a:t>
                       </a:r>
-                      <a:endParaRPr lang="en-US" sz="1400" dirty="0">
-                        <a:effectLst/>
-                        <a:latin typeface="Calibri" panose="020F0502020204030204" pitchFamily="34" charset="0"/>
-                        <a:ea typeface="Calibri" panose="020F0502020204030204" pitchFamily="34" charset="0"/>
-                        <a:cs typeface="Times New Roman" panose="02020603050405020304" pitchFamily="18" charset="0"/>
-                      </a:endParaRPr>
                     </a:p>
                   </a:txBody>
                   <a:tcPr marL="68580" marR="68580" marT="0" marB="0" anchor="ctr">
@@ -24706,20 +24710,14 @@
                         </a:spcAft>
                       </a:pPr>
                       <a:r>
-                        <a:rPr lang="en-US" sz="1400" dirty="0">
+                        <a:rPr lang="en-US" sz="1600" dirty="0">
                           <a:effectLst/>
-                          <a:latin typeface="Arial" panose="020B0604020202020204" pitchFamily="34" charset="0"/>
+                          <a:latin typeface="+mn-lt"/>
                           <a:ea typeface="Calibri" panose="020F0502020204030204" pitchFamily="34" charset="0"/>
                           <a:cs typeface="Times New Roman" panose="02020603050405020304" pitchFamily="18" charset="0"/>
                         </a:rPr>
-                        <a:t> </a:t>
+                        <a:t>5.32</a:t>
                       </a:r>
-                      <a:endParaRPr lang="en-US" sz="1400" dirty="0">
-                        <a:effectLst/>
-                        <a:latin typeface="Calibri" panose="020F0502020204030204" pitchFamily="34" charset="0"/>
-                        <a:ea typeface="Calibri" panose="020F0502020204030204" pitchFamily="34" charset="0"/>
-                        <a:cs typeface="Times New Roman" panose="02020603050405020304" pitchFamily="18" charset="0"/>
-                      </a:endParaRPr>
                     </a:p>
                   </a:txBody>
                   <a:tcPr marL="68580" marR="68580" marT="0" marB="0" anchor="ctr">
@@ -24781,20 +24779,17 @@
                         </a:spcAft>
                       </a:pPr>
                       <a:r>
-                        <a:rPr lang="en-US" sz="1400" dirty="0">
+                        <a:rPr lang="en-US" sz="1600" dirty="0">
+                          <a:solidFill>
+                            <a:srgbClr val="339933"/>
+                          </a:solidFill>
                           <a:effectLst/>
-                          <a:latin typeface="Arial" panose="020B0604020202020204" pitchFamily="34" charset="0"/>
+                          <a:latin typeface="+mn-lt"/>
                           <a:ea typeface="Calibri" panose="020F0502020204030204" pitchFamily="34" charset="0"/>
                           <a:cs typeface="Times New Roman" panose="02020603050405020304" pitchFamily="18" charset="0"/>
                         </a:rPr>
-                        <a:t> </a:t>
+                        <a:t>5.3425</a:t>
                       </a:r>
-                      <a:endParaRPr lang="en-US" sz="1400" dirty="0">
-                        <a:effectLst/>
-                        <a:latin typeface="Calibri" panose="020F0502020204030204" pitchFamily="34" charset="0"/>
-                        <a:ea typeface="Calibri" panose="020F0502020204030204" pitchFamily="34" charset="0"/>
-                        <a:cs typeface="Times New Roman" panose="02020603050405020304" pitchFamily="18" charset="0"/>
-                      </a:endParaRPr>
                     </a:p>
                   </a:txBody>
                   <a:tcPr marL="68580" marR="68580" marT="0" marB="0" anchor="ctr">
@@ -24844,6 +24839,56 @@
           </a:graphicData>
         </a:graphic>
       </p:graphicFrame>
+      <p:sp>
+        <p:nvSpPr>
+          <p:cNvPr id="7" name="TextBox 6"/>
+          <p:cNvSpPr txBox="1"/>
+          <p:nvPr/>
+        </p:nvSpPr>
+        <p:spPr>
+          <a:xfrm>
+            <a:off x="5334000" y="5835136"/>
+            <a:ext cx="3200400" cy="369332"/>
+          </a:xfrm>
+          <a:prstGeom prst="rect">
+            <a:avLst/>
+          </a:prstGeom>
+          <a:noFill/>
+        </p:spPr>
+        <p:txBody>
+          <a:bodyPr wrap="square" rtlCol="0">
+            <a:spAutoFit/>
+          </a:bodyPr>
+          <a:lstStyle/>
+          <a:p>
+            <a:r>
+              <a:rPr lang="en-US" dirty="0" smtClean="0">
+                <a:solidFill>
+                  <a:srgbClr val="00B050"/>
+                </a:solidFill>
+              </a:rPr>
+              <a:t>- Larger	</a:t>
+            </a:r>
+            <a:r>
+              <a:rPr lang="en-US" dirty="0" smtClean="0"/>
+              <a:t>	</a:t>
+            </a:r>
+            <a:r>
+              <a:rPr lang="en-US" dirty="0" smtClean="0">
+                <a:solidFill>
+                  <a:srgbClr val="C00000"/>
+                </a:solidFill>
+              </a:rPr>
+              <a:t>- Smaller</a:t>
+            </a:r>
+            <a:endParaRPr lang="en-US" dirty="0">
+              <a:solidFill>
+                <a:srgbClr val="C00000"/>
+              </a:solidFill>
+            </a:endParaRPr>
+          </a:p>
+        </p:txBody>
+      </p:sp>
     </p:spTree>
     <p:extLst>
       <p:ext uri="{BB962C8B-B14F-4D97-AF65-F5344CB8AC3E}">
@@ -25022,14 +25067,3240 @@
             <a:r>
               <a:rPr lang="en-US" dirty="0" smtClean="0">
                 <a:solidFill>
-                  <a:srgbClr val="FF0000"/>
+                  <a:srgbClr val="000066"/>
+                </a:solidFill>
+              </a:rPr>
+              <a:t>Position 3 Modified</a:t>
+            </a:r>
+            <a:endParaRPr lang="en-US" dirty="0">
+              <a:solidFill>
+                <a:srgbClr val="000066"/>
+              </a:solidFill>
+            </a:endParaRPr>
+          </a:p>
+        </p:txBody>
+      </p:sp>
+      <p:sp>
+        <p:nvSpPr>
+          <p:cNvPr id="4" name="Slide Number Placeholder 3"/>
+          <p:cNvSpPr>
+            <a:spLocks noGrp="1"/>
+          </p:cNvSpPr>
+          <p:nvPr>
+            <p:ph type="sldNum" sz="quarter" idx="10"/>
+          </p:nvPr>
+        </p:nvSpPr>
+        <p:spPr/>
+        <p:txBody>
+          <a:bodyPr/>
+          <a:lstStyle/>
+          <a:p>
+            <a:pPr>
+              <a:defRPr/>
+            </a:pPr>
+            <a:fld id="{19845459-3F1B-4F43-8FC0-35ADCE8623CC}" type="slidenum">
+              <a:rPr lang="en-US" smtClean="0"/>
+              <a:pPr>
+                <a:defRPr/>
+              </a:pPr>
+              <a:t>32</a:t>
+            </a:fld>
+            <a:endParaRPr lang="en-US" dirty="0"/>
+          </a:p>
+        </p:txBody>
+      </p:sp>
+      <p:pic>
+        <p:nvPicPr>
+          <p:cNvPr id="5" name="Picture 4"/>
+          <p:cNvPicPr>
+            <a:picLocks noChangeAspect="1"/>
+          </p:cNvPicPr>
+          <p:nvPr/>
+        </p:nvPicPr>
+        <p:blipFill>
+          <a:blip r:embed="rId3">
+            <a:extLst>
+              <a:ext uri="{28A0092B-C50C-407E-A947-70E740481C1C}">
+                <a14:useLocalDpi xmlns:a14="http://schemas.microsoft.com/office/drawing/2010/main" val="0"/>
+              </a:ext>
+            </a:extLst>
+          </a:blip>
+          <a:stretch>
+            <a:fillRect/>
+          </a:stretch>
+        </p:blipFill>
+        <p:spPr>
+          <a:xfrm>
+            <a:off x="228600" y="1188720"/>
+            <a:ext cx="6858000" cy="5143500"/>
+          </a:xfrm>
+          <a:prstGeom prst="rect">
+            <a:avLst/>
+          </a:prstGeom>
+        </p:spPr>
+      </p:pic>
+      <p:sp>
+        <p:nvSpPr>
+          <p:cNvPr id="8" name="TextBox 7"/>
+          <p:cNvSpPr txBox="1"/>
+          <p:nvPr/>
+        </p:nvSpPr>
+        <p:spPr>
+          <a:xfrm>
+            <a:off x="6400800" y="2971800"/>
+            <a:ext cx="2590800" cy="1200329"/>
+          </a:xfrm>
+          <a:prstGeom prst="rect">
+            <a:avLst/>
+          </a:prstGeom>
+          <a:noFill/>
+          <a:ln>
+            <a:noFill/>
+          </a:ln>
+        </p:spPr>
+        <p:txBody>
+          <a:bodyPr wrap="square" rtlCol="0">
+            <a:spAutoFit/>
+          </a:bodyPr>
+          <a:lstStyle/>
+          <a:p>
+            <a:r>
+              <a:rPr lang="en-US" b="1" dirty="0" err="1" smtClean="0"/>
+              <a:t>Avg</a:t>
+            </a:r>
+            <a:r>
+              <a:rPr lang="en-US" b="1" dirty="0" smtClean="0"/>
+              <a:t> </a:t>
+            </a:r>
+            <a:r>
+              <a:rPr lang="en-US" b="1" dirty="0" err="1" smtClean="0"/>
+              <a:t>Rel</a:t>
+            </a:r>
+            <a:r>
+              <a:rPr lang="en-US" b="1" dirty="0" smtClean="0"/>
+              <a:t> Error: 2.38%</a:t>
+            </a:r>
+          </a:p>
+          <a:p>
+            <a:r>
+              <a:rPr lang="en-US" b="1" dirty="0" smtClean="0"/>
+              <a:t>Max </a:t>
+            </a:r>
+            <a:r>
+              <a:rPr lang="en-US" b="1" dirty="0" err="1" smtClean="0"/>
+              <a:t>Rel</a:t>
+            </a:r>
+            <a:r>
+              <a:rPr lang="en-US" b="1" dirty="0" smtClean="0"/>
+              <a:t> Error: 5.95%</a:t>
+            </a:r>
+          </a:p>
+          <a:p>
+            <a:r>
+              <a:rPr lang="en-US" b="1" dirty="0" smtClean="0"/>
+              <a:t>Min  </a:t>
+            </a:r>
+            <a:r>
+              <a:rPr lang="en-US" b="1" dirty="0" err="1" smtClean="0"/>
+              <a:t>Rel</a:t>
+            </a:r>
+            <a:r>
+              <a:rPr lang="en-US" b="1" dirty="0" smtClean="0"/>
+              <a:t> Error: 0.07%</a:t>
+            </a:r>
+          </a:p>
+          <a:p>
+            <a:endParaRPr lang="en-US" b="1" dirty="0"/>
+          </a:p>
+        </p:txBody>
+      </p:sp>
+    </p:spTree>
+    <p:extLst>
+      <p:ext uri="{BB962C8B-B14F-4D97-AF65-F5344CB8AC3E}">
+        <p14:creationId xmlns:p14="http://schemas.microsoft.com/office/powerpoint/2010/main" val="4283645689"/>
+      </p:ext>
+    </p:extLst>
+  </p:cSld>
+  <p:clrMapOvr>
+    <a:masterClrMapping/>
+  </p:clrMapOvr>
+  <p:transition/>
+  <p:timing>
+    <p:tnLst>
+      <p:par>
+        <p:cTn id="1" dur="indefinite" restart="never" nodeType="tmRoot"/>
+      </p:par>
+    </p:tnLst>
+  </p:timing>
+</p:sld>
+</file>
+
+<file path=ppt/slides/slide33.xml><?xml version="1.0" encoding="utf-8"?>
+<p:sld xmlns:a="http://schemas.openxmlformats.org/drawingml/2006/main" xmlns:r="http://schemas.openxmlformats.org/officeDocument/2006/relationships" xmlns:p="http://schemas.openxmlformats.org/presentationml/2006/main">
+  <p:cSld>
+    <p:spTree>
+      <p:nvGrpSpPr>
+        <p:cNvPr id="1" name=""/>
+        <p:cNvGrpSpPr/>
+        <p:nvPr/>
+      </p:nvGrpSpPr>
+      <p:grpSpPr>
+        <a:xfrm>
+          <a:off x="0" y="0"/>
+          <a:ext cx="0" cy="0"/>
+          <a:chOff x="0" y="0"/>
+          <a:chExt cx="0" cy="0"/>
+        </a:xfrm>
+      </p:grpSpPr>
+      <p:sp>
+        <p:nvSpPr>
+          <p:cNvPr id="2" name="Title 1"/>
+          <p:cNvSpPr>
+            <a:spLocks noGrp="1"/>
+          </p:cNvSpPr>
+          <p:nvPr>
+            <p:ph type="title"/>
+          </p:nvPr>
+        </p:nvSpPr>
+        <p:spPr/>
+        <p:txBody>
+          <a:bodyPr/>
+          <a:lstStyle/>
+          <a:p>
+            <a:r>
+              <a:rPr lang="en-US" dirty="0" smtClean="0">
+                <a:solidFill>
+                  <a:srgbClr val="000066"/>
+                </a:solidFill>
+              </a:rPr>
+              <a:t>Position 3 Modified</a:t>
+            </a:r>
+            <a:endParaRPr lang="en-US" dirty="0">
+              <a:solidFill>
+                <a:srgbClr val="000066"/>
+              </a:solidFill>
+            </a:endParaRPr>
+          </a:p>
+        </p:txBody>
+      </p:sp>
+      <p:sp>
+        <p:nvSpPr>
+          <p:cNvPr id="4" name="Slide Number Placeholder 3"/>
+          <p:cNvSpPr>
+            <a:spLocks noGrp="1"/>
+          </p:cNvSpPr>
+          <p:nvPr>
+            <p:ph type="sldNum" sz="quarter" idx="10"/>
+          </p:nvPr>
+        </p:nvSpPr>
+        <p:spPr/>
+        <p:txBody>
+          <a:bodyPr/>
+          <a:lstStyle/>
+          <a:p>
+            <a:pPr>
+              <a:defRPr/>
+            </a:pPr>
+            <a:fld id="{19845459-3F1B-4F43-8FC0-35ADCE8623CC}" type="slidenum">
+              <a:rPr lang="en-US" smtClean="0"/>
+              <a:pPr>
+                <a:defRPr/>
+              </a:pPr>
+              <a:t>33</a:t>
+            </a:fld>
+            <a:endParaRPr lang="en-US" dirty="0"/>
+          </a:p>
+        </p:txBody>
+      </p:sp>
+      <p:graphicFrame>
+        <p:nvGraphicFramePr>
+          <p:cNvPr id="3" name="Table 2"/>
+          <p:cNvGraphicFramePr>
+            <a:graphicFrameLocks noGrp="1"/>
+          </p:cNvGraphicFramePr>
+          <p:nvPr>
+            <p:extLst>
+              <p:ext uri="{D42A27DB-BD31-4B8C-83A1-F6EECF244321}">
+                <p14:modId xmlns:p14="http://schemas.microsoft.com/office/powerpoint/2010/main" val="4294057752"/>
+              </p:ext>
+            </p:extLst>
+          </p:nvPr>
+        </p:nvGraphicFramePr>
+        <p:xfrm>
+          <a:off x="380998" y="1219196"/>
+          <a:ext cx="8534401" cy="5029200"/>
+        </p:xfrm>
+        <a:graphic>
+          <a:graphicData uri="http://schemas.openxmlformats.org/drawingml/2006/table">
+            <a:tbl>
+              <a:tblPr firstRow="1" firstCol="1" bandRow="1"/>
+              <a:tblGrid>
+                <a:gridCol w="4055573"/>
+                <a:gridCol w="1428619"/>
+                <a:gridCol w="1535233"/>
+                <a:gridCol w="1514976"/>
+              </a:tblGrid>
+              <a:tr h="457200">
+                <a:tc rowSpan="2">
+                  <a:txBody>
+                    <a:bodyPr/>
+                    <a:lstStyle/>
+                    <a:p>
+                      <a:pPr marL="0" marR="0" algn="ctr">
+                        <a:lnSpc>
+                          <a:spcPct val="107000"/>
+                        </a:lnSpc>
+                        <a:spcBef>
+                          <a:spcPts val="0"/>
+                        </a:spcBef>
+                        <a:spcAft>
+                          <a:spcPts val="0"/>
+                        </a:spcAft>
+                      </a:pPr>
+                      <a:r>
+                        <a:rPr lang="en-US" sz="1800" b="1" dirty="0">
+                          <a:effectLst/>
+                          <a:latin typeface="+mn-lt"/>
+                          <a:ea typeface="Calibri" panose="020F0502020204030204" pitchFamily="34" charset="0"/>
+                          <a:cs typeface="Times New Roman" panose="02020603050405020304" pitchFamily="18" charset="0"/>
+                        </a:rPr>
+                        <a:t>Parameter</a:t>
+                      </a:r>
+                      <a:endParaRPr lang="en-US" sz="1800" dirty="0">
+                        <a:effectLst/>
+                        <a:latin typeface="+mn-lt"/>
+                        <a:ea typeface="Calibri" panose="020F0502020204030204" pitchFamily="34" charset="0"/>
+                        <a:cs typeface="Times New Roman" panose="02020603050405020304" pitchFamily="18" charset="0"/>
+                      </a:endParaRPr>
+                    </a:p>
+                  </a:txBody>
+                  <a:tcPr marL="68580" marR="68580" marT="0" marB="0" anchor="ctr">
+                    <a:lnL w="12700" cap="flat" cmpd="sng" algn="ctr">
+                      <a:solidFill>
+                        <a:srgbClr val="000000"/>
+                      </a:solidFill>
+                      <a:prstDash val="solid"/>
+                      <a:round/>
+                      <a:headEnd type="none" w="med" len="med"/>
+                      <a:tailEnd type="none" w="med" len="med"/>
+                    </a:lnL>
+                    <a:lnR w="12700" cap="flat" cmpd="sng" algn="ctr">
+                      <a:solidFill>
+                        <a:srgbClr val="000000"/>
+                      </a:solidFill>
+                      <a:prstDash val="solid"/>
+                      <a:round/>
+                      <a:headEnd type="none" w="med" len="med"/>
+                      <a:tailEnd type="none" w="med" len="med"/>
+                    </a:lnR>
+                    <a:lnT w="12700" cap="flat" cmpd="sng" algn="ctr">
+                      <a:solidFill>
+                        <a:srgbClr val="000000"/>
+                      </a:solidFill>
+                      <a:prstDash val="solid"/>
+                      <a:round/>
+                      <a:headEnd type="none" w="med" len="med"/>
+                      <a:tailEnd type="none" w="med" len="med"/>
+                    </a:lnT>
+                    <a:lnB w="12700" cap="flat" cmpd="sng" algn="ctr">
+                      <a:solidFill>
+                        <a:srgbClr val="000000"/>
+                      </a:solidFill>
+                      <a:prstDash val="solid"/>
+                      <a:round/>
+                      <a:headEnd type="none" w="med" len="med"/>
+                      <a:tailEnd type="none" w="med" len="med"/>
+                    </a:lnB>
+                    <a:solidFill>
+                      <a:srgbClr val="F2F2F2"/>
+                    </a:solidFill>
+                  </a:tcPr>
+                </a:tc>
+                <a:tc rowSpan="2">
+                  <a:txBody>
+                    <a:bodyPr/>
+                    <a:lstStyle/>
+                    <a:p>
+                      <a:pPr marL="0" marR="0" algn="ctr">
+                        <a:lnSpc>
+                          <a:spcPct val="107000"/>
+                        </a:lnSpc>
+                        <a:spcBef>
+                          <a:spcPts val="0"/>
+                        </a:spcBef>
+                        <a:spcAft>
+                          <a:spcPts val="0"/>
+                        </a:spcAft>
+                      </a:pPr>
+                      <a:r>
+                        <a:rPr lang="en-US" sz="1800" b="1">
+                          <a:effectLst/>
+                          <a:latin typeface="+mn-lt"/>
+                          <a:ea typeface="Calibri" panose="020F0502020204030204" pitchFamily="34" charset="0"/>
+                          <a:cs typeface="Times New Roman" panose="02020603050405020304" pitchFamily="18" charset="0"/>
+                        </a:rPr>
+                        <a:t>Initial Value</a:t>
+                      </a:r>
+                      <a:endParaRPr lang="en-US" sz="1800">
+                        <a:effectLst/>
+                        <a:latin typeface="+mn-lt"/>
+                        <a:ea typeface="Calibri" panose="020F0502020204030204" pitchFamily="34" charset="0"/>
+                        <a:cs typeface="Times New Roman" panose="02020603050405020304" pitchFamily="18" charset="0"/>
+                      </a:endParaRPr>
+                    </a:p>
+                  </a:txBody>
+                  <a:tcPr marL="68580" marR="68580" marT="0" marB="0" anchor="ctr">
+                    <a:lnL w="12700" cap="flat" cmpd="sng" algn="ctr">
+                      <a:solidFill>
+                        <a:srgbClr val="000000"/>
+                      </a:solidFill>
+                      <a:prstDash val="solid"/>
+                      <a:round/>
+                      <a:headEnd type="none" w="med" len="med"/>
+                      <a:tailEnd type="none" w="med" len="med"/>
+                    </a:lnL>
+                    <a:lnR w="12700" cap="flat" cmpd="sng" algn="ctr">
+                      <a:solidFill>
+                        <a:srgbClr val="000000"/>
+                      </a:solidFill>
+                      <a:prstDash val="solid"/>
+                      <a:round/>
+                      <a:headEnd type="none" w="med" len="med"/>
+                      <a:tailEnd type="none" w="med" len="med"/>
+                    </a:lnR>
+                    <a:lnT w="12700" cap="flat" cmpd="sng" algn="ctr">
+                      <a:solidFill>
+                        <a:srgbClr val="000000"/>
+                      </a:solidFill>
+                      <a:prstDash val="solid"/>
+                      <a:round/>
+                      <a:headEnd type="none" w="med" len="med"/>
+                      <a:tailEnd type="none" w="med" len="med"/>
+                    </a:lnT>
+                    <a:lnB w="12700" cap="flat" cmpd="sng" algn="ctr">
+                      <a:solidFill>
+                        <a:srgbClr val="000000"/>
+                      </a:solidFill>
+                      <a:prstDash val="solid"/>
+                      <a:round/>
+                      <a:headEnd type="none" w="med" len="med"/>
+                      <a:tailEnd type="none" w="med" len="med"/>
+                    </a:lnB>
+                    <a:solidFill>
+                      <a:srgbClr val="F2F2F2"/>
+                    </a:solidFill>
+                  </a:tcPr>
+                </a:tc>
+                <a:tc gridSpan="2">
+                  <a:txBody>
+                    <a:bodyPr/>
+                    <a:lstStyle/>
+                    <a:p>
+                      <a:pPr marL="0" marR="0" algn="ctr">
+                        <a:lnSpc>
+                          <a:spcPct val="107000"/>
+                        </a:lnSpc>
+                        <a:spcBef>
+                          <a:spcPts val="0"/>
+                        </a:spcBef>
+                        <a:spcAft>
+                          <a:spcPts val="0"/>
+                        </a:spcAft>
+                      </a:pPr>
+                      <a:r>
+                        <a:rPr lang="en-US" sz="1800" b="1">
+                          <a:effectLst/>
+                          <a:latin typeface="+mn-lt"/>
+                          <a:ea typeface="Calibri" panose="020F0502020204030204" pitchFamily="34" charset="0"/>
+                          <a:cs typeface="Times New Roman" panose="02020603050405020304" pitchFamily="18" charset="0"/>
+                        </a:rPr>
+                        <a:t>Position</a:t>
+                      </a:r>
+                      <a:endParaRPr lang="en-US" sz="1800">
+                        <a:effectLst/>
+                        <a:latin typeface="+mn-lt"/>
+                        <a:ea typeface="Calibri" panose="020F0502020204030204" pitchFamily="34" charset="0"/>
+                        <a:cs typeface="Times New Roman" panose="02020603050405020304" pitchFamily="18" charset="0"/>
+                      </a:endParaRPr>
+                    </a:p>
+                  </a:txBody>
+                  <a:tcPr marL="68580" marR="68580" marT="0" marB="0" anchor="ctr">
+                    <a:lnL w="12700" cap="flat" cmpd="sng" algn="ctr">
+                      <a:solidFill>
+                        <a:srgbClr val="000000"/>
+                      </a:solidFill>
+                      <a:prstDash val="solid"/>
+                      <a:round/>
+                      <a:headEnd type="none" w="med" len="med"/>
+                      <a:tailEnd type="none" w="med" len="med"/>
+                    </a:lnL>
+                    <a:lnR w="12700" cap="flat" cmpd="sng" algn="ctr">
+                      <a:solidFill>
+                        <a:srgbClr val="000000"/>
+                      </a:solidFill>
+                      <a:prstDash val="solid"/>
+                      <a:round/>
+                      <a:headEnd type="none" w="med" len="med"/>
+                      <a:tailEnd type="none" w="med" len="med"/>
+                    </a:lnR>
+                    <a:lnT w="12700" cap="flat" cmpd="sng" algn="ctr">
+                      <a:solidFill>
+                        <a:srgbClr val="000000"/>
+                      </a:solidFill>
+                      <a:prstDash val="solid"/>
+                      <a:round/>
+                      <a:headEnd type="none" w="med" len="med"/>
+                      <a:tailEnd type="none" w="med" len="med"/>
+                    </a:lnT>
+                    <a:lnB w="12700" cap="flat" cmpd="sng" algn="ctr">
+                      <a:solidFill>
+                        <a:srgbClr val="000000"/>
+                      </a:solidFill>
+                      <a:prstDash val="solid"/>
+                      <a:round/>
+                      <a:headEnd type="none" w="med" len="med"/>
+                      <a:tailEnd type="none" w="med" len="med"/>
+                    </a:lnB>
+                    <a:solidFill>
+                      <a:srgbClr val="F2F2F2"/>
+                    </a:solidFill>
+                  </a:tcPr>
+                </a:tc>
+                <a:tc hMerge="1">
+                  <a:txBody>
+                    <a:bodyPr/>
+                    <a:lstStyle/>
+                    <a:p>
+                      <a:endParaRPr lang="en-US"/>
+                    </a:p>
+                  </a:txBody>
+                  <a:tcPr/>
+                </a:tc>
+              </a:tr>
+              <a:tr h="457200">
+                <a:tc vMerge="1">
+                  <a:txBody>
+                    <a:bodyPr/>
+                    <a:lstStyle/>
+                    <a:p>
+                      <a:endParaRPr lang="en-US"/>
+                    </a:p>
+                  </a:txBody>
+                  <a:tcPr/>
+                </a:tc>
+                <a:tc vMerge="1">
+                  <a:txBody>
+                    <a:bodyPr/>
+                    <a:lstStyle/>
+                    <a:p>
+                      <a:endParaRPr lang="en-US"/>
+                    </a:p>
+                  </a:txBody>
+                  <a:tcPr/>
+                </a:tc>
+                <a:tc>
+                  <a:txBody>
+                    <a:bodyPr/>
+                    <a:lstStyle/>
+                    <a:p>
+                      <a:pPr marL="0" marR="0" algn="ctr">
+                        <a:lnSpc>
+                          <a:spcPct val="107000"/>
+                        </a:lnSpc>
+                        <a:spcBef>
+                          <a:spcPts val="0"/>
+                        </a:spcBef>
+                        <a:spcAft>
+                          <a:spcPts val="0"/>
+                        </a:spcAft>
+                      </a:pPr>
+                      <a:r>
+                        <a:rPr lang="en-US" sz="1800" b="1">
+                          <a:effectLst/>
+                          <a:latin typeface="+mn-lt"/>
+                          <a:ea typeface="Calibri" panose="020F0502020204030204" pitchFamily="34" charset="0"/>
+                          <a:cs typeface="Times New Roman" panose="02020603050405020304" pitchFamily="18" charset="0"/>
+                        </a:rPr>
+                        <a:t>3</a:t>
+                      </a:r>
+                      <a:endParaRPr lang="en-US" sz="1800">
+                        <a:effectLst/>
+                        <a:latin typeface="+mn-lt"/>
+                        <a:ea typeface="Calibri" panose="020F0502020204030204" pitchFamily="34" charset="0"/>
+                        <a:cs typeface="Times New Roman" panose="02020603050405020304" pitchFamily="18" charset="0"/>
+                      </a:endParaRPr>
+                    </a:p>
+                  </a:txBody>
+                  <a:tcPr marL="68580" marR="68580" marT="0" marB="0" anchor="ctr">
+                    <a:lnL w="12700" cap="flat" cmpd="sng" algn="ctr">
+                      <a:solidFill>
+                        <a:srgbClr val="000000"/>
+                      </a:solidFill>
+                      <a:prstDash val="solid"/>
+                      <a:round/>
+                      <a:headEnd type="none" w="med" len="med"/>
+                      <a:tailEnd type="none" w="med" len="med"/>
+                    </a:lnL>
+                    <a:lnR w="12700" cap="flat" cmpd="sng" algn="ctr">
+                      <a:solidFill>
+                        <a:srgbClr val="000000"/>
+                      </a:solidFill>
+                      <a:prstDash val="solid"/>
+                      <a:round/>
+                      <a:headEnd type="none" w="med" len="med"/>
+                      <a:tailEnd type="none" w="med" len="med"/>
+                    </a:lnR>
+                    <a:lnT w="12700" cap="flat" cmpd="sng" algn="ctr">
+                      <a:solidFill>
+                        <a:srgbClr val="000000"/>
+                      </a:solidFill>
+                      <a:prstDash val="solid"/>
+                      <a:round/>
+                      <a:headEnd type="none" w="med" len="med"/>
+                      <a:tailEnd type="none" w="med" len="med"/>
+                    </a:lnT>
+                    <a:lnB w="12700" cap="flat" cmpd="sng" algn="ctr">
+                      <a:solidFill>
+                        <a:srgbClr val="000000"/>
+                      </a:solidFill>
+                      <a:prstDash val="solid"/>
+                      <a:round/>
+                      <a:headEnd type="none" w="med" len="med"/>
+                      <a:tailEnd type="none" w="med" len="med"/>
+                    </a:lnB>
+                    <a:solidFill>
+                      <a:srgbClr val="F2F2F2"/>
+                    </a:solidFill>
+                  </a:tcPr>
+                </a:tc>
+                <a:tc>
+                  <a:txBody>
+                    <a:bodyPr/>
+                    <a:lstStyle/>
+                    <a:p>
+                      <a:pPr marL="0" marR="0" algn="ctr">
+                        <a:lnSpc>
+                          <a:spcPct val="107000"/>
+                        </a:lnSpc>
+                        <a:spcBef>
+                          <a:spcPts val="0"/>
+                        </a:spcBef>
+                        <a:spcAft>
+                          <a:spcPts val="0"/>
+                        </a:spcAft>
+                      </a:pPr>
+                      <a:r>
+                        <a:rPr lang="en-US" sz="1800" b="1">
+                          <a:effectLst/>
+                          <a:latin typeface="+mn-lt"/>
+                          <a:ea typeface="Calibri" panose="020F0502020204030204" pitchFamily="34" charset="0"/>
+                          <a:cs typeface="Times New Roman" panose="02020603050405020304" pitchFamily="18" charset="0"/>
+                        </a:rPr>
+                        <a:t>3 Adjusted</a:t>
+                      </a:r>
+                      <a:endParaRPr lang="en-US" sz="1800">
+                        <a:effectLst/>
+                        <a:latin typeface="+mn-lt"/>
+                        <a:ea typeface="Calibri" panose="020F0502020204030204" pitchFamily="34" charset="0"/>
+                        <a:cs typeface="Times New Roman" panose="02020603050405020304" pitchFamily="18" charset="0"/>
+                      </a:endParaRPr>
+                    </a:p>
+                  </a:txBody>
+                  <a:tcPr marL="68580" marR="68580" marT="0" marB="0" anchor="ctr">
+                    <a:lnL w="12700" cap="flat" cmpd="sng" algn="ctr">
+                      <a:solidFill>
+                        <a:srgbClr val="000000"/>
+                      </a:solidFill>
+                      <a:prstDash val="solid"/>
+                      <a:round/>
+                      <a:headEnd type="none" w="med" len="med"/>
+                      <a:tailEnd type="none" w="med" len="med"/>
+                    </a:lnL>
+                    <a:lnR w="12700" cap="flat" cmpd="sng" algn="ctr">
+                      <a:solidFill>
+                        <a:srgbClr val="000000"/>
+                      </a:solidFill>
+                      <a:prstDash val="solid"/>
+                      <a:round/>
+                      <a:headEnd type="none" w="med" len="med"/>
+                      <a:tailEnd type="none" w="med" len="med"/>
+                    </a:lnR>
+                    <a:lnT w="12700" cap="flat" cmpd="sng" algn="ctr">
+                      <a:solidFill>
+                        <a:srgbClr val="000000"/>
+                      </a:solidFill>
+                      <a:prstDash val="solid"/>
+                      <a:round/>
+                      <a:headEnd type="none" w="med" len="med"/>
+                      <a:tailEnd type="none" w="med" len="med"/>
+                    </a:lnT>
+                    <a:lnB w="12700" cap="flat" cmpd="sng" algn="ctr">
+                      <a:solidFill>
+                        <a:srgbClr val="000000"/>
+                      </a:solidFill>
+                      <a:prstDash val="solid"/>
+                      <a:round/>
+                      <a:headEnd type="none" w="med" len="med"/>
+                      <a:tailEnd type="none" w="med" len="med"/>
+                    </a:lnB>
+                    <a:solidFill>
+                      <a:srgbClr val="F2F2F2"/>
+                    </a:solidFill>
+                  </a:tcPr>
+                </a:tc>
+              </a:tr>
+              <a:tr h="457200">
+                <a:tc>
+                  <a:txBody>
+                    <a:bodyPr/>
+                    <a:lstStyle/>
+                    <a:p>
+                      <a:pPr marL="0" marR="0">
+                        <a:lnSpc>
+                          <a:spcPct val="107000"/>
+                        </a:lnSpc>
+                        <a:spcBef>
+                          <a:spcPts val="0"/>
+                        </a:spcBef>
+                        <a:spcAft>
+                          <a:spcPts val="0"/>
+                        </a:spcAft>
+                      </a:pPr>
+                      <a:r>
+                        <a:rPr lang="en-US" sz="1800" dirty="0">
+                          <a:effectLst/>
+                          <a:latin typeface="+mn-lt"/>
+                          <a:ea typeface="Calibri" panose="020F0502020204030204" pitchFamily="34" charset="0"/>
+                          <a:cs typeface="Times New Roman" panose="02020603050405020304" pitchFamily="18" charset="0"/>
+                        </a:rPr>
+                        <a:t>Outer Top Deadlayer [cm]</a:t>
+                      </a:r>
+                    </a:p>
+                  </a:txBody>
+                  <a:tcPr marL="68580" marR="68580" marT="0" marB="0">
+                    <a:lnL w="12700" cap="flat" cmpd="sng" algn="ctr">
+                      <a:solidFill>
+                        <a:srgbClr val="000000"/>
+                      </a:solidFill>
+                      <a:prstDash val="solid"/>
+                      <a:round/>
+                      <a:headEnd type="none" w="med" len="med"/>
+                      <a:tailEnd type="none" w="med" len="med"/>
+                    </a:lnL>
+                    <a:lnR w="12700" cap="flat" cmpd="sng" algn="ctr">
+                      <a:solidFill>
+                        <a:srgbClr val="000000"/>
+                      </a:solidFill>
+                      <a:prstDash val="solid"/>
+                      <a:round/>
+                      <a:headEnd type="none" w="med" len="med"/>
+                      <a:tailEnd type="none" w="med" len="med"/>
+                    </a:lnR>
+                    <a:lnT w="12700" cap="flat" cmpd="sng" algn="ctr">
+                      <a:solidFill>
+                        <a:srgbClr val="000000"/>
+                      </a:solidFill>
+                      <a:prstDash val="solid"/>
+                      <a:round/>
+                      <a:headEnd type="none" w="med" len="med"/>
+                      <a:tailEnd type="none" w="med" len="med"/>
+                    </a:lnT>
+                    <a:lnB w="12700" cap="flat" cmpd="sng" algn="ctr">
+                      <a:solidFill>
+                        <a:srgbClr val="000000"/>
+                      </a:solidFill>
+                      <a:prstDash val="solid"/>
+                      <a:round/>
+                      <a:headEnd type="none" w="med" len="med"/>
+                      <a:tailEnd type="none" w="med" len="med"/>
+                    </a:lnB>
+                  </a:tcPr>
+                </a:tc>
+                <a:tc>
+                  <a:txBody>
+                    <a:bodyPr/>
+                    <a:lstStyle/>
+                    <a:p>
+                      <a:pPr marL="0" marR="0" algn="ctr">
+                        <a:lnSpc>
+                          <a:spcPct val="107000"/>
+                        </a:lnSpc>
+                        <a:spcBef>
+                          <a:spcPts val="0"/>
+                        </a:spcBef>
+                        <a:spcAft>
+                          <a:spcPts val="0"/>
+                        </a:spcAft>
+                      </a:pPr>
+                      <a:r>
+                        <a:rPr lang="en-US" sz="1800" dirty="0">
+                          <a:effectLst/>
+                          <a:latin typeface="+mn-lt"/>
+                          <a:ea typeface="Calibri" panose="020F0502020204030204" pitchFamily="34" charset="0"/>
+                          <a:cs typeface="Times New Roman" panose="02020603050405020304" pitchFamily="18" charset="0"/>
+                        </a:rPr>
+                        <a:t>0.13</a:t>
+                      </a:r>
+                    </a:p>
+                  </a:txBody>
+                  <a:tcPr marL="68580" marR="68580" marT="0" marB="0" anchor="ctr">
+                    <a:lnL w="12700" cap="flat" cmpd="sng" algn="ctr">
+                      <a:solidFill>
+                        <a:srgbClr val="000000"/>
+                      </a:solidFill>
+                      <a:prstDash val="solid"/>
+                      <a:round/>
+                      <a:headEnd type="none" w="med" len="med"/>
+                      <a:tailEnd type="none" w="med" len="med"/>
+                    </a:lnL>
+                    <a:lnR w="12700" cap="flat" cmpd="sng" algn="ctr">
+                      <a:solidFill>
+                        <a:srgbClr val="000000"/>
+                      </a:solidFill>
+                      <a:prstDash val="solid"/>
+                      <a:round/>
+                      <a:headEnd type="none" w="med" len="med"/>
+                      <a:tailEnd type="none" w="med" len="med"/>
+                    </a:lnR>
+                    <a:lnT w="12700" cap="flat" cmpd="sng" algn="ctr">
+                      <a:solidFill>
+                        <a:srgbClr val="000000"/>
+                      </a:solidFill>
+                      <a:prstDash val="solid"/>
+                      <a:round/>
+                      <a:headEnd type="none" w="med" len="med"/>
+                      <a:tailEnd type="none" w="med" len="med"/>
+                    </a:lnT>
+                    <a:lnB w="12700" cap="flat" cmpd="sng" algn="ctr">
+                      <a:solidFill>
+                        <a:srgbClr val="000000"/>
+                      </a:solidFill>
+                      <a:prstDash val="solid"/>
+                      <a:round/>
+                      <a:headEnd type="none" w="med" len="med"/>
+                      <a:tailEnd type="none" w="med" len="med"/>
+                    </a:lnB>
+                  </a:tcPr>
+                </a:tc>
+                <a:tc>
+                  <a:txBody>
+                    <a:bodyPr/>
+                    <a:lstStyle/>
+                    <a:p>
+                      <a:pPr marL="0" marR="0" algn="ctr">
+                        <a:lnSpc>
+                          <a:spcPct val="107000"/>
+                        </a:lnSpc>
+                        <a:spcBef>
+                          <a:spcPts val="0"/>
+                        </a:spcBef>
+                        <a:spcAft>
+                          <a:spcPts val="0"/>
+                        </a:spcAft>
+                      </a:pPr>
+                      <a:r>
+                        <a:rPr lang="en-US" sz="1800">
+                          <a:effectLst/>
+                          <a:latin typeface="+mn-lt"/>
+                          <a:ea typeface="Calibri" panose="020F0502020204030204" pitchFamily="34" charset="0"/>
+                          <a:cs typeface="Times New Roman" panose="02020603050405020304" pitchFamily="18" charset="0"/>
+                        </a:rPr>
+                        <a:t>0.73899</a:t>
+                      </a:r>
+                    </a:p>
+                  </a:txBody>
+                  <a:tcPr marL="68580" marR="68580" marT="0" marB="0" anchor="ctr">
+                    <a:lnL w="12700" cap="flat" cmpd="sng" algn="ctr">
+                      <a:solidFill>
+                        <a:srgbClr val="000000"/>
+                      </a:solidFill>
+                      <a:prstDash val="solid"/>
+                      <a:round/>
+                      <a:headEnd type="none" w="med" len="med"/>
+                      <a:tailEnd type="none" w="med" len="med"/>
+                    </a:lnL>
+                    <a:lnR w="12700" cap="flat" cmpd="sng" algn="ctr">
+                      <a:solidFill>
+                        <a:srgbClr val="000000"/>
+                      </a:solidFill>
+                      <a:prstDash val="solid"/>
+                      <a:round/>
+                      <a:headEnd type="none" w="med" len="med"/>
+                      <a:tailEnd type="none" w="med" len="med"/>
+                    </a:lnR>
+                    <a:lnT w="12700" cap="flat" cmpd="sng" algn="ctr">
+                      <a:solidFill>
+                        <a:srgbClr val="000000"/>
+                      </a:solidFill>
+                      <a:prstDash val="solid"/>
+                      <a:round/>
+                      <a:headEnd type="none" w="med" len="med"/>
+                      <a:tailEnd type="none" w="med" len="med"/>
+                    </a:lnT>
+                    <a:lnB w="12700" cap="flat" cmpd="sng" algn="ctr">
+                      <a:solidFill>
+                        <a:srgbClr val="000000"/>
+                      </a:solidFill>
+                      <a:prstDash val="solid"/>
+                      <a:round/>
+                      <a:headEnd type="none" w="med" len="med"/>
+                      <a:tailEnd type="none" w="med" len="med"/>
+                    </a:lnB>
+                  </a:tcPr>
+                </a:tc>
+                <a:tc>
+                  <a:txBody>
+                    <a:bodyPr/>
+                    <a:lstStyle/>
+                    <a:p>
+                      <a:pPr marL="0" marR="0" algn="ctr">
+                        <a:lnSpc>
+                          <a:spcPct val="107000"/>
+                        </a:lnSpc>
+                        <a:spcBef>
+                          <a:spcPts val="0"/>
+                        </a:spcBef>
+                        <a:spcAft>
+                          <a:spcPts val="0"/>
+                        </a:spcAft>
+                      </a:pPr>
+                      <a:r>
+                        <a:rPr lang="en-US" sz="1800">
+                          <a:solidFill>
+                            <a:srgbClr val="00B050"/>
+                          </a:solidFill>
+                          <a:effectLst/>
+                          <a:latin typeface="+mn-lt"/>
+                          <a:ea typeface="Calibri" panose="020F0502020204030204" pitchFamily="34" charset="0"/>
+                          <a:cs typeface="Times New Roman" panose="02020603050405020304" pitchFamily="18" charset="0"/>
+                        </a:rPr>
+                        <a:t>0.97535</a:t>
+                      </a:r>
+                      <a:endParaRPr lang="en-US" sz="1800">
+                        <a:effectLst/>
+                        <a:latin typeface="+mn-lt"/>
+                        <a:ea typeface="Calibri" panose="020F0502020204030204" pitchFamily="34" charset="0"/>
+                        <a:cs typeface="Times New Roman" panose="02020603050405020304" pitchFamily="18" charset="0"/>
+                      </a:endParaRPr>
+                    </a:p>
+                  </a:txBody>
+                  <a:tcPr marL="68580" marR="68580" marT="0" marB="0" anchor="ctr">
+                    <a:lnL w="12700" cap="flat" cmpd="sng" algn="ctr">
+                      <a:solidFill>
+                        <a:srgbClr val="000000"/>
+                      </a:solidFill>
+                      <a:prstDash val="solid"/>
+                      <a:round/>
+                      <a:headEnd type="none" w="med" len="med"/>
+                      <a:tailEnd type="none" w="med" len="med"/>
+                    </a:lnL>
+                    <a:lnR w="12700" cap="flat" cmpd="sng" algn="ctr">
+                      <a:solidFill>
+                        <a:srgbClr val="000000"/>
+                      </a:solidFill>
+                      <a:prstDash val="solid"/>
+                      <a:round/>
+                      <a:headEnd type="none" w="med" len="med"/>
+                      <a:tailEnd type="none" w="med" len="med"/>
+                    </a:lnR>
+                    <a:lnT w="12700" cap="flat" cmpd="sng" algn="ctr">
+                      <a:solidFill>
+                        <a:srgbClr val="000000"/>
+                      </a:solidFill>
+                      <a:prstDash val="solid"/>
+                      <a:round/>
+                      <a:headEnd type="none" w="med" len="med"/>
+                      <a:tailEnd type="none" w="med" len="med"/>
+                    </a:lnT>
+                    <a:lnB w="12700" cap="flat" cmpd="sng" algn="ctr">
+                      <a:solidFill>
+                        <a:srgbClr val="000000"/>
+                      </a:solidFill>
+                      <a:prstDash val="solid"/>
+                      <a:round/>
+                      <a:headEnd type="none" w="med" len="med"/>
+                      <a:tailEnd type="none" w="med" len="med"/>
+                    </a:lnB>
+                  </a:tcPr>
+                </a:tc>
+              </a:tr>
+              <a:tr h="457200">
+                <a:tc>
+                  <a:txBody>
+                    <a:bodyPr/>
+                    <a:lstStyle/>
+                    <a:p>
+                      <a:pPr marL="0" marR="0">
+                        <a:lnSpc>
+                          <a:spcPct val="107000"/>
+                        </a:lnSpc>
+                        <a:spcBef>
+                          <a:spcPts val="0"/>
+                        </a:spcBef>
+                        <a:spcAft>
+                          <a:spcPts val="0"/>
+                        </a:spcAft>
+                      </a:pPr>
+                      <a:r>
+                        <a:rPr lang="en-US" sz="1800">
+                          <a:effectLst/>
+                          <a:latin typeface="+mn-lt"/>
+                          <a:ea typeface="Calibri" panose="020F0502020204030204" pitchFamily="34" charset="0"/>
+                          <a:cs typeface="Times New Roman" panose="02020603050405020304" pitchFamily="18" charset="0"/>
+                        </a:rPr>
+                        <a:t>Outer Sides Deadlayer [cm]</a:t>
+                      </a:r>
+                    </a:p>
+                  </a:txBody>
+                  <a:tcPr marL="68580" marR="68580" marT="0" marB="0">
+                    <a:lnL w="12700" cap="flat" cmpd="sng" algn="ctr">
+                      <a:solidFill>
+                        <a:srgbClr val="000000"/>
+                      </a:solidFill>
+                      <a:prstDash val="solid"/>
+                      <a:round/>
+                      <a:headEnd type="none" w="med" len="med"/>
+                      <a:tailEnd type="none" w="med" len="med"/>
+                    </a:lnL>
+                    <a:lnR w="12700" cap="flat" cmpd="sng" algn="ctr">
+                      <a:solidFill>
+                        <a:srgbClr val="000000"/>
+                      </a:solidFill>
+                      <a:prstDash val="solid"/>
+                      <a:round/>
+                      <a:headEnd type="none" w="med" len="med"/>
+                      <a:tailEnd type="none" w="med" len="med"/>
+                    </a:lnR>
+                    <a:lnT w="12700" cap="flat" cmpd="sng" algn="ctr">
+                      <a:solidFill>
+                        <a:srgbClr val="000000"/>
+                      </a:solidFill>
+                      <a:prstDash val="solid"/>
+                      <a:round/>
+                      <a:headEnd type="none" w="med" len="med"/>
+                      <a:tailEnd type="none" w="med" len="med"/>
+                    </a:lnT>
+                    <a:lnB w="12700" cap="flat" cmpd="sng" algn="ctr">
+                      <a:solidFill>
+                        <a:srgbClr val="000000"/>
+                      </a:solidFill>
+                      <a:prstDash val="solid"/>
+                      <a:round/>
+                      <a:headEnd type="none" w="med" len="med"/>
+                      <a:tailEnd type="none" w="med" len="med"/>
+                    </a:lnB>
+                  </a:tcPr>
+                </a:tc>
+                <a:tc>
+                  <a:txBody>
+                    <a:bodyPr/>
+                    <a:lstStyle/>
+                    <a:p>
+                      <a:pPr marL="0" marR="0" algn="ctr">
+                        <a:lnSpc>
+                          <a:spcPct val="107000"/>
+                        </a:lnSpc>
+                        <a:spcBef>
+                          <a:spcPts val="0"/>
+                        </a:spcBef>
+                        <a:spcAft>
+                          <a:spcPts val="0"/>
+                        </a:spcAft>
+                      </a:pPr>
+                      <a:r>
+                        <a:rPr lang="en-US" sz="1800" dirty="0">
+                          <a:effectLst/>
+                          <a:latin typeface="+mn-lt"/>
+                          <a:ea typeface="Calibri" panose="020F0502020204030204" pitchFamily="34" charset="0"/>
+                          <a:cs typeface="Times New Roman" panose="02020603050405020304" pitchFamily="18" charset="0"/>
+                        </a:rPr>
+                        <a:t>0.13</a:t>
+                      </a:r>
+                    </a:p>
+                  </a:txBody>
+                  <a:tcPr marL="68580" marR="68580" marT="0" marB="0" anchor="ctr">
+                    <a:lnL w="12700" cap="flat" cmpd="sng" algn="ctr">
+                      <a:solidFill>
+                        <a:srgbClr val="000000"/>
+                      </a:solidFill>
+                      <a:prstDash val="solid"/>
+                      <a:round/>
+                      <a:headEnd type="none" w="med" len="med"/>
+                      <a:tailEnd type="none" w="med" len="med"/>
+                    </a:lnL>
+                    <a:lnR w="12700" cap="flat" cmpd="sng" algn="ctr">
+                      <a:solidFill>
+                        <a:srgbClr val="000000"/>
+                      </a:solidFill>
+                      <a:prstDash val="solid"/>
+                      <a:round/>
+                      <a:headEnd type="none" w="med" len="med"/>
+                      <a:tailEnd type="none" w="med" len="med"/>
+                    </a:lnR>
+                    <a:lnT w="12700" cap="flat" cmpd="sng" algn="ctr">
+                      <a:solidFill>
+                        <a:srgbClr val="000000"/>
+                      </a:solidFill>
+                      <a:prstDash val="solid"/>
+                      <a:round/>
+                      <a:headEnd type="none" w="med" len="med"/>
+                      <a:tailEnd type="none" w="med" len="med"/>
+                    </a:lnT>
+                    <a:lnB w="12700" cap="flat" cmpd="sng" algn="ctr">
+                      <a:solidFill>
+                        <a:srgbClr val="000000"/>
+                      </a:solidFill>
+                      <a:prstDash val="solid"/>
+                      <a:round/>
+                      <a:headEnd type="none" w="med" len="med"/>
+                      <a:tailEnd type="none" w="med" len="med"/>
+                    </a:lnB>
+                  </a:tcPr>
+                </a:tc>
+                <a:tc>
+                  <a:txBody>
+                    <a:bodyPr/>
+                    <a:lstStyle/>
+                    <a:p>
+                      <a:pPr marL="0" marR="0" algn="ctr">
+                        <a:lnSpc>
+                          <a:spcPct val="107000"/>
+                        </a:lnSpc>
+                        <a:spcBef>
+                          <a:spcPts val="0"/>
+                        </a:spcBef>
+                        <a:spcAft>
+                          <a:spcPts val="0"/>
+                        </a:spcAft>
+                      </a:pPr>
+                      <a:r>
+                        <a:rPr lang="en-US" sz="1800">
+                          <a:effectLst/>
+                          <a:latin typeface="+mn-lt"/>
+                          <a:ea typeface="Calibri" panose="020F0502020204030204" pitchFamily="34" charset="0"/>
+                          <a:cs typeface="Times New Roman" panose="02020603050405020304" pitchFamily="18" charset="0"/>
+                        </a:rPr>
+                        <a:t>0.23</a:t>
+                      </a:r>
+                    </a:p>
+                  </a:txBody>
+                  <a:tcPr marL="68580" marR="68580" marT="0" marB="0" anchor="ctr">
+                    <a:lnL w="12700" cap="flat" cmpd="sng" algn="ctr">
+                      <a:solidFill>
+                        <a:srgbClr val="000000"/>
+                      </a:solidFill>
+                      <a:prstDash val="solid"/>
+                      <a:round/>
+                      <a:headEnd type="none" w="med" len="med"/>
+                      <a:tailEnd type="none" w="med" len="med"/>
+                    </a:lnL>
+                    <a:lnR w="12700" cap="flat" cmpd="sng" algn="ctr">
+                      <a:solidFill>
+                        <a:srgbClr val="000000"/>
+                      </a:solidFill>
+                      <a:prstDash val="solid"/>
+                      <a:round/>
+                      <a:headEnd type="none" w="med" len="med"/>
+                      <a:tailEnd type="none" w="med" len="med"/>
+                    </a:lnR>
+                    <a:lnT w="12700" cap="flat" cmpd="sng" algn="ctr">
+                      <a:solidFill>
+                        <a:srgbClr val="000000"/>
+                      </a:solidFill>
+                      <a:prstDash val="solid"/>
+                      <a:round/>
+                      <a:headEnd type="none" w="med" len="med"/>
+                      <a:tailEnd type="none" w="med" len="med"/>
+                    </a:lnT>
+                    <a:lnB w="12700" cap="flat" cmpd="sng" algn="ctr">
+                      <a:solidFill>
+                        <a:srgbClr val="000000"/>
+                      </a:solidFill>
+                      <a:prstDash val="solid"/>
+                      <a:round/>
+                      <a:headEnd type="none" w="med" len="med"/>
+                      <a:tailEnd type="none" w="med" len="med"/>
+                    </a:lnB>
+                  </a:tcPr>
+                </a:tc>
+                <a:tc>
+                  <a:txBody>
+                    <a:bodyPr/>
+                    <a:lstStyle/>
+                    <a:p>
+                      <a:pPr marL="0" marR="0" algn="ctr">
+                        <a:lnSpc>
+                          <a:spcPct val="107000"/>
+                        </a:lnSpc>
+                        <a:spcBef>
+                          <a:spcPts val="0"/>
+                        </a:spcBef>
+                        <a:spcAft>
+                          <a:spcPts val="0"/>
+                        </a:spcAft>
+                      </a:pPr>
+                      <a:r>
+                        <a:rPr lang="en-US" sz="1800">
+                          <a:solidFill>
+                            <a:srgbClr val="C00000"/>
+                          </a:solidFill>
+                          <a:effectLst/>
+                          <a:latin typeface="+mn-lt"/>
+                          <a:ea typeface="Calibri" panose="020F0502020204030204" pitchFamily="34" charset="0"/>
+                          <a:cs typeface="Times New Roman" panose="02020603050405020304" pitchFamily="18" charset="0"/>
+                        </a:rPr>
+                        <a:t>0.13</a:t>
+                      </a:r>
+                      <a:endParaRPr lang="en-US" sz="1800">
+                        <a:effectLst/>
+                        <a:latin typeface="+mn-lt"/>
+                        <a:ea typeface="Calibri" panose="020F0502020204030204" pitchFamily="34" charset="0"/>
+                        <a:cs typeface="Times New Roman" panose="02020603050405020304" pitchFamily="18" charset="0"/>
+                      </a:endParaRPr>
+                    </a:p>
+                  </a:txBody>
+                  <a:tcPr marL="68580" marR="68580" marT="0" marB="0" anchor="ctr">
+                    <a:lnL w="12700" cap="flat" cmpd="sng" algn="ctr">
+                      <a:solidFill>
+                        <a:srgbClr val="000000"/>
+                      </a:solidFill>
+                      <a:prstDash val="solid"/>
+                      <a:round/>
+                      <a:headEnd type="none" w="med" len="med"/>
+                      <a:tailEnd type="none" w="med" len="med"/>
+                    </a:lnL>
+                    <a:lnR w="12700" cap="flat" cmpd="sng" algn="ctr">
+                      <a:solidFill>
+                        <a:srgbClr val="000000"/>
+                      </a:solidFill>
+                      <a:prstDash val="solid"/>
+                      <a:round/>
+                      <a:headEnd type="none" w="med" len="med"/>
+                      <a:tailEnd type="none" w="med" len="med"/>
+                    </a:lnR>
+                    <a:lnT w="12700" cap="flat" cmpd="sng" algn="ctr">
+                      <a:solidFill>
+                        <a:srgbClr val="000000"/>
+                      </a:solidFill>
+                      <a:prstDash val="solid"/>
+                      <a:round/>
+                      <a:headEnd type="none" w="med" len="med"/>
+                      <a:tailEnd type="none" w="med" len="med"/>
+                    </a:lnT>
+                    <a:lnB w="12700" cap="flat" cmpd="sng" algn="ctr">
+                      <a:solidFill>
+                        <a:srgbClr val="000000"/>
+                      </a:solidFill>
+                      <a:prstDash val="solid"/>
+                      <a:round/>
+                      <a:headEnd type="none" w="med" len="med"/>
+                      <a:tailEnd type="none" w="med" len="med"/>
+                    </a:lnB>
+                  </a:tcPr>
+                </a:tc>
+              </a:tr>
+              <a:tr h="457200">
+                <a:tc>
+                  <a:txBody>
+                    <a:bodyPr/>
+                    <a:lstStyle/>
+                    <a:p>
+                      <a:pPr marL="0" marR="0">
+                        <a:lnSpc>
+                          <a:spcPct val="107000"/>
+                        </a:lnSpc>
+                        <a:spcBef>
+                          <a:spcPts val="0"/>
+                        </a:spcBef>
+                        <a:spcAft>
+                          <a:spcPts val="0"/>
+                        </a:spcAft>
+                      </a:pPr>
+                      <a:r>
+                        <a:rPr lang="en-US" sz="1800">
+                          <a:effectLst/>
+                          <a:latin typeface="+mn-lt"/>
+                          <a:ea typeface="Calibri" panose="020F0502020204030204" pitchFamily="34" charset="0"/>
+                          <a:cs typeface="Times New Roman" panose="02020603050405020304" pitchFamily="18" charset="0"/>
+                        </a:rPr>
+                        <a:t>Ge Crystal Length [cm]</a:t>
+                      </a:r>
+                    </a:p>
+                  </a:txBody>
+                  <a:tcPr marL="68580" marR="68580" marT="0" marB="0">
+                    <a:lnL w="12700" cap="flat" cmpd="sng" algn="ctr">
+                      <a:solidFill>
+                        <a:srgbClr val="000000"/>
+                      </a:solidFill>
+                      <a:prstDash val="solid"/>
+                      <a:round/>
+                      <a:headEnd type="none" w="med" len="med"/>
+                      <a:tailEnd type="none" w="med" len="med"/>
+                    </a:lnL>
+                    <a:lnR w="12700" cap="flat" cmpd="sng" algn="ctr">
+                      <a:solidFill>
+                        <a:srgbClr val="000000"/>
+                      </a:solidFill>
+                      <a:prstDash val="solid"/>
+                      <a:round/>
+                      <a:headEnd type="none" w="med" len="med"/>
+                      <a:tailEnd type="none" w="med" len="med"/>
+                    </a:lnR>
+                    <a:lnT w="12700" cap="flat" cmpd="sng" algn="ctr">
+                      <a:solidFill>
+                        <a:srgbClr val="000000"/>
+                      </a:solidFill>
+                      <a:prstDash val="solid"/>
+                      <a:round/>
+                      <a:headEnd type="none" w="med" len="med"/>
+                      <a:tailEnd type="none" w="med" len="med"/>
+                    </a:lnT>
+                    <a:lnB w="12700" cap="flat" cmpd="sng" algn="ctr">
+                      <a:solidFill>
+                        <a:srgbClr val="000000"/>
+                      </a:solidFill>
+                      <a:prstDash val="solid"/>
+                      <a:round/>
+                      <a:headEnd type="none" w="med" len="med"/>
+                      <a:tailEnd type="none" w="med" len="med"/>
+                    </a:lnB>
+                  </a:tcPr>
+                </a:tc>
+                <a:tc>
+                  <a:txBody>
+                    <a:bodyPr/>
+                    <a:lstStyle/>
+                    <a:p>
+                      <a:pPr marL="0" marR="0" algn="ctr">
+                        <a:lnSpc>
+                          <a:spcPct val="107000"/>
+                        </a:lnSpc>
+                        <a:spcBef>
+                          <a:spcPts val="0"/>
+                        </a:spcBef>
+                        <a:spcAft>
+                          <a:spcPts val="0"/>
+                        </a:spcAft>
+                      </a:pPr>
+                      <a:r>
+                        <a:rPr lang="en-US" sz="1800" dirty="0">
+                          <a:effectLst/>
+                          <a:latin typeface="+mn-lt"/>
+                          <a:ea typeface="Calibri" panose="020F0502020204030204" pitchFamily="34" charset="0"/>
+                          <a:cs typeface="Times New Roman" panose="02020603050405020304" pitchFamily="18" charset="0"/>
+                        </a:rPr>
+                        <a:t>8.32</a:t>
+                      </a:r>
+                    </a:p>
+                  </a:txBody>
+                  <a:tcPr marL="68580" marR="68580" marT="0" marB="0" anchor="ctr">
+                    <a:lnL w="12700" cap="flat" cmpd="sng" algn="ctr">
+                      <a:solidFill>
+                        <a:srgbClr val="000000"/>
+                      </a:solidFill>
+                      <a:prstDash val="solid"/>
+                      <a:round/>
+                      <a:headEnd type="none" w="med" len="med"/>
+                      <a:tailEnd type="none" w="med" len="med"/>
+                    </a:lnL>
+                    <a:lnR w="12700" cap="flat" cmpd="sng" algn="ctr">
+                      <a:solidFill>
+                        <a:srgbClr val="000000"/>
+                      </a:solidFill>
+                      <a:prstDash val="solid"/>
+                      <a:round/>
+                      <a:headEnd type="none" w="med" len="med"/>
+                      <a:tailEnd type="none" w="med" len="med"/>
+                    </a:lnR>
+                    <a:lnT w="12700" cap="flat" cmpd="sng" algn="ctr">
+                      <a:solidFill>
+                        <a:srgbClr val="000000"/>
+                      </a:solidFill>
+                      <a:prstDash val="solid"/>
+                      <a:round/>
+                      <a:headEnd type="none" w="med" len="med"/>
+                      <a:tailEnd type="none" w="med" len="med"/>
+                    </a:lnT>
+                    <a:lnB w="12700" cap="flat" cmpd="sng" algn="ctr">
+                      <a:solidFill>
+                        <a:srgbClr val="000000"/>
+                      </a:solidFill>
+                      <a:prstDash val="solid"/>
+                      <a:round/>
+                      <a:headEnd type="none" w="med" len="med"/>
+                      <a:tailEnd type="none" w="med" len="med"/>
+                    </a:lnB>
+                  </a:tcPr>
+                </a:tc>
+                <a:tc>
+                  <a:txBody>
+                    <a:bodyPr/>
+                    <a:lstStyle/>
+                    <a:p>
+                      <a:pPr marL="0" marR="0" algn="ctr">
+                        <a:lnSpc>
+                          <a:spcPct val="107000"/>
+                        </a:lnSpc>
+                        <a:spcBef>
+                          <a:spcPts val="0"/>
+                        </a:spcBef>
+                        <a:spcAft>
+                          <a:spcPts val="0"/>
+                        </a:spcAft>
+                      </a:pPr>
+                      <a:r>
+                        <a:rPr lang="en-US" sz="1800">
+                          <a:effectLst/>
+                          <a:latin typeface="+mn-lt"/>
+                          <a:ea typeface="Calibri" panose="020F0502020204030204" pitchFamily="34" charset="0"/>
+                          <a:cs typeface="Times New Roman" panose="02020603050405020304" pitchFamily="18" charset="0"/>
+                        </a:rPr>
+                        <a:t>7.47499</a:t>
+                      </a:r>
+                    </a:p>
+                  </a:txBody>
+                  <a:tcPr marL="68580" marR="68580" marT="0" marB="0" anchor="ctr">
+                    <a:lnL w="12700" cap="flat" cmpd="sng" algn="ctr">
+                      <a:solidFill>
+                        <a:srgbClr val="000000"/>
+                      </a:solidFill>
+                      <a:prstDash val="solid"/>
+                      <a:round/>
+                      <a:headEnd type="none" w="med" len="med"/>
+                      <a:tailEnd type="none" w="med" len="med"/>
+                    </a:lnL>
+                    <a:lnR w="12700" cap="flat" cmpd="sng" algn="ctr">
+                      <a:solidFill>
+                        <a:srgbClr val="000000"/>
+                      </a:solidFill>
+                      <a:prstDash val="solid"/>
+                      <a:round/>
+                      <a:headEnd type="none" w="med" len="med"/>
+                      <a:tailEnd type="none" w="med" len="med"/>
+                    </a:lnR>
+                    <a:lnT w="12700" cap="flat" cmpd="sng" algn="ctr">
+                      <a:solidFill>
+                        <a:srgbClr val="000000"/>
+                      </a:solidFill>
+                      <a:prstDash val="solid"/>
+                      <a:round/>
+                      <a:headEnd type="none" w="med" len="med"/>
+                      <a:tailEnd type="none" w="med" len="med"/>
+                    </a:lnT>
+                    <a:lnB w="12700" cap="flat" cmpd="sng" algn="ctr">
+                      <a:solidFill>
+                        <a:srgbClr val="000000"/>
+                      </a:solidFill>
+                      <a:prstDash val="solid"/>
+                      <a:round/>
+                      <a:headEnd type="none" w="med" len="med"/>
+                      <a:tailEnd type="none" w="med" len="med"/>
+                    </a:lnB>
+                  </a:tcPr>
+                </a:tc>
+                <a:tc>
+                  <a:txBody>
+                    <a:bodyPr/>
+                    <a:lstStyle/>
+                    <a:p>
+                      <a:pPr marL="0" marR="0" algn="ctr">
+                        <a:lnSpc>
+                          <a:spcPct val="107000"/>
+                        </a:lnSpc>
+                        <a:spcBef>
+                          <a:spcPts val="0"/>
+                        </a:spcBef>
+                        <a:spcAft>
+                          <a:spcPts val="0"/>
+                        </a:spcAft>
+                      </a:pPr>
+                      <a:r>
+                        <a:rPr lang="en-US" sz="1800">
+                          <a:solidFill>
+                            <a:srgbClr val="00B050"/>
+                          </a:solidFill>
+                          <a:effectLst/>
+                          <a:latin typeface="+mn-lt"/>
+                          <a:ea typeface="Calibri" panose="020F0502020204030204" pitchFamily="34" charset="0"/>
+                          <a:cs typeface="Times New Roman" panose="02020603050405020304" pitchFamily="18" charset="0"/>
+                        </a:rPr>
+                        <a:t>8.60166</a:t>
+                      </a:r>
+                      <a:endParaRPr lang="en-US" sz="1800">
+                        <a:effectLst/>
+                        <a:latin typeface="+mn-lt"/>
+                        <a:ea typeface="Calibri" panose="020F0502020204030204" pitchFamily="34" charset="0"/>
+                        <a:cs typeface="Times New Roman" panose="02020603050405020304" pitchFamily="18" charset="0"/>
+                      </a:endParaRPr>
+                    </a:p>
+                  </a:txBody>
+                  <a:tcPr marL="68580" marR="68580" marT="0" marB="0" anchor="ctr">
+                    <a:lnL w="12700" cap="flat" cmpd="sng" algn="ctr">
+                      <a:solidFill>
+                        <a:srgbClr val="000000"/>
+                      </a:solidFill>
+                      <a:prstDash val="solid"/>
+                      <a:round/>
+                      <a:headEnd type="none" w="med" len="med"/>
+                      <a:tailEnd type="none" w="med" len="med"/>
+                    </a:lnL>
+                    <a:lnR w="12700" cap="flat" cmpd="sng" algn="ctr">
+                      <a:solidFill>
+                        <a:srgbClr val="000000"/>
+                      </a:solidFill>
+                      <a:prstDash val="solid"/>
+                      <a:round/>
+                      <a:headEnd type="none" w="med" len="med"/>
+                      <a:tailEnd type="none" w="med" len="med"/>
+                    </a:lnR>
+                    <a:lnT w="12700" cap="flat" cmpd="sng" algn="ctr">
+                      <a:solidFill>
+                        <a:srgbClr val="000000"/>
+                      </a:solidFill>
+                      <a:prstDash val="solid"/>
+                      <a:round/>
+                      <a:headEnd type="none" w="med" len="med"/>
+                      <a:tailEnd type="none" w="med" len="med"/>
+                    </a:lnT>
+                    <a:lnB w="12700" cap="flat" cmpd="sng" algn="ctr">
+                      <a:solidFill>
+                        <a:srgbClr val="000000"/>
+                      </a:solidFill>
+                      <a:prstDash val="solid"/>
+                      <a:round/>
+                      <a:headEnd type="none" w="med" len="med"/>
+                      <a:tailEnd type="none" w="med" len="med"/>
+                    </a:lnB>
+                  </a:tcPr>
+                </a:tc>
+              </a:tr>
+              <a:tr h="457200">
+                <a:tc>
+                  <a:txBody>
+                    <a:bodyPr/>
+                    <a:lstStyle/>
+                    <a:p>
+                      <a:pPr marL="0" marR="0">
+                        <a:lnSpc>
+                          <a:spcPct val="107000"/>
+                        </a:lnSpc>
+                        <a:spcBef>
+                          <a:spcPts val="0"/>
+                        </a:spcBef>
+                        <a:spcAft>
+                          <a:spcPts val="0"/>
+                        </a:spcAft>
+                      </a:pPr>
+                      <a:r>
+                        <a:rPr lang="en-US" sz="1800">
+                          <a:effectLst/>
+                          <a:latin typeface="+mn-lt"/>
+                          <a:ea typeface="Calibri" panose="020F0502020204030204" pitchFamily="34" charset="0"/>
+                          <a:cs typeface="Times New Roman" panose="02020603050405020304" pitchFamily="18" charset="0"/>
+                        </a:rPr>
+                        <a:t>Kapton Window [cm]</a:t>
+                      </a:r>
+                    </a:p>
+                  </a:txBody>
+                  <a:tcPr marL="68580" marR="68580" marT="0" marB="0">
+                    <a:lnL w="12700" cap="flat" cmpd="sng" algn="ctr">
+                      <a:solidFill>
+                        <a:srgbClr val="000000"/>
+                      </a:solidFill>
+                      <a:prstDash val="solid"/>
+                      <a:round/>
+                      <a:headEnd type="none" w="med" len="med"/>
+                      <a:tailEnd type="none" w="med" len="med"/>
+                    </a:lnL>
+                    <a:lnR w="12700" cap="flat" cmpd="sng" algn="ctr">
+                      <a:solidFill>
+                        <a:srgbClr val="000000"/>
+                      </a:solidFill>
+                      <a:prstDash val="solid"/>
+                      <a:round/>
+                      <a:headEnd type="none" w="med" len="med"/>
+                      <a:tailEnd type="none" w="med" len="med"/>
+                    </a:lnR>
+                    <a:lnT w="12700" cap="flat" cmpd="sng" algn="ctr">
+                      <a:solidFill>
+                        <a:srgbClr val="000000"/>
+                      </a:solidFill>
+                      <a:prstDash val="solid"/>
+                      <a:round/>
+                      <a:headEnd type="none" w="med" len="med"/>
+                      <a:tailEnd type="none" w="med" len="med"/>
+                    </a:lnT>
+                    <a:lnB w="12700" cap="flat" cmpd="sng" algn="ctr">
+                      <a:solidFill>
+                        <a:srgbClr val="000000"/>
+                      </a:solidFill>
+                      <a:prstDash val="solid"/>
+                      <a:round/>
+                      <a:headEnd type="none" w="med" len="med"/>
+                      <a:tailEnd type="none" w="med" len="med"/>
+                    </a:lnB>
+                  </a:tcPr>
+                </a:tc>
+                <a:tc>
+                  <a:txBody>
+                    <a:bodyPr/>
+                    <a:lstStyle/>
+                    <a:p>
+                      <a:pPr marL="0" marR="0" algn="ctr">
+                        <a:lnSpc>
+                          <a:spcPct val="107000"/>
+                        </a:lnSpc>
+                        <a:spcBef>
+                          <a:spcPts val="0"/>
+                        </a:spcBef>
+                        <a:spcAft>
+                          <a:spcPts val="0"/>
+                        </a:spcAft>
+                      </a:pPr>
+                      <a:r>
+                        <a:rPr lang="en-US" sz="1800">
+                          <a:effectLst/>
+                          <a:latin typeface="+mn-lt"/>
+                          <a:ea typeface="Calibri" panose="020F0502020204030204" pitchFamily="34" charset="0"/>
+                          <a:cs typeface="Times New Roman" panose="02020603050405020304" pitchFamily="18" charset="0"/>
+                        </a:rPr>
+                        <a:t>0.01016</a:t>
+                      </a:r>
+                    </a:p>
+                  </a:txBody>
+                  <a:tcPr marL="68580" marR="68580" marT="0" marB="0" anchor="ctr">
+                    <a:lnL w="12700" cap="flat" cmpd="sng" algn="ctr">
+                      <a:solidFill>
+                        <a:srgbClr val="000000"/>
+                      </a:solidFill>
+                      <a:prstDash val="solid"/>
+                      <a:round/>
+                      <a:headEnd type="none" w="med" len="med"/>
+                      <a:tailEnd type="none" w="med" len="med"/>
+                    </a:lnL>
+                    <a:lnR w="12700" cap="flat" cmpd="sng" algn="ctr">
+                      <a:solidFill>
+                        <a:srgbClr val="000000"/>
+                      </a:solidFill>
+                      <a:prstDash val="solid"/>
+                      <a:round/>
+                      <a:headEnd type="none" w="med" len="med"/>
+                      <a:tailEnd type="none" w="med" len="med"/>
+                    </a:lnR>
+                    <a:lnT w="12700" cap="flat" cmpd="sng" algn="ctr">
+                      <a:solidFill>
+                        <a:srgbClr val="000000"/>
+                      </a:solidFill>
+                      <a:prstDash val="solid"/>
+                      <a:round/>
+                      <a:headEnd type="none" w="med" len="med"/>
+                      <a:tailEnd type="none" w="med" len="med"/>
+                    </a:lnT>
+                    <a:lnB w="12700" cap="flat" cmpd="sng" algn="ctr">
+                      <a:solidFill>
+                        <a:srgbClr val="000000"/>
+                      </a:solidFill>
+                      <a:prstDash val="solid"/>
+                      <a:round/>
+                      <a:headEnd type="none" w="med" len="med"/>
+                      <a:tailEnd type="none" w="med" len="med"/>
+                    </a:lnB>
+                  </a:tcPr>
+                </a:tc>
+                <a:tc>
+                  <a:txBody>
+                    <a:bodyPr/>
+                    <a:lstStyle/>
+                    <a:p>
+                      <a:pPr marL="0" marR="0" algn="ctr">
+                        <a:lnSpc>
+                          <a:spcPct val="107000"/>
+                        </a:lnSpc>
+                        <a:spcBef>
+                          <a:spcPts val="0"/>
+                        </a:spcBef>
+                        <a:spcAft>
+                          <a:spcPts val="0"/>
+                        </a:spcAft>
+                      </a:pPr>
+                      <a:r>
+                        <a:rPr lang="en-US" sz="1800" dirty="0">
+                          <a:effectLst/>
+                          <a:latin typeface="+mn-lt"/>
+                          <a:ea typeface="Calibri" panose="020F0502020204030204" pitchFamily="34" charset="0"/>
+                          <a:cs typeface="Times New Roman" panose="02020603050405020304" pitchFamily="18" charset="0"/>
+                        </a:rPr>
+                        <a:t>0.11016</a:t>
+                      </a:r>
+                    </a:p>
+                  </a:txBody>
+                  <a:tcPr marL="68580" marR="68580" marT="0" marB="0" anchor="ctr">
+                    <a:lnL w="12700" cap="flat" cmpd="sng" algn="ctr">
+                      <a:solidFill>
+                        <a:srgbClr val="000000"/>
+                      </a:solidFill>
+                      <a:prstDash val="solid"/>
+                      <a:round/>
+                      <a:headEnd type="none" w="med" len="med"/>
+                      <a:tailEnd type="none" w="med" len="med"/>
+                    </a:lnL>
+                    <a:lnR w="12700" cap="flat" cmpd="sng" algn="ctr">
+                      <a:solidFill>
+                        <a:srgbClr val="000000"/>
+                      </a:solidFill>
+                      <a:prstDash val="solid"/>
+                      <a:round/>
+                      <a:headEnd type="none" w="med" len="med"/>
+                      <a:tailEnd type="none" w="med" len="med"/>
+                    </a:lnR>
+                    <a:lnT w="12700" cap="flat" cmpd="sng" algn="ctr">
+                      <a:solidFill>
+                        <a:srgbClr val="000000"/>
+                      </a:solidFill>
+                      <a:prstDash val="solid"/>
+                      <a:round/>
+                      <a:headEnd type="none" w="med" len="med"/>
+                      <a:tailEnd type="none" w="med" len="med"/>
+                    </a:lnT>
+                    <a:lnB w="12700" cap="flat" cmpd="sng" algn="ctr">
+                      <a:solidFill>
+                        <a:srgbClr val="000000"/>
+                      </a:solidFill>
+                      <a:prstDash val="solid"/>
+                      <a:round/>
+                      <a:headEnd type="none" w="med" len="med"/>
+                      <a:tailEnd type="none" w="med" len="med"/>
+                    </a:lnB>
+                  </a:tcPr>
+                </a:tc>
+                <a:tc>
+                  <a:txBody>
+                    <a:bodyPr/>
+                    <a:lstStyle/>
+                    <a:p>
+                      <a:pPr marL="0" marR="0" algn="ctr">
+                        <a:lnSpc>
+                          <a:spcPct val="107000"/>
+                        </a:lnSpc>
+                        <a:spcBef>
+                          <a:spcPts val="0"/>
+                        </a:spcBef>
+                        <a:spcAft>
+                          <a:spcPts val="0"/>
+                        </a:spcAft>
+                      </a:pPr>
+                      <a:r>
+                        <a:rPr lang="en-US" sz="1800">
+                          <a:solidFill>
+                            <a:srgbClr val="00B050"/>
+                          </a:solidFill>
+                          <a:effectLst/>
+                          <a:latin typeface="+mn-lt"/>
+                          <a:ea typeface="Calibri" panose="020F0502020204030204" pitchFamily="34" charset="0"/>
+                          <a:cs typeface="Times New Roman" panose="02020603050405020304" pitchFamily="18" charset="0"/>
+                        </a:rPr>
+                        <a:t>0.13016</a:t>
+                      </a:r>
+                      <a:endParaRPr lang="en-US" sz="1800">
+                        <a:effectLst/>
+                        <a:latin typeface="+mn-lt"/>
+                        <a:ea typeface="Calibri" panose="020F0502020204030204" pitchFamily="34" charset="0"/>
+                        <a:cs typeface="Times New Roman" panose="02020603050405020304" pitchFamily="18" charset="0"/>
+                      </a:endParaRPr>
+                    </a:p>
+                  </a:txBody>
+                  <a:tcPr marL="68580" marR="68580" marT="0" marB="0" anchor="ctr">
+                    <a:lnL w="12700" cap="flat" cmpd="sng" algn="ctr">
+                      <a:solidFill>
+                        <a:srgbClr val="000000"/>
+                      </a:solidFill>
+                      <a:prstDash val="solid"/>
+                      <a:round/>
+                      <a:headEnd type="none" w="med" len="med"/>
+                      <a:tailEnd type="none" w="med" len="med"/>
+                    </a:lnL>
+                    <a:lnR w="12700" cap="flat" cmpd="sng" algn="ctr">
+                      <a:solidFill>
+                        <a:srgbClr val="000000"/>
+                      </a:solidFill>
+                      <a:prstDash val="solid"/>
+                      <a:round/>
+                      <a:headEnd type="none" w="med" len="med"/>
+                      <a:tailEnd type="none" w="med" len="med"/>
+                    </a:lnR>
+                    <a:lnT w="12700" cap="flat" cmpd="sng" algn="ctr">
+                      <a:solidFill>
+                        <a:srgbClr val="000000"/>
+                      </a:solidFill>
+                      <a:prstDash val="solid"/>
+                      <a:round/>
+                      <a:headEnd type="none" w="med" len="med"/>
+                      <a:tailEnd type="none" w="med" len="med"/>
+                    </a:lnT>
+                    <a:lnB w="12700" cap="flat" cmpd="sng" algn="ctr">
+                      <a:solidFill>
+                        <a:srgbClr val="000000"/>
+                      </a:solidFill>
+                      <a:prstDash val="solid"/>
+                      <a:round/>
+                      <a:headEnd type="none" w="med" len="med"/>
+                      <a:tailEnd type="none" w="med" len="med"/>
+                    </a:lnB>
+                  </a:tcPr>
+                </a:tc>
+              </a:tr>
+              <a:tr h="457200">
+                <a:tc>
+                  <a:txBody>
+                    <a:bodyPr/>
+                    <a:lstStyle/>
+                    <a:p>
+                      <a:pPr marL="0" marR="0">
+                        <a:lnSpc>
+                          <a:spcPct val="107000"/>
+                        </a:lnSpc>
+                        <a:spcBef>
+                          <a:spcPts val="0"/>
+                        </a:spcBef>
+                        <a:spcAft>
+                          <a:spcPts val="0"/>
+                        </a:spcAft>
+                      </a:pPr>
+                      <a:r>
+                        <a:rPr lang="en-US" sz="1800">
+                          <a:effectLst/>
+                          <a:latin typeface="+mn-lt"/>
+                          <a:ea typeface="Calibri" panose="020F0502020204030204" pitchFamily="34" charset="0"/>
+                          <a:cs typeface="Times New Roman" panose="02020603050405020304" pitchFamily="18" charset="0"/>
+                        </a:rPr>
+                        <a:t>Inner Top Coaxial Deadlayer [cm]</a:t>
+                      </a:r>
+                    </a:p>
+                  </a:txBody>
+                  <a:tcPr marL="68580" marR="68580" marT="0" marB="0">
+                    <a:lnL w="12700" cap="flat" cmpd="sng" algn="ctr">
+                      <a:solidFill>
+                        <a:srgbClr val="000000"/>
+                      </a:solidFill>
+                      <a:prstDash val="solid"/>
+                      <a:round/>
+                      <a:headEnd type="none" w="med" len="med"/>
+                      <a:tailEnd type="none" w="med" len="med"/>
+                    </a:lnL>
+                    <a:lnR w="12700" cap="flat" cmpd="sng" algn="ctr">
+                      <a:solidFill>
+                        <a:srgbClr val="000000"/>
+                      </a:solidFill>
+                      <a:prstDash val="solid"/>
+                      <a:round/>
+                      <a:headEnd type="none" w="med" len="med"/>
+                      <a:tailEnd type="none" w="med" len="med"/>
+                    </a:lnR>
+                    <a:lnT w="12700" cap="flat" cmpd="sng" algn="ctr">
+                      <a:solidFill>
+                        <a:srgbClr val="000000"/>
+                      </a:solidFill>
+                      <a:prstDash val="solid"/>
+                      <a:round/>
+                      <a:headEnd type="none" w="med" len="med"/>
+                      <a:tailEnd type="none" w="med" len="med"/>
+                    </a:lnT>
+                    <a:lnB w="12700" cap="flat" cmpd="sng" algn="ctr">
+                      <a:solidFill>
+                        <a:srgbClr val="000000"/>
+                      </a:solidFill>
+                      <a:prstDash val="solid"/>
+                      <a:round/>
+                      <a:headEnd type="none" w="med" len="med"/>
+                      <a:tailEnd type="none" w="med" len="med"/>
+                    </a:lnB>
+                  </a:tcPr>
+                </a:tc>
+                <a:tc>
+                  <a:txBody>
+                    <a:bodyPr/>
+                    <a:lstStyle/>
+                    <a:p>
+                      <a:pPr marL="0" marR="0" algn="ctr">
+                        <a:lnSpc>
+                          <a:spcPct val="107000"/>
+                        </a:lnSpc>
+                        <a:spcBef>
+                          <a:spcPts val="0"/>
+                        </a:spcBef>
+                        <a:spcAft>
+                          <a:spcPts val="0"/>
+                        </a:spcAft>
+                      </a:pPr>
+                      <a:r>
+                        <a:rPr lang="en-US" sz="1800">
+                          <a:effectLst/>
+                          <a:latin typeface="+mn-lt"/>
+                          <a:ea typeface="Calibri" panose="020F0502020204030204" pitchFamily="34" charset="0"/>
+                          <a:cs typeface="Times New Roman" panose="02020603050405020304" pitchFamily="18" charset="0"/>
+                        </a:rPr>
+                        <a:t>0.00003</a:t>
+                      </a:r>
+                    </a:p>
+                  </a:txBody>
+                  <a:tcPr marL="68580" marR="68580" marT="0" marB="0" anchor="ctr">
+                    <a:lnL w="12700" cap="flat" cmpd="sng" algn="ctr">
+                      <a:solidFill>
+                        <a:srgbClr val="000000"/>
+                      </a:solidFill>
+                      <a:prstDash val="solid"/>
+                      <a:round/>
+                      <a:headEnd type="none" w="med" len="med"/>
+                      <a:tailEnd type="none" w="med" len="med"/>
+                    </a:lnL>
+                    <a:lnR w="12700" cap="flat" cmpd="sng" algn="ctr">
+                      <a:solidFill>
+                        <a:srgbClr val="000000"/>
+                      </a:solidFill>
+                      <a:prstDash val="solid"/>
+                      <a:round/>
+                      <a:headEnd type="none" w="med" len="med"/>
+                      <a:tailEnd type="none" w="med" len="med"/>
+                    </a:lnR>
+                    <a:lnT w="12700" cap="flat" cmpd="sng" algn="ctr">
+                      <a:solidFill>
+                        <a:srgbClr val="000000"/>
+                      </a:solidFill>
+                      <a:prstDash val="solid"/>
+                      <a:round/>
+                      <a:headEnd type="none" w="med" len="med"/>
+                      <a:tailEnd type="none" w="med" len="med"/>
+                    </a:lnT>
+                    <a:lnB w="12700" cap="flat" cmpd="sng" algn="ctr">
+                      <a:solidFill>
+                        <a:srgbClr val="000000"/>
+                      </a:solidFill>
+                      <a:prstDash val="solid"/>
+                      <a:round/>
+                      <a:headEnd type="none" w="med" len="med"/>
+                      <a:tailEnd type="none" w="med" len="med"/>
+                    </a:lnB>
+                  </a:tcPr>
+                </a:tc>
+                <a:tc>
+                  <a:txBody>
+                    <a:bodyPr/>
+                    <a:lstStyle/>
+                    <a:p>
+                      <a:pPr marL="0" marR="0" algn="ctr">
+                        <a:lnSpc>
+                          <a:spcPct val="107000"/>
+                        </a:lnSpc>
+                        <a:spcBef>
+                          <a:spcPts val="0"/>
+                        </a:spcBef>
+                        <a:spcAft>
+                          <a:spcPts val="0"/>
+                        </a:spcAft>
+                      </a:pPr>
+                      <a:r>
+                        <a:rPr lang="en-US" sz="1800" dirty="0">
+                          <a:effectLst/>
+                          <a:latin typeface="+mn-lt"/>
+                          <a:ea typeface="Calibri" panose="020F0502020204030204" pitchFamily="34" charset="0"/>
+                          <a:cs typeface="Times New Roman" panose="02020603050405020304" pitchFamily="18" charset="0"/>
+                        </a:rPr>
+                        <a:t>6E-05</a:t>
+                      </a:r>
+                    </a:p>
+                  </a:txBody>
+                  <a:tcPr marL="68580" marR="68580" marT="0" marB="0" anchor="ctr">
+                    <a:lnL w="12700" cap="flat" cmpd="sng" algn="ctr">
+                      <a:solidFill>
+                        <a:srgbClr val="000000"/>
+                      </a:solidFill>
+                      <a:prstDash val="solid"/>
+                      <a:round/>
+                      <a:headEnd type="none" w="med" len="med"/>
+                      <a:tailEnd type="none" w="med" len="med"/>
+                    </a:lnL>
+                    <a:lnR w="12700" cap="flat" cmpd="sng" algn="ctr">
+                      <a:solidFill>
+                        <a:srgbClr val="000000"/>
+                      </a:solidFill>
+                      <a:prstDash val="solid"/>
+                      <a:round/>
+                      <a:headEnd type="none" w="med" len="med"/>
+                      <a:tailEnd type="none" w="med" len="med"/>
+                    </a:lnR>
+                    <a:lnT w="12700" cap="flat" cmpd="sng" algn="ctr">
+                      <a:solidFill>
+                        <a:srgbClr val="000000"/>
+                      </a:solidFill>
+                      <a:prstDash val="solid"/>
+                      <a:round/>
+                      <a:headEnd type="none" w="med" len="med"/>
+                      <a:tailEnd type="none" w="med" len="med"/>
+                    </a:lnT>
+                    <a:lnB w="12700" cap="flat" cmpd="sng" algn="ctr">
+                      <a:solidFill>
+                        <a:srgbClr val="000000"/>
+                      </a:solidFill>
+                      <a:prstDash val="solid"/>
+                      <a:round/>
+                      <a:headEnd type="none" w="med" len="med"/>
+                      <a:tailEnd type="none" w="med" len="med"/>
+                    </a:lnB>
+                  </a:tcPr>
+                </a:tc>
+                <a:tc>
+                  <a:txBody>
+                    <a:bodyPr/>
+                    <a:lstStyle/>
+                    <a:p>
+                      <a:pPr marL="0" marR="0" algn="ctr">
+                        <a:lnSpc>
+                          <a:spcPct val="107000"/>
+                        </a:lnSpc>
+                        <a:spcBef>
+                          <a:spcPts val="0"/>
+                        </a:spcBef>
+                        <a:spcAft>
+                          <a:spcPts val="0"/>
+                        </a:spcAft>
+                      </a:pPr>
+                      <a:r>
+                        <a:rPr lang="en-US" sz="1800">
+                          <a:solidFill>
+                            <a:srgbClr val="00B050"/>
+                          </a:solidFill>
+                          <a:effectLst/>
+                          <a:latin typeface="+mn-lt"/>
+                          <a:ea typeface="Calibri" panose="020F0502020204030204" pitchFamily="34" charset="0"/>
+                          <a:cs typeface="Times New Roman" panose="02020603050405020304" pitchFamily="18" charset="0"/>
+                        </a:rPr>
+                        <a:t>50E-05</a:t>
+                      </a:r>
+                      <a:endParaRPr lang="en-US" sz="1800">
+                        <a:effectLst/>
+                        <a:latin typeface="+mn-lt"/>
+                        <a:ea typeface="Calibri" panose="020F0502020204030204" pitchFamily="34" charset="0"/>
+                        <a:cs typeface="Times New Roman" panose="02020603050405020304" pitchFamily="18" charset="0"/>
+                      </a:endParaRPr>
+                    </a:p>
+                  </a:txBody>
+                  <a:tcPr marL="68580" marR="68580" marT="0" marB="0" anchor="ctr">
+                    <a:lnL w="12700" cap="flat" cmpd="sng" algn="ctr">
+                      <a:solidFill>
+                        <a:srgbClr val="000000"/>
+                      </a:solidFill>
+                      <a:prstDash val="solid"/>
+                      <a:round/>
+                      <a:headEnd type="none" w="med" len="med"/>
+                      <a:tailEnd type="none" w="med" len="med"/>
+                    </a:lnL>
+                    <a:lnR w="12700" cap="flat" cmpd="sng" algn="ctr">
+                      <a:solidFill>
+                        <a:srgbClr val="000000"/>
+                      </a:solidFill>
+                      <a:prstDash val="solid"/>
+                      <a:round/>
+                      <a:headEnd type="none" w="med" len="med"/>
+                      <a:tailEnd type="none" w="med" len="med"/>
+                    </a:lnR>
+                    <a:lnT w="12700" cap="flat" cmpd="sng" algn="ctr">
+                      <a:solidFill>
+                        <a:srgbClr val="000000"/>
+                      </a:solidFill>
+                      <a:prstDash val="solid"/>
+                      <a:round/>
+                      <a:headEnd type="none" w="med" len="med"/>
+                      <a:tailEnd type="none" w="med" len="med"/>
+                    </a:lnT>
+                    <a:lnB w="12700" cap="flat" cmpd="sng" algn="ctr">
+                      <a:solidFill>
+                        <a:srgbClr val="000000"/>
+                      </a:solidFill>
+                      <a:prstDash val="solid"/>
+                      <a:round/>
+                      <a:headEnd type="none" w="med" len="med"/>
+                      <a:tailEnd type="none" w="med" len="med"/>
+                    </a:lnB>
+                  </a:tcPr>
+                </a:tc>
+              </a:tr>
+              <a:tr h="457200">
+                <a:tc>
+                  <a:txBody>
+                    <a:bodyPr/>
+                    <a:lstStyle/>
+                    <a:p>
+                      <a:pPr marL="0" marR="0">
+                        <a:lnSpc>
+                          <a:spcPct val="107000"/>
+                        </a:lnSpc>
+                        <a:spcBef>
+                          <a:spcPts val="0"/>
+                        </a:spcBef>
+                        <a:spcAft>
+                          <a:spcPts val="0"/>
+                        </a:spcAft>
+                      </a:pPr>
+                      <a:r>
+                        <a:rPr lang="en-US" sz="1800">
+                          <a:effectLst/>
+                          <a:latin typeface="+mn-lt"/>
+                          <a:ea typeface="Calibri" panose="020F0502020204030204" pitchFamily="34" charset="0"/>
+                          <a:cs typeface="Times New Roman" panose="02020603050405020304" pitchFamily="18" charset="0"/>
+                        </a:rPr>
+                        <a:t>Inner Sides Coaxial Deadlayer [cm]</a:t>
+                      </a:r>
+                    </a:p>
+                  </a:txBody>
+                  <a:tcPr marL="68580" marR="68580" marT="0" marB="0">
+                    <a:lnL w="12700" cap="flat" cmpd="sng" algn="ctr">
+                      <a:solidFill>
+                        <a:srgbClr val="000000"/>
+                      </a:solidFill>
+                      <a:prstDash val="solid"/>
+                      <a:round/>
+                      <a:headEnd type="none" w="med" len="med"/>
+                      <a:tailEnd type="none" w="med" len="med"/>
+                    </a:lnL>
+                    <a:lnR w="12700" cap="flat" cmpd="sng" algn="ctr">
+                      <a:solidFill>
+                        <a:srgbClr val="000000"/>
+                      </a:solidFill>
+                      <a:prstDash val="solid"/>
+                      <a:round/>
+                      <a:headEnd type="none" w="med" len="med"/>
+                      <a:tailEnd type="none" w="med" len="med"/>
+                    </a:lnR>
+                    <a:lnT w="12700" cap="flat" cmpd="sng" algn="ctr">
+                      <a:solidFill>
+                        <a:srgbClr val="000000"/>
+                      </a:solidFill>
+                      <a:prstDash val="solid"/>
+                      <a:round/>
+                      <a:headEnd type="none" w="med" len="med"/>
+                      <a:tailEnd type="none" w="med" len="med"/>
+                    </a:lnT>
+                    <a:lnB w="12700" cap="flat" cmpd="sng" algn="ctr">
+                      <a:solidFill>
+                        <a:srgbClr val="000000"/>
+                      </a:solidFill>
+                      <a:prstDash val="solid"/>
+                      <a:round/>
+                      <a:headEnd type="none" w="med" len="med"/>
+                      <a:tailEnd type="none" w="med" len="med"/>
+                    </a:lnB>
+                  </a:tcPr>
+                </a:tc>
+                <a:tc>
+                  <a:txBody>
+                    <a:bodyPr/>
+                    <a:lstStyle/>
+                    <a:p>
+                      <a:pPr marL="0" marR="0" algn="ctr">
+                        <a:lnSpc>
+                          <a:spcPct val="107000"/>
+                        </a:lnSpc>
+                        <a:spcBef>
+                          <a:spcPts val="0"/>
+                        </a:spcBef>
+                        <a:spcAft>
+                          <a:spcPts val="0"/>
+                        </a:spcAft>
+                      </a:pPr>
+                      <a:r>
+                        <a:rPr lang="en-US" sz="1800">
+                          <a:effectLst/>
+                          <a:latin typeface="+mn-lt"/>
+                          <a:ea typeface="Calibri" panose="020F0502020204030204" pitchFamily="34" charset="0"/>
+                          <a:cs typeface="Times New Roman" panose="02020603050405020304" pitchFamily="18" charset="0"/>
+                        </a:rPr>
+                        <a:t>0.00003</a:t>
+                      </a:r>
+                    </a:p>
+                  </a:txBody>
+                  <a:tcPr marL="68580" marR="68580" marT="0" marB="0" anchor="ctr">
+                    <a:lnL w="12700" cap="flat" cmpd="sng" algn="ctr">
+                      <a:solidFill>
+                        <a:srgbClr val="000000"/>
+                      </a:solidFill>
+                      <a:prstDash val="solid"/>
+                      <a:round/>
+                      <a:headEnd type="none" w="med" len="med"/>
+                      <a:tailEnd type="none" w="med" len="med"/>
+                    </a:lnL>
+                    <a:lnR w="12700" cap="flat" cmpd="sng" algn="ctr">
+                      <a:solidFill>
+                        <a:srgbClr val="000000"/>
+                      </a:solidFill>
+                      <a:prstDash val="solid"/>
+                      <a:round/>
+                      <a:headEnd type="none" w="med" len="med"/>
+                      <a:tailEnd type="none" w="med" len="med"/>
+                    </a:lnR>
+                    <a:lnT w="12700" cap="flat" cmpd="sng" algn="ctr">
+                      <a:solidFill>
+                        <a:srgbClr val="000000"/>
+                      </a:solidFill>
+                      <a:prstDash val="solid"/>
+                      <a:round/>
+                      <a:headEnd type="none" w="med" len="med"/>
+                      <a:tailEnd type="none" w="med" len="med"/>
+                    </a:lnT>
+                    <a:lnB w="12700" cap="flat" cmpd="sng" algn="ctr">
+                      <a:solidFill>
+                        <a:srgbClr val="000000"/>
+                      </a:solidFill>
+                      <a:prstDash val="solid"/>
+                      <a:round/>
+                      <a:headEnd type="none" w="med" len="med"/>
+                      <a:tailEnd type="none" w="med" len="med"/>
+                    </a:lnB>
+                  </a:tcPr>
+                </a:tc>
+                <a:tc>
+                  <a:txBody>
+                    <a:bodyPr/>
+                    <a:lstStyle/>
+                    <a:p>
+                      <a:pPr marL="0" marR="0" algn="ctr">
+                        <a:lnSpc>
+                          <a:spcPct val="107000"/>
+                        </a:lnSpc>
+                        <a:spcBef>
+                          <a:spcPts val="0"/>
+                        </a:spcBef>
+                        <a:spcAft>
+                          <a:spcPts val="0"/>
+                        </a:spcAft>
+                      </a:pPr>
+                      <a:r>
+                        <a:rPr lang="en-US" sz="1800" dirty="0">
+                          <a:effectLst/>
+                          <a:latin typeface="+mn-lt"/>
+                          <a:ea typeface="Calibri" panose="020F0502020204030204" pitchFamily="34" charset="0"/>
+                          <a:cs typeface="Times New Roman" panose="02020603050405020304" pitchFamily="18" charset="0"/>
+                        </a:rPr>
+                        <a:t>7E-05</a:t>
+                      </a:r>
+                    </a:p>
+                  </a:txBody>
+                  <a:tcPr marL="68580" marR="68580" marT="0" marB="0" anchor="ctr">
+                    <a:lnL w="12700" cap="flat" cmpd="sng" algn="ctr">
+                      <a:solidFill>
+                        <a:srgbClr val="000000"/>
+                      </a:solidFill>
+                      <a:prstDash val="solid"/>
+                      <a:round/>
+                      <a:headEnd type="none" w="med" len="med"/>
+                      <a:tailEnd type="none" w="med" len="med"/>
+                    </a:lnL>
+                    <a:lnR w="12700" cap="flat" cmpd="sng" algn="ctr">
+                      <a:solidFill>
+                        <a:srgbClr val="000000"/>
+                      </a:solidFill>
+                      <a:prstDash val="solid"/>
+                      <a:round/>
+                      <a:headEnd type="none" w="med" len="med"/>
+                      <a:tailEnd type="none" w="med" len="med"/>
+                    </a:lnR>
+                    <a:lnT w="12700" cap="flat" cmpd="sng" algn="ctr">
+                      <a:solidFill>
+                        <a:srgbClr val="000000"/>
+                      </a:solidFill>
+                      <a:prstDash val="solid"/>
+                      <a:round/>
+                      <a:headEnd type="none" w="med" len="med"/>
+                      <a:tailEnd type="none" w="med" len="med"/>
+                    </a:lnT>
+                    <a:lnB w="12700" cap="flat" cmpd="sng" algn="ctr">
+                      <a:solidFill>
+                        <a:srgbClr val="000000"/>
+                      </a:solidFill>
+                      <a:prstDash val="solid"/>
+                      <a:round/>
+                      <a:headEnd type="none" w="med" len="med"/>
+                      <a:tailEnd type="none" w="med" len="med"/>
+                    </a:lnB>
+                  </a:tcPr>
+                </a:tc>
+                <a:tc>
+                  <a:txBody>
+                    <a:bodyPr/>
+                    <a:lstStyle/>
+                    <a:p>
+                      <a:pPr marL="0" marR="0" algn="ctr">
+                        <a:lnSpc>
+                          <a:spcPct val="107000"/>
+                        </a:lnSpc>
+                        <a:spcBef>
+                          <a:spcPts val="0"/>
+                        </a:spcBef>
+                        <a:spcAft>
+                          <a:spcPts val="0"/>
+                        </a:spcAft>
+                      </a:pPr>
+                      <a:r>
+                        <a:rPr lang="en-US" sz="1800">
+                          <a:solidFill>
+                            <a:srgbClr val="C00000"/>
+                          </a:solidFill>
+                          <a:effectLst/>
+                          <a:latin typeface="+mn-lt"/>
+                          <a:ea typeface="Calibri" panose="020F0502020204030204" pitchFamily="34" charset="0"/>
+                          <a:cs typeface="Times New Roman" panose="02020603050405020304" pitchFamily="18" charset="0"/>
+                        </a:rPr>
+                        <a:t>5E-05</a:t>
+                      </a:r>
+                      <a:endParaRPr lang="en-US" sz="1800">
+                        <a:effectLst/>
+                        <a:latin typeface="+mn-lt"/>
+                        <a:ea typeface="Calibri" panose="020F0502020204030204" pitchFamily="34" charset="0"/>
+                        <a:cs typeface="Times New Roman" panose="02020603050405020304" pitchFamily="18" charset="0"/>
+                      </a:endParaRPr>
+                    </a:p>
+                  </a:txBody>
+                  <a:tcPr marL="68580" marR="68580" marT="0" marB="0" anchor="ctr">
+                    <a:lnL w="12700" cap="flat" cmpd="sng" algn="ctr">
+                      <a:solidFill>
+                        <a:srgbClr val="000000"/>
+                      </a:solidFill>
+                      <a:prstDash val="solid"/>
+                      <a:round/>
+                      <a:headEnd type="none" w="med" len="med"/>
+                      <a:tailEnd type="none" w="med" len="med"/>
+                    </a:lnL>
+                    <a:lnR w="12700" cap="flat" cmpd="sng" algn="ctr">
+                      <a:solidFill>
+                        <a:srgbClr val="000000"/>
+                      </a:solidFill>
+                      <a:prstDash val="solid"/>
+                      <a:round/>
+                      <a:headEnd type="none" w="med" len="med"/>
+                      <a:tailEnd type="none" w="med" len="med"/>
+                    </a:lnR>
+                    <a:lnT w="12700" cap="flat" cmpd="sng" algn="ctr">
+                      <a:solidFill>
+                        <a:srgbClr val="000000"/>
+                      </a:solidFill>
+                      <a:prstDash val="solid"/>
+                      <a:round/>
+                      <a:headEnd type="none" w="med" len="med"/>
+                      <a:tailEnd type="none" w="med" len="med"/>
+                    </a:lnT>
+                    <a:lnB w="12700" cap="flat" cmpd="sng" algn="ctr">
+                      <a:solidFill>
+                        <a:srgbClr val="000000"/>
+                      </a:solidFill>
+                      <a:prstDash val="solid"/>
+                      <a:round/>
+                      <a:headEnd type="none" w="med" len="med"/>
+                      <a:tailEnd type="none" w="med" len="med"/>
+                    </a:lnB>
+                  </a:tcPr>
+                </a:tc>
+              </a:tr>
+              <a:tr h="457200">
+                <a:tc>
+                  <a:txBody>
+                    <a:bodyPr/>
+                    <a:lstStyle/>
+                    <a:p>
+                      <a:pPr marL="0" marR="0">
+                        <a:lnSpc>
+                          <a:spcPct val="107000"/>
+                        </a:lnSpc>
+                        <a:spcBef>
+                          <a:spcPts val="0"/>
+                        </a:spcBef>
+                        <a:spcAft>
+                          <a:spcPts val="0"/>
+                        </a:spcAft>
+                      </a:pPr>
+                      <a:r>
+                        <a:rPr lang="en-US" sz="1800">
+                          <a:effectLst/>
+                          <a:latin typeface="+mn-lt"/>
+                          <a:ea typeface="Calibri" panose="020F0502020204030204" pitchFamily="34" charset="0"/>
+                          <a:cs typeface="Times New Roman" panose="02020603050405020304" pitchFamily="18" charset="0"/>
+                        </a:rPr>
+                        <a:t>Top Al Casing Thickness [cm]</a:t>
+                      </a:r>
+                    </a:p>
+                  </a:txBody>
+                  <a:tcPr marL="68580" marR="68580" marT="0" marB="0">
+                    <a:lnL w="12700" cap="flat" cmpd="sng" algn="ctr">
+                      <a:solidFill>
+                        <a:srgbClr val="000000"/>
+                      </a:solidFill>
+                      <a:prstDash val="solid"/>
+                      <a:round/>
+                      <a:headEnd type="none" w="med" len="med"/>
+                      <a:tailEnd type="none" w="med" len="med"/>
+                    </a:lnL>
+                    <a:lnR w="12700" cap="flat" cmpd="sng" algn="ctr">
+                      <a:solidFill>
+                        <a:srgbClr val="000000"/>
+                      </a:solidFill>
+                      <a:prstDash val="solid"/>
+                      <a:round/>
+                      <a:headEnd type="none" w="med" len="med"/>
+                      <a:tailEnd type="none" w="med" len="med"/>
+                    </a:lnR>
+                    <a:lnT w="12700" cap="flat" cmpd="sng" algn="ctr">
+                      <a:solidFill>
+                        <a:srgbClr val="000000"/>
+                      </a:solidFill>
+                      <a:prstDash val="solid"/>
+                      <a:round/>
+                      <a:headEnd type="none" w="med" len="med"/>
+                      <a:tailEnd type="none" w="med" len="med"/>
+                    </a:lnT>
+                    <a:lnB w="12700" cap="flat" cmpd="sng" algn="ctr">
+                      <a:solidFill>
+                        <a:srgbClr val="000000"/>
+                      </a:solidFill>
+                      <a:prstDash val="solid"/>
+                      <a:round/>
+                      <a:headEnd type="none" w="med" len="med"/>
+                      <a:tailEnd type="none" w="med" len="med"/>
+                    </a:lnB>
+                  </a:tcPr>
+                </a:tc>
+                <a:tc>
+                  <a:txBody>
+                    <a:bodyPr/>
+                    <a:lstStyle/>
+                    <a:p>
+                      <a:pPr marL="0" marR="0" algn="ctr">
+                        <a:lnSpc>
+                          <a:spcPct val="107000"/>
+                        </a:lnSpc>
+                        <a:spcBef>
+                          <a:spcPts val="0"/>
+                        </a:spcBef>
+                        <a:spcAft>
+                          <a:spcPts val="0"/>
+                        </a:spcAft>
+                      </a:pPr>
+                      <a:r>
+                        <a:rPr lang="en-US" sz="1800">
+                          <a:effectLst/>
+                          <a:latin typeface="+mn-lt"/>
+                          <a:ea typeface="Calibri" panose="020F0502020204030204" pitchFamily="34" charset="0"/>
+                          <a:cs typeface="Times New Roman" panose="02020603050405020304" pitchFamily="18" charset="0"/>
+                        </a:rPr>
+                        <a:t>0.15</a:t>
+                      </a:r>
+                    </a:p>
+                  </a:txBody>
+                  <a:tcPr marL="68580" marR="68580" marT="0" marB="0" anchor="ctr">
+                    <a:lnL w="12700" cap="flat" cmpd="sng" algn="ctr">
+                      <a:solidFill>
+                        <a:srgbClr val="000000"/>
+                      </a:solidFill>
+                      <a:prstDash val="solid"/>
+                      <a:round/>
+                      <a:headEnd type="none" w="med" len="med"/>
+                      <a:tailEnd type="none" w="med" len="med"/>
+                    </a:lnL>
+                    <a:lnR w="12700" cap="flat" cmpd="sng" algn="ctr">
+                      <a:solidFill>
+                        <a:srgbClr val="000000"/>
+                      </a:solidFill>
+                      <a:prstDash val="solid"/>
+                      <a:round/>
+                      <a:headEnd type="none" w="med" len="med"/>
+                      <a:tailEnd type="none" w="med" len="med"/>
+                    </a:lnR>
+                    <a:lnT w="12700" cap="flat" cmpd="sng" algn="ctr">
+                      <a:solidFill>
+                        <a:srgbClr val="000000"/>
+                      </a:solidFill>
+                      <a:prstDash val="solid"/>
+                      <a:round/>
+                      <a:headEnd type="none" w="med" len="med"/>
+                      <a:tailEnd type="none" w="med" len="med"/>
+                    </a:lnT>
+                    <a:lnB w="12700" cap="flat" cmpd="sng" algn="ctr">
+                      <a:solidFill>
+                        <a:srgbClr val="000000"/>
+                      </a:solidFill>
+                      <a:prstDash val="solid"/>
+                      <a:round/>
+                      <a:headEnd type="none" w="med" len="med"/>
+                      <a:tailEnd type="none" w="med" len="med"/>
+                    </a:lnB>
+                  </a:tcPr>
+                </a:tc>
+                <a:tc>
+                  <a:txBody>
+                    <a:bodyPr/>
+                    <a:lstStyle/>
+                    <a:p>
+                      <a:pPr marL="0" marR="0" algn="ctr">
+                        <a:lnSpc>
+                          <a:spcPct val="107000"/>
+                        </a:lnSpc>
+                        <a:spcBef>
+                          <a:spcPts val="0"/>
+                        </a:spcBef>
+                        <a:spcAft>
+                          <a:spcPts val="0"/>
+                        </a:spcAft>
+                      </a:pPr>
+                      <a:r>
+                        <a:rPr lang="en-US" sz="1800" dirty="0">
+                          <a:effectLst/>
+                          <a:latin typeface="+mn-lt"/>
+                          <a:ea typeface="Calibri" panose="020F0502020204030204" pitchFamily="34" charset="0"/>
+                          <a:cs typeface="Times New Roman" panose="02020603050405020304" pitchFamily="18" charset="0"/>
+                        </a:rPr>
+                        <a:t>0.25</a:t>
+                      </a:r>
+                    </a:p>
+                  </a:txBody>
+                  <a:tcPr marL="68580" marR="68580" marT="0" marB="0" anchor="ctr">
+                    <a:lnL w="12700" cap="flat" cmpd="sng" algn="ctr">
+                      <a:solidFill>
+                        <a:srgbClr val="000000"/>
+                      </a:solidFill>
+                      <a:prstDash val="solid"/>
+                      <a:round/>
+                      <a:headEnd type="none" w="med" len="med"/>
+                      <a:tailEnd type="none" w="med" len="med"/>
+                    </a:lnL>
+                    <a:lnR w="12700" cap="flat" cmpd="sng" algn="ctr">
+                      <a:solidFill>
+                        <a:srgbClr val="000000"/>
+                      </a:solidFill>
+                      <a:prstDash val="solid"/>
+                      <a:round/>
+                      <a:headEnd type="none" w="med" len="med"/>
+                      <a:tailEnd type="none" w="med" len="med"/>
+                    </a:lnR>
+                    <a:lnT w="12700" cap="flat" cmpd="sng" algn="ctr">
+                      <a:solidFill>
+                        <a:srgbClr val="000000"/>
+                      </a:solidFill>
+                      <a:prstDash val="solid"/>
+                      <a:round/>
+                      <a:headEnd type="none" w="med" len="med"/>
+                      <a:tailEnd type="none" w="med" len="med"/>
+                    </a:lnT>
+                    <a:lnB w="12700" cap="flat" cmpd="sng" algn="ctr">
+                      <a:solidFill>
+                        <a:srgbClr val="000000"/>
+                      </a:solidFill>
+                      <a:prstDash val="solid"/>
+                      <a:round/>
+                      <a:headEnd type="none" w="med" len="med"/>
+                      <a:tailEnd type="none" w="med" len="med"/>
+                    </a:lnB>
+                  </a:tcPr>
+                </a:tc>
+                <a:tc>
+                  <a:txBody>
+                    <a:bodyPr/>
+                    <a:lstStyle/>
+                    <a:p>
+                      <a:pPr marL="0" marR="0" algn="ctr">
+                        <a:lnSpc>
+                          <a:spcPct val="107000"/>
+                        </a:lnSpc>
+                        <a:spcBef>
+                          <a:spcPts val="0"/>
+                        </a:spcBef>
+                        <a:spcAft>
+                          <a:spcPts val="0"/>
+                        </a:spcAft>
+                      </a:pPr>
+                      <a:r>
+                        <a:rPr lang="en-US" sz="1800" dirty="0">
+                          <a:solidFill>
+                            <a:srgbClr val="C00000"/>
+                          </a:solidFill>
+                          <a:effectLst/>
+                          <a:latin typeface="+mn-lt"/>
+                          <a:ea typeface="Calibri" panose="020F0502020204030204" pitchFamily="34" charset="0"/>
+                          <a:cs typeface="Times New Roman" panose="02020603050405020304" pitchFamily="18" charset="0"/>
+                        </a:rPr>
+                        <a:t>0.18333</a:t>
+                      </a:r>
+                      <a:endParaRPr lang="en-US" sz="1800" dirty="0">
+                        <a:effectLst/>
+                        <a:latin typeface="+mn-lt"/>
+                        <a:ea typeface="Calibri" panose="020F0502020204030204" pitchFamily="34" charset="0"/>
+                        <a:cs typeface="Times New Roman" panose="02020603050405020304" pitchFamily="18" charset="0"/>
+                      </a:endParaRPr>
+                    </a:p>
+                  </a:txBody>
+                  <a:tcPr marL="68580" marR="68580" marT="0" marB="0" anchor="ctr">
+                    <a:lnL w="12700" cap="flat" cmpd="sng" algn="ctr">
+                      <a:solidFill>
+                        <a:srgbClr val="000000"/>
+                      </a:solidFill>
+                      <a:prstDash val="solid"/>
+                      <a:round/>
+                      <a:headEnd type="none" w="med" len="med"/>
+                      <a:tailEnd type="none" w="med" len="med"/>
+                    </a:lnL>
+                    <a:lnR w="12700" cap="flat" cmpd="sng" algn="ctr">
+                      <a:solidFill>
+                        <a:srgbClr val="000000"/>
+                      </a:solidFill>
+                      <a:prstDash val="solid"/>
+                      <a:round/>
+                      <a:headEnd type="none" w="med" len="med"/>
+                      <a:tailEnd type="none" w="med" len="med"/>
+                    </a:lnR>
+                    <a:lnT w="12700" cap="flat" cmpd="sng" algn="ctr">
+                      <a:solidFill>
+                        <a:srgbClr val="000000"/>
+                      </a:solidFill>
+                      <a:prstDash val="solid"/>
+                      <a:round/>
+                      <a:headEnd type="none" w="med" len="med"/>
+                      <a:tailEnd type="none" w="med" len="med"/>
+                    </a:lnT>
+                    <a:lnB w="12700" cap="flat" cmpd="sng" algn="ctr">
+                      <a:solidFill>
+                        <a:srgbClr val="000000"/>
+                      </a:solidFill>
+                      <a:prstDash val="solid"/>
+                      <a:round/>
+                      <a:headEnd type="none" w="med" len="med"/>
+                      <a:tailEnd type="none" w="med" len="med"/>
+                    </a:lnB>
+                  </a:tcPr>
+                </a:tc>
+              </a:tr>
+              <a:tr h="457200">
+                <a:tc>
+                  <a:txBody>
+                    <a:bodyPr/>
+                    <a:lstStyle/>
+                    <a:p>
+                      <a:pPr marL="0" marR="0">
+                        <a:lnSpc>
+                          <a:spcPct val="107000"/>
+                        </a:lnSpc>
+                        <a:spcBef>
+                          <a:spcPts val="0"/>
+                        </a:spcBef>
+                        <a:spcAft>
+                          <a:spcPts val="0"/>
+                        </a:spcAft>
+                      </a:pPr>
+                      <a:r>
+                        <a:rPr lang="en-US" sz="1800">
+                          <a:effectLst/>
+                          <a:latin typeface="+mn-lt"/>
+                          <a:ea typeface="Calibri" panose="020F0502020204030204" pitchFamily="34" charset="0"/>
+                          <a:cs typeface="Times New Roman" panose="02020603050405020304" pitchFamily="18" charset="0"/>
+                        </a:rPr>
+                        <a:t>Sides Al Casing Thickness [cm]</a:t>
+                      </a:r>
+                    </a:p>
+                  </a:txBody>
+                  <a:tcPr marL="68580" marR="68580" marT="0" marB="0">
+                    <a:lnL w="12700" cap="flat" cmpd="sng" algn="ctr">
+                      <a:solidFill>
+                        <a:srgbClr val="000000"/>
+                      </a:solidFill>
+                      <a:prstDash val="solid"/>
+                      <a:round/>
+                      <a:headEnd type="none" w="med" len="med"/>
+                      <a:tailEnd type="none" w="med" len="med"/>
+                    </a:lnL>
+                    <a:lnR w="12700" cap="flat" cmpd="sng" algn="ctr">
+                      <a:solidFill>
+                        <a:srgbClr val="000000"/>
+                      </a:solidFill>
+                      <a:prstDash val="solid"/>
+                      <a:round/>
+                      <a:headEnd type="none" w="med" len="med"/>
+                      <a:tailEnd type="none" w="med" len="med"/>
+                    </a:lnR>
+                    <a:lnT w="12700" cap="flat" cmpd="sng" algn="ctr">
+                      <a:solidFill>
+                        <a:srgbClr val="000000"/>
+                      </a:solidFill>
+                      <a:prstDash val="solid"/>
+                      <a:round/>
+                      <a:headEnd type="none" w="med" len="med"/>
+                      <a:tailEnd type="none" w="med" len="med"/>
+                    </a:lnT>
+                    <a:lnB w="12700" cap="flat" cmpd="sng" algn="ctr">
+                      <a:solidFill>
+                        <a:srgbClr val="000000"/>
+                      </a:solidFill>
+                      <a:prstDash val="solid"/>
+                      <a:round/>
+                      <a:headEnd type="none" w="med" len="med"/>
+                      <a:tailEnd type="none" w="med" len="med"/>
+                    </a:lnB>
+                  </a:tcPr>
+                </a:tc>
+                <a:tc>
+                  <a:txBody>
+                    <a:bodyPr/>
+                    <a:lstStyle/>
+                    <a:p>
+                      <a:pPr marL="0" marR="0" algn="ctr">
+                        <a:lnSpc>
+                          <a:spcPct val="107000"/>
+                        </a:lnSpc>
+                        <a:spcBef>
+                          <a:spcPts val="0"/>
+                        </a:spcBef>
+                        <a:spcAft>
+                          <a:spcPts val="0"/>
+                        </a:spcAft>
+                      </a:pPr>
+                      <a:r>
+                        <a:rPr lang="en-US" sz="1800">
+                          <a:effectLst/>
+                          <a:latin typeface="+mn-lt"/>
+                          <a:ea typeface="Calibri" panose="020F0502020204030204" pitchFamily="34" charset="0"/>
+                          <a:cs typeface="Times New Roman" panose="02020603050405020304" pitchFamily="18" charset="0"/>
+                        </a:rPr>
+                        <a:t>0.15</a:t>
+                      </a:r>
+                    </a:p>
+                  </a:txBody>
+                  <a:tcPr marL="68580" marR="68580" marT="0" marB="0" anchor="ctr">
+                    <a:lnL w="12700" cap="flat" cmpd="sng" algn="ctr">
+                      <a:solidFill>
+                        <a:srgbClr val="000000"/>
+                      </a:solidFill>
+                      <a:prstDash val="solid"/>
+                      <a:round/>
+                      <a:headEnd type="none" w="med" len="med"/>
+                      <a:tailEnd type="none" w="med" len="med"/>
+                    </a:lnL>
+                    <a:lnR w="12700" cap="flat" cmpd="sng" algn="ctr">
+                      <a:solidFill>
+                        <a:srgbClr val="000000"/>
+                      </a:solidFill>
+                      <a:prstDash val="solid"/>
+                      <a:round/>
+                      <a:headEnd type="none" w="med" len="med"/>
+                      <a:tailEnd type="none" w="med" len="med"/>
+                    </a:lnR>
+                    <a:lnT w="12700" cap="flat" cmpd="sng" algn="ctr">
+                      <a:solidFill>
+                        <a:srgbClr val="000000"/>
+                      </a:solidFill>
+                      <a:prstDash val="solid"/>
+                      <a:round/>
+                      <a:headEnd type="none" w="med" len="med"/>
+                      <a:tailEnd type="none" w="med" len="med"/>
+                    </a:lnT>
+                    <a:lnB w="12700" cap="flat" cmpd="sng" algn="ctr">
+                      <a:solidFill>
+                        <a:srgbClr val="000000"/>
+                      </a:solidFill>
+                      <a:prstDash val="solid"/>
+                      <a:round/>
+                      <a:headEnd type="none" w="med" len="med"/>
+                      <a:tailEnd type="none" w="med" len="med"/>
+                    </a:lnB>
+                  </a:tcPr>
+                </a:tc>
+                <a:tc>
+                  <a:txBody>
+                    <a:bodyPr/>
+                    <a:lstStyle/>
+                    <a:p>
+                      <a:pPr marL="0" marR="0" algn="ctr">
+                        <a:lnSpc>
+                          <a:spcPct val="107000"/>
+                        </a:lnSpc>
+                        <a:spcBef>
+                          <a:spcPts val="0"/>
+                        </a:spcBef>
+                        <a:spcAft>
+                          <a:spcPts val="0"/>
+                        </a:spcAft>
+                      </a:pPr>
+                      <a:r>
+                        <a:rPr lang="en-US" sz="1800">
+                          <a:effectLst/>
+                          <a:latin typeface="+mn-lt"/>
+                          <a:ea typeface="Calibri" panose="020F0502020204030204" pitchFamily="34" charset="0"/>
+                          <a:cs typeface="Times New Roman" panose="02020603050405020304" pitchFamily="18" charset="0"/>
+                        </a:rPr>
+                        <a:t>0.05</a:t>
+                      </a:r>
+                    </a:p>
+                  </a:txBody>
+                  <a:tcPr marL="68580" marR="68580" marT="0" marB="0" anchor="ctr">
+                    <a:lnL w="12700" cap="flat" cmpd="sng" algn="ctr">
+                      <a:solidFill>
+                        <a:srgbClr val="000000"/>
+                      </a:solidFill>
+                      <a:prstDash val="solid"/>
+                      <a:round/>
+                      <a:headEnd type="none" w="med" len="med"/>
+                      <a:tailEnd type="none" w="med" len="med"/>
+                    </a:lnL>
+                    <a:lnR w="12700" cap="flat" cmpd="sng" algn="ctr">
+                      <a:solidFill>
+                        <a:srgbClr val="000000"/>
+                      </a:solidFill>
+                      <a:prstDash val="solid"/>
+                      <a:round/>
+                      <a:headEnd type="none" w="med" len="med"/>
+                      <a:tailEnd type="none" w="med" len="med"/>
+                    </a:lnR>
+                    <a:lnT w="12700" cap="flat" cmpd="sng" algn="ctr">
+                      <a:solidFill>
+                        <a:srgbClr val="000000"/>
+                      </a:solidFill>
+                      <a:prstDash val="solid"/>
+                      <a:round/>
+                      <a:headEnd type="none" w="med" len="med"/>
+                      <a:tailEnd type="none" w="med" len="med"/>
+                    </a:lnT>
+                    <a:lnB w="12700" cap="flat" cmpd="sng" algn="ctr">
+                      <a:solidFill>
+                        <a:srgbClr val="000000"/>
+                      </a:solidFill>
+                      <a:prstDash val="solid"/>
+                      <a:round/>
+                      <a:headEnd type="none" w="med" len="med"/>
+                      <a:tailEnd type="none" w="med" len="med"/>
+                    </a:lnB>
+                  </a:tcPr>
+                </a:tc>
+                <a:tc>
+                  <a:txBody>
+                    <a:bodyPr/>
+                    <a:lstStyle/>
+                    <a:p>
+                      <a:pPr marL="0" marR="0" algn="ctr">
+                        <a:lnSpc>
+                          <a:spcPct val="107000"/>
+                        </a:lnSpc>
+                        <a:spcBef>
+                          <a:spcPts val="0"/>
+                        </a:spcBef>
+                        <a:spcAft>
+                          <a:spcPts val="0"/>
+                        </a:spcAft>
+                      </a:pPr>
+                      <a:r>
+                        <a:rPr lang="en-US" sz="1800" dirty="0">
+                          <a:solidFill>
+                            <a:srgbClr val="00B050"/>
+                          </a:solidFill>
+                          <a:effectLst/>
+                          <a:latin typeface="+mn-lt"/>
+                          <a:ea typeface="Calibri" panose="020F0502020204030204" pitchFamily="34" charset="0"/>
+                          <a:cs typeface="Times New Roman" panose="02020603050405020304" pitchFamily="18" charset="0"/>
+                        </a:rPr>
+                        <a:t>0.25</a:t>
+                      </a:r>
+                      <a:endParaRPr lang="en-US" sz="1800" dirty="0">
+                        <a:effectLst/>
+                        <a:latin typeface="+mn-lt"/>
+                        <a:ea typeface="Calibri" panose="020F0502020204030204" pitchFamily="34" charset="0"/>
+                        <a:cs typeface="Times New Roman" panose="02020603050405020304" pitchFamily="18" charset="0"/>
+                      </a:endParaRPr>
+                    </a:p>
+                  </a:txBody>
+                  <a:tcPr marL="68580" marR="68580" marT="0" marB="0" anchor="ctr">
+                    <a:lnL w="12700" cap="flat" cmpd="sng" algn="ctr">
+                      <a:solidFill>
+                        <a:srgbClr val="000000"/>
+                      </a:solidFill>
+                      <a:prstDash val="solid"/>
+                      <a:round/>
+                      <a:headEnd type="none" w="med" len="med"/>
+                      <a:tailEnd type="none" w="med" len="med"/>
+                    </a:lnL>
+                    <a:lnR w="12700" cap="flat" cmpd="sng" algn="ctr">
+                      <a:solidFill>
+                        <a:srgbClr val="000000"/>
+                      </a:solidFill>
+                      <a:prstDash val="solid"/>
+                      <a:round/>
+                      <a:headEnd type="none" w="med" len="med"/>
+                      <a:tailEnd type="none" w="med" len="med"/>
+                    </a:lnR>
+                    <a:lnT w="12700" cap="flat" cmpd="sng" algn="ctr">
+                      <a:solidFill>
+                        <a:srgbClr val="000000"/>
+                      </a:solidFill>
+                      <a:prstDash val="solid"/>
+                      <a:round/>
+                      <a:headEnd type="none" w="med" len="med"/>
+                      <a:tailEnd type="none" w="med" len="med"/>
+                    </a:lnT>
+                    <a:lnB w="12700" cap="flat" cmpd="sng" algn="ctr">
+                      <a:solidFill>
+                        <a:srgbClr val="000000"/>
+                      </a:solidFill>
+                      <a:prstDash val="solid"/>
+                      <a:round/>
+                      <a:headEnd type="none" w="med" len="med"/>
+                      <a:tailEnd type="none" w="med" len="med"/>
+                    </a:lnB>
+                  </a:tcPr>
+                </a:tc>
+              </a:tr>
+              <a:tr h="457200">
+                <a:tc>
+                  <a:txBody>
+                    <a:bodyPr/>
+                    <a:lstStyle/>
+                    <a:p>
+                      <a:pPr marL="0" marR="0">
+                        <a:lnSpc>
+                          <a:spcPct val="107000"/>
+                        </a:lnSpc>
+                        <a:spcBef>
+                          <a:spcPts val="0"/>
+                        </a:spcBef>
+                        <a:spcAft>
+                          <a:spcPts val="0"/>
+                        </a:spcAft>
+                      </a:pPr>
+                      <a:r>
+                        <a:rPr lang="en-US" sz="1800">
+                          <a:effectLst/>
+                          <a:latin typeface="+mn-lt"/>
+                          <a:ea typeface="Calibri" panose="020F0502020204030204" pitchFamily="34" charset="0"/>
+                          <a:cs typeface="Times New Roman" panose="02020603050405020304" pitchFamily="18" charset="0"/>
+                        </a:rPr>
+                        <a:t>Ge Crystal Density [g/cm</a:t>
+                      </a:r>
+                      <a:r>
+                        <a:rPr lang="en-US" sz="1800" baseline="30000">
+                          <a:effectLst/>
+                          <a:latin typeface="+mn-lt"/>
+                          <a:ea typeface="Calibri" panose="020F0502020204030204" pitchFamily="34" charset="0"/>
+                          <a:cs typeface="Times New Roman" panose="02020603050405020304" pitchFamily="18" charset="0"/>
+                        </a:rPr>
+                        <a:t>3</a:t>
+                      </a:r>
+                      <a:r>
+                        <a:rPr lang="en-US" sz="1800">
+                          <a:effectLst/>
+                          <a:latin typeface="+mn-lt"/>
+                          <a:ea typeface="Calibri" panose="020F0502020204030204" pitchFamily="34" charset="0"/>
+                          <a:cs typeface="Times New Roman" panose="02020603050405020304" pitchFamily="18" charset="0"/>
+                        </a:rPr>
+                        <a:t>]</a:t>
+                      </a:r>
+                    </a:p>
+                  </a:txBody>
+                  <a:tcPr marL="68580" marR="68580" marT="0" marB="0">
+                    <a:lnL w="12700" cap="flat" cmpd="sng" algn="ctr">
+                      <a:solidFill>
+                        <a:srgbClr val="000000"/>
+                      </a:solidFill>
+                      <a:prstDash val="solid"/>
+                      <a:round/>
+                      <a:headEnd type="none" w="med" len="med"/>
+                      <a:tailEnd type="none" w="med" len="med"/>
+                    </a:lnL>
+                    <a:lnR w="12700" cap="flat" cmpd="sng" algn="ctr">
+                      <a:solidFill>
+                        <a:srgbClr val="000000"/>
+                      </a:solidFill>
+                      <a:prstDash val="solid"/>
+                      <a:round/>
+                      <a:headEnd type="none" w="med" len="med"/>
+                      <a:tailEnd type="none" w="med" len="med"/>
+                    </a:lnR>
+                    <a:lnT w="12700" cap="flat" cmpd="sng" algn="ctr">
+                      <a:solidFill>
+                        <a:srgbClr val="000000"/>
+                      </a:solidFill>
+                      <a:prstDash val="solid"/>
+                      <a:round/>
+                      <a:headEnd type="none" w="med" len="med"/>
+                      <a:tailEnd type="none" w="med" len="med"/>
+                    </a:lnT>
+                    <a:lnB w="12700" cap="flat" cmpd="sng" algn="ctr">
+                      <a:solidFill>
+                        <a:srgbClr val="000000"/>
+                      </a:solidFill>
+                      <a:prstDash val="solid"/>
+                      <a:round/>
+                      <a:headEnd type="none" w="med" len="med"/>
+                      <a:tailEnd type="none" w="med" len="med"/>
+                    </a:lnB>
+                  </a:tcPr>
+                </a:tc>
+                <a:tc>
+                  <a:txBody>
+                    <a:bodyPr/>
+                    <a:lstStyle/>
+                    <a:p>
+                      <a:pPr marL="0" marR="0" algn="ctr">
+                        <a:lnSpc>
+                          <a:spcPct val="107000"/>
+                        </a:lnSpc>
+                        <a:spcBef>
+                          <a:spcPts val="0"/>
+                        </a:spcBef>
+                        <a:spcAft>
+                          <a:spcPts val="0"/>
+                        </a:spcAft>
+                      </a:pPr>
+                      <a:r>
+                        <a:rPr lang="en-US" sz="1800">
+                          <a:effectLst/>
+                          <a:latin typeface="+mn-lt"/>
+                          <a:ea typeface="Calibri" panose="020F0502020204030204" pitchFamily="34" charset="0"/>
+                          <a:cs typeface="Times New Roman" panose="02020603050405020304" pitchFamily="18" charset="0"/>
+                        </a:rPr>
+                        <a:t>5.32</a:t>
+                      </a:r>
+                    </a:p>
+                  </a:txBody>
+                  <a:tcPr marL="68580" marR="68580" marT="0" marB="0" anchor="ctr">
+                    <a:lnL w="12700" cap="flat" cmpd="sng" algn="ctr">
+                      <a:solidFill>
+                        <a:srgbClr val="000000"/>
+                      </a:solidFill>
+                      <a:prstDash val="solid"/>
+                      <a:round/>
+                      <a:headEnd type="none" w="med" len="med"/>
+                      <a:tailEnd type="none" w="med" len="med"/>
+                    </a:lnL>
+                    <a:lnR w="12700" cap="flat" cmpd="sng" algn="ctr">
+                      <a:solidFill>
+                        <a:srgbClr val="000000"/>
+                      </a:solidFill>
+                      <a:prstDash val="solid"/>
+                      <a:round/>
+                      <a:headEnd type="none" w="med" len="med"/>
+                      <a:tailEnd type="none" w="med" len="med"/>
+                    </a:lnR>
+                    <a:lnT w="12700" cap="flat" cmpd="sng" algn="ctr">
+                      <a:solidFill>
+                        <a:srgbClr val="000000"/>
+                      </a:solidFill>
+                      <a:prstDash val="solid"/>
+                      <a:round/>
+                      <a:headEnd type="none" w="med" len="med"/>
+                      <a:tailEnd type="none" w="med" len="med"/>
+                    </a:lnT>
+                    <a:lnB w="12700" cap="flat" cmpd="sng" algn="ctr">
+                      <a:solidFill>
+                        <a:srgbClr val="000000"/>
+                      </a:solidFill>
+                      <a:prstDash val="solid"/>
+                      <a:round/>
+                      <a:headEnd type="none" w="med" len="med"/>
+                      <a:tailEnd type="none" w="med" len="med"/>
+                    </a:lnB>
+                  </a:tcPr>
+                </a:tc>
+                <a:tc>
+                  <a:txBody>
+                    <a:bodyPr/>
+                    <a:lstStyle/>
+                    <a:p>
+                      <a:pPr marL="0" marR="0" algn="ctr">
+                        <a:lnSpc>
+                          <a:spcPct val="107000"/>
+                        </a:lnSpc>
+                        <a:spcBef>
+                          <a:spcPts val="0"/>
+                        </a:spcBef>
+                        <a:spcAft>
+                          <a:spcPts val="0"/>
+                        </a:spcAft>
+                      </a:pPr>
+                      <a:r>
+                        <a:rPr lang="en-US" sz="1800">
+                          <a:effectLst/>
+                          <a:latin typeface="+mn-lt"/>
+                          <a:ea typeface="Calibri" panose="020F0502020204030204" pitchFamily="34" charset="0"/>
+                          <a:cs typeface="Times New Roman" panose="02020603050405020304" pitchFamily="18" charset="0"/>
+                        </a:rPr>
+                        <a:t>5.35</a:t>
+                      </a:r>
+                    </a:p>
+                  </a:txBody>
+                  <a:tcPr marL="68580" marR="68580" marT="0" marB="0" anchor="ctr">
+                    <a:lnL w="12700" cap="flat" cmpd="sng" algn="ctr">
+                      <a:solidFill>
+                        <a:srgbClr val="000000"/>
+                      </a:solidFill>
+                      <a:prstDash val="solid"/>
+                      <a:round/>
+                      <a:headEnd type="none" w="med" len="med"/>
+                      <a:tailEnd type="none" w="med" len="med"/>
+                    </a:lnL>
+                    <a:lnR w="12700" cap="flat" cmpd="sng" algn="ctr">
+                      <a:solidFill>
+                        <a:srgbClr val="000000"/>
+                      </a:solidFill>
+                      <a:prstDash val="solid"/>
+                      <a:round/>
+                      <a:headEnd type="none" w="med" len="med"/>
+                      <a:tailEnd type="none" w="med" len="med"/>
+                    </a:lnR>
+                    <a:lnT w="12700" cap="flat" cmpd="sng" algn="ctr">
+                      <a:solidFill>
+                        <a:srgbClr val="000000"/>
+                      </a:solidFill>
+                      <a:prstDash val="solid"/>
+                      <a:round/>
+                      <a:headEnd type="none" w="med" len="med"/>
+                      <a:tailEnd type="none" w="med" len="med"/>
+                    </a:lnT>
+                    <a:lnB w="12700" cap="flat" cmpd="sng" algn="ctr">
+                      <a:solidFill>
+                        <a:srgbClr val="000000"/>
+                      </a:solidFill>
+                      <a:prstDash val="solid"/>
+                      <a:round/>
+                      <a:headEnd type="none" w="med" len="med"/>
+                      <a:tailEnd type="none" w="med" len="med"/>
+                    </a:lnB>
+                  </a:tcPr>
+                </a:tc>
+                <a:tc>
+                  <a:txBody>
+                    <a:bodyPr/>
+                    <a:lstStyle/>
+                    <a:p>
+                      <a:pPr marL="0" marR="0" algn="ctr">
+                        <a:lnSpc>
+                          <a:spcPct val="107000"/>
+                        </a:lnSpc>
+                        <a:spcBef>
+                          <a:spcPts val="0"/>
+                        </a:spcBef>
+                        <a:spcAft>
+                          <a:spcPts val="0"/>
+                        </a:spcAft>
+                      </a:pPr>
+                      <a:r>
+                        <a:rPr lang="en-US" sz="1800" dirty="0">
+                          <a:effectLst/>
+                          <a:latin typeface="+mn-lt"/>
+                          <a:ea typeface="Calibri" panose="020F0502020204030204" pitchFamily="34" charset="0"/>
+                          <a:cs typeface="Times New Roman" panose="02020603050405020304" pitchFamily="18" charset="0"/>
+                        </a:rPr>
+                        <a:t>5.35</a:t>
+                      </a:r>
+                    </a:p>
+                  </a:txBody>
+                  <a:tcPr marL="68580" marR="68580" marT="0" marB="0" anchor="ctr">
+                    <a:lnL w="12700" cap="flat" cmpd="sng" algn="ctr">
+                      <a:solidFill>
+                        <a:srgbClr val="000000"/>
+                      </a:solidFill>
+                      <a:prstDash val="solid"/>
+                      <a:round/>
+                      <a:headEnd type="none" w="med" len="med"/>
+                      <a:tailEnd type="none" w="med" len="med"/>
+                    </a:lnL>
+                    <a:lnR w="12700" cap="flat" cmpd="sng" algn="ctr">
+                      <a:solidFill>
+                        <a:srgbClr val="000000"/>
+                      </a:solidFill>
+                      <a:prstDash val="solid"/>
+                      <a:round/>
+                      <a:headEnd type="none" w="med" len="med"/>
+                      <a:tailEnd type="none" w="med" len="med"/>
+                    </a:lnR>
+                    <a:lnT w="12700" cap="flat" cmpd="sng" algn="ctr">
+                      <a:solidFill>
+                        <a:srgbClr val="000000"/>
+                      </a:solidFill>
+                      <a:prstDash val="solid"/>
+                      <a:round/>
+                      <a:headEnd type="none" w="med" len="med"/>
+                      <a:tailEnd type="none" w="med" len="med"/>
+                    </a:lnT>
+                    <a:lnB w="12700" cap="flat" cmpd="sng" algn="ctr">
+                      <a:solidFill>
+                        <a:srgbClr val="000000"/>
+                      </a:solidFill>
+                      <a:prstDash val="solid"/>
+                      <a:round/>
+                      <a:headEnd type="none" w="med" len="med"/>
+                      <a:tailEnd type="none" w="med" len="med"/>
+                    </a:lnB>
+                  </a:tcPr>
+                </a:tc>
+              </a:tr>
+            </a:tbl>
+          </a:graphicData>
+        </a:graphic>
+      </p:graphicFrame>
+    </p:spTree>
+    <p:extLst>
+      <p:ext uri="{BB962C8B-B14F-4D97-AF65-F5344CB8AC3E}">
+        <p14:creationId xmlns:p14="http://schemas.microsoft.com/office/powerpoint/2010/main" val="3023996483"/>
+      </p:ext>
+    </p:extLst>
+  </p:cSld>
+  <p:clrMapOvr>
+    <a:masterClrMapping/>
+  </p:clrMapOvr>
+  <p:transition/>
+  <p:timing>
+    <p:tnLst>
+      <p:par>
+        <p:cTn id="1" dur="indefinite" restart="never" nodeType="tmRoot"/>
+      </p:par>
+    </p:tnLst>
+  </p:timing>
+</p:sld>
+</file>
+
+<file path=ppt/slides/slide34.xml><?xml version="1.0" encoding="utf-8"?>
+<p:sld xmlns:a="http://schemas.openxmlformats.org/drawingml/2006/main" xmlns:r="http://schemas.openxmlformats.org/officeDocument/2006/relationships" xmlns:p="http://schemas.openxmlformats.org/presentationml/2006/main">
+  <p:cSld>
+    <p:spTree>
+      <p:nvGrpSpPr>
+        <p:cNvPr id="1" name=""/>
+        <p:cNvGrpSpPr/>
+        <p:nvPr/>
+      </p:nvGrpSpPr>
+      <p:grpSpPr>
+        <a:xfrm>
+          <a:off x="0" y="0"/>
+          <a:ext cx="0" cy="0"/>
+          <a:chOff x="0" y="0"/>
+          <a:chExt cx="0" cy="0"/>
+        </a:xfrm>
+      </p:grpSpPr>
+      <p:sp>
+        <p:nvSpPr>
+          <p:cNvPr id="2" name="Title 1"/>
+          <p:cNvSpPr>
+            <a:spLocks noGrp="1"/>
+          </p:cNvSpPr>
+          <p:nvPr>
+            <p:ph type="title"/>
+          </p:nvPr>
+        </p:nvSpPr>
+        <p:spPr/>
+        <p:txBody>
+          <a:bodyPr/>
+          <a:lstStyle/>
+          <a:p>
+            <a:r>
+              <a:rPr lang="en-US" dirty="0" smtClean="0">
+                <a:solidFill>
+                  <a:srgbClr val="000066"/>
                 </a:solidFill>
               </a:rPr>
               <a:t>Conclusion</a:t>
             </a:r>
             <a:endParaRPr lang="en-US" dirty="0">
               <a:solidFill>
-                <a:srgbClr val="FF0000"/>
+                <a:srgbClr val="000066"/>
               </a:solidFill>
             </a:endParaRPr>
           </a:p>
@@ -25052,19 +28323,7 @@
           <a:p>
             <a:r>
               <a:rPr lang="en-US" dirty="0" smtClean="0"/>
-              <a:t>The optimization method can represent the efficiency between energies of 0.392-1.836 MeV with a relative difference of </a:t>
-            </a:r>
-            <a:r>
-              <a:rPr lang="en-US" dirty="0" smtClean="0">
-                <a:solidFill>
-                  <a:srgbClr val="FF0000"/>
-                </a:solidFill>
-              </a:rPr>
-              <a:t>X</a:t>
-            </a:r>
-            <a:r>
-              <a:rPr lang="en-US" dirty="0" smtClean="0"/>
-              <a:t>, for sources directly above the detector</a:t>
+              <a:t>The optimization method can represent the efficiency between energies of 0.159-1.836 MeV with a relative difference of 5.9%, for sources 7 cm above the detector</a:t>
             </a:r>
           </a:p>
           <a:p>
@@ -25122,7 +28381,7 @@
               <a:pPr>
                 <a:defRPr/>
               </a:pPr>
-              <a:t>32</a:t>
+              <a:t>34</a:t>
             </a:fld>
             <a:endParaRPr lang="en-US" dirty="0"/>
           </a:p>
@@ -25149,7 +28408,7 @@
 </p:sld>
 </file>
 
-<file path=ppt/slides/slide33.xml><?xml version="1.0" encoding="utf-8"?>
+<file path=ppt/slides/slide35.xml><?xml version="1.0" encoding="utf-8"?>
 <p:sld xmlns:a="http://schemas.openxmlformats.org/drawingml/2006/main" xmlns:r="http://schemas.openxmlformats.org/officeDocument/2006/relationships" xmlns:p="http://schemas.openxmlformats.org/presentationml/2006/main">
   <p:cSld>
     <p:spTree>
@@ -25195,7 +28454,7 @@
             <a:pPr lvl="1"/>
             <a:r>
               <a:rPr lang="en-US" dirty="0" smtClean="0"/>
-              <a:t>Increase adjustable parameters</a:t>
+              <a:t>Increase adjustable parameters/more realistic</a:t>
             </a:r>
           </a:p>
           <a:p>
@@ -25287,7 +28546,7 @@
               <a:pPr>
                 <a:defRPr/>
               </a:pPr>
-              <a:t>33</a:t>
+              <a:t>35</a:t>
             </a:fld>
             <a:endParaRPr lang="en-US" dirty="0"/>
           </a:p>
@@ -25575,7 +28834,7 @@
 </p:sld>
 </file>
 
-<file path=ppt/slides/slide34.xml><?xml version="1.0" encoding="utf-8"?>
+<file path=ppt/slides/slide36.xml><?xml version="1.0" encoding="utf-8"?>
 <p:sld xmlns:a="http://schemas.openxmlformats.org/drawingml/2006/main" xmlns:r="http://schemas.openxmlformats.org/officeDocument/2006/relationships" xmlns:p="http://schemas.openxmlformats.org/presentationml/2006/main">
   <p:cSld>
     <p:spTree>
@@ -25708,7 +28967,7 @@
               <a:pPr>
                 <a:defRPr/>
               </a:pPr>
-              <a:t>34</a:t>
+              <a:t>36</a:t>
             </a:fld>
             <a:endParaRPr lang="en-US" dirty="0"/>
           </a:p>
@@ -26057,7 +29316,7 @@
 </p:sld>
 </file>
 
-<file path=ppt/slides/slide35.xml><?xml version="1.0" encoding="utf-8"?>
+<file path=ppt/slides/slide37.xml><?xml version="1.0" encoding="utf-8"?>
 <p:sld xmlns:a="http://schemas.openxmlformats.org/drawingml/2006/main" xmlns:r="http://schemas.openxmlformats.org/officeDocument/2006/relationships" xmlns:p="http://schemas.openxmlformats.org/presentationml/2006/main">
   <p:cSld>
     <p:spTree>
@@ -26096,20 +29355,36 @@
           <a:p>
             <a:r>
               <a:rPr lang="en-US" dirty="0" smtClean="0"/>
-              <a:t>Captain James Bevins, AFIT</a:t>
+              <a:t>Provided project assistance, Captain James Bevins, AFIT</a:t>
             </a:r>
             <a:endParaRPr lang="en-US" dirty="0"/>
           </a:p>
           <a:p>
             <a:r>
               <a:rPr lang="en-US" dirty="0" smtClean="0"/>
-              <a:t>Lt Colonel Buck O’Day, AFIT</a:t>
+              <a:t>Provided experimental data, Lt Colonel Buck O’Day, AFIT</a:t>
             </a:r>
           </a:p>
           <a:p>
             <a:r>
               <a:rPr lang="en-US" dirty="0" smtClean="0"/>
-              <a:t>Capt Bevins Model</a:t>
+              <a:t>HPGe Template provided by, Captain </a:t>
+            </a:r>
+            <a:r>
+              <a:rPr lang="en-US" dirty="0"/>
+              <a:t>James </a:t>
+            </a:r>
+            <a:r>
+              <a:rPr lang="en-US" dirty="0" err="1"/>
+              <a:t>Bevins</a:t>
+            </a:r>
+            <a:r>
+              <a:rPr lang="en-US" dirty="0"/>
+              <a:t>, </a:t>
+            </a:r>
+            <a:r>
+              <a:rPr lang="en-US" dirty="0" smtClean="0"/>
+              <a:t>AFIT; Mr. Will Kable LLNL; </a:t>
             </a:r>
           </a:p>
           <a:p>
@@ -26135,14 +29410,14 @@
             <a:r>
               <a:rPr lang="en-US" dirty="0" smtClean="0">
                 <a:solidFill>
-                  <a:srgbClr val="FF0000"/>
+                  <a:srgbClr val="000066"/>
                 </a:solidFill>
               </a:rPr>
               <a:t>Acknowledgements</a:t>
             </a:r>
             <a:endParaRPr lang="en-US" dirty="0">
               <a:solidFill>
-                <a:srgbClr val="FF0000"/>
+                <a:srgbClr val="000066"/>
               </a:solidFill>
             </a:endParaRPr>
           </a:p>
@@ -26171,7 +29446,7 @@
               <a:pPr>
                 <a:defRPr/>
               </a:pPr>
-              <a:t>35</a:t>
+              <a:t>37</a:t>
             </a:fld>
             <a:endParaRPr lang="en-US" dirty="0"/>
           </a:p>
@@ -26335,7 +29610,7 @@
 </p:sld>
 </file>
 
-<file path=ppt/slides/slide36.xml><?xml version="1.0" encoding="utf-8"?>
+<file path=ppt/slides/slide38.xml><?xml version="1.0" encoding="utf-8"?>
 <p:sld xmlns:a="http://schemas.openxmlformats.org/drawingml/2006/main" xmlns:r="http://schemas.openxmlformats.org/officeDocument/2006/relationships" xmlns:p="http://schemas.openxmlformats.org/presentationml/2006/main">
   <p:cSld>
     <p:spTree>
@@ -26398,7 +29673,7 @@
               <a:pPr>
                 <a:defRPr/>
               </a:pPr>
-              <a:t>36</a:t>
+              <a:t>38</a:t>
             </a:fld>
             <a:endParaRPr lang="en-US" dirty="0"/>
           </a:p>
@@ -26509,7 +29784,7 @@
 </p:sld>
 </file>
 
-<file path=ppt/slides/slide37.xml><?xml version="1.0" encoding="utf-8"?>
+<file path=ppt/slides/slide39.xml><?xml version="1.0" encoding="utf-8"?>
 <p:sld xmlns:a="http://schemas.openxmlformats.org/drawingml/2006/main" xmlns:r="http://schemas.openxmlformats.org/officeDocument/2006/relationships" xmlns:p="http://schemas.openxmlformats.org/presentationml/2006/main">
   <p:cSld>
     <p:spTree>
@@ -26572,7 +29847,7 @@
               <a:pPr>
                 <a:defRPr/>
               </a:pPr>
-              <a:t>37</a:t>
+              <a:t>39</a:t>
             </a:fld>
             <a:endParaRPr lang="en-US" dirty="0"/>
           </a:p>
